--- a/ch2-fo-bayes-nets.pptx
+++ b/ch2-fo-bayes-nets.pptx
@@ -13453,9 +13453,10 @@
               <a:defRPr/>
             </a:pPr>
             <a:r>
-              <a:rPr lang="en-US"/>
-              <a:t>Canadian AI Tutorial 2016</a:t>
-            </a:r>
+              <a:rPr lang="en-US" dirty="0" smtClean="0"/>
+              <a:t>Learning Bayesian Networks for Complex Relational Data</a:t>
+            </a:r>
+            <a:endParaRPr lang="en-US" dirty="0"/>
           </a:p>
         </p:txBody>
       </p:sp>
@@ -13632,9 +13633,10 @@
               <a:defRPr/>
             </a:pPr>
             <a:r>
-              <a:rPr lang="en-US"/>
-              <a:t>Canadian AI Tutorial 2016</a:t>
-            </a:r>
+              <a:rPr lang="en-US" dirty="0" smtClean="0"/>
+              <a:t>Learning Bayesian Networks for Complex Relational Data</a:t>
+            </a:r>
+            <a:endParaRPr lang="en-US" dirty="0"/>
           </a:p>
         </p:txBody>
       </p:sp>
@@ -13778,9 +13780,10 @@
               <a:defRPr/>
             </a:pPr>
             <a:r>
-              <a:rPr lang="en-US"/>
-              <a:t>Canadian AI Tutorial 2016</a:t>
-            </a:r>
+              <a:rPr lang="en-US" dirty="0" smtClean="0"/>
+              <a:t>Learning Bayesian Networks for Complex Relational Data</a:t>
+            </a:r>
+            <a:endParaRPr lang="en-US" dirty="0"/>
           </a:p>
         </p:txBody>
       </p:sp>
@@ -14525,9 +14528,10 @@
               <a:defRPr/>
             </a:pPr>
             <a:r>
-              <a:rPr lang="en-US"/>
-              <a:t>Canadian AI Tutorial 2016</a:t>
-            </a:r>
+              <a:rPr lang="en-US" dirty="0" smtClean="0"/>
+              <a:t>Learning Bayesian Networks for Complex Relational Data</a:t>
+            </a:r>
+            <a:endParaRPr lang="en-US" dirty="0"/>
           </a:p>
         </p:txBody>
       </p:sp>
@@ -14627,9 +14631,10 @@
               <a:defRPr/>
             </a:pPr>
             <a:r>
-              <a:rPr lang="en-US"/>
-              <a:t>Canadian AI Tutorial 2016</a:t>
-            </a:r>
+              <a:rPr lang="en-US" dirty="0" smtClean="0"/>
+              <a:t>Learning Bayesian Networks for Complex Relational Data</a:t>
+            </a:r>
+            <a:endParaRPr lang="en-US" dirty="0"/>
           </a:p>
         </p:txBody>
       </p:sp>
@@ -14713,9 +14718,10 @@
               <a:defRPr/>
             </a:pPr>
             <a:r>
-              <a:rPr lang="en-US"/>
-              <a:t>Canadian AI Tutorial 2016</a:t>
-            </a:r>
+              <a:rPr lang="en-US" dirty="0" smtClean="0"/>
+              <a:t>Learning Bayesian Networks for Complex Relational Data</a:t>
+            </a:r>
+            <a:endParaRPr lang="en-US" dirty="0"/>
           </a:p>
         </p:txBody>
       </p:sp>

--- a/ch2-fo-bayes-nets.pptx
+++ b/ch2-fo-bayes-nets.pptx
@@ -30,14 +30,14 @@
     <p:sldId id="284" r:id="rId18"/>
     <p:sldId id="384" r:id="rId19"/>
     <p:sldId id="283" r:id="rId20"/>
-    <p:sldId id="394" r:id="rId21"/>
-    <p:sldId id="395" r:id="rId22"/>
-    <p:sldId id="397" r:id="rId23"/>
-    <p:sldId id="402" r:id="rId24"/>
-    <p:sldId id="398" r:id="rId25"/>
-    <p:sldId id="399" r:id="rId26"/>
-    <p:sldId id="400" r:id="rId27"/>
-    <p:sldId id="403" r:id="rId28"/>
+    <p:sldId id="405" r:id="rId21"/>
+    <p:sldId id="394" r:id="rId22"/>
+    <p:sldId id="395" r:id="rId23"/>
+    <p:sldId id="397" r:id="rId24"/>
+    <p:sldId id="402" r:id="rId25"/>
+    <p:sldId id="398" r:id="rId26"/>
+    <p:sldId id="399" r:id="rId27"/>
+    <p:sldId id="400" r:id="rId28"/>
     <p:sldId id="404" r:id="rId29"/>
     <p:sldId id="366" r:id="rId30"/>
     <p:sldId id="378" r:id="rId31"/>
@@ -217,6 +217,7 @@
         </p14:section>
         <p14:section name="Frequency Demos" id="{6E81E249-5D52-124B-B10E-51E577ACCEE2}">
           <p14:sldIdLst>
+            <p14:sldId id="405"/>
             <p14:sldId id="394"/>
             <p14:sldId id="395"/>
             <p14:sldId id="397"/>
@@ -224,7 +225,6 @@
             <p14:sldId id="398"/>
             <p14:sldId id="399"/>
             <p14:sldId id="400"/>
-            <p14:sldId id="403"/>
             <p14:sldId id="404"/>
             <p14:sldId id="366"/>
             <p14:sldId id="378"/>
@@ -343,7 +343,7 @@
               <a:pPr>
                 <a:defRPr/>
               </a:pPr>
-              <a:t>16-09-11</a:t>
+              <a:t>2016-09-23</a:t>
             </a:fld>
             <a:endParaRPr lang="en-US"/>
           </a:p>
@@ -559,7 +559,7 @@
               <a:pPr>
                 <a:defRPr/>
               </a:pPr>
-              <a:t>16-09-11</a:t>
+              <a:t>2016-09-23</a:t>
             </a:fld>
             <a:endParaRPr lang="en-US"/>
           </a:p>
@@ -1041,13 +1041,12 @@
           <a:p>
             <a:r>
               <a:rPr lang="en-US" dirty="0" smtClean="0"/>
-              <a:t>probabilities</a:t>
+              <a:t>Population Variables</a:t>
             </a:r>
             <a:r>
               <a:rPr lang="en-US" baseline="0" dirty="0" smtClean="0"/>
-              <a:t> are examples</a:t>
-            </a:r>
-            <a:endParaRPr lang="en-US" dirty="0"/>
+              <a:t> are uniformly and independently distributed</a:t>
+            </a:r>
           </a:p>
         </p:txBody>
       </p:sp>
@@ -1074,7 +1073,7 @@
               <a:pPr>
                 <a:defRPr/>
               </a:pPr>
-              <a:t>16</a:t>
+              <a:t>15</a:t>
             </a:fld>
             <a:endParaRPr lang="en-US"/>
           </a:p>
@@ -1083,7 +1082,7 @@
     </p:spTree>
     <p:extLst>
       <p:ext uri="{BB962C8B-B14F-4D97-AF65-F5344CB8AC3E}">
-        <p14:creationId xmlns:p14="http://schemas.microsoft.com/office/powerpoint/2010/main" val="968068703"/>
+        <p14:creationId xmlns:p14="http://schemas.microsoft.com/office/powerpoint/2010/main" val="1511732372"/>
       </p:ext>
     </p:extLst>
   </p:cSld>
@@ -1139,56 +1138,11 @@
           <a:p>
             <a:r>
               <a:rPr lang="en-US" dirty="0" smtClean="0"/>
-              <a:t>Bayesian networks are close to rules (</a:t>
-            </a:r>
-            <a:r>
-              <a:rPr lang="en-US" dirty="0" err="1" smtClean="0"/>
-              <a:t>Kersting</a:t>
+              <a:t>probabilities</a:t>
             </a:r>
             <a:r>
               <a:rPr lang="en-US" baseline="0" dirty="0" smtClean="0"/>
-              <a:t> and </a:t>
-            </a:r>
-            <a:r>
-              <a:rPr lang="en-US" baseline="0" dirty="0" err="1" smtClean="0"/>
-              <a:t>deRaedt</a:t>
-            </a:r>
-            <a:r>
-              <a:rPr lang="en-US" baseline="0" dirty="0" smtClean="0"/>
-              <a:t>)</a:t>
-            </a:r>
-          </a:p>
-          <a:p>
-            <a:r>
-              <a:rPr lang="en-US" sz="1200" dirty="0" err="1" smtClean="0"/>
-              <a:t>parametrized</a:t>
-            </a:r>
-            <a:r>
-              <a:rPr lang="en-US" sz="1200" baseline="0" dirty="0" smtClean="0"/>
-              <a:t> BNs </a:t>
-            </a:r>
-            <a:r>
-              <a:rPr lang="en-US" sz="1200" dirty="0" smtClean="0"/>
-              <a:t>not a frequency model</a:t>
-            </a:r>
-            <a:endParaRPr lang="en-US" baseline="0" dirty="0" smtClean="0"/>
-          </a:p>
-          <a:p>
-            <a:endParaRPr lang="en-US" baseline="0" dirty="0" smtClean="0"/>
-          </a:p>
-          <a:p>
-            <a:r>
-              <a:rPr lang="en-US" baseline="0" dirty="0" smtClean="0"/>
-              <a:t>Demo.</a:t>
-            </a:r>
-          </a:p>
-          <a:p>
-            <a:endParaRPr lang="en-US" baseline="0" dirty="0" smtClean="0"/>
-          </a:p>
-          <a:p>
-            <a:r>
-              <a:rPr lang="en-US" baseline="0" dirty="0" smtClean="0"/>
-              <a:t>First-order Random variables = terms.</a:t>
+              <a:t> are examples</a:t>
             </a:r>
             <a:endParaRPr lang="en-US" dirty="0"/>
           </a:p>
@@ -1217,7 +1171,7 @@
               <a:pPr>
                 <a:defRPr/>
               </a:pPr>
-              <a:t>18</a:t>
+              <a:t>16</a:t>
             </a:fld>
             <a:endParaRPr lang="en-US"/>
           </a:p>
@@ -1226,7 +1180,7 @@
     </p:spTree>
     <p:extLst>
       <p:ext uri="{BB962C8B-B14F-4D97-AF65-F5344CB8AC3E}">
-        <p14:creationId xmlns:p14="http://schemas.microsoft.com/office/powerpoint/2010/main" val="1197388364"/>
+        <p14:creationId xmlns:p14="http://schemas.microsoft.com/office/powerpoint/2010/main" val="968068703"/>
       </p:ext>
     </p:extLst>
   </p:cSld>
@@ -1281,8 +1235,57 @@
           <a:lstStyle/>
           <a:p>
             <a:r>
+              <a:rPr lang="en-US" dirty="0" smtClean="0"/>
+              <a:t>Bayesian networks are close to rules (</a:t>
+            </a:r>
+            <a:r>
+              <a:rPr lang="en-US" dirty="0" err="1" smtClean="0"/>
+              <a:t>Kersting</a:t>
+            </a:r>
+            <a:r>
               <a:rPr lang="en-US" baseline="0" dirty="0" smtClean="0"/>
-              <a:t>Random or typical or normal individuals</a:t>
+              <a:t> and </a:t>
+            </a:r>
+            <a:r>
+              <a:rPr lang="en-US" baseline="0" dirty="0" err="1" smtClean="0"/>
+              <a:t>deRaedt</a:t>
+            </a:r>
+            <a:r>
+              <a:rPr lang="en-US" baseline="0" dirty="0" smtClean="0"/>
+              <a:t>)</a:t>
+            </a:r>
+          </a:p>
+          <a:p>
+            <a:r>
+              <a:rPr lang="en-US" sz="1200" dirty="0" err="1" smtClean="0"/>
+              <a:t>parametrized</a:t>
+            </a:r>
+            <a:r>
+              <a:rPr lang="en-US" sz="1200" baseline="0" dirty="0" smtClean="0"/>
+              <a:t> BNs </a:t>
+            </a:r>
+            <a:r>
+              <a:rPr lang="en-US" sz="1200" dirty="0" smtClean="0"/>
+              <a:t>not a frequency model</a:t>
+            </a:r>
+            <a:endParaRPr lang="en-US" baseline="0" dirty="0" smtClean="0"/>
+          </a:p>
+          <a:p>
+            <a:endParaRPr lang="en-US" baseline="0" dirty="0" smtClean="0"/>
+          </a:p>
+          <a:p>
+            <a:r>
+              <a:rPr lang="en-US" baseline="0" dirty="0" smtClean="0"/>
+              <a:t>Demo.</a:t>
+            </a:r>
+          </a:p>
+          <a:p>
+            <a:endParaRPr lang="en-US" baseline="0" dirty="0" smtClean="0"/>
+          </a:p>
+          <a:p>
+            <a:r>
+              <a:rPr lang="en-US" baseline="0" dirty="0" smtClean="0"/>
+              <a:t>First-order Random variables = terms.</a:t>
             </a:r>
             <a:endParaRPr lang="en-US" dirty="0"/>
           </a:p>
@@ -1311,7 +1314,7 @@
               <a:pPr>
                 <a:defRPr/>
               </a:pPr>
-              <a:t>19</a:t>
+              <a:t>18</a:t>
             </a:fld>
             <a:endParaRPr lang="en-US"/>
           </a:p>
@@ -1320,7 +1323,7 @@
     </p:spTree>
     <p:extLst>
       <p:ext uri="{BB962C8B-B14F-4D97-AF65-F5344CB8AC3E}">
-        <p14:creationId xmlns:p14="http://schemas.microsoft.com/office/powerpoint/2010/main" val="658811341"/>
+        <p14:creationId xmlns:p14="http://schemas.microsoft.com/office/powerpoint/2010/main" val="1197388364"/>
       </p:ext>
     </p:extLst>
   </p:cSld>
@@ -1375,9 +1378,10 @@
           <a:lstStyle/>
           <a:p>
             <a:r>
-              <a:rPr lang="en-US"/>
-              <a:t>IMDb_1R.xml</a:t>
-            </a:r>
+              <a:rPr lang="en-US" baseline="0" dirty="0" smtClean="0"/>
+              <a:t>Random or typical or normal individuals</a:t>
+            </a:r>
+            <a:endParaRPr lang="en-US" dirty="0"/>
           </a:p>
         </p:txBody>
       </p:sp>
@@ -1400,11 +1404,11 @@
               <a:defRPr/>
             </a:pPr>
             <a:fld id="{57BE7C63-45E8-3348-B2F7-0B0BBCE77ABE}" type="slidenum">
-              <a:rPr lang="en-US"/>
+              <a:rPr lang="en-US" smtClean="0"/>
               <a:pPr>
                 <a:defRPr/>
               </a:pPr>
-              <a:t>21</a:t>
+              <a:t>19</a:t>
             </a:fld>
             <a:endParaRPr lang="en-US"/>
           </a:p>
@@ -1413,7 +1417,7 @@
     </p:spTree>
     <p:extLst>
       <p:ext uri="{BB962C8B-B14F-4D97-AF65-F5344CB8AC3E}">
-        <p14:creationId xmlns:p14="http://schemas.microsoft.com/office/powerpoint/2010/main" val="1227621452"/>
+        <p14:creationId xmlns:p14="http://schemas.microsoft.com/office/powerpoint/2010/main" val="658811341"/>
       </p:ext>
     </p:extLst>
   </p:cSld>
@@ -1468,22 +1472,9 @@
           <a:lstStyle/>
           <a:p>
             <a:r>
-              <a:rPr lang="en-US" dirty="0" err="1" smtClean="0"/>
-              <a:t>todo</a:t>
-            </a:r>
-            <a:r>
-              <a:rPr lang="en-US" dirty="0" smtClean="0"/>
-              <a:t>: would </a:t>
-            </a:r>
-            <a:r>
-              <a:rPr lang="en-US" dirty="0"/>
-              <a:t>be nice to make this W</a:t>
-            </a:r>
-            <a:r>
-              <a:rPr lang="en-US" baseline="0" dirty="0"/>
-              <a:t> instead of F.</a:t>
-            </a:r>
-            <a:endParaRPr lang="en-US" dirty="0"/>
+              <a:rPr lang="en-US"/>
+              <a:t>IMDb_1R.xml</a:t>
+            </a:r>
           </a:p>
         </p:txBody>
       </p:sp>
@@ -1519,7 +1510,7 @@
     </p:spTree>
     <p:extLst>
       <p:ext uri="{BB962C8B-B14F-4D97-AF65-F5344CB8AC3E}">
-        <p14:creationId xmlns:p14="http://schemas.microsoft.com/office/powerpoint/2010/main" val="2052551726"/>
+        <p14:creationId xmlns:p14="http://schemas.microsoft.com/office/powerpoint/2010/main" val="1227621452"/>
       </p:ext>
     </p:extLst>
   </p:cSld>
@@ -1574,9 +1565,38 @@
           <a:lstStyle/>
           <a:p>
             <a:r>
-              <a:rPr lang="en-US"/>
-              <a:t>Mondial.xml</a:t>
-            </a:r>
+              <a:rPr lang="en-US" dirty="0" err="1" smtClean="0"/>
+              <a:t>todo</a:t>
+            </a:r>
+            <a:r>
+              <a:rPr lang="en-US" dirty="0" smtClean="0"/>
+              <a:t>: </a:t>
+            </a:r>
+          </a:p>
+          <a:p>
+            <a:r>
+              <a:rPr lang="en-US" dirty="0" smtClean="0"/>
+              <a:t>would </a:t>
+            </a:r>
+            <a:r>
+              <a:rPr lang="en-US" dirty="0"/>
+              <a:t>be nice to make this W</a:t>
+            </a:r>
+            <a:r>
+              <a:rPr lang="en-US" baseline="0" dirty="0"/>
+              <a:t> instead of F</a:t>
+            </a:r>
+            <a:r>
+              <a:rPr lang="en-US" baseline="0" dirty="0" smtClean="0"/>
+              <a:t>.</a:t>
+            </a:r>
+          </a:p>
+          <a:p>
+            <a:r>
+              <a:rPr lang="en-US" baseline="0" dirty="0" smtClean="0"/>
+              <a:t>put pictures and xml files on-line</a:t>
+            </a:r>
+            <a:endParaRPr lang="en-US" dirty="0"/>
           </a:p>
         </p:txBody>
       </p:sp>
@@ -1603,7 +1623,7 @@
               <a:pPr>
                 <a:defRPr/>
               </a:pPr>
-              <a:t>25</a:t>
+              <a:t>23</a:t>
             </a:fld>
             <a:endParaRPr lang="en-US"/>
           </a:p>
@@ -1612,7 +1632,7 @@
     </p:spTree>
     <p:extLst>
       <p:ext uri="{BB962C8B-B14F-4D97-AF65-F5344CB8AC3E}">
-        <p14:creationId xmlns:p14="http://schemas.microsoft.com/office/powerpoint/2010/main" val="1278463515"/>
+        <p14:creationId xmlns:p14="http://schemas.microsoft.com/office/powerpoint/2010/main" val="2052551726"/>
       </p:ext>
     </p:extLst>
   </p:cSld>
@@ -1705,7 +1725,7 @@
     </p:spTree>
     <p:extLst>
       <p:ext uri="{BB962C8B-B14F-4D97-AF65-F5344CB8AC3E}">
-        <p14:creationId xmlns:p14="http://schemas.microsoft.com/office/powerpoint/2010/main" val="26590556"/>
+        <p14:creationId xmlns:p14="http://schemas.microsoft.com/office/powerpoint/2010/main" val="1278463515"/>
       </p:ext>
     </p:extLst>
   </p:cSld>
@@ -1760,6 +1780,111 @@
           <a:lstStyle/>
           <a:p>
             <a:r>
+              <a:rPr lang="en-US" dirty="0" err="1" smtClean="0"/>
+              <a:t>Mondial.xml</a:t>
+            </a:r>
+            <a:endParaRPr lang="en-US" dirty="0" smtClean="0"/>
+          </a:p>
+          <a:p>
+            <a:r>
+              <a:rPr lang="en-US" dirty="0" err="1" smtClean="0"/>
+              <a:t>todo</a:t>
+            </a:r>
+            <a:r>
+              <a:rPr lang="en-US" dirty="0" smtClean="0"/>
+              <a:t>: rerun to get rid of *</a:t>
+            </a:r>
+            <a:endParaRPr lang="en-US" dirty="0"/>
+          </a:p>
+        </p:txBody>
+      </p:sp>
+      <p:sp>
+        <p:nvSpPr>
+          <p:cNvPr id="4" name="Slide Number Placeholder 3"/>
+          <p:cNvSpPr>
+            <a:spLocks noGrp="1"/>
+          </p:cNvSpPr>
+          <p:nvPr>
+            <p:ph type="sldNum" sz="quarter" idx="10"/>
+          </p:nvPr>
+        </p:nvSpPr>
+        <p:spPr/>
+        <p:txBody>
+          <a:bodyPr/>
+          <a:lstStyle/>
+          <a:p>
+            <a:pPr>
+              <a:defRPr/>
+            </a:pPr>
+            <a:fld id="{57BE7C63-45E8-3348-B2F7-0B0BBCE77ABE}" type="slidenum">
+              <a:rPr lang="en-US"/>
+              <a:pPr>
+                <a:defRPr/>
+              </a:pPr>
+              <a:t>27</a:t>
+            </a:fld>
+            <a:endParaRPr lang="en-US"/>
+          </a:p>
+        </p:txBody>
+      </p:sp>
+    </p:spTree>
+    <p:extLst>
+      <p:ext uri="{BB962C8B-B14F-4D97-AF65-F5344CB8AC3E}">
+        <p14:creationId xmlns:p14="http://schemas.microsoft.com/office/powerpoint/2010/main" val="26590556"/>
+      </p:ext>
+    </p:extLst>
+  </p:cSld>
+  <p:clrMapOvr>
+    <a:masterClrMapping/>
+  </p:clrMapOvr>
+</p:notes>
+</file>
+
+<file path=ppt/notesSlides/notesSlide18.xml><?xml version="1.0" encoding="utf-8"?>
+<p:notes xmlns:a="http://schemas.openxmlformats.org/drawingml/2006/main" xmlns:r="http://schemas.openxmlformats.org/officeDocument/2006/relationships" xmlns:p="http://schemas.openxmlformats.org/presentationml/2006/main">
+  <p:cSld>
+    <p:spTree>
+      <p:nvGrpSpPr>
+        <p:cNvPr id="1" name=""/>
+        <p:cNvGrpSpPr/>
+        <p:nvPr/>
+      </p:nvGrpSpPr>
+      <p:grpSpPr>
+        <a:xfrm>
+          <a:off x="0" y="0"/>
+          <a:ext cx="0" cy="0"/>
+          <a:chOff x="0" y="0"/>
+          <a:chExt cx="0" cy="0"/>
+        </a:xfrm>
+      </p:grpSpPr>
+      <p:sp>
+        <p:nvSpPr>
+          <p:cNvPr id="2" name="Slide Image Placeholder 1"/>
+          <p:cNvSpPr>
+            <a:spLocks noGrp="1" noRot="1" noChangeAspect="1"/>
+          </p:cNvSpPr>
+          <p:nvPr>
+            <p:ph type="sldImg"/>
+          </p:nvPr>
+        </p:nvSpPr>
+        <p:spPr/>
+      </p:sp>
+      <p:sp>
+        <p:nvSpPr>
+          <p:cNvPr id="3" name="Notes Placeholder 2"/>
+          <p:cNvSpPr>
+            <a:spLocks noGrp="1"/>
+          </p:cNvSpPr>
+          <p:nvPr>
+            <p:ph type="body" idx="1"/>
+          </p:nvPr>
+        </p:nvSpPr>
+        <p:spPr/>
+        <p:txBody>
+          <a:bodyPr/>
+          <a:lstStyle/>
+          <a:p>
+            <a:r>
               <a:rPr lang="en-US" dirty="0" smtClean="0"/>
               <a:t>exercise:</a:t>
             </a:r>
@@ -1774,6 +1899,12 @@
             <a:r>
               <a:rPr lang="en-US" baseline="0" dirty="0" smtClean="0"/>
               <a:t> in America?</a:t>
+            </a:r>
+          </a:p>
+          <a:p>
+            <a:r>
+              <a:rPr lang="en-US" baseline="0" dirty="0" smtClean="0"/>
+              <a:t>Europe has borders outside of itself: Turkey and Russia</a:t>
             </a:r>
             <a:endParaRPr lang="en-US" dirty="0"/>
           </a:p>
@@ -1821,7 +1952,7 @@
 </p:notes>
 </file>
 
-<file path=ppt/notesSlides/notesSlide18.xml><?xml version="1.0" encoding="utf-8"?>
+<file path=ppt/notesSlides/notesSlide19.xml><?xml version="1.0" encoding="utf-8"?>
 <p:notes xmlns:a="http://schemas.openxmlformats.org/drawingml/2006/main" xmlns:r="http://schemas.openxmlformats.org/officeDocument/2006/relationships" xmlns:p="http://schemas.openxmlformats.org/presentationml/2006/main">
   <p:cSld>
     <p:spTree>
@@ -2533,7 +2664,29 @@
           <a:bodyPr/>
           <a:lstStyle/>
           <a:p>
-            <a:endParaRPr lang="en-US"/>
+            <a:r>
+              <a:rPr lang="en-US" dirty="0" smtClean="0"/>
+              <a:t>the basis of </a:t>
+            </a:r>
+            <a:r>
+              <a:rPr lang="en-US" dirty="0" err="1" smtClean="0"/>
+              <a:t>i.i.d</a:t>
+            </a:r>
+            <a:r>
+              <a:rPr lang="en-US" dirty="0" smtClean="0"/>
+              <a:t>. learning are</a:t>
+            </a:r>
+            <a:r>
+              <a:rPr lang="en-US" baseline="0" dirty="0" smtClean="0"/>
+              <a:t> frequencies observed in a sample</a:t>
+            </a:r>
+          </a:p>
+          <a:p>
+            <a:r>
+              <a:rPr lang="en-US" baseline="0" dirty="0" smtClean="0"/>
+              <a:t>the basis of relational learning are frequencies observed in a database</a:t>
+            </a:r>
+            <a:endParaRPr lang="en-US" dirty="0"/>
           </a:p>
         </p:txBody>
       </p:sp>
@@ -2560,7 +2713,7 @@
               <a:pPr>
                 <a:defRPr/>
               </a:pPr>
-              <a:t>12</a:t>
+              <a:t>11</a:t>
             </a:fld>
             <a:endParaRPr lang="en-US"/>
           </a:p>
@@ -2569,7 +2722,7 @@
     </p:spTree>
     <p:extLst>
       <p:ext uri="{BB962C8B-B14F-4D97-AF65-F5344CB8AC3E}">
-        <p14:creationId xmlns:p14="http://schemas.microsoft.com/office/powerpoint/2010/main" val="647879782"/>
+        <p14:creationId xmlns:p14="http://schemas.microsoft.com/office/powerpoint/2010/main" val="1175023020"/>
       </p:ext>
     </p:extLst>
   </p:cSld>
@@ -2623,91 +2776,7 @@
           <a:bodyPr/>
           <a:lstStyle/>
           <a:p>
-            <a:r>
-              <a:rPr lang="en-US" dirty="0" smtClean="0"/>
-              <a:t>single</a:t>
-            </a:r>
-            <a:r>
-              <a:rPr lang="en-US" baseline="0" dirty="0" smtClean="0"/>
-              <a:t> data table that correctly represents relational frequencies</a:t>
-            </a:r>
-          </a:p>
-          <a:p>
-            <a:r>
-              <a:rPr lang="en-US" dirty="0" smtClean="0"/>
-              <a:t>Riedel, S.; Yao, L.; McCallum, A. &amp; Marlin, B. M. (2013), Relation Extraction with Matrix Factorization and Universal Schemas, </a:t>
-            </a:r>
-            <a:r>
-              <a:rPr lang="en-US" i="1" dirty="0" smtClean="0"/>
-              <a:t>in 'Human Language Technologies-NAACL', pp. 74--84.</a:t>
-            </a:r>
-          </a:p>
-          <a:p>
-            <a:r>
-              <a:rPr lang="en-US" dirty="0" smtClean="0"/>
-              <a:t>Schulte, O. (2011), A tractable pseudo-likelihood function for Bayes Nets applied to relational data, </a:t>
-            </a:r>
-            <a:r>
-              <a:rPr lang="en-US" i="1" dirty="0" smtClean="0"/>
-              <a:t>in 'SIAM SDM', pp. 462-473.</a:t>
-            </a:r>
-          </a:p>
-          <a:p>
-            <a:pPr marL="0" marR="0" indent="0" algn="l" defTabSz="457200" rtl="0" eaLnBrk="0" fontAlgn="base" latinLnBrk="0" hangingPunct="0">
-              <a:lnSpc>
-                <a:spcPct val="100000"/>
-              </a:lnSpc>
-              <a:spcBef>
-                <a:spcPct val="30000"/>
-              </a:spcBef>
-              <a:spcAft>
-                <a:spcPct val="0"/>
-              </a:spcAft>
-              <a:buClrTx/>
-              <a:buSzTx/>
-              <a:buFontTx/>
-              <a:buNone/>
-              <a:tabLst/>
-              <a:defRPr/>
-            </a:pPr>
-            <a:r>
-              <a:rPr lang="en-US" dirty="0" err="1" smtClean="0"/>
-              <a:t>Raedt</a:t>
-            </a:r>
-            <a:r>
-              <a:rPr lang="en-US" dirty="0" smtClean="0"/>
-              <a:t>, L. D. (1998), Attribute-Value Learning Versus Inductive Logic Programming: The Missing Links (Extended Abstract), </a:t>
-            </a:r>
-            <a:r>
-              <a:rPr lang="en-US" i="1" dirty="0" smtClean="0"/>
-              <a:t>in David Page, ed., 'ILP', Springer, , pp. 1-8</a:t>
-            </a:r>
-          </a:p>
-          <a:p>
-            <a:endParaRPr lang="en-US" dirty="0" smtClean="0"/>
-          </a:p>
-          <a:p>
-            <a:pPr marL="0" marR="0" indent="0" algn="l" defTabSz="457200" rtl="0" eaLnBrk="0" fontAlgn="base" latinLnBrk="0" hangingPunct="0">
-              <a:lnSpc>
-                <a:spcPct val="100000"/>
-              </a:lnSpc>
-              <a:spcBef>
-                <a:spcPct val="30000"/>
-              </a:spcBef>
-              <a:spcAft>
-                <a:spcPct val="0"/>
-              </a:spcAft>
-              <a:buClrTx/>
-              <a:buSzTx/>
-              <a:buFontTx/>
-              <a:buNone/>
-              <a:tabLst/>
-              <a:defRPr/>
-            </a:pPr>
-            <a:endParaRPr lang="en-US" dirty="0" smtClean="0"/>
-          </a:p>
-          <a:p>
-            <a:endParaRPr lang="en-US" baseline="0" dirty="0" smtClean="0"/>
+            <a:endParaRPr lang="en-US"/>
           </a:p>
         </p:txBody>
       </p:sp>
@@ -2734,7 +2803,7 @@
               <a:pPr>
                 <a:defRPr/>
               </a:pPr>
-              <a:t>14</a:t>
+              <a:t>12</a:t>
             </a:fld>
             <a:endParaRPr lang="en-US"/>
           </a:p>
@@ -2743,7 +2812,7 @@
     </p:spTree>
     <p:extLst>
       <p:ext uri="{BB962C8B-B14F-4D97-AF65-F5344CB8AC3E}">
-        <p14:creationId xmlns:p14="http://schemas.microsoft.com/office/powerpoint/2010/main" val="1511732372"/>
+        <p14:creationId xmlns:p14="http://schemas.microsoft.com/office/powerpoint/2010/main" val="647879782"/>
       </p:ext>
     </p:extLst>
   </p:cSld>
@@ -2799,12 +2868,95 @@
           <a:p>
             <a:r>
               <a:rPr lang="en-US" dirty="0" smtClean="0"/>
-              <a:t>Population Variables</a:t>
+              <a:t>FO = first-order </a:t>
+            </a:r>
+          </a:p>
+          <a:p>
+            <a:r>
+              <a:rPr lang="en-US" dirty="0" smtClean="0"/>
+              <a:t>single</a:t>
             </a:r>
             <a:r>
               <a:rPr lang="en-US" baseline="0" dirty="0" smtClean="0"/>
-              <a:t> are uniformly and independently distributed</a:t>
-            </a:r>
+              <a:t> data table that correctly represents relational frequencies</a:t>
+            </a:r>
+          </a:p>
+          <a:p>
+            <a:r>
+              <a:rPr lang="en-US" dirty="0" smtClean="0"/>
+              <a:t>Riedel, S.; Yao, L.; McCallum, A. &amp; Marlin, B. M. (2013), Relation Extraction with Matrix Factorization and Universal Schemas, </a:t>
+            </a:r>
+            <a:r>
+              <a:rPr lang="en-US" i="1" dirty="0" smtClean="0"/>
+              <a:t>in 'Human Language Technologies-NAACL', pp. 74--84.</a:t>
+            </a:r>
+          </a:p>
+          <a:p>
+            <a:r>
+              <a:rPr lang="en-US" dirty="0" smtClean="0"/>
+              <a:t>Schulte, O. (2011), A tractable pseudo-likelihood function for Bayes Nets applied to relational data, </a:t>
+            </a:r>
+            <a:r>
+              <a:rPr lang="en-US" i="1" dirty="0" smtClean="0"/>
+              <a:t>in 'SIAM SDM', pp. 462-473.</a:t>
+            </a:r>
+          </a:p>
+          <a:p>
+            <a:pPr marL="0" marR="0" indent="0" algn="l" defTabSz="457200" rtl="0" eaLnBrk="0" fontAlgn="base" latinLnBrk="0" hangingPunct="0">
+              <a:lnSpc>
+                <a:spcPct val="100000"/>
+              </a:lnSpc>
+              <a:spcBef>
+                <a:spcPct val="30000"/>
+              </a:spcBef>
+              <a:spcAft>
+                <a:spcPct val="0"/>
+              </a:spcAft>
+              <a:buClrTx/>
+              <a:buSzTx/>
+              <a:buFontTx/>
+              <a:buNone/>
+              <a:tabLst/>
+              <a:defRPr/>
+            </a:pPr>
+            <a:r>
+              <a:rPr lang="en-US" dirty="0" err="1" smtClean="0"/>
+              <a:t>Raedt</a:t>
+            </a:r>
+            <a:r>
+              <a:rPr lang="en-US" dirty="0" smtClean="0"/>
+              <a:t>, L. D. (1998), Attribute-Value Learning Versus Inductive Logic Programming: The Missing Links (Extended Abstract), </a:t>
+            </a:r>
+            <a:r>
+              <a:rPr lang="en-US" i="1" dirty="0" smtClean="0"/>
+              <a:t>in David Page, ed., 'ILP', Springer, , pp. 1-8</a:t>
+            </a:r>
+          </a:p>
+          <a:p>
+            <a:endParaRPr lang="en-US" dirty="0" smtClean="0"/>
+          </a:p>
+          <a:p>
+            <a:pPr marL="0" marR="0" indent="0" algn="l" defTabSz="457200" rtl="0" eaLnBrk="0" fontAlgn="base" latinLnBrk="0" hangingPunct="0">
+              <a:lnSpc>
+                <a:spcPct val="100000"/>
+              </a:lnSpc>
+              <a:spcBef>
+                <a:spcPct val="30000"/>
+              </a:spcBef>
+              <a:spcAft>
+                <a:spcPct val="0"/>
+              </a:spcAft>
+              <a:buClrTx/>
+              <a:buSzTx/>
+              <a:buFontTx/>
+              <a:buNone/>
+              <a:tabLst/>
+              <a:defRPr/>
+            </a:pPr>
+            <a:endParaRPr lang="en-US" dirty="0" smtClean="0"/>
+          </a:p>
+          <a:p>
+            <a:endParaRPr lang="en-US" baseline="0" dirty="0" smtClean="0"/>
           </a:p>
         </p:txBody>
       </p:sp>
@@ -2831,7 +2983,7 @@
               <a:pPr>
                 <a:defRPr/>
               </a:pPr>
-              <a:t>15</a:t>
+              <a:t>14</a:t>
             </a:fld>
             <a:endParaRPr lang="en-US"/>
           </a:p>
@@ -3272,7 +3424,7 @@
               <a:pPr>
                 <a:defRPr/>
               </a:pPr>
-              <a:t>16-09-11</a:t>
+              <a:t>2016-09-23</a:t>
             </a:fld>
             <a:endParaRPr lang="en-US"/>
           </a:p>
@@ -3469,7 +3621,7 @@
               <a:pPr>
                 <a:defRPr/>
               </a:pPr>
-              <a:t>16-09-11</a:t>
+              <a:t>2016-09-23</a:t>
             </a:fld>
             <a:endParaRPr lang="en-US"/>
           </a:p>
@@ -3680,7 +3832,7 @@
               <a:pPr>
                 <a:defRPr/>
               </a:pPr>
-              <a:t>16-09-11</a:t>
+              <a:t>2016-09-23</a:t>
             </a:fld>
             <a:endParaRPr lang="en-US"/>
           </a:p>
@@ -3886,7 +4038,7 @@
               <a:pPr>
                 <a:defRPr/>
               </a:pPr>
-              <a:t>16-09-11</a:t>
+              <a:t>2016-09-23</a:t>
             </a:fld>
             <a:endParaRPr lang="en-US"/>
           </a:p>
@@ -4405,7 +4557,7 @@
               <a:pPr>
                 <a:defRPr/>
               </a:pPr>
-              <a:t>16-09-11</a:t>
+              <a:t>2016-09-23</a:t>
             </a:fld>
             <a:endParaRPr lang="en-US"/>
           </a:p>
@@ -4674,7 +4826,7 @@
               <a:pPr>
                 <a:defRPr/>
               </a:pPr>
-              <a:t>16-09-11</a:t>
+              <a:t>2016-09-23</a:t>
             </a:fld>
             <a:endParaRPr lang="en-US"/>
           </a:p>
@@ -5072,7 +5224,7 @@
               <a:pPr>
                 <a:defRPr/>
               </a:pPr>
-              <a:t>16-09-11</a:t>
+              <a:t>2016-09-23</a:t>
             </a:fld>
             <a:endParaRPr lang="en-US"/>
           </a:p>
@@ -5221,7 +5373,7 @@
               <a:pPr>
                 <a:defRPr/>
               </a:pPr>
-              <a:t>16-09-11</a:t>
+              <a:t>2016-09-23</a:t>
             </a:fld>
             <a:endParaRPr lang="en-US"/>
           </a:p>
@@ -5347,7 +5499,7 @@
               <a:pPr>
                 <a:defRPr/>
               </a:pPr>
-              <a:t>16-09-11</a:t>
+              <a:t>2016-09-23</a:t>
             </a:fld>
             <a:endParaRPr lang="en-US"/>
           </a:p>
@@ -5723,7 +5875,7 @@
               <a:pPr>
                 <a:defRPr/>
               </a:pPr>
-              <a:t>16-09-11</a:t>
+              <a:t>2016-09-23</a:t>
             </a:fld>
             <a:endParaRPr lang="en-US"/>
           </a:p>
@@ -6146,7 +6298,7 @@
               <a:pPr>
                 <a:defRPr/>
               </a:pPr>
-              <a:t>16-09-11</a:t>
+              <a:t>2016-09-23</a:t>
             </a:fld>
             <a:endParaRPr lang="en-US"/>
           </a:p>
@@ -6566,7 +6718,7 @@
               <a:pPr>
                 <a:defRPr/>
               </a:pPr>
-              <a:t>16-09-11</a:t>
+              <a:t>2016-09-23</a:t>
             </a:fld>
             <a:endParaRPr lang="en-US"/>
           </a:p>
@@ -7375,6 +7527,13 @@
   <p:clrMapOvr>
     <a:masterClrMapping/>
   </p:clrMapOvr>
+  <p:timing>
+    <p:tnLst>
+      <p:par>
+        <p:cTn xmlns:p14="http://schemas.microsoft.com/office/powerpoint/2010/main" id="1" dur="indefinite" restart="never" nodeType="tmRoot"/>
+      </p:par>
+    </p:tnLst>
+  </p:timing>
 </p:sld>
 </file>
 
@@ -7762,6 +7921,13 @@
   <p:clrMapOvr>
     <a:masterClrMapping/>
   </p:clrMapOvr>
+  <p:timing>
+    <p:tnLst>
+      <p:par>
+        <p:cTn xmlns:p14="http://schemas.microsoft.com/office/powerpoint/2010/main" id="1" dur="indefinite" restart="never" nodeType="tmRoot"/>
+      </p:par>
+    </p:tnLst>
+  </p:timing>
 </p:sld>
 </file>
 
@@ -7869,6 +8035,13 @@
   <p:clrMapOvr>
     <a:masterClrMapping/>
   </p:clrMapOvr>
+  <p:timing>
+    <p:tnLst>
+      <p:par>
+        <p:cTn xmlns:p14="http://schemas.microsoft.com/office/powerpoint/2010/main" id="1" dur="indefinite" restart="never" nodeType="tmRoot"/>
+      </p:par>
+    </p:tnLst>
+  </p:timing>
 </p:sld>
 </file>
 
@@ -8362,15 +8535,7 @@
             </a:r>
             <a:r>
               <a:rPr lang="en-US" sz="2800" i="1" dirty="0"/>
-              <a:t>(Actor) = W, </a:t>
-            </a:r>
-            <a:r>
-              <a:rPr lang="en-US" sz="2800" i="1" dirty="0" err="1"/>
-              <a:t>ActsIn</a:t>
-            </a:r>
-            <a:r>
-              <a:rPr lang="en-US" sz="2800" i="1" dirty="0"/>
-              <a:t>(</a:t>
+              <a:t>(Actor) = W, ActsIn(</a:t>
             </a:r>
             <a:r>
               <a:rPr lang="en-US" sz="2800" i="1" dirty="0" err="1"/>
@@ -9369,7 +9534,7 @@
               <a:rPr lang="en-US" sz="2400" dirty="0" smtClean="0">
                 <a:latin typeface="+mn-lt"/>
               </a:rPr>
-              <a:t>Logical Variable</a:t>
+              <a:t>FO  Variable</a:t>
             </a:r>
             <a:endParaRPr lang="en-US" sz="2400" dirty="0">
               <a:latin typeface="+mn-lt"/>
@@ -9701,7 +9866,7 @@
         <p:spPr>
           <a:xfrm>
             <a:off x="287619" y="1153023"/>
-            <a:ext cx="5286540" cy="523220"/>
+            <a:ext cx="6558272" cy="523220"/>
           </a:xfrm>
           <a:prstGeom prst="rect">
             <a:avLst/>
@@ -9718,7 +9883,7 @@
               <a:rPr lang="en-US" sz="2800" dirty="0" smtClean="0">
                 <a:latin typeface="+mn-lt"/>
               </a:rPr>
-              <a:t>Logical Variable </a:t>
+              <a:t>First-Order  Variable </a:t>
             </a:r>
             <a:r>
               <a:rPr lang="en-US" sz="2800" dirty="0" smtClean="0">
@@ -13392,6 +13557,13 @@
   <p:clrMapOvr>
     <a:masterClrMapping/>
   </p:clrMapOvr>
+  <p:timing>
+    <p:tnLst>
+      <p:par>
+        <p:cTn xmlns:p14="http://schemas.microsoft.com/office/powerpoint/2010/main" id="1" dur="indefinite" restart="never" nodeType="tmRoot"/>
+      </p:par>
+    </p:tnLst>
+  </p:timing>
 </p:sld>
 </file>
 
@@ -13428,6 +13600,129 @@
           <a:lstStyle/>
           <a:p>
             <a:r>
+              <a:rPr lang="en-US" dirty="0" smtClean="0"/>
+              <a:t>Real-World Examples</a:t>
+            </a:r>
+            <a:endParaRPr lang="en-US" dirty="0"/>
+          </a:p>
+        </p:txBody>
+      </p:sp>
+      <p:sp>
+        <p:nvSpPr>
+          <p:cNvPr id="3" name="Content Placeholder 2"/>
+          <p:cNvSpPr>
+            <a:spLocks noGrp="1"/>
+          </p:cNvSpPr>
+          <p:nvPr>
+            <p:ph sz="quarter" idx="1"/>
+          </p:nvPr>
+        </p:nvSpPr>
+        <p:spPr/>
+        <p:txBody>
+          <a:bodyPr/>
+          <a:lstStyle/>
+          <a:p>
+            <a:r>
+              <a:rPr lang="en-US" dirty="0" smtClean="0"/>
+              <a:t>To illustrate frequency semantics, learn and evaluate on the training set. </a:t>
+            </a:r>
+          </a:p>
+          <a:p>
+            <a:pPr>
+              <a:buFont typeface="Wingdings" charset="2"/>
+              <a:buChar char="Ø"/>
+            </a:pPr>
+            <a:r>
+              <a:rPr lang="en-US" dirty="0" smtClean="0"/>
+              <a:t>ground truth </a:t>
+            </a:r>
+            <a:r>
+              <a:rPr lang="en-US" smtClean="0"/>
+              <a:t>about frequencies.</a:t>
+            </a:r>
+            <a:endParaRPr lang="en-US" dirty="0" smtClean="0"/>
+          </a:p>
+          <a:p>
+            <a:r>
+              <a:rPr lang="en-US" dirty="0" smtClean="0"/>
+              <a:t>We discuss generalization later.</a:t>
+            </a:r>
+            <a:endParaRPr lang="en-US" dirty="0"/>
+          </a:p>
+        </p:txBody>
+      </p:sp>
+      <p:sp>
+        <p:nvSpPr>
+          <p:cNvPr id="4" name="Footer Placeholder 3"/>
+          <p:cNvSpPr>
+            <a:spLocks noGrp="1"/>
+          </p:cNvSpPr>
+          <p:nvPr>
+            <p:ph type="ftr" sz="quarter" idx="11"/>
+          </p:nvPr>
+        </p:nvSpPr>
+        <p:spPr/>
+        <p:txBody>
+          <a:bodyPr/>
+          <a:lstStyle/>
+          <a:p>
+            <a:pPr>
+              <a:defRPr/>
+            </a:pPr>
+            <a:r>
+              <a:rPr lang="en-US" smtClean="0"/>
+              <a:t>Learning Bayesian Networks for Complex Relational Data</a:t>
+            </a:r>
+            <a:endParaRPr lang="en-US" dirty="0"/>
+          </a:p>
+        </p:txBody>
+      </p:sp>
+    </p:spTree>
+    <p:extLst>
+      <p:ext uri="{BB962C8B-B14F-4D97-AF65-F5344CB8AC3E}">
+        <p14:creationId xmlns:p14="http://schemas.microsoft.com/office/powerpoint/2010/main" val="1783730659"/>
+      </p:ext>
+    </p:extLst>
+  </p:cSld>
+  <p:clrMapOvr>
+    <a:masterClrMapping/>
+  </p:clrMapOvr>
+</p:sld>
+</file>
+
+<file path=ppt/slides/slide21.xml><?xml version="1.0" encoding="utf-8"?>
+<p:sld xmlns:a="http://schemas.openxmlformats.org/drawingml/2006/main" xmlns:r="http://schemas.openxmlformats.org/officeDocument/2006/relationships" xmlns:p="http://schemas.openxmlformats.org/presentationml/2006/main">
+  <p:cSld>
+    <p:spTree>
+      <p:nvGrpSpPr>
+        <p:cNvPr id="1" name=""/>
+        <p:cNvGrpSpPr/>
+        <p:nvPr/>
+      </p:nvGrpSpPr>
+      <p:grpSpPr>
+        <a:xfrm>
+          <a:off x="0" y="0"/>
+          <a:ext cx="0" cy="0"/>
+          <a:chOff x="0" y="0"/>
+          <a:chExt cx="0" cy="0"/>
+        </a:xfrm>
+      </p:grpSpPr>
+      <p:sp>
+        <p:nvSpPr>
+          <p:cNvPr id="2" name="Title 1"/>
+          <p:cNvSpPr>
+            <a:spLocks noGrp="1"/>
+          </p:cNvSpPr>
+          <p:nvPr>
+            <p:ph type="title"/>
+          </p:nvPr>
+        </p:nvSpPr>
+        <p:spPr/>
+        <p:txBody>
+          <a:bodyPr/>
+          <a:lstStyle/>
+          <a:p>
+            <a:r>
               <a:rPr lang="en-US"/>
               <a:t>IMDb Data Format</a:t>
             </a:r>
@@ -13526,10 +13821,17 @@
   <p:clrMapOvr>
     <a:masterClrMapping/>
   </p:clrMapOvr>
+  <p:timing>
+    <p:tnLst>
+      <p:par>
+        <p:cTn xmlns:p14="http://schemas.microsoft.com/office/powerpoint/2010/main" id="1" dur="indefinite" restart="never" nodeType="tmRoot"/>
+      </p:par>
+    </p:tnLst>
+  </p:timing>
 </p:sld>
 </file>
 
-<file path=ppt/slides/slide21.xml><?xml version="1.0" encoding="utf-8"?>
+<file path=ppt/slides/slide22.xml><?xml version="1.0" encoding="utf-8"?>
 <p:sld xmlns:a="http://schemas.openxmlformats.org/drawingml/2006/main" xmlns:r="http://schemas.openxmlformats.org/officeDocument/2006/relationships" xmlns:p="http://schemas.openxmlformats.org/presentationml/2006/main">
   <p:cSld>
     <p:spTree>
@@ -13680,123 +13982,13 @@
   <p:clrMapOvr>
     <a:masterClrMapping/>
   </p:clrMapOvr>
-</p:sld>
-</file>
-
-<file path=ppt/slides/slide22.xml><?xml version="1.0" encoding="utf-8"?>
-<p:sld xmlns:a="http://schemas.openxmlformats.org/drawingml/2006/main" xmlns:r="http://schemas.openxmlformats.org/officeDocument/2006/relationships" xmlns:p="http://schemas.openxmlformats.org/presentationml/2006/main">
-  <p:cSld>
-    <p:spTree>
-      <p:nvGrpSpPr>
-        <p:cNvPr id="1" name=""/>
-        <p:cNvGrpSpPr/>
-        <p:nvPr/>
-      </p:nvGrpSpPr>
-      <p:grpSpPr>
-        <a:xfrm>
-          <a:off x="0" y="0"/>
-          <a:ext cx="0" cy="0"/>
-          <a:chOff x="0" y="0"/>
-          <a:chExt cx="0" cy="0"/>
-        </a:xfrm>
-      </p:grpSpPr>
-      <p:sp>
-        <p:nvSpPr>
-          <p:cNvPr id="2" name="Title 1"/>
-          <p:cNvSpPr>
-            <a:spLocks noGrp="1"/>
-          </p:cNvSpPr>
-          <p:nvPr>
-            <p:ph type="title"/>
-          </p:nvPr>
-        </p:nvSpPr>
-        <p:spPr>
-          <a:xfrm>
-            <a:off x="914400" y="274638"/>
-            <a:ext cx="7772400" cy="766762"/>
-          </a:xfrm>
-        </p:spPr>
-        <p:txBody>
-          <a:bodyPr/>
-          <a:lstStyle/>
-          <a:p>
-            <a:r>
-              <a:rPr lang="en-US" dirty="0" smtClean="0"/>
-              <a:t>Bayes </a:t>
-            </a:r>
-            <a:r>
-              <a:rPr lang="en-US" dirty="0"/>
-              <a:t>Net Q</a:t>
-            </a:r>
-            <a:r>
-              <a:rPr lang="en-US" dirty="0" smtClean="0"/>
-              <a:t>uery</a:t>
-            </a:r>
-            <a:endParaRPr lang="en-US" dirty="0"/>
-          </a:p>
-        </p:txBody>
-      </p:sp>
-      <p:pic>
-        <p:nvPicPr>
-          <p:cNvPr id="5" name="Content Placeholder 4" descr="query-screenshot.pdf"/>
-          <p:cNvPicPr>
-            <a:picLocks noGrp="1" noChangeAspect="1"/>
-          </p:cNvPicPr>
-          <p:nvPr>
-            <p:ph sz="quarter" idx="1"/>
-          </p:nvPr>
-        </p:nvPicPr>
-        <p:blipFill>
-          <a:blip r:embed="rId3">
-            <a:extLst>
-              <a:ext uri="{28A0092B-C50C-407E-A947-70E740481C1C}">
-                <a14:useLocalDpi xmlns:a14="http://schemas.microsoft.com/office/drawing/2010/main" val="0"/>
-              </a:ext>
-            </a:extLst>
-          </a:blip>
-          <a:srcRect t="4917" b="4917"/>
-          <a:stretch>
-            <a:fillRect/>
-          </a:stretch>
-        </p:blipFill>
-        <p:spPr/>
-      </p:pic>
-      <p:sp>
-        <p:nvSpPr>
-          <p:cNvPr id="4" name="Footer Placeholder 3"/>
-          <p:cNvSpPr>
-            <a:spLocks noGrp="1"/>
-          </p:cNvSpPr>
-          <p:nvPr>
-            <p:ph type="ftr" sz="quarter" idx="11"/>
-          </p:nvPr>
-        </p:nvSpPr>
-        <p:spPr/>
-        <p:txBody>
-          <a:bodyPr/>
-          <a:lstStyle/>
-          <a:p>
-            <a:pPr>
-              <a:defRPr/>
-            </a:pPr>
-            <a:r>
-              <a:rPr lang="en-US" dirty="0" smtClean="0"/>
-              <a:t>Learning Bayesian Networks for Complex Relational Data</a:t>
-            </a:r>
-            <a:endParaRPr lang="en-US" dirty="0"/>
-          </a:p>
-        </p:txBody>
-      </p:sp>
-    </p:spTree>
-    <p:extLst>
-      <p:ext uri="{BB962C8B-B14F-4D97-AF65-F5344CB8AC3E}">
-        <p14:creationId xmlns:p14="http://schemas.microsoft.com/office/powerpoint/2010/main" val="1339223563"/>
-      </p:ext>
-    </p:extLst>
-  </p:cSld>
-  <p:clrMapOvr>
-    <a:masterClrMapping/>
-  </p:clrMapOvr>
+  <p:timing>
+    <p:tnLst>
+      <p:par>
+        <p:cTn xmlns:p14="http://schemas.microsoft.com/office/powerpoint/2010/main" id="1" dur="indefinite" restart="never" nodeType="tmRoot"/>
+      </p:par>
+    </p:tnLst>
+  </p:timing>
 </p:sld>
 </file>
 
@@ -13827,6 +14019,130 @@
             <p:ph type="title"/>
           </p:nvPr>
         </p:nvSpPr>
+        <p:spPr>
+          <a:xfrm>
+            <a:off x="914400" y="274638"/>
+            <a:ext cx="7772400" cy="766762"/>
+          </a:xfrm>
+        </p:spPr>
+        <p:txBody>
+          <a:bodyPr/>
+          <a:lstStyle/>
+          <a:p>
+            <a:r>
+              <a:rPr lang="en-US" dirty="0" smtClean="0"/>
+              <a:t>Bayes </a:t>
+            </a:r>
+            <a:r>
+              <a:rPr lang="en-US" dirty="0"/>
+              <a:t>Net Q</a:t>
+            </a:r>
+            <a:r>
+              <a:rPr lang="en-US" dirty="0" smtClean="0"/>
+              <a:t>uery</a:t>
+            </a:r>
+            <a:endParaRPr lang="en-US" dirty="0"/>
+          </a:p>
+        </p:txBody>
+      </p:sp>
+      <p:pic>
+        <p:nvPicPr>
+          <p:cNvPr id="5" name="Content Placeholder 4" descr="query-screenshot.pdf"/>
+          <p:cNvPicPr>
+            <a:picLocks noGrp="1" noChangeAspect="1"/>
+          </p:cNvPicPr>
+          <p:nvPr>
+            <p:ph sz="quarter" idx="1"/>
+          </p:nvPr>
+        </p:nvPicPr>
+        <p:blipFill>
+          <a:blip r:embed="rId3">
+            <a:extLst>
+              <a:ext uri="{28A0092B-C50C-407E-A947-70E740481C1C}">
+                <a14:useLocalDpi xmlns:a14="http://schemas.microsoft.com/office/drawing/2010/main" val="0"/>
+              </a:ext>
+            </a:extLst>
+          </a:blip>
+          <a:srcRect t="4917" b="4917"/>
+          <a:stretch>
+            <a:fillRect/>
+          </a:stretch>
+        </p:blipFill>
+        <p:spPr/>
+      </p:pic>
+      <p:sp>
+        <p:nvSpPr>
+          <p:cNvPr id="4" name="Footer Placeholder 3"/>
+          <p:cNvSpPr>
+            <a:spLocks noGrp="1"/>
+          </p:cNvSpPr>
+          <p:nvPr>
+            <p:ph type="ftr" sz="quarter" idx="11"/>
+          </p:nvPr>
+        </p:nvSpPr>
+        <p:spPr/>
+        <p:txBody>
+          <a:bodyPr/>
+          <a:lstStyle/>
+          <a:p>
+            <a:pPr>
+              <a:defRPr/>
+            </a:pPr>
+            <a:r>
+              <a:rPr lang="en-US" dirty="0" smtClean="0"/>
+              <a:t>Learning Bayesian Networks for Complex Relational Data</a:t>
+            </a:r>
+            <a:endParaRPr lang="en-US" dirty="0"/>
+          </a:p>
+        </p:txBody>
+      </p:sp>
+    </p:spTree>
+    <p:extLst>
+      <p:ext uri="{BB962C8B-B14F-4D97-AF65-F5344CB8AC3E}">
+        <p14:creationId xmlns:p14="http://schemas.microsoft.com/office/powerpoint/2010/main" val="1339223563"/>
+      </p:ext>
+    </p:extLst>
+  </p:cSld>
+  <p:clrMapOvr>
+    <a:masterClrMapping/>
+  </p:clrMapOvr>
+  <p:timing>
+    <p:tnLst>
+      <p:par>
+        <p:cTn xmlns:p14="http://schemas.microsoft.com/office/powerpoint/2010/main" id="1" dur="indefinite" restart="never" nodeType="tmRoot"/>
+      </p:par>
+    </p:tnLst>
+  </p:timing>
+</p:sld>
+</file>
+
+<file path=ppt/slides/slide24.xml><?xml version="1.0" encoding="utf-8"?>
+<p:sld xmlns:a="http://schemas.openxmlformats.org/drawingml/2006/main" xmlns:r="http://schemas.openxmlformats.org/officeDocument/2006/relationships" xmlns:p="http://schemas.openxmlformats.org/presentationml/2006/main">
+  <p:cSld>
+    <p:spTree>
+      <p:nvGrpSpPr>
+        <p:cNvPr id="1" name=""/>
+        <p:cNvGrpSpPr/>
+        <p:nvPr/>
+      </p:nvGrpSpPr>
+      <p:grpSpPr>
+        <a:xfrm>
+          <a:off x="0" y="0"/>
+          <a:ext cx="0" cy="0"/>
+          <a:chOff x="0" y="0"/>
+          <a:chExt cx="0" cy="0"/>
+        </a:xfrm>
+      </p:grpSpPr>
+      <p:sp>
+        <p:nvSpPr>
+          <p:cNvPr id="2" name="Title 1"/>
+          <p:cNvSpPr>
+            <a:spLocks noGrp="1"/>
+          </p:cNvSpPr>
+          <p:nvPr>
+            <p:ph type="title"/>
+          </p:nvPr>
+        </p:nvSpPr>
         <p:spPr/>
         <p:txBody>
           <a:bodyPr/>
@@ -13850,7 +14166,7 @@
             <p:ph sz="quarter" idx="1"/>
             <p:extLst>
               <p:ext uri="{D42A27DB-BD31-4B8C-83A1-F6EECF244321}">
-                <p14:modId xmlns:p14="http://schemas.microsoft.com/office/powerpoint/2010/main" val="2812031506"/>
+                <p14:modId xmlns:p14="http://schemas.microsoft.com/office/powerpoint/2010/main" val="2563462098"/>
               </p:ext>
             </p:extLst>
           </p:nvPr>
@@ -13863,7 +14179,7 @@
           <a:graphicData uri="http://schemas.openxmlformats.org/drawingml/2006/table">
             <a:tbl>
               <a:tblPr firstRow="1" bandRow="1">
-                <a:tableStyleId>{5C22544A-7EE6-4342-B048-85BDC9FD1C3A}</a:tableStyleId>
+                <a:tableStyleId>{D7AC3CCA-C797-4891-BE02-D94E43425B78}</a:tableStyleId>
               </a:tblPr>
               <a:tblGrid>
                 <a:gridCol w="2565896"/>
@@ -13877,25 +14193,24 @@
                     <a:p>
                       <a:pPr algn="l" fontAlgn="b"/>
                       <a:r>
-                        <a:rPr lang="en-US" sz="2400" b="0" i="0" u="none" strike="noStrike" dirty="0" err="1">
-                          <a:solidFill>
-                            <a:srgbClr val="000000"/>
-                          </a:solidFill>
+                        <a:rPr lang="en-US" sz="2400" u="none" strike="noStrike" dirty="0" err="1">
                           <a:effectLst/>
-                          <a:latin typeface="+mn-lt"/>
                         </a:rPr>
                         <a:t>Num</a:t>
                       </a:r>
                       <a:r>
-                        <a:rPr lang="en-US" sz="2400" b="0" i="0" u="none" strike="noStrike" dirty="0">
-                          <a:solidFill>
-                            <a:srgbClr val="000000"/>
-                          </a:solidFill>
+                        <a:rPr lang="en-US" sz="2400" u="none" strike="noStrike" dirty="0">
                           <a:effectLst/>
-                          <a:latin typeface="+mn-lt"/>
                         </a:rPr>
                         <a:t> Movies</a:t>
                       </a:r>
+                      <a:endParaRPr lang="en-US" sz="2400" b="0" i="0" u="none" strike="noStrike" dirty="0">
+                        <a:solidFill>
+                          <a:srgbClr val="000000"/>
+                        </a:solidFill>
+                        <a:effectLst/>
+                        <a:latin typeface="+mn-lt"/>
+                      </a:endParaRPr>
                     </a:p>
                   </a:txBody>
                   <a:tcPr marL="12700" marR="12700" marT="12700" marB="0" anchor="b"/>
@@ -13907,15 +14222,18 @@
                     <a:p>
                       <a:pPr algn="r" fontAlgn="b"/>
                       <a:r>
-                        <a:rPr lang="cs-CZ" sz="2400" b="0" i="0" u="none" strike="noStrike" dirty="0">
-                          <a:solidFill>
-                            <a:srgbClr val="000000"/>
-                          </a:solidFill>
+                        <a:rPr lang="cs-CZ" sz="2400" u="none" strike="noStrike" dirty="0">
                           <a:effectLst/>
-                          <a:latin typeface="+mn-lt"/>
                         </a:rPr>
                         <a:t>3883</a:t>
                       </a:r>
+                      <a:endParaRPr lang="cs-CZ" sz="2400" b="0" i="0" u="none" strike="noStrike" dirty="0">
+                        <a:solidFill>
+                          <a:srgbClr val="000000"/>
+                        </a:solidFill>
+                        <a:effectLst/>
+                        <a:latin typeface="+mn-lt"/>
+                      </a:endParaRPr>
                     </a:p>
                   </a:txBody>
                   <a:tcPr marL="12700" marR="12700" marT="12700" marB="0" anchor="b"/>
@@ -13929,15 +14247,18 @@
                     <a:p>
                       <a:pPr algn="l" fontAlgn="b"/>
                       <a:r>
-                        <a:rPr lang="en-US" sz="2400" b="0" i="0" u="none" strike="noStrike">
-                          <a:solidFill>
-                            <a:srgbClr val="000000"/>
-                          </a:solidFill>
+                        <a:rPr lang="en-US" sz="2400" u="none" strike="noStrike">
                           <a:effectLst/>
-                          <a:latin typeface="+mn-lt"/>
                         </a:rPr>
                         <a:t>Num Users</a:t>
                       </a:r>
+                      <a:endParaRPr lang="en-US" sz="2400" b="0" i="0" u="none" strike="noStrike">
+                        <a:solidFill>
+                          <a:srgbClr val="000000"/>
+                        </a:solidFill>
+                        <a:effectLst/>
+                        <a:latin typeface="+mn-lt"/>
+                      </a:endParaRPr>
                     </a:p>
                   </a:txBody>
                   <a:tcPr marL="12700" marR="12700" marT="12700" marB="0" anchor="b"/>
@@ -13949,15 +14270,18 @@
                     <a:p>
                       <a:pPr algn="r" fontAlgn="b"/>
                       <a:r>
-                        <a:rPr lang="uk-UA" sz="2400" b="0" i="0" u="none" strike="noStrike" dirty="0">
-                          <a:solidFill>
-                            <a:srgbClr val="000000"/>
-                          </a:solidFill>
+                        <a:rPr lang="uk-UA" sz="2400" u="none" strike="noStrike" dirty="0">
                           <a:effectLst/>
-                          <a:latin typeface="+mn-lt"/>
                         </a:rPr>
                         <a:t>6039</a:t>
                       </a:r>
+                      <a:endParaRPr lang="uk-UA" sz="2400" b="0" i="0" u="none" strike="noStrike" dirty="0">
+                        <a:solidFill>
+                          <a:srgbClr val="000000"/>
+                        </a:solidFill>
+                        <a:effectLst/>
+                        <a:latin typeface="+mn-lt"/>
+                      </a:endParaRPr>
                     </a:p>
                   </a:txBody>
                   <a:tcPr marL="12700" marR="12700" marT="12700" marB="0" anchor="b"/>
@@ -13971,15 +14295,18 @@
                     <a:p>
                       <a:pPr algn="l" fontAlgn="b"/>
                       <a:r>
-                        <a:rPr lang="en-US" sz="2400" b="0" i="0" u="none" strike="noStrike">
-                          <a:solidFill>
-                            <a:srgbClr val="000000"/>
-                          </a:solidFill>
+                        <a:rPr lang="en-US" sz="2400" u="none" strike="noStrike">
                           <a:effectLst/>
-                          <a:latin typeface="+mn-lt"/>
                         </a:rPr>
                         <a:t>Num Movie-User Pairs</a:t>
                       </a:r>
+                      <a:endParaRPr lang="en-US" sz="2400" b="0" i="0" u="none" strike="noStrike">
+                        <a:solidFill>
+                          <a:srgbClr val="000000"/>
+                        </a:solidFill>
+                        <a:effectLst/>
+                        <a:latin typeface="+mn-lt"/>
+                      </a:endParaRPr>
                     </a:p>
                   </a:txBody>
                   <a:tcPr marL="12700" marR="12700" marT="12700" marB="0" anchor="b"/>
@@ -13991,32 +14318,20 @@
                     <a:p>
                       <a:pPr algn="r" fontAlgn="b"/>
                       <a:r>
-                        <a:rPr lang="cs-CZ" sz="2400" b="0" i="0" u="none" strike="noStrike" dirty="0" smtClean="0">
-                          <a:solidFill>
-                            <a:srgbClr val="000000"/>
-                          </a:solidFill>
+                        <a:rPr lang="cs-CZ" sz="2400" u="none" strike="noStrike" dirty="0" smtClean="0">
                           <a:effectLst/>
-                          <a:latin typeface="+mn-lt"/>
                         </a:rPr>
                         <a:t>3883 </a:t>
                       </a:r>
                       <a:r>
-                        <a:rPr lang="cs-CZ" sz="2400" b="0" i="0" u="none" strike="noStrike" dirty="0" err="1" smtClean="0">
-                          <a:solidFill>
-                            <a:srgbClr val="000000"/>
-                          </a:solidFill>
+                        <a:rPr lang="cs-CZ" sz="2400" u="none" strike="noStrike" dirty="0" err="1" smtClean="0">
                           <a:effectLst/>
-                          <a:latin typeface="+mn-lt"/>
                         </a:rPr>
                         <a:t>x</a:t>
                       </a:r>
                       <a:r>
-                        <a:rPr lang="cs-CZ" sz="2400" b="0" i="0" u="none" strike="noStrike" dirty="0" smtClean="0">
-                          <a:solidFill>
-                            <a:srgbClr val="000000"/>
-                          </a:solidFill>
+                        <a:rPr lang="cs-CZ" sz="2400" u="none" strike="noStrike" dirty="0" smtClean="0">
                           <a:effectLst/>
-                          <a:latin typeface="+mn-lt"/>
                         </a:rPr>
                         <a:t> 6039 = 23449437</a:t>
                       </a:r>
@@ -14072,7 +14387,7 @@
             <p:ph sz="quarter" idx="1"/>
             <p:extLst>
               <p:ext uri="{D42A27DB-BD31-4B8C-83A1-F6EECF244321}">
-                <p14:modId xmlns:p14="http://schemas.microsoft.com/office/powerpoint/2010/main" val="3371825739"/>
+                <p14:modId xmlns:p14="http://schemas.microsoft.com/office/powerpoint/2010/main" val="143273089"/>
               </p:ext>
             </p:extLst>
           </p:nvPr>
@@ -14085,7 +14400,7 @@
           <a:graphicData uri="http://schemas.openxmlformats.org/drawingml/2006/table">
             <a:tbl>
               <a:tblPr firstRow="1" bandRow="1">
-                <a:tableStyleId>{5C22544A-7EE6-4342-B048-85BDC9FD1C3A}</a:tableStyleId>
+                <a:tableStyleId>{16D9F66E-5EB9-4882-86FB-DCBF35E3C3E4}</a:tableStyleId>
               </a:tblPr>
               <a:tblGrid>
                 <a:gridCol w="3627999"/>
@@ -14099,22 +14414,14 @@
                     <a:p>
                       <a:pPr algn="l" fontAlgn="b"/>
                       <a:r>
-                        <a:rPr lang="en-US" sz="2400" b="0" i="0" u="none" strike="noStrike" dirty="0">
-                          <a:solidFill>
-                            <a:srgbClr val="000000"/>
-                          </a:solidFill>
+                        <a:rPr lang="en-US" sz="2400" u="none" strike="noStrike" dirty="0">
                           <a:effectLst/>
-                          <a:latin typeface="Calibri"/>
                         </a:rPr>
                         <a:t>Action(Movie) = T</a:t>
                       </a:r>
                       <a:r>
-                        <a:rPr lang="en-US" sz="2400" b="0" i="0" u="none" strike="noStrike" dirty="0" smtClean="0">
-                          <a:solidFill>
-                            <a:srgbClr val="000000"/>
-                          </a:solidFill>
+                        <a:rPr lang="en-US" sz="2400" u="none" strike="noStrike" dirty="0" smtClean="0">
                           <a:effectLst/>
-                          <a:latin typeface="Calibri"/>
                         </a:rPr>
                         <a:t>,</a:t>
                       </a:r>
@@ -14122,62 +14429,32 @@
                     <a:p>
                       <a:pPr algn="l" fontAlgn="b"/>
                       <a:r>
-                        <a:rPr lang="en-US" sz="2400" b="0" i="0" u="none" strike="noStrike" dirty="0" smtClean="0">
-                          <a:solidFill>
-                            <a:srgbClr val="000000"/>
-                          </a:solidFill>
+                        <a:rPr lang="en-US" sz="2400" u="none" strike="noStrike" dirty="0" err="1" smtClean="0">
                           <a:effectLst/>
-                          <a:latin typeface="Calibri"/>
-                        </a:rPr>
-                        <a:t> </a:t>
-                      </a:r>
-                      <a:r>
-                        <a:rPr lang="en-US" sz="2400" b="0" i="0" u="none" strike="noStrike" dirty="0" err="1">
-                          <a:solidFill>
-                            <a:srgbClr val="000000"/>
-                          </a:solidFill>
-                          <a:effectLst/>
-                          <a:latin typeface="Calibri"/>
                         </a:rPr>
                         <a:t>HasRated</a:t>
                       </a:r>
                       <a:r>
-                        <a:rPr lang="en-US" sz="2400" b="0" i="0" u="none" strike="noStrike" dirty="0">
-                          <a:solidFill>
-                            <a:srgbClr val="000000"/>
-                          </a:solidFill>
+                        <a:rPr lang="en-US" sz="2400" u="none" strike="noStrike" dirty="0">
                           <a:effectLst/>
-                          <a:latin typeface="Calibri"/>
                         </a:rPr>
                         <a:t>(</a:t>
                       </a:r>
                       <a:r>
-                        <a:rPr lang="en-US" sz="2400" b="0" i="0" u="none" strike="noStrike" dirty="0" err="1">
-                          <a:solidFill>
-                            <a:srgbClr val="000000"/>
-                          </a:solidFill>
+                        <a:rPr lang="en-US" sz="2400" u="none" strike="noStrike" dirty="0" err="1">
                           <a:effectLst/>
-                          <a:latin typeface="Calibri"/>
                         </a:rPr>
                         <a:t>User,Movie</a:t>
                       </a:r>
                       <a:r>
-                        <a:rPr lang="en-US" sz="2400" b="0" i="0" u="none" strike="noStrike" dirty="0">
-                          <a:solidFill>
-                            <a:srgbClr val="000000"/>
-                          </a:solidFill>
+                        <a:rPr lang="en-US" sz="2400" u="none" strike="noStrike" dirty="0">
                           <a:effectLst/>
-                          <a:latin typeface="Calibri"/>
                         </a:rPr>
                         <a:t>) = T</a:t>
                       </a:r>
                       <a:r>
-                        <a:rPr lang="en-US" sz="2400" b="0" i="0" u="none" strike="noStrike" dirty="0" smtClean="0">
-                          <a:solidFill>
-                            <a:srgbClr val="000000"/>
-                          </a:solidFill>
+                        <a:rPr lang="en-US" sz="2400" u="none" strike="noStrike" dirty="0" smtClean="0">
                           <a:effectLst/>
-                          <a:latin typeface="Calibri"/>
                         </a:rPr>
                         <a:t>,</a:t>
                       </a:r>
@@ -14185,25 +14462,24 @@
                     <a:p>
                       <a:pPr algn="l" fontAlgn="b"/>
                       <a:r>
-                        <a:rPr lang="en-US" sz="2400" b="0" i="0" u="none" strike="noStrike" dirty="0" smtClean="0">
-                          <a:solidFill>
-                            <a:srgbClr val="000000"/>
-                          </a:solidFill>
+                        <a:rPr lang="en-US" sz="2400" u="none" strike="noStrike" dirty="0" smtClean="0">
                           <a:effectLst/>
-                          <a:latin typeface="Calibri"/>
                         </a:rPr>
                         <a:t>gender</a:t>
                       </a:r>
                       <a:r>
-                        <a:rPr lang="en-US" sz="2400" b="0" i="0" u="none" strike="noStrike" dirty="0">
-                          <a:solidFill>
-                            <a:srgbClr val="000000"/>
-                          </a:solidFill>
+                        <a:rPr lang="en-US" sz="2400" u="none" strike="noStrike" dirty="0">
                           <a:effectLst/>
-                          <a:latin typeface="Calibri"/>
                         </a:rPr>
                         <a:t>(User) = W</a:t>
                       </a:r>
+                      <a:endParaRPr lang="en-US" sz="2400" b="0" i="0" u="none" strike="noStrike" dirty="0">
+                        <a:solidFill>
+                          <a:srgbClr val="000000"/>
+                        </a:solidFill>
+                        <a:effectLst/>
+                        <a:latin typeface="+mn-lt"/>
+                      </a:endParaRPr>
                     </a:p>
                   </a:txBody>
                   <a:tcPr marL="12700" marR="12700" marT="12700" marB="0" anchor="b"/>
@@ -14215,15 +14491,18 @@
                     <a:p>
                       <a:pPr algn="r" fontAlgn="b"/>
                       <a:r>
-                        <a:rPr lang="is-IS" sz="2400" b="0" i="0" u="none" strike="noStrike" dirty="0">
-                          <a:solidFill>
-                            <a:srgbClr val="000000"/>
-                          </a:solidFill>
+                        <a:rPr lang="is-IS" sz="2400" u="none" strike="noStrike" dirty="0">
                           <a:effectLst/>
-                          <a:latin typeface="Calibri"/>
                         </a:rPr>
                         <a:t>66642</a:t>
                       </a:r>
+                      <a:endParaRPr lang="is-IS" sz="2400" b="0" i="0" u="none" strike="noStrike" dirty="0">
+                        <a:solidFill>
+                          <a:srgbClr val="000000"/>
+                        </a:solidFill>
+                        <a:effectLst/>
+                        <a:latin typeface="+mn-lt"/>
+                      </a:endParaRPr>
                     </a:p>
                   </a:txBody>
                   <a:tcPr marL="12700" marR="12700" marT="12700" marB="0" anchor="b"/>
@@ -14237,12 +14516,8 @@
                     <a:p>
                       <a:pPr algn="l" fontAlgn="b"/>
                       <a:r>
-                        <a:rPr lang="en-CA" sz="2400" b="0" i="0" u="none" strike="noStrike" dirty="0" smtClean="0">
-                          <a:solidFill>
-                            <a:srgbClr val="000000"/>
-                          </a:solidFill>
+                        <a:rPr lang="en-CA" sz="2400" u="none" strike="noStrike" dirty="0" smtClean="0">
                           <a:effectLst/>
-                          <a:latin typeface="+mn-lt"/>
                         </a:rPr>
                         <a:t>Frequency</a:t>
                       </a:r>
@@ -14280,32 +14555,20 @@
                         <a:defRPr/>
                       </a:pPr>
                       <a:r>
-                        <a:rPr lang="is-IS" sz="2400" b="0" i="0" u="none" strike="noStrike" dirty="0" smtClean="0">
-                          <a:solidFill>
-                            <a:srgbClr val="000000"/>
-                          </a:solidFill>
+                        <a:rPr lang="is-IS" sz="2400" u="none" strike="noStrike" dirty="0" smtClean="0">
                           <a:effectLst/>
-                          <a:latin typeface="+mn-lt"/>
                         </a:rPr>
                         <a:t>66642</a:t>
                       </a:r>
                       <a:r>
-                        <a:rPr lang="en-CA" sz="2400" b="0" i="0" u="none" strike="noStrike" dirty="0" smtClean="0">
-                          <a:solidFill>
-                            <a:srgbClr val="000000"/>
-                          </a:solidFill>
+                        <a:rPr lang="en-CA" sz="2400" u="none" strike="noStrike" dirty="0" smtClean="0">
                           <a:effectLst/>
-                          <a:latin typeface="+mn-lt"/>
                         </a:rPr>
                         <a:t>/</a:t>
                       </a:r>
                       <a:r>
-                        <a:rPr lang="cs-CZ" sz="2400" b="0" i="0" u="none" strike="noStrike" dirty="0" smtClean="0">
-                          <a:solidFill>
-                            <a:srgbClr val="000000"/>
-                          </a:solidFill>
+                        <a:rPr lang="cs-CZ" sz="2400" u="none" strike="noStrike" dirty="0" smtClean="0">
                           <a:effectLst/>
-                          <a:latin typeface="+mn-lt"/>
                         </a:rPr>
                         <a:t>23449437=</a:t>
                       </a:r>
@@ -14329,12 +14592,8 @@
                         <a:defRPr/>
                       </a:pPr>
                       <a:r>
-                        <a:rPr lang="cs-CZ" sz="2400" b="0" i="0" u="none" strike="noStrike" dirty="0" smtClean="0">
-                          <a:solidFill>
-                            <a:srgbClr val="000000"/>
-                          </a:solidFill>
+                        <a:rPr lang="cs-CZ" sz="2400" u="none" strike="noStrike" dirty="0" smtClean="0">
                           <a:effectLst/>
-                          <a:latin typeface="+mn-lt"/>
                         </a:rPr>
                         <a:t>0.0028</a:t>
                       </a:r>
@@ -14438,113 +14697,13 @@
   <p:clrMapOvr>
     <a:masterClrMapping/>
   </p:clrMapOvr>
-</p:sld>
-</file>
-
-<file path=ppt/slides/slide24.xml><?xml version="1.0" encoding="utf-8"?>
-<p:sld xmlns:a="http://schemas.openxmlformats.org/drawingml/2006/main" xmlns:r="http://schemas.openxmlformats.org/officeDocument/2006/relationships" xmlns:p="http://schemas.openxmlformats.org/presentationml/2006/main">
-  <p:cSld>
-    <p:spTree>
-      <p:nvGrpSpPr>
-        <p:cNvPr id="1" name=""/>
-        <p:cNvGrpSpPr/>
-        <p:nvPr/>
-      </p:nvGrpSpPr>
-      <p:grpSpPr>
-        <a:xfrm>
-          <a:off x="0" y="0"/>
-          <a:ext cx="0" cy="0"/>
-          <a:chOff x="0" y="0"/>
-          <a:chExt cx="0" cy="0"/>
-        </a:xfrm>
-      </p:grpSpPr>
-      <p:sp>
-        <p:nvSpPr>
-          <p:cNvPr id="2" name="Title 1"/>
-          <p:cNvSpPr>
-            <a:spLocks noGrp="1"/>
-          </p:cNvSpPr>
-          <p:nvPr>
-            <p:ph type="title"/>
-          </p:nvPr>
-        </p:nvSpPr>
-        <p:spPr/>
-        <p:txBody>
-          <a:bodyPr/>
-          <a:lstStyle/>
-          <a:p>
-            <a:r>
-              <a:rPr lang="en-US" dirty="0" err="1"/>
-              <a:t>Mondial</a:t>
-            </a:r>
-            <a:r>
-              <a:rPr lang="en-US" dirty="0"/>
-              <a:t> Data Format</a:t>
-            </a:r>
-          </a:p>
-        </p:txBody>
-      </p:sp>
-      <p:pic>
-        <p:nvPicPr>
-          <p:cNvPr id="5" name="Content Placeholder 4" descr="eer-mondial.pdf"/>
-          <p:cNvPicPr>
-            <a:picLocks noGrp="1" noChangeAspect="1"/>
-          </p:cNvPicPr>
-          <p:nvPr>
-            <p:ph sz="quarter" idx="1"/>
-          </p:nvPr>
-        </p:nvPicPr>
-        <p:blipFill>
-          <a:blip r:embed="rId2">
-            <a:extLst>
-              <a:ext uri="{28A0092B-C50C-407E-A947-70E740481C1C}">
-                <a14:useLocalDpi xmlns:a14="http://schemas.microsoft.com/office/drawing/2010/main" val="0"/>
-              </a:ext>
-            </a:extLst>
-          </a:blip>
-          <a:srcRect l="-42150" r="-42150"/>
-          <a:stretch>
-            <a:fillRect/>
-          </a:stretch>
-        </p:blipFill>
-        <p:spPr/>
-      </p:pic>
-      <p:sp>
-        <p:nvSpPr>
-          <p:cNvPr id="4" name="Footer Placeholder 3"/>
-          <p:cNvSpPr>
-            <a:spLocks noGrp="1"/>
-          </p:cNvSpPr>
-          <p:nvPr>
-            <p:ph type="ftr" sz="quarter" idx="11"/>
-          </p:nvPr>
-        </p:nvSpPr>
-        <p:spPr/>
-        <p:txBody>
-          <a:bodyPr/>
-          <a:lstStyle/>
-          <a:p>
-            <a:pPr>
-              <a:defRPr/>
-            </a:pPr>
-            <a:r>
-              <a:rPr lang="en-US" dirty="0" smtClean="0"/>
-              <a:t>Learning Bayesian Networks for Complex Relational Data</a:t>
-            </a:r>
-            <a:endParaRPr lang="en-US" dirty="0"/>
-          </a:p>
-        </p:txBody>
-      </p:sp>
-    </p:spTree>
-    <p:extLst>
-      <p:ext uri="{BB962C8B-B14F-4D97-AF65-F5344CB8AC3E}">
-        <p14:creationId xmlns:p14="http://schemas.microsoft.com/office/powerpoint/2010/main" val="2067919314"/>
-      </p:ext>
-    </p:extLst>
-  </p:cSld>
-  <p:clrMapOvr>
-    <a:masterClrMapping/>
-  </p:clrMapOvr>
+  <p:timing>
+    <p:tnLst>
+      <p:par>
+        <p:cTn xmlns:p14="http://schemas.microsoft.com/office/powerpoint/2010/main" id="1" dur="indefinite" restart="never" nodeType="tmRoot"/>
+      </p:par>
+    </p:tnLst>
+  </p:timing>
 </p:sld>
 </file>
 
@@ -14581,6 +14740,120 @@
           <a:lstStyle/>
           <a:p>
             <a:r>
+              <a:rPr lang="en-US" dirty="0" err="1"/>
+              <a:t>Mondial</a:t>
+            </a:r>
+            <a:r>
+              <a:rPr lang="en-US" dirty="0"/>
+              <a:t> Data Format</a:t>
+            </a:r>
+          </a:p>
+        </p:txBody>
+      </p:sp>
+      <p:pic>
+        <p:nvPicPr>
+          <p:cNvPr id="5" name="Content Placeholder 4" descr="eer-mondial.pdf"/>
+          <p:cNvPicPr>
+            <a:picLocks noGrp="1" noChangeAspect="1"/>
+          </p:cNvPicPr>
+          <p:nvPr>
+            <p:ph sz="quarter" idx="1"/>
+          </p:nvPr>
+        </p:nvPicPr>
+        <p:blipFill>
+          <a:blip r:embed="rId2">
+            <a:extLst>
+              <a:ext uri="{28A0092B-C50C-407E-A947-70E740481C1C}">
+                <a14:useLocalDpi xmlns:a14="http://schemas.microsoft.com/office/drawing/2010/main" val="0"/>
+              </a:ext>
+            </a:extLst>
+          </a:blip>
+          <a:srcRect l="-42150" r="-42150"/>
+          <a:stretch>
+            <a:fillRect/>
+          </a:stretch>
+        </p:blipFill>
+        <p:spPr/>
+      </p:pic>
+      <p:sp>
+        <p:nvSpPr>
+          <p:cNvPr id="4" name="Footer Placeholder 3"/>
+          <p:cNvSpPr>
+            <a:spLocks noGrp="1"/>
+          </p:cNvSpPr>
+          <p:nvPr>
+            <p:ph type="ftr" sz="quarter" idx="11"/>
+          </p:nvPr>
+        </p:nvSpPr>
+        <p:spPr/>
+        <p:txBody>
+          <a:bodyPr/>
+          <a:lstStyle/>
+          <a:p>
+            <a:pPr>
+              <a:defRPr/>
+            </a:pPr>
+            <a:r>
+              <a:rPr lang="en-US" dirty="0" smtClean="0"/>
+              <a:t>Learning Bayesian Networks for Complex Relational Data</a:t>
+            </a:r>
+            <a:endParaRPr lang="en-US" dirty="0"/>
+          </a:p>
+        </p:txBody>
+      </p:sp>
+    </p:spTree>
+    <p:extLst>
+      <p:ext uri="{BB962C8B-B14F-4D97-AF65-F5344CB8AC3E}">
+        <p14:creationId xmlns:p14="http://schemas.microsoft.com/office/powerpoint/2010/main" val="2067919314"/>
+      </p:ext>
+    </p:extLst>
+  </p:cSld>
+  <p:clrMapOvr>
+    <a:masterClrMapping/>
+  </p:clrMapOvr>
+  <p:timing>
+    <p:tnLst>
+      <p:par>
+        <p:cTn xmlns:p14="http://schemas.microsoft.com/office/powerpoint/2010/main" id="1" dur="indefinite" restart="never" nodeType="tmRoot"/>
+      </p:par>
+    </p:tnLst>
+  </p:timing>
+</p:sld>
+</file>
+
+<file path=ppt/slides/slide26.xml><?xml version="1.0" encoding="utf-8"?>
+<p:sld xmlns:a="http://schemas.openxmlformats.org/drawingml/2006/main" xmlns:r="http://schemas.openxmlformats.org/officeDocument/2006/relationships" xmlns:p="http://schemas.openxmlformats.org/presentationml/2006/main">
+  <p:cSld>
+    <p:spTree>
+      <p:nvGrpSpPr>
+        <p:cNvPr id="1" name=""/>
+        <p:cNvGrpSpPr/>
+        <p:nvPr/>
+      </p:nvGrpSpPr>
+      <p:grpSpPr>
+        <a:xfrm>
+          <a:off x="0" y="0"/>
+          <a:ext cx="0" cy="0"/>
+          <a:chOff x="0" y="0"/>
+          <a:chExt cx="0" cy="0"/>
+        </a:xfrm>
+      </p:grpSpPr>
+      <p:sp>
+        <p:nvSpPr>
+          <p:cNvPr id="2" name="Title 1"/>
+          <p:cNvSpPr>
+            <a:spLocks noGrp="1"/>
+          </p:cNvSpPr>
+          <p:nvPr>
+            <p:ph type="title"/>
+          </p:nvPr>
+        </p:nvSpPr>
+        <p:spPr/>
+        <p:txBody>
+          <a:bodyPr/>
+          <a:lstStyle/>
+          <a:p>
+            <a:r>
               <a:rPr lang="en-US"/>
               <a:t>Learned Bayes Net for Mondial</a:t>
             </a:r>
@@ -14648,10 +14921,17 @@
   <p:clrMapOvr>
     <a:masterClrMapping/>
   </p:clrMapOvr>
+  <p:timing>
+    <p:tnLst>
+      <p:par>
+        <p:cTn xmlns:p14="http://schemas.microsoft.com/office/powerpoint/2010/main" id="1" dur="indefinite" restart="never" nodeType="tmRoot"/>
+      </p:par>
+    </p:tnLst>
+  </p:timing>
 </p:sld>
 </file>
 
-<file path=ppt/slides/slide26.xml><?xml version="1.0" encoding="utf-8"?>
+<file path=ppt/slides/slide27.xml><?xml version="1.0" encoding="utf-8"?>
 <p:sld xmlns:a="http://schemas.openxmlformats.org/drawingml/2006/main" xmlns:r="http://schemas.openxmlformats.org/officeDocument/2006/relationships" xmlns:p="http://schemas.openxmlformats.org/presentationml/2006/main">
   <p:cSld>
     <p:spTree>
@@ -14760,647 +15040,13 @@
   <p:clrMapOvr>
     <a:masterClrMapping/>
   </p:clrMapOvr>
-</p:sld>
-</file>
-
-<file path=ppt/slides/slide27.xml><?xml version="1.0" encoding="utf-8"?>
-<p:sld xmlns:a="http://schemas.openxmlformats.org/drawingml/2006/main" xmlns:r="http://schemas.openxmlformats.org/officeDocument/2006/relationships" xmlns:p="http://schemas.openxmlformats.org/presentationml/2006/main">
-  <p:cSld>
-    <p:spTree>
-      <p:nvGrpSpPr>
-        <p:cNvPr id="1" name=""/>
-        <p:cNvGrpSpPr/>
-        <p:nvPr/>
-      </p:nvGrpSpPr>
-      <p:grpSpPr>
-        <a:xfrm>
-          <a:off x="0" y="0"/>
-          <a:ext cx="0" cy="0"/>
-          <a:chOff x="0" y="0"/>
-          <a:chExt cx="0" cy="0"/>
-        </a:xfrm>
-      </p:grpSpPr>
-      <p:sp>
-        <p:nvSpPr>
-          <p:cNvPr id="2" name="Title 1"/>
-          <p:cNvSpPr>
-            <a:spLocks noGrp="1"/>
-          </p:cNvSpPr>
-          <p:nvPr>
-            <p:ph type="title"/>
-          </p:nvPr>
-        </p:nvSpPr>
-        <p:spPr/>
-        <p:txBody>
-          <a:bodyPr/>
-          <a:lstStyle/>
-          <a:p>
-            <a:r>
-              <a:rPr lang="en-US" dirty="0" smtClean="0"/>
-              <a:t>Data Query</a:t>
-            </a:r>
-            <a:endParaRPr lang="en-US" dirty="0"/>
-          </a:p>
-        </p:txBody>
-      </p:sp>
-      <p:graphicFrame>
-        <p:nvGraphicFramePr>
-          <p:cNvPr id="5" name="Content Placeholder 4"/>
-          <p:cNvGraphicFramePr>
-            <a:graphicFrameLocks noGrp="1"/>
-          </p:cNvGraphicFramePr>
-          <p:nvPr>
-            <p:ph sz="quarter" idx="1"/>
-            <p:extLst>
-              <p:ext uri="{D42A27DB-BD31-4B8C-83A1-F6EECF244321}">
-                <p14:modId xmlns:p14="http://schemas.microsoft.com/office/powerpoint/2010/main" val="3685466662"/>
-              </p:ext>
-            </p:extLst>
-          </p:nvPr>
-        </p:nvGraphicFramePr>
-        <p:xfrm>
-          <a:off x="667367" y="1743422"/>
-          <a:ext cx="6452096" cy="1135380"/>
-        </p:xfrm>
-        <a:graphic>
-          <a:graphicData uri="http://schemas.openxmlformats.org/drawingml/2006/table">
-            <a:tbl>
-              <a:tblPr firstRow="1" bandRow="1">
-                <a:tableStyleId>{5C22544A-7EE6-4342-B048-85BDC9FD1C3A}</a:tableStyleId>
-              </a:tblPr>
-              <a:tblGrid>
-                <a:gridCol w="2565896"/>
-                <a:gridCol w="3886200"/>
-              </a:tblGrid>
-              <a:tr h="82837">
-                <a:tc>
-                  <a:txBody>
-                    <a:bodyPr/>
-                    <a:lstStyle/>
-                    <a:p>
-                      <a:pPr algn="l" fontAlgn="b"/>
-                      <a:r>
-                        <a:rPr lang="en-US" sz="2400" b="0" i="0" u="none" strike="noStrike" dirty="0" err="1">
-                          <a:solidFill>
-                            <a:srgbClr val="000000"/>
-                          </a:solidFill>
-                          <a:effectLst/>
-                          <a:latin typeface="+mn-lt"/>
-                        </a:rPr>
-                        <a:t>Num</a:t>
-                      </a:r>
-                      <a:r>
-                        <a:rPr lang="en-US" sz="2400" b="0" i="0" u="none" strike="noStrike" dirty="0">
-                          <a:solidFill>
-                            <a:srgbClr val="000000"/>
-                          </a:solidFill>
-                          <a:effectLst/>
-                          <a:latin typeface="+mn-lt"/>
-                        </a:rPr>
-                        <a:t> Movies</a:t>
-                      </a:r>
-                    </a:p>
-                  </a:txBody>
-                  <a:tcPr marL="12700" marR="12700" marT="12700" marB="0" anchor="b"/>
-                </a:tc>
-                <a:tc>
-                  <a:txBody>
-                    <a:bodyPr/>
-                    <a:lstStyle/>
-                    <a:p>
-                      <a:pPr algn="r" fontAlgn="b"/>
-                      <a:r>
-                        <a:rPr lang="cs-CZ" sz="2400" b="0" i="0" u="none" strike="noStrike" dirty="0">
-                          <a:solidFill>
-                            <a:srgbClr val="000000"/>
-                          </a:solidFill>
-                          <a:effectLst/>
-                          <a:latin typeface="+mn-lt"/>
-                        </a:rPr>
-                        <a:t>3883</a:t>
-                      </a:r>
-                    </a:p>
-                  </a:txBody>
-                  <a:tcPr marL="12700" marR="12700" marT="12700" marB="0" anchor="b"/>
-                </a:tc>
-              </a:tr>
-              <a:tr h="370840">
-                <a:tc>
-                  <a:txBody>
-                    <a:bodyPr/>
-                    <a:lstStyle/>
-                    <a:p>
-                      <a:pPr algn="l" fontAlgn="b"/>
-                      <a:r>
-                        <a:rPr lang="en-US" sz="2400" b="0" i="0" u="none" strike="noStrike">
-                          <a:solidFill>
-                            <a:srgbClr val="000000"/>
-                          </a:solidFill>
-                          <a:effectLst/>
-                          <a:latin typeface="+mn-lt"/>
-                        </a:rPr>
-                        <a:t>Num Users</a:t>
-                      </a:r>
-                    </a:p>
-                  </a:txBody>
-                  <a:tcPr marL="12700" marR="12700" marT="12700" marB="0" anchor="b"/>
-                </a:tc>
-                <a:tc>
-                  <a:txBody>
-                    <a:bodyPr/>
-                    <a:lstStyle/>
-                    <a:p>
-                      <a:pPr algn="r" fontAlgn="b"/>
-                      <a:r>
-                        <a:rPr lang="uk-UA" sz="2400" b="0" i="0" u="none" strike="noStrike" dirty="0">
-                          <a:solidFill>
-                            <a:srgbClr val="000000"/>
-                          </a:solidFill>
-                          <a:effectLst/>
-                          <a:latin typeface="+mn-lt"/>
-                        </a:rPr>
-                        <a:t>6039</a:t>
-                      </a:r>
-                    </a:p>
-                  </a:txBody>
-                  <a:tcPr marL="12700" marR="12700" marT="12700" marB="0" anchor="b"/>
-                </a:tc>
-              </a:tr>
-              <a:tr h="370840">
-                <a:tc>
-                  <a:txBody>
-                    <a:bodyPr/>
-                    <a:lstStyle/>
-                    <a:p>
-                      <a:pPr algn="l" fontAlgn="b"/>
-                      <a:r>
-                        <a:rPr lang="en-US" sz="2400" b="0" i="0" u="none" strike="noStrike">
-                          <a:solidFill>
-                            <a:srgbClr val="000000"/>
-                          </a:solidFill>
-                          <a:effectLst/>
-                          <a:latin typeface="+mn-lt"/>
-                        </a:rPr>
-                        <a:t>Num Movie-User Pairs</a:t>
-                      </a:r>
-                    </a:p>
-                  </a:txBody>
-                  <a:tcPr marL="12700" marR="12700" marT="12700" marB="0" anchor="b"/>
-                </a:tc>
-                <a:tc>
-                  <a:txBody>
-                    <a:bodyPr/>
-                    <a:lstStyle/>
-                    <a:p>
-                      <a:pPr algn="r" fontAlgn="b"/>
-                      <a:r>
-                        <a:rPr lang="cs-CZ" sz="2400" b="0" i="0" u="none" strike="noStrike" dirty="0" smtClean="0">
-                          <a:solidFill>
-                            <a:srgbClr val="000000"/>
-                          </a:solidFill>
-                          <a:effectLst/>
-                          <a:latin typeface="+mn-lt"/>
-                        </a:rPr>
-                        <a:t>3883 </a:t>
-                      </a:r>
-                      <a:r>
-                        <a:rPr lang="cs-CZ" sz="2400" b="0" i="0" u="none" strike="noStrike" dirty="0" err="1" smtClean="0">
-                          <a:solidFill>
-                            <a:srgbClr val="000000"/>
-                          </a:solidFill>
-                          <a:effectLst/>
-                          <a:latin typeface="+mn-lt"/>
-                        </a:rPr>
-                        <a:t>x</a:t>
-                      </a:r>
-                      <a:r>
-                        <a:rPr lang="cs-CZ" sz="2400" b="0" i="0" u="none" strike="noStrike" dirty="0" smtClean="0">
-                          <a:solidFill>
-                            <a:srgbClr val="000000"/>
-                          </a:solidFill>
-                          <a:effectLst/>
-                          <a:latin typeface="+mn-lt"/>
-                        </a:rPr>
-                        <a:t> 6039 = 23449437</a:t>
-                      </a:r>
-                      <a:endParaRPr lang="cs-CZ" sz="2400" b="0" i="0" u="none" strike="noStrike" dirty="0">
-                        <a:solidFill>
-                          <a:srgbClr val="000000"/>
-                        </a:solidFill>
-                        <a:effectLst/>
-                        <a:latin typeface="+mn-lt"/>
-                      </a:endParaRPr>
-                    </a:p>
-                  </a:txBody>
-                  <a:tcPr marL="12700" marR="12700" marT="12700" marB="0" anchor="b"/>
-                </a:tc>
-              </a:tr>
-            </a:tbl>
-          </a:graphicData>
-        </a:graphic>
-      </p:graphicFrame>
-      <p:sp>
-        <p:nvSpPr>
-          <p:cNvPr id="4" name="Footer Placeholder 3"/>
-          <p:cNvSpPr>
-            <a:spLocks noGrp="1"/>
-          </p:cNvSpPr>
-          <p:nvPr>
-            <p:ph type="ftr" sz="quarter" idx="11"/>
-          </p:nvPr>
-        </p:nvSpPr>
-        <p:spPr/>
-        <p:txBody>
-          <a:bodyPr/>
-          <a:lstStyle/>
-          <a:p>
-            <a:pPr>
-              <a:defRPr/>
-            </a:pPr>
-            <a:r>
-              <a:rPr lang="en-US" smtClean="0"/>
-              <a:t>Learning Bayesian Networks for Complex Relational Data</a:t>
-            </a:r>
-            <a:endParaRPr lang="en-US" dirty="0"/>
-          </a:p>
-        </p:txBody>
-      </p:sp>
-      <p:graphicFrame>
-        <p:nvGraphicFramePr>
-          <p:cNvPr id="6" name="Content Placeholder 4"/>
-          <p:cNvGraphicFramePr>
-            <a:graphicFrameLocks noGrp="1"/>
-          </p:cNvGraphicFramePr>
-          <p:nvPr>
-            <p:ph sz="quarter" idx="1"/>
-            <p:extLst>
-              <p:ext uri="{D42A27DB-BD31-4B8C-83A1-F6EECF244321}">
-                <p14:modId xmlns:p14="http://schemas.microsoft.com/office/powerpoint/2010/main" val="78099067"/>
-              </p:ext>
-            </p:extLst>
-          </p:nvPr>
-        </p:nvGraphicFramePr>
-        <p:xfrm>
-          <a:off x="667367" y="3765907"/>
-          <a:ext cx="7546087" cy="1854200"/>
-        </p:xfrm>
-        <a:graphic>
-          <a:graphicData uri="http://schemas.openxmlformats.org/drawingml/2006/table">
-            <a:tbl>
-              <a:tblPr firstRow="1" bandRow="1">
-                <a:tableStyleId>{5C22544A-7EE6-4342-B048-85BDC9FD1C3A}</a:tableStyleId>
-              </a:tblPr>
-              <a:tblGrid>
-                <a:gridCol w="3627999"/>
-                <a:gridCol w="3918088"/>
-              </a:tblGrid>
-              <a:tr h="82837">
-                <a:tc>
-                  <a:txBody>
-                    <a:bodyPr/>
-                    <a:lstStyle/>
-                    <a:p>
-                      <a:pPr algn="l" fontAlgn="b"/>
-                      <a:r>
-                        <a:rPr lang="en-US" sz="2400" b="0" i="0" u="none" strike="noStrike" dirty="0">
-                          <a:solidFill>
-                            <a:srgbClr val="000000"/>
-                          </a:solidFill>
-                          <a:effectLst/>
-                          <a:latin typeface="Calibri"/>
-                        </a:rPr>
-                        <a:t>Action(Movie) = T</a:t>
-                      </a:r>
-                      <a:r>
-                        <a:rPr lang="en-US" sz="2400" b="0" i="0" u="none" strike="noStrike" dirty="0" smtClean="0">
-                          <a:solidFill>
-                            <a:srgbClr val="000000"/>
-                          </a:solidFill>
-                          <a:effectLst/>
-                          <a:latin typeface="Calibri"/>
-                        </a:rPr>
-                        <a:t>,</a:t>
-                      </a:r>
-                    </a:p>
-                    <a:p>
-                      <a:pPr algn="l" fontAlgn="b"/>
-                      <a:r>
-                        <a:rPr lang="en-US" sz="2400" b="0" i="0" u="none" strike="noStrike" dirty="0" smtClean="0">
-                          <a:solidFill>
-                            <a:srgbClr val="000000"/>
-                          </a:solidFill>
-                          <a:effectLst/>
-                          <a:latin typeface="Calibri"/>
-                        </a:rPr>
-                        <a:t> </a:t>
-                      </a:r>
-                      <a:r>
-                        <a:rPr lang="en-US" sz="2400" b="0" i="0" u="none" strike="noStrike" dirty="0" err="1">
-                          <a:solidFill>
-                            <a:srgbClr val="000000"/>
-                          </a:solidFill>
-                          <a:effectLst/>
-                          <a:latin typeface="Calibri"/>
-                        </a:rPr>
-                        <a:t>HasRated</a:t>
-                      </a:r>
-                      <a:r>
-                        <a:rPr lang="en-US" sz="2400" b="0" i="0" u="none" strike="noStrike" dirty="0">
-                          <a:solidFill>
-                            <a:srgbClr val="000000"/>
-                          </a:solidFill>
-                          <a:effectLst/>
-                          <a:latin typeface="Calibri"/>
-                        </a:rPr>
-                        <a:t>(</a:t>
-                      </a:r>
-                      <a:r>
-                        <a:rPr lang="en-US" sz="2400" b="0" i="0" u="none" strike="noStrike" dirty="0" err="1">
-                          <a:solidFill>
-                            <a:srgbClr val="000000"/>
-                          </a:solidFill>
-                          <a:effectLst/>
-                          <a:latin typeface="Calibri"/>
-                        </a:rPr>
-                        <a:t>User,Movie</a:t>
-                      </a:r>
-                      <a:r>
-                        <a:rPr lang="en-US" sz="2400" b="0" i="0" u="none" strike="noStrike" dirty="0">
-                          <a:solidFill>
-                            <a:srgbClr val="000000"/>
-                          </a:solidFill>
-                          <a:effectLst/>
-                          <a:latin typeface="Calibri"/>
-                        </a:rPr>
-                        <a:t>) = T</a:t>
-                      </a:r>
-                      <a:r>
-                        <a:rPr lang="en-US" sz="2400" b="0" i="0" u="none" strike="noStrike" dirty="0" smtClean="0">
-                          <a:solidFill>
-                            <a:srgbClr val="000000"/>
-                          </a:solidFill>
-                          <a:effectLst/>
-                          <a:latin typeface="Calibri"/>
-                        </a:rPr>
-                        <a:t>,</a:t>
-                      </a:r>
-                    </a:p>
-                    <a:p>
-                      <a:pPr algn="l" fontAlgn="b"/>
-                      <a:r>
-                        <a:rPr lang="en-US" sz="2400" b="0" i="0" u="none" strike="noStrike" dirty="0" smtClean="0">
-                          <a:solidFill>
-                            <a:srgbClr val="000000"/>
-                          </a:solidFill>
-                          <a:effectLst/>
-                          <a:latin typeface="Calibri"/>
-                        </a:rPr>
-                        <a:t>gender</a:t>
-                      </a:r>
-                      <a:r>
-                        <a:rPr lang="en-US" sz="2400" b="0" i="0" u="none" strike="noStrike" dirty="0">
-                          <a:solidFill>
-                            <a:srgbClr val="000000"/>
-                          </a:solidFill>
-                          <a:effectLst/>
-                          <a:latin typeface="Calibri"/>
-                        </a:rPr>
-                        <a:t>(User) = W</a:t>
-                      </a:r>
-                    </a:p>
-                  </a:txBody>
-                  <a:tcPr marL="12700" marR="12700" marT="12700" marB="0" anchor="b"/>
-                </a:tc>
-                <a:tc>
-                  <a:txBody>
-                    <a:bodyPr/>
-                    <a:lstStyle/>
-                    <a:p>
-                      <a:pPr algn="r" fontAlgn="b"/>
-                      <a:r>
-                        <a:rPr lang="is-IS" sz="2400" b="0" i="0" u="none" strike="noStrike" dirty="0">
-                          <a:solidFill>
-                            <a:srgbClr val="000000"/>
-                          </a:solidFill>
-                          <a:effectLst/>
-                          <a:latin typeface="Calibri"/>
-                        </a:rPr>
-                        <a:t>66642</a:t>
-                      </a:r>
-                    </a:p>
-                  </a:txBody>
-                  <a:tcPr marL="12700" marR="12700" marT="12700" marB="0" anchor="b"/>
-                </a:tc>
-              </a:tr>
-              <a:tr h="370840">
-                <a:tc>
-                  <a:txBody>
-                    <a:bodyPr/>
-                    <a:lstStyle/>
-                    <a:p>
-                      <a:pPr algn="l" fontAlgn="b"/>
-                      <a:r>
-                        <a:rPr lang="en-CA" sz="2400" b="0" i="0" u="none" strike="noStrike" dirty="0" smtClean="0">
-                          <a:solidFill>
-                            <a:srgbClr val="000000"/>
-                          </a:solidFill>
-                          <a:effectLst/>
-                          <a:latin typeface="+mn-lt"/>
-                        </a:rPr>
-                        <a:t>Frequency</a:t>
-                      </a:r>
-                      <a:endParaRPr lang="uk-UA" sz="2400" b="0" i="0" u="none" strike="noStrike" dirty="0">
-                        <a:solidFill>
-                          <a:srgbClr val="000000"/>
-                        </a:solidFill>
-                        <a:effectLst/>
-                        <a:latin typeface="+mn-lt"/>
-                      </a:endParaRPr>
-                    </a:p>
-                  </a:txBody>
-                  <a:tcPr marL="12700" marR="12700" marT="12700" marB="0" anchor="b"/>
-                </a:tc>
-                <a:tc>
-                  <a:txBody>
-                    <a:bodyPr/>
-                    <a:lstStyle/>
-                    <a:p>
-                      <a:pPr marL="0" marR="0" indent="0" algn="r" defTabSz="914400" rtl="0" eaLnBrk="1" fontAlgn="b" latinLnBrk="0" hangingPunct="1">
-                        <a:lnSpc>
-                          <a:spcPct val="100000"/>
-                        </a:lnSpc>
-                        <a:spcBef>
-                          <a:spcPts val="0"/>
-                        </a:spcBef>
-                        <a:spcAft>
-                          <a:spcPts val="0"/>
-                        </a:spcAft>
-                        <a:buClrTx/>
-                        <a:buSzTx/>
-                        <a:buFontTx/>
-                        <a:buNone/>
-                        <a:tabLst/>
-                        <a:defRPr/>
-                      </a:pPr>
-                      <a:r>
-                        <a:rPr lang="is-IS" sz="2400" b="0" i="0" u="none" strike="noStrike" dirty="0" smtClean="0">
-                          <a:solidFill>
-                            <a:srgbClr val="000000"/>
-                          </a:solidFill>
-                          <a:effectLst/>
-                          <a:latin typeface="+mn-lt"/>
-                        </a:rPr>
-                        <a:t>66642</a:t>
-                      </a:r>
-                      <a:r>
-                        <a:rPr lang="en-CA" sz="2400" b="0" i="0" u="none" strike="noStrike" dirty="0" smtClean="0">
-                          <a:solidFill>
-                            <a:srgbClr val="000000"/>
-                          </a:solidFill>
-                          <a:effectLst/>
-                          <a:latin typeface="+mn-lt"/>
-                        </a:rPr>
-                        <a:t>/</a:t>
-                      </a:r>
-                      <a:r>
-                        <a:rPr lang="cs-CZ" sz="2400" b="0" i="0" u="none" strike="noStrike" dirty="0" smtClean="0">
-                          <a:solidFill>
-                            <a:srgbClr val="000000"/>
-                          </a:solidFill>
-                          <a:effectLst/>
-                          <a:latin typeface="+mn-lt"/>
-                        </a:rPr>
-                        <a:t>23449437=</a:t>
-                      </a:r>
-                    </a:p>
-                    <a:p>
-                      <a:pPr marL="0" marR="0" indent="0" algn="r" defTabSz="914400" rtl="0" eaLnBrk="1" fontAlgn="b" latinLnBrk="0" hangingPunct="1">
-                        <a:lnSpc>
-                          <a:spcPct val="100000"/>
-                        </a:lnSpc>
-                        <a:spcBef>
-                          <a:spcPts val="0"/>
-                        </a:spcBef>
-                        <a:spcAft>
-                          <a:spcPts val="0"/>
-                        </a:spcAft>
-                        <a:buClrTx/>
-                        <a:buSzTx/>
-                        <a:buFontTx/>
-                        <a:buNone/>
-                        <a:tabLst/>
-                        <a:defRPr/>
-                      </a:pPr>
-                      <a:r>
-                        <a:rPr lang="cs-CZ" sz="2400" b="0" i="0" u="none" strike="noStrike" dirty="0" smtClean="0">
-                          <a:solidFill>
-                            <a:srgbClr val="000000"/>
-                          </a:solidFill>
-                          <a:effectLst/>
-                          <a:latin typeface="+mn-lt"/>
-                        </a:rPr>
-                        <a:t>0.0028</a:t>
-                      </a:r>
-                      <a:endParaRPr lang="is-IS" sz="2400" b="0" i="0" u="none" strike="noStrike" dirty="0" smtClean="0">
-                        <a:solidFill>
-                          <a:srgbClr val="000000"/>
-                        </a:solidFill>
-                        <a:effectLst/>
-                        <a:latin typeface="+mn-lt"/>
-                      </a:endParaRPr>
-                    </a:p>
-                  </a:txBody>
-                  <a:tcPr marL="12700" marR="12700" marT="12700" marB="0" anchor="b"/>
-                </a:tc>
-              </a:tr>
-            </a:tbl>
-          </a:graphicData>
-        </a:graphic>
-      </p:graphicFrame>
-      <p:sp>
-        <p:nvSpPr>
-          <p:cNvPr id="7" name="TextBox 6"/>
-          <p:cNvSpPr txBox="1"/>
-          <p:nvPr/>
-        </p:nvSpPr>
-        <p:spPr>
-          <a:xfrm>
-            <a:off x="667367" y="3099418"/>
-            <a:ext cx="7147282" cy="523220"/>
-          </a:xfrm>
-          <a:prstGeom prst="rect">
-            <a:avLst/>
-          </a:prstGeom>
-          <a:noFill/>
-        </p:spPr>
-        <p:txBody>
-          <a:bodyPr wrap="square" rtlCol="0">
-            <a:spAutoFit/>
-          </a:bodyPr>
-          <a:lstStyle/>
-          <a:p>
-            <a:r>
-              <a:rPr lang="en-US" sz="2800" dirty="0">
-                <a:latin typeface="+mn-lt"/>
-              </a:rPr>
-              <a:t>movie-user pairs with action movie, woman </a:t>
-            </a:r>
-            <a:r>
-              <a:rPr lang="en-US" sz="2800" dirty="0" smtClean="0">
-                <a:latin typeface="+mn-lt"/>
-              </a:rPr>
-              <a:t>user</a:t>
-            </a:r>
-            <a:endParaRPr lang="en-US" sz="2800" dirty="0">
-              <a:latin typeface="+mn-lt"/>
-            </a:endParaRPr>
-          </a:p>
-        </p:txBody>
-      </p:sp>
-      <p:sp>
-        <p:nvSpPr>
-          <p:cNvPr id="8" name="TextBox 7"/>
-          <p:cNvSpPr txBox="1"/>
-          <p:nvPr/>
-        </p:nvSpPr>
-        <p:spPr>
-          <a:xfrm>
-            <a:off x="1097926" y="5802868"/>
-            <a:ext cx="4800735" cy="400110"/>
-          </a:xfrm>
-          <a:prstGeom prst="rect">
-            <a:avLst/>
-          </a:prstGeom>
-          <a:noFill/>
-        </p:spPr>
-        <p:txBody>
-          <a:bodyPr wrap="square" rtlCol="0">
-            <a:spAutoFit/>
-          </a:bodyPr>
-          <a:lstStyle/>
-          <a:p>
-            <a:r>
-              <a:rPr lang="en-US" sz="2000" dirty="0" smtClean="0">
-                <a:latin typeface="+mn-lt"/>
-              </a:rPr>
-              <a:t>More Examples in spreadsheet on website</a:t>
-            </a:r>
-            <a:endParaRPr lang="en-US" sz="2000" dirty="0">
-              <a:latin typeface="+mn-lt"/>
-            </a:endParaRPr>
-          </a:p>
-        </p:txBody>
-      </p:sp>
-    </p:spTree>
-    <p:extLst>
-      <p:ext uri="{BB962C8B-B14F-4D97-AF65-F5344CB8AC3E}">
-        <p14:creationId xmlns:p14="http://schemas.microsoft.com/office/powerpoint/2010/main" val="3132417834"/>
-      </p:ext>
-    </p:extLst>
-  </p:cSld>
-  <p:clrMapOvr>
-    <a:masterClrMapping/>
-  </p:clrMapOvr>
+  <p:timing>
+    <p:tnLst>
+      <p:par>
+        <p:cTn xmlns:p14="http://schemas.microsoft.com/office/powerpoint/2010/main" id="1" dur="indefinite" restart="never" nodeType="tmRoot"/>
+      </p:par>
+    </p:tnLst>
+  </p:timing>
 </p:sld>
 </file>
 
@@ -15480,7 +15126,7 @@
             <p:ph sz="quarter" idx="1"/>
             <p:extLst>
               <p:ext uri="{D42A27DB-BD31-4B8C-83A1-F6EECF244321}">
-                <p14:modId xmlns:p14="http://schemas.microsoft.com/office/powerpoint/2010/main" val="2869271190"/>
+                <p14:modId xmlns:p14="http://schemas.microsoft.com/office/powerpoint/2010/main" val="3604625552"/>
               </p:ext>
             </p:extLst>
           </p:nvPr>
@@ -15493,11 +15139,11 @@
           <a:graphicData uri="http://schemas.openxmlformats.org/drawingml/2006/table">
             <a:tbl>
               <a:tblPr firstRow="1" bandRow="1">
-                <a:tableStyleId>{5C22544A-7EE6-4342-B048-85BDC9FD1C3A}</a:tableStyleId>
+                <a:tableStyleId>{D7AC3CCA-C797-4891-BE02-D94E43425B78}</a:tableStyleId>
               </a:tblPr>
               <a:tblGrid>
-                <a:gridCol w="5224122"/>
-                <a:gridCol w="2504414"/>
+                <a:gridCol w="5532101"/>
+                <a:gridCol w="2196435"/>
               </a:tblGrid>
               <a:tr h="82837">
                 <a:tc>
@@ -15507,15 +15153,18 @@
                     <a:p>
                       <a:pPr algn="l" fontAlgn="b"/>
                       <a:r>
-                        <a:rPr lang="en-US" sz="2800" b="0" i="0" u="none" strike="noStrike" dirty="0">
-                          <a:solidFill>
-                            <a:srgbClr val="000000"/>
-                          </a:solidFill>
+                        <a:rPr lang="en-US" sz="2800" u="none" strike="noStrike" dirty="0">
                           <a:effectLst/>
-                          <a:latin typeface="+mn-lt"/>
                         </a:rPr>
                         <a:t>Number of Europe-Europe Borders</a:t>
                       </a:r>
+                      <a:endParaRPr lang="en-US" sz="2800" b="0" i="0" u="none" strike="noStrike" dirty="0">
+                        <a:solidFill>
+                          <a:srgbClr val="000000"/>
+                        </a:solidFill>
+                        <a:effectLst/>
+                        <a:latin typeface="+mn-lt"/>
+                      </a:endParaRPr>
                     </a:p>
                   </a:txBody>
                   <a:tcPr marL="12700" marR="12700" marT="12700" marB="0" anchor="b"/>
@@ -15527,15 +15176,18 @@
                     <a:p>
                       <a:pPr algn="r" fontAlgn="b"/>
                       <a:r>
-                        <a:rPr lang="is-IS" sz="2800" b="0" i="0" u="none" strike="noStrike" dirty="0">
-                          <a:solidFill>
-                            <a:srgbClr val="000000"/>
-                          </a:solidFill>
+                        <a:rPr lang="is-IS" sz="2800" u="none" strike="noStrike" dirty="0">
                           <a:effectLst/>
-                          <a:latin typeface="+mn-lt"/>
                         </a:rPr>
                         <a:t>124</a:t>
                       </a:r>
+                      <a:endParaRPr lang="is-IS" sz="2800" b="0" i="0" u="none" strike="noStrike" dirty="0">
+                        <a:solidFill>
+                          <a:srgbClr val="000000"/>
+                        </a:solidFill>
+                        <a:effectLst/>
+                        <a:latin typeface="+mn-lt"/>
+                      </a:endParaRPr>
                     </a:p>
                   </a:txBody>
                   <a:tcPr marL="12700" marR="12700" marT="12700" marB="0" anchor="b"/>
@@ -15549,12 +15201,8 @@
                     <a:p>
                       <a:pPr algn="l" fontAlgn="b"/>
                       <a:r>
-                        <a:rPr lang="en-US" sz="2800" b="0" i="0" u="none" strike="noStrike" dirty="0" smtClean="0">
-                          <a:solidFill>
-                            <a:srgbClr val="000000"/>
-                          </a:solidFill>
+                        <a:rPr lang="en-US" sz="2800" u="none" strike="noStrike" dirty="0" smtClean="0">
                           <a:effectLst/>
-                          <a:latin typeface="+mn-lt"/>
                         </a:rPr>
                         <a:t>Number of *-Europe Borders</a:t>
                       </a:r>
@@ -15576,15 +15224,18 @@
                     <a:p>
                       <a:pPr algn="r" fontAlgn="b"/>
                       <a:r>
-                        <a:rPr lang="tr-TR" sz="2800" b="0" i="0" u="none" strike="noStrike" dirty="0">
-                          <a:solidFill>
-                            <a:srgbClr val="000000"/>
-                          </a:solidFill>
+                        <a:rPr lang="tr-TR" sz="2800" u="none" strike="noStrike" dirty="0">
                           <a:effectLst/>
-                          <a:latin typeface="+mn-lt"/>
                         </a:rPr>
                         <a:t>126</a:t>
                       </a:r>
+                      <a:endParaRPr lang="tr-TR" sz="2800" b="0" i="0" u="none" strike="noStrike" dirty="0">
+                        <a:solidFill>
+                          <a:srgbClr val="000000"/>
+                        </a:solidFill>
+                        <a:effectLst/>
+                        <a:latin typeface="+mn-lt"/>
+                      </a:endParaRPr>
                     </a:p>
                   </a:txBody>
                   <a:tcPr marL="12700" marR="12700" marT="12700" marB="0" anchor="b"/>
@@ -15598,75 +15249,54 @@
                     <a:p>
                       <a:pPr algn="l" fontAlgn="b"/>
                       <a:r>
-                        <a:rPr lang="en-US" sz="2800" b="0" i="0" u="none" strike="noStrike" dirty="0">
-                          <a:solidFill>
-                            <a:srgbClr val="000000"/>
-                          </a:solidFill>
+                        <a:rPr lang="en-US" sz="2800" u="none" strike="noStrike" dirty="0">
                           <a:effectLst/>
-                          <a:latin typeface="+mn-lt"/>
                         </a:rPr>
                         <a:t>P(continent(country1) = </a:t>
                       </a:r>
                       <a:r>
-                        <a:rPr lang="en-US" sz="2800" b="0" i="0" u="none" strike="noStrike" dirty="0" err="1">
-                          <a:solidFill>
-                            <a:srgbClr val="000000"/>
-                          </a:solidFill>
+                        <a:rPr lang="en-US" sz="2800" u="none" strike="noStrike" dirty="0" err="1">
                           <a:effectLst/>
-                          <a:latin typeface="+mn-lt"/>
                         </a:rPr>
                         <a:t>Eu|Borders</a:t>
                       </a:r>
                       <a:r>
-                        <a:rPr lang="en-US" sz="2800" b="0" i="0" u="none" strike="noStrike" dirty="0">
-                          <a:solidFill>
-                            <a:srgbClr val="000000"/>
-                          </a:solidFill>
+                        <a:rPr lang="en-US" sz="2800" u="none" strike="noStrike" dirty="0">
                           <a:effectLst/>
-                          <a:latin typeface="+mn-lt"/>
                         </a:rPr>
                         <a:t>(country1,country2) = </a:t>
                       </a:r>
                       <a:r>
-                        <a:rPr lang="en-US" sz="2800" b="0" i="0" u="none" strike="noStrike" dirty="0" err="1">
-                          <a:solidFill>
-                            <a:srgbClr val="000000"/>
-                          </a:solidFill>
+                        <a:rPr lang="en-US" sz="2800" u="none" strike="noStrike" dirty="0" err="1">
                           <a:effectLst/>
-                          <a:latin typeface="+mn-lt"/>
                         </a:rPr>
                         <a:t>T,continent</a:t>
                       </a:r>
                       <a:r>
-                        <a:rPr lang="en-US" sz="2800" b="0" i="0" u="none" strike="noStrike" dirty="0">
-                          <a:solidFill>
-                            <a:srgbClr val="000000"/>
-                          </a:solidFill>
+                        <a:rPr lang="en-US" sz="2800" u="none" strike="noStrike" dirty="0">
                           <a:effectLst/>
-                          <a:latin typeface="+mn-lt"/>
                         </a:rPr>
                         <a:t>(country2=</a:t>
                       </a:r>
                       <a:r>
-                        <a:rPr lang="en-US" sz="2800" b="0" i="0" u="none" strike="noStrike" dirty="0" err="1">
-                          <a:solidFill>
-                            <a:srgbClr val="000000"/>
-                          </a:solidFill>
+                        <a:rPr lang="en-US" sz="2800" u="none" strike="noStrike" dirty="0" err="1">
                           <a:effectLst/>
-                          <a:latin typeface="+mn-lt"/>
                         </a:rPr>
                         <a:t>Eu</a:t>
                       </a:r>
                       <a:r>
-                        <a:rPr lang="en-US" sz="2800" b="0" i="0" u="none" strike="noStrike" dirty="0">
-                          <a:solidFill>
-                            <a:srgbClr val="000000"/>
-                          </a:solidFill>
+                        <a:rPr lang="en-US" sz="2800" u="none" strike="noStrike" dirty="0">
                           <a:effectLst/>
-                          <a:latin typeface="+mn-lt"/>
                         </a:rPr>
                         <a:t>))</a:t>
                       </a:r>
+                      <a:endParaRPr lang="en-US" sz="2800" b="0" i="0" u="none" strike="noStrike" dirty="0">
+                        <a:solidFill>
+                          <a:srgbClr val="000000"/>
+                        </a:solidFill>
+                        <a:effectLst/>
+                        <a:latin typeface="+mn-lt"/>
+                      </a:endParaRPr>
                     </a:p>
                   </a:txBody>
                   <a:tcPr marL="12700" marR="12700" marT="12700" marB="0" anchor="b"/>
@@ -15678,12 +15308,8 @@
                     <a:p>
                       <a:pPr algn="r" fontAlgn="b"/>
                       <a:r>
-                        <a:rPr lang="tr-TR" sz="2800" b="0" i="0" u="none" strike="noStrike" dirty="0" smtClean="0">
-                          <a:solidFill>
-                            <a:srgbClr val="000000"/>
-                          </a:solidFill>
+                        <a:rPr lang="tr-TR" sz="2800" u="none" strike="noStrike" dirty="0" smtClean="0">
                           <a:effectLst/>
-                          <a:latin typeface="+mn-lt"/>
                         </a:rPr>
                         <a:t>124/126=</a:t>
                       </a:r>
@@ -15691,12 +15317,8 @@
                     <a:p>
                       <a:pPr algn="r" fontAlgn="b"/>
                       <a:r>
-                        <a:rPr lang="tr-TR" sz="2800" b="0" i="0" u="none" strike="noStrike" dirty="0" smtClean="0">
-                          <a:solidFill>
-                            <a:srgbClr val="000000"/>
-                          </a:solidFill>
+                        <a:rPr lang="tr-TR" sz="2800" u="none" strike="noStrike" dirty="0" smtClean="0">
                           <a:effectLst/>
-                          <a:latin typeface="+mn-lt"/>
                         </a:rPr>
                         <a:t>98.41%</a:t>
                       </a:r>
@@ -15763,6 +15385,13 @@
   <p:clrMapOvr>
     <a:masterClrMapping/>
   </p:clrMapOvr>
+  <p:timing>
+    <p:tnLst>
+      <p:par>
+        <p:cTn xmlns:p14="http://schemas.microsoft.com/office/powerpoint/2010/main" id="1" dur="indefinite" restart="never" nodeType="tmRoot"/>
+      </p:par>
+    </p:tnLst>
+  </p:timing>
 </p:sld>
 </file>
 
@@ -16245,6 +15874,13 @@
   <p:clrMapOvr>
     <a:masterClrMapping/>
   </p:clrMapOvr>
+  <p:timing>
+    <p:tnLst>
+      <p:par>
+        <p:cTn xmlns:p14="http://schemas.microsoft.com/office/powerpoint/2010/main" id="1" dur="indefinite" restart="never" nodeType="tmRoot"/>
+      </p:par>
+    </p:tnLst>
+  </p:timing>
 </p:sld>
 </file>
 
@@ -16503,6 +16139,13 @@
   <p:clrMapOvr>
     <a:masterClrMapping/>
   </p:clrMapOvr>
+  <p:timing>
+    <p:tnLst>
+      <p:par>
+        <p:cTn xmlns:p14="http://schemas.microsoft.com/office/powerpoint/2010/main" id="1" dur="indefinite" restart="never" nodeType="tmRoot"/>
+      </p:par>
+    </p:tnLst>
+  </p:timing>
 </p:sld>
 </file>
 

--- a/ch2-fo-bayes-nets.pptx
+++ b/ch2-fo-bayes-nets.pptx
@@ -5,10 +5,10 @@
     <p:sldMasterId id="2147483660" r:id="rId1"/>
   </p:sldMasterIdLst>
   <p:notesMasterIdLst>
-    <p:notesMasterId r:id="rId32"/>
+    <p:notesMasterId r:id="rId34"/>
   </p:notesMasterIdLst>
   <p:handoutMasterIdLst>
-    <p:handoutMasterId r:id="rId33"/>
+    <p:handoutMasterId r:id="rId35"/>
   </p:handoutMasterIdLst>
   <p:sldIdLst>
     <p:sldId id="370" r:id="rId2"/>
@@ -20,27 +20,29 @@
     <p:sldId id="382" r:id="rId8"/>
     <p:sldId id="383" r:id="rId9"/>
     <p:sldId id="369" r:id="rId10"/>
-    <p:sldId id="393" r:id="rId11"/>
-    <p:sldId id="379" r:id="rId12"/>
-    <p:sldId id="323" r:id="rId13"/>
-    <p:sldId id="313" r:id="rId14"/>
-    <p:sldId id="388" r:id="rId15"/>
-    <p:sldId id="389" r:id="rId16"/>
-    <p:sldId id="334" r:id="rId17"/>
-    <p:sldId id="284" r:id="rId18"/>
-    <p:sldId id="384" r:id="rId19"/>
-    <p:sldId id="283" r:id="rId20"/>
-    <p:sldId id="405" r:id="rId21"/>
-    <p:sldId id="394" r:id="rId22"/>
-    <p:sldId id="395" r:id="rId23"/>
-    <p:sldId id="397" r:id="rId24"/>
-    <p:sldId id="402" r:id="rId25"/>
-    <p:sldId id="398" r:id="rId26"/>
-    <p:sldId id="399" r:id="rId27"/>
-    <p:sldId id="400" r:id="rId28"/>
-    <p:sldId id="404" r:id="rId29"/>
-    <p:sldId id="366" r:id="rId30"/>
-    <p:sldId id="378" r:id="rId31"/>
+    <p:sldId id="406" r:id="rId11"/>
+    <p:sldId id="393" r:id="rId12"/>
+    <p:sldId id="379" r:id="rId13"/>
+    <p:sldId id="323" r:id="rId14"/>
+    <p:sldId id="313" r:id="rId15"/>
+    <p:sldId id="388" r:id="rId16"/>
+    <p:sldId id="389" r:id="rId17"/>
+    <p:sldId id="334" r:id="rId18"/>
+    <p:sldId id="284" r:id="rId19"/>
+    <p:sldId id="384" r:id="rId20"/>
+    <p:sldId id="283" r:id="rId21"/>
+    <p:sldId id="405" r:id="rId22"/>
+    <p:sldId id="394" r:id="rId23"/>
+    <p:sldId id="407" r:id="rId24"/>
+    <p:sldId id="395" r:id="rId25"/>
+    <p:sldId id="397" r:id="rId26"/>
+    <p:sldId id="402" r:id="rId27"/>
+    <p:sldId id="398" r:id="rId28"/>
+    <p:sldId id="399" r:id="rId29"/>
+    <p:sldId id="400" r:id="rId30"/>
+    <p:sldId id="404" r:id="rId31"/>
+    <p:sldId id="366" r:id="rId32"/>
+    <p:sldId id="378" r:id="rId33"/>
   </p:sldIdLst>
   <p:sldSz cx="9144000" cy="6858000" type="screen4x3"/>
   <p:notesSz cx="6858000" cy="9144000"/>
@@ -195,6 +197,7 @@
             <p14:sldId id="382"/>
             <p14:sldId id="383"/>
             <p14:sldId id="369"/>
+            <p14:sldId id="406"/>
             <p14:sldId id="393"/>
           </p14:sldIdLst>
         </p14:section>
@@ -219,6 +222,7 @@
           <p14:sldIdLst>
             <p14:sldId id="405"/>
             <p14:sldId id="394"/>
+            <p14:sldId id="407"/>
             <p14:sldId id="395"/>
             <p14:sldId id="397"/>
             <p14:sldId id="402"/>
@@ -1041,12 +1045,95 @@
           <a:p>
             <a:r>
               <a:rPr lang="en-US" dirty="0" smtClean="0"/>
-              <a:t>Population Variables</a:t>
+              <a:t>FO = first-order </a:t>
+            </a:r>
+          </a:p>
+          <a:p>
+            <a:r>
+              <a:rPr lang="en-US" dirty="0" smtClean="0"/>
+              <a:t>single</a:t>
             </a:r>
             <a:r>
               <a:rPr lang="en-US" baseline="0" dirty="0" smtClean="0"/>
-              <a:t> are uniformly and independently distributed</a:t>
-            </a:r>
+              <a:t> data table that correctly represents relational frequencies</a:t>
+            </a:r>
+          </a:p>
+          <a:p>
+            <a:r>
+              <a:rPr lang="en-US" dirty="0" smtClean="0"/>
+              <a:t>Riedel, S.; Yao, L.; McCallum, A. &amp; Marlin, B. M. (2013), Relation Extraction with Matrix Factorization and Universal Schemas, </a:t>
+            </a:r>
+            <a:r>
+              <a:rPr lang="en-US" i="1" dirty="0" smtClean="0"/>
+              <a:t>in 'Human Language Technologies-NAACL', pp. 74--84.</a:t>
+            </a:r>
+          </a:p>
+          <a:p>
+            <a:r>
+              <a:rPr lang="en-US" dirty="0" smtClean="0"/>
+              <a:t>Schulte, O. (2011), A tractable pseudo-likelihood function for Bayes Nets applied to relational data, </a:t>
+            </a:r>
+            <a:r>
+              <a:rPr lang="en-US" i="1" dirty="0" smtClean="0"/>
+              <a:t>in 'SIAM SDM', pp. 462-473.</a:t>
+            </a:r>
+          </a:p>
+          <a:p>
+            <a:pPr marL="0" marR="0" indent="0" algn="l" defTabSz="457200" rtl="0" eaLnBrk="0" fontAlgn="base" latinLnBrk="0" hangingPunct="0">
+              <a:lnSpc>
+                <a:spcPct val="100000"/>
+              </a:lnSpc>
+              <a:spcBef>
+                <a:spcPct val="30000"/>
+              </a:spcBef>
+              <a:spcAft>
+                <a:spcPct val="0"/>
+              </a:spcAft>
+              <a:buClrTx/>
+              <a:buSzTx/>
+              <a:buFontTx/>
+              <a:buNone/>
+              <a:tabLst/>
+              <a:defRPr/>
+            </a:pPr>
+            <a:r>
+              <a:rPr lang="en-US" dirty="0" err="1" smtClean="0"/>
+              <a:t>Raedt</a:t>
+            </a:r>
+            <a:r>
+              <a:rPr lang="en-US" dirty="0" smtClean="0"/>
+              <a:t>, L. D. (1998), Attribute-Value Learning Versus Inductive Logic Programming: The Missing Links (Extended Abstract), </a:t>
+            </a:r>
+            <a:r>
+              <a:rPr lang="en-US" i="1" dirty="0" smtClean="0"/>
+              <a:t>in David Page, ed., 'ILP', Springer, , pp. 1-8</a:t>
+            </a:r>
+          </a:p>
+          <a:p>
+            <a:endParaRPr lang="en-US" dirty="0" smtClean="0"/>
+          </a:p>
+          <a:p>
+            <a:pPr marL="0" marR="0" indent="0" algn="l" defTabSz="457200" rtl="0" eaLnBrk="0" fontAlgn="base" latinLnBrk="0" hangingPunct="0">
+              <a:lnSpc>
+                <a:spcPct val="100000"/>
+              </a:lnSpc>
+              <a:spcBef>
+                <a:spcPct val="30000"/>
+              </a:spcBef>
+              <a:spcAft>
+                <a:spcPct val="0"/>
+              </a:spcAft>
+              <a:buClrTx/>
+              <a:buSzTx/>
+              <a:buFontTx/>
+              <a:buNone/>
+              <a:tabLst/>
+              <a:defRPr/>
+            </a:pPr>
+            <a:endParaRPr lang="en-US" dirty="0" smtClean="0"/>
+          </a:p>
+          <a:p>
+            <a:endParaRPr lang="en-US" baseline="0" dirty="0" smtClean="0"/>
           </a:p>
         </p:txBody>
       </p:sp>
@@ -1138,13 +1225,12 @@
           <a:p>
             <a:r>
               <a:rPr lang="en-US" dirty="0" smtClean="0"/>
-              <a:t>probabilities</a:t>
+              <a:t>Population Variables</a:t>
             </a:r>
             <a:r>
               <a:rPr lang="en-US" baseline="0" dirty="0" smtClean="0"/>
-              <a:t> are examples</a:t>
-            </a:r>
-            <a:endParaRPr lang="en-US" dirty="0"/>
+              <a:t> are uniformly and independently distributed</a:t>
+            </a:r>
           </a:p>
         </p:txBody>
       </p:sp>
@@ -1180,7 +1266,7 @@
     </p:spTree>
     <p:extLst>
       <p:ext uri="{BB962C8B-B14F-4D97-AF65-F5344CB8AC3E}">
-        <p14:creationId xmlns:p14="http://schemas.microsoft.com/office/powerpoint/2010/main" val="968068703"/>
+        <p14:creationId xmlns:p14="http://schemas.microsoft.com/office/powerpoint/2010/main" val="1511732372"/>
       </p:ext>
     </p:extLst>
   </p:cSld>
@@ -1236,56 +1322,11 @@
           <a:p>
             <a:r>
               <a:rPr lang="en-US" dirty="0" smtClean="0"/>
-              <a:t>Bayesian networks are close to rules (</a:t>
-            </a:r>
-            <a:r>
-              <a:rPr lang="en-US" dirty="0" err="1" smtClean="0"/>
-              <a:t>Kersting</a:t>
+              <a:t>probabilities</a:t>
             </a:r>
             <a:r>
               <a:rPr lang="en-US" baseline="0" dirty="0" smtClean="0"/>
-              <a:t> and </a:t>
-            </a:r>
-            <a:r>
-              <a:rPr lang="en-US" baseline="0" dirty="0" err="1" smtClean="0"/>
-              <a:t>deRaedt</a:t>
-            </a:r>
-            <a:r>
-              <a:rPr lang="en-US" baseline="0" dirty="0" smtClean="0"/>
-              <a:t>)</a:t>
-            </a:r>
-          </a:p>
-          <a:p>
-            <a:r>
-              <a:rPr lang="en-US" sz="1200" dirty="0" err="1" smtClean="0"/>
-              <a:t>parametrized</a:t>
-            </a:r>
-            <a:r>
-              <a:rPr lang="en-US" sz="1200" baseline="0" dirty="0" smtClean="0"/>
-              <a:t> BNs </a:t>
-            </a:r>
-            <a:r>
-              <a:rPr lang="en-US" sz="1200" dirty="0" smtClean="0"/>
-              <a:t>not a frequency model</a:t>
-            </a:r>
-            <a:endParaRPr lang="en-US" baseline="0" dirty="0" smtClean="0"/>
-          </a:p>
-          <a:p>
-            <a:endParaRPr lang="en-US" baseline="0" dirty="0" smtClean="0"/>
-          </a:p>
-          <a:p>
-            <a:r>
-              <a:rPr lang="en-US" baseline="0" dirty="0" smtClean="0"/>
-              <a:t>Demo.</a:t>
-            </a:r>
-          </a:p>
-          <a:p>
-            <a:endParaRPr lang="en-US" baseline="0" dirty="0" smtClean="0"/>
-          </a:p>
-          <a:p>
-            <a:r>
-              <a:rPr lang="en-US" baseline="0" dirty="0" smtClean="0"/>
-              <a:t>First-order Random variables = terms.</a:t>
+              <a:t> are examples</a:t>
             </a:r>
             <a:endParaRPr lang="en-US" dirty="0"/>
           </a:p>
@@ -1314,7 +1355,7 @@
               <a:pPr>
                 <a:defRPr/>
               </a:pPr>
-              <a:t>18</a:t>
+              <a:t>17</a:t>
             </a:fld>
             <a:endParaRPr lang="en-US"/>
           </a:p>
@@ -1323,7 +1364,7 @@
     </p:spTree>
     <p:extLst>
       <p:ext uri="{BB962C8B-B14F-4D97-AF65-F5344CB8AC3E}">
-        <p14:creationId xmlns:p14="http://schemas.microsoft.com/office/powerpoint/2010/main" val="1197388364"/>
+        <p14:creationId xmlns:p14="http://schemas.microsoft.com/office/powerpoint/2010/main" val="968068703"/>
       </p:ext>
     </p:extLst>
   </p:cSld>
@@ -1378,8 +1419,57 @@
           <a:lstStyle/>
           <a:p>
             <a:r>
+              <a:rPr lang="en-US" dirty="0" smtClean="0"/>
+              <a:t>Bayesian networks are close to rules (</a:t>
+            </a:r>
+            <a:r>
+              <a:rPr lang="en-US" dirty="0" err="1" smtClean="0"/>
+              <a:t>Kersting</a:t>
+            </a:r>
+            <a:r>
               <a:rPr lang="en-US" baseline="0" dirty="0" smtClean="0"/>
-              <a:t>Random or typical or normal individuals</a:t>
+              <a:t> and </a:t>
+            </a:r>
+            <a:r>
+              <a:rPr lang="en-US" baseline="0" dirty="0" err="1" smtClean="0"/>
+              <a:t>deRaedt</a:t>
+            </a:r>
+            <a:r>
+              <a:rPr lang="en-US" baseline="0" dirty="0" smtClean="0"/>
+              <a:t>)</a:t>
+            </a:r>
+          </a:p>
+          <a:p>
+            <a:r>
+              <a:rPr lang="en-US" sz="1200" dirty="0" err="1" smtClean="0"/>
+              <a:t>parametrized</a:t>
+            </a:r>
+            <a:r>
+              <a:rPr lang="en-US" sz="1200" baseline="0" dirty="0" smtClean="0"/>
+              <a:t> BNs </a:t>
+            </a:r>
+            <a:r>
+              <a:rPr lang="en-US" sz="1200" dirty="0" smtClean="0"/>
+              <a:t>not a frequency model</a:t>
+            </a:r>
+            <a:endParaRPr lang="en-US" baseline="0" dirty="0" smtClean="0"/>
+          </a:p>
+          <a:p>
+            <a:endParaRPr lang="en-US" baseline="0" dirty="0" smtClean="0"/>
+          </a:p>
+          <a:p>
+            <a:r>
+              <a:rPr lang="en-US" baseline="0" dirty="0" smtClean="0"/>
+              <a:t>Demo.</a:t>
+            </a:r>
+          </a:p>
+          <a:p>
+            <a:endParaRPr lang="en-US" baseline="0" dirty="0" smtClean="0"/>
+          </a:p>
+          <a:p>
+            <a:r>
+              <a:rPr lang="en-US" baseline="0" dirty="0" smtClean="0"/>
+              <a:t>First-order Random variables = terms.</a:t>
             </a:r>
             <a:endParaRPr lang="en-US" dirty="0"/>
           </a:p>
@@ -1417,7 +1507,7 @@
     </p:spTree>
     <p:extLst>
       <p:ext uri="{BB962C8B-B14F-4D97-AF65-F5344CB8AC3E}">
-        <p14:creationId xmlns:p14="http://schemas.microsoft.com/office/powerpoint/2010/main" val="658811341"/>
+        <p14:creationId xmlns:p14="http://schemas.microsoft.com/office/powerpoint/2010/main" val="1197388364"/>
       </p:ext>
     </p:extLst>
   </p:cSld>
@@ -1472,9 +1562,10 @@
           <a:lstStyle/>
           <a:p>
             <a:r>
-              <a:rPr lang="en-US"/>
-              <a:t>IMDb_1R.xml</a:t>
-            </a:r>
+              <a:rPr lang="en-US" baseline="0" dirty="0" smtClean="0"/>
+              <a:t>Random or typical or normal individuals</a:t>
+            </a:r>
+            <a:endParaRPr lang="en-US" dirty="0"/>
           </a:p>
         </p:txBody>
       </p:sp>
@@ -1497,11 +1588,11 @@
               <a:defRPr/>
             </a:pPr>
             <a:fld id="{57BE7C63-45E8-3348-B2F7-0B0BBCE77ABE}" type="slidenum">
-              <a:rPr lang="en-US"/>
+              <a:rPr lang="en-US" smtClean="0"/>
               <a:pPr>
                 <a:defRPr/>
               </a:pPr>
-              <a:t>22</a:t>
+              <a:t>20</a:t>
             </a:fld>
             <a:endParaRPr lang="en-US"/>
           </a:p>
@@ -1510,7 +1601,7 @@
     </p:spTree>
     <p:extLst>
       <p:ext uri="{BB962C8B-B14F-4D97-AF65-F5344CB8AC3E}">
-        <p14:creationId xmlns:p14="http://schemas.microsoft.com/office/powerpoint/2010/main" val="1227621452"/>
+        <p14:creationId xmlns:p14="http://schemas.microsoft.com/office/powerpoint/2010/main" val="658811341"/>
       </p:ext>
     </p:extLst>
   </p:cSld>
@@ -1570,31 +1661,11 @@
             </a:r>
             <a:r>
               <a:rPr lang="en-US" dirty="0" smtClean="0"/>
-              <a:t>: </a:t>
-            </a:r>
-          </a:p>
-          <a:p>
-            <a:r>
-              <a:rPr lang="en-US" dirty="0" smtClean="0"/>
-              <a:t>would </a:t>
-            </a:r>
-            <a:r>
-              <a:rPr lang="en-US" dirty="0"/>
-              <a:t>be nice to make this W</a:t>
-            </a:r>
-            <a:r>
-              <a:rPr lang="en-US" baseline="0" dirty="0"/>
-              <a:t> instead of F</a:t>
+              <a:t>: make</a:t>
             </a:r>
             <a:r>
               <a:rPr lang="en-US" baseline="0" dirty="0" smtClean="0"/>
-              <a:t>.</a:t>
-            </a:r>
-          </a:p>
-          <a:p>
-            <a:r>
-              <a:rPr lang="en-US" baseline="0" dirty="0" smtClean="0"/>
-              <a:t>put pictures and xml files on-line</a:t>
+              <a:t> EER diagram with 3 relationships</a:t>
             </a:r>
             <a:endParaRPr lang="en-US" dirty="0"/>
           </a:p>
@@ -1619,11 +1690,11 @@
               <a:defRPr/>
             </a:pPr>
             <a:fld id="{57BE7C63-45E8-3348-B2F7-0B0BBCE77ABE}" type="slidenum">
-              <a:rPr lang="en-US"/>
+              <a:rPr lang="en-US" smtClean="0"/>
               <a:pPr>
                 <a:defRPr/>
               </a:pPr>
-              <a:t>23</a:t>
+              <a:t>22</a:t>
             </a:fld>
             <a:endParaRPr lang="en-US"/>
           </a:p>
@@ -1632,7 +1703,7 @@
     </p:spTree>
     <p:extLst>
       <p:ext uri="{BB962C8B-B14F-4D97-AF65-F5344CB8AC3E}">
-        <p14:creationId xmlns:p14="http://schemas.microsoft.com/office/powerpoint/2010/main" val="2052551726"/>
+        <p14:creationId xmlns:p14="http://schemas.microsoft.com/office/powerpoint/2010/main" val="3267471699"/>
       </p:ext>
     </p:extLst>
   </p:cSld>
@@ -1687,9 +1758,40 @@
           <a:lstStyle/>
           <a:p>
             <a:r>
-              <a:rPr lang="en-US"/>
-              <a:t>Mondial.xml</a:t>
-            </a:r>
+              <a:rPr lang="en-US" dirty="0" err="1" smtClean="0"/>
+              <a:t>todo</a:t>
+            </a:r>
+            <a:r>
+              <a:rPr lang="en-US" dirty="0" smtClean="0"/>
+              <a:t>:</a:t>
+            </a:r>
+          </a:p>
+          <a:p>
+            <a:r>
+              <a:rPr lang="en-US" baseline="0" dirty="0" smtClean="0"/>
+              <a:t>*rerun </a:t>
+            </a:r>
+            <a:r>
+              <a:rPr lang="en-US" baseline="0" dirty="0" err="1" smtClean="0"/>
+              <a:t>BayesBase</a:t>
+            </a:r>
+            <a:r>
+              <a:rPr lang="en-US" baseline="0" dirty="0" smtClean="0"/>
+              <a:t> with link analysis on</a:t>
+            </a:r>
+          </a:p>
+          <a:p>
+            <a:r>
+              <a:rPr lang="en-US" baseline="0" dirty="0" smtClean="0"/>
+              <a:t>*rename columns to generate IMDB EER diagram with 3 relationships</a:t>
+            </a:r>
+          </a:p>
+          <a:p>
+            <a:r>
+              <a:rPr lang="en-US" baseline="0" dirty="0" smtClean="0"/>
+              <a:t>*upload to Prague dataset</a:t>
+            </a:r>
+            <a:endParaRPr lang="en-US" dirty="0"/>
           </a:p>
         </p:txBody>
       </p:sp>
@@ -1712,11 +1814,11 @@
               <a:defRPr/>
             </a:pPr>
             <a:fld id="{57BE7C63-45E8-3348-B2F7-0B0BBCE77ABE}" type="slidenum">
-              <a:rPr lang="en-US"/>
+              <a:rPr lang="en-US" smtClean="0"/>
               <a:pPr>
                 <a:defRPr/>
               </a:pPr>
-              <a:t>26</a:t>
+              <a:t>23</a:t>
             </a:fld>
             <a:endParaRPr lang="en-US"/>
           </a:p>
@@ -1725,7 +1827,7 @@
     </p:spTree>
     <p:extLst>
       <p:ext uri="{BB962C8B-B14F-4D97-AF65-F5344CB8AC3E}">
-        <p14:creationId xmlns:p14="http://schemas.microsoft.com/office/powerpoint/2010/main" val="1278463515"/>
+        <p14:creationId xmlns:p14="http://schemas.microsoft.com/office/powerpoint/2010/main" val="2052534179"/>
       </p:ext>
     </p:extLst>
   </p:cSld>
@@ -1780,19 +1882,18 @@
           <a:lstStyle/>
           <a:p>
             <a:r>
-              <a:rPr lang="en-US" dirty="0" err="1" smtClean="0"/>
-              <a:t>Mondial.xml</a:t>
-            </a:r>
-            <a:endParaRPr lang="en-US" dirty="0" smtClean="0"/>
-          </a:p>
-          <a:p>
-            <a:r>
-              <a:rPr lang="en-US" dirty="0" err="1" smtClean="0"/>
-              <a:t>todo</a:t>
-            </a:r>
-            <a:r>
               <a:rPr lang="en-US" dirty="0" smtClean="0"/>
-              <a:t>: rerun to get rid of *</a:t>
+              <a:t>IMDb_1R.xml</a:t>
+            </a:r>
+          </a:p>
+          <a:p>
+            <a:r>
+              <a:rPr lang="en-US" dirty="0" smtClean="0"/>
+              <a:t>for simplicity, our</a:t>
+            </a:r>
+            <a:r>
+              <a:rPr lang="en-US" baseline="0" dirty="0" smtClean="0"/>
+              <a:t> examples consider only one relationship. In principle, there is no limit to the number of relationships required.</a:t>
             </a:r>
             <a:endParaRPr lang="en-US" dirty="0"/>
           </a:p>
@@ -1821,7 +1922,7 @@
               <a:pPr>
                 <a:defRPr/>
               </a:pPr>
-              <a:t>27</a:t>
+              <a:t>24</a:t>
             </a:fld>
             <a:endParaRPr lang="en-US"/>
           </a:p>
@@ -1830,7 +1931,7 @@
     </p:spTree>
     <p:extLst>
       <p:ext uri="{BB962C8B-B14F-4D97-AF65-F5344CB8AC3E}">
-        <p14:creationId xmlns:p14="http://schemas.microsoft.com/office/powerpoint/2010/main" val="26590556"/>
+        <p14:creationId xmlns:p14="http://schemas.microsoft.com/office/powerpoint/2010/main" val="1227621452"/>
       </p:ext>
     </p:extLst>
   </p:cSld>
@@ -1884,27 +1985,16 @@
           <a:bodyPr/>
           <a:lstStyle/>
           <a:p>
-            <a:r>
-              <a:rPr lang="en-US" dirty="0" smtClean="0"/>
-              <a:t>exercise:</a:t>
-            </a:r>
+            <a:endParaRPr lang="en-US" dirty="0" smtClean="0"/>
+          </a:p>
+          <a:p>
             <a:r>
               <a:rPr lang="en-US" baseline="0" dirty="0" smtClean="0"/>
-              <a:t> query what the probability is of a country being in America given that it has a </a:t>
-            </a:r>
-            <a:r>
-              <a:rPr lang="en-US" baseline="0" dirty="0" err="1" smtClean="0"/>
-              <a:t>neighbour</a:t>
+              <a:t>put </a:t>
             </a:r>
             <a:r>
               <a:rPr lang="en-US" baseline="0" dirty="0" smtClean="0"/>
-              <a:t> in America?</a:t>
-            </a:r>
-          </a:p>
-          <a:p>
-            <a:r>
-              <a:rPr lang="en-US" baseline="0" dirty="0" smtClean="0"/>
-              <a:t>Europe has borders outside of itself: Turkey and Russia</a:t>
+              <a:t>pictures and xml files on-line</a:t>
             </a:r>
             <a:endParaRPr lang="en-US" dirty="0"/>
           </a:p>
@@ -1929,11 +2019,11 @@
               <a:defRPr/>
             </a:pPr>
             <a:fld id="{57BE7C63-45E8-3348-B2F7-0B0BBCE77ABE}" type="slidenum">
-              <a:rPr lang="en-US" smtClean="0"/>
+              <a:rPr lang="en-US"/>
               <a:pPr>
                 <a:defRPr/>
               </a:pPr>
-              <a:t>28</a:t>
+              <a:t>25</a:t>
             </a:fld>
             <a:endParaRPr lang="en-US"/>
           </a:p>
@@ -1942,7 +2032,7 @@
     </p:spTree>
     <p:extLst>
       <p:ext uri="{BB962C8B-B14F-4D97-AF65-F5344CB8AC3E}">
-        <p14:creationId xmlns:p14="http://schemas.microsoft.com/office/powerpoint/2010/main" val="155472538"/>
+        <p14:creationId xmlns:p14="http://schemas.microsoft.com/office/powerpoint/2010/main" val="2052551726"/>
       </p:ext>
     </p:extLst>
   </p:cSld>
@@ -1996,6 +2086,14 @@
           <a:bodyPr/>
           <a:lstStyle/>
           <a:p>
+            <a:r>
+              <a:rPr lang="en-US" dirty="0" smtClean="0"/>
+              <a:t>run</a:t>
+            </a:r>
+            <a:r>
+              <a:rPr lang="en-US" baseline="0" dirty="0" smtClean="0"/>
+              <a:t> the actual queries</a:t>
+            </a:r>
             <a:endParaRPr lang="en-US" dirty="0"/>
           </a:p>
         </p:txBody>
@@ -2023,7 +2121,7 @@
               <a:pPr>
                 <a:defRPr/>
               </a:pPr>
-              <a:t>29</a:t>
+              <a:t>26</a:t>
             </a:fld>
             <a:endParaRPr lang="en-US"/>
           </a:p>
@@ -2032,7 +2130,7 @@
     </p:spTree>
     <p:extLst>
       <p:ext uri="{BB962C8B-B14F-4D97-AF65-F5344CB8AC3E}">
-        <p14:creationId xmlns:p14="http://schemas.microsoft.com/office/powerpoint/2010/main" val="1074296804"/>
+        <p14:creationId xmlns:p14="http://schemas.microsoft.com/office/powerpoint/2010/main" val="1708766281"/>
       </p:ext>
     </p:extLst>
   </p:cSld>
@@ -2139,6 +2237,559 @@
     <p:extLst>
       <p:ext uri="{BB962C8B-B14F-4D97-AF65-F5344CB8AC3E}">
         <p14:creationId xmlns:p14="http://schemas.microsoft.com/office/powerpoint/2010/main" val="444076179"/>
+      </p:ext>
+    </p:extLst>
+  </p:cSld>
+  <p:clrMapOvr>
+    <a:masterClrMapping/>
+  </p:clrMapOvr>
+</p:notes>
+</file>
+
+<file path=ppt/notesSlides/notesSlide20.xml><?xml version="1.0" encoding="utf-8"?>
+<p:notes xmlns:a="http://schemas.openxmlformats.org/drawingml/2006/main" xmlns:r="http://schemas.openxmlformats.org/officeDocument/2006/relationships" xmlns:p="http://schemas.openxmlformats.org/presentationml/2006/main">
+  <p:cSld>
+    <p:spTree>
+      <p:nvGrpSpPr>
+        <p:cNvPr id="1" name=""/>
+        <p:cNvGrpSpPr/>
+        <p:nvPr/>
+      </p:nvGrpSpPr>
+      <p:grpSpPr>
+        <a:xfrm>
+          <a:off x="0" y="0"/>
+          <a:ext cx="0" cy="0"/>
+          <a:chOff x="0" y="0"/>
+          <a:chExt cx="0" cy="0"/>
+        </a:xfrm>
+      </p:grpSpPr>
+      <p:sp>
+        <p:nvSpPr>
+          <p:cNvPr id="2" name="Slide Image Placeholder 1"/>
+          <p:cNvSpPr>
+            <a:spLocks noGrp="1" noRot="1" noChangeAspect="1"/>
+          </p:cNvSpPr>
+          <p:nvPr>
+            <p:ph type="sldImg"/>
+          </p:nvPr>
+        </p:nvSpPr>
+        <p:spPr/>
+      </p:sp>
+      <p:sp>
+        <p:nvSpPr>
+          <p:cNvPr id="3" name="Notes Placeholder 2"/>
+          <p:cNvSpPr>
+            <a:spLocks noGrp="1"/>
+          </p:cNvSpPr>
+          <p:nvPr>
+            <p:ph type="body" idx="1"/>
+          </p:nvPr>
+        </p:nvSpPr>
+        <p:spPr/>
+        <p:txBody>
+          <a:bodyPr/>
+          <a:lstStyle/>
+          <a:p>
+            <a:r>
+              <a:rPr lang="en-US" dirty="0" err="1" smtClean="0"/>
+              <a:t>todo</a:t>
+            </a:r>
+            <a:r>
+              <a:rPr lang="en-US" dirty="0" smtClean="0"/>
+              <a:t>: </a:t>
+            </a:r>
+          </a:p>
+          <a:p>
+            <a:r>
+              <a:rPr lang="en-US" dirty="0" smtClean="0"/>
+              <a:t>*simplify so it has only Country and Borders</a:t>
+            </a:r>
+          </a:p>
+          <a:p>
+            <a:r>
+              <a:rPr lang="en-US" dirty="0" smtClean="0"/>
+              <a:t>*make sure </a:t>
+            </a:r>
+            <a:r>
+              <a:rPr lang="en-US" dirty="0" err="1" smtClean="0"/>
+              <a:t>BayesBase</a:t>
+            </a:r>
+            <a:r>
+              <a:rPr lang="en-US" baseline="0" dirty="0" smtClean="0"/>
+              <a:t> runs correctly</a:t>
+            </a:r>
+            <a:endParaRPr lang="en-US" dirty="0"/>
+          </a:p>
+        </p:txBody>
+      </p:sp>
+      <p:sp>
+        <p:nvSpPr>
+          <p:cNvPr id="4" name="Slide Number Placeholder 3"/>
+          <p:cNvSpPr>
+            <a:spLocks noGrp="1"/>
+          </p:cNvSpPr>
+          <p:nvPr>
+            <p:ph type="sldNum" sz="quarter" idx="10"/>
+          </p:nvPr>
+        </p:nvSpPr>
+        <p:spPr/>
+        <p:txBody>
+          <a:bodyPr/>
+          <a:lstStyle/>
+          <a:p>
+            <a:pPr>
+              <a:defRPr/>
+            </a:pPr>
+            <a:fld id="{57BE7C63-45E8-3348-B2F7-0B0BBCE77ABE}" type="slidenum">
+              <a:rPr lang="en-US" smtClean="0"/>
+              <a:pPr>
+                <a:defRPr/>
+              </a:pPr>
+              <a:t>27</a:t>
+            </a:fld>
+            <a:endParaRPr lang="en-US"/>
+          </a:p>
+        </p:txBody>
+      </p:sp>
+    </p:spTree>
+    <p:extLst>
+      <p:ext uri="{BB962C8B-B14F-4D97-AF65-F5344CB8AC3E}">
+        <p14:creationId xmlns:p14="http://schemas.microsoft.com/office/powerpoint/2010/main" val="3699909571"/>
+      </p:ext>
+    </p:extLst>
+  </p:cSld>
+  <p:clrMapOvr>
+    <a:masterClrMapping/>
+  </p:clrMapOvr>
+</p:notes>
+</file>
+
+<file path=ppt/notesSlides/notesSlide21.xml><?xml version="1.0" encoding="utf-8"?>
+<p:notes xmlns:a="http://schemas.openxmlformats.org/drawingml/2006/main" xmlns:r="http://schemas.openxmlformats.org/officeDocument/2006/relationships" xmlns:p="http://schemas.openxmlformats.org/presentationml/2006/main">
+  <p:cSld>
+    <p:spTree>
+      <p:nvGrpSpPr>
+        <p:cNvPr id="1" name=""/>
+        <p:cNvGrpSpPr/>
+        <p:nvPr/>
+      </p:nvGrpSpPr>
+      <p:grpSpPr>
+        <a:xfrm>
+          <a:off x="0" y="0"/>
+          <a:ext cx="0" cy="0"/>
+          <a:chOff x="0" y="0"/>
+          <a:chExt cx="0" cy="0"/>
+        </a:xfrm>
+      </p:grpSpPr>
+      <p:sp>
+        <p:nvSpPr>
+          <p:cNvPr id="2" name="Slide Image Placeholder 1"/>
+          <p:cNvSpPr>
+            <a:spLocks noGrp="1" noRot="1" noChangeAspect="1"/>
+          </p:cNvSpPr>
+          <p:nvPr>
+            <p:ph type="sldImg"/>
+          </p:nvPr>
+        </p:nvSpPr>
+        <p:spPr/>
+      </p:sp>
+      <p:sp>
+        <p:nvSpPr>
+          <p:cNvPr id="3" name="Notes Placeholder 2"/>
+          <p:cNvSpPr>
+            <a:spLocks noGrp="1"/>
+          </p:cNvSpPr>
+          <p:nvPr>
+            <p:ph type="body" idx="1"/>
+          </p:nvPr>
+        </p:nvSpPr>
+        <p:spPr/>
+        <p:txBody>
+          <a:bodyPr/>
+          <a:lstStyle/>
+          <a:p>
+            <a:r>
+              <a:rPr lang="en-US" dirty="0" err="1" smtClean="0"/>
+              <a:t>todo</a:t>
+            </a:r>
+            <a:r>
+              <a:rPr lang="en-US" dirty="0" smtClean="0"/>
+              <a:t>: </a:t>
+            </a:r>
+          </a:p>
+          <a:p>
+            <a:r>
+              <a:rPr lang="en-US" dirty="0" smtClean="0"/>
+              <a:t>rerun</a:t>
+            </a:r>
+            <a:r>
+              <a:rPr lang="en-US" baseline="0" dirty="0" smtClean="0"/>
+              <a:t> </a:t>
+            </a:r>
+            <a:r>
+              <a:rPr lang="en-US" baseline="0" dirty="0" err="1" smtClean="0"/>
+              <a:t>Mondial</a:t>
+            </a:r>
+            <a:r>
+              <a:rPr lang="en-US" baseline="0" dirty="0" smtClean="0"/>
+              <a:t> with link analysis on</a:t>
+            </a:r>
+          </a:p>
+          <a:p>
+            <a:r>
+              <a:rPr lang="en-US" baseline="0" dirty="0" smtClean="0"/>
+              <a:t>fix data format</a:t>
+            </a:r>
+          </a:p>
+          <a:p>
+            <a:r>
+              <a:rPr lang="en-US" dirty="0" err="1" smtClean="0"/>
+              <a:t>Mondial.xml</a:t>
+            </a:r>
+            <a:endParaRPr lang="en-US" dirty="0"/>
+          </a:p>
+        </p:txBody>
+      </p:sp>
+      <p:sp>
+        <p:nvSpPr>
+          <p:cNvPr id="4" name="Slide Number Placeholder 3"/>
+          <p:cNvSpPr>
+            <a:spLocks noGrp="1"/>
+          </p:cNvSpPr>
+          <p:nvPr>
+            <p:ph type="sldNum" sz="quarter" idx="10"/>
+          </p:nvPr>
+        </p:nvSpPr>
+        <p:spPr/>
+        <p:txBody>
+          <a:bodyPr/>
+          <a:lstStyle/>
+          <a:p>
+            <a:pPr>
+              <a:defRPr/>
+            </a:pPr>
+            <a:fld id="{57BE7C63-45E8-3348-B2F7-0B0BBCE77ABE}" type="slidenum">
+              <a:rPr lang="en-US"/>
+              <a:pPr>
+                <a:defRPr/>
+              </a:pPr>
+              <a:t>28</a:t>
+            </a:fld>
+            <a:endParaRPr lang="en-US"/>
+          </a:p>
+        </p:txBody>
+      </p:sp>
+    </p:spTree>
+    <p:extLst>
+      <p:ext uri="{BB962C8B-B14F-4D97-AF65-F5344CB8AC3E}">
+        <p14:creationId xmlns:p14="http://schemas.microsoft.com/office/powerpoint/2010/main" val="1278463515"/>
+      </p:ext>
+    </p:extLst>
+  </p:cSld>
+  <p:clrMapOvr>
+    <a:masterClrMapping/>
+  </p:clrMapOvr>
+</p:notes>
+</file>
+
+<file path=ppt/notesSlides/notesSlide22.xml><?xml version="1.0" encoding="utf-8"?>
+<p:notes xmlns:a="http://schemas.openxmlformats.org/drawingml/2006/main" xmlns:r="http://schemas.openxmlformats.org/officeDocument/2006/relationships" xmlns:p="http://schemas.openxmlformats.org/presentationml/2006/main">
+  <p:cSld>
+    <p:spTree>
+      <p:nvGrpSpPr>
+        <p:cNvPr id="1" name=""/>
+        <p:cNvGrpSpPr/>
+        <p:nvPr/>
+      </p:nvGrpSpPr>
+      <p:grpSpPr>
+        <a:xfrm>
+          <a:off x="0" y="0"/>
+          <a:ext cx="0" cy="0"/>
+          <a:chOff x="0" y="0"/>
+          <a:chExt cx="0" cy="0"/>
+        </a:xfrm>
+      </p:grpSpPr>
+      <p:sp>
+        <p:nvSpPr>
+          <p:cNvPr id="2" name="Slide Image Placeholder 1"/>
+          <p:cNvSpPr>
+            <a:spLocks noGrp="1" noRot="1" noChangeAspect="1"/>
+          </p:cNvSpPr>
+          <p:nvPr>
+            <p:ph type="sldImg"/>
+          </p:nvPr>
+        </p:nvSpPr>
+        <p:spPr/>
+      </p:sp>
+      <p:sp>
+        <p:nvSpPr>
+          <p:cNvPr id="3" name="Notes Placeholder 2"/>
+          <p:cNvSpPr>
+            <a:spLocks noGrp="1"/>
+          </p:cNvSpPr>
+          <p:nvPr>
+            <p:ph type="body" idx="1"/>
+          </p:nvPr>
+        </p:nvSpPr>
+        <p:spPr/>
+        <p:txBody>
+          <a:bodyPr/>
+          <a:lstStyle/>
+          <a:p>
+            <a:r>
+              <a:rPr lang="en-US" dirty="0" err="1" smtClean="0"/>
+              <a:t>Mondial.xml</a:t>
+            </a:r>
+            <a:endParaRPr lang="en-US" dirty="0" smtClean="0"/>
+          </a:p>
+          <a:p>
+            <a:r>
+              <a:rPr lang="en-US" dirty="0" err="1" smtClean="0"/>
+              <a:t>todo</a:t>
+            </a:r>
+            <a:r>
+              <a:rPr lang="en-US" dirty="0" smtClean="0"/>
+              <a:t>: rerun to get rid of *</a:t>
+            </a:r>
+            <a:endParaRPr lang="en-US" dirty="0"/>
+          </a:p>
+        </p:txBody>
+      </p:sp>
+      <p:sp>
+        <p:nvSpPr>
+          <p:cNvPr id="4" name="Slide Number Placeholder 3"/>
+          <p:cNvSpPr>
+            <a:spLocks noGrp="1"/>
+          </p:cNvSpPr>
+          <p:nvPr>
+            <p:ph type="sldNum" sz="quarter" idx="10"/>
+          </p:nvPr>
+        </p:nvSpPr>
+        <p:spPr/>
+        <p:txBody>
+          <a:bodyPr/>
+          <a:lstStyle/>
+          <a:p>
+            <a:pPr>
+              <a:defRPr/>
+            </a:pPr>
+            <a:fld id="{57BE7C63-45E8-3348-B2F7-0B0BBCE77ABE}" type="slidenum">
+              <a:rPr lang="en-US"/>
+              <a:pPr>
+                <a:defRPr/>
+              </a:pPr>
+              <a:t>29</a:t>
+            </a:fld>
+            <a:endParaRPr lang="en-US"/>
+          </a:p>
+        </p:txBody>
+      </p:sp>
+    </p:spTree>
+    <p:extLst>
+      <p:ext uri="{BB962C8B-B14F-4D97-AF65-F5344CB8AC3E}">
+        <p14:creationId xmlns:p14="http://schemas.microsoft.com/office/powerpoint/2010/main" val="26590556"/>
+      </p:ext>
+    </p:extLst>
+  </p:cSld>
+  <p:clrMapOvr>
+    <a:masterClrMapping/>
+  </p:clrMapOvr>
+</p:notes>
+</file>
+
+<file path=ppt/notesSlides/notesSlide23.xml><?xml version="1.0" encoding="utf-8"?>
+<p:notes xmlns:a="http://schemas.openxmlformats.org/drawingml/2006/main" xmlns:r="http://schemas.openxmlformats.org/officeDocument/2006/relationships" xmlns:p="http://schemas.openxmlformats.org/presentationml/2006/main">
+  <p:cSld>
+    <p:spTree>
+      <p:nvGrpSpPr>
+        <p:cNvPr id="1" name=""/>
+        <p:cNvGrpSpPr/>
+        <p:nvPr/>
+      </p:nvGrpSpPr>
+      <p:grpSpPr>
+        <a:xfrm>
+          <a:off x="0" y="0"/>
+          <a:ext cx="0" cy="0"/>
+          <a:chOff x="0" y="0"/>
+          <a:chExt cx="0" cy="0"/>
+        </a:xfrm>
+      </p:grpSpPr>
+      <p:sp>
+        <p:nvSpPr>
+          <p:cNvPr id="2" name="Slide Image Placeholder 1"/>
+          <p:cNvSpPr>
+            <a:spLocks noGrp="1" noRot="1" noChangeAspect="1"/>
+          </p:cNvSpPr>
+          <p:nvPr>
+            <p:ph type="sldImg"/>
+          </p:nvPr>
+        </p:nvSpPr>
+        <p:spPr/>
+      </p:sp>
+      <p:sp>
+        <p:nvSpPr>
+          <p:cNvPr id="3" name="Notes Placeholder 2"/>
+          <p:cNvSpPr>
+            <a:spLocks noGrp="1"/>
+          </p:cNvSpPr>
+          <p:nvPr>
+            <p:ph type="body" idx="1"/>
+          </p:nvPr>
+        </p:nvSpPr>
+        <p:spPr/>
+        <p:txBody>
+          <a:bodyPr/>
+          <a:lstStyle/>
+          <a:p>
+            <a:r>
+              <a:rPr lang="en-US" dirty="0" smtClean="0"/>
+              <a:t>exercise:</a:t>
+            </a:r>
+            <a:r>
+              <a:rPr lang="en-US" baseline="0" dirty="0" smtClean="0"/>
+              <a:t> query what the probability is of a country being in America given that it has a </a:t>
+            </a:r>
+            <a:r>
+              <a:rPr lang="en-US" baseline="0" dirty="0" err="1" smtClean="0"/>
+              <a:t>neighbour</a:t>
+            </a:r>
+            <a:r>
+              <a:rPr lang="en-US" baseline="0" dirty="0" smtClean="0"/>
+              <a:t> in America?</a:t>
+            </a:r>
+          </a:p>
+          <a:p>
+            <a:r>
+              <a:rPr lang="en-US" baseline="0" dirty="0" smtClean="0"/>
+              <a:t>Europe has borders outside of itself: Turkey and Russia</a:t>
+            </a:r>
+            <a:endParaRPr lang="en-US" dirty="0"/>
+          </a:p>
+        </p:txBody>
+      </p:sp>
+      <p:sp>
+        <p:nvSpPr>
+          <p:cNvPr id="4" name="Slide Number Placeholder 3"/>
+          <p:cNvSpPr>
+            <a:spLocks noGrp="1"/>
+          </p:cNvSpPr>
+          <p:nvPr>
+            <p:ph type="sldNum" sz="quarter" idx="10"/>
+          </p:nvPr>
+        </p:nvSpPr>
+        <p:spPr/>
+        <p:txBody>
+          <a:bodyPr/>
+          <a:lstStyle/>
+          <a:p>
+            <a:pPr>
+              <a:defRPr/>
+            </a:pPr>
+            <a:fld id="{57BE7C63-45E8-3348-B2F7-0B0BBCE77ABE}" type="slidenum">
+              <a:rPr lang="en-US" smtClean="0"/>
+              <a:pPr>
+                <a:defRPr/>
+              </a:pPr>
+              <a:t>30</a:t>
+            </a:fld>
+            <a:endParaRPr lang="en-US"/>
+          </a:p>
+        </p:txBody>
+      </p:sp>
+    </p:spTree>
+    <p:extLst>
+      <p:ext uri="{BB962C8B-B14F-4D97-AF65-F5344CB8AC3E}">
+        <p14:creationId xmlns:p14="http://schemas.microsoft.com/office/powerpoint/2010/main" val="155472538"/>
+      </p:ext>
+    </p:extLst>
+  </p:cSld>
+  <p:clrMapOvr>
+    <a:masterClrMapping/>
+  </p:clrMapOvr>
+</p:notes>
+</file>
+
+<file path=ppt/notesSlides/notesSlide24.xml><?xml version="1.0" encoding="utf-8"?>
+<p:notes xmlns:a="http://schemas.openxmlformats.org/drawingml/2006/main" xmlns:r="http://schemas.openxmlformats.org/officeDocument/2006/relationships" xmlns:p="http://schemas.openxmlformats.org/presentationml/2006/main">
+  <p:cSld>
+    <p:spTree>
+      <p:nvGrpSpPr>
+        <p:cNvPr id="1" name=""/>
+        <p:cNvGrpSpPr/>
+        <p:nvPr/>
+      </p:nvGrpSpPr>
+      <p:grpSpPr>
+        <a:xfrm>
+          <a:off x="0" y="0"/>
+          <a:ext cx="0" cy="0"/>
+          <a:chOff x="0" y="0"/>
+          <a:chExt cx="0" cy="0"/>
+        </a:xfrm>
+      </p:grpSpPr>
+      <p:sp>
+        <p:nvSpPr>
+          <p:cNvPr id="2" name="Slide Image Placeholder 1"/>
+          <p:cNvSpPr>
+            <a:spLocks noGrp="1" noRot="1" noChangeAspect="1"/>
+          </p:cNvSpPr>
+          <p:nvPr>
+            <p:ph type="sldImg"/>
+          </p:nvPr>
+        </p:nvSpPr>
+        <p:spPr/>
+      </p:sp>
+      <p:sp>
+        <p:nvSpPr>
+          <p:cNvPr id="3" name="Notes Placeholder 2"/>
+          <p:cNvSpPr>
+            <a:spLocks noGrp="1"/>
+          </p:cNvSpPr>
+          <p:nvPr>
+            <p:ph type="body" idx="1"/>
+          </p:nvPr>
+        </p:nvSpPr>
+        <p:spPr/>
+        <p:txBody>
+          <a:bodyPr/>
+          <a:lstStyle/>
+          <a:p>
+            <a:endParaRPr lang="en-US" dirty="0"/>
+          </a:p>
+        </p:txBody>
+      </p:sp>
+      <p:sp>
+        <p:nvSpPr>
+          <p:cNvPr id="4" name="Slide Number Placeholder 3"/>
+          <p:cNvSpPr>
+            <a:spLocks noGrp="1"/>
+          </p:cNvSpPr>
+          <p:nvPr>
+            <p:ph type="sldNum" sz="quarter" idx="10"/>
+          </p:nvPr>
+        </p:nvSpPr>
+        <p:spPr/>
+        <p:txBody>
+          <a:bodyPr/>
+          <a:lstStyle/>
+          <a:p>
+            <a:pPr>
+              <a:defRPr/>
+            </a:pPr>
+            <a:fld id="{57BE7C63-45E8-3348-B2F7-0B0BBCE77ABE}" type="slidenum">
+              <a:rPr lang="en-US" smtClean="0"/>
+              <a:pPr>
+                <a:defRPr/>
+              </a:pPr>
+              <a:t>31</a:t>
+            </a:fld>
+            <a:endParaRPr lang="en-US"/>
+          </a:p>
+        </p:txBody>
+      </p:sp>
+    </p:spTree>
+    <p:extLst>
+      <p:ext uri="{BB962C8B-B14F-4D97-AF65-F5344CB8AC3E}">
+        <p14:creationId xmlns:p14="http://schemas.microsoft.com/office/powerpoint/2010/main" val="1074296804"/>
       </p:ext>
     </p:extLst>
   </p:cSld>
@@ -2664,28 +3315,6 @@
           <a:bodyPr/>
           <a:lstStyle/>
           <a:p>
-            <a:r>
-              <a:rPr lang="en-US" dirty="0" smtClean="0"/>
-              <a:t>the basis of </a:t>
-            </a:r>
-            <a:r>
-              <a:rPr lang="en-US" dirty="0" err="1" smtClean="0"/>
-              <a:t>i.i.d</a:t>
-            </a:r>
-            <a:r>
-              <a:rPr lang="en-US" dirty="0" smtClean="0"/>
-              <a:t>. learning are</a:t>
-            </a:r>
-            <a:r>
-              <a:rPr lang="en-US" baseline="0" dirty="0" smtClean="0"/>
-              <a:t> frequencies observed in a sample</a:t>
-            </a:r>
-          </a:p>
-          <a:p>
-            <a:r>
-              <a:rPr lang="en-US" baseline="0" dirty="0" smtClean="0"/>
-              <a:t>the basis of relational learning are frequencies observed in a database</a:t>
-            </a:r>
             <a:endParaRPr lang="en-US" dirty="0"/>
           </a:p>
         </p:txBody>
@@ -2713,7 +3342,7 @@
               <a:pPr>
                 <a:defRPr/>
               </a:pPr>
-              <a:t>11</a:t>
+              <a:t>10</a:t>
             </a:fld>
             <a:endParaRPr lang="en-US"/>
           </a:p>
@@ -2722,7 +3351,7 @@
     </p:spTree>
     <p:extLst>
       <p:ext uri="{BB962C8B-B14F-4D97-AF65-F5344CB8AC3E}">
-        <p14:creationId xmlns:p14="http://schemas.microsoft.com/office/powerpoint/2010/main" val="1175023020"/>
+        <p14:creationId xmlns:p14="http://schemas.microsoft.com/office/powerpoint/2010/main" val="3499962080"/>
       </p:ext>
     </p:extLst>
   </p:cSld>
@@ -2776,7 +3405,29 @@
           <a:bodyPr/>
           <a:lstStyle/>
           <a:p>
-            <a:endParaRPr lang="en-US"/>
+            <a:r>
+              <a:rPr lang="en-US" dirty="0" smtClean="0"/>
+              <a:t>the basis of </a:t>
+            </a:r>
+            <a:r>
+              <a:rPr lang="en-US" dirty="0" err="1" smtClean="0"/>
+              <a:t>i.i.d</a:t>
+            </a:r>
+            <a:r>
+              <a:rPr lang="en-US" dirty="0" smtClean="0"/>
+              <a:t>. learning are</a:t>
+            </a:r>
+            <a:r>
+              <a:rPr lang="en-US" baseline="0" dirty="0" smtClean="0"/>
+              <a:t> frequencies observed in a sample</a:t>
+            </a:r>
+          </a:p>
+          <a:p>
+            <a:r>
+              <a:rPr lang="en-US" baseline="0" dirty="0" smtClean="0"/>
+              <a:t>the basis of relational learning are frequencies observed in a database</a:t>
+            </a:r>
+            <a:endParaRPr lang="en-US" dirty="0"/>
           </a:p>
         </p:txBody>
       </p:sp>
@@ -2812,7 +3463,7 @@
     </p:spTree>
     <p:extLst>
       <p:ext uri="{BB962C8B-B14F-4D97-AF65-F5344CB8AC3E}">
-        <p14:creationId xmlns:p14="http://schemas.microsoft.com/office/powerpoint/2010/main" val="647879782"/>
+        <p14:creationId xmlns:p14="http://schemas.microsoft.com/office/powerpoint/2010/main" val="1175023020"/>
       </p:ext>
     </p:extLst>
   </p:cSld>
@@ -2866,97 +3517,7 @@
           <a:bodyPr/>
           <a:lstStyle/>
           <a:p>
-            <a:r>
-              <a:rPr lang="en-US" dirty="0" smtClean="0"/>
-              <a:t>FO = first-order </a:t>
-            </a:r>
-          </a:p>
-          <a:p>
-            <a:r>
-              <a:rPr lang="en-US" dirty="0" smtClean="0"/>
-              <a:t>single</a:t>
-            </a:r>
-            <a:r>
-              <a:rPr lang="en-US" baseline="0" dirty="0" smtClean="0"/>
-              <a:t> data table that correctly represents relational frequencies</a:t>
-            </a:r>
-          </a:p>
-          <a:p>
-            <a:r>
-              <a:rPr lang="en-US" dirty="0" smtClean="0"/>
-              <a:t>Riedel, S.; Yao, L.; McCallum, A. &amp; Marlin, B. M. (2013), Relation Extraction with Matrix Factorization and Universal Schemas, </a:t>
-            </a:r>
-            <a:r>
-              <a:rPr lang="en-US" i="1" dirty="0" smtClean="0"/>
-              <a:t>in 'Human Language Technologies-NAACL', pp. 74--84.</a:t>
-            </a:r>
-          </a:p>
-          <a:p>
-            <a:r>
-              <a:rPr lang="en-US" dirty="0" smtClean="0"/>
-              <a:t>Schulte, O. (2011), A tractable pseudo-likelihood function for Bayes Nets applied to relational data, </a:t>
-            </a:r>
-            <a:r>
-              <a:rPr lang="en-US" i="1" dirty="0" smtClean="0"/>
-              <a:t>in 'SIAM SDM', pp. 462-473.</a:t>
-            </a:r>
-          </a:p>
-          <a:p>
-            <a:pPr marL="0" marR="0" indent="0" algn="l" defTabSz="457200" rtl="0" eaLnBrk="0" fontAlgn="base" latinLnBrk="0" hangingPunct="0">
-              <a:lnSpc>
-                <a:spcPct val="100000"/>
-              </a:lnSpc>
-              <a:spcBef>
-                <a:spcPct val="30000"/>
-              </a:spcBef>
-              <a:spcAft>
-                <a:spcPct val="0"/>
-              </a:spcAft>
-              <a:buClrTx/>
-              <a:buSzTx/>
-              <a:buFontTx/>
-              <a:buNone/>
-              <a:tabLst/>
-              <a:defRPr/>
-            </a:pPr>
-            <a:r>
-              <a:rPr lang="en-US" dirty="0" err="1" smtClean="0"/>
-              <a:t>Raedt</a:t>
-            </a:r>
-            <a:r>
-              <a:rPr lang="en-US" dirty="0" smtClean="0"/>
-              <a:t>, L. D. (1998), Attribute-Value Learning Versus Inductive Logic Programming: The Missing Links (Extended Abstract), </a:t>
-            </a:r>
-            <a:r>
-              <a:rPr lang="en-US" i="1" dirty="0" smtClean="0"/>
-              <a:t>in David Page, ed., 'ILP', Springer, , pp. 1-8</a:t>
-            </a:r>
-          </a:p>
-          <a:p>
-            <a:endParaRPr lang="en-US" dirty="0" smtClean="0"/>
-          </a:p>
-          <a:p>
-            <a:pPr marL="0" marR="0" indent="0" algn="l" defTabSz="457200" rtl="0" eaLnBrk="0" fontAlgn="base" latinLnBrk="0" hangingPunct="0">
-              <a:lnSpc>
-                <a:spcPct val="100000"/>
-              </a:lnSpc>
-              <a:spcBef>
-                <a:spcPct val="30000"/>
-              </a:spcBef>
-              <a:spcAft>
-                <a:spcPct val="0"/>
-              </a:spcAft>
-              <a:buClrTx/>
-              <a:buSzTx/>
-              <a:buFontTx/>
-              <a:buNone/>
-              <a:tabLst/>
-              <a:defRPr/>
-            </a:pPr>
-            <a:endParaRPr lang="en-US" dirty="0" smtClean="0"/>
-          </a:p>
-          <a:p>
-            <a:endParaRPr lang="en-US" baseline="0" dirty="0" smtClean="0"/>
+            <a:endParaRPr lang="en-US"/>
           </a:p>
         </p:txBody>
       </p:sp>
@@ -2983,7 +3544,7 @@
               <a:pPr>
                 <a:defRPr/>
               </a:pPr>
-              <a:t>14</a:t>
+              <a:t>13</a:t>
             </a:fld>
             <a:endParaRPr lang="en-US"/>
           </a:p>
@@ -2992,7 +3553,7 @@
     </p:spTree>
     <p:extLst>
       <p:ext uri="{BB962C8B-B14F-4D97-AF65-F5344CB8AC3E}">
-        <p14:creationId xmlns:p14="http://schemas.microsoft.com/office/powerpoint/2010/main" val="1511732372"/>
+        <p14:creationId xmlns:p14="http://schemas.microsoft.com/office/powerpoint/2010/main" val="647879782"/>
       </p:ext>
     </p:extLst>
   </p:cSld>
@@ -7564,6 +8125,1074 @@
             <p:ph type="title"/>
           </p:nvPr>
         </p:nvSpPr>
+        <p:spPr>
+          <a:xfrm>
+            <a:off x="914400" y="274638"/>
+            <a:ext cx="7772400" cy="779462"/>
+          </a:xfrm>
+        </p:spPr>
+        <p:txBody>
+          <a:bodyPr/>
+          <a:lstStyle/>
+          <a:p>
+            <a:r>
+              <a:rPr lang="en-US" dirty="0" smtClean="0"/>
+              <a:t>Network View: </a:t>
+            </a:r>
+            <a:r>
+              <a:rPr lang="en-US" dirty="0" smtClean="0"/>
+              <a:t>Formula = Template</a:t>
+            </a:r>
+            <a:endParaRPr lang="en-US" dirty="0"/>
+          </a:p>
+        </p:txBody>
+      </p:sp>
+      <p:sp>
+        <p:nvSpPr>
+          <p:cNvPr id="3" name="Content Placeholder 2"/>
+          <p:cNvSpPr>
+            <a:spLocks noGrp="1"/>
+          </p:cNvSpPr>
+          <p:nvPr>
+            <p:ph sz="quarter" idx="1"/>
+          </p:nvPr>
+        </p:nvSpPr>
+        <p:spPr>
+          <a:xfrm>
+            <a:off x="787400" y="1092200"/>
+            <a:ext cx="7772400" cy="1587500"/>
+          </a:xfrm>
+        </p:spPr>
+        <p:txBody>
+          <a:bodyPr/>
+          <a:lstStyle/>
+          <a:p>
+            <a:r>
+              <a:rPr lang="en-US" dirty="0" smtClean="0"/>
+              <a:t>A conjunctive formula can be viewed as specifying a type of </a:t>
+            </a:r>
+            <a:r>
+              <a:rPr lang="en-US" dirty="0" err="1" smtClean="0"/>
+              <a:t>subgraph</a:t>
+            </a:r>
+            <a:r>
+              <a:rPr lang="en-US" dirty="0" smtClean="0"/>
+              <a:t> in the </a:t>
+            </a:r>
+            <a:r>
+              <a:rPr lang="en-US" dirty="0" err="1" smtClean="0"/>
+              <a:t>Gaifman</a:t>
+            </a:r>
+            <a:r>
+              <a:rPr lang="en-US" dirty="0" smtClean="0"/>
+              <a:t> </a:t>
+            </a:r>
+            <a:r>
+              <a:rPr lang="en-US" dirty="0" smtClean="0"/>
+              <a:t>graph</a:t>
+            </a:r>
+          </a:p>
+          <a:p>
+            <a:pPr lvl="1"/>
+            <a:r>
+              <a:rPr lang="en-US" dirty="0" smtClean="0"/>
+              <a:t>e.g. the pattern ActsIn</a:t>
+            </a:r>
+            <a:r>
+              <a:rPr lang="en-US" dirty="0"/>
+              <a:t>(Actor, Movie) = T, gender(Actor) = </a:t>
+            </a:r>
+            <a:r>
+              <a:rPr lang="en-US" dirty="0" smtClean="0"/>
+              <a:t>W occurs twice</a:t>
+            </a:r>
+            <a:endParaRPr lang="en-US" dirty="0"/>
+          </a:p>
+          <a:p>
+            <a:pPr lvl="1"/>
+            <a:endParaRPr lang="en-US" dirty="0"/>
+          </a:p>
+        </p:txBody>
+      </p:sp>
+      <p:sp>
+        <p:nvSpPr>
+          <p:cNvPr id="4" name="Footer Placeholder 3"/>
+          <p:cNvSpPr>
+            <a:spLocks noGrp="1"/>
+          </p:cNvSpPr>
+          <p:nvPr>
+            <p:ph type="ftr" sz="quarter" idx="11"/>
+          </p:nvPr>
+        </p:nvSpPr>
+        <p:spPr/>
+        <p:txBody>
+          <a:bodyPr/>
+          <a:lstStyle/>
+          <a:p>
+            <a:pPr>
+              <a:defRPr/>
+            </a:pPr>
+            <a:r>
+              <a:rPr lang="en-US" smtClean="0"/>
+              <a:t>Learning Bayesian Networks for Complex Relational Data</a:t>
+            </a:r>
+            <a:endParaRPr lang="en-US" dirty="0"/>
+          </a:p>
+        </p:txBody>
+      </p:sp>
+      <p:pic>
+        <p:nvPicPr>
+          <p:cNvPr id="6" name="Picture 5" descr="fargo.jpeg"/>
+          <p:cNvPicPr>
+            <a:picLocks noChangeAspect="1"/>
+          </p:cNvPicPr>
+          <p:nvPr/>
+        </p:nvPicPr>
+        <p:blipFill>
+          <a:blip r:embed="rId3">
+            <a:extLst>
+              <a:ext uri="{28A0092B-C50C-407E-A947-70E740481C1C}">
+                <a14:useLocalDpi xmlns:a14="http://schemas.microsoft.com/office/drawing/2010/main" val="0"/>
+              </a:ext>
+            </a:extLst>
+          </a:blip>
+          <a:stretch>
+            <a:fillRect/>
+          </a:stretch>
+        </p:blipFill>
+        <p:spPr>
+          <a:xfrm>
+            <a:off x="2472031" y="4866525"/>
+            <a:ext cx="656146" cy="873895"/>
+          </a:xfrm>
+          <a:prstGeom prst="rect">
+            <a:avLst/>
+          </a:prstGeom>
+        </p:spPr>
+      </p:pic>
+      <p:pic>
+        <p:nvPicPr>
+          <p:cNvPr id="7" name="Picture 6" descr="kill-bill.jpeg"/>
+          <p:cNvPicPr>
+            <a:picLocks noChangeAspect="1"/>
+          </p:cNvPicPr>
+          <p:nvPr/>
+        </p:nvPicPr>
+        <p:blipFill>
+          <a:blip r:embed="rId4">
+            <a:extLst>
+              <a:ext uri="{28A0092B-C50C-407E-A947-70E740481C1C}">
+                <a14:useLocalDpi xmlns:a14="http://schemas.microsoft.com/office/drawing/2010/main" val="0"/>
+              </a:ext>
+            </a:extLst>
+          </a:blip>
+          <a:stretch>
+            <a:fillRect/>
+          </a:stretch>
+        </p:blipFill>
+        <p:spPr>
+          <a:xfrm>
+            <a:off x="4893191" y="4904312"/>
+            <a:ext cx="576073" cy="798321"/>
+          </a:xfrm>
+          <a:prstGeom prst="rect">
+            <a:avLst/>
+          </a:prstGeom>
+        </p:spPr>
+      </p:pic>
+      <p:pic>
+        <p:nvPicPr>
+          <p:cNvPr id="8" name="Picture 7" descr="pitt.jpeg"/>
+          <p:cNvPicPr>
+            <a:picLocks noChangeAspect="1"/>
+          </p:cNvPicPr>
+          <p:nvPr/>
+        </p:nvPicPr>
+        <p:blipFill>
+          <a:blip r:embed="rId5">
+            <a:extLst>
+              <a:ext uri="{28A0092B-C50C-407E-A947-70E740481C1C}">
+                <a14:useLocalDpi xmlns:a14="http://schemas.microsoft.com/office/drawing/2010/main" val="0"/>
+              </a:ext>
+            </a:extLst>
+          </a:blip>
+          <a:stretch>
+            <a:fillRect/>
+          </a:stretch>
+        </p:blipFill>
+        <p:spPr>
+          <a:xfrm>
+            <a:off x="1380940" y="3423425"/>
+            <a:ext cx="615062" cy="798800"/>
+          </a:xfrm>
+          <a:prstGeom prst="rect">
+            <a:avLst/>
+          </a:prstGeom>
+        </p:spPr>
+      </p:pic>
+      <p:pic>
+        <p:nvPicPr>
+          <p:cNvPr id="9" name="Picture 8" descr="buscemi.jpeg"/>
+          <p:cNvPicPr>
+            <a:picLocks noChangeAspect="1"/>
+          </p:cNvPicPr>
+          <p:nvPr/>
+        </p:nvPicPr>
+        <p:blipFill>
+          <a:blip r:embed="rId6">
+            <a:extLst>
+              <a:ext uri="{28A0092B-C50C-407E-A947-70E740481C1C}">
+                <a14:useLocalDpi xmlns:a14="http://schemas.microsoft.com/office/drawing/2010/main" val="0"/>
+              </a:ext>
+            </a:extLst>
+          </a:blip>
+          <a:stretch>
+            <a:fillRect/>
+          </a:stretch>
+        </p:blipFill>
+        <p:spPr>
+          <a:xfrm>
+            <a:off x="2472031" y="3417671"/>
+            <a:ext cx="616079" cy="810307"/>
+          </a:xfrm>
+          <a:prstGeom prst="rect">
+            <a:avLst/>
+          </a:prstGeom>
+        </p:spPr>
+      </p:pic>
+      <p:pic>
+        <p:nvPicPr>
+          <p:cNvPr id="10" name="Picture 9" descr="thurman.jpeg"/>
+          <p:cNvPicPr>
+            <a:picLocks noChangeAspect="1"/>
+          </p:cNvPicPr>
+          <p:nvPr/>
+        </p:nvPicPr>
+        <p:blipFill>
+          <a:blip r:embed="rId7">
+            <a:extLst>
+              <a:ext uri="{28A0092B-C50C-407E-A947-70E740481C1C}">
+                <a14:useLocalDpi xmlns:a14="http://schemas.microsoft.com/office/drawing/2010/main" val="0"/>
+              </a:ext>
+            </a:extLst>
+          </a:blip>
+          <a:stretch>
+            <a:fillRect/>
+          </a:stretch>
+        </p:blipFill>
+        <p:spPr>
+          <a:xfrm>
+            <a:off x="4022359" y="3423425"/>
+            <a:ext cx="615062" cy="798800"/>
+          </a:xfrm>
+          <a:prstGeom prst="rect">
+            <a:avLst/>
+          </a:prstGeom>
+        </p:spPr>
+      </p:pic>
+      <p:pic>
+        <p:nvPicPr>
+          <p:cNvPr id="11" name="Picture 10" descr="lucy.jpeg"/>
+          <p:cNvPicPr>
+            <a:picLocks noChangeAspect="1"/>
+          </p:cNvPicPr>
+          <p:nvPr/>
+        </p:nvPicPr>
+        <p:blipFill>
+          <a:blip r:embed="rId8">
+            <a:extLst>
+              <a:ext uri="{28A0092B-C50C-407E-A947-70E740481C1C}">
+                <a14:useLocalDpi xmlns:a14="http://schemas.microsoft.com/office/drawing/2010/main" val="0"/>
+              </a:ext>
+            </a:extLst>
+          </a:blip>
+          <a:stretch>
+            <a:fillRect/>
+          </a:stretch>
+        </p:blipFill>
+        <p:spPr>
+          <a:xfrm>
+            <a:off x="6037710" y="3423425"/>
+            <a:ext cx="584000" cy="768114"/>
+          </a:xfrm>
+          <a:prstGeom prst="rect">
+            <a:avLst/>
+          </a:prstGeom>
+        </p:spPr>
+      </p:pic>
+      <p:cxnSp>
+        <p:nvCxnSpPr>
+          <p:cNvPr id="12" name="Straight Connector 11"/>
+          <p:cNvCxnSpPr>
+            <a:stCxn id="9" idx="2"/>
+            <a:endCxn id="6" idx="0"/>
+          </p:cNvCxnSpPr>
+          <p:nvPr/>
+        </p:nvCxnSpPr>
+        <p:spPr>
+          <a:xfrm>
+            <a:off x="2780071" y="4227979"/>
+            <a:ext cx="20033" cy="638546"/>
+          </a:xfrm>
+          <a:prstGeom prst="line">
+            <a:avLst/>
+          </a:prstGeom>
+        </p:spPr>
+        <p:style>
+          <a:lnRef idx="2">
+            <a:schemeClr val="accent1"/>
+          </a:lnRef>
+          <a:fillRef idx="0">
+            <a:schemeClr val="accent1"/>
+          </a:fillRef>
+          <a:effectRef idx="1">
+            <a:schemeClr val="accent1"/>
+          </a:effectRef>
+          <a:fontRef idx="minor">
+            <a:schemeClr val="tx1"/>
+          </a:fontRef>
+        </p:style>
+      </p:cxnSp>
+      <p:cxnSp>
+        <p:nvCxnSpPr>
+          <p:cNvPr id="13" name="Straight Connector 12"/>
+          <p:cNvCxnSpPr>
+            <a:stCxn id="10" idx="2"/>
+            <a:endCxn id="7" idx="0"/>
+          </p:cNvCxnSpPr>
+          <p:nvPr/>
+        </p:nvCxnSpPr>
+        <p:spPr>
+          <a:xfrm>
+            <a:off x="4329891" y="4222225"/>
+            <a:ext cx="851337" cy="682088"/>
+          </a:xfrm>
+          <a:prstGeom prst="line">
+            <a:avLst/>
+          </a:prstGeom>
+        </p:spPr>
+        <p:style>
+          <a:lnRef idx="2">
+            <a:schemeClr val="accent1"/>
+          </a:lnRef>
+          <a:fillRef idx="0">
+            <a:schemeClr val="accent1"/>
+          </a:fillRef>
+          <a:effectRef idx="1">
+            <a:schemeClr val="accent1"/>
+          </a:effectRef>
+          <a:fontRef idx="minor">
+            <a:schemeClr val="tx1"/>
+          </a:fontRef>
+        </p:style>
+      </p:cxnSp>
+      <p:cxnSp>
+        <p:nvCxnSpPr>
+          <p:cNvPr id="14" name="Straight Connector 13"/>
+          <p:cNvCxnSpPr>
+            <a:stCxn id="11" idx="2"/>
+            <a:endCxn id="7" idx="0"/>
+          </p:cNvCxnSpPr>
+          <p:nvPr/>
+        </p:nvCxnSpPr>
+        <p:spPr>
+          <a:xfrm flipH="1">
+            <a:off x="5181228" y="4191539"/>
+            <a:ext cx="1148482" cy="712773"/>
+          </a:xfrm>
+          <a:prstGeom prst="line">
+            <a:avLst/>
+          </a:prstGeom>
+        </p:spPr>
+        <p:style>
+          <a:lnRef idx="2">
+            <a:schemeClr val="accent1"/>
+          </a:lnRef>
+          <a:fillRef idx="0">
+            <a:schemeClr val="accent1"/>
+          </a:fillRef>
+          <a:effectRef idx="1">
+            <a:schemeClr val="accent1"/>
+          </a:effectRef>
+          <a:fontRef idx="minor">
+            <a:schemeClr val="tx1"/>
+          </a:fontRef>
+        </p:style>
+      </p:cxnSp>
+      <p:sp>
+        <p:nvSpPr>
+          <p:cNvPr id="15" name="TextBox 14"/>
+          <p:cNvSpPr txBox="1"/>
+          <p:nvPr/>
+        </p:nvSpPr>
+        <p:spPr>
+          <a:xfrm>
+            <a:off x="1609279" y="4350315"/>
+            <a:ext cx="1170792" cy="369332"/>
+          </a:xfrm>
+          <a:prstGeom prst="rect">
+            <a:avLst/>
+          </a:prstGeom>
+          <a:noFill/>
+        </p:spPr>
+        <p:txBody>
+          <a:bodyPr wrap="square" rtlCol="0">
+            <a:spAutoFit/>
+          </a:bodyPr>
+          <a:lstStyle/>
+          <a:p>
+            <a:r>
+              <a:rPr lang="en-US" dirty="0" smtClean="0">
+                <a:solidFill>
+                  <a:srgbClr val="FF0000"/>
+                </a:solidFill>
+              </a:rPr>
+              <a:t>$500,000</a:t>
+            </a:r>
+            <a:endParaRPr lang="en-US" dirty="0">
+              <a:solidFill>
+                <a:srgbClr val="FF0000"/>
+              </a:solidFill>
+            </a:endParaRPr>
+          </a:p>
+        </p:txBody>
+      </p:sp>
+      <p:sp>
+        <p:nvSpPr>
+          <p:cNvPr id="16" name="TextBox 15"/>
+          <p:cNvSpPr txBox="1"/>
+          <p:nvPr/>
+        </p:nvSpPr>
+        <p:spPr>
+          <a:xfrm>
+            <a:off x="3632837" y="4492643"/>
+            <a:ext cx="1354350" cy="369332"/>
+          </a:xfrm>
+          <a:prstGeom prst="rect">
+            <a:avLst/>
+          </a:prstGeom>
+          <a:noFill/>
+        </p:spPr>
+        <p:txBody>
+          <a:bodyPr wrap="square" rtlCol="0">
+            <a:spAutoFit/>
+          </a:bodyPr>
+          <a:lstStyle/>
+          <a:p>
+            <a:r>
+              <a:rPr lang="en-US" dirty="0" smtClean="0">
+                <a:solidFill>
+                  <a:srgbClr val="FF0000"/>
+                </a:solidFill>
+              </a:rPr>
+              <a:t>$5,000,000</a:t>
+            </a:r>
+            <a:endParaRPr lang="en-US" dirty="0">
+              <a:solidFill>
+                <a:srgbClr val="FF0000"/>
+              </a:solidFill>
+            </a:endParaRPr>
+          </a:p>
+        </p:txBody>
+      </p:sp>
+      <p:sp>
+        <p:nvSpPr>
+          <p:cNvPr id="17" name="TextBox 16"/>
+          <p:cNvSpPr txBox="1"/>
+          <p:nvPr/>
+        </p:nvSpPr>
+        <p:spPr>
+          <a:xfrm>
+            <a:off x="5539483" y="4534981"/>
+            <a:ext cx="1580454" cy="369332"/>
+          </a:xfrm>
+          <a:prstGeom prst="rect">
+            <a:avLst/>
+          </a:prstGeom>
+          <a:noFill/>
+        </p:spPr>
+        <p:txBody>
+          <a:bodyPr wrap="square" rtlCol="0">
+            <a:spAutoFit/>
+          </a:bodyPr>
+          <a:lstStyle/>
+          <a:p>
+            <a:r>
+              <a:rPr lang="en-US" dirty="0" smtClean="0">
+                <a:solidFill>
+                  <a:srgbClr val="FF0000"/>
+                </a:solidFill>
+              </a:rPr>
+              <a:t>$2,000,000</a:t>
+            </a:r>
+            <a:endParaRPr lang="en-US" dirty="0">
+              <a:solidFill>
+                <a:srgbClr val="FF0000"/>
+              </a:solidFill>
+            </a:endParaRPr>
+          </a:p>
+        </p:txBody>
+      </p:sp>
+      <p:sp>
+        <p:nvSpPr>
+          <p:cNvPr id="18" name="TextBox 17"/>
+          <p:cNvSpPr txBox="1"/>
+          <p:nvPr/>
+        </p:nvSpPr>
+        <p:spPr>
+          <a:xfrm>
+            <a:off x="540354" y="2811526"/>
+            <a:ext cx="1681173" cy="584776"/>
+          </a:xfrm>
+          <a:prstGeom prst="rect">
+            <a:avLst/>
+          </a:prstGeom>
+          <a:noFill/>
+        </p:spPr>
+        <p:txBody>
+          <a:bodyPr wrap="square" rtlCol="0">
+            <a:spAutoFit/>
+          </a:bodyPr>
+          <a:lstStyle/>
+          <a:p>
+            <a:r>
+              <a:rPr lang="en-US" sz="1600" dirty="0" smtClean="0">
+                <a:solidFill>
+                  <a:srgbClr val="3366FF"/>
+                </a:solidFill>
+              </a:rPr>
+              <a:t>gender</a:t>
+            </a:r>
+            <a:r>
+              <a:rPr lang="en-US" sz="1600" dirty="0" smtClean="0"/>
+              <a:t> = </a:t>
+            </a:r>
+            <a:r>
+              <a:rPr lang="en-US" sz="1600" dirty="0" smtClean="0">
+                <a:solidFill>
+                  <a:srgbClr val="FF0000"/>
+                </a:solidFill>
+              </a:rPr>
+              <a:t>Man</a:t>
+            </a:r>
+          </a:p>
+          <a:p>
+            <a:r>
+              <a:rPr lang="en-US" sz="1600" dirty="0" smtClean="0">
+                <a:solidFill>
+                  <a:schemeClr val="accent1"/>
+                </a:solidFill>
+              </a:rPr>
+              <a:t>country</a:t>
+            </a:r>
+            <a:r>
+              <a:rPr lang="en-US" sz="1600" dirty="0" smtClean="0"/>
+              <a:t> = </a:t>
+            </a:r>
+            <a:r>
+              <a:rPr lang="en-US" sz="1600" dirty="0" smtClean="0">
+                <a:solidFill>
+                  <a:srgbClr val="FF0000"/>
+                </a:solidFill>
+              </a:rPr>
+              <a:t>U.S.</a:t>
+            </a:r>
+            <a:endParaRPr lang="en-US" sz="1600" dirty="0">
+              <a:solidFill>
+                <a:srgbClr val="FF0000"/>
+              </a:solidFill>
+            </a:endParaRPr>
+          </a:p>
+        </p:txBody>
+      </p:sp>
+      <p:sp>
+        <p:nvSpPr>
+          <p:cNvPr id="19" name="TextBox 18"/>
+          <p:cNvSpPr txBox="1"/>
+          <p:nvPr/>
+        </p:nvSpPr>
+        <p:spPr>
+          <a:xfrm>
+            <a:off x="2171701" y="2811526"/>
+            <a:ext cx="1850658" cy="584776"/>
+          </a:xfrm>
+          <a:prstGeom prst="rect">
+            <a:avLst/>
+          </a:prstGeom>
+          <a:noFill/>
+        </p:spPr>
+        <p:txBody>
+          <a:bodyPr wrap="square" rtlCol="0">
+            <a:spAutoFit/>
+          </a:bodyPr>
+          <a:lstStyle/>
+          <a:p>
+            <a:r>
+              <a:rPr lang="en-US" sz="1600" dirty="0" smtClean="0">
+                <a:solidFill>
+                  <a:srgbClr val="3366FF"/>
+                </a:solidFill>
+              </a:rPr>
+              <a:t>gender</a:t>
+            </a:r>
+            <a:r>
+              <a:rPr lang="en-US" sz="1600" dirty="0" smtClean="0"/>
+              <a:t> </a:t>
+            </a:r>
+            <a:r>
+              <a:rPr lang="en-US" sz="1600" dirty="0" smtClean="0"/>
+              <a:t>= </a:t>
+            </a:r>
+            <a:r>
+              <a:rPr lang="en-US" sz="1600" dirty="0" smtClean="0">
+                <a:solidFill>
+                  <a:srgbClr val="FF0000"/>
+                </a:solidFill>
+              </a:rPr>
+              <a:t>Man</a:t>
+            </a:r>
+            <a:endParaRPr lang="en-US" sz="1600" dirty="0" smtClean="0">
+              <a:solidFill>
+                <a:srgbClr val="FF0000"/>
+              </a:solidFill>
+            </a:endParaRPr>
+          </a:p>
+          <a:p>
+            <a:r>
+              <a:rPr lang="en-US" sz="1600" dirty="0" smtClean="0">
+                <a:solidFill>
+                  <a:schemeClr val="accent1"/>
+                </a:solidFill>
+              </a:rPr>
+              <a:t>country</a:t>
+            </a:r>
+            <a:r>
+              <a:rPr lang="en-US" sz="1600" dirty="0" smtClean="0"/>
+              <a:t> = </a:t>
+            </a:r>
+            <a:r>
+              <a:rPr lang="en-US" sz="1600" dirty="0" smtClean="0">
+                <a:solidFill>
+                  <a:srgbClr val="FF0000"/>
+                </a:solidFill>
+              </a:rPr>
+              <a:t>U.S.</a:t>
+            </a:r>
+            <a:endParaRPr lang="en-US" sz="1600" dirty="0">
+              <a:solidFill>
+                <a:srgbClr val="FF0000"/>
+              </a:solidFill>
+            </a:endParaRPr>
+          </a:p>
+        </p:txBody>
+      </p:sp>
+      <p:sp>
+        <p:nvSpPr>
+          <p:cNvPr id="20" name="TextBox 19"/>
+          <p:cNvSpPr txBox="1"/>
+          <p:nvPr/>
+        </p:nvSpPr>
+        <p:spPr>
+          <a:xfrm>
+            <a:off x="3800046" y="2811526"/>
+            <a:ext cx="2016554" cy="584776"/>
+          </a:xfrm>
+          <a:prstGeom prst="rect">
+            <a:avLst/>
+          </a:prstGeom>
+          <a:noFill/>
+        </p:spPr>
+        <p:txBody>
+          <a:bodyPr wrap="square" rtlCol="0">
+            <a:spAutoFit/>
+          </a:bodyPr>
+          <a:lstStyle/>
+          <a:p>
+            <a:r>
+              <a:rPr lang="en-US" sz="1600" dirty="0" smtClean="0">
+                <a:solidFill>
+                  <a:srgbClr val="3366FF"/>
+                </a:solidFill>
+              </a:rPr>
+              <a:t>gender</a:t>
+            </a:r>
+            <a:r>
+              <a:rPr lang="en-US" sz="1600" dirty="0" smtClean="0"/>
+              <a:t> = </a:t>
+            </a:r>
+            <a:r>
+              <a:rPr lang="en-US" sz="1600" dirty="0" smtClean="0">
+                <a:solidFill>
+                  <a:srgbClr val="FF0000"/>
+                </a:solidFill>
+              </a:rPr>
+              <a:t>Woman</a:t>
+            </a:r>
+          </a:p>
+          <a:p>
+            <a:r>
+              <a:rPr lang="en-US" sz="1600" dirty="0" smtClean="0">
+                <a:solidFill>
+                  <a:schemeClr val="accent1"/>
+                </a:solidFill>
+              </a:rPr>
+              <a:t>country</a:t>
+            </a:r>
+            <a:r>
+              <a:rPr lang="en-US" sz="1600" dirty="0" smtClean="0"/>
+              <a:t> = </a:t>
+            </a:r>
+            <a:r>
+              <a:rPr lang="en-US" sz="1600" dirty="0" smtClean="0">
+                <a:solidFill>
+                  <a:srgbClr val="FF0000"/>
+                </a:solidFill>
+              </a:rPr>
+              <a:t>U.S.</a:t>
+            </a:r>
+            <a:endParaRPr lang="en-US" sz="1600" dirty="0">
+              <a:solidFill>
+                <a:srgbClr val="FF0000"/>
+              </a:solidFill>
+            </a:endParaRPr>
+          </a:p>
+        </p:txBody>
+      </p:sp>
+      <p:sp>
+        <p:nvSpPr>
+          <p:cNvPr id="21" name="TextBox 20"/>
+          <p:cNvSpPr txBox="1"/>
+          <p:nvPr/>
+        </p:nvSpPr>
+        <p:spPr>
+          <a:xfrm>
+            <a:off x="5740400" y="2811526"/>
+            <a:ext cx="2038606" cy="584776"/>
+          </a:xfrm>
+          <a:prstGeom prst="rect">
+            <a:avLst/>
+          </a:prstGeom>
+          <a:noFill/>
+        </p:spPr>
+        <p:txBody>
+          <a:bodyPr wrap="square" rtlCol="0">
+            <a:spAutoFit/>
+          </a:bodyPr>
+          <a:lstStyle/>
+          <a:p>
+            <a:r>
+              <a:rPr lang="en-US" sz="1600" dirty="0" smtClean="0">
+                <a:solidFill>
+                  <a:srgbClr val="3366FF"/>
+                </a:solidFill>
+              </a:rPr>
+              <a:t>gender</a:t>
+            </a:r>
+            <a:r>
+              <a:rPr lang="en-US" sz="1600" dirty="0" smtClean="0"/>
+              <a:t> </a:t>
+            </a:r>
+            <a:r>
+              <a:rPr lang="en-US" sz="1600" dirty="0" smtClean="0"/>
+              <a:t>=</a:t>
+            </a:r>
+            <a:r>
+              <a:rPr lang="en-US" sz="1600" dirty="0" smtClean="0">
+                <a:solidFill>
+                  <a:srgbClr val="FF0000"/>
+                </a:solidFill>
+              </a:rPr>
+              <a:t>Woman</a:t>
+            </a:r>
+            <a:endParaRPr lang="en-US" sz="1600" dirty="0" smtClean="0">
+              <a:solidFill>
+                <a:srgbClr val="FF0000"/>
+              </a:solidFill>
+            </a:endParaRPr>
+          </a:p>
+          <a:p>
+            <a:r>
+              <a:rPr lang="en-US" sz="1600" dirty="0" smtClean="0">
+                <a:solidFill>
+                  <a:schemeClr val="accent1"/>
+                </a:solidFill>
+              </a:rPr>
+              <a:t>country</a:t>
+            </a:r>
+            <a:r>
+              <a:rPr lang="en-US" sz="1600" dirty="0" smtClean="0"/>
+              <a:t> = </a:t>
+            </a:r>
+            <a:r>
+              <a:rPr lang="en-US" sz="1600" dirty="0" smtClean="0">
+                <a:solidFill>
+                  <a:srgbClr val="FF0000"/>
+                </a:solidFill>
+              </a:rPr>
+              <a:t>U.S.</a:t>
+            </a:r>
+            <a:endParaRPr lang="en-US" sz="1600" dirty="0">
+              <a:solidFill>
+                <a:srgbClr val="FF0000"/>
+              </a:solidFill>
+            </a:endParaRPr>
+          </a:p>
+        </p:txBody>
+      </p:sp>
+      <p:sp>
+        <p:nvSpPr>
+          <p:cNvPr id="22" name="TextBox 21"/>
+          <p:cNvSpPr txBox="1"/>
+          <p:nvPr/>
+        </p:nvSpPr>
+        <p:spPr>
+          <a:xfrm>
+            <a:off x="1380941" y="5770077"/>
+            <a:ext cx="2124259" cy="584776"/>
+          </a:xfrm>
+          <a:prstGeom prst="rect">
+            <a:avLst/>
+          </a:prstGeom>
+          <a:noFill/>
+        </p:spPr>
+        <p:txBody>
+          <a:bodyPr wrap="square" rtlCol="0">
+            <a:spAutoFit/>
+          </a:bodyPr>
+          <a:lstStyle/>
+          <a:p>
+            <a:r>
+              <a:rPr lang="en-US" sz="1600" dirty="0" smtClean="0">
+                <a:solidFill>
+                  <a:srgbClr val="3366FF"/>
+                </a:solidFill>
+              </a:rPr>
+              <a:t>runtime</a:t>
+            </a:r>
+            <a:r>
+              <a:rPr lang="en-US" sz="1600" dirty="0" smtClean="0"/>
+              <a:t> = </a:t>
+            </a:r>
+            <a:r>
+              <a:rPr lang="en-US" sz="1600" dirty="0" smtClean="0">
+                <a:solidFill>
+                  <a:srgbClr val="FF0000"/>
+                </a:solidFill>
+              </a:rPr>
+              <a:t>98 min</a:t>
+            </a:r>
+          </a:p>
+          <a:p>
+            <a:r>
+              <a:rPr lang="en-US" sz="1600" dirty="0" smtClean="0">
+                <a:solidFill>
+                  <a:schemeClr val="accent1"/>
+                </a:solidFill>
+              </a:rPr>
+              <a:t>country</a:t>
+            </a:r>
+            <a:r>
+              <a:rPr lang="en-US" sz="1600" dirty="0" smtClean="0"/>
+              <a:t> = </a:t>
+            </a:r>
+            <a:r>
+              <a:rPr lang="en-US" sz="1600" dirty="0" smtClean="0">
+                <a:solidFill>
+                  <a:srgbClr val="FF0000"/>
+                </a:solidFill>
+              </a:rPr>
+              <a:t>U.S.</a:t>
+            </a:r>
+            <a:endParaRPr lang="en-US" sz="1600" dirty="0">
+              <a:solidFill>
+                <a:srgbClr val="FF0000"/>
+              </a:solidFill>
+            </a:endParaRPr>
+          </a:p>
+        </p:txBody>
+      </p:sp>
+      <p:sp>
+        <p:nvSpPr>
+          <p:cNvPr id="23" name="TextBox 22"/>
+          <p:cNvSpPr txBox="1"/>
+          <p:nvPr/>
+        </p:nvSpPr>
+        <p:spPr>
+          <a:xfrm>
+            <a:off x="4513728" y="5761216"/>
+            <a:ext cx="2356972" cy="584776"/>
+          </a:xfrm>
+          <a:prstGeom prst="rect">
+            <a:avLst/>
+          </a:prstGeom>
+          <a:noFill/>
+        </p:spPr>
+        <p:txBody>
+          <a:bodyPr wrap="square" rtlCol="0">
+            <a:spAutoFit/>
+          </a:bodyPr>
+          <a:lstStyle/>
+          <a:p>
+            <a:r>
+              <a:rPr lang="en-US" sz="1600" dirty="0" smtClean="0">
+                <a:solidFill>
+                  <a:srgbClr val="3366FF"/>
+                </a:solidFill>
+              </a:rPr>
+              <a:t>runtime</a:t>
+            </a:r>
+            <a:r>
+              <a:rPr lang="en-US" sz="1600" dirty="0" smtClean="0"/>
+              <a:t> = </a:t>
+            </a:r>
+            <a:r>
+              <a:rPr lang="en-US" sz="1600" dirty="0" smtClean="0">
+                <a:solidFill>
+                  <a:srgbClr val="FF0000"/>
+                </a:solidFill>
+              </a:rPr>
+              <a:t>111 min</a:t>
+            </a:r>
+          </a:p>
+          <a:p>
+            <a:r>
+              <a:rPr lang="en-US" sz="1600" dirty="0" smtClean="0">
+                <a:solidFill>
+                  <a:schemeClr val="accent1"/>
+                </a:solidFill>
+              </a:rPr>
+              <a:t>country</a:t>
+            </a:r>
+            <a:r>
+              <a:rPr lang="en-US" sz="1600" dirty="0" smtClean="0"/>
+              <a:t> = </a:t>
+            </a:r>
+            <a:r>
+              <a:rPr lang="en-US" sz="1600" dirty="0" smtClean="0">
+                <a:solidFill>
+                  <a:srgbClr val="FF0000"/>
+                </a:solidFill>
+              </a:rPr>
+              <a:t>U.S.</a:t>
+            </a:r>
+            <a:endParaRPr lang="en-US" sz="1600" dirty="0">
+              <a:solidFill>
+                <a:srgbClr val="FF0000"/>
+              </a:solidFill>
+            </a:endParaRPr>
+          </a:p>
+        </p:txBody>
+      </p:sp>
+      <p:sp>
+        <p:nvSpPr>
+          <p:cNvPr id="25" name="TextBox 24"/>
+          <p:cNvSpPr txBox="1"/>
+          <p:nvPr/>
+        </p:nvSpPr>
+        <p:spPr>
+          <a:xfrm>
+            <a:off x="5469264" y="4191539"/>
+            <a:ext cx="533400" cy="369332"/>
+          </a:xfrm>
+          <a:prstGeom prst="rect">
+            <a:avLst/>
+          </a:prstGeom>
+          <a:noFill/>
+        </p:spPr>
+        <p:txBody>
+          <a:bodyPr wrap="square" rtlCol="0">
+            <a:spAutoFit/>
+          </a:bodyPr>
+          <a:lstStyle/>
+          <a:p>
+            <a:r>
+              <a:rPr lang="en-US" dirty="0" smtClean="0">
+                <a:latin typeface="Zapf Dingbats"/>
+                <a:ea typeface="Zapf Dingbats"/>
+                <a:cs typeface="Zapf Dingbats"/>
+                <a:sym typeface="Zapf Dingbats"/>
+              </a:rPr>
+              <a:t>✔</a:t>
+            </a:r>
+            <a:endParaRPr lang="en-US" dirty="0"/>
+          </a:p>
+        </p:txBody>
+      </p:sp>
+      <p:sp>
+        <p:nvSpPr>
+          <p:cNvPr id="26" name="TextBox 25"/>
+          <p:cNvSpPr txBox="1"/>
+          <p:nvPr/>
+        </p:nvSpPr>
+        <p:spPr>
+          <a:xfrm>
+            <a:off x="4673600" y="4204778"/>
+            <a:ext cx="533400" cy="369332"/>
+          </a:xfrm>
+          <a:prstGeom prst="rect">
+            <a:avLst/>
+          </a:prstGeom>
+          <a:noFill/>
+        </p:spPr>
+        <p:txBody>
+          <a:bodyPr wrap="square" rtlCol="0">
+            <a:spAutoFit/>
+          </a:bodyPr>
+          <a:lstStyle/>
+          <a:p>
+            <a:r>
+              <a:rPr lang="en-US" dirty="0" smtClean="0">
+                <a:latin typeface="Zapf Dingbats"/>
+                <a:ea typeface="Zapf Dingbats"/>
+                <a:cs typeface="Zapf Dingbats"/>
+                <a:sym typeface="Zapf Dingbats"/>
+              </a:rPr>
+              <a:t>✔</a:t>
+            </a:r>
+            <a:endParaRPr lang="en-US" dirty="0"/>
+          </a:p>
+        </p:txBody>
+      </p:sp>
+    </p:spTree>
+    <p:extLst>
+      <p:ext uri="{BB962C8B-B14F-4D97-AF65-F5344CB8AC3E}">
+        <p14:creationId xmlns:p14="http://schemas.microsoft.com/office/powerpoint/2010/main" val="711681299"/>
+      </p:ext>
+    </p:extLst>
+  </p:cSld>
+  <p:clrMapOvr>
+    <a:masterClrMapping/>
+  </p:clrMapOvr>
+</p:sld>
+</file>
+
+<file path=ppt/slides/slide11.xml><?xml version="1.0" encoding="utf-8"?>
+<p:sld xmlns:a="http://schemas.openxmlformats.org/drawingml/2006/main" xmlns:r="http://schemas.openxmlformats.org/officeDocument/2006/relationships" xmlns:p="http://schemas.openxmlformats.org/presentationml/2006/main">
+  <p:cSld>
+    <p:spTree>
+      <p:nvGrpSpPr>
+        <p:cNvPr id="1" name=""/>
+        <p:cNvGrpSpPr/>
+        <p:nvPr/>
+      </p:nvGrpSpPr>
+      <p:grpSpPr>
+        <a:xfrm>
+          <a:off x="0" y="0"/>
+          <a:ext cx="0" cy="0"/>
+          <a:chOff x="0" y="0"/>
+          <a:chExt cx="0" cy="0"/>
+        </a:xfrm>
+      </p:grpSpPr>
+      <p:sp>
+        <p:nvSpPr>
+          <p:cNvPr id="2" name="Title 1"/>
+          <p:cNvSpPr>
+            <a:spLocks noGrp="1"/>
+          </p:cNvSpPr>
+          <p:nvPr>
+            <p:ph type="title"/>
+          </p:nvPr>
+        </p:nvSpPr>
         <p:spPr/>
         <p:txBody>
           <a:bodyPr/>
@@ -7931,120 +9560,6 @@
 </p:sld>
 </file>
 
-<file path=ppt/slides/slide11.xml><?xml version="1.0" encoding="utf-8"?>
-<p:sld xmlns:a="http://schemas.openxmlformats.org/drawingml/2006/main" xmlns:r="http://schemas.openxmlformats.org/officeDocument/2006/relationships" xmlns:p="http://schemas.openxmlformats.org/presentationml/2006/main">
-  <p:cSld>
-    <p:spTree>
-      <p:nvGrpSpPr>
-        <p:cNvPr id="1" name=""/>
-        <p:cNvGrpSpPr/>
-        <p:nvPr/>
-      </p:nvGrpSpPr>
-      <p:grpSpPr>
-        <a:xfrm>
-          <a:off x="0" y="0"/>
-          <a:ext cx="0" cy="0"/>
-          <a:chOff x="0" y="0"/>
-          <a:chExt cx="0" cy="0"/>
-        </a:xfrm>
-      </p:grpSpPr>
-      <p:sp>
-        <p:nvSpPr>
-          <p:cNvPr id="2" name="Title 1"/>
-          <p:cNvSpPr>
-            <a:spLocks noGrp="1"/>
-          </p:cNvSpPr>
-          <p:nvPr>
-            <p:ph type="title"/>
-          </p:nvPr>
-        </p:nvSpPr>
-        <p:spPr/>
-        <p:txBody>
-          <a:bodyPr/>
-          <a:lstStyle/>
-          <a:p>
-            <a:r>
-              <a:rPr lang="en-US" dirty="0" smtClean="0"/>
-              <a:t>Relational Frequencies</a:t>
-            </a:r>
-            <a:endParaRPr lang="en-US" dirty="0"/>
-          </a:p>
-        </p:txBody>
-      </p:sp>
-      <p:sp>
-        <p:nvSpPr>
-          <p:cNvPr id="5" name="Text Placeholder 4"/>
-          <p:cNvSpPr>
-            <a:spLocks noGrp="1"/>
-          </p:cNvSpPr>
-          <p:nvPr>
-            <p:ph type="body" idx="1"/>
-          </p:nvPr>
-        </p:nvSpPr>
-        <p:spPr>
-          <a:xfrm>
-            <a:off x="722313" y="2692400"/>
-            <a:ext cx="7772400" cy="1193800"/>
-          </a:xfrm>
-        </p:spPr>
-        <p:txBody>
-          <a:bodyPr/>
-          <a:lstStyle/>
-          <a:p>
-            <a:pPr algn="ctr"/>
-            <a:r>
-              <a:rPr lang="en-US" dirty="0"/>
-              <a:t>Probabilistic Semantics for First-Order Random Variables</a:t>
-            </a:r>
-          </a:p>
-        </p:txBody>
-      </p:sp>
-      <p:sp>
-        <p:nvSpPr>
-          <p:cNvPr id="4" name="Footer Placeholder 3"/>
-          <p:cNvSpPr>
-            <a:spLocks noGrp="1"/>
-          </p:cNvSpPr>
-          <p:nvPr>
-            <p:ph type="ftr" sz="quarter" idx="11"/>
-          </p:nvPr>
-        </p:nvSpPr>
-        <p:spPr/>
-        <p:txBody>
-          <a:bodyPr/>
-          <a:lstStyle/>
-          <a:p>
-            <a:pPr>
-              <a:defRPr/>
-            </a:pPr>
-            <a:r>
-              <a:rPr lang="en-US" dirty="0" smtClean="0"/>
-              <a:t>Learning Bayesian Networks for Complex Relational Data</a:t>
-            </a:r>
-            <a:endParaRPr lang="en-US" dirty="0"/>
-          </a:p>
-        </p:txBody>
-      </p:sp>
-    </p:spTree>
-    <p:extLst>
-      <p:ext uri="{BB962C8B-B14F-4D97-AF65-F5344CB8AC3E}">
-        <p14:creationId xmlns:p14="http://schemas.microsoft.com/office/powerpoint/2010/main" val="4161871548"/>
-      </p:ext>
-    </p:extLst>
-  </p:cSld>
-  <p:clrMapOvr>
-    <a:masterClrMapping/>
-  </p:clrMapOvr>
-  <p:timing>
-    <p:tnLst>
-      <p:par>
-        <p:cTn xmlns:p14="http://schemas.microsoft.com/office/powerpoint/2010/main" id="1" dur="indefinite" restart="never" nodeType="tmRoot"/>
-      </p:par>
-    </p:tnLst>
-  </p:timing>
-</p:sld>
-</file>
-
 <file path=ppt/slides/slide12.xml><?xml version="1.0" encoding="utf-8"?>
 <p:sld xmlns:a="http://schemas.openxmlformats.org/drawingml/2006/main" xmlns:r="http://schemas.openxmlformats.org/officeDocument/2006/relationships" xmlns:p="http://schemas.openxmlformats.org/presentationml/2006/main">
   <p:cSld>
@@ -8072,264 +9587,58 @@
             <p:ph type="title"/>
           </p:nvPr>
         </p:nvSpPr>
+        <p:spPr/>
+        <p:txBody>
+          <a:bodyPr/>
+          <a:lstStyle/>
+          <a:p>
+            <a:r>
+              <a:rPr lang="en-US" dirty="0" smtClean="0"/>
+              <a:t>Relational Frequencies</a:t>
+            </a:r>
+            <a:endParaRPr lang="en-US" dirty="0"/>
+          </a:p>
+        </p:txBody>
+      </p:sp>
+      <p:sp>
+        <p:nvSpPr>
+          <p:cNvPr id="5" name="Text Placeholder 4"/>
+          <p:cNvSpPr>
+            <a:spLocks noGrp="1"/>
+          </p:cNvSpPr>
+          <p:nvPr>
+            <p:ph type="body" idx="1"/>
+          </p:nvPr>
+        </p:nvSpPr>
         <p:spPr>
           <a:xfrm>
-            <a:off x="304800" y="274638"/>
-            <a:ext cx="8382000" cy="1143000"/>
+            <a:off x="722313" y="2692400"/>
+            <a:ext cx="7772400" cy="1193800"/>
           </a:xfrm>
         </p:spPr>
         <p:txBody>
           <a:bodyPr/>
           <a:lstStyle/>
           <a:p>
-            <a:r>
-              <a:rPr lang="en-US" dirty="0" smtClean="0"/>
-              <a:t>Applications of Relational Frequency </a:t>
-            </a:r>
-            <a:r>
-              <a:rPr lang="en-US" dirty="0" err="1" smtClean="0"/>
-              <a:t>Modelling</a:t>
-            </a:r>
-            <a:endParaRPr lang="en-US" dirty="0"/>
-          </a:p>
-        </p:txBody>
-      </p:sp>
-      <p:sp>
-        <p:nvSpPr>
-          <p:cNvPr id="3" name="Content Placeholder 2"/>
+            <a:pPr algn="ctr"/>
+            <a:r>
+              <a:rPr lang="en-US" dirty="0"/>
+              <a:t>Probabilistic Semantics for First-Order Random Variables</a:t>
+            </a:r>
+          </a:p>
+        </p:txBody>
+      </p:sp>
+      <p:sp>
+        <p:nvSpPr>
+          <p:cNvPr id="4" name="Footer Placeholder 3"/>
           <p:cNvSpPr>
             <a:spLocks noGrp="1"/>
           </p:cNvSpPr>
           <p:nvPr>
-            <p:ph sz="quarter" idx="1"/>
-          </p:nvPr>
-        </p:nvSpPr>
-        <p:spPr>
-          <a:xfrm>
-            <a:off x="304799" y="1447800"/>
-            <a:ext cx="8521727" cy="4572000"/>
-          </a:xfrm>
-        </p:spPr>
-        <p:txBody>
-          <a:bodyPr/>
-          <a:lstStyle/>
-          <a:p>
-            <a:pPr marL="571500" indent="-571500" algn="just">
-              <a:buFont typeface="Arial"/>
-              <a:buChar char="•"/>
-            </a:pPr>
-            <a:r>
-              <a:rPr lang="en-US" sz="2800" dirty="0" smtClean="0">
-                <a:solidFill>
-                  <a:srgbClr val="000000"/>
-                </a:solidFill>
-                <a:cs typeface="Arial" pitchFamily="34" charset="0"/>
-              </a:rPr>
-              <a:t>Knowledge discovery/ rule learning </a:t>
-            </a:r>
-            <a:br>
-              <a:rPr lang="en-US" sz="2800" dirty="0" smtClean="0">
-                <a:solidFill>
-                  <a:srgbClr val="000000"/>
-                </a:solidFill>
-                <a:cs typeface="Arial" pitchFamily="34" charset="0"/>
-              </a:rPr>
-            </a:br>
-            <a:r>
-              <a:rPr lang="en-US" sz="2400" dirty="0" smtClean="0">
-                <a:solidFill>
-                  <a:srgbClr val="000000"/>
-                </a:solidFill>
-                <a:cs typeface="Arial" pitchFamily="34" charset="0"/>
-              </a:rPr>
-              <a:t>“women users like movies with women actors”</a:t>
-            </a:r>
-          </a:p>
-          <a:p>
-            <a:pPr marL="571500" indent="-571500" algn="just">
-              <a:buFont typeface="Arial"/>
-              <a:buChar char="•"/>
-            </a:pPr>
-            <a:r>
-              <a:rPr lang="en-US" sz="2800" dirty="0" smtClean="0">
-                <a:solidFill>
-                  <a:srgbClr val="000000"/>
-                </a:solidFill>
-                <a:cs typeface="Arial" pitchFamily="34" charset="0"/>
-              </a:rPr>
-              <a:t>Strategic Planning </a:t>
-            </a:r>
-            <a:br>
-              <a:rPr lang="en-US" sz="2800" dirty="0" smtClean="0">
-                <a:solidFill>
-                  <a:srgbClr val="000000"/>
-                </a:solidFill>
-                <a:cs typeface="Arial" pitchFamily="34" charset="0"/>
-              </a:rPr>
-            </a:br>
-            <a:r>
-              <a:rPr lang="en-US" sz="2400" dirty="0" smtClean="0">
-                <a:solidFill>
-                  <a:srgbClr val="000000"/>
-                </a:solidFill>
-                <a:cs typeface="Arial" pitchFamily="34" charset="0"/>
-              </a:rPr>
-              <a:t>“increase SAT requirements to decrease student attrition”</a:t>
-            </a:r>
-          </a:p>
-          <a:p>
-            <a:pPr marL="571500" indent="-571500" algn="just">
-              <a:buFont typeface="Arial"/>
-              <a:buChar char="•"/>
-            </a:pPr>
-            <a:r>
-              <a:rPr lang="en-US" sz="2800" dirty="0" smtClean="0">
-                <a:solidFill>
-                  <a:srgbClr val="000000"/>
-                </a:solidFill>
-                <a:cs typeface="Arial" pitchFamily="34" charset="0"/>
-              </a:rPr>
-              <a:t>Query Optimization (</a:t>
-            </a:r>
-            <a:r>
-              <a:rPr lang="en-US" sz="2800" dirty="0" err="1" smtClean="0">
-                <a:solidFill>
-                  <a:srgbClr val="000000"/>
-                </a:solidFill>
-                <a:cs typeface="Arial" pitchFamily="34" charset="0"/>
-              </a:rPr>
-              <a:t>Getoor</a:t>
-            </a:r>
-            <a:r>
-              <a:rPr lang="en-US" sz="2800" dirty="0" smtClean="0">
-                <a:solidFill>
-                  <a:srgbClr val="000000"/>
-                </a:solidFill>
-                <a:cs typeface="Arial" pitchFamily="34" charset="0"/>
-              </a:rPr>
-              <a:t>, </a:t>
-            </a:r>
-            <a:r>
-              <a:rPr lang="en-US" sz="2800" dirty="0" err="1" smtClean="0">
-                <a:solidFill>
-                  <a:srgbClr val="000000"/>
-                </a:solidFill>
-                <a:cs typeface="Arial" pitchFamily="34" charset="0"/>
-              </a:rPr>
-              <a:t>Taskar</a:t>
-            </a:r>
-            <a:r>
-              <a:rPr lang="en-US" sz="2800" dirty="0" smtClean="0">
-                <a:solidFill>
-                  <a:srgbClr val="000000"/>
-                </a:solidFill>
-                <a:cs typeface="Arial" pitchFamily="34" charset="0"/>
-              </a:rPr>
-              <a:t>, </a:t>
-            </a:r>
-            <a:r>
-              <a:rPr lang="en-US" sz="2800" dirty="0" err="1" smtClean="0">
-                <a:solidFill>
-                  <a:srgbClr val="000000"/>
-                </a:solidFill>
-                <a:cs typeface="Arial" pitchFamily="34" charset="0"/>
-              </a:rPr>
-              <a:t>Koller</a:t>
-            </a:r>
-            <a:r>
-              <a:rPr lang="en-US" sz="2800" dirty="0" smtClean="0">
-                <a:solidFill>
-                  <a:srgbClr val="000000"/>
-                </a:solidFill>
-                <a:cs typeface="Arial" pitchFamily="34" charset="0"/>
-              </a:rPr>
-              <a:t> 2001)</a:t>
-            </a:r>
-            <a:r>
-              <a:rPr lang="en-US" sz="2800" dirty="0">
-                <a:solidFill>
-                  <a:srgbClr val="000000"/>
-                </a:solidFill>
-                <a:cs typeface="Arial" pitchFamily="34" charset="0"/>
-              </a:rPr>
-              <a:t/>
-            </a:r>
-            <a:br>
-              <a:rPr lang="en-US" sz="2800" dirty="0">
-                <a:solidFill>
-                  <a:srgbClr val="000000"/>
-                </a:solidFill>
-                <a:cs typeface="Arial" pitchFamily="34" charset="0"/>
-              </a:rPr>
-            </a:br>
-            <a:r>
-              <a:rPr lang="en-US" sz="2400" dirty="0" smtClean="0">
-                <a:solidFill>
-                  <a:srgbClr val="000000"/>
-                </a:solidFill>
-                <a:cs typeface="Arial" pitchFamily="34" charset="0"/>
-              </a:rPr>
-              <a:t>Class-level queries support selectivity estimation </a:t>
-            </a:r>
-            <a:r>
-              <a:rPr lang="en-US" sz="2400" dirty="0" smtClean="0">
-                <a:solidFill>
-                  <a:srgbClr val="000000"/>
-                </a:solidFill>
-                <a:latin typeface="Wingdings"/>
-                <a:ea typeface="Wingdings"/>
-                <a:cs typeface="Wingdings"/>
-              </a:rPr>
-              <a:t></a:t>
-            </a:r>
-            <a:r>
-              <a:rPr lang="en-US" sz="2400" dirty="0" smtClean="0">
-                <a:solidFill>
-                  <a:srgbClr val="000000"/>
-                </a:solidFill>
-                <a:cs typeface="Arial" pitchFamily="34" charset="0"/>
-              </a:rPr>
-              <a:t> </a:t>
-            </a:r>
-            <a:br>
-              <a:rPr lang="en-US" sz="2400" dirty="0" smtClean="0">
-                <a:solidFill>
-                  <a:srgbClr val="000000"/>
-                </a:solidFill>
-                <a:cs typeface="Arial" pitchFamily="34" charset="0"/>
-              </a:rPr>
-            </a:br>
-            <a:r>
-              <a:rPr lang="en-US" sz="2400" dirty="0" smtClean="0">
-                <a:solidFill>
-                  <a:srgbClr val="000000"/>
-                </a:solidFill>
-                <a:cs typeface="Arial" pitchFamily="34" charset="0"/>
-              </a:rPr>
-              <a:t>optimal evaluation order for SQL query</a:t>
-            </a:r>
-          </a:p>
-          <a:p>
-            <a:endParaRPr lang="en-US" sz="3200" dirty="0"/>
-          </a:p>
-        </p:txBody>
-      </p:sp>
-      <p:sp>
-        <p:nvSpPr>
-          <p:cNvPr id="4" name="Footer Placeholder 3"/>
-          <p:cNvSpPr>
-            <a:spLocks noGrp="1"/>
-          </p:cNvSpPr>
-          <p:nvPr>
             <p:ph type="ftr" sz="quarter" idx="11"/>
           </p:nvPr>
         </p:nvSpPr>
-        <p:spPr>
-          <a:xfrm>
-            <a:off x="914399" y="6172200"/>
-            <a:ext cx="6968673" cy="457200"/>
-          </a:xfrm>
-        </p:spPr>
+        <p:spPr/>
         <p:txBody>
           <a:bodyPr/>
           <a:lstStyle/>
@@ -8338,36 +9647,8 @@
               <a:defRPr/>
             </a:pPr>
             <a:r>
-              <a:rPr lang="en-US" dirty="0" err="1" smtClean="0"/>
-              <a:t>Getoor</a:t>
-            </a:r>
-            <a:r>
               <a:rPr lang="en-US" dirty="0" smtClean="0"/>
-              <a:t>, </a:t>
-            </a:r>
-            <a:r>
-              <a:rPr lang="en-US" dirty="0" err="1" smtClean="0"/>
-              <a:t>Lise</a:t>
-            </a:r>
-            <a:r>
-              <a:rPr lang="en-US" dirty="0" smtClean="0"/>
-              <a:t>, </a:t>
-            </a:r>
-            <a:r>
-              <a:rPr lang="en-US" dirty="0" err="1" smtClean="0"/>
-              <a:t>Taskar</a:t>
-            </a:r>
-            <a:r>
-              <a:rPr lang="en-US" dirty="0" smtClean="0"/>
-              <a:t>, Benjamin, and </a:t>
-            </a:r>
-            <a:r>
-              <a:rPr lang="en-US" dirty="0" err="1" smtClean="0"/>
-              <a:t>Koller</a:t>
-            </a:r>
-            <a:r>
-              <a:rPr lang="en-US" dirty="0" smtClean="0"/>
-              <a:t>, Daphne. Selectivity estimation using probabilistic models. ACM SIGMOD Record, 30(2):461–472, 2001.</a:t>
+              <a:t>Learning Bayesian Networks for Complex Relational Data</a:t>
             </a:r>
             <a:endParaRPr lang="en-US" dirty="0"/>
           </a:p>
@@ -8376,7 +9657,7 @@
     </p:spTree>
     <p:extLst>
       <p:ext uri="{BB962C8B-B14F-4D97-AF65-F5344CB8AC3E}">
-        <p14:creationId xmlns:p14="http://schemas.microsoft.com/office/powerpoint/2010/main" val="4220213319"/>
+        <p14:creationId xmlns:p14="http://schemas.microsoft.com/office/powerpoint/2010/main" val="4161871548"/>
       </p:ext>
     </p:extLst>
   </p:cSld>
@@ -8412,6 +9693,354 @@
       </p:grpSpPr>
       <p:sp>
         <p:nvSpPr>
+          <p:cNvPr id="2" name="Title 1"/>
+          <p:cNvSpPr>
+            <a:spLocks noGrp="1"/>
+          </p:cNvSpPr>
+          <p:nvPr>
+            <p:ph type="title"/>
+          </p:nvPr>
+        </p:nvSpPr>
+        <p:spPr>
+          <a:xfrm>
+            <a:off x="304800" y="274638"/>
+            <a:ext cx="8382000" cy="1143000"/>
+          </a:xfrm>
+        </p:spPr>
+        <p:txBody>
+          <a:bodyPr/>
+          <a:lstStyle/>
+          <a:p>
+            <a:r>
+              <a:rPr lang="en-US" dirty="0" smtClean="0"/>
+              <a:t>Applications of Relational Frequency </a:t>
+            </a:r>
+            <a:r>
+              <a:rPr lang="en-US" dirty="0" err="1" smtClean="0"/>
+              <a:t>Modelling</a:t>
+            </a:r>
+            <a:endParaRPr lang="en-US" dirty="0"/>
+          </a:p>
+        </p:txBody>
+      </p:sp>
+      <p:sp>
+        <p:nvSpPr>
+          <p:cNvPr id="3" name="Content Placeholder 2"/>
+          <p:cNvSpPr>
+            <a:spLocks noGrp="1"/>
+          </p:cNvSpPr>
+          <p:nvPr>
+            <p:ph sz="quarter" idx="1"/>
+          </p:nvPr>
+        </p:nvSpPr>
+        <p:spPr>
+          <a:xfrm>
+            <a:off x="304799" y="1447800"/>
+            <a:ext cx="8521727" cy="4572000"/>
+          </a:xfrm>
+        </p:spPr>
+        <p:txBody>
+          <a:bodyPr/>
+          <a:lstStyle/>
+          <a:p>
+            <a:pPr marL="571500" indent="-571500" algn="just">
+              <a:buFont typeface="Arial"/>
+              <a:buChar char="•"/>
+            </a:pPr>
+            <a:r>
+              <a:rPr lang="en-US" sz="2800" dirty="0" smtClean="0">
+                <a:solidFill>
+                  <a:srgbClr val="000000"/>
+                </a:solidFill>
+                <a:cs typeface="Arial" pitchFamily="34" charset="0"/>
+              </a:rPr>
+              <a:t>Knowledge discovery/ rule learning </a:t>
+            </a:r>
+            <a:br>
+              <a:rPr lang="en-US" sz="2800" dirty="0" smtClean="0">
+                <a:solidFill>
+                  <a:srgbClr val="000000"/>
+                </a:solidFill>
+                <a:cs typeface="Arial" pitchFamily="34" charset="0"/>
+              </a:rPr>
+            </a:br>
+            <a:r>
+              <a:rPr lang="en-US" sz="2400" dirty="0" smtClean="0">
+                <a:solidFill>
+                  <a:srgbClr val="000000"/>
+                </a:solidFill>
+                <a:cs typeface="Arial" pitchFamily="34" charset="0"/>
+              </a:rPr>
+              <a:t>“women users like movies with women actors”</a:t>
+            </a:r>
+          </a:p>
+          <a:p>
+            <a:pPr marL="571500" indent="-571500" algn="just">
+              <a:buFont typeface="Arial"/>
+              <a:buChar char="•"/>
+            </a:pPr>
+            <a:r>
+              <a:rPr lang="en-US" sz="2800" dirty="0" smtClean="0">
+                <a:solidFill>
+                  <a:srgbClr val="000000"/>
+                </a:solidFill>
+                <a:cs typeface="Arial" pitchFamily="34" charset="0"/>
+              </a:rPr>
+              <a:t>Strategic Planning </a:t>
+            </a:r>
+            <a:br>
+              <a:rPr lang="en-US" sz="2800" dirty="0" smtClean="0">
+                <a:solidFill>
+                  <a:srgbClr val="000000"/>
+                </a:solidFill>
+                <a:cs typeface="Arial" pitchFamily="34" charset="0"/>
+              </a:rPr>
+            </a:br>
+            <a:r>
+              <a:rPr lang="en-US" sz="2400" dirty="0" smtClean="0">
+                <a:solidFill>
+                  <a:srgbClr val="000000"/>
+                </a:solidFill>
+                <a:cs typeface="Arial" pitchFamily="34" charset="0"/>
+              </a:rPr>
+              <a:t>“increase SAT requirements to decrease student attrition”</a:t>
+            </a:r>
+          </a:p>
+          <a:p>
+            <a:pPr marL="571500" indent="-571500" algn="just">
+              <a:buFont typeface="Arial"/>
+              <a:buChar char="•"/>
+            </a:pPr>
+            <a:r>
+              <a:rPr lang="en-US" sz="2800" dirty="0" smtClean="0">
+                <a:solidFill>
+                  <a:srgbClr val="000000"/>
+                </a:solidFill>
+                <a:cs typeface="Arial" pitchFamily="34" charset="0"/>
+              </a:rPr>
+              <a:t>Query Optimization (</a:t>
+            </a:r>
+            <a:r>
+              <a:rPr lang="en-US" sz="2800" dirty="0" err="1" smtClean="0">
+                <a:solidFill>
+                  <a:srgbClr val="000000"/>
+                </a:solidFill>
+                <a:cs typeface="Arial" pitchFamily="34" charset="0"/>
+              </a:rPr>
+              <a:t>Getoor</a:t>
+            </a:r>
+            <a:r>
+              <a:rPr lang="en-US" sz="2800" dirty="0" smtClean="0">
+                <a:solidFill>
+                  <a:srgbClr val="000000"/>
+                </a:solidFill>
+                <a:cs typeface="Arial" pitchFamily="34" charset="0"/>
+              </a:rPr>
+              <a:t>, </a:t>
+            </a:r>
+            <a:r>
+              <a:rPr lang="en-US" sz="2800" dirty="0" err="1" smtClean="0">
+                <a:solidFill>
+                  <a:srgbClr val="000000"/>
+                </a:solidFill>
+                <a:cs typeface="Arial" pitchFamily="34" charset="0"/>
+              </a:rPr>
+              <a:t>Taskar</a:t>
+            </a:r>
+            <a:r>
+              <a:rPr lang="en-US" sz="2800" dirty="0" smtClean="0">
+                <a:solidFill>
+                  <a:srgbClr val="000000"/>
+                </a:solidFill>
+                <a:cs typeface="Arial" pitchFamily="34" charset="0"/>
+              </a:rPr>
+              <a:t>, </a:t>
+            </a:r>
+            <a:r>
+              <a:rPr lang="en-US" sz="2800" dirty="0" err="1" smtClean="0">
+                <a:solidFill>
+                  <a:srgbClr val="000000"/>
+                </a:solidFill>
+                <a:cs typeface="Arial" pitchFamily="34" charset="0"/>
+              </a:rPr>
+              <a:t>Koller</a:t>
+            </a:r>
+            <a:r>
+              <a:rPr lang="en-US" sz="2800" dirty="0" smtClean="0">
+                <a:solidFill>
+                  <a:srgbClr val="000000"/>
+                </a:solidFill>
+                <a:cs typeface="Arial" pitchFamily="34" charset="0"/>
+              </a:rPr>
+              <a:t> 2001)</a:t>
+            </a:r>
+            <a:r>
+              <a:rPr lang="en-US" sz="2800" dirty="0">
+                <a:solidFill>
+                  <a:srgbClr val="000000"/>
+                </a:solidFill>
+                <a:cs typeface="Arial" pitchFamily="34" charset="0"/>
+              </a:rPr>
+              <a:t/>
+            </a:r>
+            <a:br>
+              <a:rPr lang="en-US" sz="2800" dirty="0">
+                <a:solidFill>
+                  <a:srgbClr val="000000"/>
+                </a:solidFill>
+                <a:cs typeface="Arial" pitchFamily="34" charset="0"/>
+              </a:rPr>
+            </a:br>
+            <a:r>
+              <a:rPr lang="en-US" sz="2400" dirty="0" smtClean="0">
+                <a:solidFill>
+                  <a:srgbClr val="000000"/>
+                </a:solidFill>
+                <a:cs typeface="Arial" pitchFamily="34" charset="0"/>
+              </a:rPr>
+              <a:t>Class-level queries support selectivity estimation </a:t>
+            </a:r>
+            <a:r>
+              <a:rPr lang="en-US" sz="2400" dirty="0" smtClean="0">
+                <a:solidFill>
+                  <a:srgbClr val="000000"/>
+                </a:solidFill>
+                <a:latin typeface="Wingdings"/>
+                <a:ea typeface="Wingdings"/>
+                <a:cs typeface="Wingdings"/>
+              </a:rPr>
+              <a:t></a:t>
+            </a:r>
+            <a:r>
+              <a:rPr lang="en-US" sz="2400" dirty="0" smtClean="0">
+                <a:solidFill>
+                  <a:srgbClr val="000000"/>
+                </a:solidFill>
+                <a:cs typeface="Arial" pitchFamily="34" charset="0"/>
+              </a:rPr>
+              <a:t> </a:t>
+            </a:r>
+            <a:br>
+              <a:rPr lang="en-US" sz="2400" dirty="0" smtClean="0">
+                <a:solidFill>
+                  <a:srgbClr val="000000"/>
+                </a:solidFill>
+                <a:cs typeface="Arial" pitchFamily="34" charset="0"/>
+              </a:rPr>
+            </a:br>
+            <a:r>
+              <a:rPr lang="en-US" sz="2400" dirty="0" smtClean="0">
+                <a:solidFill>
+                  <a:srgbClr val="000000"/>
+                </a:solidFill>
+                <a:cs typeface="Arial" pitchFamily="34" charset="0"/>
+              </a:rPr>
+              <a:t>optimal evaluation order for SQL query</a:t>
+            </a:r>
+          </a:p>
+          <a:p>
+            <a:endParaRPr lang="en-US" sz="3200" dirty="0"/>
+          </a:p>
+        </p:txBody>
+      </p:sp>
+      <p:sp>
+        <p:nvSpPr>
+          <p:cNvPr id="4" name="Footer Placeholder 3"/>
+          <p:cNvSpPr>
+            <a:spLocks noGrp="1"/>
+          </p:cNvSpPr>
+          <p:nvPr>
+            <p:ph type="ftr" sz="quarter" idx="11"/>
+          </p:nvPr>
+        </p:nvSpPr>
+        <p:spPr>
+          <a:xfrm>
+            <a:off x="914399" y="6172200"/>
+            <a:ext cx="6968673" cy="457200"/>
+          </a:xfrm>
+        </p:spPr>
+        <p:txBody>
+          <a:bodyPr/>
+          <a:lstStyle/>
+          <a:p>
+            <a:pPr>
+              <a:defRPr/>
+            </a:pPr>
+            <a:r>
+              <a:rPr lang="en-US" dirty="0" err="1" smtClean="0"/>
+              <a:t>Getoor</a:t>
+            </a:r>
+            <a:r>
+              <a:rPr lang="en-US" dirty="0" smtClean="0"/>
+              <a:t>, </a:t>
+            </a:r>
+            <a:r>
+              <a:rPr lang="en-US" dirty="0" err="1" smtClean="0"/>
+              <a:t>Lise</a:t>
+            </a:r>
+            <a:r>
+              <a:rPr lang="en-US" dirty="0" smtClean="0"/>
+              <a:t>, </a:t>
+            </a:r>
+            <a:r>
+              <a:rPr lang="en-US" dirty="0" err="1" smtClean="0"/>
+              <a:t>Taskar</a:t>
+            </a:r>
+            <a:r>
+              <a:rPr lang="en-US" dirty="0" smtClean="0"/>
+              <a:t>, Benjamin, and </a:t>
+            </a:r>
+            <a:r>
+              <a:rPr lang="en-US" dirty="0" err="1" smtClean="0"/>
+              <a:t>Koller</a:t>
+            </a:r>
+            <a:r>
+              <a:rPr lang="en-US" dirty="0" smtClean="0"/>
+              <a:t>, Daphne. Selectivity estimation using probabilistic models. ACM SIGMOD Record, 30(2):461–472, 2001.</a:t>
+            </a:r>
+            <a:endParaRPr lang="en-US" dirty="0"/>
+          </a:p>
+        </p:txBody>
+      </p:sp>
+    </p:spTree>
+    <p:extLst>
+      <p:ext uri="{BB962C8B-B14F-4D97-AF65-F5344CB8AC3E}">
+        <p14:creationId xmlns:p14="http://schemas.microsoft.com/office/powerpoint/2010/main" val="4220213319"/>
+      </p:ext>
+    </p:extLst>
+  </p:cSld>
+  <p:clrMapOvr>
+    <a:masterClrMapping/>
+  </p:clrMapOvr>
+  <p:timing>
+    <p:tnLst>
+      <p:par>
+        <p:cTn xmlns:p14="http://schemas.microsoft.com/office/powerpoint/2010/main" id="1" dur="indefinite" restart="never" nodeType="tmRoot"/>
+      </p:par>
+    </p:tnLst>
+  </p:timing>
+</p:sld>
+</file>
+
+<file path=ppt/slides/slide14.xml><?xml version="1.0" encoding="utf-8"?>
+<p:sld xmlns:a="http://schemas.openxmlformats.org/drawingml/2006/main" xmlns:r="http://schemas.openxmlformats.org/officeDocument/2006/relationships" xmlns:p="http://schemas.openxmlformats.org/presentationml/2006/main">
+  <p:cSld>
+    <p:spTree>
+      <p:nvGrpSpPr>
+        <p:cNvPr id="1" name=""/>
+        <p:cNvGrpSpPr/>
+        <p:nvPr/>
+      </p:nvGrpSpPr>
+      <p:grpSpPr>
+        <a:xfrm>
+          <a:off x="0" y="0"/>
+          <a:ext cx="0" cy="0"/>
+          <a:chOff x="0" y="0"/>
+          <a:chExt cx="0" cy="0"/>
+        </a:xfrm>
+      </p:grpSpPr>
+      <p:sp>
+        <p:nvSpPr>
           <p:cNvPr id="5" name="Title 4"/>
           <p:cNvSpPr>
             <a:spLocks noGrp="1"/>
@@ -8573,7 +10202,7 @@
 </p:sld>
 </file>
 
-<file path=ppt/slides/slide14.xml><?xml version="1.0" encoding="utf-8"?>
+<file path=ppt/slides/slide15.xml><?xml version="1.0" encoding="utf-8"?>
 <p:sld xmlns:a="http://schemas.openxmlformats.org/drawingml/2006/main" xmlns:r="http://schemas.openxmlformats.org/officeDocument/2006/relationships" xmlns:p="http://schemas.openxmlformats.org/presentationml/2006/main">
   <p:cSld>
     <p:spTree>
@@ -9777,7 +11406,7 @@
 </p:sld>
 </file>
 
-<file path=ppt/slides/slide15.xml><?xml version="1.0" encoding="utf-8"?>
+<file path=ppt/slides/slide16.xml><?xml version="1.0" encoding="utf-8"?>
 <p:sld xmlns:a="http://schemas.openxmlformats.org/drawingml/2006/main" xmlns:r="http://schemas.openxmlformats.org/officeDocument/2006/relationships" xmlns:p="http://schemas.openxmlformats.org/presentationml/2006/main">
   <p:cSld>
     <p:spTree>
@@ -11135,7 +12764,7 @@
 </p:sld>
 </file>
 
-<file path=ppt/slides/slide16.xml><?xml version="1.0" encoding="utf-8"?>
+<file path=ppt/slides/slide17.xml><?xml version="1.0" encoding="utf-8"?>
 <p:sld xmlns:a="http://schemas.openxmlformats.org/drawingml/2006/main" xmlns:r="http://schemas.openxmlformats.org/officeDocument/2006/relationships" xmlns:p="http://schemas.openxmlformats.org/presentationml/2006/main">
   <p:cSld>
     <p:spTree>
@@ -12495,7 +14124,7 @@
 </p:sld>
 </file>
 
-<file path=ppt/slides/slide17.xml><?xml version="1.0" encoding="utf-8"?>
+<file path=ppt/slides/slide18.xml><?xml version="1.0" encoding="utf-8"?>
 <p:sld xmlns:a="http://schemas.openxmlformats.org/drawingml/2006/main" xmlns:r="http://schemas.openxmlformats.org/officeDocument/2006/relationships" xmlns:p="http://schemas.openxmlformats.org/presentationml/2006/main">
   <p:cSld>
     <p:spTree>
@@ -12611,7 +14240,7 @@
 </p:sld>
 </file>
 
-<file path=ppt/slides/slide18.xml><?xml version="1.0" encoding="utf-8"?>
+<file path=ppt/slides/slide19.xml><?xml version="1.0" encoding="utf-8"?>
 <p:sld xmlns:a="http://schemas.openxmlformats.org/drawingml/2006/main" xmlns:r="http://schemas.openxmlformats.org/officeDocument/2006/relationships" xmlns:p="http://schemas.openxmlformats.org/presentationml/2006/main">
   <p:cSld>
     <p:spTree>
@@ -13055,7 +14684,154 @@
 </p:sld>
 </file>
 
-<file path=ppt/slides/slide19.xml><?xml version="1.0" encoding="utf-8"?>
+<file path=ppt/slides/slide2.xml><?xml version="1.0" encoding="utf-8"?>
+<p:sld xmlns:a="http://schemas.openxmlformats.org/drawingml/2006/main" xmlns:r="http://schemas.openxmlformats.org/officeDocument/2006/relationships" xmlns:p="http://schemas.openxmlformats.org/presentationml/2006/main">
+  <p:cSld>
+    <p:spTree>
+      <p:nvGrpSpPr>
+        <p:cNvPr id="1" name=""/>
+        <p:cNvGrpSpPr/>
+        <p:nvPr/>
+      </p:nvGrpSpPr>
+      <p:grpSpPr>
+        <a:xfrm>
+          <a:off x="0" y="0"/>
+          <a:ext cx="0" cy="0"/>
+          <a:chOff x="0" y="0"/>
+          <a:chExt cx="0" cy="0"/>
+        </a:xfrm>
+      </p:grpSpPr>
+      <p:sp>
+        <p:nvSpPr>
+          <p:cNvPr id="2" name="Title 1"/>
+          <p:cNvSpPr>
+            <a:spLocks noGrp="1"/>
+          </p:cNvSpPr>
+          <p:nvPr>
+            <p:ph type="title"/>
+          </p:nvPr>
+        </p:nvSpPr>
+        <p:spPr/>
+        <p:txBody>
+          <a:bodyPr/>
+          <a:lstStyle/>
+          <a:p>
+            <a:r>
+              <a:rPr lang="en-US" dirty="0" smtClean="0"/>
+              <a:t>Bayesian Networks for </a:t>
+            </a:r>
+            <a:r>
+              <a:rPr lang="en-US" dirty="0" err="1" smtClean="0"/>
+              <a:t>i.i.d</a:t>
+            </a:r>
+            <a:r>
+              <a:rPr lang="en-US" dirty="0" smtClean="0"/>
+              <a:t>. data</a:t>
+            </a:r>
+            <a:endParaRPr lang="en-US" dirty="0"/>
+          </a:p>
+        </p:txBody>
+      </p:sp>
+      <p:sp>
+        <p:nvSpPr>
+          <p:cNvPr id="3" name="Content Placeholder 2"/>
+          <p:cNvSpPr>
+            <a:spLocks noGrp="1"/>
+          </p:cNvSpPr>
+          <p:nvPr>
+            <p:ph sz="quarter" idx="1"/>
+          </p:nvPr>
+        </p:nvSpPr>
+        <p:spPr>
+          <a:xfrm>
+            <a:off x="914400" y="1447800"/>
+            <a:ext cx="7772400" cy="2590800"/>
+          </a:xfrm>
+        </p:spPr>
+        <p:txBody>
+          <a:bodyPr/>
+          <a:lstStyle/>
+          <a:p>
+            <a:r>
+              <a:rPr lang="en-US" dirty="0" smtClean="0"/>
+              <a:t>Directed Acyclic Graph, where nodes = random variables</a:t>
+            </a:r>
+          </a:p>
+          <a:p>
+            <a:r>
+              <a:rPr lang="en-US" dirty="0" smtClean="0"/>
+              <a:t>Parameters = probability of child node given parent nodes</a:t>
+            </a:r>
+          </a:p>
+          <a:p>
+            <a:r>
+              <a:rPr lang="en-US" dirty="0" smtClean="0"/>
+              <a:t>Represents </a:t>
+            </a:r>
+            <a:r>
+              <a:rPr lang="en-US" b="1" dirty="0" smtClean="0"/>
+              <a:t>joint distribution</a:t>
+            </a:r>
+            <a:r>
+              <a:rPr lang="en-US" dirty="0" smtClean="0"/>
+              <a:t> of random variables</a:t>
+            </a:r>
+          </a:p>
+          <a:p>
+            <a:r>
+              <a:rPr lang="en-US" dirty="0" smtClean="0"/>
+              <a:t>Supports probabilistic frequency queries, visualizes correlations</a:t>
+            </a:r>
+          </a:p>
+        </p:txBody>
+      </p:sp>
+      <p:sp>
+        <p:nvSpPr>
+          <p:cNvPr id="4" name="Footer Placeholder 3"/>
+          <p:cNvSpPr>
+            <a:spLocks noGrp="1"/>
+          </p:cNvSpPr>
+          <p:nvPr>
+            <p:ph type="ftr" sz="quarter" idx="11"/>
+          </p:nvPr>
+        </p:nvSpPr>
+        <p:spPr/>
+        <p:txBody>
+          <a:bodyPr/>
+          <a:lstStyle/>
+          <a:p>
+            <a:pPr>
+              <a:defRPr/>
+            </a:pPr>
+            <a:r>
+              <a:rPr lang="en-US" smtClean="0"/>
+              <a:t>Learning Bayesian Networks for Complex Relational Data</a:t>
+            </a:r>
+            <a:endParaRPr lang="en-US" dirty="0"/>
+          </a:p>
+        </p:txBody>
+      </p:sp>
+    </p:spTree>
+    <p:extLst>
+      <p:ext uri="{BB962C8B-B14F-4D97-AF65-F5344CB8AC3E}">
+        <p14:creationId xmlns:p14="http://schemas.microsoft.com/office/powerpoint/2010/main" val="1684232837"/>
+      </p:ext>
+    </p:extLst>
+  </p:cSld>
+  <p:clrMapOvr>
+    <a:masterClrMapping/>
+  </p:clrMapOvr>
+  <p:timing>
+    <p:tnLst>
+      <p:par>
+        <p:cTn xmlns:p14="http://schemas.microsoft.com/office/powerpoint/2010/main" id="1" dur="indefinite" restart="never" nodeType="tmRoot"/>
+      </p:par>
+    </p:tnLst>
+  </p:timing>
+</p:sld>
+</file>
+
+<file path=ppt/slides/slide20.xml><?xml version="1.0" encoding="utf-8"?>
 <p:sld xmlns:a="http://schemas.openxmlformats.org/drawingml/2006/main" xmlns:r="http://schemas.openxmlformats.org/officeDocument/2006/relationships" xmlns:p="http://schemas.openxmlformats.org/presentationml/2006/main">
   <p:cSld>
     <p:spTree>
@@ -13420,276 +15196,6 @@
 </p:sld>
 </file>
 
-<file path=ppt/slides/slide2.xml><?xml version="1.0" encoding="utf-8"?>
-<p:sld xmlns:a="http://schemas.openxmlformats.org/drawingml/2006/main" xmlns:r="http://schemas.openxmlformats.org/officeDocument/2006/relationships" xmlns:p="http://schemas.openxmlformats.org/presentationml/2006/main">
-  <p:cSld>
-    <p:spTree>
-      <p:nvGrpSpPr>
-        <p:cNvPr id="1" name=""/>
-        <p:cNvGrpSpPr/>
-        <p:nvPr/>
-      </p:nvGrpSpPr>
-      <p:grpSpPr>
-        <a:xfrm>
-          <a:off x="0" y="0"/>
-          <a:ext cx="0" cy="0"/>
-          <a:chOff x="0" y="0"/>
-          <a:chExt cx="0" cy="0"/>
-        </a:xfrm>
-      </p:grpSpPr>
-      <p:sp>
-        <p:nvSpPr>
-          <p:cNvPr id="2" name="Title 1"/>
-          <p:cNvSpPr>
-            <a:spLocks noGrp="1"/>
-          </p:cNvSpPr>
-          <p:nvPr>
-            <p:ph type="title"/>
-          </p:nvPr>
-        </p:nvSpPr>
-        <p:spPr/>
-        <p:txBody>
-          <a:bodyPr/>
-          <a:lstStyle/>
-          <a:p>
-            <a:r>
-              <a:rPr lang="en-US" dirty="0" smtClean="0"/>
-              <a:t>Bayesian Networks for </a:t>
-            </a:r>
-            <a:r>
-              <a:rPr lang="en-US" dirty="0" err="1" smtClean="0"/>
-              <a:t>i.i.d</a:t>
-            </a:r>
-            <a:r>
-              <a:rPr lang="en-US" dirty="0" smtClean="0"/>
-              <a:t>. data</a:t>
-            </a:r>
-            <a:endParaRPr lang="en-US" dirty="0"/>
-          </a:p>
-        </p:txBody>
-      </p:sp>
-      <p:sp>
-        <p:nvSpPr>
-          <p:cNvPr id="3" name="Content Placeholder 2"/>
-          <p:cNvSpPr>
-            <a:spLocks noGrp="1"/>
-          </p:cNvSpPr>
-          <p:nvPr>
-            <p:ph sz="quarter" idx="1"/>
-          </p:nvPr>
-        </p:nvSpPr>
-        <p:spPr>
-          <a:xfrm>
-            <a:off x="914400" y="1447800"/>
-            <a:ext cx="7772400" cy="2590800"/>
-          </a:xfrm>
-        </p:spPr>
-        <p:txBody>
-          <a:bodyPr/>
-          <a:lstStyle/>
-          <a:p>
-            <a:r>
-              <a:rPr lang="en-US" dirty="0" smtClean="0"/>
-              <a:t>Directed Acyclic Graph, where nodes = random variables</a:t>
-            </a:r>
-          </a:p>
-          <a:p>
-            <a:r>
-              <a:rPr lang="en-US" dirty="0" smtClean="0"/>
-              <a:t>Parameters = probability of child node given parent nodes</a:t>
-            </a:r>
-          </a:p>
-          <a:p>
-            <a:r>
-              <a:rPr lang="en-US" dirty="0" smtClean="0"/>
-              <a:t>Represents </a:t>
-            </a:r>
-            <a:r>
-              <a:rPr lang="en-US" b="1" dirty="0" smtClean="0"/>
-              <a:t>joint distribution</a:t>
-            </a:r>
-            <a:r>
-              <a:rPr lang="en-US" dirty="0" smtClean="0"/>
-              <a:t> of random variables</a:t>
-            </a:r>
-          </a:p>
-          <a:p>
-            <a:r>
-              <a:rPr lang="en-US" dirty="0" smtClean="0"/>
-              <a:t>Supports probabilistic frequency queries, visualizes correlations</a:t>
-            </a:r>
-          </a:p>
-        </p:txBody>
-      </p:sp>
-      <p:sp>
-        <p:nvSpPr>
-          <p:cNvPr id="4" name="Footer Placeholder 3"/>
-          <p:cNvSpPr>
-            <a:spLocks noGrp="1"/>
-          </p:cNvSpPr>
-          <p:nvPr>
-            <p:ph type="ftr" sz="quarter" idx="11"/>
-          </p:nvPr>
-        </p:nvSpPr>
-        <p:spPr/>
-        <p:txBody>
-          <a:bodyPr/>
-          <a:lstStyle/>
-          <a:p>
-            <a:pPr>
-              <a:defRPr/>
-            </a:pPr>
-            <a:r>
-              <a:rPr lang="en-US" smtClean="0"/>
-              <a:t>Learning Bayesian Networks for Complex Relational Data</a:t>
-            </a:r>
-            <a:endParaRPr lang="en-US" dirty="0"/>
-          </a:p>
-        </p:txBody>
-      </p:sp>
-    </p:spTree>
-    <p:extLst>
-      <p:ext uri="{BB962C8B-B14F-4D97-AF65-F5344CB8AC3E}">
-        <p14:creationId xmlns:p14="http://schemas.microsoft.com/office/powerpoint/2010/main" val="1684232837"/>
-      </p:ext>
-    </p:extLst>
-  </p:cSld>
-  <p:clrMapOvr>
-    <a:masterClrMapping/>
-  </p:clrMapOvr>
-  <p:timing>
-    <p:tnLst>
-      <p:par>
-        <p:cTn xmlns:p14="http://schemas.microsoft.com/office/powerpoint/2010/main" id="1" dur="indefinite" restart="never" nodeType="tmRoot"/>
-      </p:par>
-    </p:tnLst>
-  </p:timing>
-</p:sld>
-</file>
-
-<file path=ppt/slides/slide20.xml><?xml version="1.0" encoding="utf-8"?>
-<p:sld xmlns:a="http://schemas.openxmlformats.org/drawingml/2006/main" xmlns:r="http://schemas.openxmlformats.org/officeDocument/2006/relationships" xmlns:p="http://schemas.openxmlformats.org/presentationml/2006/main">
-  <p:cSld>
-    <p:spTree>
-      <p:nvGrpSpPr>
-        <p:cNvPr id="1" name=""/>
-        <p:cNvGrpSpPr/>
-        <p:nvPr/>
-      </p:nvGrpSpPr>
-      <p:grpSpPr>
-        <a:xfrm>
-          <a:off x="0" y="0"/>
-          <a:ext cx="0" cy="0"/>
-          <a:chOff x="0" y="0"/>
-          <a:chExt cx="0" cy="0"/>
-        </a:xfrm>
-      </p:grpSpPr>
-      <p:sp>
-        <p:nvSpPr>
-          <p:cNvPr id="2" name="Title 1"/>
-          <p:cNvSpPr>
-            <a:spLocks noGrp="1"/>
-          </p:cNvSpPr>
-          <p:nvPr>
-            <p:ph type="title"/>
-          </p:nvPr>
-        </p:nvSpPr>
-        <p:spPr/>
-        <p:txBody>
-          <a:bodyPr/>
-          <a:lstStyle/>
-          <a:p>
-            <a:r>
-              <a:rPr lang="en-US" dirty="0" smtClean="0"/>
-              <a:t>Real-World Examples</a:t>
-            </a:r>
-            <a:endParaRPr lang="en-US" dirty="0"/>
-          </a:p>
-        </p:txBody>
-      </p:sp>
-      <p:sp>
-        <p:nvSpPr>
-          <p:cNvPr id="3" name="Content Placeholder 2"/>
-          <p:cNvSpPr>
-            <a:spLocks noGrp="1"/>
-          </p:cNvSpPr>
-          <p:nvPr>
-            <p:ph sz="quarter" idx="1"/>
-          </p:nvPr>
-        </p:nvSpPr>
-        <p:spPr/>
-        <p:txBody>
-          <a:bodyPr/>
-          <a:lstStyle/>
-          <a:p>
-            <a:r>
-              <a:rPr lang="en-US" dirty="0" smtClean="0"/>
-              <a:t>To illustrate frequency semantics, learn and evaluate on the training set. </a:t>
-            </a:r>
-          </a:p>
-          <a:p>
-            <a:pPr>
-              <a:buFont typeface="Wingdings" charset="2"/>
-              <a:buChar char="Ø"/>
-            </a:pPr>
-            <a:r>
-              <a:rPr lang="en-US" dirty="0" smtClean="0"/>
-              <a:t>ground truth </a:t>
-            </a:r>
-            <a:r>
-              <a:rPr lang="en-US" smtClean="0"/>
-              <a:t>about frequencies.</a:t>
-            </a:r>
-            <a:endParaRPr lang="en-US" dirty="0" smtClean="0"/>
-          </a:p>
-          <a:p>
-            <a:r>
-              <a:rPr lang="en-US" dirty="0" smtClean="0"/>
-              <a:t>We discuss generalization later.</a:t>
-            </a:r>
-            <a:endParaRPr lang="en-US" dirty="0"/>
-          </a:p>
-        </p:txBody>
-      </p:sp>
-      <p:sp>
-        <p:nvSpPr>
-          <p:cNvPr id="4" name="Footer Placeholder 3"/>
-          <p:cNvSpPr>
-            <a:spLocks noGrp="1"/>
-          </p:cNvSpPr>
-          <p:nvPr>
-            <p:ph type="ftr" sz="quarter" idx="11"/>
-          </p:nvPr>
-        </p:nvSpPr>
-        <p:spPr/>
-        <p:txBody>
-          <a:bodyPr/>
-          <a:lstStyle/>
-          <a:p>
-            <a:pPr>
-              <a:defRPr/>
-            </a:pPr>
-            <a:r>
-              <a:rPr lang="en-US" smtClean="0"/>
-              <a:t>Learning Bayesian Networks for Complex Relational Data</a:t>
-            </a:r>
-            <a:endParaRPr lang="en-US" dirty="0"/>
-          </a:p>
-        </p:txBody>
-      </p:sp>
-    </p:spTree>
-    <p:extLst>
-      <p:ext uri="{BB962C8B-B14F-4D97-AF65-F5344CB8AC3E}">
-        <p14:creationId xmlns:p14="http://schemas.microsoft.com/office/powerpoint/2010/main" val="1783730659"/>
-      </p:ext>
-    </p:extLst>
-  </p:cSld>
-  <p:clrMapOvr>
-    <a:masterClrMapping/>
-  </p:clrMapOvr>
-</p:sld>
-</file>
-
 <file path=ppt/slides/slide21.xml><?xml version="1.0" encoding="utf-8"?>
 <p:sld xmlns:a="http://schemas.openxmlformats.org/drawingml/2006/main" xmlns:r="http://schemas.openxmlformats.org/officeDocument/2006/relationships" xmlns:p="http://schemas.openxmlformats.org/presentationml/2006/main">
   <p:cSld>
@@ -13723,6 +15229,128 @@
           <a:lstStyle/>
           <a:p>
             <a:r>
+              <a:rPr lang="en-US" dirty="0" smtClean="0"/>
+              <a:t>Real-World Examples</a:t>
+            </a:r>
+            <a:endParaRPr lang="en-US" dirty="0"/>
+          </a:p>
+        </p:txBody>
+      </p:sp>
+      <p:sp>
+        <p:nvSpPr>
+          <p:cNvPr id="3" name="Content Placeholder 2"/>
+          <p:cNvSpPr>
+            <a:spLocks noGrp="1"/>
+          </p:cNvSpPr>
+          <p:nvPr>
+            <p:ph sz="quarter" idx="1"/>
+          </p:nvPr>
+        </p:nvSpPr>
+        <p:spPr/>
+        <p:txBody>
+          <a:bodyPr/>
+          <a:lstStyle/>
+          <a:p>
+            <a:r>
+              <a:rPr lang="en-US" dirty="0" smtClean="0"/>
+              <a:t>To illustrate frequency semantics, learn and evaluate on the training set</a:t>
+            </a:r>
+          </a:p>
+          <a:p>
+            <a:pPr>
+              <a:buFont typeface="Wingdings" charset="2"/>
+              <a:buChar char="Ø"/>
+            </a:pPr>
+            <a:r>
+              <a:rPr lang="en-US" dirty="0" smtClean="0"/>
+              <a:t>ground truth about frequencies</a:t>
+            </a:r>
+          </a:p>
+          <a:p>
+            <a:r>
+              <a:rPr lang="en-US" dirty="0" smtClean="0"/>
+              <a:t>We discuss </a:t>
+            </a:r>
+            <a:r>
+              <a:rPr lang="en-US" smtClean="0"/>
+              <a:t>generalization later</a:t>
+            </a:r>
+            <a:endParaRPr lang="en-US" dirty="0"/>
+          </a:p>
+        </p:txBody>
+      </p:sp>
+      <p:sp>
+        <p:nvSpPr>
+          <p:cNvPr id="4" name="Footer Placeholder 3"/>
+          <p:cNvSpPr>
+            <a:spLocks noGrp="1"/>
+          </p:cNvSpPr>
+          <p:nvPr>
+            <p:ph type="ftr" sz="quarter" idx="11"/>
+          </p:nvPr>
+        </p:nvSpPr>
+        <p:spPr/>
+        <p:txBody>
+          <a:bodyPr/>
+          <a:lstStyle/>
+          <a:p>
+            <a:pPr>
+              <a:defRPr/>
+            </a:pPr>
+            <a:r>
+              <a:rPr lang="en-US" smtClean="0"/>
+              <a:t>Learning Bayesian Networks for Complex Relational Data</a:t>
+            </a:r>
+            <a:endParaRPr lang="en-US" dirty="0"/>
+          </a:p>
+        </p:txBody>
+      </p:sp>
+    </p:spTree>
+    <p:extLst>
+      <p:ext uri="{BB962C8B-B14F-4D97-AF65-F5344CB8AC3E}">
+        <p14:creationId xmlns:p14="http://schemas.microsoft.com/office/powerpoint/2010/main" val="1783730659"/>
+      </p:ext>
+    </p:extLst>
+  </p:cSld>
+  <p:clrMapOvr>
+    <a:masterClrMapping/>
+  </p:clrMapOvr>
+</p:sld>
+</file>
+
+<file path=ppt/slides/slide22.xml><?xml version="1.0" encoding="utf-8"?>
+<p:sld xmlns:a="http://schemas.openxmlformats.org/drawingml/2006/main" xmlns:r="http://schemas.openxmlformats.org/officeDocument/2006/relationships" xmlns:p="http://schemas.openxmlformats.org/presentationml/2006/main">
+  <p:cSld>
+    <p:spTree>
+      <p:nvGrpSpPr>
+        <p:cNvPr id="1" name=""/>
+        <p:cNvGrpSpPr/>
+        <p:nvPr/>
+      </p:nvGrpSpPr>
+      <p:grpSpPr>
+        <a:xfrm>
+          <a:off x="0" y="0"/>
+          <a:ext cx="0" cy="0"/>
+          <a:chOff x="0" y="0"/>
+          <a:chExt cx="0" cy="0"/>
+        </a:xfrm>
+      </p:grpSpPr>
+      <p:sp>
+        <p:nvSpPr>
+          <p:cNvPr id="2" name="Title 1"/>
+          <p:cNvSpPr>
+            <a:spLocks noGrp="1"/>
+          </p:cNvSpPr>
+          <p:nvPr>
+            <p:ph type="title"/>
+          </p:nvPr>
+        </p:nvSpPr>
+        <p:spPr/>
+        <p:txBody>
+          <a:bodyPr/>
+          <a:lstStyle/>
+          <a:p>
+            <a:r>
               <a:rPr lang="en-US"/>
               <a:t>IMDb Data Format</a:t>
             </a:r>
@@ -13766,7 +15394,7 @@
           </p:nvPr>
         </p:nvPicPr>
         <p:blipFill>
-          <a:blip r:embed="rId2">
+          <a:blip r:embed="rId3">
             <a:extLst>
               <a:ext uri="{28A0092B-C50C-407E-A947-70E740481C1C}">
                 <a14:useLocalDpi xmlns:a14="http://schemas.microsoft.com/office/drawing/2010/main" val="0"/>
@@ -13831,7 +15459,7 @@
 </p:sld>
 </file>
 
-<file path=ppt/slides/slide22.xml><?xml version="1.0" encoding="utf-8"?>
+<file path=ppt/slides/slide23.xml><?xml version="1.0" encoding="utf-8"?>
 <p:sld xmlns:a="http://schemas.openxmlformats.org/drawingml/2006/main" xmlns:r="http://schemas.openxmlformats.org/officeDocument/2006/relationships" xmlns:p="http://schemas.openxmlformats.org/presentationml/2006/main">
   <p:cSld>
     <p:spTree>
@@ -13864,6 +15492,115 @@
           <a:lstStyle/>
           <a:p>
             <a:r>
+              <a:rPr lang="en-US" dirty="0" smtClean="0"/>
+              <a:t>Learned Bayes Net for Full IMDB</a:t>
+            </a:r>
+            <a:endParaRPr lang="en-US" dirty="0"/>
+          </a:p>
+        </p:txBody>
+      </p:sp>
+      <p:sp>
+        <p:nvSpPr>
+          <p:cNvPr id="4" name="Footer Placeholder 3"/>
+          <p:cNvSpPr>
+            <a:spLocks noGrp="1"/>
+          </p:cNvSpPr>
+          <p:nvPr>
+            <p:ph type="ftr" sz="quarter" idx="11"/>
+          </p:nvPr>
+        </p:nvSpPr>
+        <p:spPr/>
+        <p:txBody>
+          <a:bodyPr/>
+          <a:lstStyle/>
+          <a:p>
+            <a:pPr>
+              <a:defRPr/>
+            </a:pPr>
+            <a:r>
+              <a:rPr lang="en-US" smtClean="0"/>
+              <a:t>Learning Bayesian Networks for Complex Relational Data</a:t>
+            </a:r>
+            <a:endParaRPr lang="en-US" dirty="0"/>
+          </a:p>
+        </p:txBody>
+      </p:sp>
+      <p:pic>
+        <p:nvPicPr>
+          <p:cNvPr id="7" name="Content Placeholder 6" descr="bn-screenshot.pdf"/>
+          <p:cNvPicPr>
+            <a:picLocks noGrp="1" noChangeAspect="1"/>
+          </p:cNvPicPr>
+          <p:nvPr>
+            <p:ph sz="quarter" idx="1"/>
+          </p:nvPr>
+        </p:nvPicPr>
+        <p:blipFill>
+          <a:blip r:embed="rId3">
+            <a:extLst>
+              <a:ext uri="{28A0092B-C50C-407E-A947-70E740481C1C}">
+                <a14:useLocalDpi xmlns:a14="http://schemas.microsoft.com/office/drawing/2010/main" val="0"/>
+              </a:ext>
+            </a:extLst>
+          </a:blip>
+          <a:srcRect t="-9885" b="-9885"/>
+          <a:stretch>
+            <a:fillRect/>
+          </a:stretch>
+        </p:blipFill>
+        <p:spPr>
+          <a:xfrm>
+            <a:off x="647700" y="1612900"/>
+            <a:ext cx="7772400" cy="4572000"/>
+          </a:xfrm>
+        </p:spPr>
+      </p:pic>
+    </p:spTree>
+    <p:extLst>
+      <p:ext uri="{BB962C8B-B14F-4D97-AF65-F5344CB8AC3E}">
+        <p14:creationId xmlns:p14="http://schemas.microsoft.com/office/powerpoint/2010/main" val="406283409"/>
+      </p:ext>
+    </p:extLst>
+  </p:cSld>
+  <p:clrMapOvr>
+    <a:masterClrMapping/>
+  </p:clrMapOvr>
+</p:sld>
+</file>
+
+<file path=ppt/slides/slide24.xml><?xml version="1.0" encoding="utf-8"?>
+<p:sld xmlns:a="http://schemas.openxmlformats.org/drawingml/2006/main" xmlns:r="http://schemas.openxmlformats.org/officeDocument/2006/relationships" xmlns:p="http://schemas.openxmlformats.org/presentationml/2006/main">
+  <p:cSld>
+    <p:spTree>
+      <p:nvGrpSpPr>
+        <p:cNvPr id="1" name=""/>
+        <p:cNvGrpSpPr/>
+        <p:nvPr/>
+      </p:nvGrpSpPr>
+      <p:grpSpPr>
+        <a:xfrm>
+          <a:off x="0" y="0"/>
+          <a:ext cx="0" cy="0"/>
+          <a:chOff x="0" y="0"/>
+          <a:chExt cx="0" cy="0"/>
+        </a:xfrm>
+      </p:grpSpPr>
+      <p:sp>
+        <p:nvSpPr>
+          <p:cNvPr id="2" name="Title 1"/>
+          <p:cNvSpPr>
+            <a:spLocks noGrp="1"/>
+          </p:cNvSpPr>
+          <p:nvPr>
+            <p:ph type="title"/>
+          </p:nvPr>
+        </p:nvSpPr>
+        <p:spPr/>
+        <p:txBody>
+          <a:bodyPr/>
+          <a:lstStyle/>
+          <a:p>
+            <a:r>
               <a:rPr lang="en-US"/>
               <a:t>Learned Bayes Net for IMDb</a:t>
             </a:r>
@@ -13895,7 +15632,15 @@
             </a:pPr>
             <a:r>
               <a:rPr lang="en-US" dirty="0"/>
-              <a:t>With 1 relationship </a:t>
+              <a:t>With </a:t>
+            </a:r>
+            <a:r>
+              <a:rPr lang="en-US" dirty="0" smtClean="0"/>
+              <a:t>only 1 </a:t>
+            </a:r>
+            <a:r>
+              <a:rPr lang="en-US" dirty="0"/>
+              <a:t>relationship </a:t>
             </a:r>
             <a:r>
               <a:rPr lang="en-US" dirty="0" err="1"/>
@@ -13911,7 +15656,11 @@
             </a:r>
             <a:r>
               <a:rPr lang="en-US" dirty="0"/>
-              <a:t>).</a:t>
+              <a:t>)</a:t>
+            </a:r>
+            <a:r>
+              <a:rPr lang="en-US" dirty="0" smtClean="0"/>
+              <a:t>.</a:t>
             </a:r>
           </a:p>
         </p:txBody>
@@ -13992,7 +15741,7 @@
 </p:sld>
 </file>
 
-<file path=ppt/slides/slide23.xml><?xml version="1.0" encoding="utf-8"?>
+<file path=ppt/slides/slide25.xml><?xml version="1.0" encoding="utf-8"?>
 <p:sld xmlns:a="http://schemas.openxmlformats.org/drawingml/2006/main" xmlns:r="http://schemas.openxmlformats.org/officeDocument/2006/relationships" xmlns:p="http://schemas.openxmlformats.org/presentationml/2006/main">
   <p:cSld>
     <p:spTree>
@@ -14045,9 +15794,35 @@
           </a:p>
         </p:txBody>
       </p:sp>
+      <p:sp>
+        <p:nvSpPr>
+          <p:cNvPr id="4" name="Footer Placeholder 3"/>
+          <p:cNvSpPr>
+            <a:spLocks noGrp="1"/>
+          </p:cNvSpPr>
+          <p:nvPr>
+            <p:ph type="ftr" sz="quarter" idx="11"/>
+          </p:nvPr>
+        </p:nvSpPr>
+        <p:spPr/>
+        <p:txBody>
+          <a:bodyPr/>
+          <a:lstStyle/>
+          <a:p>
+            <a:pPr>
+              <a:defRPr/>
+            </a:pPr>
+            <a:r>
+              <a:rPr lang="en-US" dirty="0" smtClean="0"/>
+              <a:t>Learning Bayesian Networks for Complex Relational Data</a:t>
+            </a:r>
+            <a:endParaRPr lang="en-US" dirty="0"/>
+          </a:p>
+        </p:txBody>
+      </p:sp>
       <p:pic>
         <p:nvPicPr>
-          <p:cNvPr id="5" name="Content Placeholder 4" descr="query-screenshot.pdf"/>
+          <p:cNvPr id="6" name="Content Placeholder 5" descr="query-screenshot.pdf"/>
           <p:cNvPicPr>
             <a:picLocks noGrp="1" noChangeAspect="1"/>
           </p:cNvPicPr>
@@ -14063,39 +15838,13 @@
               </a:ext>
             </a:extLst>
           </a:blip>
-          <a:srcRect t="4917" b="4917"/>
+          <a:srcRect l="1429" r="1429"/>
           <a:stretch>
             <a:fillRect/>
           </a:stretch>
         </p:blipFill>
         <p:spPr/>
       </p:pic>
-      <p:sp>
-        <p:nvSpPr>
-          <p:cNvPr id="4" name="Footer Placeholder 3"/>
-          <p:cNvSpPr>
-            <a:spLocks noGrp="1"/>
-          </p:cNvSpPr>
-          <p:nvPr>
-            <p:ph type="ftr" sz="quarter" idx="11"/>
-          </p:nvPr>
-        </p:nvSpPr>
-        <p:spPr/>
-        <p:txBody>
-          <a:bodyPr/>
-          <a:lstStyle/>
-          <a:p>
-            <a:pPr>
-              <a:defRPr/>
-            </a:pPr>
-            <a:r>
-              <a:rPr lang="en-US" dirty="0" smtClean="0"/>
-              <a:t>Learning Bayesian Networks for Complex Relational Data</a:t>
-            </a:r>
-            <a:endParaRPr lang="en-US" dirty="0"/>
-          </a:p>
-        </p:txBody>
-      </p:sp>
     </p:spTree>
     <p:extLst>
       <p:ext uri="{BB962C8B-B14F-4D97-AF65-F5344CB8AC3E}">
@@ -14116,7 +15865,7 @@
 </p:sld>
 </file>
 
-<file path=ppt/slides/slide24.xml><?xml version="1.0" encoding="utf-8"?>
+<file path=ppt/slides/slide26.xml><?xml version="1.0" encoding="utf-8"?>
 <p:sld xmlns:a="http://schemas.openxmlformats.org/drawingml/2006/main" xmlns:r="http://schemas.openxmlformats.org/officeDocument/2006/relationships" xmlns:p="http://schemas.openxmlformats.org/presentationml/2006/main">
   <p:cSld>
     <p:spTree>
@@ -14707,7 +16456,7 @@
 </p:sld>
 </file>
 
-<file path=ppt/slides/slide25.xml><?xml version="1.0" encoding="utf-8"?>
+<file path=ppt/slides/slide27.xml><?xml version="1.0" encoding="utf-8"?>
 <p:sld xmlns:a="http://schemas.openxmlformats.org/drawingml/2006/main" xmlns:r="http://schemas.openxmlformats.org/officeDocument/2006/relationships" xmlns:p="http://schemas.openxmlformats.org/presentationml/2006/main">
   <p:cSld>
     <p:spTree>
@@ -14761,7 +16510,7 @@
           </p:nvPr>
         </p:nvPicPr>
         <p:blipFill>
-          <a:blip r:embed="rId2">
+          <a:blip r:embed="rId3">
             <a:extLst>
               <a:ext uri="{28A0092B-C50C-407E-A947-70E740481C1C}">
                 <a14:useLocalDpi xmlns:a14="http://schemas.microsoft.com/office/drawing/2010/main" val="0"/>
@@ -14821,7 +16570,7 @@
 </p:sld>
 </file>
 
-<file path=ppt/slides/slide26.xml><?xml version="1.0" encoding="utf-8"?>
+<file path=ppt/slides/slide28.xml><?xml version="1.0" encoding="utf-8"?>
 <p:sld xmlns:a="http://schemas.openxmlformats.org/drawingml/2006/main" xmlns:r="http://schemas.openxmlformats.org/officeDocument/2006/relationships" xmlns:p="http://schemas.openxmlformats.org/presentationml/2006/main">
   <p:cSld>
     <p:spTree>
@@ -14931,7 +16680,7 @@
 </p:sld>
 </file>
 
-<file path=ppt/slides/slide27.xml><?xml version="1.0" encoding="utf-8"?>
+<file path=ppt/slides/slide29.xml><?xml version="1.0" encoding="utf-8"?>
 <p:sld xmlns:a="http://schemas.openxmlformats.org/drawingml/2006/main" xmlns:r="http://schemas.openxmlformats.org/officeDocument/2006/relationships" xmlns:p="http://schemas.openxmlformats.org/presentationml/2006/main">
   <p:cSld>
     <p:spTree>
@@ -15050,7 +16799,123 @@
 </p:sld>
 </file>
 
-<file path=ppt/slides/slide28.xml><?xml version="1.0" encoding="utf-8"?>
+<file path=ppt/slides/slide3.xml><?xml version="1.0" encoding="utf-8"?>
+<p:sld xmlns:a="http://schemas.openxmlformats.org/drawingml/2006/main" xmlns:r="http://schemas.openxmlformats.org/officeDocument/2006/relationships" xmlns:p="http://schemas.openxmlformats.org/presentationml/2006/main">
+  <p:cSld>
+    <p:spTree>
+      <p:nvGrpSpPr>
+        <p:cNvPr id="1" name=""/>
+        <p:cNvGrpSpPr/>
+        <p:nvPr/>
+      </p:nvGrpSpPr>
+      <p:grpSpPr>
+        <a:xfrm>
+          <a:off x="0" y="0"/>
+          <a:ext cx="0" cy="0"/>
+          <a:chOff x="0" y="0"/>
+          <a:chExt cx="0" cy="0"/>
+        </a:xfrm>
+      </p:grpSpPr>
+      <p:sp>
+        <p:nvSpPr>
+          <p:cNvPr id="2" name="Title 1"/>
+          <p:cNvSpPr>
+            <a:spLocks noGrp="1"/>
+          </p:cNvSpPr>
+          <p:nvPr>
+            <p:ph type="title"/>
+          </p:nvPr>
+        </p:nvSpPr>
+        <p:spPr/>
+        <p:txBody>
+          <a:bodyPr/>
+          <a:lstStyle/>
+          <a:p>
+            <a:r>
+              <a:rPr lang="en-US" dirty="0" smtClean="0"/>
+              <a:t>Bayesian Network Demo</a:t>
+            </a:r>
+            <a:endParaRPr lang="en-US" dirty="0"/>
+          </a:p>
+        </p:txBody>
+      </p:sp>
+      <p:pic>
+        <p:nvPicPr>
+          <p:cNvPr id="5" name="Content Placeholder 4" descr="bayesnet-picture.png"/>
+          <p:cNvPicPr>
+            <a:picLocks noGrp="1" noChangeAspect="1"/>
+          </p:cNvPicPr>
+          <p:nvPr>
+            <p:ph sz="quarter" idx="1"/>
+          </p:nvPr>
+        </p:nvPicPr>
+        <p:blipFill>
+          <a:blip r:embed="rId3">
+            <a:extLst>
+              <a:ext uri="{28A0092B-C50C-407E-A947-70E740481C1C}">
+                <a14:useLocalDpi xmlns:a14="http://schemas.microsoft.com/office/drawing/2010/main" val="0"/>
+              </a:ext>
+            </a:extLst>
+          </a:blip>
+          <a:srcRect t="6298" b="6298"/>
+          <a:stretch>
+            <a:fillRect/>
+          </a:stretch>
+        </p:blipFill>
+        <p:spPr>
+          <a:xfrm>
+            <a:off x="177800" y="1447800"/>
+            <a:ext cx="8268970" cy="4864100"/>
+          </a:xfrm>
+        </p:spPr>
+      </p:pic>
+      <p:sp>
+        <p:nvSpPr>
+          <p:cNvPr id="4" name="Footer Placeholder 3"/>
+          <p:cNvSpPr>
+            <a:spLocks noGrp="1"/>
+          </p:cNvSpPr>
+          <p:nvPr>
+            <p:ph type="ftr" sz="quarter" idx="11"/>
+          </p:nvPr>
+        </p:nvSpPr>
+        <p:spPr/>
+        <p:txBody>
+          <a:bodyPr/>
+          <a:lstStyle/>
+          <a:p>
+            <a:pPr>
+              <a:defRPr/>
+            </a:pPr>
+            <a:r>
+              <a:rPr lang="en-US" smtClean="0"/>
+              <a:t>Learning Bayesian Networks for Complex Relational Data</a:t>
+            </a:r>
+            <a:endParaRPr lang="en-US" dirty="0"/>
+          </a:p>
+        </p:txBody>
+      </p:sp>
+    </p:spTree>
+    <p:extLst>
+      <p:ext uri="{BB962C8B-B14F-4D97-AF65-F5344CB8AC3E}">
+        <p14:creationId xmlns:p14="http://schemas.microsoft.com/office/powerpoint/2010/main" val="3131024873"/>
+      </p:ext>
+    </p:extLst>
+  </p:cSld>
+  <p:clrMapOvr>
+    <a:masterClrMapping/>
+  </p:clrMapOvr>
+  <p:timing>
+    <p:tnLst>
+      <p:par>
+        <p:cTn xmlns:p14="http://schemas.microsoft.com/office/powerpoint/2010/main" id="1" dur="indefinite" restart="never" nodeType="tmRoot"/>
+      </p:par>
+    </p:tnLst>
+  </p:timing>
+</p:sld>
+</file>
+
+<file path=ppt/slides/slide30.xml><?xml version="1.0" encoding="utf-8"?>
 <p:sld xmlns:a="http://schemas.openxmlformats.org/drawingml/2006/main" xmlns:r="http://schemas.openxmlformats.org/officeDocument/2006/relationships" xmlns:p="http://schemas.openxmlformats.org/presentationml/2006/main">
   <p:cSld>
     <p:spTree>
@@ -15395,7 +17260,7 @@
 </p:sld>
 </file>
 
-<file path=ppt/slides/slide29.xml><?xml version="1.0" encoding="utf-8"?>
+<file path=ppt/slides/slide31.xml><?xml version="1.0" encoding="utf-8"?>
 <p:sld xmlns:a="http://schemas.openxmlformats.org/drawingml/2006/main" xmlns:r="http://schemas.openxmlformats.org/officeDocument/2006/relationships" xmlns:p="http://schemas.openxmlformats.org/presentationml/2006/main">
   <p:cSld>
     <p:spTree>
@@ -15768,123 +17633,7 @@
 </p:sld>
 </file>
 
-<file path=ppt/slides/slide3.xml><?xml version="1.0" encoding="utf-8"?>
-<p:sld xmlns:a="http://schemas.openxmlformats.org/drawingml/2006/main" xmlns:r="http://schemas.openxmlformats.org/officeDocument/2006/relationships" xmlns:p="http://schemas.openxmlformats.org/presentationml/2006/main">
-  <p:cSld>
-    <p:spTree>
-      <p:nvGrpSpPr>
-        <p:cNvPr id="1" name=""/>
-        <p:cNvGrpSpPr/>
-        <p:nvPr/>
-      </p:nvGrpSpPr>
-      <p:grpSpPr>
-        <a:xfrm>
-          <a:off x="0" y="0"/>
-          <a:ext cx="0" cy="0"/>
-          <a:chOff x="0" y="0"/>
-          <a:chExt cx="0" cy="0"/>
-        </a:xfrm>
-      </p:grpSpPr>
-      <p:sp>
-        <p:nvSpPr>
-          <p:cNvPr id="2" name="Title 1"/>
-          <p:cNvSpPr>
-            <a:spLocks noGrp="1"/>
-          </p:cNvSpPr>
-          <p:nvPr>
-            <p:ph type="title"/>
-          </p:nvPr>
-        </p:nvSpPr>
-        <p:spPr/>
-        <p:txBody>
-          <a:bodyPr/>
-          <a:lstStyle/>
-          <a:p>
-            <a:r>
-              <a:rPr lang="en-US" dirty="0" smtClean="0"/>
-              <a:t>Bayesian Network Demo</a:t>
-            </a:r>
-            <a:endParaRPr lang="en-US" dirty="0"/>
-          </a:p>
-        </p:txBody>
-      </p:sp>
-      <p:pic>
-        <p:nvPicPr>
-          <p:cNvPr id="5" name="Content Placeholder 4" descr="bayesnet-picture.png"/>
-          <p:cNvPicPr>
-            <a:picLocks noGrp="1" noChangeAspect="1"/>
-          </p:cNvPicPr>
-          <p:nvPr>
-            <p:ph sz="quarter" idx="1"/>
-          </p:nvPr>
-        </p:nvPicPr>
-        <p:blipFill>
-          <a:blip r:embed="rId3">
-            <a:extLst>
-              <a:ext uri="{28A0092B-C50C-407E-A947-70E740481C1C}">
-                <a14:useLocalDpi xmlns:a14="http://schemas.microsoft.com/office/drawing/2010/main" val="0"/>
-              </a:ext>
-            </a:extLst>
-          </a:blip>
-          <a:srcRect t="6298" b="6298"/>
-          <a:stretch>
-            <a:fillRect/>
-          </a:stretch>
-        </p:blipFill>
-        <p:spPr>
-          <a:xfrm>
-            <a:off x="177800" y="1447800"/>
-            <a:ext cx="8268970" cy="4864100"/>
-          </a:xfrm>
-        </p:spPr>
-      </p:pic>
-      <p:sp>
-        <p:nvSpPr>
-          <p:cNvPr id="4" name="Footer Placeholder 3"/>
-          <p:cNvSpPr>
-            <a:spLocks noGrp="1"/>
-          </p:cNvSpPr>
-          <p:nvPr>
-            <p:ph type="ftr" sz="quarter" idx="11"/>
-          </p:nvPr>
-        </p:nvSpPr>
-        <p:spPr/>
-        <p:txBody>
-          <a:bodyPr/>
-          <a:lstStyle/>
-          <a:p>
-            <a:pPr>
-              <a:defRPr/>
-            </a:pPr>
-            <a:r>
-              <a:rPr lang="en-US" smtClean="0"/>
-              <a:t>Learning Bayesian Networks for Complex Relational Data</a:t>
-            </a:r>
-            <a:endParaRPr lang="en-US" dirty="0"/>
-          </a:p>
-        </p:txBody>
-      </p:sp>
-    </p:spTree>
-    <p:extLst>
-      <p:ext uri="{BB962C8B-B14F-4D97-AF65-F5344CB8AC3E}">
-        <p14:creationId xmlns:p14="http://schemas.microsoft.com/office/powerpoint/2010/main" val="3131024873"/>
-      </p:ext>
-    </p:extLst>
-  </p:cSld>
-  <p:clrMapOvr>
-    <a:masterClrMapping/>
-  </p:clrMapOvr>
-  <p:timing>
-    <p:tnLst>
-      <p:par>
-        <p:cTn xmlns:p14="http://schemas.microsoft.com/office/powerpoint/2010/main" id="1" dur="indefinite" restart="never" nodeType="tmRoot"/>
-      </p:par>
-    </p:tnLst>
-  </p:timing>
-</p:sld>
-</file>
-
-<file path=ppt/slides/slide30.xml><?xml version="1.0" encoding="utf-8"?>
+<file path=ppt/slides/slide32.xml><?xml version="1.0" encoding="utf-8"?>
 <p:sld xmlns:a="http://schemas.openxmlformats.org/drawingml/2006/main" xmlns:r="http://schemas.openxmlformats.org/officeDocument/2006/relationships" xmlns:p="http://schemas.openxmlformats.org/presentationml/2006/main">
   <p:cSld>
     <p:spTree>

--- a/ch2-fo-bayes-nets.pptx
+++ b/ch2-fo-bayes-nets.pptx
@@ -5,10 +5,10 @@
     <p:sldMasterId id="2147483660" r:id="rId1"/>
   </p:sldMasterIdLst>
   <p:notesMasterIdLst>
-    <p:notesMasterId r:id="rId34"/>
+    <p:notesMasterId r:id="rId32"/>
   </p:notesMasterIdLst>
   <p:handoutMasterIdLst>
-    <p:handoutMasterId r:id="rId35"/>
+    <p:handoutMasterId r:id="rId33"/>
   </p:handoutMasterIdLst>
   <p:sldIdLst>
     <p:sldId id="370" r:id="rId2"/>
@@ -20,29 +20,27 @@
     <p:sldId id="382" r:id="rId8"/>
     <p:sldId id="383" r:id="rId9"/>
     <p:sldId id="369" r:id="rId10"/>
-    <p:sldId id="406" r:id="rId11"/>
-    <p:sldId id="393" r:id="rId12"/>
-    <p:sldId id="379" r:id="rId13"/>
-    <p:sldId id="323" r:id="rId14"/>
-    <p:sldId id="313" r:id="rId15"/>
-    <p:sldId id="388" r:id="rId16"/>
-    <p:sldId id="389" r:id="rId17"/>
-    <p:sldId id="334" r:id="rId18"/>
-    <p:sldId id="284" r:id="rId19"/>
-    <p:sldId id="384" r:id="rId20"/>
-    <p:sldId id="283" r:id="rId21"/>
-    <p:sldId id="405" r:id="rId22"/>
-    <p:sldId id="394" r:id="rId23"/>
-    <p:sldId id="407" r:id="rId24"/>
-    <p:sldId id="395" r:id="rId25"/>
-    <p:sldId id="397" r:id="rId26"/>
-    <p:sldId id="402" r:id="rId27"/>
-    <p:sldId id="398" r:id="rId28"/>
-    <p:sldId id="399" r:id="rId29"/>
-    <p:sldId id="400" r:id="rId30"/>
-    <p:sldId id="404" r:id="rId31"/>
-    <p:sldId id="366" r:id="rId32"/>
-    <p:sldId id="378" r:id="rId33"/>
+    <p:sldId id="393" r:id="rId11"/>
+    <p:sldId id="379" r:id="rId12"/>
+    <p:sldId id="323" r:id="rId13"/>
+    <p:sldId id="313" r:id="rId14"/>
+    <p:sldId id="388" r:id="rId15"/>
+    <p:sldId id="389" r:id="rId16"/>
+    <p:sldId id="334" r:id="rId17"/>
+    <p:sldId id="284" r:id="rId18"/>
+    <p:sldId id="384" r:id="rId19"/>
+    <p:sldId id="283" r:id="rId20"/>
+    <p:sldId id="394" r:id="rId21"/>
+    <p:sldId id="395" r:id="rId22"/>
+    <p:sldId id="397" r:id="rId23"/>
+    <p:sldId id="402" r:id="rId24"/>
+    <p:sldId id="398" r:id="rId25"/>
+    <p:sldId id="399" r:id="rId26"/>
+    <p:sldId id="400" r:id="rId27"/>
+    <p:sldId id="403" r:id="rId28"/>
+    <p:sldId id="404" r:id="rId29"/>
+    <p:sldId id="366" r:id="rId30"/>
+    <p:sldId id="378" r:id="rId31"/>
   </p:sldIdLst>
   <p:sldSz cx="9144000" cy="6858000" type="screen4x3"/>
   <p:notesSz cx="6858000" cy="9144000"/>
@@ -197,7 +195,6 @@
             <p14:sldId id="382"/>
             <p14:sldId id="383"/>
             <p14:sldId id="369"/>
-            <p14:sldId id="406"/>
             <p14:sldId id="393"/>
           </p14:sldIdLst>
         </p14:section>
@@ -220,15 +217,14 @@
         </p14:section>
         <p14:section name="Frequency Demos" id="{6E81E249-5D52-124B-B10E-51E577ACCEE2}">
           <p14:sldIdLst>
-            <p14:sldId id="405"/>
             <p14:sldId id="394"/>
-            <p14:sldId id="407"/>
             <p14:sldId id="395"/>
             <p14:sldId id="397"/>
             <p14:sldId id="402"/>
             <p14:sldId id="398"/>
             <p14:sldId id="399"/>
             <p14:sldId id="400"/>
+            <p14:sldId id="403"/>
             <p14:sldId id="404"/>
             <p14:sldId id="366"/>
             <p14:sldId id="378"/>
@@ -347,7 +343,7 @@
               <a:pPr>
                 <a:defRPr/>
               </a:pPr>
-              <a:t>2016-09-23</a:t>
+              <a:t>16-09-11</a:t>
             </a:fld>
             <a:endParaRPr lang="en-US"/>
           </a:p>
@@ -563,7 +559,7 @@
               <a:pPr>
                 <a:defRPr/>
               </a:pPr>
-              <a:t>2016-09-23</a:t>
+              <a:t>16-09-11</a:t>
             </a:fld>
             <a:endParaRPr lang="en-US"/>
           </a:p>
@@ -1045,95 +1041,13 @@
           <a:p>
             <a:r>
               <a:rPr lang="en-US" dirty="0" smtClean="0"/>
-              <a:t>FO = first-order </a:t>
-            </a:r>
-          </a:p>
-          <a:p>
-            <a:r>
-              <a:rPr lang="en-US" dirty="0" smtClean="0"/>
-              <a:t>single</a:t>
+              <a:t>probabilities</a:t>
             </a:r>
             <a:r>
               <a:rPr lang="en-US" baseline="0" dirty="0" smtClean="0"/>
-              <a:t> data table that correctly represents relational frequencies</a:t>
-            </a:r>
-          </a:p>
-          <a:p>
-            <a:r>
-              <a:rPr lang="en-US" dirty="0" smtClean="0"/>
-              <a:t>Riedel, S.; Yao, L.; McCallum, A. &amp; Marlin, B. M. (2013), Relation Extraction with Matrix Factorization and Universal Schemas, </a:t>
-            </a:r>
-            <a:r>
-              <a:rPr lang="en-US" i="1" dirty="0" smtClean="0"/>
-              <a:t>in 'Human Language Technologies-NAACL', pp. 74--84.</a:t>
-            </a:r>
-          </a:p>
-          <a:p>
-            <a:r>
-              <a:rPr lang="en-US" dirty="0" smtClean="0"/>
-              <a:t>Schulte, O. (2011), A tractable pseudo-likelihood function for Bayes Nets applied to relational data, </a:t>
-            </a:r>
-            <a:r>
-              <a:rPr lang="en-US" i="1" dirty="0" smtClean="0"/>
-              <a:t>in 'SIAM SDM', pp. 462-473.</a:t>
-            </a:r>
-          </a:p>
-          <a:p>
-            <a:pPr marL="0" marR="0" indent="0" algn="l" defTabSz="457200" rtl="0" eaLnBrk="0" fontAlgn="base" latinLnBrk="0" hangingPunct="0">
-              <a:lnSpc>
-                <a:spcPct val="100000"/>
-              </a:lnSpc>
-              <a:spcBef>
-                <a:spcPct val="30000"/>
-              </a:spcBef>
-              <a:spcAft>
-                <a:spcPct val="0"/>
-              </a:spcAft>
-              <a:buClrTx/>
-              <a:buSzTx/>
-              <a:buFontTx/>
-              <a:buNone/>
-              <a:tabLst/>
-              <a:defRPr/>
-            </a:pPr>
-            <a:r>
-              <a:rPr lang="en-US" dirty="0" err="1" smtClean="0"/>
-              <a:t>Raedt</a:t>
-            </a:r>
-            <a:r>
-              <a:rPr lang="en-US" dirty="0" smtClean="0"/>
-              <a:t>, L. D. (1998), Attribute-Value Learning Versus Inductive Logic Programming: The Missing Links (Extended Abstract), </a:t>
-            </a:r>
-            <a:r>
-              <a:rPr lang="en-US" i="1" dirty="0" smtClean="0"/>
-              <a:t>in David Page, ed., 'ILP', Springer, , pp. 1-8</a:t>
-            </a:r>
-          </a:p>
-          <a:p>
-            <a:endParaRPr lang="en-US" dirty="0" smtClean="0"/>
-          </a:p>
-          <a:p>
-            <a:pPr marL="0" marR="0" indent="0" algn="l" defTabSz="457200" rtl="0" eaLnBrk="0" fontAlgn="base" latinLnBrk="0" hangingPunct="0">
-              <a:lnSpc>
-                <a:spcPct val="100000"/>
-              </a:lnSpc>
-              <a:spcBef>
-                <a:spcPct val="30000"/>
-              </a:spcBef>
-              <a:spcAft>
-                <a:spcPct val="0"/>
-              </a:spcAft>
-              <a:buClrTx/>
-              <a:buSzTx/>
-              <a:buFontTx/>
-              <a:buNone/>
-              <a:tabLst/>
-              <a:defRPr/>
-            </a:pPr>
-            <a:endParaRPr lang="en-US" dirty="0" smtClean="0"/>
-          </a:p>
-          <a:p>
-            <a:endParaRPr lang="en-US" baseline="0" dirty="0" smtClean="0"/>
+              <a:t> are examples</a:t>
+            </a:r>
+            <a:endParaRPr lang="en-US" dirty="0"/>
           </a:p>
         </p:txBody>
       </p:sp>
@@ -1160,7 +1074,7 @@
               <a:pPr>
                 <a:defRPr/>
               </a:pPr>
-              <a:t>15</a:t>
+              <a:t>16</a:t>
             </a:fld>
             <a:endParaRPr lang="en-US"/>
           </a:p>
@@ -1169,7 +1083,7 @@
     </p:spTree>
     <p:extLst>
       <p:ext uri="{BB962C8B-B14F-4D97-AF65-F5344CB8AC3E}">
-        <p14:creationId xmlns:p14="http://schemas.microsoft.com/office/powerpoint/2010/main" val="1511732372"/>
+        <p14:creationId xmlns:p14="http://schemas.microsoft.com/office/powerpoint/2010/main" val="968068703"/>
       </p:ext>
     </p:extLst>
   </p:cSld>
@@ -1225,12 +1139,58 @@
           <a:p>
             <a:r>
               <a:rPr lang="en-US" dirty="0" smtClean="0"/>
-              <a:t>Population Variables</a:t>
+              <a:t>Bayesian networks are close to rules (</a:t>
+            </a:r>
+            <a:r>
+              <a:rPr lang="en-US" dirty="0" err="1" smtClean="0"/>
+              <a:t>Kersting</a:t>
             </a:r>
             <a:r>
               <a:rPr lang="en-US" baseline="0" dirty="0" smtClean="0"/>
-              <a:t> are uniformly and independently distributed</a:t>
-            </a:r>
+              <a:t> and </a:t>
+            </a:r>
+            <a:r>
+              <a:rPr lang="en-US" baseline="0" dirty="0" err="1" smtClean="0"/>
+              <a:t>deRaedt</a:t>
+            </a:r>
+            <a:r>
+              <a:rPr lang="en-US" baseline="0" dirty="0" smtClean="0"/>
+              <a:t>)</a:t>
+            </a:r>
+          </a:p>
+          <a:p>
+            <a:r>
+              <a:rPr lang="en-US" sz="1200" dirty="0" err="1" smtClean="0"/>
+              <a:t>parametrized</a:t>
+            </a:r>
+            <a:r>
+              <a:rPr lang="en-US" sz="1200" baseline="0" dirty="0" smtClean="0"/>
+              <a:t> BNs </a:t>
+            </a:r>
+            <a:r>
+              <a:rPr lang="en-US" sz="1200" dirty="0" smtClean="0"/>
+              <a:t>not a frequency model</a:t>
+            </a:r>
+            <a:endParaRPr lang="en-US" baseline="0" dirty="0" smtClean="0"/>
+          </a:p>
+          <a:p>
+            <a:endParaRPr lang="en-US" baseline="0" dirty="0" smtClean="0"/>
+          </a:p>
+          <a:p>
+            <a:r>
+              <a:rPr lang="en-US" baseline="0" dirty="0" smtClean="0"/>
+              <a:t>Demo.</a:t>
+            </a:r>
+          </a:p>
+          <a:p>
+            <a:endParaRPr lang="en-US" baseline="0" dirty="0" smtClean="0"/>
+          </a:p>
+          <a:p>
+            <a:r>
+              <a:rPr lang="en-US" baseline="0" dirty="0" smtClean="0"/>
+              <a:t>First-order Random variables = terms.</a:t>
+            </a:r>
+            <a:endParaRPr lang="en-US" dirty="0"/>
           </a:p>
         </p:txBody>
       </p:sp>
@@ -1257,7 +1217,7 @@
               <a:pPr>
                 <a:defRPr/>
               </a:pPr>
-              <a:t>16</a:t>
+              <a:t>18</a:t>
             </a:fld>
             <a:endParaRPr lang="en-US"/>
           </a:p>
@@ -1266,7 +1226,7 @@
     </p:spTree>
     <p:extLst>
       <p:ext uri="{BB962C8B-B14F-4D97-AF65-F5344CB8AC3E}">
-        <p14:creationId xmlns:p14="http://schemas.microsoft.com/office/powerpoint/2010/main" val="1511732372"/>
+        <p14:creationId xmlns:p14="http://schemas.microsoft.com/office/powerpoint/2010/main" val="1197388364"/>
       </p:ext>
     </p:extLst>
   </p:cSld>
@@ -1321,12 +1281,8 @@
           <a:lstStyle/>
           <a:p>
             <a:r>
-              <a:rPr lang="en-US" dirty="0" smtClean="0"/>
-              <a:t>probabilities</a:t>
-            </a:r>
-            <a:r>
               <a:rPr lang="en-US" baseline="0" dirty="0" smtClean="0"/>
-              <a:t> are examples</a:t>
+              <a:t>Random or typical or normal individuals</a:t>
             </a:r>
             <a:endParaRPr lang="en-US" dirty="0"/>
           </a:p>
@@ -1355,7 +1311,7 @@
               <a:pPr>
                 <a:defRPr/>
               </a:pPr>
-              <a:t>17</a:t>
+              <a:t>19</a:t>
             </a:fld>
             <a:endParaRPr lang="en-US"/>
           </a:p>
@@ -1364,7 +1320,7 @@
     </p:spTree>
     <p:extLst>
       <p:ext uri="{BB962C8B-B14F-4D97-AF65-F5344CB8AC3E}">
-        <p14:creationId xmlns:p14="http://schemas.microsoft.com/office/powerpoint/2010/main" val="968068703"/>
+        <p14:creationId xmlns:p14="http://schemas.microsoft.com/office/powerpoint/2010/main" val="658811341"/>
       </p:ext>
     </p:extLst>
   </p:cSld>
@@ -1419,59 +1375,9 @@
           <a:lstStyle/>
           <a:p>
             <a:r>
-              <a:rPr lang="en-US" dirty="0" smtClean="0"/>
-              <a:t>Bayesian networks are close to rules (</a:t>
-            </a:r>
-            <a:r>
-              <a:rPr lang="en-US" dirty="0" err="1" smtClean="0"/>
-              <a:t>Kersting</a:t>
-            </a:r>
-            <a:r>
-              <a:rPr lang="en-US" baseline="0" dirty="0" smtClean="0"/>
-              <a:t> and </a:t>
-            </a:r>
-            <a:r>
-              <a:rPr lang="en-US" baseline="0" dirty="0" err="1" smtClean="0"/>
-              <a:t>deRaedt</a:t>
-            </a:r>
-            <a:r>
-              <a:rPr lang="en-US" baseline="0" dirty="0" smtClean="0"/>
-              <a:t>)</a:t>
-            </a:r>
-          </a:p>
-          <a:p>
-            <a:r>
-              <a:rPr lang="en-US" sz="1200" dirty="0" err="1" smtClean="0"/>
-              <a:t>parametrized</a:t>
-            </a:r>
-            <a:r>
-              <a:rPr lang="en-US" sz="1200" baseline="0" dirty="0" smtClean="0"/>
-              <a:t> BNs </a:t>
-            </a:r>
-            <a:r>
-              <a:rPr lang="en-US" sz="1200" dirty="0" smtClean="0"/>
-              <a:t>not a frequency model</a:t>
-            </a:r>
-            <a:endParaRPr lang="en-US" baseline="0" dirty="0" smtClean="0"/>
-          </a:p>
-          <a:p>
-            <a:endParaRPr lang="en-US" baseline="0" dirty="0" smtClean="0"/>
-          </a:p>
-          <a:p>
-            <a:r>
-              <a:rPr lang="en-US" baseline="0" dirty="0" smtClean="0"/>
-              <a:t>Demo.</a:t>
-            </a:r>
-          </a:p>
-          <a:p>
-            <a:endParaRPr lang="en-US" baseline="0" dirty="0" smtClean="0"/>
-          </a:p>
-          <a:p>
-            <a:r>
-              <a:rPr lang="en-US" baseline="0" dirty="0" smtClean="0"/>
-              <a:t>First-order Random variables = terms.</a:t>
-            </a:r>
-            <a:endParaRPr lang="en-US" dirty="0"/>
+              <a:rPr lang="en-US"/>
+              <a:t>IMDb_1R.xml</a:t>
+            </a:r>
           </a:p>
         </p:txBody>
       </p:sp>
@@ -1494,11 +1400,11 @@
               <a:defRPr/>
             </a:pPr>
             <a:fld id="{57BE7C63-45E8-3348-B2F7-0B0BBCE77ABE}" type="slidenum">
-              <a:rPr lang="en-US" smtClean="0"/>
+              <a:rPr lang="en-US"/>
               <a:pPr>
                 <a:defRPr/>
               </a:pPr>
-              <a:t>19</a:t>
+              <a:t>21</a:t>
             </a:fld>
             <a:endParaRPr lang="en-US"/>
           </a:p>
@@ -1507,7 +1413,7 @@
     </p:spTree>
     <p:extLst>
       <p:ext uri="{BB962C8B-B14F-4D97-AF65-F5344CB8AC3E}">
-        <p14:creationId xmlns:p14="http://schemas.microsoft.com/office/powerpoint/2010/main" val="1197388364"/>
+        <p14:creationId xmlns:p14="http://schemas.microsoft.com/office/powerpoint/2010/main" val="1227621452"/>
       </p:ext>
     </p:extLst>
   </p:cSld>
@@ -1562,8 +1468,20 @@
           <a:lstStyle/>
           <a:p>
             <a:r>
-              <a:rPr lang="en-US" baseline="0" dirty="0" smtClean="0"/>
-              <a:t>Random or typical or normal individuals</a:t>
+              <a:rPr lang="en-US" dirty="0" err="1" smtClean="0"/>
+              <a:t>todo</a:t>
+            </a:r>
+            <a:r>
+              <a:rPr lang="en-US" dirty="0" smtClean="0"/>
+              <a:t>: would </a:t>
+            </a:r>
+            <a:r>
+              <a:rPr lang="en-US" dirty="0"/>
+              <a:t>be nice to make this W</a:t>
+            </a:r>
+            <a:r>
+              <a:rPr lang="en-US" baseline="0" dirty="0"/>
+              <a:t> instead of F.</a:t>
             </a:r>
             <a:endParaRPr lang="en-US" dirty="0"/>
           </a:p>
@@ -1588,11 +1506,11 @@
               <a:defRPr/>
             </a:pPr>
             <a:fld id="{57BE7C63-45E8-3348-B2F7-0B0BBCE77ABE}" type="slidenum">
-              <a:rPr lang="en-US" smtClean="0"/>
+              <a:rPr lang="en-US"/>
               <a:pPr>
                 <a:defRPr/>
               </a:pPr>
-              <a:t>20</a:t>
+              <a:t>22</a:t>
             </a:fld>
             <a:endParaRPr lang="en-US"/>
           </a:p>
@@ -1601,7 +1519,7 @@
     </p:spTree>
     <p:extLst>
       <p:ext uri="{BB962C8B-B14F-4D97-AF65-F5344CB8AC3E}">
-        <p14:creationId xmlns:p14="http://schemas.microsoft.com/office/powerpoint/2010/main" val="658811341"/>
+        <p14:creationId xmlns:p14="http://schemas.microsoft.com/office/powerpoint/2010/main" val="2052551726"/>
       </p:ext>
     </p:extLst>
   </p:cSld>
@@ -1656,18 +1574,9 @@
           <a:lstStyle/>
           <a:p>
             <a:r>
-              <a:rPr lang="en-US" dirty="0" err="1" smtClean="0"/>
-              <a:t>todo</a:t>
-            </a:r>
-            <a:r>
-              <a:rPr lang="en-US" dirty="0" smtClean="0"/>
-              <a:t>: make</a:t>
-            </a:r>
-            <a:r>
-              <a:rPr lang="en-US" baseline="0" dirty="0" smtClean="0"/>
-              <a:t> EER diagram with 3 relationships</a:t>
-            </a:r>
-            <a:endParaRPr lang="en-US" dirty="0"/>
+              <a:rPr lang="en-US"/>
+              <a:t>Mondial.xml</a:t>
+            </a:r>
           </a:p>
         </p:txBody>
       </p:sp>
@@ -1690,11 +1599,11 @@
               <a:defRPr/>
             </a:pPr>
             <a:fld id="{57BE7C63-45E8-3348-B2F7-0B0BBCE77ABE}" type="slidenum">
-              <a:rPr lang="en-US" smtClean="0"/>
+              <a:rPr lang="en-US"/>
               <a:pPr>
                 <a:defRPr/>
               </a:pPr>
-              <a:t>22</a:t>
+              <a:t>25</a:t>
             </a:fld>
             <a:endParaRPr lang="en-US"/>
           </a:p>
@@ -1703,7 +1612,7 @@
     </p:spTree>
     <p:extLst>
       <p:ext uri="{BB962C8B-B14F-4D97-AF65-F5344CB8AC3E}">
-        <p14:creationId xmlns:p14="http://schemas.microsoft.com/office/powerpoint/2010/main" val="3267471699"/>
+        <p14:creationId xmlns:p14="http://schemas.microsoft.com/office/powerpoint/2010/main" val="1278463515"/>
       </p:ext>
     </p:extLst>
   </p:cSld>
@@ -1758,40 +1667,9 @@
           <a:lstStyle/>
           <a:p>
             <a:r>
-              <a:rPr lang="en-US" dirty="0" err="1" smtClean="0"/>
-              <a:t>todo</a:t>
-            </a:r>
-            <a:r>
-              <a:rPr lang="en-US" dirty="0" smtClean="0"/>
-              <a:t>:</a:t>
-            </a:r>
-          </a:p>
-          <a:p>
-            <a:r>
-              <a:rPr lang="en-US" baseline="0" dirty="0" smtClean="0"/>
-              <a:t>*rerun </a:t>
-            </a:r>
-            <a:r>
-              <a:rPr lang="en-US" baseline="0" dirty="0" err="1" smtClean="0"/>
-              <a:t>BayesBase</a:t>
-            </a:r>
-            <a:r>
-              <a:rPr lang="en-US" baseline="0" dirty="0" smtClean="0"/>
-              <a:t> with link analysis on</a:t>
-            </a:r>
-          </a:p>
-          <a:p>
-            <a:r>
-              <a:rPr lang="en-US" baseline="0" dirty="0" smtClean="0"/>
-              <a:t>*rename columns to generate IMDB EER diagram with 3 relationships</a:t>
-            </a:r>
-          </a:p>
-          <a:p>
-            <a:r>
-              <a:rPr lang="en-US" baseline="0" dirty="0" smtClean="0"/>
-              <a:t>*upload to Prague dataset</a:t>
-            </a:r>
-            <a:endParaRPr lang="en-US" dirty="0"/>
+              <a:rPr lang="en-US"/>
+              <a:t>Mondial.xml</a:t>
+            </a:r>
           </a:p>
         </p:txBody>
       </p:sp>
@@ -1814,11 +1692,11 @@
               <a:defRPr/>
             </a:pPr>
             <a:fld id="{57BE7C63-45E8-3348-B2F7-0B0BBCE77ABE}" type="slidenum">
-              <a:rPr lang="en-US" smtClean="0"/>
+              <a:rPr lang="en-US"/>
               <a:pPr>
                 <a:defRPr/>
               </a:pPr>
-              <a:t>23</a:t>
+              <a:t>26</a:t>
             </a:fld>
             <a:endParaRPr lang="en-US"/>
           </a:p>
@@ -1827,7 +1705,7 @@
     </p:spTree>
     <p:extLst>
       <p:ext uri="{BB962C8B-B14F-4D97-AF65-F5344CB8AC3E}">
-        <p14:creationId xmlns:p14="http://schemas.microsoft.com/office/powerpoint/2010/main" val="2052534179"/>
+        <p14:creationId xmlns:p14="http://schemas.microsoft.com/office/powerpoint/2010/main" val="26590556"/>
       </p:ext>
     </p:extLst>
   </p:cSld>
@@ -1883,17 +1761,19 @@
           <a:p>
             <a:r>
               <a:rPr lang="en-US" dirty="0" smtClean="0"/>
-              <a:t>IMDb_1R.xml</a:t>
-            </a:r>
-          </a:p>
-          <a:p>
-            <a:r>
-              <a:rPr lang="en-US" dirty="0" smtClean="0"/>
-              <a:t>for simplicity, our</a:t>
+              <a:t>exercise:</a:t>
             </a:r>
             <a:r>
               <a:rPr lang="en-US" baseline="0" dirty="0" smtClean="0"/>
-              <a:t> examples consider only one relationship. In principle, there is no limit to the number of relationships required.</a:t>
+              <a:t> query what the probability is of a country being in America given that it has a </a:t>
+            </a:r>
+            <a:r>
+              <a:rPr lang="en-US" baseline="0" dirty="0" err="1" smtClean="0"/>
+              <a:t>neighbour</a:t>
+            </a:r>
+            <a:r>
+              <a:rPr lang="en-US" baseline="0" dirty="0" smtClean="0"/>
+              <a:t> in America?</a:t>
             </a:r>
             <a:endParaRPr lang="en-US" dirty="0"/>
           </a:p>
@@ -1918,11 +1798,11 @@
               <a:defRPr/>
             </a:pPr>
             <a:fld id="{57BE7C63-45E8-3348-B2F7-0B0BBCE77ABE}" type="slidenum">
-              <a:rPr lang="en-US"/>
+              <a:rPr lang="en-US" smtClean="0"/>
               <a:pPr>
                 <a:defRPr/>
               </a:pPr>
-              <a:t>24</a:t>
+              <a:t>28</a:t>
             </a:fld>
             <a:endParaRPr lang="en-US"/>
           </a:p>
@@ -1931,7 +1811,7 @@
     </p:spTree>
     <p:extLst>
       <p:ext uri="{BB962C8B-B14F-4D97-AF65-F5344CB8AC3E}">
-        <p14:creationId xmlns:p14="http://schemas.microsoft.com/office/powerpoint/2010/main" val="1227621452"/>
+        <p14:creationId xmlns:p14="http://schemas.microsoft.com/office/powerpoint/2010/main" val="155472538"/>
       </p:ext>
     </p:extLst>
   </p:cSld>
@@ -1985,115 +1865,6 @@
           <a:bodyPr/>
           <a:lstStyle/>
           <a:p>
-            <a:endParaRPr lang="en-US" dirty="0" smtClean="0"/>
-          </a:p>
-          <a:p>
-            <a:r>
-              <a:rPr lang="en-US" baseline="0" dirty="0" smtClean="0"/>
-              <a:t>put </a:t>
-            </a:r>
-            <a:r>
-              <a:rPr lang="en-US" baseline="0" dirty="0" smtClean="0"/>
-              <a:t>pictures and xml files on-line</a:t>
-            </a:r>
-            <a:endParaRPr lang="en-US" dirty="0"/>
-          </a:p>
-        </p:txBody>
-      </p:sp>
-      <p:sp>
-        <p:nvSpPr>
-          <p:cNvPr id="4" name="Slide Number Placeholder 3"/>
-          <p:cNvSpPr>
-            <a:spLocks noGrp="1"/>
-          </p:cNvSpPr>
-          <p:nvPr>
-            <p:ph type="sldNum" sz="quarter" idx="10"/>
-          </p:nvPr>
-        </p:nvSpPr>
-        <p:spPr/>
-        <p:txBody>
-          <a:bodyPr/>
-          <a:lstStyle/>
-          <a:p>
-            <a:pPr>
-              <a:defRPr/>
-            </a:pPr>
-            <a:fld id="{57BE7C63-45E8-3348-B2F7-0B0BBCE77ABE}" type="slidenum">
-              <a:rPr lang="en-US"/>
-              <a:pPr>
-                <a:defRPr/>
-              </a:pPr>
-              <a:t>25</a:t>
-            </a:fld>
-            <a:endParaRPr lang="en-US"/>
-          </a:p>
-        </p:txBody>
-      </p:sp>
-    </p:spTree>
-    <p:extLst>
-      <p:ext uri="{BB962C8B-B14F-4D97-AF65-F5344CB8AC3E}">
-        <p14:creationId xmlns:p14="http://schemas.microsoft.com/office/powerpoint/2010/main" val="2052551726"/>
-      </p:ext>
-    </p:extLst>
-  </p:cSld>
-  <p:clrMapOvr>
-    <a:masterClrMapping/>
-  </p:clrMapOvr>
-</p:notes>
-</file>
-
-<file path=ppt/notesSlides/notesSlide19.xml><?xml version="1.0" encoding="utf-8"?>
-<p:notes xmlns:a="http://schemas.openxmlformats.org/drawingml/2006/main" xmlns:r="http://schemas.openxmlformats.org/officeDocument/2006/relationships" xmlns:p="http://schemas.openxmlformats.org/presentationml/2006/main">
-  <p:cSld>
-    <p:spTree>
-      <p:nvGrpSpPr>
-        <p:cNvPr id="1" name=""/>
-        <p:cNvGrpSpPr/>
-        <p:nvPr/>
-      </p:nvGrpSpPr>
-      <p:grpSpPr>
-        <a:xfrm>
-          <a:off x="0" y="0"/>
-          <a:ext cx="0" cy="0"/>
-          <a:chOff x="0" y="0"/>
-          <a:chExt cx="0" cy="0"/>
-        </a:xfrm>
-      </p:grpSpPr>
-      <p:sp>
-        <p:nvSpPr>
-          <p:cNvPr id="2" name="Slide Image Placeholder 1"/>
-          <p:cNvSpPr>
-            <a:spLocks noGrp="1" noRot="1" noChangeAspect="1"/>
-          </p:cNvSpPr>
-          <p:nvPr>
-            <p:ph type="sldImg"/>
-          </p:nvPr>
-        </p:nvSpPr>
-        <p:spPr/>
-      </p:sp>
-      <p:sp>
-        <p:nvSpPr>
-          <p:cNvPr id="3" name="Notes Placeholder 2"/>
-          <p:cNvSpPr>
-            <a:spLocks noGrp="1"/>
-          </p:cNvSpPr>
-          <p:nvPr>
-            <p:ph type="body" idx="1"/>
-          </p:nvPr>
-        </p:nvSpPr>
-        <p:spPr/>
-        <p:txBody>
-          <a:bodyPr/>
-          <a:lstStyle/>
-          <a:p>
-            <a:r>
-              <a:rPr lang="en-US" dirty="0" smtClean="0"/>
-              <a:t>run</a:t>
-            </a:r>
-            <a:r>
-              <a:rPr lang="en-US" baseline="0" dirty="0" smtClean="0"/>
-              <a:t> the actual queries</a:t>
-            </a:r>
             <a:endParaRPr lang="en-US" dirty="0"/>
           </a:p>
         </p:txBody>
@@ -2121,7 +1892,7 @@
               <a:pPr>
                 <a:defRPr/>
               </a:pPr>
-              <a:t>26</a:t>
+              <a:t>29</a:t>
             </a:fld>
             <a:endParaRPr lang="en-US"/>
           </a:p>
@@ -2130,7 +1901,7 @@
     </p:spTree>
     <p:extLst>
       <p:ext uri="{BB962C8B-B14F-4D97-AF65-F5344CB8AC3E}">
-        <p14:creationId xmlns:p14="http://schemas.microsoft.com/office/powerpoint/2010/main" val="1708766281"/>
+        <p14:creationId xmlns:p14="http://schemas.microsoft.com/office/powerpoint/2010/main" val="1074296804"/>
       </p:ext>
     </p:extLst>
   </p:cSld>
@@ -2237,559 +2008,6 @@
     <p:extLst>
       <p:ext uri="{BB962C8B-B14F-4D97-AF65-F5344CB8AC3E}">
         <p14:creationId xmlns:p14="http://schemas.microsoft.com/office/powerpoint/2010/main" val="444076179"/>
-      </p:ext>
-    </p:extLst>
-  </p:cSld>
-  <p:clrMapOvr>
-    <a:masterClrMapping/>
-  </p:clrMapOvr>
-</p:notes>
-</file>
-
-<file path=ppt/notesSlides/notesSlide20.xml><?xml version="1.0" encoding="utf-8"?>
-<p:notes xmlns:a="http://schemas.openxmlformats.org/drawingml/2006/main" xmlns:r="http://schemas.openxmlformats.org/officeDocument/2006/relationships" xmlns:p="http://schemas.openxmlformats.org/presentationml/2006/main">
-  <p:cSld>
-    <p:spTree>
-      <p:nvGrpSpPr>
-        <p:cNvPr id="1" name=""/>
-        <p:cNvGrpSpPr/>
-        <p:nvPr/>
-      </p:nvGrpSpPr>
-      <p:grpSpPr>
-        <a:xfrm>
-          <a:off x="0" y="0"/>
-          <a:ext cx="0" cy="0"/>
-          <a:chOff x="0" y="0"/>
-          <a:chExt cx="0" cy="0"/>
-        </a:xfrm>
-      </p:grpSpPr>
-      <p:sp>
-        <p:nvSpPr>
-          <p:cNvPr id="2" name="Slide Image Placeholder 1"/>
-          <p:cNvSpPr>
-            <a:spLocks noGrp="1" noRot="1" noChangeAspect="1"/>
-          </p:cNvSpPr>
-          <p:nvPr>
-            <p:ph type="sldImg"/>
-          </p:nvPr>
-        </p:nvSpPr>
-        <p:spPr/>
-      </p:sp>
-      <p:sp>
-        <p:nvSpPr>
-          <p:cNvPr id="3" name="Notes Placeholder 2"/>
-          <p:cNvSpPr>
-            <a:spLocks noGrp="1"/>
-          </p:cNvSpPr>
-          <p:nvPr>
-            <p:ph type="body" idx="1"/>
-          </p:nvPr>
-        </p:nvSpPr>
-        <p:spPr/>
-        <p:txBody>
-          <a:bodyPr/>
-          <a:lstStyle/>
-          <a:p>
-            <a:r>
-              <a:rPr lang="en-US" dirty="0" err="1" smtClean="0"/>
-              <a:t>todo</a:t>
-            </a:r>
-            <a:r>
-              <a:rPr lang="en-US" dirty="0" smtClean="0"/>
-              <a:t>: </a:t>
-            </a:r>
-          </a:p>
-          <a:p>
-            <a:r>
-              <a:rPr lang="en-US" dirty="0" smtClean="0"/>
-              <a:t>*simplify so it has only Country and Borders</a:t>
-            </a:r>
-          </a:p>
-          <a:p>
-            <a:r>
-              <a:rPr lang="en-US" dirty="0" smtClean="0"/>
-              <a:t>*make sure </a:t>
-            </a:r>
-            <a:r>
-              <a:rPr lang="en-US" dirty="0" err="1" smtClean="0"/>
-              <a:t>BayesBase</a:t>
-            </a:r>
-            <a:r>
-              <a:rPr lang="en-US" baseline="0" dirty="0" smtClean="0"/>
-              <a:t> runs correctly</a:t>
-            </a:r>
-            <a:endParaRPr lang="en-US" dirty="0"/>
-          </a:p>
-        </p:txBody>
-      </p:sp>
-      <p:sp>
-        <p:nvSpPr>
-          <p:cNvPr id="4" name="Slide Number Placeholder 3"/>
-          <p:cNvSpPr>
-            <a:spLocks noGrp="1"/>
-          </p:cNvSpPr>
-          <p:nvPr>
-            <p:ph type="sldNum" sz="quarter" idx="10"/>
-          </p:nvPr>
-        </p:nvSpPr>
-        <p:spPr/>
-        <p:txBody>
-          <a:bodyPr/>
-          <a:lstStyle/>
-          <a:p>
-            <a:pPr>
-              <a:defRPr/>
-            </a:pPr>
-            <a:fld id="{57BE7C63-45E8-3348-B2F7-0B0BBCE77ABE}" type="slidenum">
-              <a:rPr lang="en-US" smtClean="0"/>
-              <a:pPr>
-                <a:defRPr/>
-              </a:pPr>
-              <a:t>27</a:t>
-            </a:fld>
-            <a:endParaRPr lang="en-US"/>
-          </a:p>
-        </p:txBody>
-      </p:sp>
-    </p:spTree>
-    <p:extLst>
-      <p:ext uri="{BB962C8B-B14F-4D97-AF65-F5344CB8AC3E}">
-        <p14:creationId xmlns:p14="http://schemas.microsoft.com/office/powerpoint/2010/main" val="3699909571"/>
-      </p:ext>
-    </p:extLst>
-  </p:cSld>
-  <p:clrMapOvr>
-    <a:masterClrMapping/>
-  </p:clrMapOvr>
-</p:notes>
-</file>
-
-<file path=ppt/notesSlides/notesSlide21.xml><?xml version="1.0" encoding="utf-8"?>
-<p:notes xmlns:a="http://schemas.openxmlformats.org/drawingml/2006/main" xmlns:r="http://schemas.openxmlformats.org/officeDocument/2006/relationships" xmlns:p="http://schemas.openxmlformats.org/presentationml/2006/main">
-  <p:cSld>
-    <p:spTree>
-      <p:nvGrpSpPr>
-        <p:cNvPr id="1" name=""/>
-        <p:cNvGrpSpPr/>
-        <p:nvPr/>
-      </p:nvGrpSpPr>
-      <p:grpSpPr>
-        <a:xfrm>
-          <a:off x="0" y="0"/>
-          <a:ext cx="0" cy="0"/>
-          <a:chOff x="0" y="0"/>
-          <a:chExt cx="0" cy="0"/>
-        </a:xfrm>
-      </p:grpSpPr>
-      <p:sp>
-        <p:nvSpPr>
-          <p:cNvPr id="2" name="Slide Image Placeholder 1"/>
-          <p:cNvSpPr>
-            <a:spLocks noGrp="1" noRot="1" noChangeAspect="1"/>
-          </p:cNvSpPr>
-          <p:nvPr>
-            <p:ph type="sldImg"/>
-          </p:nvPr>
-        </p:nvSpPr>
-        <p:spPr/>
-      </p:sp>
-      <p:sp>
-        <p:nvSpPr>
-          <p:cNvPr id="3" name="Notes Placeholder 2"/>
-          <p:cNvSpPr>
-            <a:spLocks noGrp="1"/>
-          </p:cNvSpPr>
-          <p:nvPr>
-            <p:ph type="body" idx="1"/>
-          </p:nvPr>
-        </p:nvSpPr>
-        <p:spPr/>
-        <p:txBody>
-          <a:bodyPr/>
-          <a:lstStyle/>
-          <a:p>
-            <a:r>
-              <a:rPr lang="en-US" dirty="0" err="1" smtClean="0"/>
-              <a:t>todo</a:t>
-            </a:r>
-            <a:r>
-              <a:rPr lang="en-US" dirty="0" smtClean="0"/>
-              <a:t>: </a:t>
-            </a:r>
-          </a:p>
-          <a:p>
-            <a:r>
-              <a:rPr lang="en-US" dirty="0" smtClean="0"/>
-              <a:t>rerun</a:t>
-            </a:r>
-            <a:r>
-              <a:rPr lang="en-US" baseline="0" dirty="0" smtClean="0"/>
-              <a:t> </a:t>
-            </a:r>
-            <a:r>
-              <a:rPr lang="en-US" baseline="0" dirty="0" err="1" smtClean="0"/>
-              <a:t>Mondial</a:t>
-            </a:r>
-            <a:r>
-              <a:rPr lang="en-US" baseline="0" dirty="0" smtClean="0"/>
-              <a:t> with link analysis on</a:t>
-            </a:r>
-          </a:p>
-          <a:p>
-            <a:r>
-              <a:rPr lang="en-US" baseline="0" dirty="0" smtClean="0"/>
-              <a:t>fix data format</a:t>
-            </a:r>
-          </a:p>
-          <a:p>
-            <a:r>
-              <a:rPr lang="en-US" dirty="0" err="1" smtClean="0"/>
-              <a:t>Mondial.xml</a:t>
-            </a:r>
-            <a:endParaRPr lang="en-US" dirty="0"/>
-          </a:p>
-        </p:txBody>
-      </p:sp>
-      <p:sp>
-        <p:nvSpPr>
-          <p:cNvPr id="4" name="Slide Number Placeholder 3"/>
-          <p:cNvSpPr>
-            <a:spLocks noGrp="1"/>
-          </p:cNvSpPr>
-          <p:nvPr>
-            <p:ph type="sldNum" sz="quarter" idx="10"/>
-          </p:nvPr>
-        </p:nvSpPr>
-        <p:spPr/>
-        <p:txBody>
-          <a:bodyPr/>
-          <a:lstStyle/>
-          <a:p>
-            <a:pPr>
-              <a:defRPr/>
-            </a:pPr>
-            <a:fld id="{57BE7C63-45E8-3348-B2F7-0B0BBCE77ABE}" type="slidenum">
-              <a:rPr lang="en-US"/>
-              <a:pPr>
-                <a:defRPr/>
-              </a:pPr>
-              <a:t>28</a:t>
-            </a:fld>
-            <a:endParaRPr lang="en-US"/>
-          </a:p>
-        </p:txBody>
-      </p:sp>
-    </p:spTree>
-    <p:extLst>
-      <p:ext uri="{BB962C8B-B14F-4D97-AF65-F5344CB8AC3E}">
-        <p14:creationId xmlns:p14="http://schemas.microsoft.com/office/powerpoint/2010/main" val="1278463515"/>
-      </p:ext>
-    </p:extLst>
-  </p:cSld>
-  <p:clrMapOvr>
-    <a:masterClrMapping/>
-  </p:clrMapOvr>
-</p:notes>
-</file>
-
-<file path=ppt/notesSlides/notesSlide22.xml><?xml version="1.0" encoding="utf-8"?>
-<p:notes xmlns:a="http://schemas.openxmlformats.org/drawingml/2006/main" xmlns:r="http://schemas.openxmlformats.org/officeDocument/2006/relationships" xmlns:p="http://schemas.openxmlformats.org/presentationml/2006/main">
-  <p:cSld>
-    <p:spTree>
-      <p:nvGrpSpPr>
-        <p:cNvPr id="1" name=""/>
-        <p:cNvGrpSpPr/>
-        <p:nvPr/>
-      </p:nvGrpSpPr>
-      <p:grpSpPr>
-        <a:xfrm>
-          <a:off x="0" y="0"/>
-          <a:ext cx="0" cy="0"/>
-          <a:chOff x="0" y="0"/>
-          <a:chExt cx="0" cy="0"/>
-        </a:xfrm>
-      </p:grpSpPr>
-      <p:sp>
-        <p:nvSpPr>
-          <p:cNvPr id="2" name="Slide Image Placeholder 1"/>
-          <p:cNvSpPr>
-            <a:spLocks noGrp="1" noRot="1" noChangeAspect="1"/>
-          </p:cNvSpPr>
-          <p:nvPr>
-            <p:ph type="sldImg"/>
-          </p:nvPr>
-        </p:nvSpPr>
-        <p:spPr/>
-      </p:sp>
-      <p:sp>
-        <p:nvSpPr>
-          <p:cNvPr id="3" name="Notes Placeholder 2"/>
-          <p:cNvSpPr>
-            <a:spLocks noGrp="1"/>
-          </p:cNvSpPr>
-          <p:nvPr>
-            <p:ph type="body" idx="1"/>
-          </p:nvPr>
-        </p:nvSpPr>
-        <p:spPr/>
-        <p:txBody>
-          <a:bodyPr/>
-          <a:lstStyle/>
-          <a:p>
-            <a:r>
-              <a:rPr lang="en-US" dirty="0" err="1" smtClean="0"/>
-              <a:t>Mondial.xml</a:t>
-            </a:r>
-            <a:endParaRPr lang="en-US" dirty="0" smtClean="0"/>
-          </a:p>
-          <a:p>
-            <a:r>
-              <a:rPr lang="en-US" dirty="0" err="1" smtClean="0"/>
-              <a:t>todo</a:t>
-            </a:r>
-            <a:r>
-              <a:rPr lang="en-US" dirty="0" smtClean="0"/>
-              <a:t>: rerun to get rid of *</a:t>
-            </a:r>
-            <a:endParaRPr lang="en-US" dirty="0"/>
-          </a:p>
-        </p:txBody>
-      </p:sp>
-      <p:sp>
-        <p:nvSpPr>
-          <p:cNvPr id="4" name="Slide Number Placeholder 3"/>
-          <p:cNvSpPr>
-            <a:spLocks noGrp="1"/>
-          </p:cNvSpPr>
-          <p:nvPr>
-            <p:ph type="sldNum" sz="quarter" idx="10"/>
-          </p:nvPr>
-        </p:nvSpPr>
-        <p:spPr/>
-        <p:txBody>
-          <a:bodyPr/>
-          <a:lstStyle/>
-          <a:p>
-            <a:pPr>
-              <a:defRPr/>
-            </a:pPr>
-            <a:fld id="{57BE7C63-45E8-3348-B2F7-0B0BBCE77ABE}" type="slidenum">
-              <a:rPr lang="en-US"/>
-              <a:pPr>
-                <a:defRPr/>
-              </a:pPr>
-              <a:t>29</a:t>
-            </a:fld>
-            <a:endParaRPr lang="en-US"/>
-          </a:p>
-        </p:txBody>
-      </p:sp>
-    </p:spTree>
-    <p:extLst>
-      <p:ext uri="{BB962C8B-B14F-4D97-AF65-F5344CB8AC3E}">
-        <p14:creationId xmlns:p14="http://schemas.microsoft.com/office/powerpoint/2010/main" val="26590556"/>
-      </p:ext>
-    </p:extLst>
-  </p:cSld>
-  <p:clrMapOvr>
-    <a:masterClrMapping/>
-  </p:clrMapOvr>
-</p:notes>
-</file>
-
-<file path=ppt/notesSlides/notesSlide23.xml><?xml version="1.0" encoding="utf-8"?>
-<p:notes xmlns:a="http://schemas.openxmlformats.org/drawingml/2006/main" xmlns:r="http://schemas.openxmlformats.org/officeDocument/2006/relationships" xmlns:p="http://schemas.openxmlformats.org/presentationml/2006/main">
-  <p:cSld>
-    <p:spTree>
-      <p:nvGrpSpPr>
-        <p:cNvPr id="1" name=""/>
-        <p:cNvGrpSpPr/>
-        <p:nvPr/>
-      </p:nvGrpSpPr>
-      <p:grpSpPr>
-        <a:xfrm>
-          <a:off x="0" y="0"/>
-          <a:ext cx="0" cy="0"/>
-          <a:chOff x="0" y="0"/>
-          <a:chExt cx="0" cy="0"/>
-        </a:xfrm>
-      </p:grpSpPr>
-      <p:sp>
-        <p:nvSpPr>
-          <p:cNvPr id="2" name="Slide Image Placeholder 1"/>
-          <p:cNvSpPr>
-            <a:spLocks noGrp="1" noRot="1" noChangeAspect="1"/>
-          </p:cNvSpPr>
-          <p:nvPr>
-            <p:ph type="sldImg"/>
-          </p:nvPr>
-        </p:nvSpPr>
-        <p:spPr/>
-      </p:sp>
-      <p:sp>
-        <p:nvSpPr>
-          <p:cNvPr id="3" name="Notes Placeholder 2"/>
-          <p:cNvSpPr>
-            <a:spLocks noGrp="1"/>
-          </p:cNvSpPr>
-          <p:nvPr>
-            <p:ph type="body" idx="1"/>
-          </p:nvPr>
-        </p:nvSpPr>
-        <p:spPr/>
-        <p:txBody>
-          <a:bodyPr/>
-          <a:lstStyle/>
-          <a:p>
-            <a:r>
-              <a:rPr lang="en-US" dirty="0" smtClean="0"/>
-              <a:t>exercise:</a:t>
-            </a:r>
-            <a:r>
-              <a:rPr lang="en-US" baseline="0" dirty="0" smtClean="0"/>
-              <a:t> query what the probability is of a country being in America given that it has a </a:t>
-            </a:r>
-            <a:r>
-              <a:rPr lang="en-US" baseline="0" dirty="0" err="1" smtClean="0"/>
-              <a:t>neighbour</a:t>
-            </a:r>
-            <a:r>
-              <a:rPr lang="en-US" baseline="0" dirty="0" smtClean="0"/>
-              <a:t> in America?</a:t>
-            </a:r>
-          </a:p>
-          <a:p>
-            <a:r>
-              <a:rPr lang="en-US" baseline="0" dirty="0" smtClean="0"/>
-              <a:t>Europe has borders outside of itself: Turkey and Russia</a:t>
-            </a:r>
-            <a:endParaRPr lang="en-US" dirty="0"/>
-          </a:p>
-        </p:txBody>
-      </p:sp>
-      <p:sp>
-        <p:nvSpPr>
-          <p:cNvPr id="4" name="Slide Number Placeholder 3"/>
-          <p:cNvSpPr>
-            <a:spLocks noGrp="1"/>
-          </p:cNvSpPr>
-          <p:nvPr>
-            <p:ph type="sldNum" sz="quarter" idx="10"/>
-          </p:nvPr>
-        </p:nvSpPr>
-        <p:spPr/>
-        <p:txBody>
-          <a:bodyPr/>
-          <a:lstStyle/>
-          <a:p>
-            <a:pPr>
-              <a:defRPr/>
-            </a:pPr>
-            <a:fld id="{57BE7C63-45E8-3348-B2F7-0B0BBCE77ABE}" type="slidenum">
-              <a:rPr lang="en-US" smtClean="0"/>
-              <a:pPr>
-                <a:defRPr/>
-              </a:pPr>
-              <a:t>30</a:t>
-            </a:fld>
-            <a:endParaRPr lang="en-US"/>
-          </a:p>
-        </p:txBody>
-      </p:sp>
-    </p:spTree>
-    <p:extLst>
-      <p:ext uri="{BB962C8B-B14F-4D97-AF65-F5344CB8AC3E}">
-        <p14:creationId xmlns:p14="http://schemas.microsoft.com/office/powerpoint/2010/main" val="155472538"/>
-      </p:ext>
-    </p:extLst>
-  </p:cSld>
-  <p:clrMapOvr>
-    <a:masterClrMapping/>
-  </p:clrMapOvr>
-</p:notes>
-</file>
-
-<file path=ppt/notesSlides/notesSlide24.xml><?xml version="1.0" encoding="utf-8"?>
-<p:notes xmlns:a="http://schemas.openxmlformats.org/drawingml/2006/main" xmlns:r="http://schemas.openxmlformats.org/officeDocument/2006/relationships" xmlns:p="http://schemas.openxmlformats.org/presentationml/2006/main">
-  <p:cSld>
-    <p:spTree>
-      <p:nvGrpSpPr>
-        <p:cNvPr id="1" name=""/>
-        <p:cNvGrpSpPr/>
-        <p:nvPr/>
-      </p:nvGrpSpPr>
-      <p:grpSpPr>
-        <a:xfrm>
-          <a:off x="0" y="0"/>
-          <a:ext cx="0" cy="0"/>
-          <a:chOff x="0" y="0"/>
-          <a:chExt cx="0" cy="0"/>
-        </a:xfrm>
-      </p:grpSpPr>
-      <p:sp>
-        <p:nvSpPr>
-          <p:cNvPr id="2" name="Slide Image Placeholder 1"/>
-          <p:cNvSpPr>
-            <a:spLocks noGrp="1" noRot="1" noChangeAspect="1"/>
-          </p:cNvSpPr>
-          <p:nvPr>
-            <p:ph type="sldImg"/>
-          </p:nvPr>
-        </p:nvSpPr>
-        <p:spPr/>
-      </p:sp>
-      <p:sp>
-        <p:nvSpPr>
-          <p:cNvPr id="3" name="Notes Placeholder 2"/>
-          <p:cNvSpPr>
-            <a:spLocks noGrp="1"/>
-          </p:cNvSpPr>
-          <p:nvPr>
-            <p:ph type="body" idx="1"/>
-          </p:nvPr>
-        </p:nvSpPr>
-        <p:spPr/>
-        <p:txBody>
-          <a:bodyPr/>
-          <a:lstStyle/>
-          <a:p>
-            <a:endParaRPr lang="en-US" dirty="0"/>
-          </a:p>
-        </p:txBody>
-      </p:sp>
-      <p:sp>
-        <p:nvSpPr>
-          <p:cNvPr id="4" name="Slide Number Placeholder 3"/>
-          <p:cNvSpPr>
-            <a:spLocks noGrp="1"/>
-          </p:cNvSpPr>
-          <p:nvPr>
-            <p:ph type="sldNum" sz="quarter" idx="10"/>
-          </p:nvPr>
-        </p:nvSpPr>
-        <p:spPr/>
-        <p:txBody>
-          <a:bodyPr/>
-          <a:lstStyle/>
-          <a:p>
-            <a:pPr>
-              <a:defRPr/>
-            </a:pPr>
-            <a:fld id="{57BE7C63-45E8-3348-B2F7-0B0BBCE77ABE}" type="slidenum">
-              <a:rPr lang="en-US" smtClean="0"/>
-              <a:pPr>
-                <a:defRPr/>
-              </a:pPr>
-              <a:t>31</a:t>
-            </a:fld>
-            <a:endParaRPr lang="en-US"/>
-          </a:p>
-        </p:txBody>
-      </p:sp>
-    </p:spTree>
-    <p:extLst>
-      <p:ext uri="{BB962C8B-B14F-4D97-AF65-F5344CB8AC3E}">
-        <p14:creationId xmlns:p14="http://schemas.microsoft.com/office/powerpoint/2010/main" val="1074296804"/>
       </p:ext>
     </p:extLst>
   </p:cSld>
@@ -3315,7 +2533,7 @@
           <a:bodyPr/>
           <a:lstStyle/>
           <a:p>
-            <a:endParaRPr lang="en-US" dirty="0"/>
+            <a:endParaRPr lang="en-US"/>
           </a:p>
         </p:txBody>
       </p:sp>
@@ -3342,7 +2560,7 @@
               <a:pPr>
                 <a:defRPr/>
               </a:pPr>
-              <a:t>10</a:t>
+              <a:t>12</a:t>
             </a:fld>
             <a:endParaRPr lang="en-US"/>
           </a:p>
@@ -3351,7 +2569,7 @@
     </p:spTree>
     <p:extLst>
       <p:ext uri="{BB962C8B-B14F-4D97-AF65-F5344CB8AC3E}">
-        <p14:creationId xmlns:p14="http://schemas.microsoft.com/office/powerpoint/2010/main" val="3499962080"/>
+        <p14:creationId xmlns:p14="http://schemas.microsoft.com/office/powerpoint/2010/main" val="647879782"/>
       </p:ext>
     </p:extLst>
   </p:cSld>
@@ -3407,27 +2625,89 @@
           <a:p>
             <a:r>
               <a:rPr lang="en-US" dirty="0" smtClean="0"/>
-              <a:t>the basis of </a:t>
-            </a:r>
+              <a:t>single</a:t>
+            </a:r>
+            <a:r>
+              <a:rPr lang="en-US" baseline="0" dirty="0" smtClean="0"/>
+              <a:t> data table that correctly represents relational frequencies</a:t>
+            </a:r>
+          </a:p>
+          <a:p>
+            <a:r>
+              <a:rPr lang="en-US" dirty="0" smtClean="0"/>
+              <a:t>Riedel, S.; Yao, L.; McCallum, A. &amp; Marlin, B. M. (2013), Relation Extraction with Matrix Factorization and Universal Schemas, </a:t>
+            </a:r>
+            <a:r>
+              <a:rPr lang="en-US" i="1" dirty="0" smtClean="0"/>
+              <a:t>in 'Human Language Technologies-NAACL', pp. 74--84.</a:t>
+            </a:r>
+          </a:p>
+          <a:p>
+            <a:r>
+              <a:rPr lang="en-US" dirty="0" smtClean="0"/>
+              <a:t>Schulte, O. (2011), A tractable pseudo-likelihood function for Bayes Nets applied to relational data, </a:t>
+            </a:r>
+            <a:r>
+              <a:rPr lang="en-US" i="1" dirty="0" smtClean="0"/>
+              <a:t>in 'SIAM SDM', pp. 462-473.</a:t>
+            </a:r>
+          </a:p>
+          <a:p>
+            <a:pPr marL="0" marR="0" indent="0" algn="l" defTabSz="457200" rtl="0" eaLnBrk="0" fontAlgn="base" latinLnBrk="0" hangingPunct="0">
+              <a:lnSpc>
+                <a:spcPct val="100000"/>
+              </a:lnSpc>
+              <a:spcBef>
+                <a:spcPct val="30000"/>
+              </a:spcBef>
+              <a:spcAft>
+                <a:spcPct val="0"/>
+              </a:spcAft>
+              <a:buClrTx/>
+              <a:buSzTx/>
+              <a:buFontTx/>
+              <a:buNone/>
+              <a:tabLst/>
+              <a:defRPr/>
+            </a:pPr>
             <a:r>
               <a:rPr lang="en-US" dirty="0" err="1" smtClean="0"/>
-              <a:t>i.i.d</a:t>
+              <a:t>Raedt</a:t>
             </a:r>
             <a:r>
               <a:rPr lang="en-US" dirty="0" smtClean="0"/>
-              <a:t>. learning are</a:t>
-            </a:r>
-            <a:r>
-              <a:rPr lang="en-US" baseline="0" dirty="0" smtClean="0"/>
-              <a:t> frequencies observed in a sample</a:t>
-            </a:r>
-          </a:p>
-          <a:p>
-            <a:r>
-              <a:rPr lang="en-US" baseline="0" dirty="0" smtClean="0"/>
-              <a:t>the basis of relational learning are frequencies observed in a database</a:t>
-            </a:r>
-            <a:endParaRPr lang="en-US" dirty="0"/>
+              <a:t>, L. D. (1998), Attribute-Value Learning Versus Inductive Logic Programming: The Missing Links (Extended Abstract), </a:t>
+            </a:r>
+            <a:r>
+              <a:rPr lang="en-US" i="1" dirty="0" smtClean="0"/>
+              <a:t>in David Page, ed., 'ILP', Springer, , pp. 1-8</a:t>
+            </a:r>
+          </a:p>
+          <a:p>
+            <a:endParaRPr lang="en-US" dirty="0" smtClean="0"/>
+          </a:p>
+          <a:p>
+            <a:pPr marL="0" marR="0" indent="0" algn="l" defTabSz="457200" rtl="0" eaLnBrk="0" fontAlgn="base" latinLnBrk="0" hangingPunct="0">
+              <a:lnSpc>
+                <a:spcPct val="100000"/>
+              </a:lnSpc>
+              <a:spcBef>
+                <a:spcPct val="30000"/>
+              </a:spcBef>
+              <a:spcAft>
+                <a:spcPct val="0"/>
+              </a:spcAft>
+              <a:buClrTx/>
+              <a:buSzTx/>
+              <a:buFontTx/>
+              <a:buNone/>
+              <a:tabLst/>
+              <a:defRPr/>
+            </a:pPr>
+            <a:endParaRPr lang="en-US" dirty="0" smtClean="0"/>
+          </a:p>
+          <a:p>
+            <a:endParaRPr lang="en-US" baseline="0" dirty="0" smtClean="0"/>
           </a:p>
         </p:txBody>
       </p:sp>
@@ -3454,7 +2734,7 @@
               <a:pPr>
                 <a:defRPr/>
               </a:pPr>
-              <a:t>12</a:t>
+              <a:t>14</a:t>
             </a:fld>
             <a:endParaRPr lang="en-US"/>
           </a:p>
@@ -3463,7 +2743,7 @@
     </p:spTree>
     <p:extLst>
       <p:ext uri="{BB962C8B-B14F-4D97-AF65-F5344CB8AC3E}">
-        <p14:creationId xmlns:p14="http://schemas.microsoft.com/office/powerpoint/2010/main" val="1175023020"/>
+        <p14:creationId xmlns:p14="http://schemas.microsoft.com/office/powerpoint/2010/main" val="1511732372"/>
       </p:ext>
     </p:extLst>
   </p:cSld>
@@ -3517,7 +2797,14 @@
           <a:bodyPr/>
           <a:lstStyle/>
           <a:p>
-            <a:endParaRPr lang="en-US"/>
+            <a:r>
+              <a:rPr lang="en-US" dirty="0" smtClean="0"/>
+              <a:t>Population Variables</a:t>
+            </a:r>
+            <a:r>
+              <a:rPr lang="en-US" baseline="0" dirty="0" smtClean="0"/>
+              <a:t> are uniformly and independently distributed</a:t>
+            </a:r>
           </a:p>
         </p:txBody>
       </p:sp>
@@ -3544,7 +2831,7 @@
               <a:pPr>
                 <a:defRPr/>
               </a:pPr>
-              <a:t>13</a:t>
+              <a:t>15</a:t>
             </a:fld>
             <a:endParaRPr lang="en-US"/>
           </a:p>
@@ -3553,7 +2840,7 @@
     </p:spTree>
     <p:extLst>
       <p:ext uri="{BB962C8B-B14F-4D97-AF65-F5344CB8AC3E}">
-        <p14:creationId xmlns:p14="http://schemas.microsoft.com/office/powerpoint/2010/main" val="647879782"/>
+        <p14:creationId xmlns:p14="http://schemas.microsoft.com/office/powerpoint/2010/main" val="1511732372"/>
       </p:ext>
     </p:extLst>
   </p:cSld>
@@ -3985,7 +3272,7 @@
               <a:pPr>
                 <a:defRPr/>
               </a:pPr>
-              <a:t>2016-09-23</a:t>
+              <a:t>16-09-11</a:t>
             </a:fld>
             <a:endParaRPr lang="en-US"/>
           </a:p>
@@ -4182,7 +3469,7 @@
               <a:pPr>
                 <a:defRPr/>
               </a:pPr>
-              <a:t>2016-09-23</a:t>
+              <a:t>16-09-11</a:t>
             </a:fld>
             <a:endParaRPr lang="en-US"/>
           </a:p>
@@ -4393,7 +3680,7 @@
               <a:pPr>
                 <a:defRPr/>
               </a:pPr>
-              <a:t>2016-09-23</a:t>
+              <a:t>16-09-11</a:t>
             </a:fld>
             <a:endParaRPr lang="en-US"/>
           </a:p>
@@ -4599,7 +3886,7 @@
               <a:pPr>
                 <a:defRPr/>
               </a:pPr>
-              <a:t>2016-09-23</a:t>
+              <a:t>16-09-11</a:t>
             </a:fld>
             <a:endParaRPr lang="en-US"/>
           </a:p>
@@ -5118,7 +4405,7 @@
               <a:pPr>
                 <a:defRPr/>
               </a:pPr>
-              <a:t>2016-09-23</a:t>
+              <a:t>16-09-11</a:t>
             </a:fld>
             <a:endParaRPr lang="en-US"/>
           </a:p>
@@ -5387,7 +4674,7 @@
               <a:pPr>
                 <a:defRPr/>
               </a:pPr>
-              <a:t>2016-09-23</a:t>
+              <a:t>16-09-11</a:t>
             </a:fld>
             <a:endParaRPr lang="en-US"/>
           </a:p>
@@ -5785,7 +5072,7 @@
               <a:pPr>
                 <a:defRPr/>
               </a:pPr>
-              <a:t>2016-09-23</a:t>
+              <a:t>16-09-11</a:t>
             </a:fld>
             <a:endParaRPr lang="en-US"/>
           </a:p>
@@ -5934,7 +5221,7 @@
               <a:pPr>
                 <a:defRPr/>
               </a:pPr>
-              <a:t>2016-09-23</a:t>
+              <a:t>16-09-11</a:t>
             </a:fld>
             <a:endParaRPr lang="en-US"/>
           </a:p>
@@ -6060,7 +5347,7 @@
               <a:pPr>
                 <a:defRPr/>
               </a:pPr>
-              <a:t>2016-09-23</a:t>
+              <a:t>16-09-11</a:t>
             </a:fld>
             <a:endParaRPr lang="en-US"/>
           </a:p>
@@ -6436,7 +5723,7 @@
               <a:pPr>
                 <a:defRPr/>
               </a:pPr>
-              <a:t>2016-09-23</a:t>
+              <a:t>16-09-11</a:t>
             </a:fld>
             <a:endParaRPr lang="en-US"/>
           </a:p>
@@ -6859,7 +6146,7 @@
               <a:pPr>
                 <a:defRPr/>
               </a:pPr>
-              <a:t>2016-09-23</a:t>
+              <a:t>16-09-11</a:t>
             </a:fld>
             <a:endParaRPr lang="en-US"/>
           </a:p>
@@ -7279,7 +6566,7 @@
               <a:pPr>
                 <a:defRPr/>
               </a:pPr>
-              <a:t>2016-09-23</a:t>
+              <a:t>16-09-11</a:t>
             </a:fld>
             <a:endParaRPr lang="en-US"/>
           </a:p>
@@ -8088,1085 +7375,10 @@
   <p:clrMapOvr>
     <a:masterClrMapping/>
   </p:clrMapOvr>
-  <p:timing>
-    <p:tnLst>
-      <p:par>
-        <p:cTn xmlns:p14="http://schemas.microsoft.com/office/powerpoint/2010/main" id="1" dur="indefinite" restart="never" nodeType="tmRoot"/>
-      </p:par>
-    </p:tnLst>
-  </p:timing>
 </p:sld>
 </file>
 
 <file path=ppt/slides/slide10.xml><?xml version="1.0" encoding="utf-8"?>
-<p:sld xmlns:a="http://schemas.openxmlformats.org/drawingml/2006/main" xmlns:r="http://schemas.openxmlformats.org/officeDocument/2006/relationships" xmlns:p="http://schemas.openxmlformats.org/presentationml/2006/main">
-  <p:cSld>
-    <p:spTree>
-      <p:nvGrpSpPr>
-        <p:cNvPr id="1" name=""/>
-        <p:cNvGrpSpPr/>
-        <p:nvPr/>
-      </p:nvGrpSpPr>
-      <p:grpSpPr>
-        <a:xfrm>
-          <a:off x="0" y="0"/>
-          <a:ext cx="0" cy="0"/>
-          <a:chOff x="0" y="0"/>
-          <a:chExt cx="0" cy="0"/>
-        </a:xfrm>
-      </p:grpSpPr>
-      <p:sp>
-        <p:nvSpPr>
-          <p:cNvPr id="2" name="Title 1"/>
-          <p:cNvSpPr>
-            <a:spLocks noGrp="1"/>
-          </p:cNvSpPr>
-          <p:nvPr>
-            <p:ph type="title"/>
-          </p:nvPr>
-        </p:nvSpPr>
-        <p:spPr>
-          <a:xfrm>
-            <a:off x="914400" y="274638"/>
-            <a:ext cx="7772400" cy="779462"/>
-          </a:xfrm>
-        </p:spPr>
-        <p:txBody>
-          <a:bodyPr/>
-          <a:lstStyle/>
-          <a:p>
-            <a:r>
-              <a:rPr lang="en-US" dirty="0" smtClean="0"/>
-              <a:t>Network View: </a:t>
-            </a:r>
-            <a:r>
-              <a:rPr lang="en-US" dirty="0" smtClean="0"/>
-              <a:t>Formula = Template</a:t>
-            </a:r>
-            <a:endParaRPr lang="en-US" dirty="0"/>
-          </a:p>
-        </p:txBody>
-      </p:sp>
-      <p:sp>
-        <p:nvSpPr>
-          <p:cNvPr id="3" name="Content Placeholder 2"/>
-          <p:cNvSpPr>
-            <a:spLocks noGrp="1"/>
-          </p:cNvSpPr>
-          <p:nvPr>
-            <p:ph sz="quarter" idx="1"/>
-          </p:nvPr>
-        </p:nvSpPr>
-        <p:spPr>
-          <a:xfrm>
-            <a:off x="787400" y="1092200"/>
-            <a:ext cx="7772400" cy="1587500"/>
-          </a:xfrm>
-        </p:spPr>
-        <p:txBody>
-          <a:bodyPr/>
-          <a:lstStyle/>
-          <a:p>
-            <a:r>
-              <a:rPr lang="en-US" dirty="0" smtClean="0"/>
-              <a:t>A conjunctive formula can be viewed as specifying a type of </a:t>
-            </a:r>
-            <a:r>
-              <a:rPr lang="en-US" dirty="0" err="1" smtClean="0"/>
-              <a:t>subgraph</a:t>
-            </a:r>
-            <a:r>
-              <a:rPr lang="en-US" dirty="0" smtClean="0"/>
-              <a:t> in the </a:t>
-            </a:r>
-            <a:r>
-              <a:rPr lang="en-US" dirty="0" err="1" smtClean="0"/>
-              <a:t>Gaifman</a:t>
-            </a:r>
-            <a:r>
-              <a:rPr lang="en-US" dirty="0" smtClean="0"/>
-              <a:t> </a:t>
-            </a:r>
-            <a:r>
-              <a:rPr lang="en-US" dirty="0" smtClean="0"/>
-              <a:t>graph</a:t>
-            </a:r>
-          </a:p>
-          <a:p>
-            <a:pPr lvl="1"/>
-            <a:r>
-              <a:rPr lang="en-US" dirty="0" smtClean="0"/>
-              <a:t>e.g. the pattern ActsIn</a:t>
-            </a:r>
-            <a:r>
-              <a:rPr lang="en-US" dirty="0"/>
-              <a:t>(Actor, Movie) = T, gender(Actor) = </a:t>
-            </a:r>
-            <a:r>
-              <a:rPr lang="en-US" dirty="0" smtClean="0"/>
-              <a:t>W occurs twice</a:t>
-            </a:r>
-            <a:endParaRPr lang="en-US" dirty="0"/>
-          </a:p>
-          <a:p>
-            <a:pPr lvl="1"/>
-            <a:endParaRPr lang="en-US" dirty="0"/>
-          </a:p>
-        </p:txBody>
-      </p:sp>
-      <p:sp>
-        <p:nvSpPr>
-          <p:cNvPr id="4" name="Footer Placeholder 3"/>
-          <p:cNvSpPr>
-            <a:spLocks noGrp="1"/>
-          </p:cNvSpPr>
-          <p:nvPr>
-            <p:ph type="ftr" sz="quarter" idx="11"/>
-          </p:nvPr>
-        </p:nvSpPr>
-        <p:spPr/>
-        <p:txBody>
-          <a:bodyPr/>
-          <a:lstStyle/>
-          <a:p>
-            <a:pPr>
-              <a:defRPr/>
-            </a:pPr>
-            <a:r>
-              <a:rPr lang="en-US" smtClean="0"/>
-              <a:t>Learning Bayesian Networks for Complex Relational Data</a:t>
-            </a:r>
-            <a:endParaRPr lang="en-US" dirty="0"/>
-          </a:p>
-        </p:txBody>
-      </p:sp>
-      <p:pic>
-        <p:nvPicPr>
-          <p:cNvPr id="6" name="Picture 5" descr="fargo.jpeg"/>
-          <p:cNvPicPr>
-            <a:picLocks noChangeAspect="1"/>
-          </p:cNvPicPr>
-          <p:nvPr/>
-        </p:nvPicPr>
-        <p:blipFill>
-          <a:blip r:embed="rId3">
-            <a:extLst>
-              <a:ext uri="{28A0092B-C50C-407E-A947-70E740481C1C}">
-                <a14:useLocalDpi xmlns:a14="http://schemas.microsoft.com/office/drawing/2010/main" val="0"/>
-              </a:ext>
-            </a:extLst>
-          </a:blip>
-          <a:stretch>
-            <a:fillRect/>
-          </a:stretch>
-        </p:blipFill>
-        <p:spPr>
-          <a:xfrm>
-            <a:off x="2472031" y="4866525"/>
-            <a:ext cx="656146" cy="873895"/>
-          </a:xfrm>
-          <a:prstGeom prst="rect">
-            <a:avLst/>
-          </a:prstGeom>
-        </p:spPr>
-      </p:pic>
-      <p:pic>
-        <p:nvPicPr>
-          <p:cNvPr id="7" name="Picture 6" descr="kill-bill.jpeg"/>
-          <p:cNvPicPr>
-            <a:picLocks noChangeAspect="1"/>
-          </p:cNvPicPr>
-          <p:nvPr/>
-        </p:nvPicPr>
-        <p:blipFill>
-          <a:blip r:embed="rId4">
-            <a:extLst>
-              <a:ext uri="{28A0092B-C50C-407E-A947-70E740481C1C}">
-                <a14:useLocalDpi xmlns:a14="http://schemas.microsoft.com/office/drawing/2010/main" val="0"/>
-              </a:ext>
-            </a:extLst>
-          </a:blip>
-          <a:stretch>
-            <a:fillRect/>
-          </a:stretch>
-        </p:blipFill>
-        <p:spPr>
-          <a:xfrm>
-            <a:off x="4893191" y="4904312"/>
-            <a:ext cx="576073" cy="798321"/>
-          </a:xfrm>
-          <a:prstGeom prst="rect">
-            <a:avLst/>
-          </a:prstGeom>
-        </p:spPr>
-      </p:pic>
-      <p:pic>
-        <p:nvPicPr>
-          <p:cNvPr id="8" name="Picture 7" descr="pitt.jpeg"/>
-          <p:cNvPicPr>
-            <a:picLocks noChangeAspect="1"/>
-          </p:cNvPicPr>
-          <p:nvPr/>
-        </p:nvPicPr>
-        <p:blipFill>
-          <a:blip r:embed="rId5">
-            <a:extLst>
-              <a:ext uri="{28A0092B-C50C-407E-A947-70E740481C1C}">
-                <a14:useLocalDpi xmlns:a14="http://schemas.microsoft.com/office/drawing/2010/main" val="0"/>
-              </a:ext>
-            </a:extLst>
-          </a:blip>
-          <a:stretch>
-            <a:fillRect/>
-          </a:stretch>
-        </p:blipFill>
-        <p:spPr>
-          <a:xfrm>
-            <a:off x="1380940" y="3423425"/>
-            <a:ext cx="615062" cy="798800"/>
-          </a:xfrm>
-          <a:prstGeom prst="rect">
-            <a:avLst/>
-          </a:prstGeom>
-        </p:spPr>
-      </p:pic>
-      <p:pic>
-        <p:nvPicPr>
-          <p:cNvPr id="9" name="Picture 8" descr="buscemi.jpeg"/>
-          <p:cNvPicPr>
-            <a:picLocks noChangeAspect="1"/>
-          </p:cNvPicPr>
-          <p:nvPr/>
-        </p:nvPicPr>
-        <p:blipFill>
-          <a:blip r:embed="rId6">
-            <a:extLst>
-              <a:ext uri="{28A0092B-C50C-407E-A947-70E740481C1C}">
-                <a14:useLocalDpi xmlns:a14="http://schemas.microsoft.com/office/drawing/2010/main" val="0"/>
-              </a:ext>
-            </a:extLst>
-          </a:blip>
-          <a:stretch>
-            <a:fillRect/>
-          </a:stretch>
-        </p:blipFill>
-        <p:spPr>
-          <a:xfrm>
-            <a:off x="2472031" y="3417671"/>
-            <a:ext cx="616079" cy="810307"/>
-          </a:xfrm>
-          <a:prstGeom prst="rect">
-            <a:avLst/>
-          </a:prstGeom>
-        </p:spPr>
-      </p:pic>
-      <p:pic>
-        <p:nvPicPr>
-          <p:cNvPr id="10" name="Picture 9" descr="thurman.jpeg"/>
-          <p:cNvPicPr>
-            <a:picLocks noChangeAspect="1"/>
-          </p:cNvPicPr>
-          <p:nvPr/>
-        </p:nvPicPr>
-        <p:blipFill>
-          <a:blip r:embed="rId7">
-            <a:extLst>
-              <a:ext uri="{28A0092B-C50C-407E-A947-70E740481C1C}">
-                <a14:useLocalDpi xmlns:a14="http://schemas.microsoft.com/office/drawing/2010/main" val="0"/>
-              </a:ext>
-            </a:extLst>
-          </a:blip>
-          <a:stretch>
-            <a:fillRect/>
-          </a:stretch>
-        </p:blipFill>
-        <p:spPr>
-          <a:xfrm>
-            <a:off x="4022359" y="3423425"/>
-            <a:ext cx="615062" cy="798800"/>
-          </a:xfrm>
-          <a:prstGeom prst="rect">
-            <a:avLst/>
-          </a:prstGeom>
-        </p:spPr>
-      </p:pic>
-      <p:pic>
-        <p:nvPicPr>
-          <p:cNvPr id="11" name="Picture 10" descr="lucy.jpeg"/>
-          <p:cNvPicPr>
-            <a:picLocks noChangeAspect="1"/>
-          </p:cNvPicPr>
-          <p:nvPr/>
-        </p:nvPicPr>
-        <p:blipFill>
-          <a:blip r:embed="rId8">
-            <a:extLst>
-              <a:ext uri="{28A0092B-C50C-407E-A947-70E740481C1C}">
-                <a14:useLocalDpi xmlns:a14="http://schemas.microsoft.com/office/drawing/2010/main" val="0"/>
-              </a:ext>
-            </a:extLst>
-          </a:blip>
-          <a:stretch>
-            <a:fillRect/>
-          </a:stretch>
-        </p:blipFill>
-        <p:spPr>
-          <a:xfrm>
-            <a:off x="6037710" y="3423425"/>
-            <a:ext cx="584000" cy="768114"/>
-          </a:xfrm>
-          <a:prstGeom prst="rect">
-            <a:avLst/>
-          </a:prstGeom>
-        </p:spPr>
-      </p:pic>
-      <p:cxnSp>
-        <p:nvCxnSpPr>
-          <p:cNvPr id="12" name="Straight Connector 11"/>
-          <p:cNvCxnSpPr>
-            <a:stCxn id="9" idx="2"/>
-            <a:endCxn id="6" idx="0"/>
-          </p:cNvCxnSpPr>
-          <p:nvPr/>
-        </p:nvCxnSpPr>
-        <p:spPr>
-          <a:xfrm>
-            <a:off x="2780071" y="4227979"/>
-            <a:ext cx="20033" cy="638546"/>
-          </a:xfrm>
-          <a:prstGeom prst="line">
-            <a:avLst/>
-          </a:prstGeom>
-        </p:spPr>
-        <p:style>
-          <a:lnRef idx="2">
-            <a:schemeClr val="accent1"/>
-          </a:lnRef>
-          <a:fillRef idx="0">
-            <a:schemeClr val="accent1"/>
-          </a:fillRef>
-          <a:effectRef idx="1">
-            <a:schemeClr val="accent1"/>
-          </a:effectRef>
-          <a:fontRef idx="minor">
-            <a:schemeClr val="tx1"/>
-          </a:fontRef>
-        </p:style>
-      </p:cxnSp>
-      <p:cxnSp>
-        <p:nvCxnSpPr>
-          <p:cNvPr id="13" name="Straight Connector 12"/>
-          <p:cNvCxnSpPr>
-            <a:stCxn id="10" idx="2"/>
-            <a:endCxn id="7" idx="0"/>
-          </p:cNvCxnSpPr>
-          <p:nvPr/>
-        </p:nvCxnSpPr>
-        <p:spPr>
-          <a:xfrm>
-            <a:off x="4329891" y="4222225"/>
-            <a:ext cx="851337" cy="682088"/>
-          </a:xfrm>
-          <a:prstGeom prst="line">
-            <a:avLst/>
-          </a:prstGeom>
-        </p:spPr>
-        <p:style>
-          <a:lnRef idx="2">
-            <a:schemeClr val="accent1"/>
-          </a:lnRef>
-          <a:fillRef idx="0">
-            <a:schemeClr val="accent1"/>
-          </a:fillRef>
-          <a:effectRef idx="1">
-            <a:schemeClr val="accent1"/>
-          </a:effectRef>
-          <a:fontRef idx="minor">
-            <a:schemeClr val="tx1"/>
-          </a:fontRef>
-        </p:style>
-      </p:cxnSp>
-      <p:cxnSp>
-        <p:nvCxnSpPr>
-          <p:cNvPr id="14" name="Straight Connector 13"/>
-          <p:cNvCxnSpPr>
-            <a:stCxn id="11" idx="2"/>
-            <a:endCxn id="7" idx="0"/>
-          </p:cNvCxnSpPr>
-          <p:nvPr/>
-        </p:nvCxnSpPr>
-        <p:spPr>
-          <a:xfrm flipH="1">
-            <a:off x="5181228" y="4191539"/>
-            <a:ext cx="1148482" cy="712773"/>
-          </a:xfrm>
-          <a:prstGeom prst="line">
-            <a:avLst/>
-          </a:prstGeom>
-        </p:spPr>
-        <p:style>
-          <a:lnRef idx="2">
-            <a:schemeClr val="accent1"/>
-          </a:lnRef>
-          <a:fillRef idx="0">
-            <a:schemeClr val="accent1"/>
-          </a:fillRef>
-          <a:effectRef idx="1">
-            <a:schemeClr val="accent1"/>
-          </a:effectRef>
-          <a:fontRef idx="minor">
-            <a:schemeClr val="tx1"/>
-          </a:fontRef>
-        </p:style>
-      </p:cxnSp>
-      <p:sp>
-        <p:nvSpPr>
-          <p:cNvPr id="15" name="TextBox 14"/>
-          <p:cNvSpPr txBox="1"/>
-          <p:nvPr/>
-        </p:nvSpPr>
-        <p:spPr>
-          <a:xfrm>
-            <a:off x="1609279" y="4350315"/>
-            <a:ext cx="1170792" cy="369332"/>
-          </a:xfrm>
-          <a:prstGeom prst="rect">
-            <a:avLst/>
-          </a:prstGeom>
-          <a:noFill/>
-        </p:spPr>
-        <p:txBody>
-          <a:bodyPr wrap="square" rtlCol="0">
-            <a:spAutoFit/>
-          </a:bodyPr>
-          <a:lstStyle/>
-          <a:p>
-            <a:r>
-              <a:rPr lang="en-US" dirty="0" smtClean="0">
-                <a:solidFill>
-                  <a:srgbClr val="FF0000"/>
-                </a:solidFill>
-              </a:rPr>
-              <a:t>$500,000</a:t>
-            </a:r>
-            <a:endParaRPr lang="en-US" dirty="0">
-              <a:solidFill>
-                <a:srgbClr val="FF0000"/>
-              </a:solidFill>
-            </a:endParaRPr>
-          </a:p>
-        </p:txBody>
-      </p:sp>
-      <p:sp>
-        <p:nvSpPr>
-          <p:cNvPr id="16" name="TextBox 15"/>
-          <p:cNvSpPr txBox="1"/>
-          <p:nvPr/>
-        </p:nvSpPr>
-        <p:spPr>
-          <a:xfrm>
-            <a:off x="3632837" y="4492643"/>
-            <a:ext cx="1354350" cy="369332"/>
-          </a:xfrm>
-          <a:prstGeom prst="rect">
-            <a:avLst/>
-          </a:prstGeom>
-          <a:noFill/>
-        </p:spPr>
-        <p:txBody>
-          <a:bodyPr wrap="square" rtlCol="0">
-            <a:spAutoFit/>
-          </a:bodyPr>
-          <a:lstStyle/>
-          <a:p>
-            <a:r>
-              <a:rPr lang="en-US" dirty="0" smtClean="0">
-                <a:solidFill>
-                  <a:srgbClr val="FF0000"/>
-                </a:solidFill>
-              </a:rPr>
-              <a:t>$5,000,000</a:t>
-            </a:r>
-            <a:endParaRPr lang="en-US" dirty="0">
-              <a:solidFill>
-                <a:srgbClr val="FF0000"/>
-              </a:solidFill>
-            </a:endParaRPr>
-          </a:p>
-        </p:txBody>
-      </p:sp>
-      <p:sp>
-        <p:nvSpPr>
-          <p:cNvPr id="17" name="TextBox 16"/>
-          <p:cNvSpPr txBox="1"/>
-          <p:nvPr/>
-        </p:nvSpPr>
-        <p:spPr>
-          <a:xfrm>
-            <a:off x="5539483" y="4534981"/>
-            <a:ext cx="1580454" cy="369332"/>
-          </a:xfrm>
-          <a:prstGeom prst="rect">
-            <a:avLst/>
-          </a:prstGeom>
-          <a:noFill/>
-        </p:spPr>
-        <p:txBody>
-          <a:bodyPr wrap="square" rtlCol="0">
-            <a:spAutoFit/>
-          </a:bodyPr>
-          <a:lstStyle/>
-          <a:p>
-            <a:r>
-              <a:rPr lang="en-US" dirty="0" smtClean="0">
-                <a:solidFill>
-                  <a:srgbClr val="FF0000"/>
-                </a:solidFill>
-              </a:rPr>
-              <a:t>$2,000,000</a:t>
-            </a:r>
-            <a:endParaRPr lang="en-US" dirty="0">
-              <a:solidFill>
-                <a:srgbClr val="FF0000"/>
-              </a:solidFill>
-            </a:endParaRPr>
-          </a:p>
-        </p:txBody>
-      </p:sp>
-      <p:sp>
-        <p:nvSpPr>
-          <p:cNvPr id="18" name="TextBox 17"/>
-          <p:cNvSpPr txBox="1"/>
-          <p:nvPr/>
-        </p:nvSpPr>
-        <p:spPr>
-          <a:xfrm>
-            <a:off x="540354" y="2811526"/>
-            <a:ext cx="1681173" cy="584776"/>
-          </a:xfrm>
-          <a:prstGeom prst="rect">
-            <a:avLst/>
-          </a:prstGeom>
-          <a:noFill/>
-        </p:spPr>
-        <p:txBody>
-          <a:bodyPr wrap="square" rtlCol="0">
-            <a:spAutoFit/>
-          </a:bodyPr>
-          <a:lstStyle/>
-          <a:p>
-            <a:r>
-              <a:rPr lang="en-US" sz="1600" dirty="0" smtClean="0">
-                <a:solidFill>
-                  <a:srgbClr val="3366FF"/>
-                </a:solidFill>
-              </a:rPr>
-              <a:t>gender</a:t>
-            </a:r>
-            <a:r>
-              <a:rPr lang="en-US" sz="1600" dirty="0" smtClean="0"/>
-              <a:t> = </a:t>
-            </a:r>
-            <a:r>
-              <a:rPr lang="en-US" sz="1600" dirty="0" smtClean="0">
-                <a:solidFill>
-                  <a:srgbClr val="FF0000"/>
-                </a:solidFill>
-              </a:rPr>
-              <a:t>Man</a:t>
-            </a:r>
-          </a:p>
-          <a:p>
-            <a:r>
-              <a:rPr lang="en-US" sz="1600" dirty="0" smtClean="0">
-                <a:solidFill>
-                  <a:schemeClr val="accent1"/>
-                </a:solidFill>
-              </a:rPr>
-              <a:t>country</a:t>
-            </a:r>
-            <a:r>
-              <a:rPr lang="en-US" sz="1600" dirty="0" smtClean="0"/>
-              <a:t> = </a:t>
-            </a:r>
-            <a:r>
-              <a:rPr lang="en-US" sz="1600" dirty="0" smtClean="0">
-                <a:solidFill>
-                  <a:srgbClr val="FF0000"/>
-                </a:solidFill>
-              </a:rPr>
-              <a:t>U.S.</a:t>
-            </a:r>
-            <a:endParaRPr lang="en-US" sz="1600" dirty="0">
-              <a:solidFill>
-                <a:srgbClr val="FF0000"/>
-              </a:solidFill>
-            </a:endParaRPr>
-          </a:p>
-        </p:txBody>
-      </p:sp>
-      <p:sp>
-        <p:nvSpPr>
-          <p:cNvPr id="19" name="TextBox 18"/>
-          <p:cNvSpPr txBox="1"/>
-          <p:nvPr/>
-        </p:nvSpPr>
-        <p:spPr>
-          <a:xfrm>
-            <a:off x="2171701" y="2811526"/>
-            <a:ext cx="1850658" cy="584776"/>
-          </a:xfrm>
-          <a:prstGeom prst="rect">
-            <a:avLst/>
-          </a:prstGeom>
-          <a:noFill/>
-        </p:spPr>
-        <p:txBody>
-          <a:bodyPr wrap="square" rtlCol="0">
-            <a:spAutoFit/>
-          </a:bodyPr>
-          <a:lstStyle/>
-          <a:p>
-            <a:r>
-              <a:rPr lang="en-US" sz="1600" dirty="0" smtClean="0">
-                <a:solidFill>
-                  <a:srgbClr val="3366FF"/>
-                </a:solidFill>
-              </a:rPr>
-              <a:t>gender</a:t>
-            </a:r>
-            <a:r>
-              <a:rPr lang="en-US" sz="1600" dirty="0" smtClean="0"/>
-              <a:t> </a:t>
-            </a:r>
-            <a:r>
-              <a:rPr lang="en-US" sz="1600" dirty="0" smtClean="0"/>
-              <a:t>= </a:t>
-            </a:r>
-            <a:r>
-              <a:rPr lang="en-US" sz="1600" dirty="0" smtClean="0">
-                <a:solidFill>
-                  <a:srgbClr val="FF0000"/>
-                </a:solidFill>
-              </a:rPr>
-              <a:t>Man</a:t>
-            </a:r>
-            <a:endParaRPr lang="en-US" sz="1600" dirty="0" smtClean="0">
-              <a:solidFill>
-                <a:srgbClr val="FF0000"/>
-              </a:solidFill>
-            </a:endParaRPr>
-          </a:p>
-          <a:p>
-            <a:r>
-              <a:rPr lang="en-US" sz="1600" dirty="0" smtClean="0">
-                <a:solidFill>
-                  <a:schemeClr val="accent1"/>
-                </a:solidFill>
-              </a:rPr>
-              <a:t>country</a:t>
-            </a:r>
-            <a:r>
-              <a:rPr lang="en-US" sz="1600" dirty="0" smtClean="0"/>
-              <a:t> = </a:t>
-            </a:r>
-            <a:r>
-              <a:rPr lang="en-US" sz="1600" dirty="0" smtClean="0">
-                <a:solidFill>
-                  <a:srgbClr val="FF0000"/>
-                </a:solidFill>
-              </a:rPr>
-              <a:t>U.S.</a:t>
-            </a:r>
-            <a:endParaRPr lang="en-US" sz="1600" dirty="0">
-              <a:solidFill>
-                <a:srgbClr val="FF0000"/>
-              </a:solidFill>
-            </a:endParaRPr>
-          </a:p>
-        </p:txBody>
-      </p:sp>
-      <p:sp>
-        <p:nvSpPr>
-          <p:cNvPr id="20" name="TextBox 19"/>
-          <p:cNvSpPr txBox="1"/>
-          <p:nvPr/>
-        </p:nvSpPr>
-        <p:spPr>
-          <a:xfrm>
-            <a:off x="3800046" y="2811526"/>
-            <a:ext cx="2016554" cy="584776"/>
-          </a:xfrm>
-          <a:prstGeom prst="rect">
-            <a:avLst/>
-          </a:prstGeom>
-          <a:noFill/>
-        </p:spPr>
-        <p:txBody>
-          <a:bodyPr wrap="square" rtlCol="0">
-            <a:spAutoFit/>
-          </a:bodyPr>
-          <a:lstStyle/>
-          <a:p>
-            <a:r>
-              <a:rPr lang="en-US" sz="1600" dirty="0" smtClean="0">
-                <a:solidFill>
-                  <a:srgbClr val="3366FF"/>
-                </a:solidFill>
-              </a:rPr>
-              <a:t>gender</a:t>
-            </a:r>
-            <a:r>
-              <a:rPr lang="en-US" sz="1600" dirty="0" smtClean="0"/>
-              <a:t> = </a:t>
-            </a:r>
-            <a:r>
-              <a:rPr lang="en-US" sz="1600" dirty="0" smtClean="0">
-                <a:solidFill>
-                  <a:srgbClr val="FF0000"/>
-                </a:solidFill>
-              </a:rPr>
-              <a:t>Woman</a:t>
-            </a:r>
-          </a:p>
-          <a:p>
-            <a:r>
-              <a:rPr lang="en-US" sz="1600" dirty="0" smtClean="0">
-                <a:solidFill>
-                  <a:schemeClr val="accent1"/>
-                </a:solidFill>
-              </a:rPr>
-              <a:t>country</a:t>
-            </a:r>
-            <a:r>
-              <a:rPr lang="en-US" sz="1600" dirty="0" smtClean="0"/>
-              <a:t> = </a:t>
-            </a:r>
-            <a:r>
-              <a:rPr lang="en-US" sz="1600" dirty="0" smtClean="0">
-                <a:solidFill>
-                  <a:srgbClr val="FF0000"/>
-                </a:solidFill>
-              </a:rPr>
-              <a:t>U.S.</a:t>
-            </a:r>
-            <a:endParaRPr lang="en-US" sz="1600" dirty="0">
-              <a:solidFill>
-                <a:srgbClr val="FF0000"/>
-              </a:solidFill>
-            </a:endParaRPr>
-          </a:p>
-        </p:txBody>
-      </p:sp>
-      <p:sp>
-        <p:nvSpPr>
-          <p:cNvPr id="21" name="TextBox 20"/>
-          <p:cNvSpPr txBox="1"/>
-          <p:nvPr/>
-        </p:nvSpPr>
-        <p:spPr>
-          <a:xfrm>
-            <a:off x="5740400" y="2811526"/>
-            <a:ext cx="2038606" cy="584776"/>
-          </a:xfrm>
-          <a:prstGeom prst="rect">
-            <a:avLst/>
-          </a:prstGeom>
-          <a:noFill/>
-        </p:spPr>
-        <p:txBody>
-          <a:bodyPr wrap="square" rtlCol="0">
-            <a:spAutoFit/>
-          </a:bodyPr>
-          <a:lstStyle/>
-          <a:p>
-            <a:r>
-              <a:rPr lang="en-US" sz="1600" dirty="0" smtClean="0">
-                <a:solidFill>
-                  <a:srgbClr val="3366FF"/>
-                </a:solidFill>
-              </a:rPr>
-              <a:t>gender</a:t>
-            </a:r>
-            <a:r>
-              <a:rPr lang="en-US" sz="1600" dirty="0" smtClean="0"/>
-              <a:t> </a:t>
-            </a:r>
-            <a:r>
-              <a:rPr lang="en-US" sz="1600" dirty="0" smtClean="0"/>
-              <a:t>=</a:t>
-            </a:r>
-            <a:r>
-              <a:rPr lang="en-US" sz="1600" dirty="0" smtClean="0">
-                <a:solidFill>
-                  <a:srgbClr val="FF0000"/>
-                </a:solidFill>
-              </a:rPr>
-              <a:t>Woman</a:t>
-            </a:r>
-            <a:endParaRPr lang="en-US" sz="1600" dirty="0" smtClean="0">
-              <a:solidFill>
-                <a:srgbClr val="FF0000"/>
-              </a:solidFill>
-            </a:endParaRPr>
-          </a:p>
-          <a:p>
-            <a:r>
-              <a:rPr lang="en-US" sz="1600" dirty="0" smtClean="0">
-                <a:solidFill>
-                  <a:schemeClr val="accent1"/>
-                </a:solidFill>
-              </a:rPr>
-              <a:t>country</a:t>
-            </a:r>
-            <a:r>
-              <a:rPr lang="en-US" sz="1600" dirty="0" smtClean="0"/>
-              <a:t> = </a:t>
-            </a:r>
-            <a:r>
-              <a:rPr lang="en-US" sz="1600" dirty="0" smtClean="0">
-                <a:solidFill>
-                  <a:srgbClr val="FF0000"/>
-                </a:solidFill>
-              </a:rPr>
-              <a:t>U.S.</a:t>
-            </a:r>
-            <a:endParaRPr lang="en-US" sz="1600" dirty="0">
-              <a:solidFill>
-                <a:srgbClr val="FF0000"/>
-              </a:solidFill>
-            </a:endParaRPr>
-          </a:p>
-        </p:txBody>
-      </p:sp>
-      <p:sp>
-        <p:nvSpPr>
-          <p:cNvPr id="22" name="TextBox 21"/>
-          <p:cNvSpPr txBox="1"/>
-          <p:nvPr/>
-        </p:nvSpPr>
-        <p:spPr>
-          <a:xfrm>
-            <a:off x="1380941" y="5770077"/>
-            <a:ext cx="2124259" cy="584776"/>
-          </a:xfrm>
-          <a:prstGeom prst="rect">
-            <a:avLst/>
-          </a:prstGeom>
-          <a:noFill/>
-        </p:spPr>
-        <p:txBody>
-          <a:bodyPr wrap="square" rtlCol="0">
-            <a:spAutoFit/>
-          </a:bodyPr>
-          <a:lstStyle/>
-          <a:p>
-            <a:r>
-              <a:rPr lang="en-US" sz="1600" dirty="0" smtClean="0">
-                <a:solidFill>
-                  <a:srgbClr val="3366FF"/>
-                </a:solidFill>
-              </a:rPr>
-              <a:t>runtime</a:t>
-            </a:r>
-            <a:r>
-              <a:rPr lang="en-US" sz="1600" dirty="0" smtClean="0"/>
-              <a:t> = </a:t>
-            </a:r>
-            <a:r>
-              <a:rPr lang="en-US" sz="1600" dirty="0" smtClean="0">
-                <a:solidFill>
-                  <a:srgbClr val="FF0000"/>
-                </a:solidFill>
-              </a:rPr>
-              <a:t>98 min</a:t>
-            </a:r>
-          </a:p>
-          <a:p>
-            <a:r>
-              <a:rPr lang="en-US" sz="1600" dirty="0" smtClean="0">
-                <a:solidFill>
-                  <a:schemeClr val="accent1"/>
-                </a:solidFill>
-              </a:rPr>
-              <a:t>country</a:t>
-            </a:r>
-            <a:r>
-              <a:rPr lang="en-US" sz="1600" dirty="0" smtClean="0"/>
-              <a:t> = </a:t>
-            </a:r>
-            <a:r>
-              <a:rPr lang="en-US" sz="1600" dirty="0" smtClean="0">
-                <a:solidFill>
-                  <a:srgbClr val="FF0000"/>
-                </a:solidFill>
-              </a:rPr>
-              <a:t>U.S.</a:t>
-            </a:r>
-            <a:endParaRPr lang="en-US" sz="1600" dirty="0">
-              <a:solidFill>
-                <a:srgbClr val="FF0000"/>
-              </a:solidFill>
-            </a:endParaRPr>
-          </a:p>
-        </p:txBody>
-      </p:sp>
-      <p:sp>
-        <p:nvSpPr>
-          <p:cNvPr id="23" name="TextBox 22"/>
-          <p:cNvSpPr txBox="1"/>
-          <p:nvPr/>
-        </p:nvSpPr>
-        <p:spPr>
-          <a:xfrm>
-            <a:off x="4513728" y="5761216"/>
-            <a:ext cx="2356972" cy="584776"/>
-          </a:xfrm>
-          <a:prstGeom prst="rect">
-            <a:avLst/>
-          </a:prstGeom>
-          <a:noFill/>
-        </p:spPr>
-        <p:txBody>
-          <a:bodyPr wrap="square" rtlCol="0">
-            <a:spAutoFit/>
-          </a:bodyPr>
-          <a:lstStyle/>
-          <a:p>
-            <a:r>
-              <a:rPr lang="en-US" sz="1600" dirty="0" smtClean="0">
-                <a:solidFill>
-                  <a:srgbClr val="3366FF"/>
-                </a:solidFill>
-              </a:rPr>
-              <a:t>runtime</a:t>
-            </a:r>
-            <a:r>
-              <a:rPr lang="en-US" sz="1600" dirty="0" smtClean="0"/>
-              <a:t> = </a:t>
-            </a:r>
-            <a:r>
-              <a:rPr lang="en-US" sz="1600" dirty="0" smtClean="0">
-                <a:solidFill>
-                  <a:srgbClr val="FF0000"/>
-                </a:solidFill>
-              </a:rPr>
-              <a:t>111 min</a:t>
-            </a:r>
-          </a:p>
-          <a:p>
-            <a:r>
-              <a:rPr lang="en-US" sz="1600" dirty="0" smtClean="0">
-                <a:solidFill>
-                  <a:schemeClr val="accent1"/>
-                </a:solidFill>
-              </a:rPr>
-              <a:t>country</a:t>
-            </a:r>
-            <a:r>
-              <a:rPr lang="en-US" sz="1600" dirty="0" smtClean="0"/>
-              <a:t> = </a:t>
-            </a:r>
-            <a:r>
-              <a:rPr lang="en-US" sz="1600" dirty="0" smtClean="0">
-                <a:solidFill>
-                  <a:srgbClr val="FF0000"/>
-                </a:solidFill>
-              </a:rPr>
-              <a:t>U.S.</a:t>
-            </a:r>
-            <a:endParaRPr lang="en-US" sz="1600" dirty="0">
-              <a:solidFill>
-                <a:srgbClr val="FF0000"/>
-              </a:solidFill>
-            </a:endParaRPr>
-          </a:p>
-        </p:txBody>
-      </p:sp>
-      <p:sp>
-        <p:nvSpPr>
-          <p:cNvPr id="25" name="TextBox 24"/>
-          <p:cNvSpPr txBox="1"/>
-          <p:nvPr/>
-        </p:nvSpPr>
-        <p:spPr>
-          <a:xfrm>
-            <a:off x="5469264" y="4191539"/>
-            <a:ext cx="533400" cy="369332"/>
-          </a:xfrm>
-          <a:prstGeom prst="rect">
-            <a:avLst/>
-          </a:prstGeom>
-          <a:noFill/>
-        </p:spPr>
-        <p:txBody>
-          <a:bodyPr wrap="square" rtlCol="0">
-            <a:spAutoFit/>
-          </a:bodyPr>
-          <a:lstStyle/>
-          <a:p>
-            <a:r>
-              <a:rPr lang="en-US" dirty="0" smtClean="0">
-                <a:latin typeface="Zapf Dingbats"/>
-                <a:ea typeface="Zapf Dingbats"/>
-                <a:cs typeface="Zapf Dingbats"/>
-                <a:sym typeface="Zapf Dingbats"/>
-              </a:rPr>
-              <a:t>✔</a:t>
-            </a:r>
-            <a:endParaRPr lang="en-US" dirty="0"/>
-          </a:p>
-        </p:txBody>
-      </p:sp>
-      <p:sp>
-        <p:nvSpPr>
-          <p:cNvPr id="26" name="TextBox 25"/>
-          <p:cNvSpPr txBox="1"/>
-          <p:nvPr/>
-        </p:nvSpPr>
-        <p:spPr>
-          <a:xfrm>
-            <a:off x="4673600" y="4204778"/>
-            <a:ext cx="533400" cy="369332"/>
-          </a:xfrm>
-          <a:prstGeom prst="rect">
-            <a:avLst/>
-          </a:prstGeom>
-          <a:noFill/>
-        </p:spPr>
-        <p:txBody>
-          <a:bodyPr wrap="square" rtlCol="0">
-            <a:spAutoFit/>
-          </a:bodyPr>
-          <a:lstStyle/>
-          <a:p>
-            <a:r>
-              <a:rPr lang="en-US" dirty="0" smtClean="0">
-                <a:latin typeface="Zapf Dingbats"/>
-                <a:ea typeface="Zapf Dingbats"/>
-                <a:cs typeface="Zapf Dingbats"/>
-                <a:sym typeface="Zapf Dingbats"/>
-              </a:rPr>
-              <a:t>✔</a:t>
-            </a:r>
-            <a:endParaRPr lang="en-US" dirty="0"/>
-          </a:p>
-        </p:txBody>
-      </p:sp>
-    </p:spTree>
-    <p:extLst>
-      <p:ext uri="{BB962C8B-B14F-4D97-AF65-F5344CB8AC3E}">
-        <p14:creationId xmlns:p14="http://schemas.microsoft.com/office/powerpoint/2010/main" val="711681299"/>
-      </p:ext>
-    </p:extLst>
-  </p:cSld>
-  <p:clrMapOvr>
-    <a:masterClrMapping/>
-  </p:clrMapOvr>
-</p:sld>
-</file>
-
-<file path=ppt/slides/slide11.xml><?xml version="1.0" encoding="utf-8"?>
 <p:sld xmlns:a="http://schemas.openxmlformats.org/drawingml/2006/main" xmlns:r="http://schemas.openxmlformats.org/officeDocument/2006/relationships" xmlns:p="http://schemas.openxmlformats.org/presentationml/2006/main">
   <p:cSld>
     <p:spTree>
@@ -9550,13 +7762,113 @@
   <p:clrMapOvr>
     <a:masterClrMapping/>
   </p:clrMapOvr>
-  <p:timing>
-    <p:tnLst>
-      <p:par>
-        <p:cTn xmlns:p14="http://schemas.microsoft.com/office/powerpoint/2010/main" id="1" dur="indefinite" restart="never" nodeType="tmRoot"/>
-      </p:par>
-    </p:tnLst>
-  </p:timing>
+</p:sld>
+</file>
+
+<file path=ppt/slides/slide11.xml><?xml version="1.0" encoding="utf-8"?>
+<p:sld xmlns:a="http://schemas.openxmlformats.org/drawingml/2006/main" xmlns:r="http://schemas.openxmlformats.org/officeDocument/2006/relationships" xmlns:p="http://schemas.openxmlformats.org/presentationml/2006/main">
+  <p:cSld>
+    <p:spTree>
+      <p:nvGrpSpPr>
+        <p:cNvPr id="1" name=""/>
+        <p:cNvGrpSpPr/>
+        <p:nvPr/>
+      </p:nvGrpSpPr>
+      <p:grpSpPr>
+        <a:xfrm>
+          <a:off x="0" y="0"/>
+          <a:ext cx="0" cy="0"/>
+          <a:chOff x="0" y="0"/>
+          <a:chExt cx="0" cy="0"/>
+        </a:xfrm>
+      </p:grpSpPr>
+      <p:sp>
+        <p:nvSpPr>
+          <p:cNvPr id="2" name="Title 1"/>
+          <p:cNvSpPr>
+            <a:spLocks noGrp="1"/>
+          </p:cNvSpPr>
+          <p:nvPr>
+            <p:ph type="title"/>
+          </p:nvPr>
+        </p:nvSpPr>
+        <p:spPr/>
+        <p:txBody>
+          <a:bodyPr/>
+          <a:lstStyle/>
+          <a:p>
+            <a:r>
+              <a:rPr lang="en-US" dirty="0" smtClean="0"/>
+              <a:t>Relational Frequencies</a:t>
+            </a:r>
+            <a:endParaRPr lang="en-US" dirty="0"/>
+          </a:p>
+        </p:txBody>
+      </p:sp>
+      <p:sp>
+        <p:nvSpPr>
+          <p:cNvPr id="5" name="Text Placeholder 4"/>
+          <p:cNvSpPr>
+            <a:spLocks noGrp="1"/>
+          </p:cNvSpPr>
+          <p:nvPr>
+            <p:ph type="body" idx="1"/>
+          </p:nvPr>
+        </p:nvSpPr>
+        <p:spPr>
+          <a:xfrm>
+            <a:off x="722313" y="2692400"/>
+            <a:ext cx="7772400" cy="1193800"/>
+          </a:xfrm>
+        </p:spPr>
+        <p:txBody>
+          <a:bodyPr/>
+          <a:lstStyle/>
+          <a:p>
+            <a:pPr algn="ctr"/>
+            <a:r>
+              <a:rPr lang="en-US" dirty="0"/>
+              <a:t>Probabilistic Semantics for First-Order Random Variables</a:t>
+            </a:r>
+          </a:p>
+        </p:txBody>
+      </p:sp>
+      <p:sp>
+        <p:nvSpPr>
+          <p:cNvPr id="4" name="Footer Placeholder 3"/>
+          <p:cNvSpPr>
+            <a:spLocks noGrp="1"/>
+          </p:cNvSpPr>
+          <p:nvPr>
+            <p:ph type="ftr" sz="quarter" idx="11"/>
+          </p:nvPr>
+        </p:nvSpPr>
+        <p:spPr/>
+        <p:txBody>
+          <a:bodyPr/>
+          <a:lstStyle/>
+          <a:p>
+            <a:pPr>
+              <a:defRPr/>
+            </a:pPr>
+            <a:r>
+              <a:rPr lang="en-US" dirty="0" smtClean="0"/>
+              <a:t>Learning Bayesian Networks for Complex Relational Data</a:t>
+            </a:r>
+            <a:endParaRPr lang="en-US" dirty="0"/>
+          </a:p>
+        </p:txBody>
+      </p:sp>
+    </p:spTree>
+    <p:extLst>
+      <p:ext uri="{BB962C8B-B14F-4D97-AF65-F5344CB8AC3E}">
+        <p14:creationId xmlns:p14="http://schemas.microsoft.com/office/powerpoint/2010/main" val="4161871548"/>
+      </p:ext>
+    </p:extLst>
+  </p:cSld>
+  <p:clrMapOvr>
+    <a:masterClrMapping/>
+  </p:clrMapOvr>
 </p:sld>
 </file>
 
@@ -9587,14 +7899,23 @@
             <p:ph type="title"/>
           </p:nvPr>
         </p:nvSpPr>
-        <p:spPr/>
+        <p:spPr>
+          <a:xfrm>
+            <a:off x="304800" y="274638"/>
+            <a:ext cx="8382000" cy="1143000"/>
+          </a:xfrm>
+        </p:spPr>
         <p:txBody>
           <a:bodyPr/>
           <a:lstStyle/>
           <a:p>
             <a:r>
               <a:rPr lang="en-US" dirty="0" smtClean="0"/>
-              <a:t>Relational Frequencies</a:t>
+              <a:t>Applications of Relational Frequency </a:t>
+            </a:r>
+            <a:r>
+              <a:rPr lang="en-US" dirty="0" err="1" smtClean="0"/>
+              <a:t>Modelling</a:t>
             </a:r>
             <a:endParaRPr lang="en-US" dirty="0"/>
           </a:p>
@@ -9602,29 +7923,221 @@
       </p:sp>
       <p:sp>
         <p:nvSpPr>
-          <p:cNvPr id="5" name="Text Placeholder 4"/>
+          <p:cNvPr id="3" name="Content Placeholder 2"/>
           <p:cNvSpPr>
             <a:spLocks noGrp="1"/>
           </p:cNvSpPr>
           <p:nvPr>
-            <p:ph type="body" idx="1"/>
+            <p:ph sz="quarter" idx="1"/>
           </p:nvPr>
         </p:nvSpPr>
         <p:spPr>
           <a:xfrm>
-            <a:off x="722313" y="2692400"/>
-            <a:ext cx="7772400" cy="1193800"/>
+            <a:off x="304799" y="1447800"/>
+            <a:ext cx="8521727" cy="4572000"/>
           </a:xfrm>
         </p:spPr>
         <p:txBody>
           <a:bodyPr/>
           <a:lstStyle/>
           <a:p>
-            <a:pPr algn="ctr"/>
-            <a:r>
-              <a:rPr lang="en-US" dirty="0"/>
-              <a:t>Probabilistic Semantics for First-Order Random Variables</a:t>
-            </a:r>
+            <a:pPr marL="571500" indent="-571500" algn="just">
+              <a:buFont typeface="Arial"/>
+              <a:buChar char="•"/>
+            </a:pPr>
+            <a:r>
+              <a:rPr lang="en-US" sz="2800" dirty="0" smtClean="0">
+                <a:solidFill>
+                  <a:srgbClr val="000000"/>
+                </a:solidFill>
+                <a:cs typeface="Arial" pitchFamily="34" charset="0"/>
+              </a:rPr>
+              <a:t>Knowledge discovery/ rule learning </a:t>
+            </a:r>
+            <a:br>
+              <a:rPr lang="en-US" sz="2800" dirty="0" smtClean="0">
+                <a:solidFill>
+                  <a:srgbClr val="000000"/>
+                </a:solidFill>
+                <a:cs typeface="Arial" pitchFamily="34" charset="0"/>
+              </a:rPr>
+            </a:br>
+            <a:r>
+              <a:rPr lang="en-US" sz="2400" dirty="0" smtClean="0">
+                <a:solidFill>
+                  <a:srgbClr val="000000"/>
+                </a:solidFill>
+                <a:cs typeface="Arial" pitchFamily="34" charset="0"/>
+              </a:rPr>
+              <a:t>“women users like movies with women actors”</a:t>
+            </a:r>
+          </a:p>
+          <a:p>
+            <a:pPr marL="571500" indent="-571500" algn="just">
+              <a:buFont typeface="Arial"/>
+              <a:buChar char="•"/>
+            </a:pPr>
+            <a:r>
+              <a:rPr lang="en-US" sz="2800" dirty="0" smtClean="0">
+                <a:solidFill>
+                  <a:srgbClr val="000000"/>
+                </a:solidFill>
+                <a:cs typeface="Arial" pitchFamily="34" charset="0"/>
+              </a:rPr>
+              <a:t>Strategic Planning </a:t>
+            </a:r>
+            <a:br>
+              <a:rPr lang="en-US" sz="2800" dirty="0" smtClean="0">
+                <a:solidFill>
+                  <a:srgbClr val="000000"/>
+                </a:solidFill>
+                <a:cs typeface="Arial" pitchFamily="34" charset="0"/>
+              </a:rPr>
+            </a:br>
+            <a:r>
+              <a:rPr lang="en-US" sz="2400" dirty="0" smtClean="0">
+                <a:solidFill>
+                  <a:srgbClr val="000000"/>
+                </a:solidFill>
+                <a:cs typeface="Arial" pitchFamily="34" charset="0"/>
+              </a:rPr>
+              <a:t>“increase SAT requirements to decrease student attrition”</a:t>
+            </a:r>
+          </a:p>
+          <a:p>
+            <a:pPr marL="571500" indent="-571500" algn="just">
+              <a:buFont typeface="Arial"/>
+              <a:buChar char="•"/>
+            </a:pPr>
+            <a:r>
+              <a:rPr lang="en-US" sz="2800" dirty="0" smtClean="0">
+                <a:solidFill>
+                  <a:srgbClr val="000000"/>
+                </a:solidFill>
+                <a:cs typeface="Arial" pitchFamily="34" charset="0"/>
+              </a:rPr>
+              <a:t>Query Optimization (</a:t>
+            </a:r>
+            <a:r>
+              <a:rPr lang="en-US" sz="2800" dirty="0" err="1" smtClean="0">
+                <a:solidFill>
+                  <a:srgbClr val="000000"/>
+                </a:solidFill>
+                <a:cs typeface="Arial" pitchFamily="34" charset="0"/>
+              </a:rPr>
+              <a:t>Getoor</a:t>
+            </a:r>
+            <a:r>
+              <a:rPr lang="en-US" sz="2800" dirty="0" smtClean="0">
+                <a:solidFill>
+                  <a:srgbClr val="000000"/>
+                </a:solidFill>
+                <a:cs typeface="Arial" pitchFamily="34" charset="0"/>
+              </a:rPr>
+              <a:t>, </a:t>
+            </a:r>
+            <a:r>
+              <a:rPr lang="en-US" sz="2800" dirty="0" err="1" smtClean="0">
+                <a:solidFill>
+                  <a:srgbClr val="000000"/>
+                </a:solidFill>
+                <a:cs typeface="Arial" pitchFamily="34" charset="0"/>
+              </a:rPr>
+              <a:t>Taskar</a:t>
+            </a:r>
+            <a:r>
+              <a:rPr lang="en-US" sz="2800" dirty="0" smtClean="0">
+                <a:solidFill>
+                  <a:srgbClr val="000000"/>
+                </a:solidFill>
+                <a:cs typeface="Arial" pitchFamily="34" charset="0"/>
+              </a:rPr>
+              <a:t>, </a:t>
+            </a:r>
+            <a:r>
+              <a:rPr lang="en-US" sz="2800" dirty="0" err="1" smtClean="0">
+                <a:solidFill>
+                  <a:srgbClr val="000000"/>
+                </a:solidFill>
+                <a:cs typeface="Arial" pitchFamily="34" charset="0"/>
+              </a:rPr>
+              <a:t>Koller</a:t>
+            </a:r>
+            <a:r>
+              <a:rPr lang="en-US" sz="2800" dirty="0" smtClean="0">
+                <a:solidFill>
+                  <a:srgbClr val="000000"/>
+                </a:solidFill>
+                <a:cs typeface="Arial" pitchFamily="34" charset="0"/>
+              </a:rPr>
+              <a:t> 2001)</a:t>
+            </a:r>
+            <a:r>
+              <a:rPr lang="en-US" sz="2800" dirty="0">
+                <a:solidFill>
+                  <a:srgbClr val="000000"/>
+                </a:solidFill>
+                <a:cs typeface="Arial" pitchFamily="34" charset="0"/>
+              </a:rPr>
+              <a:t/>
+            </a:r>
+            <a:br>
+              <a:rPr lang="en-US" sz="2800" dirty="0">
+                <a:solidFill>
+                  <a:srgbClr val="000000"/>
+                </a:solidFill>
+                <a:cs typeface="Arial" pitchFamily="34" charset="0"/>
+              </a:rPr>
+            </a:br>
+            <a:r>
+              <a:rPr lang="en-US" sz="2400" dirty="0" smtClean="0">
+                <a:solidFill>
+                  <a:srgbClr val="000000"/>
+                </a:solidFill>
+                <a:cs typeface="Arial" pitchFamily="34" charset="0"/>
+              </a:rPr>
+              <a:t>Class-level queries support selectivity estimation </a:t>
+            </a:r>
+            <a:r>
+              <a:rPr lang="en-US" sz="2400" dirty="0" smtClean="0">
+                <a:solidFill>
+                  <a:srgbClr val="000000"/>
+                </a:solidFill>
+                <a:latin typeface="Wingdings"/>
+                <a:ea typeface="Wingdings"/>
+                <a:cs typeface="Wingdings"/>
+              </a:rPr>
+              <a:t></a:t>
+            </a:r>
+            <a:r>
+              <a:rPr lang="en-US" sz="2400" dirty="0" smtClean="0">
+                <a:solidFill>
+                  <a:srgbClr val="000000"/>
+                </a:solidFill>
+                <a:cs typeface="Arial" pitchFamily="34" charset="0"/>
+              </a:rPr>
+              <a:t> </a:t>
+            </a:r>
+            <a:br>
+              <a:rPr lang="en-US" sz="2400" dirty="0" smtClean="0">
+                <a:solidFill>
+                  <a:srgbClr val="000000"/>
+                </a:solidFill>
+                <a:cs typeface="Arial" pitchFamily="34" charset="0"/>
+              </a:rPr>
+            </a:br>
+            <a:r>
+              <a:rPr lang="en-US" sz="2400" dirty="0" smtClean="0">
+                <a:solidFill>
+                  <a:srgbClr val="000000"/>
+                </a:solidFill>
+                <a:cs typeface="Arial" pitchFamily="34" charset="0"/>
+              </a:rPr>
+              <a:t>optimal evaluation order for SQL query</a:t>
+            </a:r>
+          </a:p>
+          <a:p>
+            <a:endParaRPr lang="en-US" sz="3200" dirty="0"/>
           </a:p>
         </p:txBody>
       </p:sp>
@@ -9638,7 +8151,12 @@
             <p:ph type="ftr" sz="quarter" idx="11"/>
           </p:nvPr>
         </p:nvSpPr>
-        <p:spPr/>
+        <p:spPr>
+          <a:xfrm>
+            <a:off x="914399" y="6172200"/>
+            <a:ext cx="6968673" cy="457200"/>
+          </a:xfrm>
+        </p:spPr>
         <p:txBody>
           <a:bodyPr/>
           <a:lstStyle/>
@@ -9647,8 +8165,36 @@
               <a:defRPr/>
             </a:pPr>
             <a:r>
+              <a:rPr lang="en-US" dirty="0" err="1" smtClean="0"/>
+              <a:t>Getoor</a:t>
+            </a:r>
+            <a:r>
               <a:rPr lang="en-US" dirty="0" smtClean="0"/>
-              <a:t>Learning Bayesian Networks for Complex Relational Data</a:t>
+              <a:t>, </a:t>
+            </a:r>
+            <a:r>
+              <a:rPr lang="en-US" dirty="0" err="1" smtClean="0"/>
+              <a:t>Lise</a:t>
+            </a:r>
+            <a:r>
+              <a:rPr lang="en-US" dirty="0" smtClean="0"/>
+              <a:t>, </a:t>
+            </a:r>
+            <a:r>
+              <a:rPr lang="en-US" dirty="0" err="1" smtClean="0"/>
+              <a:t>Taskar</a:t>
+            </a:r>
+            <a:r>
+              <a:rPr lang="en-US" dirty="0" smtClean="0"/>
+              <a:t>, Benjamin, and </a:t>
+            </a:r>
+            <a:r>
+              <a:rPr lang="en-US" dirty="0" err="1" smtClean="0"/>
+              <a:t>Koller</a:t>
+            </a:r>
+            <a:r>
+              <a:rPr lang="en-US" dirty="0" smtClean="0"/>
+              <a:t>, Daphne. Selectivity estimation using probabilistic models. ACM SIGMOD Record, 30(2):461–472, 2001.</a:t>
             </a:r>
             <a:endParaRPr lang="en-US" dirty="0"/>
           </a:p>
@@ -9657,7 +8203,7 @@
     </p:spTree>
     <p:extLst>
       <p:ext uri="{BB962C8B-B14F-4D97-AF65-F5344CB8AC3E}">
-        <p14:creationId xmlns:p14="http://schemas.microsoft.com/office/powerpoint/2010/main" val="4161871548"/>
+        <p14:creationId xmlns:p14="http://schemas.microsoft.com/office/powerpoint/2010/main" val="4220213319"/>
       </p:ext>
     </p:extLst>
   </p:cSld>
@@ -9693,354 +8239,6 @@
       </p:grpSpPr>
       <p:sp>
         <p:nvSpPr>
-          <p:cNvPr id="2" name="Title 1"/>
-          <p:cNvSpPr>
-            <a:spLocks noGrp="1"/>
-          </p:cNvSpPr>
-          <p:nvPr>
-            <p:ph type="title"/>
-          </p:nvPr>
-        </p:nvSpPr>
-        <p:spPr>
-          <a:xfrm>
-            <a:off x="304800" y="274638"/>
-            <a:ext cx="8382000" cy="1143000"/>
-          </a:xfrm>
-        </p:spPr>
-        <p:txBody>
-          <a:bodyPr/>
-          <a:lstStyle/>
-          <a:p>
-            <a:r>
-              <a:rPr lang="en-US" dirty="0" smtClean="0"/>
-              <a:t>Applications of Relational Frequency </a:t>
-            </a:r>
-            <a:r>
-              <a:rPr lang="en-US" dirty="0" err="1" smtClean="0"/>
-              <a:t>Modelling</a:t>
-            </a:r>
-            <a:endParaRPr lang="en-US" dirty="0"/>
-          </a:p>
-        </p:txBody>
-      </p:sp>
-      <p:sp>
-        <p:nvSpPr>
-          <p:cNvPr id="3" name="Content Placeholder 2"/>
-          <p:cNvSpPr>
-            <a:spLocks noGrp="1"/>
-          </p:cNvSpPr>
-          <p:nvPr>
-            <p:ph sz="quarter" idx="1"/>
-          </p:nvPr>
-        </p:nvSpPr>
-        <p:spPr>
-          <a:xfrm>
-            <a:off x="304799" y="1447800"/>
-            <a:ext cx="8521727" cy="4572000"/>
-          </a:xfrm>
-        </p:spPr>
-        <p:txBody>
-          <a:bodyPr/>
-          <a:lstStyle/>
-          <a:p>
-            <a:pPr marL="571500" indent="-571500" algn="just">
-              <a:buFont typeface="Arial"/>
-              <a:buChar char="•"/>
-            </a:pPr>
-            <a:r>
-              <a:rPr lang="en-US" sz="2800" dirty="0" smtClean="0">
-                <a:solidFill>
-                  <a:srgbClr val="000000"/>
-                </a:solidFill>
-                <a:cs typeface="Arial" pitchFamily="34" charset="0"/>
-              </a:rPr>
-              <a:t>Knowledge discovery/ rule learning </a:t>
-            </a:r>
-            <a:br>
-              <a:rPr lang="en-US" sz="2800" dirty="0" smtClean="0">
-                <a:solidFill>
-                  <a:srgbClr val="000000"/>
-                </a:solidFill>
-                <a:cs typeface="Arial" pitchFamily="34" charset="0"/>
-              </a:rPr>
-            </a:br>
-            <a:r>
-              <a:rPr lang="en-US" sz="2400" dirty="0" smtClean="0">
-                <a:solidFill>
-                  <a:srgbClr val="000000"/>
-                </a:solidFill>
-                <a:cs typeface="Arial" pitchFamily="34" charset="0"/>
-              </a:rPr>
-              <a:t>“women users like movies with women actors”</a:t>
-            </a:r>
-          </a:p>
-          <a:p>
-            <a:pPr marL="571500" indent="-571500" algn="just">
-              <a:buFont typeface="Arial"/>
-              <a:buChar char="•"/>
-            </a:pPr>
-            <a:r>
-              <a:rPr lang="en-US" sz="2800" dirty="0" smtClean="0">
-                <a:solidFill>
-                  <a:srgbClr val="000000"/>
-                </a:solidFill>
-                <a:cs typeface="Arial" pitchFamily="34" charset="0"/>
-              </a:rPr>
-              <a:t>Strategic Planning </a:t>
-            </a:r>
-            <a:br>
-              <a:rPr lang="en-US" sz="2800" dirty="0" smtClean="0">
-                <a:solidFill>
-                  <a:srgbClr val="000000"/>
-                </a:solidFill>
-                <a:cs typeface="Arial" pitchFamily="34" charset="0"/>
-              </a:rPr>
-            </a:br>
-            <a:r>
-              <a:rPr lang="en-US" sz="2400" dirty="0" smtClean="0">
-                <a:solidFill>
-                  <a:srgbClr val="000000"/>
-                </a:solidFill>
-                <a:cs typeface="Arial" pitchFamily="34" charset="0"/>
-              </a:rPr>
-              <a:t>“increase SAT requirements to decrease student attrition”</a:t>
-            </a:r>
-          </a:p>
-          <a:p>
-            <a:pPr marL="571500" indent="-571500" algn="just">
-              <a:buFont typeface="Arial"/>
-              <a:buChar char="•"/>
-            </a:pPr>
-            <a:r>
-              <a:rPr lang="en-US" sz="2800" dirty="0" smtClean="0">
-                <a:solidFill>
-                  <a:srgbClr val="000000"/>
-                </a:solidFill>
-                <a:cs typeface="Arial" pitchFamily="34" charset="0"/>
-              </a:rPr>
-              <a:t>Query Optimization (</a:t>
-            </a:r>
-            <a:r>
-              <a:rPr lang="en-US" sz="2800" dirty="0" err="1" smtClean="0">
-                <a:solidFill>
-                  <a:srgbClr val="000000"/>
-                </a:solidFill>
-                <a:cs typeface="Arial" pitchFamily="34" charset="0"/>
-              </a:rPr>
-              <a:t>Getoor</a:t>
-            </a:r>
-            <a:r>
-              <a:rPr lang="en-US" sz="2800" dirty="0" smtClean="0">
-                <a:solidFill>
-                  <a:srgbClr val="000000"/>
-                </a:solidFill>
-                <a:cs typeface="Arial" pitchFamily="34" charset="0"/>
-              </a:rPr>
-              <a:t>, </a:t>
-            </a:r>
-            <a:r>
-              <a:rPr lang="en-US" sz="2800" dirty="0" err="1" smtClean="0">
-                <a:solidFill>
-                  <a:srgbClr val="000000"/>
-                </a:solidFill>
-                <a:cs typeface="Arial" pitchFamily="34" charset="0"/>
-              </a:rPr>
-              <a:t>Taskar</a:t>
-            </a:r>
-            <a:r>
-              <a:rPr lang="en-US" sz="2800" dirty="0" smtClean="0">
-                <a:solidFill>
-                  <a:srgbClr val="000000"/>
-                </a:solidFill>
-                <a:cs typeface="Arial" pitchFamily="34" charset="0"/>
-              </a:rPr>
-              <a:t>, </a:t>
-            </a:r>
-            <a:r>
-              <a:rPr lang="en-US" sz="2800" dirty="0" err="1" smtClean="0">
-                <a:solidFill>
-                  <a:srgbClr val="000000"/>
-                </a:solidFill>
-                <a:cs typeface="Arial" pitchFamily="34" charset="0"/>
-              </a:rPr>
-              <a:t>Koller</a:t>
-            </a:r>
-            <a:r>
-              <a:rPr lang="en-US" sz="2800" dirty="0" smtClean="0">
-                <a:solidFill>
-                  <a:srgbClr val="000000"/>
-                </a:solidFill>
-                <a:cs typeface="Arial" pitchFamily="34" charset="0"/>
-              </a:rPr>
-              <a:t> 2001)</a:t>
-            </a:r>
-            <a:r>
-              <a:rPr lang="en-US" sz="2800" dirty="0">
-                <a:solidFill>
-                  <a:srgbClr val="000000"/>
-                </a:solidFill>
-                <a:cs typeface="Arial" pitchFamily="34" charset="0"/>
-              </a:rPr>
-              <a:t/>
-            </a:r>
-            <a:br>
-              <a:rPr lang="en-US" sz="2800" dirty="0">
-                <a:solidFill>
-                  <a:srgbClr val="000000"/>
-                </a:solidFill>
-                <a:cs typeface="Arial" pitchFamily="34" charset="0"/>
-              </a:rPr>
-            </a:br>
-            <a:r>
-              <a:rPr lang="en-US" sz="2400" dirty="0" smtClean="0">
-                <a:solidFill>
-                  <a:srgbClr val="000000"/>
-                </a:solidFill>
-                <a:cs typeface="Arial" pitchFamily="34" charset="0"/>
-              </a:rPr>
-              <a:t>Class-level queries support selectivity estimation </a:t>
-            </a:r>
-            <a:r>
-              <a:rPr lang="en-US" sz="2400" dirty="0" smtClean="0">
-                <a:solidFill>
-                  <a:srgbClr val="000000"/>
-                </a:solidFill>
-                <a:latin typeface="Wingdings"/>
-                <a:ea typeface="Wingdings"/>
-                <a:cs typeface="Wingdings"/>
-              </a:rPr>
-              <a:t></a:t>
-            </a:r>
-            <a:r>
-              <a:rPr lang="en-US" sz="2400" dirty="0" smtClean="0">
-                <a:solidFill>
-                  <a:srgbClr val="000000"/>
-                </a:solidFill>
-                <a:cs typeface="Arial" pitchFamily="34" charset="0"/>
-              </a:rPr>
-              <a:t> </a:t>
-            </a:r>
-            <a:br>
-              <a:rPr lang="en-US" sz="2400" dirty="0" smtClean="0">
-                <a:solidFill>
-                  <a:srgbClr val="000000"/>
-                </a:solidFill>
-                <a:cs typeface="Arial" pitchFamily="34" charset="0"/>
-              </a:rPr>
-            </a:br>
-            <a:r>
-              <a:rPr lang="en-US" sz="2400" dirty="0" smtClean="0">
-                <a:solidFill>
-                  <a:srgbClr val="000000"/>
-                </a:solidFill>
-                <a:cs typeface="Arial" pitchFamily="34" charset="0"/>
-              </a:rPr>
-              <a:t>optimal evaluation order for SQL query</a:t>
-            </a:r>
-          </a:p>
-          <a:p>
-            <a:endParaRPr lang="en-US" sz="3200" dirty="0"/>
-          </a:p>
-        </p:txBody>
-      </p:sp>
-      <p:sp>
-        <p:nvSpPr>
-          <p:cNvPr id="4" name="Footer Placeholder 3"/>
-          <p:cNvSpPr>
-            <a:spLocks noGrp="1"/>
-          </p:cNvSpPr>
-          <p:nvPr>
-            <p:ph type="ftr" sz="quarter" idx="11"/>
-          </p:nvPr>
-        </p:nvSpPr>
-        <p:spPr>
-          <a:xfrm>
-            <a:off x="914399" y="6172200"/>
-            <a:ext cx="6968673" cy="457200"/>
-          </a:xfrm>
-        </p:spPr>
-        <p:txBody>
-          <a:bodyPr/>
-          <a:lstStyle/>
-          <a:p>
-            <a:pPr>
-              <a:defRPr/>
-            </a:pPr>
-            <a:r>
-              <a:rPr lang="en-US" dirty="0" err="1" smtClean="0"/>
-              <a:t>Getoor</a:t>
-            </a:r>
-            <a:r>
-              <a:rPr lang="en-US" dirty="0" smtClean="0"/>
-              <a:t>, </a:t>
-            </a:r>
-            <a:r>
-              <a:rPr lang="en-US" dirty="0" err="1" smtClean="0"/>
-              <a:t>Lise</a:t>
-            </a:r>
-            <a:r>
-              <a:rPr lang="en-US" dirty="0" smtClean="0"/>
-              <a:t>, </a:t>
-            </a:r>
-            <a:r>
-              <a:rPr lang="en-US" dirty="0" err="1" smtClean="0"/>
-              <a:t>Taskar</a:t>
-            </a:r>
-            <a:r>
-              <a:rPr lang="en-US" dirty="0" smtClean="0"/>
-              <a:t>, Benjamin, and </a:t>
-            </a:r>
-            <a:r>
-              <a:rPr lang="en-US" dirty="0" err="1" smtClean="0"/>
-              <a:t>Koller</a:t>
-            </a:r>
-            <a:r>
-              <a:rPr lang="en-US" dirty="0" smtClean="0"/>
-              <a:t>, Daphne. Selectivity estimation using probabilistic models. ACM SIGMOD Record, 30(2):461–472, 2001.</a:t>
-            </a:r>
-            <a:endParaRPr lang="en-US" dirty="0"/>
-          </a:p>
-        </p:txBody>
-      </p:sp>
-    </p:spTree>
-    <p:extLst>
-      <p:ext uri="{BB962C8B-B14F-4D97-AF65-F5344CB8AC3E}">
-        <p14:creationId xmlns:p14="http://schemas.microsoft.com/office/powerpoint/2010/main" val="4220213319"/>
-      </p:ext>
-    </p:extLst>
-  </p:cSld>
-  <p:clrMapOvr>
-    <a:masterClrMapping/>
-  </p:clrMapOvr>
-  <p:timing>
-    <p:tnLst>
-      <p:par>
-        <p:cTn xmlns:p14="http://schemas.microsoft.com/office/powerpoint/2010/main" id="1" dur="indefinite" restart="never" nodeType="tmRoot"/>
-      </p:par>
-    </p:tnLst>
-  </p:timing>
-</p:sld>
-</file>
-
-<file path=ppt/slides/slide14.xml><?xml version="1.0" encoding="utf-8"?>
-<p:sld xmlns:a="http://schemas.openxmlformats.org/drawingml/2006/main" xmlns:r="http://schemas.openxmlformats.org/officeDocument/2006/relationships" xmlns:p="http://schemas.openxmlformats.org/presentationml/2006/main">
-  <p:cSld>
-    <p:spTree>
-      <p:nvGrpSpPr>
-        <p:cNvPr id="1" name=""/>
-        <p:cNvGrpSpPr/>
-        <p:nvPr/>
-      </p:nvGrpSpPr>
-      <p:grpSpPr>
-        <a:xfrm>
-          <a:off x="0" y="0"/>
-          <a:ext cx="0" cy="0"/>
-          <a:chOff x="0" y="0"/>
-          <a:chExt cx="0" cy="0"/>
-        </a:xfrm>
-      </p:grpSpPr>
-      <p:sp>
-        <p:nvSpPr>
           <p:cNvPr id="5" name="Title 4"/>
           <p:cNvSpPr>
             <a:spLocks noGrp="1"/>
@@ -10164,7 +8362,15 @@
             </a:r>
             <a:r>
               <a:rPr lang="en-US" sz="2800" i="1" dirty="0"/>
-              <a:t>(Actor) = W, ActsIn(</a:t>
+              <a:t>(Actor) = W, </a:t>
+            </a:r>
+            <a:r>
+              <a:rPr lang="en-US" sz="2800" i="1" dirty="0" err="1"/>
+              <a:t>ActsIn</a:t>
+            </a:r>
+            <a:r>
+              <a:rPr lang="en-US" sz="2800" i="1" dirty="0"/>
+              <a:t>(</a:t>
             </a:r>
             <a:r>
               <a:rPr lang="en-US" sz="2800" i="1" dirty="0" err="1"/>
@@ -10202,7 +8408,7 @@
 </p:sld>
 </file>
 
-<file path=ppt/slides/slide15.xml><?xml version="1.0" encoding="utf-8"?>
+<file path=ppt/slides/slide14.xml><?xml version="1.0" encoding="utf-8"?>
 <p:sld xmlns:a="http://schemas.openxmlformats.org/drawingml/2006/main" xmlns:r="http://schemas.openxmlformats.org/officeDocument/2006/relationships" xmlns:p="http://schemas.openxmlformats.org/presentationml/2006/main">
   <p:cSld>
     <p:spTree>
@@ -11163,7 +9369,7 @@
               <a:rPr lang="en-US" sz="2400" dirty="0" smtClean="0">
                 <a:latin typeface="+mn-lt"/>
               </a:rPr>
-              <a:t>FO  Variable</a:t>
+              <a:t>Logical Variable</a:t>
             </a:r>
             <a:endParaRPr lang="en-US" sz="2400" dirty="0">
               <a:latin typeface="+mn-lt"/>
@@ -11406,7 +9612,7 @@
 </p:sld>
 </file>
 
-<file path=ppt/slides/slide16.xml><?xml version="1.0" encoding="utf-8"?>
+<file path=ppt/slides/slide15.xml><?xml version="1.0" encoding="utf-8"?>
 <p:sld xmlns:a="http://schemas.openxmlformats.org/drawingml/2006/main" xmlns:r="http://schemas.openxmlformats.org/officeDocument/2006/relationships" xmlns:p="http://schemas.openxmlformats.org/presentationml/2006/main">
   <p:cSld>
     <p:spTree>
@@ -11495,7 +9701,7 @@
         <p:spPr>
           <a:xfrm>
             <a:off x="287619" y="1153023"/>
-            <a:ext cx="6558272" cy="523220"/>
+            <a:ext cx="5286540" cy="523220"/>
           </a:xfrm>
           <a:prstGeom prst="rect">
             <a:avLst/>
@@ -11512,7 +9718,7 @@
               <a:rPr lang="en-US" sz="2800" dirty="0" smtClean="0">
                 <a:latin typeface="+mn-lt"/>
               </a:rPr>
-              <a:t>First-Order  Variable </a:t>
+              <a:t>Logical Variable </a:t>
             </a:r>
             <a:r>
               <a:rPr lang="en-US" sz="2800" dirty="0" smtClean="0">
@@ -12764,7 +10970,7 @@
 </p:sld>
 </file>
 
-<file path=ppt/slides/slide17.xml><?xml version="1.0" encoding="utf-8"?>
+<file path=ppt/slides/slide16.xml><?xml version="1.0" encoding="utf-8"?>
 <p:sld xmlns:a="http://schemas.openxmlformats.org/drawingml/2006/main" xmlns:r="http://schemas.openxmlformats.org/officeDocument/2006/relationships" xmlns:p="http://schemas.openxmlformats.org/presentationml/2006/main">
   <p:cSld>
     <p:spTree>
@@ -14124,7 +12330,7 @@
 </p:sld>
 </file>
 
-<file path=ppt/slides/slide18.xml><?xml version="1.0" encoding="utf-8"?>
+<file path=ppt/slides/slide17.xml><?xml version="1.0" encoding="utf-8"?>
 <p:sld xmlns:a="http://schemas.openxmlformats.org/drawingml/2006/main" xmlns:r="http://schemas.openxmlformats.org/officeDocument/2006/relationships" xmlns:p="http://schemas.openxmlformats.org/presentationml/2006/main">
   <p:cSld>
     <p:spTree>
@@ -14240,7 +12446,7 @@
 </p:sld>
 </file>
 
-<file path=ppt/slides/slide19.xml><?xml version="1.0" encoding="utf-8"?>
+<file path=ppt/slides/slide18.xml><?xml version="1.0" encoding="utf-8"?>
 <p:sld xmlns:a="http://schemas.openxmlformats.org/drawingml/2006/main" xmlns:r="http://schemas.openxmlformats.org/officeDocument/2006/relationships" xmlns:p="http://schemas.openxmlformats.org/presentationml/2006/main">
   <p:cSld>
     <p:spTree>
@@ -14684,154 +12890,7 @@
 </p:sld>
 </file>
 
-<file path=ppt/slides/slide2.xml><?xml version="1.0" encoding="utf-8"?>
-<p:sld xmlns:a="http://schemas.openxmlformats.org/drawingml/2006/main" xmlns:r="http://schemas.openxmlformats.org/officeDocument/2006/relationships" xmlns:p="http://schemas.openxmlformats.org/presentationml/2006/main">
-  <p:cSld>
-    <p:spTree>
-      <p:nvGrpSpPr>
-        <p:cNvPr id="1" name=""/>
-        <p:cNvGrpSpPr/>
-        <p:nvPr/>
-      </p:nvGrpSpPr>
-      <p:grpSpPr>
-        <a:xfrm>
-          <a:off x="0" y="0"/>
-          <a:ext cx="0" cy="0"/>
-          <a:chOff x="0" y="0"/>
-          <a:chExt cx="0" cy="0"/>
-        </a:xfrm>
-      </p:grpSpPr>
-      <p:sp>
-        <p:nvSpPr>
-          <p:cNvPr id="2" name="Title 1"/>
-          <p:cNvSpPr>
-            <a:spLocks noGrp="1"/>
-          </p:cNvSpPr>
-          <p:nvPr>
-            <p:ph type="title"/>
-          </p:nvPr>
-        </p:nvSpPr>
-        <p:spPr/>
-        <p:txBody>
-          <a:bodyPr/>
-          <a:lstStyle/>
-          <a:p>
-            <a:r>
-              <a:rPr lang="en-US" dirty="0" smtClean="0"/>
-              <a:t>Bayesian Networks for </a:t>
-            </a:r>
-            <a:r>
-              <a:rPr lang="en-US" dirty="0" err="1" smtClean="0"/>
-              <a:t>i.i.d</a:t>
-            </a:r>
-            <a:r>
-              <a:rPr lang="en-US" dirty="0" smtClean="0"/>
-              <a:t>. data</a:t>
-            </a:r>
-            <a:endParaRPr lang="en-US" dirty="0"/>
-          </a:p>
-        </p:txBody>
-      </p:sp>
-      <p:sp>
-        <p:nvSpPr>
-          <p:cNvPr id="3" name="Content Placeholder 2"/>
-          <p:cNvSpPr>
-            <a:spLocks noGrp="1"/>
-          </p:cNvSpPr>
-          <p:nvPr>
-            <p:ph sz="quarter" idx="1"/>
-          </p:nvPr>
-        </p:nvSpPr>
-        <p:spPr>
-          <a:xfrm>
-            <a:off x="914400" y="1447800"/>
-            <a:ext cx="7772400" cy="2590800"/>
-          </a:xfrm>
-        </p:spPr>
-        <p:txBody>
-          <a:bodyPr/>
-          <a:lstStyle/>
-          <a:p>
-            <a:r>
-              <a:rPr lang="en-US" dirty="0" smtClean="0"/>
-              <a:t>Directed Acyclic Graph, where nodes = random variables</a:t>
-            </a:r>
-          </a:p>
-          <a:p>
-            <a:r>
-              <a:rPr lang="en-US" dirty="0" smtClean="0"/>
-              <a:t>Parameters = probability of child node given parent nodes</a:t>
-            </a:r>
-          </a:p>
-          <a:p>
-            <a:r>
-              <a:rPr lang="en-US" dirty="0" smtClean="0"/>
-              <a:t>Represents </a:t>
-            </a:r>
-            <a:r>
-              <a:rPr lang="en-US" b="1" dirty="0" smtClean="0"/>
-              <a:t>joint distribution</a:t>
-            </a:r>
-            <a:r>
-              <a:rPr lang="en-US" dirty="0" smtClean="0"/>
-              <a:t> of random variables</a:t>
-            </a:r>
-          </a:p>
-          <a:p>
-            <a:r>
-              <a:rPr lang="en-US" dirty="0" smtClean="0"/>
-              <a:t>Supports probabilistic frequency queries, visualizes correlations</a:t>
-            </a:r>
-          </a:p>
-        </p:txBody>
-      </p:sp>
-      <p:sp>
-        <p:nvSpPr>
-          <p:cNvPr id="4" name="Footer Placeholder 3"/>
-          <p:cNvSpPr>
-            <a:spLocks noGrp="1"/>
-          </p:cNvSpPr>
-          <p:nvPr>
-            <p:ph type="ftr" sz="quarter" idx="11"/>
-          </p:nvPr>
-        </p:nvSpPr>
-        <p:spPr/>
-        <p:txBody>
-          <a:bodyPr/>
-          <a:lstStyle/>
-          <a:p>
-            <a:pPr>
-              <a:defRPr/>
-            </a:pPr>
-            <a:r>
-              <a:rPr lang="en-US" smtClean="0"/>
-              <a:t>Learning Bayesian Networks for Complex Relational Data</a:t>
-            </a:r>
-            <a:endParaRPr lang="en-US" dirty="0"/>
-          </a:p>
-        </p:txBody>
-      </p:sp>
-    </p:spTree>
-    <p:extLst>
-      <p:ext uri="{BB962C8B-B14F-4D97-AF65-F5344CB8AC3E}">
-        <p14:creationId xmlns:p14="http://schemas.microsoft.com/office/powerpoint/2010/main" val="1684232837"/>
-      </p:ext>
-    </p:extLst>
-  </p:cSld>
-  <p:clrMapOvr>
-    <a:masterClrMapping/>
-  </p:clrMapOvr>
-  <p:timing>
-    <p:tnLst>
-      <p:par>
-        <p:cTn xmlns:p14="http://schemas.microsoft.com/office/powerpoint/2010/main" id="1" dur="indefinite" restart="never" nodeType="tmRoot"/>
-      </p:par>
-    </p:tnLst>
-  </p:timing>
-</p:sld>
-</file>
-
-<file path=ppt/slides/slide20.xml><?xml version="1.0" encoding="utf-8"?>
+<file path=ppt/slides/slide19.xml><?xml version="1.0" encoding="utf-8"?>
 <p:sld xmlns:a="http://schemas.openxmlformats.org/drawingml/2006/main" xmlns:r="http://schemas.openxmlformats.org/officeDocument/2006/relationships" xmlns:p="http://schemas.openxmlformats.org/presentationml/2006/main">
   <p:cSld>
     <p:spTree>
@@ -15196,6 +13255,280 @@
 </p:sld>
 </file>
 
+<file path=ppt/slides/slide2.xml><?xml version="1.0" encoding="utf-8"?>
+<p:sld xmlns:a="http://schemas.openxmlformats.org/drawingml/2006/main" xmlns:r="http://schemas.openxmlformats.org/officeDocument/2006/relationships" xmlns:p="http://schemas.openxmlformats.org/presentationml/2006/main">
+  <p:cSld>
+    <p:spTree>
+      <p:nvGrpSpPr>
+        <p:cNvPr id="1" name=""/>
+        <p:cNvGrpSpPr/>
+        <p:nvPr/>
+      </p:nvGrpSpPr>
+      <p:grpSpPr>
+        <a:xfrm>
+          <a:off x="0" y="0"/>
+          <a:ext cx="0" cy="0"/>
+          <a:chOff x="0" y="0"/>
+          <a:chExt cx="0" cy="0"/>
+        </a:xfrm>
+      </p:grpSpPr>
+      <p:sp>
+        <p:nvSpPr>
+          <p:cNvPr id="2" name="Title 1"/>
+          <p:cNvSpPr>
+            <a:spLocks noGrp="1"/>
+          </p:cNvSpPr>
+          <p:nvPr>
+            <p:ph type="title"/>
+          </p:nvPr>
+        </p:nvSpPr>
+        <p:spPr/>
+        <p:txBody>
+          <a:bodyPr/>
+          <a:lstStyle/>
+          <a:p>
+            <a:r>
+              <a:rPr lang="en-US" dirty="0" smtClean="0"/>
+              <a:t>Bayesian Networks for </a:t>
+            </a:r>
+            <a:r>
+              <a:rPr lang="en-US" dirty="0" err="1" smtClean="0"/>
+              <a:t>i.i.d</a:t>
+            </a:r>
+            <a:r>
+              <a:rPr lang="en-US" dirty="0" smtClean="0"/>
+              <a:t>. data</a:t>
+            </a:r>
+            <a:endParaRPr lang="en-US" dirty="0"/>
+          </a:p>
+        </p:txBody>
+      </p:sp>
+      <p:sp>
+        <p:nvSpPr>
+          <p:cNvPr id="3" name="Content Placeholder 2"/>
+          <p:cNvSpPr>
+            <a:spLocks noGrp="1"/>
+          </p:cNvSpPr>
+          <p:nvPr>
+            <p:ph sz="quarter" idx="1"/>
+          </p:nvPr>
+        </p:nvSpPr>
+        <p:spPr>
+          <a:xfrm>
+            <a:off x="914400" y="1447800"/>
+            <a:ext cx="7772400" cy="2590800"/>
+          </a:xfrm>
+        </p:spPr>
+        <p:txBody>
+          <a:bodyPr/>
+          <a:lstStyle/>
+          <a:p>
+            <a:r>
+              <a:rPr lang="en-US" dirty="0" smtClean="0"/>
+              <a:t>Directed Acyclic Graph, where nodes = random variables</a:t>
+            </a:r>
+          </a:p>
+          <a:p>
+            <a:r>
+              <a:rPr lang="en-US" dirty="0" smtClean="0"/>
+              <a:t>Parameters = probability of child node given parent nodes</a:t>
+            </a:r>
+          </a:p>
+          <a:p>
+            <a:r>
+              <a:rPr lang="en-US" dirty="0" smtClean="0"/>
+              <a:t>Represents </a:t>
+            </a:r>
+            <a:r>
+              <a:rPr lang="en-US" b="1" dirty="0" smtClean="0"/>
+              <a:t>joint distribution</a:t>
+            </a:r>
+            <a:r>
+              <a:rPr lang="en-US" dirty="0" smtClean="0"/>
+              <a:t> of random variables</a:t>
+            </a:r>
+          </a:p>
+          <a:p>
+            <a:r>
+              <a:rPr lang="en-US" dirty="0" smtClean="0"/>
+              <a:t>Supports probabilistic frequency queries, visualizes correlations</a:t>
+            </a:r>
+          </a:p>
+        </p:txBody>
+      </p:sp>
+      <p:sp>
+        <p:nvSpPr>
+          <p:cNvPr id="4" name="Footer Placeholder 3"/>
+          <p:cNvSpPr>
+            <a:spLocks noGrp="1"/>
+          </p:cNvSpPr>
+          <p:nvPr>
+            <p:ph type="ftr" sz="quarter" idx="11"/>
+          </p:nvPr>
+        </p:nvSpPr>
+        <p:spPr/>
+        <p:txBody>
+          <a:bodyPr/>
+          <a:lstStyle/>
+          <a:p>
+            <a:pPr>
+              <a:defRPr/>
+            </a:pPr>
+            <a:r>
+              <a:rPr lang="en-US" smtClean="0"/>
+              <a:t>Learning Bayesian Networks for Complex Relational Data</a:t>
+            </a:r>
+            <a:endParaRPr lang="en-US" dirty="0"/>
+          </a:p>
+        </p:txBody>
+      </p:sp>
+    </p:spTree>
+    <p:extLst>
+      <p:ext uri="{BB962C8B-B14F-4D97-AF65-F5344CB8AC3E}">
+        <p14:creationId xmlns:p14="http://schemas.microsoft.com/office/powerpoint/2010/main" val="1684232837"/>
+      </p:ext>
+    </p:extLst>
+  </p:cSld>
+  <p:clrMapOvr>
+    <a:masterClrMapping/>
+  </p:clrMapOvr>
+</p:sld>
+</file>
+
+<file path=ppt/slides/slide20.xml><?xml version="1.0" encoding="utf-8"?>
+<p:sld xmlns:a="http://schemas.openxmlformats.org/drawingml/2006/main" xmlns:r="http://schemas.openxmlformats.org/officeDocument/2006/relationships" xmlns:p="http://schemas.openxmlformats.org/presentationml/2006/main">
+  <p:cSld>
+    <p:spTree>
+      <p:nvGrpSpPr>
+        <p:cNvPr id="1" name=""/>
+        <p:cNvGrpSpPr/>
+        <p:nvPr/>
+      </p:nvGrpSpPr>
+      <p:grpSpPr>
+        <a:xfrm>
+          <a:off x="0" y="0"/>
+          <a:ext cx="0" cy="0"/>
+          <a:chOff x="0" y="0"/>
+          <a:chExt cx="0" cy="0"/>
+        </a:xfrm>
+      </p:grpSpPr>
+      <p:sp>
+        <p:nvSpPr>
+          <p:cNvPr id="2" name="Title 1"/>
+          <p:cNvSpPr>
+            <a:spLocks noGrp="1"/>
+          </p:cNvSpPr>
+          <p:nvPr>
+            <p:ph type="title"/>
+          </p:nvPr>
+        </p:nvSpPr>
+        <p:spPr/>
+        <p:txBody>
+          <a:bodyPr/>
+          <a:lstStyle/>
+          <a:p>
+            <a:r>
+              <a:rPr lang="en-US"/>
+              <a:t>IMDb Data Format</a:t>
+            </a:r>
+          </a:p>
+        </p:txBody>
+      </p:sp>
+      <p:sp>
+        <p:nvSpPr>
+          <p:cNvPr id="4" name="Footer Placeholder 3"/>
+          <p:cNvSpPr>
+            <a:spLocks noGrp="1"/>
+          </p:cNvSpPr>
+          <p:nvPr>
+            <p:ph type="ftr" sz="quarter" idx="11"/>
+          </p:nvPr>
+        </p:nvSpPr>
+        <p:spPr/>
+        <p:txBody>
+          <a:bodyPr/>
+          <a:lstStyle/>
+          <a:p>
+            <a:pPr>
+              <a:defRPr/>
+            </a:pPr>
+            <a:r>
+              <a:rPr lang="en-US" dirty="0" smtClean="0"/>
+              <a:t>Learning Bayesian Networks for Complex Relational Data</a:t>
+            </a:r>
+            <a:endParaRPr lang="en-US" dirty="0"/>
+          </a:p>
+        </p:txBody>
+      </p:sp>
+      <p:pic>
+        <p:nvPicPr>
+          <p:cNvPr id="7" name="Content Placeholder 6" descr="eer-imdb_2r.pdf"/>
+          <p:cNvPicPr>
+            <a:picLocks noGrp="1" noChangeAspect="1"/>
+          </p:cNvPicPr>
+          <p:nvPr>
+            <p:ph sz="quarter" idx="1"/>
+          </p:nvPr>
+        </p:nvPicPr>
+        <p:blipFill>
+          <a:blip r:embed="rId2">
+            <a:extLst>
+              <a:ext uri="{28A0092B-C50C-407E-A947-70E740481C1C}">
+                <a14:useLocalDpi xmlns:a14="http://schemas.microsoft.com/office/drawing/2010/main" val="0"/>
+              </a:ext>
+            </a:extLst>
+          </a:blip>
+          <a:srcRect l="-73786" r="-73786"/>
+          <a:stretch>
+            <a:fillRect/>
+          </a:stretch>
+        </p:blipFill>
+        <p:spPr/>
+      </p:pic>
+      <p:sp>
+        <p:nvSpPr>
+          <p:cNvPr id="8" name="TextBox 7"/>
+          <p:cNvSpPr txBox="1"/>
+          <p:nvPr/>
+        </p:nvSpPr>
+        <p:spPr>
+          <a:xfrm>
+            <a:off x="1091608" y="1698002"/>
+            <a:ext cx="3524538" cy="400110"/>
+          </a:xfrm>
+          <a:prstGeom prst="rect">
+            <a:avLst/>
+          </a:prstGeom>
+          <a:noFill/>
+        </p:spPr>
+        <p:txBody>
+          <a:bodyPr wrap="square" rtlCol="0">
+            <a:spAutoFit/>
+          </a:bodyPr>
+          <a:lstStyle/>
+          <a:p>
+            <a:r>
+              <a:rPr lang="en-US" sz="2000" dirty="0">
+                <a:latin typeface="+mn-lt"/>
+              </a:rPr>
+              <a:t>data with two relationships</a:t>
+            </a:r>
+          </a:p>
+        </p:txBody>
+      </p:sp>
+    </p:spTree>
+    <p:extLst>
+      <p:ext uri="{BB962C8B-B14F-4D97-AF65-F5344CB8AC3E}">
+        <p14:creationId xmlns:p14="http://schemas.microsoft.com/office/powerpoint/2010/main" val="3390277237"/>
+      </p:ext>
+    </p:extLst>
+  </p:cSld>
+  <p:clrMapOvr>
+    <a:masterClrMapping/>
+  </p:clrMapOvr>
+</p:sld>
+</file>
+
 <file path=ppt/slides/slide21.xml><?xml version="1.0" encoding="utf-8"?>
 <p:sld xmlns:a="http://schemas.openxmlformats.org/drawingml/2006/main" xmlns:r="http://schemas.openxmlformats.org/officeDocument/2006/relationships" xmlns:p="http://schemas.openxmlformats.org/presentationml/2006/main">
   <p:cSld>
@@ -15229,378 +13562,6 @@
           <a:lstStyle/>
           <a:p>
             <a:r>
-              <a:rPr lang="en-US" dirty="0" smtClean="0"/>
-              <a:t>Real-World Examples</a:t>
-            </a:r>
-            <a:endParaRPr lang="en-US" dirty="0"/>
-          </a:p>
-        </p:txBody>
-      </p:sp>
-      <p:sp>
-        <p:nvSpPr>
-          <p:cNvPr id="3" name="Content Placeholder 2"/>
-          <p:cNvSpPr>
-            <a:spLocks noGrp="1"/>
-          </p:cNvSpPr>
-          <p:nvPr>
-            <p:ph sz="quarter" idx="1"/>
-          </p:nvPr>
-        </p:nvSpPr>
-        <p:spPr/>
-        <p:txBody>
-          <a:bodyPr/>
-          <a:lstStyle/>
-          <a:p>
-            <a:r>
-              <a:rPr lang="en-US" dirty="0" smtClean="0"/>
-              <a:t>To illustrate frequency semantics, learn and evaluate on the training set</a:t>
-            </a:r>
-          </a:p>
-          <a:p>
-            <a:pPr>
-              <a:buFont typeface="Wingdings" charset="2"/>
-              <a:buChar char="Ø"/>
-            </a:pPr>
-            <a:r>
-              <a:rPr lang="en-US" dirty="0" smtClean="0"/>
-              <a:t>ground truth about frequencies</a:t>
-            </a:r>
-          </a:p>
-          <a:p>
-            <a:r>
-              <a:rPr lang="en-US" dirty="0" smtClean="0"/>
-              <a:t>We discuss </a:t>
-            </a:r>
-            <a:r>
-              <a:rPr lang="en-US" smtClean="0"/>
-              <a:t>generalization later</a:t>
-            </a:r>
-            <a:endParaRPr lang="en-US" dirty="0"/>
-          </a:p>
-        </p:txBody>
-      </p:sp>
-      <p:sp>
-        <p:nvSpPr>
-          <p:cNvPr id="4" name="Footer Placeholder 3"/>
-          <p:cNvSpPr>
-            <a:spLocks noGrp="1"/>
-          </p:cNvSpPr>
-          <p:nvPr>
-            <p:ph type="ftr" sz="quarter" idx="11"/>
-          </p:nvPr>
-        </p:nvSpPr>
-        <p:spPr/>
-        <p:txBody>
-          <a:bodyPr/>
-          <a:lstStyle/>
-          <a:p>
-            <a:pPr>
-              <a:defRPr/>
-            </a:pPr>
-            <a:r>
-              <a:rPr lang="en-US" smtClean="0"/>
-              <a:t>Learning Bayesian Networks for Complex Relational Data</a:t>
-            </a:r>
-            <a:endParaRPr lang="en-US" dirty="0"/>
-          </a:p>
-        </p:txBody>
-      </p:sp>
-    </p:spTree>
-    <p:extLst>
-      <p:ext uri="{BB962C8B-B14F-4D97-AF65-F5344CB8AC3E}">
-        <p14:creationId xmlns:p14="http://schemas.microsoft.com/office/powerpoint/2010/main" val="1783730659"/>
-      </p:ext>
-    </p:extLst>
-  </p:cSld>
-  <p:clrMapOvr>
-    <a:masterClrMapping/>
-  </p:clrMapOvr>
-</p:sld>
-</file>
-
-<file path=ppt/slides/slide22.xml><?xml version="1.0" encoding="utf-8"?>
-<p:sld xmlns:a="http://schemas.openxmlformats.org/drawingml/2006/main" xmlns:r="http://schemas.openxmlformats.org/officeDocument/2006/relationships" xmlns:p="http://schemas.openxmlformats.org/presentationml/2006/main">
-  <p:cSld>
-    <p:spTree>
-      <p:nvGrpSpPr>
-        <p:cNvPr id="1" name=""/>
-        <p:cNvGrpSpPr/>
-        <p:nvPr/>
-      </p:nvGrpSpPr>
-      <p:grpSpPr>
-        <a:xfrm>
-          <a:off x="0" y="0"/>
-          <a:ext cx="0" cy="0"/>
-          <a:chOff x="0" y="0"/>
-          <a:chExt cx="0" cy="0"/>
-        </a:xfrm>
-      </p:grpSpPr>
-      <p:sp>
-        <p:nvSpPr>
-          <p:cNvPr id="2" name="Title 1"/>
-          <p:cNvSpPr>
-            <a:spLocks noGrp="1"/>
-          </p:cNvSpPr>
-          <p:nvPr>
-            <p:ph type="title"/>
-          </p:nvPr>
-        </p:nvSpPr>
-        <p:spPr/>
-        <p:txBody>
-          <a:bodyPr/>
-          <a:lstStyle/>
-          <a:p>
-            <a:r>
-              <a:rPr lang="en-US"/>
-              <a:t>IMDb Data Format</a:t>
-            </a:r>
-          </a:p>
-        </p:txBody>
-      </p:sp>
-      <p:sp>
-        <p:nvSpPr>
-          <p:cNvPr id="4" name="Footer Placeholder 3"/>
-          <p:cNvSpPr>
-            <a:spLocks noGrp="1"/>
-          </p:cNvSpPr>
-          <p:nvPr>
-            <p:ph type="ftr" sz="quarter" idx="11"/>
-          </p:nvPr>
-        </p:nvSpPr>
-        <p:spPr/>
-        <p:txBody>
-          <a:bodyPr/>
-          <a:lstStyle/>
-          <a:p>
-            <a:pPr>
-              <a:defRPr/>
-            </a:pPr>
-            <a:r>
-              <a:rPr lang="en-US" dirty="0" smtClean="0"/>
-              <a:t>Learning Bayesian Networks for Complex Relational Data</a:t>
-            </a:r>
-            <a:endParaRPr lang="en-US" dirty="0"/>
-          </a:p>
-        </p:txBody>
-      </p:sp>
-      <p:pic>
-        <p:nvPicPr>
-          <p:cNvPr id="7" name="Content Placeholder 6" descr="eer-imdb_2r.pdf"/>
-          <p:cNvPicPr>
-            <a:picLocks noGrp="1" noChangeAspect="1"/>
-          </p:cNvPicPr>
-          <p:nvPr>
-            <p:ph sz="quarter" idx="1"/>
-          </p:nvPr>
-        </p:nvPicPr>
-        <p:blipFill>
-          <a:blip r:embed="rId3">
-            <a:extLst>
-              <a:ext uri="{28A0092B-C50C-407E-A947-70E740481C1C}">
-                <a14:useLocalDpi xmlns:a14="http://schemas.microsoft.com/office/drawing/2010/main" val="0"/>
-              </a:ext>
-            </a:extLst>
-          </a:blip>
-          <a:srcRect l="-73786" r="-73786"/>
-          <a:stretch>
-            <a:fillRect/>
-          </a:stretch>
-        </p:blipFill>
-        <p:spPr/>
-      </p:pic>
-      <p:sp>
-        <p:nvSpPr>
-          <p:cNvPr id="8" name="TextBox 7"/>
-          <p:cNvSpPr txBox="1"/>
-          <p:nvPr/>
-        </p:nvSpPr>
-        <p:spPr>
-          <a:xfrm>
-            <a:off x="1091608" y="1698002"/>
-            <a:ext cx="3524538" cy="400110"/>
-          </a:xfrm>
-          <a:prstGeom prst="rect">
-            <a:avLst/>
-          </a:prstGeom>
-          <a:noFill/>
-        </p:spPr>
-        <p:txBody>
-          <a:bodyPr wrap="square" rtlCol="0">
-            <a:spAutoFit/>
-          </a:bodyPr>
-          <a:lstStyle/>
-          <a:p>
-            <a:r>
-              <a:rPr lang="en-US" sz="2000" dirty="0">
-                <a:latin typeface="+mn-lt"/>
-              </a:rPr>
-              <a:t>data with two relationships</a:t>
-            </a:r>
-          </a:p>
-        </p:txBody>
-      </p:sp>
-    </p:spTree>
-    <p:extLst>
-      <p:ext uri="{BB962C8B-B14F-4D97-AF65-F5344CB8AC3E}">
-        <p14:creationId xmlns:p14="http://schemas.microsoft.com/office/powerpoint/2010/main" val="3390277237"/>
-      </p:ext>
-    </p:extLst>
-  </p:cSld>
-  <p:clrMapOvr>
-    <a:masterClrMapping/>
-  </p:clrMapOvr>
-  <p:timing>
-    <p:tnLst>
-      <p:par>
-        <p:cTn xmlns:p14="http://schemas.microsoft.com/office/powerpoint/2010/main" id="1" dur="indefinite" restart="never" nodeType="tmRoot"/>
-      </p:par>
-    </p:tnLst>
-  </p:timing>
-</p:sld>
-</file>
-
-<file path=ppt/slides/slide23.xml><?xml version="1.0" encoding="utf-8"?>
-<p:sld xmlns:a="http://schemas.openxmlformats.org/drawingml/2006/main" xmlns:r="http://schemas.openxmlformats.org/officeDocument/2006/relationships" xmlns:p="http://schemas.openxmlformats.org/presentationml/2006/main">
-  <p:cSld>
-    <p:spTree>
-      <p:nvGrpSpPr>
-        <p:cNvPr id="1" name=""/>
-        <p:cNvGrpSpPr/>
-        <p:nvPr/>
-      </p:nvGrpSpPr>
-      <p:grpSpPr>
-        <a:xfrm>
-          <a:off x="0" y="0"/>
-          <a:ext cx="0" cy="0"/>
-          <a:chOff x="0" y="0"/>
-          <a:chExt cx="0" cy="0"/>
-        </a:xfrm>
-      </p:grpSpPr>
-      <p:sp>
-        <p:nvSpPr>
-          <p:cNvPr id="2" name="Title 1"/>
-          <p:cNvSpPr>
-            <a:spLocks noGrp="1"/>
-          </p:cNvSpPr>
-          <p:nvPr>
-            <p:ph type="title"/>
-          </p:nvPr>
-        </p:nvSpPr>
-        <p:spPr/>
-        <p:txBody>
-          <a:bodyPr/>
-          <a:lstStyle/>
-          <a:p>
-            <a:r>
-              <a:rPr lang="en-US" dirty="0" smtClean="0"/>
-              <a:t>Learned Bayes Net for Full IMDB</a:t>
-            </a:r>
-            <a:endParaRPr lang="en-US" dirty="0"/>
-          </a:p>
-        </p:txBody>
-      </p:sp>
-      <p:sp>
-        <p:nvSpPr>
-          <p:cNvPr id="4" name="Footer Placeholder 3"/>
-          <p:cNvSpPr>
-            <a:spLocks noGrp="1"/>
-          </p:cNvSpPr>
-          <p:nvPr>
-            <p:ph type="ftr" sz="quarter" idx="11"/>
-          </p:nvPr>
-        </p:nvSpPr>
-        <p:spPr/>
-        <p:txBody>
-          <a:bodyPr/>
-          <a:lstStyle/>
-          <a:p>
-            <a:pPr>
-              <a:defRPr/>
-            </a:pPr>
-            <a:r>
-              <a:rPr lang="en-US" smtClean="0"/>
-              <a:t>Learning Bayesian Networks for Complex Relational Data</a:t>
-            </a:r>
-            <a:endParaRPr lang="en-US" dirty="0"/>
-          </a:p>
-        </p:txBody>
-      </p:sp>
-      <p:pic>
-        <p:nvPicPr>
-          <p:cNvPr id="7" name="Content Placeholder 6" descr="bn-screenshot.pdf"/>
-          <p:cNvPicPr>
-            <a:picLocks noGrp="1" noChangeAspect="1"/>
-          </p:cNvPicPr>
-          <p:nvPr>
-            <p:ph sz="quarter" idx="1"/>
-          </p:nvPr>
-        </p:nvPicPr>
-        <p:blipFill>
-          <a:blip r:embed="rId3">
-            <a:extLst>
-              <a:ext uri="{28A0092B-C50C-407E-A947-70E740481C1C}">
-                <a14:useLocalDpi xmlns:a14="http://schemas.microsoft.com/office/drawing/2010/main" val="0"/>
-              </a:ext>
-            </a:extLst>
-          </a:blip>
-          <a:srcRect t="-9885" b="-9885"/>
-          <a:stretch>
-            <a:fillRect/>
-          </a:stretch>
-        </p:blipFill>
-        <p:spPr>
-          <a:xfrm>
-            <a:off x="647700" y="1612900"/>
-            <a:ext cx="7772400" cy="4572000"/>
-          </a:xfrm>
-        </p:spPr>
-      </p:pic>
-    </p:spTree>
-    <p:extLst>
-      <p:ext uri="{BB962C8B-B14F-4D97-AF65-F5344CB8AC3E}">
-        <p14:creationId xmlns:p14="http://schemas.microsoft.com/office/powerpoint/2010/main" val="406283409"/>
-      </p:ext>
-    </p:extLst>
-  </p:cSld>
-  <p:clrMapOvr>
-    <a:masterClrMapping/>
-  </p:clrMapOvr>
-</p:sld>
-</file>
-
-<file path=ppt/slides/slide24.xml><?xml version="1.0" encoding="utf-8"?>
-<p:sld xmlns:a="http://schemas.openxmlformats.org/drawingml/2006/main" xmlns:r="http://schemas.openxmlformats.org/officeDocument/2006/relationships" xmlns:p="http://schemas.openxmlformats.org/presentationml/2006/main">
-  <p:cSld>
-    <p:spTree>
-      <p:nvGrpSpPr>
-        <p:cNvPr id="1" name=""/>
-        <p:cNvGrpSpPr/>
-        <p:nvPr/>
-      </p:nvGrpSpPr>
-      <p:grpSpPr>
-        <a:xfrm>
-          <a:off x="0" y="0"/>
-          <a:ext cx="0" cy="0"/>
-          <a:chOff x="0" y="0"/>
-          <a:chExt cx="0" cy="0"/>
-        </a:xfrm>
-      </p:grpSpPr>
-      <p:sp>
-        <p:nvSpPr>
-          <p:cNvPr id="2" name="Title 1"/>
-          <p:cNvSpPr>
-            <a:spLocks noGrp="1"/>
-          </p:cNvSpPr>
-          <p:nvPr>
-            <p:ph type="title"/>
-          </p:nvPr>
-        </p:nvSpPr>
-        <p:spPr/>
-        <p:txBody>
-          <a:bodyPr/>
-          <a:lstStyle/>
-          <a:p>
-            <a:r>
               <a:rPr lang="en-US"/>
               <a:t>Learned Bayes Net for IMDb</a:t>
             </a:r>
@@ -15632,15 +13593,7 @@
             </a:pPr>
             <a:r>
               <a:rPr lang="en-US" dirty="0"/>
-              <a:t>With </a:t>
-            </a:r>
-            <a:r>
-              <a:rPr lang="en-US" dirty="0" smtClean="0"/>
-              <a:t>only 1 </a:t>
-            </a:r>
-            <a:r>
-              <a:rPr lang="en-US" dirty="0"/>
-              <a:t>relationship </a:t>
+              <a:t>With 1 relationship </a:t>
             </a:r>
             <a:r>
               <a:rPr lang="en-US" dirty="0" err="1"/>
@@ -15656,11 +13609,7 @@
             </a:r>
             <a:r>
               <a:rPr lang="en-US" dirty="0"/>
-              <a:t>)</a:t>
-            </a:r>
-            <a:r>
-              <a:rPr lang="en-US" dirty="0" smtClean="0"/>
-              <a:t>.</a:t>
+              <a:t>).</a:t>
             </a:r>
           </a:p>
         </p:txBody>
@@ -15731,17 +13680,10 @@
   <p:clrMapOvr>
     <a:masterClrMapping/>
   </p:clrMapOvr>
-  <p:timing>
-    <p:tnLst>
-      <p:par>
-        <p:cTn xmlns:p14="http://schemas.microsoft.com/office/powerpoint/2010/main" id="1" dur="indefinite" restart="never" nodeType="tmRoot"/>
-      </p:par>
-    </p:tnLst>
-  </p:timing>
 </p:sld>
 </file>
 
-<file path=ppt/slides/slide25.xml><?xml version="1.0" encoding="utf-8"?>
+<file path=ppt/slides/slide22.xml><?xml version="1.0" encoding="utf-8"?>
 <p:sld xmlns:a="http://schemas.openxmlformats.org/drawingml/2006/main" xmlns:r="http://schemas.openxmlformats.org/officeDocument/2006/relationships" xmlns:p="http://schemas.openxmlformats.org/presentationml/2006/main">
   <p:cSld>
     <p:spTree>
@@ -15794,35 +13736,9 @@
           </a:p>
         </p:txBody>
       </p:sp>
-      <p:sp>
-        <p:nvSpPr>
-          <p:cNvPr id="4" name="Footer Placeholder 3"/>
-          <p:cNvSpPr>
-            <a:spLocks noGrp="1"/>
-          </p:cNvSpPr>
-          <p:nvPr>
-            <p:ph type="ftr" sz="quarter" idx="11"/>
-          </p:nvPr>
-        </p:nvSpPr>
-        <p:spPr/>
-        <p:txBody>
-          <a:bodyPr/>
-          <a:lstStyle/>
-          <a:p>
-            <a:pPr>
-              <a:defRPr/>
-            </a:pPr>
-            <a:r>
-              <a:rPr lang="en-US" dirty="0" smtClean="0"/>
-              <a:t>Learning Bayesian Networks for Complex Relational Data</a:t>
-            </a:r>
-            <a:endParaRPr lang="en-US" dirty="0"/>
-          </a:p>
-        </p:txBody>
-      </p:sp>
       <p:pic>
         <p:nvPicPr>
-          <p:cNvPr id="6" name="Content Placeholder 5" descr="query-screenshot.pdf"/>
+          <p:cNvPr id="5" name="Content Placeholder 4" descr="query-screenshot.pdf"/>
           <p:cNvPicPr>
             <a:picLocks noGrp="1" noChangeAspect="1"/>
           </p:cNvPicPr>
@@ -15838,13 +13754,39 @@
               </a:ext>
             </a:extLst>
           </a:blip>
-          <a:srcRect l="1429" r="1429"/>
+          <a:srcRect t="4917" b="4917"/>
           <a:stretch>
             <a:fillRect/>
           </a:stretch>
         </p:blipFill>
         <p:spPr/>
       </p:pic>
+      <p:sp>
+        <p:nvSpPr>
+          <p:cNvPr id="4" name="Footer Placeholder 3"/>
+          <p:cNvSpPr>
+            <a:spLocks noGrp="1"/>
+          </p:cNvSpPr>
+          <p:nvPr>
+            <p:ph type="ftr" sz="quarter" idx="11"/>
+          </p:nvPr>
+        </p:nvSpPr>
+        <p:spPr/>
+        <p:txBody>
+          <a:bodyPr/>
+          <a:lstStyle/>
+          <a:p>
+            <a:pPr>
+              <a:defRPr/>
+            </a:pPr>
+            <a:r>
+              <a:rPr lang="en-US" dirty="0" smtClean="0"/>
+              <a:t>Learning Bayesian Networks for Complex Relational Data</a:t>
+            </a:r>
+            <a:endParaRPr lang="en-US" dirty="0"/>
+          </a:p>
+        </p:txBody>
+      </p:sp>
     </p:spTree>
     <p:extLst>
       <p:ext uri="{BB962C8B-B14F-4D97-AF65-F5344CB8AC3E}">
@@ -15855,17 +13797,10 @@
   <p:clrMapOvr>
     <a:masterClrMapping/>
   </p:clrMapOvr>
-  <p:timing>
-    <p:tnLst>
-      <p:par>
-        <p:cTn xmlns:p14="http://schemas.microsoft.com/office/powerpoint/2010/main" id="1" dur="indefinite" restart="never" nodeType="tmRoot"/>
-      </p:par>
-    </p:tnLst>
-  </p:timing>
 </p:sld>
 </file>
 
-<file path=ppt/slides/slide26.xml><?xml version="1.0" encoding="utf-8"?>
+<file path=ppt/slides/slide23.xml><?xml version="1.0" encoding="utf-8"?>
 <p:sld xmlns:a="http://schemas.openxmlformats.org/drawingml/2006/main" xmlns:r="http://schemas.openxmlformats.org/officeDocument/2006/relationships" xmlns:p="http://schemas.openxmlformats.org/presentationml/2006/main">
   <p:cSld>
     <p:spTree>
@@ -15915,7 +13850,7 @@
             <p:ph sz="quarter" idx="1"/>
             <p:extLst>
               <p:ext uri="{D42A27DB-BD31-4B8C-83A1-F6EECF244321}">
-                <p14:modId xmlns:p14="http://schemas.microsoft.com/office/powerpoint/2010/main" val="2563462098"/>
+                <p14:modId xmlns:p14="http://schemas.microsoft.com/office/powerpoint/2010/main" val="2812031506"/>
               </p:ext>
             </p:extLst>
           </p:nvPr>
@@ -15928,7 +13863,7 @@
           <a:graphicData uri="http://schemas.openxmlformats.org/drawingml/2006/table">
             <a:tbl>
               <a:tblPr firstRow="1" bandRow="1">
-                <a:tableStyleId>{D7AC3CCA-C797-4891-BE02-D94E43425B78}</a:tableStyleId>
+                <a:tableStyleId>{5C22544A-7EE6-4342-B048-85BDC9FD1C3A}</a:tableStyleId>
               </a:tblPr>
               <a:tblGrid>
                 <a:gridCol w="2565896"/>
@@ -15942,24 +13877,25 @@
                     <a:p>
                       <a:pPr algn="l" fontAlgn="b"/>
                       <a:r>
-                        <a:rPr lang="en-US" sz="2400" u="none" strike="noStrike" dirty="0" err="1">
+                        <a:rPr lang="en-US" sz="2400" b="0" i="0" u="none" strike="noStrike" dirty="0" err="1">
+                          <a:solidFill>
+                            <a:srgbClr val="000000"/>
+                          </a:solidFill>
                           <a:effectLst/>
+                          <a:latin typeface="+mn-lt"/>
                         </a:rPr>
                         <a:t>Num</a:t>
                       </a:r>
                       <a:r>
-                        <a:rPr lang="en-US" sz="2400" u="none" strike="noStrike" dirty="0">
+                        <a:rPr lang="en-US" sz="2400" b="0" i="0" u="none" strike="noStrike" dirty="0">
+                          <a:solidFill>
+                            <a:srgbClr val="000000"/>
+                          </a:solidFill>
                           <a:effectLst/>
+                          <a:latin typeface="+mn-lt"/>
                         </a:rPr>
                         <a:t> Movies</a:t>
                       </a:r>
-                      <a:endParaRPr lang="en-US" sz="2400" b="0" i="0" u="none" strike="noStrike" dirty="0">
-                        <a:solidFill>
-                          <a:srgbClr val="000000"/>
-                        </a:solidFill>
-                        <a:effectLst/>
-                        <a:latin typeface="+mn-lt"/>
-                      </a:endParaRPr>
                     </a:p>
                   </a:txBody>
                   <a:tcPr marL="12700" marR="12700" marT="12700" marB="0" anchor="b"/>
@@ -15971,18 +13907,15 @@
                     <a:p>
                       <a:pPr algn="r" fontAlgn="b"/>
                       <a:r>
-                        <a:rPr lang="cs-CZ" sz="2400" u="none" strike="noStrike" dirty="0">
+                        <a:rPr lang="cs-CZ" sz="2400" b="0" i="0" u="none" strike="noStrike" dirty="0">
+                          <a:solidFill>
+                            <a:srgbClr val="000000"/>
+                          </a:solidFill>
                           <a:effectLst/>
+                          <a:latin typeface="+mn-lt"/>
                         </a:rPr>
                         <a:t>3883</a:t>
                       </a:r>
-                      <a:endParaRPr lang="cs-CZ" sz="2400" b="0" i="0" u="none" strike="noStrike" dirty="0">
-                        <a:solidFill>
-                          <a:srgbClr val="000000"/>
-                        </a:solidFill>
-                        <a:effectLst/>
-                        <a:latin typeface="+mn-lt"/>
-                      </a:endParaRPr>
                     </a:p>
                   </a:txBody>
                   <a:tcPr marL="12700" marR="12700" marT="12700" marB="0" anchor="b"/>
@@ -15996,18 +13929,15 @@
                     <a:p>
                       <a:pPr algn="l" fontAlgn="b"/>
                       <a:r>
-                        <a:rPr lang="en-US" sz="2400" u="none" strike="noStrike">
+                        <a:rPr lang="en-US" sz="2400" b="0" i="0" u="none" strike="noStrike">
+                          <a:solidFill>
+                            <a:srgbClr val="000000"/>
+                          </a:solidFill>
                           <a:effectLst/>
+                          <a:latin typeface="+mn-lt"/>
                         </a:rPr>
                         <a:t>Num Users</a:t>
                       </a:r>
-                      <a:endParaRPr lang="en-US" sz="2400" b="0" i="0" u="none" strike="noStrike">
-                        <a:solidFill>
-                          <a:srgbClr val="000000"/>
-                        </a:solidFill>
-                        <a:effectLst/>
-                        <a:latin typeface="+mn-lt"/>
-                      </a:endParaRPr>
                     </a:p>
                   </a:txBody>
                   <a:tcPr marL="12700" marR="12700" marT="12700" marB="0" anchor="b"/>
@@ -16019,18 +13949,15 @@
                     <a:p>
                       <a:pPr algn="r" fontAlgn="b"/>
                       <a:r>
-                        <a:rPr lang="uk-UA" sz="2400" u="none" strike="noStrike" dirty="0">
+                        <a:rPr lang="uk-UA" sz="2400" b="0" i="0" u="none" strike="noStrike" dirty="0">
+                          <a:solidFill>
+                            <a:srgbClr val="000000"/>
+                          </a:solidFill>
                           <a:effectLst/>
+                          <a:latin typeface="+mn-lt"/>
                         </a:rPr>
                         <a:t>6039</a:t>
                       </a:r>
-                      <a:endParaRPr lang="uk-UA" sz="2400" b="0" i="0" u="none" strike="noStrike" dirty="0">
-                        <a:solidFill>
-                          <a:srgbClr val="000000"/>
-                        </a:solidFill>
-                        <a:effectLst/>
-                        <a:latin typeface="+mn-lt"/>
-                      </a:endParaRPr>
                     </a:p>
                   </a:txBody>
                   <a:tcPr marL="12700" marR="12700" marT="12700" marB="0" anchor="b"/>
@@ -16044,18 +13971,15 @@
                     <a:p>
                       <a:pPr algn="l" fontAlgn="b"/>
                       <a:r>
-                        <a:rPr lang="en-US" sz="2400" u="none" strike="noStrike">
+                        <a:rPr lang="en-US" sz="2400" b="0" i="0" u="none" strike="noStrike">
+                          <a:solidFill>
+                            <a:srgbClr val="000000"/>
+                          </a:solidFill>
                           <a:effectLst/>
+                          <a:latin typeface="+mn-lt"/>
                         </a:rPr>
                         <a:t>Num Movie-User Pairs</a:t>
                       </a:r>
-                      <a:endParaRPr lang="en-US" sz="2400" b="0" i="0" u="none" strike="noStrike">
-                        <a:solidFill>
-                          <a:srgbClr val="000000"/>
-                        </a:solidFill>
-                        <a:effectLst/>
-                        <a:latin typeface="+mn-lt"/>
-                      </a:endParaRPr>
                     </a:p>
                   </a:txBody>
                   <a:tcPr marL="12700" marR="12700" marT="12700" marB="0" anchor="b"/>
@@ -16067,20 +13991,32 @@
                     <a:p>
                       <a:pPr algn="r" fontAlgn="b"/>
                       <a:r>
-                        <a:rPr lang="cs-CZ" sz="2400" u="none" strike="noStrike" dirty="0" smtClean="0">
+                        <a:rPr lang="cs-CZ" sz="2400" b="0" i="0" u="none" strike="noStrike" dirty="0" smtClean="0">
+                          <a:solidFill>
+                            <a:srgbClr val="000000"/>
+                          </a:solidFill>
                           <a:effectLst/>
+                          <a:latin typeface="+mn-lt"/>
                         </a:rPr>
                         <a:t>3883 </a:t>
                       </a:r>
                       <a:r>
-                        <a:rPr lang="cs-CZ" sz="2400" u="none" strike="noStrike" dirty="0" err="1" smtClean="0">
+                        <a:rPr lang="cs-CZ" sz="2400" b="0" i="0" u="none" strike="noStrike" dirty="0" err="1" smtClean="0">
+                          <a:solidFill>
+                            <a:srgbClr val="000000"/>
+                          </a:solidFill>
                           <a:effectLst/>
+                          <a:latin typeface="+mn-lt"/>
                         </a:rPr>
                         <a:t>x</a:t>
                       </a:r>
                       <a:r>
-                        <a:rPr lang="cs-CZ" sz="2400" u="none" strike="noStrike" dirty="0" smtClean="0">
+                        <a:rPr lang="cs-CZ" sz="2400" b="0" i="0" u="none" strike="noStrike" dirty="0" smtClean="0">
+                          <a:solidFill>
+                            <a:srgbClr val="000000"/>
+                          </a:solidFill>
                           <a:effectLst/>
+                          <a:latin typeface="+mn-lt"/>
                         </a:rPr>
                         <a:t> 6039 = 23449437</a:t>
                       </a:r>
@@ -16136,7 +14072,7 @@
             <p:ph sz="quarter" idx="1"/>
             <p:extLst>
               <p:ext uri="{D42A27DB-BD31-4B8C-83A1-F6EECF244321}">
-                <p14:modId xmlns:p14="http://schemas.microsoft.com/office/powerpoint/2010/main" val="143273089"/>
+                <p14:modId xmlns:p14="http://schemas.microsoft.com/office/powerpoint/2010/main" val="3371825739"/>
               </p:ext>
             </p:extLst>
           </p:nvPr>
@@ -16149,7 +14085,7 @@
           <a:graphicData uri="http://schemas.openxmlformats.org/drawingml/2006/table">
             <a:tbl>
               <a:tblPr firstRow="1" bandRow="1">
-                <a:tableStyleId>{16D9F66E-5EB9-4882-86FB-DCBF35E3C3E4}</a:tableStyleId>
+                <a:tableStyleId>{5C22544A-7EE6-4342-B048-85BDC9FD1C3A}</a:tableStyleId>
               </a:tblPr>
               <a:tblGrid>
                 <a:gridCol w="3627999"/>
@@ -16163,14 +14099,22 @@
                     <a:p>
                       <a:pPr algn="l" fontAlgn="b"/>
                       <a:r>
-                        <a:rPr lang="en-US" sz="2400" u="none" strike="noStrike" dirty="0">
+                        <a:rPr lang="en-US" sz="2400" b="0" i="0" u="none" strike="noStrike" dirty="0">
+                          <a:solidFill>
+                            <a:srgbClr val="000000"/>
+                          </a:solidFill>
                           <a:effectLst/>
+                          <a:latin typeface="Calibri"/>
                         </a:rPr>
                         <a:t>Action(Movie) = T</a:t>
                       </a:r>
                       <a:r>
-                        <a:rPr lang="en-US" sz="2400" u="none" strike="noStrike" dirty="0" smtClean="0">
+                        <a:rPr lang="en-US" sz="2400" b="0" i="0" u="none" strike="noStrike" dirty="0" smtClean="0">
+                          <a:solidFill>
+                            <a:srgbClr val="000000"/>
+                          </a:solidFill>
                           <a:effectLst/>
+                          <a:latin typeface="Calibri"/>
                         </a:rPr>
                         <a:t>,</a:t>
                       </a:r>
@@ -16178,32 +14122,62 @@
                     <a:p>
                       <a:pPr algn="l" fontAlgn="b"/>
                       <a:r>
-                        <a:rPr lang="en-US" sz="2400" u="none" strike="noStrike" dirty="0" err="1" smtClean="0">
+                        <a:rPr lang="en-US" sz="2400" b="0" i="0" u="none" strike="noStrike" dirty="0" smtClean="0">
+                          <a:solidFill>
+                            <a:srgbClr val="000000"/>
+                          </a:solidFill>
                           <a:effectLst/>
+                          <a:latin typeface="Calibri"/>
+                        </a:rPr>
+                        <a:t> </a:t>
+                      </a:r>
+                      <a:r>
+                        <a:rPr lang="en-US" sz="2400" b="0" i="0" u="none" strike="noStrike" dirty="0" err="1">
+                          <a:solidFill>
+                            <a:srgbClr val="000000"/>
+                          </a:solidFill>
+                          <a:effectLst/>
+                          <a:latin typeface="Calibri"/>
                         </a:rPr>
                         <a:t>HasRated</a:t>
                       </a:r>
                       <a:r>
-                        <a:rPr lang="en-US" sz="2400" u="none" strike="noStrike" dirty="0">
+                        <a:rPr lang="en-US" sz="2400" b="0" i="0" u="none" strike="noStrike" dirty="0">
+                          <a:solidFill>
+                            <a:srgbClr val="000000"/>
+                          </a:solidFill>
                           <a:effectLst/>
+                          <a:latin typeface="Calibri"/>
                         </a:rPr>
                         <a:t>(</a:t>
                       </a:r>
                       <a:r>
-                        <a:rPr lang="en-US" sz="2400" u="none" strike="noStrike" dirty="0" err="1">
+                        <a:rPr lang="en-US" sz="2400" b="0" i="0" u="none" strike="noStrike" dirty="0" err="1">
+                          <a:solidFill>
+                            <a:srgbClr val="000000"/>
+                          </a:solidFill>
                           <a:effectLst/>
+                          <a:latin typeface="Calibri"/>
                         </a:rPr>
                         <a:t>User,Movie</a:t>
                       </a:r>
                       <a:r>
-                        <a:rPr lang="en-US" sz="2400" u="none" strike="noStrike" dirty="0">
+                        <a:rPr lang="en-US" sz="2400" b="0" i="0" u="none" strike="noStrike" dirty="0">
+                          <a:solidFill>
+                            <a:srgbClr val="000000"/>
+                          </a:solidFill>
                           <a:effectLst/>
+                          <a:latin typeface="Calibri"/>
                         </a:rPr>
                         <a:t>) = T</a:t>
                       </a:r>
                       <a:r>
-                        <a:rPr lang="en-US" sz="2400" u="none" strike="noStrike" dirty="0" smtClean="0">
+                        <a:rPr lang="en-US" sz="2400" b="0" i="0" u="none" strike="noStrike" dirty="0" smtClean="0">
+                          <a:solidFill>
+                            <a:srgbClr val="000000"/>
+                          </a:solidFill>
                           <a:effectLst/>
+                          <a:latin typeface="Calibri"/>
                         </a:rPr>
                         <a:t>,</a:t>
                       </a:r>
@@ -16211,24 +14185,25 @@
                     <a:p>
                       <a:pPr algn="l" fontAlgn="b"/>
                       <a:r>
-                        <a:rPr lang="en-US" sz="2400" u="none" strike="noStrike" dirty="0" smtClean="0">
+                        <a:rPr lang="en-US" sz="2400" b="0" i="0" u="none" strike="noStrike" dirty="0" smtClean="0">
+                          <a:solidFill>
+                            <a:srgbClr val="000000"/>
+                          </a:solidFill>
                           <a:effectLst/>
+                          <a:latin typeface="Calibri"/>
                         </a:rPr>
                         <a:t>gender</a:t>
                       </a:r>
                       <a:r>
-                        <a:rPr lang="en-US" sz="2400" u="none" strike="noStrike" dirty="0">
+                        <a:rPr lang="en-US" sz="2400" b="0" i="0" u="none" strike="noStrike" dirty="0">
+                          <a:solidFill>
+                            <a:srgbClr val="000000"/>
+                          </a:solidFill>
                           <a:effectLst/>
+                          <a:latin typeface="Calibri"/>
                         </a:rPr>
                         <a:t>(User) = W</a:t>
                       </a:r>
-                      <a:endParaRPr lang="en-US" sz="2400" b="0" i="0" u="none" strike="noStrike" dirty="0">
-                        <a:solidFill>
-                          <a:srgbClr val="000000"/>
-                        </a:solidFill>
-                        <a:effectLst/>
-                        <a:latin typeface="+mn-lt"/>
-                      </a:endParaRPr>
                     </a:p>
                   </a:txBody>
                   <a:tcPr marL="12700" marR="12700" marT="12700" marB="0" anchor="b"/>
@@ -16240,18 +14215,15 @@
                     <a:p>
                       <a:pPr algn="r" fontAlgn="b"/>
                       <a:r>
-                        <a:rPr lang="is-IS" sz="2400" u="none" strike="noStrike" dirty="0">
+                        <a:rPr lang="is-IS" sz="2400" b="0" i="0" u="none" strike="noStrike" dirty="0">
+                          <a:solidFill>
+                            <a:srgbClr val="000000"/>
+                          </a:solidFill>
                           <a:effectLst/>
+                          <a:latin typeface="Calibri"/>
                         </a:rPr>
                         <a:t>66642</a:t>
                       </a:r>
-                      <a:endParaRPr lang="is-IS" sz="2400" b="0" i="0" u="none" strike="noStrike" dirty="0">
-                        <a:solidFill>
-                          <a:srgbClr val="000000"/>
-                        </a:solidFill>
-                        <a:effectLst/>
-                        <a:latin typeface="+mn-lt"/>
-                      </a:endParaRPr>
                     </a:p>
                   </a:txBody>
                   <a:tcPr marL="12700" marR="12700" marT="12700" marB="0" anchor="b"/>
@@ -16265,8 +14237,12 @@
                     <a:p>
                       <a:pPr algn="l" fontAlgn="b"/>
                       <a:r>
-                        <a:rPr lang="en-CA" sz="2400" u="none" strike="noStrike" dirty="0" smtClean="0">
+                        <a:rPr lang="en-CA" sz="2400" b="0" i="0" u="none" strike="noStrike" dirty="0" smtClean="0">
+                          <a:solidFill>
+                            <a:srgbClr val="000000"/>
+                          </a:solidFill>
                           <a:effectLst/>
+                          <a:latin typeface="+mn-lt"/>
                         </a:rPr>
                         <a:t>Frequency</a:t>
                       </a:r>
@@ -16304,20 +14280,32 @@
                         <a:defRPr/>
                       </a:pPr>
                       <a:r>
-                        <a:rPr lang="is-IS" sz="2400" u="none" strike="noStrike" dirty="0" smtClean="0">
+                        <a:rPr lang="is-IS" sz="2400" b="0" i="0" u="none" strike="noStrike" dirty="0" smtClean="0">
+                          <a:solidFill>
+                            <a:srgbClr val="000000"/>
+                          </a:solidFill>
                           <a:effectLst/>
+                          <a:latin typeface="+mn-lt"/>
                         </a:rPr>
                         <a:t>66642</a:t>
                       </a:r>
                       <a:r>
-                        <a:rPr lang="en-CA" sz="2400" u="none" strike="noStrike" dirty="0" smtClean="0">
+                        <a:rPr lang="en-CA" sz="2400" b="0" i="0" u="none" strike="noStrike" dirty="0" smtClean="0">
+                          <a:solidFill>
+                            <a:srgbClr val="000000"/>
+                          </a:solidFill>
                           <a:effectLst/>
+                          <a:latin typeface="+mn-lt"/>
                         </a:rPr>
                         <a:t>/</a:t>
                       </a:r>
                       <a:r>
-                        <a:rPr lang="cs-CZ" sz="2400" u="none" strike="noStrike" dirty="0" smtClean="0">
+                        <a:rPr lang="cs-CZ" sz="2400" b="0" i="0" u="none" strike="noStrike" dirty="0" smtClean="0">
+                          <a:solidFill>
+                            <a:srgbClr val="000000"/>
+                          </a:solidFill>
                           <a:effectLst/>
+                          <a:latin typeface="+mn-lt"/>
                         </a:rPr>
                         <a:t>23449437=</a:t>
                       </a:r>
@@ -16341,8 +14329,12 @@
                         <a:defRPr/>
                       </a:pPr>
                       <a:r>
-                        <a:rPr lang="cs-CZ" sz="2400" u="none" strike="noStrike" dirty="0" smtClean="0">
+                        <a:rPr lang="cs-CZ" sz="2400" b="0" i="0" u="none" strike="noStrike" dirty="0" smtClean="0">
+                          <a:solidFill>
+                            <a:srgbClr val="000000"/>
+                          </a:solidFill>
                           <a:effectLst/>
+                          <a:latin typeface="+mn-lt"/>
                         </a:rPr>
                         <a:t>0.0028</a:t>
                       </a:r>
@@ -16446,17 +14438,10 @@
   <p:clrMapOvr>
     <a:masterClrMapping/>
   </p:clrMapOvr>
-  <p:timing>
-    <p:tnLst>
-      <p:par>
-        <p:cTn xmlns:p14="http://schemas.microsoft.com/office/powerpoint/2010/main" id="1" dur="indefinite" restart="never" nodeType="tmRoot"/>
-      </p:par>
-    </p:tnLst>
-  </p:timing>
 </p:sld>
 </file>
 
-<file path=ppt/slides/slide27.xml><?xml version="1.0" encoding="utf-8"?>
+<file path=ppt/slides/slide24.xml><?xml version="1.0" encoding="utf-8"?>
 <p:sld xmlns:a="http://schemas.openxmlformats.org/drawingml/2006/main" xmlns:r="http://schemas.openxmlformats.org/officeDocument/2006/relationships" xmlns:p="http://schemas.openxmlformats.org/presentationml/2006/main">
   <p:cSld>
     <p:spTree>
@@ -16510,7 +14495,7 @@
           </p:nvPr>
         </p:nvPicPr>
         <p:blipFill>
-          <a:blip r:embed="rId3">
+          <a:blip r:embed="rId2">
             <a:extLst>
               <a:ext uri="{28A0092B-C50C-407E-A947-70E740481C1C}">
                 <a14:useLocalDpi xmlns:a14="http://schemas.microsoft.com/office/drawing/2010/main" val="0"/>
@@ -16560,17 +14545,10 @@
   <p:clrMapOvr>
     <a:masterClrMapping/>
   </p:clrMapOvr>
-  <p:timing>
-    <p:tnLst>
-      <p:par>
-        <p:cTn xmlns:p14="http://schemas.microsoft.com/office/powerpoint/2010/main" id="1" dur="indefinite" restart="never" nodeType="tmRoot"/>
-      </p:par>
-    </p:tnLst>
-  </p:timing>
 </p:sld>
 </file>
 
-<file path=ppt/slides/slide28.xml><?xml version="1.0" encoding="utf-8"?>
+<file path=ppt/slides/slide25.xml><?xml version="1.0" encoding="utf-8"?>
 <p:sld xmlns:a="http://schemas.openxmlformats.org/drawingml/2006/main" xmlns:r="http://schemas.openxmlformats.org/officeDocument/2006/relationships" xmlns:p="http://schemas.openxmlformats.org/presentationml/2006/main">
   <p:cSld>
     <p:spTree>
@@ -16670,17 +14648,10 @@
   <p:clrMapOvr>
     <a:masterClrMapping/>
   </p:clrMapOvr>
-  <p:timing>
-    <p:tnLst>
-      <p:par>
-        <p:cTn xmlns:p14="http://schemas.microsoft.com/office/powerpoint/2010/main" id="1" dur="indefinite" restart="never" nodeType="tmRoot"/>
-      </p:par>
-    </p:tnLst>
-  </p:timing>
 </p:sld>
 </file>
 
-<file path=ppt/slides/slide29.xml><?xml version="1.0" encoding="utf-8"?>
+<file path=ppt/slides/slide26.xml><?xml version="1.0" encoding="utf-8"?>
 <p:sld xmlns:a="http://schemas.openxmlformats.org/drawingml/2006/main" xmlns:r="http://schemas.openxmlformats.org/officeDocument/2006/relationships" xmlns:p="http://schemas.openxmlformats.org/presentationml/2006/main">
   <p:cSld>
     <p:spTree>
@@ -16789,17 +14760,10 @@
   <p:clrMapOvr>
     <a:masterClrMapping/>
   </p:clrMapOvr>
-  <p:timing>
-    <p:tnLst>
-      <p:par>
-        <p:cTn xmlns:p14="http://schemas.microsoft.com/office/powerpoint/2010/main" id="1" dur="indefinite" restart="never" nodeType="tmRoot"/>
-      </p:par>
-    </p:tnLst>
-  </p:timing>
 </p:sld>
 </file>
 
-<file path=ppt/slides/slide3.xml><?xml version="1.0" encoding="utf-8"?>
+<file path=ppt/slides/slide27.xml><?xml version="1.0" encoding="utf-8"?>
 <p:sld xmlns:a="http://schemas.openxmlformats.org/drawingml/2006/main" xmlns:r="http://schemas.openxmlformats.org/officeDocument/2006/relationships" xmlns:p="http://schemas.openxmlformats.org/presentationml/2006/main">
   <p:cSld>
     <p:spTree>
@@ -16833,42 +14797,208 @@
           <a:p>
             <a:r>
               <a:rPr lang="en-US" dirty="0" smtClean="0"/>
-              <a:t>Bayesian Network Demo</a:t>
+              <a:t>Data Query</a:t>
             </a:r>
             <a:endParaRPr lang="en-US" dirty="0"/>
           </a:p>
         </p:txBody>
       </p:sp>
-      <p:pic>
-        <p:nvPicPr>
-          <p:cNvPr id="5" name="Content Placeholder 4" descr="bayesnet-picture.png"/>
-          <p:cNvPicPr>
-            <a:picLocks noGrp="1" noChangeAspect="1"/>
-          </p:cNvPicPr>
+      <p:graphicFrame>
+        <p:nvGraphicFramePr>
+          <p:cNvPr id="5" name="Content Placeholder 4"/>
+          <p:cNvGraphicFramePr>
+            <a:graphicFrameLocks noGrp="1"/>
+          </p:cNvGraphicFramePr>
           <p:nvPr>
             <p:ph sz="quarter" idx="1"/>
-          </p:nvPr>
-        </p:nvPicPr>
-        <p:blipFill>
-          <a:blip r:embed="rId3">
-            <a:extLst>
-              <a:ext uri="{28A0092B-C50C-407E-A947-70E740481C1C}">
-                <a14:useLocalDpi xmlns:a14="http://schemas.microsoft.com/office/drawing/2010/main" val="0"/>
-              </a:ext>
-            </a:extLst>
-          </a:blip>
-          <a:srcRect t="6298" b="6298"/>
-          <a:stretch>
-            <a:fillRect/>
-          </a:stretch>
-        </p:blipFill>
-        <p:spPr>
-          <a:xfrm>
-            <a:off x="177800" y="1447800"/>
-            <a:ext cx="8268970" cy="4864100"/>
-          </a:xfrm>
-        </p:spPr>
-      </p:pic>
+            <p:extLst>
+              <p:ext uri="{D42A27DB-BD31-4B8C-83A1-F6EECF244321}">
+                <p14:modId xmlns:p14="http://schemas.microsoft.com/office/powerpoint/2010/main" val="3685466662"/>
+              </p:ext>
+            </p:extLst>
+          </p:nvPr>
+        </p:nvGraphicFramePr>
+        <p:xfrm>
+          <a:off x="667367" y="1743422"/>
+          <a:ext cx="6452096" cy="1135380"/>
+        </p:xfrm>
+        <a:graphic>
+          <a:graphicData uri="http://schemas.openxmlformats.org/drawingml/2006/table">
+            <a:tbl>
+              <a:tblPr firstRow="1" bandRow="1">
+                <a:tableStyleId>{5C22544A-7EE6-4342-B048-85BDC9FD1C3A}</a:tableStyleId>
+              </a:tblPr>
+              <a:tblGrid>
+                <a:gridCol w="2565896"/>
+                <a:gridCol w="3886200"/>
+              </a:tblGrid>
+              <a:tr h="82837">
+                <a:tc>
+                  <a:txBody>
+                    <a:bodyPr/>
+                    <a:lstStyle/>
+                    <a:p>
+                      <a:pPr algn="l" fontAlgn="b"/>
+                      <a:r>
+                        <a:rPr lang="en-US" sz="2400" b="0" i="0" u="none" strike="noStrike" dirty="0" err="1">
+                          <a:solidFill>
+                            <a:srgbClr val="000000"/>
+                          </a:solidFill>
+                          <a:effectLst/>
+                          <a:latin typeface="+mn-lt"/>
+                        </a:rPr>
+                        <a:t>Num</a:t>
+                      </a:r>
+                      <a:r>
+                        <a:rPr lang="en-US" sz="2400" b="0" i="0" u="none" strike="noStrike" dirty="0">
+                          <a:solidFill>
+                            <a:srgbClr val="000000"/>
+                          </a:solidFill>
+                          <a:effectLst/>
+                          <a:latin typeface="+mn-lt"/>
+                        </a:rPr>
+                        <a:t> Movies</a:t>
+                      </a:r>
+                    </a:p>
+                  </a:txBody>
+                  <a:tcPr marL="12700" marR="12700" marT="12700" marB="0" anchor="b"/>
+                </a:tc>
+                <a:tc>
+                  <a:txBody>
+                    <a:bodyPr/>
+                    <a:lstStyle/>
+                    <a:p>
+                      <a:pPr algn="r" fontAlgn="b"/>
+                      <a:r>
+                        <a:rPr lang="cs-CZ" sz="2400" b="0" i="0" u="none" strike="noStrike" dirty="0">
+                          <a:solidFill>
+                            <a:srgbClr val="000000"/>
+                          </a:solidFill>
+                          <a:effectLst/>
+                          <a:latin typeface="+mn-lt"/>
+                        </a:rPr>
+                        <a:t>3883</a:t>
+                      </a:r>
+                    </a:p>
+                  </a:txBody>
+                  <a:tcPr marL="12700" marR="12700" marT="12700" marB="0" anchor="b"/>
+                </a:tc>
+              </a:tr>
+              <a:tr h="370840">
+                <a:tc>
+                  <a:txBody>
+                    <a:bodyPr/>
+                    <a:lstStyle/>
+                    <a:p>
+                      <a:pPr algn="l" fontAlgn="b"/>
+                      <a:r>
+                        <a:rPr lang="en-US" sz="2400" b="0" i="0" u="none" strike="noStrike">
+                          <a:solidFill>
+                            <a:srgbClr val="000000"/>
+                          </a:solidFill>
+                          <a:effectLst/>
+                          <a:latin typeface="+mn-lt"/>
+                        </a:rPr>
+                        <a:t>Num Users</a:t>
+                      </a:r>
+                    </a:p>
+                  </a:txBody>
+                  <a:tcPr marL="12700" marR="12700" marT="12700" marB="0" anchor="b"/>
+                </a:tc>
+                <a:tc>
+                  <a:txBody>
+                    <a:bodyPr/>
+                    <a:lstStyle/>
+                    <a:p>
+                      <a:pPr algn="r" fontAlgn="b"/>
+                      <a:r>
+                        <a:rPr lang="uk-UA" sz="2400" b="0" i="0" u="none" strike="noStrike" dirty="0">
+                          <a:solidFill>
+                            <a:srgbClr val="000000"/>
+                          </a:solidFill>
+                          <a:effectLst/>
+                          <a:latin typeface="+mn-lt"/>
+                        </a:rPr>
+                        <a:t>6039</a:t>
+                      </a:r>
+                    </a:p>
+                  </a:txBody>
+                  <a:tcPr marL="12700" marR="12700" marT="12700" marB="0" anchor="b"/>
+                </a:tc>
+              </a:tr>
+              <a:tr h="370840">
+                <a:tc>
+                  <a:txBody>
+                    <a:bodyPr/>
+                    <a:lstStyle/>
+                    <a:p>
+                      <a:pPr algn="l" fontAlgn="b"/>
+                      <a:r>
+                        <a:rPr lang="en-US" sz="2400" b="0" i="0" u="none" strike="noStrike">
+                          <a:solidFill>
+                            <a:srgbClr val="000000"/>
+                          </a:solidFill>
+                          <a:effectLst/>
+                          <a:latin typeface="+mn-lt"/>
+                        </a:rPr>
+                        <a:t>Num Movie-User Pairs</a:t>
+                      </a:r>
+                    </a:p>
+                  </a:txBody>
+                  <a:tcPr marL="12700" marR="12700" marT="12700" marB="0" anchor="b"/>
+                </a:tc>
+                <a:tc>
+                  <a:txBody>
+                    <a:bodyPr/>
+                    <a:lstStyle/>
+                    <a:p>
+                      <a:pPr algn="r" fontAlgn="b"/>
+                      <a:r>
+                        <a:rPr lang="cs-CZ" sz="2400" b="0" i="0" u="none" strike="noStrike" dirty="0" smtClean="0">
+                          <a:solidFill>
+                            <a:srgbClr val="000000"/>
+                          </a:solidFill>
+                          <a:effectLst/>
+                          <a:latin typeface="+mn-lt"/>
+                        </a:rPr>
+                        <a:t>3883 </a:t>
+                      </a:r>
+                      <a:r>
+                        <a:rPr lang="cs-CZ" sz="2400" b="0" i="0" u="none" strike="noStrike" dirty="0" err="1" smtClean="0">
+                          <a:solidFill>
+                            <a:srgbClr val="000000"/>
+                          </a:solidFill>
+                          <a:effectLst/>
+                          <a:latin typeface="+mn-lt"/>
+                        </a:rPr>
+                        <a:t>x</a:t>
+                      </a:r>
+                      <a:r>
+                        <a:rPr lang="cs-CZ" sz="2400" b="0" i="0" u="none" strike="noStrike" dirty="0" smtClean="0">
+                          <a:solidFill>
+                            <a:srgbClr val="000000"/>
+                          </a:solidFill>
+                          <a:effectLst/>
+                          <a:latin typeface="+mn-lt"/>
+                        </a:rPr>
+                        <a:t> 6039 = 23449437</a:t>
+                      </a:r>
+                      <a:endParaRPr lang="cs-CZ" sz="2400" b="0" i="0" u="none" strike="noStrike" dirty="0">
+                        <a:solidFill>
+                          <a:srgbClr val="000000"/>
+                        </a:solidFill>
+                        <a:effectLst/>
+                        <a:latin typeface="+mn-lt"/>
+                      </a:endParaRPr>
+                    </a:p>
+                  </a:txBody>
+                  <a:tcPr marL="12700" marR="12700" marT="12700" marB="0" anchor="b"/>
+                </a:tc>
+              </a:tr>
+            </a:tbl>
+          </a:graphicData>
+        </a:graphic>
+      </p:graphicFrame>
       <p:sp>
         <p:nvSpPr>
           <p:cNvPr id="4" name="Footer Placeholder 3"/>
@@ -16895,27 +15025,386 @@
           </a:p>
         </p:txBody>
       </p:sp>
+      <p:graphicFrame>
+        <p:nvGraphicFramePr>
+          <p:cNvPr id="6" name="Content Placeholder 4"/>
+          <p:cNvGraphicFramePr>
+            <a:graphicFrameLocks noGrp="1"/>
+          </p:cNvGraphicFramePr>
+          <p:nvPr>
+            <p:ph sz="quarter" idx="1"/>
+            <p:extLst>
+              <p:ext uri="{D42A27DB-BD31-4B8C-83A1-F6EECF244321}">
+                <p14:modId xmlns:p14="http://schemas.microsoft.com/office/powerpoint/2010/main" val="78099067"/>
+              </p:ext>
+            </p:extLst>
+          </p:nvPr>
+        </p:nvGraphicFramePr>
+        <p:xfrm>
+          <a:off x="667367" y="3765907"/>
+          <a:ext cx="7546087" cy="1854200"/>
+        </p:xfrm>
+        <a:graphic>
+          <a:graphicData uri="http://schemas.openxmlformats.org/drawingml/2006/table">
+            <a:tbl>
+              <a:tblPr firstRow="1" bandRow="1">
+                <a:tableStyleId>{5C22544A-7EE6-4342-B048-85BDC9FD1C3A}</a:tableStyleId>
+              </a:tblPr>
+              <a:tblGrid>
+                <a:gridCol w="3627999"/>
+                <a:gridCol w="3918088"/>
+              </a:tblGrid>
+              <a:tr h="82837">
+                <a:tc>
+                  <a:txBody>
+                    <a:bodyPr/>
+                    <a:lstStyle/>
+                    <a:p>
+                      <a:pPr algn="l" fontAlgn="b"/>
+                      <a:r>
+                        <a:rPr lang="en-US" sz="2400" b="0" i="0" u="none" strike="noStrike" dirty="0">
+                          <a:solidFill>
+                            <a:srgbClr val="000000"/>
+                          </a:solidFill>
+                          <a:effectLst/>
+                          <a:latin typeface="Calibri"/>
+                        </a:rPr>
+                        <a:t>Action(Movie) = T</a:t>
+                      </a:r>
+                      <a:r>
+                        <a:rPr lang="en-US" sz="2400" b="0" i="0" u="none" strike="noStrike" dirty="0" smtClean="0">
+                          <a:solidFill>
+                            <a:srgbClr val="000000"/>
+                          </a:solidFill>
+                          <a:effectLst/>
+                          <a:latin typeface="Calibri"/>
+                        </a:rPr>
+                        <a:t>,</a:t>
+                      </a:r>
+                    </a:p>
+                    <a:p>
+                      <a:pPr algn="l" fontAlgn="b"/>
+                      <a:r>
+                        <a:rPr lang="en-US" sz="2400" b="0" i="0" u="none" strike="noStrike" dirty="0" smtClean="0">
+                          <a:solidFill>
+                            <a:srgbClr val="000000"/>
+                          </a:solidFill>
+                          <a:effectLst/>
+                          <a:latin typeface="Calibri"/>
+                        </a:rPr>
+                        <a:t> </a:t>
+                      </a:r>
+                      <a:r>
+                        <a:rPr lang="en-US" sz="2400" b="0" i="0" u="none" strike="noStrike" dirty="0" err="1">
+                          <a:solidFill>
+                            <a:srgbClr val="000000"/>
+                          </a:solidFill>
+                          <a:effectLst/>
+                          <a:latin typeface="Calibri"/>
+                        </a:rPr>
+                        <a:t>HasRated</a:t>
+                      </a:r>
+                      <a:r>
+                        <a:rPr lang="en-US" sz="2400" b="0" i="0" u="none" strike="noStrike" dirty="0">
+                          <a:solidFill>
+                            <a:srgbClr val="000000"/>
+                          </a:solidFill>
+                          <a:effectLst/>
+                          <a:latin typeface="Calibri"/>
+                        </a:rPr>
+                        <a:t>(</a:t>
+                      </a:r>
+                      <a:r>
+                        <a:rPr lang="en-US" sz="2400" b="0" i="0" u="none" strike="noStrike" dirty="0" err="1">
+                          <a:solidFill>
+                            <a:srgbClr val="000000"/>
+                          </a:solidFill>
+                          <a:effectLst/>
+                          <a:latin typeface="Calibri"/>
+                        </a:rPr>
+                        <a:t>User,Movie</a:t>
+                      </a:r>
+                      <a:r>
+                        <a:rPr lang="en-US" sz="2400" b="0" i="0" u="none" strike="noStrike" dirty="0">
+                          <a:solidFill>
+                            <a:srgbClr val="000000"/>
+                          </a:solidFill>
+                          <a:effectLst/>
+                          <a:latin typeface="Calibri"/>
+                        </a:rPr>
+                        <a:t>) = T</a:t>
+                      </a:r>
+                      <a:r>
+                        <a:rPr lang="en-US" sz="2400" b="0" i="0" u="none" strike="noStrike" dirty="0" smtClean="0">
+                          <a:solidFill>
+                            <a:srgbClr val="000000"/>
+                          </a:solidFill>
+                          <a:effectLst/>
+                          <a:latin typeface="Calibri"/>
+                        </a:rPr>
+                        <a:t>,</a:t>
+                      </a:r>
+                    </a:p>
+                    <a:p>
+                      <a:pPr algn="l" fontAlgn="b"/>
+                      <a:r>
+                        <a:rPr lang="en-US" sz="2400" b="0" i="0" u="none" strike="noStrike" dirty="0" smtClean="0">
+                          <a:solidFill>
+                            <a:srgbClr val="000000"/>
+                          </a:solidFill>
+                          <a:effectLst/>
+                          <a:latin typeface="Calibri"/>
+                        </a:rPr>
+                        <a:t>gender</a:t>
+                      </a:r>
+                      <a:r>
+                        <a:rPr lang="en-US" sz="2400" b="0" i="0" u="none" strike="noStrike" dirty="0">
+                          <a:solidFill>
+                            <a:srgbClr val="000000"/>
+                          </a:solidFill>
+                          <a:effectLst/>
+                          <a:latin typeface="Calibri"/>
+                        </a:rPr>
+                        <a:t>(User) = W</a:t>
+                      </a:r>
+                    </a:p>
+                  </a:txBody>
+                  <a:tcPr marL="12700" marR="12700" marT="12700" marB="0" anchor="b"/>
+                </a:tc>
+                <a:tc>
+                  <a:txBody>
+                    <a:bodyPr/>
+                    <a:lstStyle/>
+                    <a:p>
+                      <a:pPr algn="r" fontAlgn="b"/>
+                      <a:r>
+                        <a:rPr lang="is-IS" sz="2400" b="0" i="0" u="none" strike="noStrike" dirty="0">
+                          <a:solidFill>
+                            <a:srgbClr val="000000"/>
+                          </a:solidFill>
+                          <a:effectLst/>
+                          <a:latin typeface="Calibri"/>
+                        </a:rPr>
+                        <a:t>66642</a:t>
+                      </a:r>
+                    </a:p>
+                  </a:txBody>
+                  <a:tcPr marL="12700" marR="12700" marT="12700" marB="0" anchor="b"/>
+                </a:tc>
+              </a:tr>
+              <a:tr h="370840">
+                <a:tc>
+                  <a:txBody>
+                    <a:bodyPr/>
+                    <a:lstStyle/>
+                    <a:p>
+                      <a:pPr algn="l" fontAlgn="b"/>
+                      <a:r>
+                        <a:rPr lang="en-CA" sz="2400" b="0" i="0" u="none" strike="noStrike" dirty="0" smtClean="0">
+                          <a:solidFill>
+                            <a:srgbClr val="000000"/>
+                          </a:solidFill>
+                          <a:effectLst/>
+                          <a:latin typeface="+mn-lt"/>
+                        </a:rPr>
+                        <a:t>Frequency</a:t>
+                      </a:r>
+                      <a:endParaRPr lang="uk-UA" sz="2400" b="0" i="0" u="none" strike="noStrike" dirty="0">
+                        <a:solidFill>
+                          <a:srgbClr val="000000"/>
+                        </a:solidFill>
+                        <a:effectLst/>
+                        <a:latin typeface="+mn-lt"/>
+                      </a:endParaRPr>
+                    </a:p>
+                  </a:txBody>
+                  <a:tcPr marL="12700" marR="12700" marT="12700" marB="0" anchor="b"/>
+                </a:tc>
+                <a:tc>
+                  <a:txBody>
+                    <a:bodyPr/>
+                    <a:lstStyle/>
+                    <a:p>
+                      <a:pPr marL="0" marR="0" indent="0" algn="r" defTabSz="914400" rtl="0" eaLnBrk="1" fontAlgn="b" latinLnBrk="0" hangingPunct="1">
+                        <a:lnSpc>
+                          <a:spcPct val="100000"/>
+                        </a:lnSpc>
+                        <a:spcBef>
+                          <a:spcPts val="0"/>
+                        </a:spcBef>
+                        <a:spcAft>
+                          <a:spcPts val="0"/>
+                        </a:spcAft>
+                        <a:buClrTx/>
+                        <a:buSzTx/>
+                        <a:buFontTx/>
+                        <a:buNone/>
+                        <a:tabLst/>
+                        <a:defRPr/>
+                      </a:pPr>
+                      <a:r>
+                        <a:rPr lang="is-IS" sz="2400" b="0" i="0" u="none" strike="noStrike" dirty="0" smtClean="0">
+                          <a:solidFill>
+                            <a:srgbClr val="000000"/>
+                          </a:solidFill>
+                          <a:effectLst/>
+                          <a:latin typeface="+mn-lt"/>
+                        </a:rPr>
+                        <a:t>66642</a:t>
+                      </a:r>
+                      <a:r>
+                        <a:rPr lang="en-CA" sz="2400" b="0" i="0" u="none" strike="noStrike" dirty="0" smtClean="0">
+                          <a:solidFill>
+                            <a:srgbClr val="000000"/>
+                          </a:solidFill>
+                          <a:effectLst/>
+                          <a:latin typeface="+mn-lt"/>
+                        </a:rPr>
+                        <a:t>/</a:t>
+                      </a:r>
+                      <a:r>
+                        <a:rPr lang="cs-CZ" sz="2400" b="0" i="0" u="none" strike="noStrike" dirty="0" smtClean="0">
+                          <a:solidFill>
+                            <a:srgbClr val="000000"/>
+                          </a:solidFill>
+                          <a:effectLst/>
+                          <a:latin typeface="+mn-lt"/>
+                        </a:rPr>
+                        <a:t>23449437=</a:t>
+                      </a:r>
+                    </a:p>
+                    <a:p>
+                      <a:pPr marL="0" marR="0" indent="0" algn="r" defTabSz="914400" rtl="0" eaLnBrk="1" fontAlgn="b" latinLnBrk="0" hangingPunct="1">
+                        <a:lnSpc>
+                          <a:spcPct val="100000"/>
+                        </a:lnSpc>
+                        <a:spcBef>
+                          <a:spcPts val="0"/>
+                        </a:spcBef>
+                        <a:spcAft>
+                          <a:spcPts val="0"/>
+                        </a:spcAft>
+                        <a:buClrTx/>
+                        <a:buSzTx/>
+                        <a:buFontTx/>
+                        <a:buNone/>
+                        <a:tabLst/>
+                        <a:defRPr/>
+                      </a:pPr>
+                      <a:r>
+                        <a:rPr lang="cs-CZ" sz="2400" b="0" i="0" u="none" strike="noStrike" dirty="0" smtClean="0">
+                          <a:solidFill>
+                            <a:srgbClr val="000000"/>
+                          </a:solidFill>
+                          <a:effectLst/>
+                          <a:latin typeface="+mn-lt"/>
+                        </a:rPr>
+                        <a:t>0.0028</a:t>
+                      </a:r>
+                      <a:endParaRPr lang="is-IS" sz="2400" b="0" i="0" u="none" strike="noStrike" dirty="0" smtClean="0">
+                        <a:solidFill>
+                          <a:srgbClr val="000000"/>
+                        </a:solidFill>
+                        <a:effectLst/>
+                        <a:latin typeface="+mn-lt"/>
+                      </a:endParaRPr>
+                    </a:p>
+                  </a:txBody>
+                  <a:tcPr marL="12700" marR="12700" marT="12700" marB="0" anchor="b"/>
+                </a:tc>
+              </a:tr>
+            </a:tbl>
+          </a:graphicData>
+        </a:graphic>
+      </p:graphicFrame>
+      <p:sp>
+        <p:nvSpPr>
+          <p:cNvPr id="7" name="TextBox 6"/>
+          <p:cNvSpPr txBox="1"/>
+          <p:nvPr/>
+        </p:nvSpPr>
+        <p:spPr>
+          <a:xfrm>
+            <a:off x="667367" y="3099418"/>
+            <a:ext cx="7147282" cy="523220"/>
+          </a:xfrm>
+          <a:prstGeom prst="rect">
+            <a:avLst/>
+          </a:prstGeom>
+          <a:noFill/>
+        </p:spPr>
+        <p:txBody>
+          <a:bodyPr wrap="square" rtlCol="0">
+            <a:spAutoFit/>
+          </a:bodyPr>
+          <a:lstStyle/>
+          <a:p>
+            <a:r>
+              <a:rPr lang="en-US" sz="2800" dirty="0">
+                <a:latin typeface="+mn-lt"/>
+              </a:rPr>
+              <a:t>movie-user pairs with action movie, woman </a:t>
+            </a:r>
+            <a:r>
+              <a:rPr lang="en-US" sz="2800" dirty="0" smtClean="0">
+                <a:latin typeface="+mn-lt"/>
+              </a:rPr>
+              <a:t>user</a:t>
+            </a:r>
+            <a:endParaRPr lang="en-US" sz="2800" dirty="0">
+              <a:latin typeface="+mn-lt"/>
+            </a:endParaRPr>
+          </a:p>
+        </p:txBody>
+      </p:sp>
+      <p:sp>
+        <p:nvSpPr>
+          <p:cNvPr id="8" name="TextBox 7"/>
+          <p:cNvSpPr txBox="1"/>
+          <p:nvPr/>
+        </p:nvSpPr>
+        <p:spPr>
+          <a:xfrm>
+            <a:off x="1097926" y="5802868"/>
+            <a:ext cx="4800735" cy="400110"/>
+          </a:xfrm>
+          <a:prstGeom prst="rect">
+            <a:avLst/>
+          </a:prstGeom>
+          <a:noFill/>
+        </p:spPr>
+        <p:txBody>
+          <a:bodyPr wrap="square" rtlCol="0">
+            <a:spAutoFit/>
+          </a:bodyPr>
+          <a:lstStyle/>
+          <a:p>
+            <a:r>
+              <a:rPr lang="en-US" sz="2000" dirty="0" smtClean="0">
+                <a:latin typeface="+mn-lt"/>
+              </a:rPr>
+              <a:t>More Examples in spreadsheet on website</a:t>
+            </a:r>
+            <a:endParaRPr lang="en-US" sz="2000" dirty="0">
+              <a:latin typeface="+mn-lt"/>
+            </a:endParaRPr>
+          </a:p>
+        </p:txBody>
+      </p:sp>
     </p:spTree>
     <p:extLst>
       <p:ext uri="{BB962C8B-B14F-4D97-AF65-F5344CB8AC3E}">
-        <p14:creationId xmlns:p14="http://schemas.microsoft.com/office/powerpoint/2010/main" val="3131024873"/>
+        <p14:creationId xmlns:p14="http://schemas.microsoft.com/office/powerpoint/2010/main" val="3132417834"/>
       </p:ext>
     </p:extLst>
   </p:cSld>
   <p:clrMapOvr>
     <a:masterClrMapping/>
   </p:clrMapOvr>
-  <p:timing>
-    <p:tnLst>
-      <p:par>
-        <p:cTn xmlns:p14="http://schemas.microsoft.com/office/powerpoint/2010/main" id="1" dur="indefinite" restart="never" nodeType="tmRoot"/>
-      </p:par>
-    </p:tnLst>
-  </p:timing>
 </p:sld>
 </file>
 
-<file path=ppt/slides/slide30.xml><?xml version="1.0" encoding="utf-8"?>
+<file path=ppt/slides/slide28.xml><?xml version="1.0" encoding="utf-8"?>
 <p:sld xmlns:a="http://schemas.openxmlformats.org/drawingml/2006/main" xmlns:r="http://schemas.openxmlformats.org/officeDocument/2006/relationships" xmlns:p="http://schemas.openxmlformats.org/presentationml/2006/main">
   <p:cSld>
     <p:spTree>
@@ -16991,7 +15480,7 @@
             <p:ph sz="quarter" idx="1"/>
             <p:extLst>
               <p:ext uri="{D42A27DB-BD31-4B8C-83A1-F6EECF244321}">
-                <p14:modId xmlns:p14="http://schemas.microsoft.com/office/powerpoint/2010/main" val="3604625552"/>
+                <p14:modId xmlns:p14="http://schemas.microsoft.com/office/powerpoint/2010/main" val="2869271190"/>
               </p:ext>
             </p:extLst>
           </p:nvPr>
@@ -17004,11 +15493,11 @@
           <a:graphicData uri="http://schemas.openxmlformats.org/drawingml/2006/table">
             <a:tbl>
               <a:tblPr firstRow="1" bandRow="1">
-                <a:tableStyleId>{D7AC3CCA-C797-4891-BE02-D94E43425B78}</a:tableStyleId>
+                <a:tableStyleId>{5C22544A-7EE6-4342-B048-85BDC9FD1C3A}</a:tableStyleId>
               </a:tblPr>
               <a:tblGrid>
-                <a:gridCol w="5532101"/>
-                <a:gridCol w="2196435"/>
+                <a:gridCol w="5224122"/>
+                <a:gridCol w="2504414"/>
               </a:tblGrid>
               <a:tr h="82837">
                 <a:tc>
@@ -17018,18 +15507,15 @@
                     <a:p>
                       <a:pPr algn="l" fontAlgn="b"/>
                       <a:r>
-                        <a:rPr lang="en-US" sz="2800" u="none" strike="noStrike" dirty="0">
+                        <a:rPr lang="en-US" sz="2800" b="0" i="0" u="none" strike="noStrike" dirty="0">
+                          <a:solidFill>
+                            <a:srgbClr val="000000"/>
+                          </a:solidFill>
                           <a:effectLst/>
+                          <a:latin typeface="+mn-lt"/>
                         </a:rPr>
                         <a:t>Number of Europe-Europe Borders</a:t>
                       </a:r>
-                      <a:endParaRPr lang="en-US" sz="2800" b="0" i="0" u="none" strike="noStrike" dirty="0">
-                        <a:solidFill>
-                          <a:srgbClr val="000000"/>
-                        </a:solidFill>
-                        <a:effectLst/>
-                        <a:latin typeface="+mn-lt"/>
-                      </a:endParaRPr>
                     </a:p>
                   </a:txBody>
                   <a:tcPr marL="12700" marR="12700" marT="12700" marB="0" anchor="b"/>
@@ -17041,18 +15527,15 @@
                     <a:p>
                       <a:pPr algn="r" fontAlgn="b"/>
                       <a:r>
-                        <a:rPr lang="is-IS" sz="2800" u="none" strike="noStrike" dirty="0">
+                        <a:rPr lang="is-IS" sz="2800" b="0" i="0" u="none" strike="noStrike" dirty="0">
+                          <a:solidFill>
+                            <a:srgbClr val="000000"/>
+                          </a:solidFill>
                           <a:effectLst/>
+                          <a:latin typeface="+mn-lt"/>
                         </a:rPr>
                         <a:t>124</a:t>
                       </a:r>
-                      <a:endParaRPr lang="is-IS" sz="2800" b="0" i="0" u="none" strike="noStrike" dirty="0">
-                        <a:solidFill>
-                          <a:srgbClr val="000000"/>
-                        </a:solidFill>
-                        <a:effectLst/>
-                        <a:latin typeface="+mn-lt"/>
-                      </a:endParaRPr>
                     </a:p>
                   </a:txBody>
                   <a:tcPr marL="12700" marR="12700" marT="12700" marB="0" anchor="b"/>
@@ -17066,8 +15549,12 @@
                     <a:p>
                       <a:pPr algn="l" fontAlgn="b"/>
                       <a:r>
-                        <a:rPr lang="en-US" sz="2800" u="none" strike="noStrike" dirty="0" smtClean="0">
+                        <a:rPr lang="en-US" sz="2800" b="0" i="0" u="none" strike="noStrike" dirty="0" smtClean="0">
+                          <a:solidFill>
+                            <a:srgbClr val="000000"/>
+                          </a:solidFill>
                           <a:effectLst/>
+                          <a:latin typeface="+mn-lt"/>
                         </a:rPr>
                         <a:t>Number of *-Europe Borders</a:t>
                       </a:r>
@@ -17089,18 +15576,15 @@
                     <a:p>
                       <a:pPr algn="r" fontAlgn="b"/>
                       <a:r>
-                        <a:rPr lang="tr-TR" sz="2800" u="none" strike="noStrike" dirty="0">
+                        <a:rPr lang="tr-TR" sz="2800" b="0" i="0" u="none" strike="noStrike" dirty="0">
+                          <a:solidFill>
+                            <a:srgbClr val="000000"/>
+                          </a:solidFill>
                           <a:effectLst/>
+                          <a:latin typeface="+mn-lt"/>
                         </a:rPr>
                         <a:t>126</a:t>
                       </a:r>
-                      <a:endParaRPr lang="tr-TR" sz="2800" b="0" i="0" u="none" strike="noStrike" dirty="0">
-                        <a:solidFill>
-                          <a:srgbClr val="000000"/>
-                        </a:solidFill>
-                        <a:effectLst/>
-                        <a:latin typeface="+mn-lt"/>
-                      </a:endParaRPr>
                     </a:p>
                   </a:txBody>
                   <a:tcPr marL="12700" marR="12700" marT="12700" marB="0" anchor="b"/>
@@ -17114,54 +15598,75 @@
                     <a:p>
                       <a:pPr algn="l" fontAlgn="b"/>
                       <a:r>
-                        <a:rPr lang="en-US" sz="2800" u="none" strike="noStrike" dirty="0">
+                        <a:rPr lang="en-US" sz="2800" b="0" i="0" u="none" strike="noStrike" dirty="0">
+                          <a:solidFill>
+                            <a:srgbClr val="000000"/>
+                          </a:solidFill>
                           <a:effectLst/>
+                          <a:latin typeface="+mn-lt"/>
                         </a:rPr>
                         <a:t>P(continent(country1) = </a:t>
                       </a:r>
                       <a:r>
-                        <a:rPr lang="en-US" sz="2800" u="none" strike="noStrike" dirty="0" err="1">
+                        <a:rPr lang="en-US" sz="2800" b="0" i="0" u="none" strike="noStrike" dirty="0" err="1">
+                          <a:solidFill>
+                            <a:srgbClr val="000000"/>
+                          </a:solidFill>
                           <a:effectLst/>
+                          <a:latin typeface="+mn-lt"/>
                         </a:rPr>
                         <a:t>Eu|Borders</a:t>
                       </a:r>
                       <a:r>
-                        <a:rPr lang="en-US" sz="2800" u="none" strike="noStrike" dirty="0">
+                        <a:rPr lang="en-US" sz="2800" b="0" i="0" u="none" strike="noStrike" dirty="0">
+                          <a:solidFill>
+                            <a:srgbClr val="000000"/>
+                          </a:solidFill>
                           <a:effectLst/>
+                          <a:latin typeface="+mn-lt"/>
                         </a:rPr>
                         <a:t>(country1,country2) = </a:t>
                       </a:r>
                       <a:r>
-                        <a:rPr lang="en-US" sz="2800" u="none" strike="noStrike" dirty="0" err="1">
+                        <a:rPr lang="en-US" sz="2800" b="0" i="0" u="none" strike="noStrike" dirty="0" err="1">
+                          <a:solidFill>
+                            <a:srgbClr val="000000"/>
+                          </a:solidFill>
                           <a:effectLst/>
+                          <a:latin typeface="+mn-lt"/>
                         </a:rPr>
                         <a:t>T,continent</a:t>
                       </a:r>
                       <a:r>
-                        <a:rPr lang="en-US" sz="2800" u="none" strike="noStrike" dirty="0">
+                        <a:rPr lang="en-US" sz="2800" b="0" i="0" u="none" strike="noStrike" dirty="0">
+                          <a:solidFill>
+                            <a:srgbClr val="000000"/>
+                          </a:solidFill>
                           <a:effectLst/>
+                          <a:latin typeface="+mn-lt"/>
                         </a:rPr>
                         <a:t>(country2=</a:t>
                       </a:r>
                       <a:r>
-                        <a:rPr lang="en-US" sz="2800" u="none" strike="noStrike" dirty="0" err="1">
+                        <a:rPr lang="en-US" sz="2800" b="0" i="0" u="none" strike="noStrike" dirty="0" err="1">
+                          <a:solidFill>
+                            <a:srgbClr val="000000"/>
+                          </a:solidFill>
                           <a:effectLst/>
+                          <a:latin typeface="+mn-lt"/>
                         </a:rPr>
                         <a:t>Eu</a:t>
                       </a:r>
                       <a:r>
-                        <a:rPr lang="en-US" sz="2800" u="none" strike="noStrike" dirty="0">
+                        <a:rPr lang="en-US" sz="2800" b="0" i="0" u="none" strike="noStrike" dirty="0">
+                          <a:solidFill>
+                            <a:srgbClr val="000000"/>
+                          </a:solidFill>
                           <a:effectLst/>
+                          <a:latin typeface="+mn-lt"/>
                         </a:rPr>
                         <a:t>))</a:t>
                       </a:r>
-                      <a:endParaRPr lang="en-US" sz="2800" b="0" i="0" u="none" strike="noStrike" dirty="0">
-                        <a:solidFill>
-                          <a:srgbClr val="000000"/>
-                        </a:solidFill>
-                        <a:effectLst/>
-                        <a:latin typeface="+mn-lt"/>
-                      </a:endParaRPr>
                     </a:p>
                   </a:txBody>
                   <a:tcPr marL="12700" marR="12700" marT="12700" marB="0" anchor="b"/>
@@ -17173,8 +15678,12 @@
                     <a:p>
                       <a:pPr algn="r" fontAlgn="b"/>
                       <a:r>
-                        <a:rPr lang="tr-TR" sz="2800" u="none" strike="noStrike" dirty="0" smtClean="0">
+                        <a:rPr lang="tr-TR" sz="2800" b="0" i="0" u="none" strike="noStrike" dirty="0" smtClean="0">
+                          <a:solidFill>
+                            <a:srgbClr val="000000"/>
+                          </a:solidFill>
                           <a:effectLst/>
+                          <a:latin typeface="+mn-lt"/>
                         </a:rPr>
                         <a:t>124/126=</a:t>
                       </a:r>
@@ -17182,8 +15691,12 @@
                     <a:p>
                       <a:pPr algn="r" fontAlgn="b"/>
                       <a:r>
-                        <a:rPr lang="tr-TR" sz="2800" u="none" strike="noStrike" dirty="0" smtClean="0">
+                        <a:rPr lang="tr-TR" sz="2800" b="0" i="0" u="none" strike="noStrike" dirty="0" smtClean="0">
+                          <a:solidFill>
+                            <a:srgbClr val="000000"/>
+                          </a:solidFill>
                           <a:effectLst/>
+                          <a:latin typeface="+mn-lt"/>
                         </a:rPr>
                         <a:t>98.41%</a:t>
                       </a:r>
@@ -17250,17 +15763,10 @@
   <p:clrMapOvr>
     <a:masterClrMapping/>
   </p:clrMapOvr>
-  <p:timing>
-    <p:tnLst>
-      <p:par>
-        <p:cTn xmlns:p14="http://schemas.microsoft.com/office/powerpoint/2010/main" id="1" dur="indefinite" restart="never" nodeType="tmRoot"/>
-      </p:par>
-    </p:tnLst>
-  </p:timing>
 </p:sld>
 </file>
 
-<file path=ppt/slides/slide31.xml><?xml version="1.0" encoding="utf-8"?>
+<file path=ppt/slides/slide29.xml><?xml version="1.0" encoding="utf-8"?>
 <p:sld xmlns:a="http://schemas.openxmlformats.org/drawingml/2006/main" xmlns:r="http://schemas.openxmlformats.org/officeDocument/2006/relationships" xmlns:p="http://schemas.openxmlformats.org/presentationml/2006/main">
   <p:cSld>
     <p:spTree>
@@ -17633,7 +16139,116 @@
 </p:sld>
 </file>
 
-<file path=ppt/slides/slide32.xml><?xml version="1.0" encoding="utf-8"?>
+<file path=ppt/slides/slide3.xml><?xml version="1.0" encoding="utf-8"?>
+<p:sld xmlns:a="http://schemas.openxmlformats.org/drawingml/2006/main" xmlns:r="http://schemas.openxmlformats.org/officeDocument/2006/relationships" xmlns:p="http://schemas.openxmlformats.org/presentationml/2006/main">
+  <p:cSld>
+    <p:spTree>
+      <p:nvGrpSpPr>
+        <p:cNvPr id="1" name=""/>
+        <p:cNvGrpSpPr/>
+        <p:nvPr/>
+      </p:nvGrpSpPr>
+      <p:grpSpPr>
+        <a:xfrm>
+          <a:off x="0" y="0"/>
+          <a:ext cx="0" cy="0"/>
+          <a:chOff x="0" y="0"/>
+          <a:chExt cx="0" cy="0"/>
+        </a:xfrm>
+      </p:grpSpPr>
+      <p:sp>
+        <p:nvSpPr>
+          <p:cNvPr id="2" name="Title 1"/>
+          <p:cNvSpPr>
+            <a:spLocks noGrp="1"/>
+          </p:cNvSpPr>
+          <p:nvPr>
+            <p:ph type="title"/>
+          </p:nvPr>
+        </p:nvSpPr>
+        <p:spPr/>
+        <p:txBody>
+          <a:bodyPr/>
+          <a:lstStyle/>
+          <a:p>
+            <a:r>
+              <a:rPr lang="en-US" dirty="0" smtClean="0"/>
+              <a:t>Bayesian Network Demo</a:t>
+            </a:r>
+            <a:endParaRPr lang="en-US" dirty="0"/>
+          </a:p>
+        </p:txBody>
+      </p:sp>
+      <p:pic>
+        <p:nvPicPr>
+          <p:cNvPr id="5" name="Content Placeholder 4" descr="bayesnet-picture.png"/>
+          <p:cNvPicPr>
+            <a:picLocks noGrp="1" noChangeAspect="1"/>
+          </p:cNvPicPr>
+          <p:nvPr>
+            <p:ph sz="quarter" idx="1"/>
+          </p:nvPr>
+        </p:nvPicPr>
+        <p:blipFill>
+          <a:blip r:embed="rId3">
+            <a:extLst>
+              <a:ext uri="{28A0092B-C50C-407E-A947-70E740481C1C}">
+                <a14:useLocalDpi xmlns:a14="http://schemas.microsoft.com/office/drawing/2010/main" val="0"/>
+              </a:ext>
+            </a:extLst>
+          </a:blip>
+          <a:srcRect t="6298" b="6298"/>
+          <a:stretch>
+            <a:fillRect/>
+          </a:stretch>
+        </p:blipFill>
+        <p:spPr>
+          <a:xfrm>
+            <a:off x="177800" y="1447800"/>
+            <a:ext cx="8268970" cy="4864100"/>
+          </a:xfrm>
+        </p:spPr>
+      </p:pic>
+      <p:sp>
+        <p:nvSpPr>
+          <p:cNvPr id="4" name="Footer Placeholder 3"/>
+          <p:cNvSpPr>
+            <a:spLocks noGrp="1"/>
+          </p:cNvSpPr>
+          <p:nvPr>
+            <p:ph type="ftr" sz="quarter" idx="11"/>
+          </p:nvPr>
+        </p:nvSpPr>
+        <p:spPr/>
+        <p:txBody>
+          <a:bodyPr/>
+          <a:lstStyle/>
+          <a:p>
+            <a:pPr>
+              <a:defRPr/>
+            </a:pPr>
+            <a:r>
+              <a:rPr lang="en-US" smtClean="0"/>
+              <a:t>Learning Bayesian Networks for Complex Relational Data</a:t>
+            </a:r>
+            <a:endParaRPr lang="en-US" dirty="0"/>
+          </a:p>
+        </p:txBody>
+      </p:sp>
+    </p:spTree>
+    <p:extLst>
+      <p:ext uri="{BB962C8B-B14F-4D97-AF65-F5344CB8AC3E}">
+        <p14:creationId xmlns:p14="http://schemas.microsoft.com/office/powerpoint/2010/main" val="3131024873"/>
+      </p:ext>
+    </p:extLst>
+  </p:cSld>
+  <p:clrMapOvr>
+    <a:masterClrMapping/>
+  </p:clrMapOvr>
+</p:sld>
+</file>
+
+<file path=ppt/slides/slide30.xml><?xml version="1.0" encoding="utf-8"?>
 <p:sld xmlns:a="http://schemas.openxmlformats.org/drawingml/2006/main" xmlns:r="http://schemas.openxmlformats.org/officeDocument/2006/relationships" xmlns:p="http://schemas.openxmlformats.org/presentationml/2006/main">
   <p:cSld>
     <p:spTree>
@@ -17888,13 +16503,6 @@
   <p:clrMapOvr>
     <a:masterClrMapping/>
   </p:clrMapOvr>
-  <p:timing>
-    <p:tnLst>
-      <p:par>
-        <p:cTn xmlns:p14="http://schemas.microsoft.com/office/powerpoint/2010/main" id="1" dur="indefinite" restart="never" nodeType="tmRoot"/>
-      </p:par>
-    </p:tnLst>
-  </p:timing>
 </p:sld>
 </file>
 

--- a/ch2-fo-bayes-nets.pptx
+++ b/ch2-fo-bayes-nets.pptx
@@ -5,10 +5,10 @@
     <p:sldMasterId id="2147483660" r:id="rId1"/>
   </p:sldMasterIdLst>
   <p:notesMasterIdLst>
-    <p:notesMasterId r:id="rId32"/>
+    <p:notesMasterId r:id="rId34"/>
   </p:notesMasterIdLst>
   <p:handoutMasterIdLst>
-    <p:handoutMasterId r:id="rId33"/>
+    <p:handoutMasterId r:id="rId35"/>
   </p:handoutMasterIdLst>
   <p:sldIdLst>
     <p:sldId id="370" r:id="rId2"/>
@@ -20,27 +20,29 @@
     <p:sldId id="382" r:id="rId8"/>
     <p:sldId id="383" r:id="rId9"/>
     <p:sldId id="369" r:id="rId10"/>
-    <p:sldId id="393" r:id="rId11"/>
-    <p:sldId id="379" r:id="rId12"/>
-    <p:sldId id="323" r:id="rId13"/>
-    <p:sldId id="313" r:id="rId14"/>
-    <p:sldId id="388" r:id="rId15"/>
-    <p:sldId id="389" r:id="rId16"/>
-    <p:sldId id="334" r:id="rId17"/>
-    <p:sldId id="284" r:id="rId18"/>
-    <p:sldId id="384" r:id="rId19"/>
-    <p:sldId id="283" r:id="rId20"/>
-    <p:sldId id="394" r:id="rId21"/>
-    <p:sldId id="395" r:id="rId22"/>
-    <p:sldId id="397" r:id="rId23"/>
-    <p:sldId id="402" r:id="rId24"/>
-    <p:sldId id="398" r:id="rId25"/>
-    <p:sldId id="399" r:id="rId26"/>
-    <p:sldId id="400" r:id="rId27"/>
-    <p:sldId id="403" r:id="rId28"/>
-    <p:sldId id="404" r:id="rId29"/>
-    <p:sldId id="366" r:id="rId30"/>
-    <p:sldId id="378" r:id="rId31"/>
+    <p:sldId id="406" r:id="rId11"/>
+    <p:sldId id="393" r:id="rId12"/>
+    <p:sldId id="379" r:id="rId13"/>
+    <p:sldId id="323" r:id="rId14"/>
+    <p:sldId id="313" r:id="rId15"/>
+    <p:sldId id="388" r:id="rId16"/>
+    <p:sldId id="389" r:id="rId17"/>
+    <p:sldId id="334" r:id="rId18"/>
+    <p:sldId id="284" r:id="rId19"/>
+    <p:sldId id="384" r:id="rId20"/>
+    <p:sldId id="283" r:id="rId21"/>
+    <p:sldId id="405" r:id="rId22"/>
+    <p:sldId id="394" r:id="rId23"/>
+    <p:sldId id="407" r:id="rId24"/>
+    <p:sldId id="395" r:id="rId25"/>
+    <p:sldId id="397" r:id="rId26"/>
+    <p:sldId id="402" r:id="rId27"/>
+    <p:sldId id="398" r:id="rId28"/>
+    <p:sldId id="399" r:id="rId29"/>
+    <p:sldId id="400" r:id="rId30"/>
+    <p:sldId id="404" r:id="rId31"/>
+    <p:sldId id="366" r:id="rId32"/>
+    <p:sldId id="378" r:id="rId33"/>
   </p:sldIdLst>
   <p:sldSz cx="9144000" cy="6858000" type="screen4x3"/>
   <p:notesSz cx="6858000" cy="9144000"/>
@@ -195,6 +197,7 @@
             <p14:sldId id="382"/>
             <p14:sldId id="383"/>
             <p14:sldId id="369"/>
+            <p14:sldId id="406"/>
             <p14:sldId id="393"/>
           </p14:sldIdLst>
         </p14:section>
@@ -217,14 +220,15 @@
         </p14:section>
         <p14:section name="Frequency Demos" id="{6E81E249-5D52-124B-B10E-51E577ACCEE2}">
           <p14:sldIdLst>
+            <p14:sldId id="405"/>
             <p14:sldId id="394"/>
+            <p14:sldId id="407"/>
             <p14:sldId id="395"/>
             <p14:sldId id="397"/>
             <p14:sldId id="402"/>
             <p14:sldId id="398"/>
             <p14:sldId id="399"/>
             <p14:sldId id="400"/>
-            <p14:sldId id="403"/>
             <p14:sldId id="404"/>
             <p14:sldId id="366"/>
             <p14:sldId id="378"/>
@@ -343,7 +347,7 @@
               <a:pPr>
                 <a:defRPr/>
               </a:pPr>
-              <a:t>16-09-11</a:t>
+              <a:t>16-11-08</a:t>
             </a:fld>
             <a:endParaRPr lang="en-US"/>
           </a:p>
@@ -559,7 +563,7 @@
               <a:pPr>
                 <a:defRPr/>
               </a:pPr>
-              <a:t>16-09-11</a:t>
+              <a:t>16-11-08</a:t>
             </a:fld>
             <a:endParaRPr lang="en-US"/>
           </a:p>
@@ -1041,13 +1045,119 @@
           <a:p>
             <a:r>
               <a:rPr lang="en-US" dirty="0" smtClean="0"/>
-              <a:t>probabilities</a:t>
+              <a:t>FO = first-order </a:t>
+            </a:r>
+          </a:p>
+          <a:p>
+            <a:r>
+              <a:rPr lang="en-US" dirty="0" smtClean="0"/>
+              <a:t>single</a:t>
             </a:r>
             <a:r>
               <a:rPr lang="en-US" baseline="0" dirty="0" smtClean="0"/>
-              <a:t> are examples</a:t>
-            </a:r>
-            <a:endParaRPr lang="en-US" dirty="0"/>
+              <a:t> data table that correctly represents relational frequencies</a:t>
+            </a:r>
+          </a:p>
+          <a:p>
+            <a:r>
+              <a:rPr lang="en-US" dirty="0" smtClean="0"/>
+              <a:t>Riedel, S.; Yao, L.; McCallum, A. &amp; Marlin, B. M. (2013), Relation Extraction with Matrix Factorization and Universal Schemas, </a:t>
+            </a:r>
+            <a:r>
+              <a:rPr lang="en-US" i="1" dirty="0" smtClean="0"/>
+              <a:t>in 'Human Language Technologies-NAACL', pp. 74--84.</a:t>
+            </a:r>
+          </a:p>
+          <a:p>
+            <a:r>
+              <a:rPr lang="en-US" dirty="0" smtClean="0"/>
+              <a:t>Schulte, O. (2011), A tractable pseudo-likelihood function for Bayes Nets applied to relational data, </a:t>
+            </a:r>
+            <a:r>
+              <a:rPr lang="en-US" i="1" dirty="0" smtClean="0"/>
+              <a:t>in 'SIAM SDM', pp. 462-473.</a:t>
+            </a:r>
+          </a:p>
+          <a:p>
+            <a:pPr marL="0" marR="0" indent="0" algn="l" defTabSz="457200" rtl="0" eaLnBrk="0" fontAlgn="base" latinLnBrk="0" hangingPunct="0">
+              <a:lnSpc>
+                <a:spcPct val="100000"/>
+              </a:lnSpc>
+              <a:spcBef>
+                <a:spcPct val="30000"/>
+              </a:spcBef>
+              <a:spcAft>
+                <a:spcPct val="0"/>
+              </a:spcAft>
+              <a:buClrTx/>
+              <a:buSzTx/>
+              <a:buFontTx/>
+              <a:buNone/>
+              <a:tabLst/>
+              <a:defRPr/>
+            </a:pPr>
+            <a:r>
+              <a:rPr lang="en-US" dirty="0" err="1" smtClean="0"/>
+              <a:t>Raedt</a:t>
+            </a:r>
+            <a:r>
+              <a:rPr lang="en-US" dirty="0" smtClean="0"/>
+              <a:t>, L. D. (1998), Attribute-Value Learning Versus Inductive Logic Programming: The Missing Links (Extended Abstract), </a:t>
+            </a:r>
+            <a:r>
+              <a:rPr lang="en-US" i="1" dirty="0" smtClean="0"/>
+              <a:t>in David Page, ed., 'ILP', Springer, , pp. 1-8</a:t>
+            </a:r>
+          </a:p>
+          <a:p>
+            <a:endParaRPr lang="en-US" dirty="0" smtClean="0"/>
+          </a:p>
+          <a:p>
+            <a:pPr marL="0" marR="0" indent="0" algn="l" defTabSz="457200" rtl="0" eaLnBrk="0" fontAlgn="base" latinLnBrk="0" hangingPunct="0">
+              <a:lnSpc>
+                <a:spcPct val="100000"/>
+              </a:lnSpc>
+              <a:spcBef>
+                <a:spcPct val="30000"/>
+              </a:spcBef>
+              <a:spcAft>
+                <a:spcPct val="0"/>
+              </a:spcAft>
+              <a:buClrTx/>
+              <a:buSzTx/>
+              <a:buFontTx/>
+              <a:buNone/>
+              <a:tabLst/>
+              <a:defRPr/>
+            </a:pPr>
+            <a:r>
+              <a:rPr lang="en-US" dirty="0" smtClean="0"/>
+              <a:t>Compared to the single grounding</a:t>
+            </a:r>
+            <a:r>
+              <a:rPr lang="en-US" baseline="0" dirty="0" smtClean="0"/>
+              <a:t> table, the data representation with multiple tables is </a:t>
+            </a:r>
+            <a:r>
+              <a:rPr lang="en-US" b="1" baseline="0" dirty="0" smtClean="0"/>
+              <a:t>factorized</a:t>
+            </a:r>
+            <a:r>
+              <a:rPr lang="en-US" b="0" baseline="0" dirty="0" smtClean="0"/>
+              <a:t>. (Normalized in database terminology). The factored data representation reduces the overall dimensionality of the data representation compared to the single </a:t>
+            </a:r>
+            <a:r>
+              <a:rPr lang="en-US" b="0" baseline="0" dirty="0" err="1" smtClean="0"/>
+              <a:t>unnormalized</a:t>
+            </a:r>
+            <a:r>
+              <a:rPr lang="en-US" b="0" baseline="0" smtClean="0"/>
+              <a:t> table.</a:t>
+            </a:r>
+            <a:endParaRPr lang="en-US" dirty="0" smtClean="0"/>
+          </a:p>
+          <a:p>
+            <a:endParaRPr lang="en-US" baseline="0" dirty="0" smtClean="0"/>
           </a:p>
         </p:txBody>
       </p:sp>
@@ -1074,7 +1184,7 @@
               <a:pPr>
                 <a:defRPr/>
               </a:pPr>
-              <a:t>16</a:t>
+              <a:t>15</a:t>
             </a:fld>
             <a:endParaRPr lang="en-US"/>
           </a:p>
@@ -1083,7 +1193,7 @@
     </p:spTree>
     <p:extLst>
       <p:ext uri="{BB962C8B-B14F-4D97-AF65-F5344CB8AC3E}">
-        <p14:creationId xmlns:p14="http://schemas.microsoft.com/office/powerpoint/2010/main" val="968068703"/>
+        <p14:creationId xmlns:p14="http://schemas.microsoft.com/office/powerpoint/2010/main" val="1511732372"/>
       </p:ext>
     </p:extLst>
   </p:cSld>
@@ -1139,58 +1249,12 @@
           <a:p>
             <a:r>
               <a:rPr lang="en-US" dirty="0" smtClean="0"/>
-              <a:t>Bayesian networks are close to rules (</a:t>
-            </a:r>
-            <a:r>
-              <a:rPr lang="en-US" dirty="0" err="1" smtClean="0"/>
-              <a:t>Kersting</a:t>
+              <a:t>Population Variables</a:t>
             </a:r>
             <a:r>
               <a:rPr lang="en-US" baseline="0" dirty="0" smtClean="0"/>
-              <a:t> and </a:t>
-            </a:r>
-            <a:r>
-              <a:rPr lang="en-US" baseline="0" dirty="0" err="1" smtClean="0"/>
-              <a:t>deRaedt</a:t>
-            </a:r>
-            <a:r>
-              <a:rPr lang="en-US" baseline="0" dirty="0" smtClean="0"/>
-              <a:t>)</a:t>
-            </a:r>
-          </a:p>
-          <a:p>
-            <a:r>
-              <a:rPr lang="en-US" sz="1200" dirty="0" err="1" smtClean="0"/>
-              <a:t>parametrized</a:t>
-            </a:r>
-            <a:r>
-              <a:rPr lang="en-US" sz="1200" baseline="0" dirty="0" smtClean="0"/>
-              <a:t> BNs </a:t>
-            </a:r>
-            <a:r>
-              <a:rPr lang="en-US" sz="1200" dirty="0" smtClean="0"/>
-              <a:t>not a frequency model</a:t>
-            </a:r>
-            <a:endParaRPr lang="en-US" baseline="0" dirty="0" smtClean="0"/>
-          </a:p>
-          <a:p>
-            <a:endParaRPr lang="en-US" baseline="0" dirty="0" smtClean="0"/>
-          </a:p>
-          <a:p>
-            <a:r>
-              <a:rPr lang="en-US" baseline="0" dirty="0" smtClean="0"/>
-              <a:t>Demo.</a:t>
-            </a:r>
-          </a:p>
-          <a:p>
-            <a:endParaRPr lang="en-US" baseline="0" dirty="0" smtClean="0"/>
-          </a:p>
-          <a:p>
-            <a:r>
-              <a:rPr lang="en-US" baseline="0" dirty="0" smtClean="0"/>
-              <a:t>First-order Random variables = terms.</a:t>
-            </a:r>
-            <a:endParaRPr lang="en-US" dirty="0"/>
+              <a:t> are uniformly and independently distributed</a:t>
+            </a:r>
           </a:p>
         </p:txBody>
       </p:sp>
@@ -1217,7 +1281,7 @@
               <a:pPr>
                 <a:defRPr/>
               </a:pPr>
-              <a:t>18</a:t>
+              <a:t>16</a:t>
             </a:fld>
             <a:endParaRPr lang="en-US"/>
           </a:p>
@@ -1226,7 +1290,7 @@
     </p:spTree>
     <p:extLst>
       <p:ext uri="{BB962C8B-B14F-4D97-AF65-F5344CB8AC3E}">
-        <p14:creationId xmlns:p14="http://schemas.microsoft.com/office/powerpoint/2010/main" val="1197388364"/>
+        <p14:creationId xmlns:p14="http://schemas.microsoft.com/office/powerpoint/2010/main" val="1511732372"/>
       </p:ext>
     </p:extLst>
   </p:cSld>
@@ -1281,8 +1345,12 @@
           <a:lstStyle/>
           <a:p>
             <a:r>
+              <a:rPr lang="en-US" dirty="0" smtClean="0"/>
+              <a:t>probabilities</a:t>
+            </a:r>
+            <a:r>
               <a:rPr lang="en-US" baseline="0" dirty="0" smtClean="0"/>
-              <a:t>Random or typical or normal individuals</a:t>
+              <a:t> are examples</a:t>
             </a:r>
             <a:endParaRPr lang="en-US" dirty="0"/>
           </a:p>
@@ -1311,7 +1379,7 @@
               <a:pPr>
                 <a:defRPr/>
               </a:pPr>
-              <a:t>19</a:t>
+              <a:t>17</a:t>
             </a:fld>
             <a:endParaRPr lang="en-US"/>
           </a:p>
@@ -1320,7 +1388,7 @@
     </p:spTree>
     <p:extLst>
       <p:ext uri="{BB962C8B-B14F-4D97-AF65-F5344CB8AC3E}">
-        <p14:creationId xmlns:p14="http://schemas.microsoft.com/office/powerpoint/2010/main" val="658811341"/>
+        <p14:creationId xmlns:p14="http://schemas.microsoft.com/office/powerpoint/2010/main" val="968068703"/>
       </p:ext>
     </p:extLst>
   </p:cSld>
@@ -1375,9 +1443,59 @@
           <a:lstStyle/>
           <a:p>
             <a:r>
-              <a:rPr lang="en-US"/>
-              <a:t>IMDb_1R.xml</a:t>
-            </a:r>
+              <a:rPr lang="en-US" dirty="0" smtClean="0"/>
+              <a:t>Bayesian networks are close to rules (</a:t>
+            </a:r>
+            <a:r>
+              <a:rPr lang="en-US" dirty="0" err="1" smtClean="0"/>
+              <a:t>Kersting</a:t>
+            </a:r>
+            <a:r>
+              <a:rPr lang="en-US" baseline="0" dirty="0" smtClean="0"/>
+              <a:t> and </a:t>
+            </a:r>
+            <a:r>
+              <a:rPr lang="en-US" baseline="0" dirty="0" err="1" smtClean="0"/>
+              <a:t>deRaedt</a:t>
+            </a:r>
+            <a:r>
+              <a:rPr lang="en-US" baseline="0" dirty="0" smtClean="0"/>
+              <a:t>)</a:t>
+            </a:r>
+          </a:p>
+          <a:p>
+            <a:r>
+              <a:rPr lang="en-US" sz="1200" dirty="0" err="1" smtClean="0"/>
+              <a:t>parametrized</a:t>
+            </a:r>
+            <a:r>
+              <a:rPr lang="en-US" sz="1200" baseline="0" dirty="0" smtClean="0"/>
+              <a:t> BNs </a:t>
+            </a:r>
+            <a:r>
+              <a:rPr lang="en-US" sz="1200" dirty="0" smtClean="0"/>
+              <a:t>not a frequency model</a:t>
+            </a:r>
+            <a:endParaRPr lang="en-US" baseline="0" dirty="0" smtClean="0"/>
+          </a:p>
+          <a:p>
+            <a:endParaRPr lang="en-US" baseline="0" dirty="0" smtClean="0"/>
+          </a:p>
+          <a:p>
+            <a:r>
+              <a:rPr lang="en-US" baseline="0" dirty="0" smtClean="0"/>
+              <a:t>Demo.</a:t>
+            </a:r>
+          </a:p>
+          <a:p>
+            <a:endParaRPr lang="en-US" baseline="0" dirty="0" smtClean="0"/>
+          </a:p>
+          <a:p>
+            <a:r>
+              <a:rPr lang="en-US" baseline="0" dirty="0" smtClean="0"/>
+              <a:t>First-order Random variables = terms.</a:t>
+            </a:r>
+            <a:endParaRPr lang="en-US" dirty="0"/>
           </a:p>
         </p:txBody>
       </p:sp>
@@ -1400,11 +1518,11 @@
               <a:defRPr/>
             </a:pPr>
             <a:fld id="{57BE7C63-45E8-3348-B2F7-0B0BBCE77ABE}" type="slidenum">
-              <a:rPr lang="en-US"/>
+              <a:rPr lang="en-US" smtClean="0"/>
               <a:pPr>
                 <a:defRPr/>
               </a:pPr>
-              <a:t>21</a:t>
+              <a:t>19</a:t>
             </a:fld>
             <a:endParaRPr lang="en-US"/>
           </a:p>
@@ -1413,7 +1531,7 @@
     </p:spTree>
     <p:extLst>
       <p:ext uri="{BB962C8B-B14F-4D97-AF65-F5344CB8AC3E}">
-        <p14:creationId xmlns:p14="http://schemas.microsoft.com/office/powerpoint/2010/main" val="1227621452"/>
+        <p14:creationId xmlns:p14="http://schemas.microsoft.com/office/powerpoint/2010/main" val="1197388364"/>
       </p:ext>
     </p:extLst>
   </p:cSld>
@@ -1468,20 +1586,8 @@
           <a:lstStyle/>
           <a:p>
             <a:r>
-              <a:rPr lang="en-US" dirty="0" err="1" smtClean="0"/>
-              <a:t>todo</a:t>
-            </a:r>
-            <a:r>
-              <a:rPr lang="en-US" dirty="0" smtClean="0"/>
-              <a:t>: would </a:t>
-            </a:r>
-            <a:r>
-              <a:rPr lang="en-US" dirty="0"/>
-              <a:t>be nice to make this W</a:t>
-            </a:r>
-            <a:r>
-              <a:rPr lang="en-US" baseline="0" dirty="0"/>
-              <a:t> instead of F.</a:t>
+              <a:rPr lang="en-US" baseline="0" dirty="0" smtClean="0"/>
+              <a:t>Random or typical or normal individuals</a:t>
             </a:r>
             <a:endParaRPr lang="en-US" dirty="0"/>
           </a:p>
@@ -1506,11 +1612,11 @@
               <a:defRPr/>
             </a:pPr>
             <a:fld id="{57BE7C63-45E8-3348-B2F7-0B0BBCE77ABE}" type="slidenum">
-              <a:rPr lang="en-US"/>
+              <a:rPr lang="en-US" smtClean="0"/>
               <a:pPr>
                 <a:defRPr/>
               </a:pPr>
-              <a:t>22</a:t>
+              <a:t>20</a:t>
             </a:fld>
             <a:endParaRPr lang="en-US"/>
           </a:p>
@@ -1519,7 +1625,7 @@
     </p:spTree>
     <p:extLst>
       <p:ext uri="{BB962C8B-B14F-4D97-AF65-F5344CB8AC3E}">
-        <p14:creationId xmlns:p14="http://schemas.microsoft.com/office/powerpoint/2010/main" val="2052551726"/>
+        <p14:creationId xmlns:p14="http://schemas.microsoft.com/office/powerpoint/2010/main" val="658811341"/>
       </p:ext>
     </p:extLst>
   </p:cSld>
@@ -1574,9 +1680,18 @@
           <a:lstStyle/>
           <a:p>
             <a:r>
-              <a:rPr lang="en-US"/>
-              <a:t>Mondial.xml</a:t>
-            </a:r>
+              <a:rPr lang="en-US" dirty="0" err="1" smtClean="0"/>
+              <a:t>todo</a:t>
+            </a:r>
+            <a:r>
+              <a:rPr lang="en-US" dirty="0" smtClean="0"/>
+              <a:t>: make</a:t>
+            </a:r>
+            <a:r>
+              <a:rPr lang="en-US" baseline="0" dirty="0" smtClean="0"/>
+              <a:t> EER diagram with 3 relationships</a:t>
+            </a:r>
+            <a:endParaRPr lang="en-US" dirty="0"/>
           </a:p>
         </p:txBody>
       </p:sp>
@@ -1599,11 +1714,11 @@
               <a:defRPr/>
             </a:pPr>
             <a:fld id="{57BE7C63-45E8-3348-B2F7-0B0BBCE77ABE}" type="slidenum">
-              <a:rPr lang="en-US"/>
+              <a:rPr lang="en-US" smtClean="0"/>
               <a:pPr>
                 <a:defRPr/>
               </a:pPr>
-              <a:t>25</a:t>
+              <a:t>22</a:t>
             </a:fld>
             <a:endParaRPr lang="en-US"/>
           </a:p>
@@ -1612,7 +1727,7 @@
     </p:spTree>
     <p:extLst>
       <p:ext uri="{BB962C8B-B14F-4D97-AF65-F5344CB8AC3E}">
-        <p14:creationId xmlns:p14="http://schemas.microsoft.com/office/powerpoint/2010/main" val="1278463515"/>
+        <p14:creationId xmlns:p14="http://schemas.microsoft.com/office/powerpoint/2010/main" val="3267471699"/>
       </p:ext>
     </p:extLst>
   </p:cSld>
@@ -1667,9 +1782,40 @@
           <a:lstStyle/>
           <a:p>
             <a:r>
-              <a:rPr lang="en-US"/>
-              <a:t>Mondial.xml</a:t>
-            </a:r>
+              <a:rPr lang="en-US" dirty="0" err="1" smtClean="0"/>
+              <a:t>todo</a:t>
+            </a:r>
+            <a:r>
+              <a:rPr lang="en-US" dirty="0" smtClean="0"/>
+              <a:t>:</a:t>
+            </a:r>
+          </a:p>
+          <a:p>
+            <a:r>
+              <a:rPr lang="en-US" baseline="0" dirty="0" smtClean="0"/>
+              <a:t>*rerun </a:t>
+            </a:r>
+            <a:r>
+              <a:rPr lang="en-US" baseline="0" dirty="0" err="1" smtClean="0"/>
+              <a:t>BayesBase</a:t>
+            </a:r>
+            <a:r>
+              <a:rPr lang="en-US" baseline="0" dirty="0" smtClean="0"/>
+              <a:t> with link analysis on</a:t>
+            </a:r>
+          </a:p>
+          <a:p>
+            <a:r>
+              <a:rPr lang="en-US" baseline="0" dirty="0" smtClean="0"/>
+              <a:t>*rename columns to generate IMDB EER diagram with 3 relationships</a:t>
+            </a:r>
+          </a:p>
+          <a:p>
+            <a:r>
+              <a:rPr lang="en-US" baseline="0" dirty="0" smtClean="0"/>
+              <a:t>*upload to Prague dataset</a:t>
+            </a:r>
+            <a:endParaRPr lang="en-US" dirty="0"/>
           </a:p>
         </p:txBody>
       </p:sp>
@@ -1692,11 +1838,11 @@
               <a:defRPr/>
             </a:pPr>
             <a:fld id="{57BE7C63-45E8-3348-B2F7-0B0BBCE77ABE}" type="slidenum">
-              <a:rPr lang="en-US"/>
+              <a:rPr lang="en-US" smtClean="0"/>
               <a:pPr>
                 <a:defRPr/>
               </a:pPr>
-              <a:t>26</a:t>
+              <a:t>23</a:t>
             </a:fld>
             <a:endParaRPr lang="en-US"/>
           </a:p>
@@ -1705,7 +1851,7 @@
     </p:spTree>
     <p:extLst>
       <p:ext uri="{BB962C8B-B14F-4D97-AF65-F5344CB8AC3E}">
-        <p14:creationId xmlns:p14="http://schemas.microsoft.com/office/powerpoint/2010/main" val="26590556"/>
+        <p14:creationId xmlns:p14="http://schemas.microsoft.com/office/powerpoint/2010/main" val="2052534179"/>
       </p:ext>
     </p:extLst>
   </p:cSld>
@@ -1761,19 +1907,17 @@
           <a:p>
             <a:r>
               <a:rPr lang="en-US" dirty="0" smtClean="0"/>
-              <a:t>exercise:</a:t>
+              <a:t>IMDb_1R.xml</a:t>
+            </a:r>
+          </a:p>
+          <a:p>
+            <a:r>
+              <a:rPr lang="en-US" dirty="0" smtClean="0"/>
+              <a:t>for simplicity, our</a:t>
             </a:r>
             <a:r>
               <a:rPr lang="en-US" baseline="0" dirty="0" smtClean="0"/>
-              <a:t> query what the probability is of a country being in America given that it has a </a:t>
-            </a:r>
-            <a:r>
-              <a:rPr lang="en-US" baseline="0" dirty="0" err="1" smtClean="0"/>
-              <a:t>neighbour</a:t>
-            </a:r>
-            <a:r>
-              <a:rPr lang="en-US" baseline="0" dirty="0" smtClean="0"/>
-              <a:t> in America?</a:t>
+              <a:t> examples consider only one relationship. In principle, there is no limit to the number of relationships required.</a:t>
             </a:r>
             <a:endParaRPr lang="en-US" dirty="0"/>
           </a:p>
@@ -1798,11 +1942,11 @@
               <a:defRPr/>
             </a:pPr>
             <a:fld id="{57BE7C63-45E8-3348-B2F7-0B0BBCE77ABE}" type="slidenum">
-              <a:rPr lang="en-US" smtClean="0"/>
+              <a:rPr lang="en-US"/>
               <a:pPr>
                 <a:defRPr/>
               </a:pPr>
-              <a:t>28</a:t>
+              <a:t>24</a:t>
             </a:fld>
             <a:endParaRPr lang="en-US"/>
           </a:p>
@@ -1811,7 +1955,7 @@
     </p:spTree>
     <p:extLst>
       <p:ext uri="{BB962C8B-B14F-4D97-AF65-F5344CB8AC3E}">
-        <p14:creationId xmlns:p14="http://schemas.microsoft.com/office/powerpoint/2010/main" val="155472538"/>
+        <p14:creationId xmlns:p14="http://schemas.microsoft.com/office/powerpoint/2010/main" val="1227621452"/>
       </p:ext>
     </p:extLst>
   </p:cSld>
@@ -1865,6 +2009,111 @@
           <a:bodyPr/>
           <a:lstStyle/>
           <a:p>
+            <a:endParaRPr lang="en-US" dirty="0" smtClean="0"/>
+          </a:p>
+          <a:p>
+            <a:r>
+              <a:rPr lang="en-US" baseline="0" dirty="0" smtClean="0"/>
+              <a:t>put pictures and xml files on-line</a:t>
+            </a:r>
+            <a:endParaRPr lang="en-US" dirty="0"/>
+          </a:p>
+        </p:txBody>
+      </p:sp>
+      <p:sp>
+        <p:nvSpPr>
+          <p:cNvPr id="4" name="Slide Number Placeholder 3"/>
+          <p:cNvSpPr>
+            <a:spLocks noGrp="1"/>
+          </p:cNvSpPr>
+          <p:nvPr>
+            <p:ph type="sldNum" sz="quarter" idx="10"/>
+          </p:nvPr>
+        </p:nvSpPr>
+        <p:spPr/>
+        <p:txBody>
+          <a:bodyPr/>
+          <a:lstStyle/>
+          <a:p>
+            <a:pPr>
+              <a:defRPr/>
+            </a:pPr>
+            <a:fld id="{57BE7C63-45E8-3348-B2F7-0B0BBCE77ABE}" type="slidenum">
+              <a:rPr lang="en-US"/>
+              <a:pPr>
+                <a:defRPr/>
+              </a:pPr>
+              <a:t>25</a:t>
+            </a:fld>
+            <a:endParaRPr lang="en-US"/>
+          </a:p>
+        </p:txBody>
+      </p:sp>
+    </p:spTree>
+    <p:extLst>
+      <p:ext uri="{BB962C8B-B14F-4D97-AF65-F5344CB8AC3E}">
+        <p14:creationId xmlns:p14="http://schemas.microsoft.com/office/powerpoint/2010/main" val="2052551726"/>
+      </p:ext>
+    </p:extLst>
+  </p:cSld>
+  <p:clrMapOvr>
+    <a:masterClrMapping/>
+  </p:clrMapOvr>
+</p:notes>
+</file>
+
+<file path=ppt/notesSlides/notesSlide19.xml><?xml version="1.0" encoding="utf-8"?>
+<p:notes xmlns:a="http://schemas.openxmlformats.org/drawingml/2006/main" xmlns:r="http://schemas.openxmlformats.org/officeDocument/2006/relationships" xmlns:p="http://schemas.openxmlformats.org/presentationml/2006/main">
+  <p:cSld>
+    <p:spTree>
+      <p:nvGrpSpPr>
+        <p:cNvPr id="1" name=""/>
+        <p:cNvGrpSpPr/>
+        <p:nvPr/>
+      </p:nvGrpSpPr>
+      <p:grpSpPr>
+        <a:xfrm>
+          <a:off x="0" y="0"/>
+          <a:ext cx="0" cy="0"/>
+          <a:chOff x="0" y="0"/>
+          <a:chExt cx="0" cy="0"/>
+        </a:xfrm>
+      </p:grpSpPr>
+      <p:sp>
+        <p:nvSpPr>
+          <p:cNvPr id="2" name="Slide Image Placeholder 1"/>
+          <p:cNvSpPr>
+            <a:spLocks noGrp="1" noRot="1" noChangeAspect="1"/>
+          </p:cNvSpPr>
+          <p:nvPr>
+            <p:ph type="sldImg"/>
+          </p:nvPr>
+        </p:nvSpPr>
+        <p:spPr/>
+      </p:sp>
+      <p:sp>
+        <p:nvSpPr>
+          <p:cNvPr id="3" name="Notes Placeholder 2"/>
+          <p:cNvSpPr>
+            <a:spLocks noGrp="1"/>
+          </p:cNvSpPr>
+          <p:nvPr>
+            <p:ph type="body" idx="1"/>
+          </p:nvPr>
+        </p:nvSpPr>
+        <p:spPr/>
+        <p:txBody>
+          <a:bodyPr/>
+          <a:lstStyle/>
+          <a:p>
+            <a:r>
+              <a:rPr lang="en-US" dirty="0" smtClean="0"/>
+              <a:t>run</a:t>
+            </a:r>
+            <a:r>
+              <a:rPr lang="en-US" baseline="0" dirty="0" smtClean="0"/>
+              <a:t> the actual queries</a:t>
+            </a:r>
             <a:endParaRPr lang="en-US" dirty="0"/>
           </a:p>
         </p:txBody>
@@ -1892,7 +2141,7 @@
               <a:pPr>
                 <a:defRPr/>
               </a:pPr>
-              <a:t>29</a:t>
+              <a:t>26</a:t>
             </a:fld>
             <a:endParaRPr lang="en-US"/>
           </a:p>
@@ -1901,7 +2150,7 @@
     </p:spTree>
     <p:extLst>
       <p:ext uri="{BB962C8B-B14F-4D97-AF65-F5344CB8AC3E}">
-        <p14:creationId xmlns:p14="http://schemas.microsoft.com/office/powerpoint/2010/main" val="1074296804"/>
+        <p14:creationId xmlns:p14="http://schemas.microsoft.com/office/powerpoint/2010/main" val="1708766281"/>
       </p:ext>
     </p:extLst>
   </p:cSld>
@@ -2008,6 +2257,559 @@
     <p:extLst>
       <p:ext uri="{BB962C8B-B14F-4D97-AF65-F5344CB8AC3E}">
         <p14:creationId xmlns:p14="http://schemas.microsoft.com/office/powerpoint/2010/main" val="444076179"/>
+      </p:ext>
+    </p:extLst>
+  </p:cSld>
+  <p:clrMapOvr>
+    <a:masterClrMapping/>
+  </p:clrMapOvr>
+</p:notes>
+</file>
+
+<file path=ppt/notesSlides/notesSlide20.xml><?xml version="1.0" encoding="utf-8"?>
+<p:notes xmlns:a="http://schemas.openxmlformats.org/drawingml/2006/main" xmlns:r="http://schemas.openxmlformats.org/officeDocument/2006/relationships" xmlns:p="http://schemas.openxmlformats.org/presentationml/2006/main">
+  <p:cSld>
+    <p:spTree>
+      <p:nvGrpSpPr>
+        <p:cNvPr id="1" name=""/>
+        <p:cNvGrpSpPr/>
+        <p:nvPr/>
+      </p:nvGrpSpPr>
+      <p:grpSpPr>
+        <a:xfrm>
+          <a:off x="0" y="0"/>
+          <a:ext cx="0" cy="0"/>
+          <a:chOff x="0" y="0"/>
+          <a:chExt cx="0" cy="0"/>
+        </a:xfrm>
+      </p:grpSpPr>
+      <p:sp>
+        <p:nvSpPr>
+          <p:cNvPr id="2" name="Slide Image Placeholder 1"/>
+          <p:cNvSpPr>
+            <a:spLocks noGrp="1" noRot="1" noChangeAspect="1"/>
+          </p:cNvSpPr>
+          <p:nvPr>
+            <p:ph type="sldImg"/>
+          </p:nvPr>
+        </p:nvSpPr>
+        <p:spPr/>
+      </p:sp>
+      <p:sp>
+        <p:nvSpPr>
+          <p:cNvPr id="3" name="Notes Placeholder 2"/>
+          <p:cNvSpPr>
+            <a:spLocks noGrp="1"/>
+          </p:cNvSpPr>
+          <p:nvPr>
+            <p:ph type="body" idx="1"/>
+          </p:nvPr>
+        </p:nvSpPr>
+        <p:spPr/>
+        <p:txBody>
+          <a:bodyPr/>
+          <a:lstStyle/>
+          <a:p>
+            <a:r>
+              <a:rPr lang="en-US" dirty="0" err="1" smtClean="0"/>
+              <a:t>todo</a:t>
+            </a:r>
+            <a:r>
+              <a:rPr lang="en-US" dirty="0" smtClean="0"/>
+              <a:t>: </a:t>
+            </a:r>
+          </a:p>
+          <a:p>
+            <a:r>
+              <a:rPr lang="en-US" dirty="0" smtClean="0"/>
+              <a:t>*simplify so it has only Country and Borders</a:t>
+            </a:r>
+          </a:p>
+          <a:p>
+            <a:r>
+              <a:rPr lang="en-US" dirty="0" smtClean="0"/>
+              <a:t>*make sure </a:t>
+            </a:r>
+            <a:r>
+              <a:rPr lang="en-US" dirty="0" err="1" smtClean="0"/>
+              <a:t>BayesBase</a:t>
+            </a:r>
+            <a:r>
+              <a:rPr lang="en-US" baseline="0" dirty="0" smtClean="0"/>
+              <a:t> runs correctly</a:t>
+            </a:r>
+            <a:endParaRPr lang="en-US" dirty="0"/>
+          </a:p>
+        </p:txBody>
+      </p:sp>
+      <p:sp>
+        <p:nvSpPr>
+          <p:cNvPr id="4" name="Slide Number Placeholder 3"/>
+          <p:cNvSpPr>
+            <a:spLocks noGrp="1"/>
+          </p:cNvSpPr>
+          <p:nvPr>
+            <p:ph type="sldNum" sz="quarter" idx="10"/>
+          </p:nvPr>
+        </p:nvSpPr>
+        <p:spPr/>
+        <p:txBody>
+          <a:bodyPr/>
+          <a:lstStyle/>
+          <a:p>
+            <a:pPr>
+              <a:defRPr/>
+            </a:pPr>
+            <a:fld id="{57BE7C63-45E8-3348-B2F7-0B0BBCE77ABE}" type="slidenum">
+              <a:rPr lang="en-US" smtClean="0"/>
+              <a:pPr>
+                <a:defRPr/>
+              </a:pPr>
+              <a:t>27</a:t>
+            </a:fld>
+            <a:endParaRPr lang="en-US"/>
+          </a:p>
+        </p:txBody>
+      </p:sp>
+    </p:spTree>
+    <p:extLst>
+      <p:ext uri="{BB962C8B-B14F-4D97-AF65-F5344CB8AC3E}">
+        <p14:creationId xmlns:p14="http://schemas.microsoft.com/office/powerpoint/2010/main" val="3699909571"/>
+      </p:ext>
+    </p:extLst>
+  </p:cSld>
+  <p:clrMapOvr>
+    <a:masterClrMapping/>
+  </p:clrMapOvr>
+</p:notes>
+</file>
+
+<file path=ppt/notesSlides/notesSlide21.xml><?xml version="1.0" encoding="utf-8"?>
+<p:notes xmlns:a="http://schemas.openxmlformats.org/drawingml/2006/main" xmlns:r="http://schemas.openxmlformats.org/officeDocument/2006/relationships" xmlns:p="http://schemas.openxmlformats.org/presentationml/2006/main">
+  <p:cSld>
+    <p:spTree>
+      <p:nvGrpSpPr>
+        <p:cNvPr id="1" name=""/>
+        <p:cNvGrpSpPr/>
+        <p:nvPr/>
+      </p:nvGrpSpPr>
+      <p:grpSpPr>
+        <a:xfrm>
+          <a:off x="0" y="0"/>
+          <a:ext cx="0" cy="0"/>
+          <a:chOff x="0" y="0"/>
+          <a:chExt cx="0" cy="0"/>
+        </a:xfrm>
+      </p:grpSpPr>
+      <p:sp>
+        <p:nvSpPr>
+          <p:cNvPr id="2" name="Slide Image Placeholder 1"/>
+          <p:cNvSpPr>
+            <a:spLocks noGrp="1" noRot="1" noChangeAspect="1"/>
+          </p:cNvSpPr>
+          <p:nvPr>
+            <p:ph type="sldImg"/>
+          </p:nvPr>
+        </p:nvSpPr>
+        <p:spPr/>
+      </p:sp>
+      <p:sp>
+        <p:nvSpPr>
+          <p:cNvPr id="3" name="Notes Placeholder 2"/>
+          <p:cNvSpPr>
+            <a:spLocks noGrp="1"/>
+          </p:cNvSpPr>
+          <p:nvPr>
+            <p:ph type="body" idx="1"/>
+          </p:nvPr>
+        </p:nvSpPr>
+        <p:spPr/>
+        <p:txBody>
+          <a:bodyPr/>
+          <a:lstStyle/>
+          <a:p>
+            <a:r>
+              <a:rPr lang="en-US" dirty="0" err="1" smtClean="0"/>
+              <a:t>todo</a:t>
+            </a:r>
+            <a:r>
+              <a:rPr lang="en-US" dirty="0" smtClean="0"/>
+              <a:t>: </a:t>
+            </a:r>
+          </a:p>
+          <a:p>
+            <a:r>
+              <a:rPr lang="en-US" dirty="0" smtClean="0"/>
+              <a:t>rerun</a:t>
+            </a:r>
+            <a:r>
+              <a:rPr lang="en-US" baseline="0" dirty="0" smtClean="0"/>
+              <a:t> </a:t>
+            </a:r>
+            <a:r>
+              <a:rPr lang="en-US" baseline="0" dirty="0" err="1" smtClean="0"/>
+              <a:t>Mondial</a:t>
+            </a:r>
+            <a:r>
+              <a:rPr lang="en-US" baseline="0" dirty="0" smtClean="0"/>
+              <a:t> with link analysis on</a:t>
+            </a:r>
+          </a:p>
+          <a:p>
+            <a:r>
+              <a:rPr lang="en-US" baseline="0" dirty="0" smtClean="0"/>
+              <a:t>fix data format</a:t>
+            </a:r>
+          </a:p>
+          <a:p>
+            <a:r>
+              <a:rPr lang="en-US" dirty="0" err="1" smtClean="0"/>
+              <a:t>Mondial.xml</a:t>
+            </a:r>
+            <a:endParaRPr lang="en-US" dirty="0"/>
+          </a:p>
+        </p:txBody>
+      </p:sp>
+      <p:sp>
+        <p:nvSpPr>
+          <p:cNvPr id="4" name="Slide Number Placeholder 3"/>
+          <p:cNvSpPr>
+            <a:spLocks noGrp="1"/>
+          </p:cNvSpPr>
+          <p:nvPr>
+            <p:ph type="sldNum" sz="quarter" idx="10"/>
+          </p:nvPr>
+        </p:nvSpPr>
+        <p:spPr/>
+        <p:txBody>
+          <a:bodyPr/>
+          <a:lstStyle/>
+          <a:p>
+            <a:pPr>
+              <a:defRPr/>
+            </a:pPr>
+            <a:fld id="{57BE7C63-45E8-3348-B2F7-0B0BBCE77ABE}" type="slidenum">
+              <a:rPr lang="en-US"/>
+              <a:pPr>
+                <a:defRPr/>
+              </a:pPr>
+              <a:t>28</a:t>
+            </a:fld>
+            <a:endParaRPr lang="en-US"/>
+          </a:p>
+        </p:txBody>
+      </p:sp>
+    </p:spTree>
+    <p:extLst>
+      <p:ext uri="{BB962C8B-B14F-4D97-AF65-F5344CB8AC3E}">
+        <p14:creationId xmlns:p14="http://schemas.microsoft.com/office/powerpoint/2010/main" val="1278463515"/>
+      </p:ext>
+    </p:extLst>
+  </p:cSld>
+  <p:clrMapOvr>
+    <a:masterClrMapping/>
+  </p:clrMapOvr>
+</p:notes>
+</file>
+
+<file path=ppt/notesSlides/notesSlide22.xml><?xml version="1.0" encoding="utf-8"?>
+<p:notes xmlns:a="http://schemas.openxmlformats.org/drawingml/2006/main" xmlns:r="http://schemas.openxmlformats.org/officeDocument/2006/relationships" xmlns:p="http://schemas.openxmlformats.org/presentationml/2006/main">
+  <p:cSld>
+    <p:spTree>
+      <p:nvGrpSpPr>
+        <p:cNvPr id="1" name=""/>
+        <p:cNvGrpSpPr/>
+        <p:nvPr/>
+      </p:nvGrpSpPr>
+      <p:grpSpPr>
+        <a:xfrm>
+          <a:off x="0" y="0"/>
+          <a:ext cx="0" cy="0"/>
+          <a:chOff x="0" y="0"/>
+          <a:chExt cx="0" cy="0"/>
+        </a:xfrm>
+      </p:grpSpPr>
+      <p:sp>
+        <p:nvSpPr>
+          <p:cNvPr id="2" name="Slide Image Placeholder 1"/>
+          <p:cNvSpPr>
+            <a:spLocks noGrp="1" noRot="1" noChangeAspect="1"/>
+          </p:cNvSpPr>
+          <p:nvPr>
+            <p:ph type="sldImg"/>
+          </p:nvPr>
+        </p:nvSpPr>
+        <p:spPr/>
+      </p:sp>
+      <p:sp>
+        <p:nvSpPr>
+          <p:cNvPr id="3" name="Notes Placeholder 2"/>
+          <p:cNvSpPr>
+            <a:spLocks noGrp="1"/>
+          </p:cNvSpPr>
+          <p:nvPr>
+            <p:ph type="body" idx="1"/>
+          </p:nvPr>
+        </p:nvSpPr>
+        <p:spPr/>
+        <p:txBody>
+          <a:bodyPr/>
+          <a:lstStyle/>
+          <a:p>
+            <a:r>
+              <a:rPr lang="en-US" dirty="0" err="1" smtClean="0"/>
+              <a:t>Mondial.xml</a:t>
+            </a:r>
+            <a:endParaRPr lang="en-US" dirty="0" smtClean="0"/>
+          </a:p>
+          <a:p>
+            <a:r>
+              <a:rPr lang="en-US" dirty="0" err="1" smtClean="0"/>
+              <a:t>todo</a:t>
+            </a:r>
+            <a:r>
+              <a:rPr lang="en-US" dirty="0" smtClean="0"/>
+              <a:t>: rerun to get rid of *</a:t>
+            </a:r>
+            <a:endParaRPr lang="en-US" dirty="0"/>
+          </a:p>
+        </p:txBody>
+      </p:sp>
+      <p:sp>
+        <p:nvSpPr>
+          <p:cNvPr id="4" name="Slide Number Placeholder 3"/>
+          <p:cNvSpPr>
+            <a:spLocks noGrp="1"/>
+          </p:cNvSpPr>
+          <p:nvPr>
+            <p:ph type="sldNum" sz="quarter" idx="10"/>
+          </p:nvPr>
+        </p:nvSpPr>
+        <p:spPr/>
+        <p:txBody>
+          <a:bodyPr/>
+          <a:lstStyle/>
+          <a:p>
+            <a:pPr>
+              <a:defRPr/>
+            </a:pPr>
+            <a:fld id="{57BE7C63-45E8-3348-B2F7-0B0BBCE77ABE}" type="slidenum">
+              <a:rPr lang="en-US"/>
+              <a:pPr>
+                <a:defRPr/>
+              </a:pPr>
+              <a:t>29</a:t>
+            </a:fld>
+            <a:endParaRPr lang="en-US"/>
+          </a:p>
+        </p:txBody>
+      </p:sp>
+    </p:spTree>
+    <p:extLst>
+      <p:ext uri="{BB962C8B-B14F-4D97-AF65-F5344CB8AC3E}">
+        <p14:creationId xmlns:p14="http://schemas.microsoft.com/office/powerpoint/2010/main" val="26590556"/>
+      </p:ext>
+    </p:extLst>
+  </p:cSld>
+  <p:clrMapOvr>
+    <a:masterClrMapping/>
+  </p:clrMapOvr>
+</p:notes>
+</file>
+
+<file path=ppt/notesSlides/notesSlide23.xml><?xml version="1.0" encoding="utf-8"?>
+<p:notes xmlns:a="http://schemas.openxmlformats.org/drawingml/2006/main" xmlns:r="http://schemas.openxmlformats.org/officeDocument/2006/relationships" xmlns:p="http://schemas.openxmlformats.org/presentationml/2006/main">
+  <p:cSld>
+    <p:spTree>
+      <p:nvGrpSpPr>
+        <p:cNvPr id="1" name=""/>
+        <p:cNvGrpSpPr/>
+        <p:nvPr/>
+      </p:nvGrpSpPr>
+      <p:grpSpPr>
+        <a:xfrm>
+          <a:off x="0" y="0"/>
+          <a:ext cx="0" cy="0"/>
+          <a:chOff x="0" y="0"/>
+          <a:chExt cx="0" cy="0"/>
+        </a:xfrm>
+      </p:grpSpPr>
+      <p:sp>
+        <p:nvSpPr>
+          <p:cNvPr id="2" name="Slide Image Placeholder 1"/>
+          <p:cNvSpPr>
+            <a:spLocks noGrp="1" noRot="1" noChangeAspect="1"/>
+          </p:cNvSpPr>
+          <p:nvPr>
+            <p:ph type="sldImg"/>
+          </p:nvPr>
+        </p:nvSpPr>
+        <p:spPr/>
+      </p:sp>
+      <p:sp>
+        <p:nvSpPr>
+          <p:cNvPr id="3" name="Notes Placeholder 2"/>
+          <p:cNvSpPr>
+            <a:spLocks noGrp="1"/>
+          </p:cNvSpPr>
+          <p:nvPr>
+            <p:ph type="body" idx="1"/>
+          </p:nvPr>
+        </p:nvSpPr>
+        <p:spPr/>
+        <p:txBody>
+          <a:bodyPr/>
+          <a:lstStyle/>
+          <a:p>
+            <a:r>
+              <a:rPr lang="en-US" dirty="0" smtClean="0"/>
+              <a:t>exercise:</a:t>
+            </a:r>
+            <a:r>
+              <a:rPr lang="en-US" baseline="0" dirty="0" smtClean="0"/>
+              <a:t> query what the probability is of a country being in America given that it has a </a:t>
+            </a:r>
+            <a:r>
+              <a:rPr lang="en-US" baseline="0" dirty="0" err="1" smtClean="0"/>
+              <a:t>neighbour</a:t>
+            </a:r>
+            <a:r>
+              <a:rPr lang="en-US" baseline="0" dirty="0" smtClean="0"/>
+              <a:t> in America?</a:t>
+            </a:r>
+          </a:p>
+          <a:p>
+            <a:r>
+              <a:rPr lang="en-US" baseline="0" dirty="0" smtClean="0"/>
+              <a:t>Europe has borders outside of itself: Turkey and Russia</a:t>
+            </a:r>
+            <a:endParaRPr lang="en-US" dirty="0"/>
+          </a:p>
+        </p:txBody>
+      </p:sp>
+      <p:sp>
+        <p:nvSpPr>
+          <p:cNvPr id="4" name="Slide Number Placeholder 3"/>
+          <p:cNvSpPr>
+            <a:spLocks noGrp="1"/>
+          </p:cNvSpPr>
+          <p:nvPr>
+            <p:ph type="sldNum" sz="quarter" idx="10"/>
+          </p:nvPr>
+        </p:nvSpPr>
+        <p:spPr/>
+        <p:txBody>
+          <a:bodyPr/>
+          <a:lstStyle/>
+          <a:p>
+            <a:pPr>
+              <a:defRPr/>
+            </a:pPr>
+            <a:fld id="{57BE7C63-45E8-3348-B2F7-0B0BBCE77ABE}" type="slidenum">
+              <a:rPr lang="en-US" smtClean="0"/>
+              <a:pPr>
+                <a:defRPr/>
+              </a:pPr>
+              <a:t>30</a:t>
+            </a:fld>
+            <a:endParaRPr lang="en-US"/>
+          </a:p>
+        </p:txBody>
+      </p:sp>
+    </p:spTree>
+    <p:extLst>
+      <p:ext uri="{BB962C8B-B14F-4D97-AF65-F5344CB8AC3E}">
+        <p14:creationId xmlns:p14="http://schemas.microsoft.com/office/powerpoint/2010/main" val="155472538"/>
+      </p:ext>
+    </p:extLst>
+  </p:cSld>
+  <p:clrMapOvr>
+    <a:masterClrMapping/>
+  </p:clrMapOvr>
+</p:notes>
+</file>
+
+<file path=ppt/notesSlides/notesSlide24.xml><?xml version="1.0" encoding="utf-8"?>
+<p:notes xmlns:a="http://schemas.openxmlformats.org/drawingml/2006/main" xmlns:r="http://schemas.openxmlformats.org/officeDocument/2006/relationships" xmlns:p="http://schemas.openxmlformats.org/presentationml/2006/main">
+  <p:cSld>
+    <p:spTree>
+      <p:nvGrpSpPr>
+        <p:cNvPr id="1" name=""/>
+        <p:cNvGrpSpPr/>
+        <p:nvPr/>
+      </p:nvGrpSpPr>
+      <p:grpSpPr>
+        <a:xfrm>
+          <a:off x="0" y="0"/>
+          <a:ext cx="0" cy="0"/>
+          <a:chOff x="0" y="0"/>
+          <a:chExt cx="0" cy="0"/>
+        </a:xfrm>
+      </p:grpSpPr>
+      <p:sp>
+        <p:nvSpPr>
+          <p:cNvPr id="2" name="Slide Image Placeholder 1"/>
+          <p:cNvSpPr>
+            <a:spLocks noGrp="1" noRot="1" noChangeAspect="1"/>
+          </p:cNvSpPr>
+          <p:nvPr>
+            <p:ph type="sldImg"/>
+          </p:nvPr>
+        </p:nvSpPr>
+        <p:spPr/>
+      </p:sp>
+      <p:sp>
+        <p:nvSpPr>
+          <p:cNvPr id="3" name="Notes Placeholder 2"/>
+          <p:cNvSpPr>
+            <a:spLocks noGrp="1"/>
+          </p:cNvSpPr>
+          <p:nvPr>
+            <p:ph type="body" idx="1"/>
+          </p:nvPr>
+        </p:nvSpPr>
+        <p:spPr/>
+        <p:txBody>
+          <a:bodyPr/>
+          <a:lstStyle/>
+          <a:p>
+            <a:endParaRPr lang="en-US" dirty="0"/>
+          </a:p>
+        </p:txBody>
+      </p:sp>
+      <p:sp>
+        <p:nvSpPr>
+          <p:cNvPr id="4" name="Slide Number Placeholder 3"/>
+          <p:cNvSpPr>
+            <a:spLocks noGrp="1"/>
+          </p:cNvSpPr>
+          <p:nvPr>
+            <p:ph type="sldNum" sz="quarter" idx="10"/>
+          </p:nvPr>
+        </p:nvSpPr>
+        <p:spPr/>
+        <p:txBody>
+          <a:bodyPr/>
+          <a:lstStyle/>
+          <a:p>
+            <a:pPr>
+              <a:defRPr/>
+            </a:pPr>
+            <a:fld id="{57BE7C63-45E8-3348-B2F7-0B0BBCE77ABE}" type="slidenum">
+              <a:rPr lang="en-US" smtClean="0"/>
+              <a:pPr>
+                <a:defRPr/>
+              </a:pPr>
+              <a:t>31</a:t>
+            </a:fld>
+            <a:endParaRPr lang="en-US"/>
+          </a:p>
+        </p:txBody>
+      </p:sp>
+    </p:spTree>
+    <p:extLst>
+      <p:ext uri="{BB962C8B-B14F-4D97-AF65-F5344CB8AC3E}">
+        <p14:creationId xmlns:p14="http://schemas.microsoft.com/office/powerpoint/2010/main" val="1074296804"/>
       </p:ext>
     </p:extLst>
   </p:cSld>
@@ -2533,7 +3335,7 @@
           <a:bodyPr/>
           <a:lstStyle/>
           <a:p>
-            <a:endParaRPr lang="en-US"/>
+            <a:endParaRPr lang="en-US" dirty="0"/>
           </a:p>
         </p:txBody>
       </p:sp>
@@ -2560,7 +3362,7 @@
               <a:pPr>
                 <a:defRPr/>
               </a:pPr>
-              <a:t>12</a:t>
+              <a:t>10</a:t>
             </a:fld>
             <a:endParaRPr lang="en-US"/>
           </a:p>
@@ -2569,7 +3371,7 @@
     </p:spTree>
     <p:extLst>
       <p:ext uri="{BB962C8B-B14F-4D97-AF65-F5344CB8AC3E}">
-        <p14:creationId xmlns:p14="http://schemas.microsoft.com/office/powerpoint/2010/main" val="647879782"/>
+        <p14:creationId xmlns:p14="http://schemas.microsoft.com/office/powerpoint/2010/main" val="3499962080"/>
       </p:ext>
     </p:extLst>
   </p:cSld>
@@ -2625,89 +3427,27 @@
           <a:p>
             <a:r>
               <a:rPr lang="en-US" dirty="0" smtClean="0"/>
-              <a:t>single</a:t>
+              <a:t>the basis of </a:t>
+            </a:r>
+            <a:r>
+              <a:rPr lang="en-US" dirty="0" err="1" smtClean="0"/>
+              <a:t>i.i.d</a:t>
+            </a:r>
+            <a:r>
+              <a:rPr lang="en-US" dirty="0" smtClean="0"/>
+              <a:t>. learning are</a:t>
             </a:r>
             <a:r>
               <a:rPr lang="en-US" baseline="0" dirty="0" smtClean="0"/>
-              <a:t> data table that correctly represents relational frequencies</a:t>
-            </a:r>
-          </a:p>
-          <a:p>
-            <a:r>
-              <a:rPr lang="en-US" dirty="0" smtClean="0"/>
-              <a:t>Riedel, S.; Yao, L.; McCallum, A. &amp; Marlin, B. M. (2013), Relation Extraction with Matrix Factorization and Universal Schemas, </a:t>
-            </a:r>
-            <a:r>
-              <a:rPr lang="en-US" i="1" dirty="0" smtClean="0"/>
-              <a:t>in 'Human Language Technologies-NAACL', pp. 74--84.</a:t>
-            </a:r>
-          </a:p>
-          <a:p>
-            <a:r>
-              <a:rPr lang="en-US" dirty="0" smtClean="0"/>
-              <a:t>Schulte, O. (2011), A tractable pseudo-likelihood function for Bayes Nets applied to relational data, </a:t>
-            </a:r>
-            <a:r>
-              <a:rPr lang="en-US" i="1" dirty="0" smtClean="0"/>
-              <a:t>in 'SIAM SDM', pp. 462-473.</a:t>
-            </a:r>
-          </a:p>
-          <a:p>
-            <a:pPr marL="0" marR="0" indent="0" algn="l" defTabSz="457200" rtl="0" eaLnBrk="0" fontAlgn="base" latinLnBrk="0" hangingPunct="0">
-              <a:lnSpc>
-                <a:spcPct val="100000"/>
-              </a:lnSpc>
-              <a:spcBef>
-                <a:spcPct val="30000"/>
-              </a:spcBef>
-              <a:spcAft>
-                <a:spcPct val="0"/>
-              </a:spcAft>
-              <a:buClrTx/>
-              <a:buSzTx/>
-              <a:buFontTx/>
-              <a:buNone/>
-              <a:tabLst/>
-              <a:defRPr/>
-            </a:pPr>
-            <a:r>
-              <a:rPr lang="en-US" dirty="0" err="1" smtClean="0"/>
-              <a:t>Raedt</a:t>
-            </a:r>
-            <a:r>
-              <a:rPr lang="en-US" dirty="0" smtClean="0"/>
-              <a:t>, L. D. (1998), Attribute-Value Learning Versus Inductive Logic Programming: The Missing Links (Extended Abstract), </a:t>
-            </a:r>
-            <a:r>
-              <a:rPr lang="en-US" i="1" dirty="0" smtClean="0"/>
-              <a:t>in David Page, ed., 'ILP', Springer, , pp. 1-8</a:t>
-            </a:r>
-          </a:p>
-          <a:p>
-            <a:endParaRPr lang="en-US" dirty="0" smtClean="0"/>
-          </a:p>
-          <a:p>
-            <a:pPr marL="0" marR="0" indent="0" algn="l" defTabSz="457200" rtl="0" eaLnBrk="0" fontAlgn="base" latinLnBrk="0" hangingPunct="0">
-              <a:lnSpc>
-                <a:spcPct val="100000"/>
-              </a:lnSpc>
-              <a:spcBef>
-                <a:spcPct val="30000"/>
-              </a:spcBef>
-              <a:spcAft>
-                <a:spcPct val="0"/>
-              </a:spcAft>
-              <a:buClrTx/>
-              <a:buSzTx/>
-              <a:buFontTx/>
-              <a:buNone/>
-              <a:tabLst/>
-              <a:defRPr/>
-            </a:pPr>
-            <a:endParaRPr lang="en-US" dirty="0" smtClean="0"/>
-          </a:p>
-          <a:p>
-            <a:endParaRPr lang="en-US" baseline="0" dirty="0" smtClean="0"/>
+              <a:t> frequencies observed in a sample</a:t>
+            </a:r>
+          </a:p>
+          <a:p>
+            <a:r>
+              <a:rPr lang="en-US" baseline="0" dirty="0" smtClean="0"/>
+              <a:t>the basis of relational learning are frequencies observed in a database</a:t>
+            </a:r>
+            <a:endParaRPr lang="en-US" dirty="0"/>
           </a:p>
         </p:txBody>
       </p:sp>
@@ -2734,7 +3474,7 @@
               <a:pPr>
                 <a:defRPr/>
               </a:pPr>
-              <a:t>14</a:t>
+              <a:t>12</a:t>
             </a:fld>
             <a:endParaRPr lang="en-US"/>
           </a:p>
@@ -2743,7 +3483,7 @@
     </p:spTree>
     <p:extLst>
       <p:ext uri="{BB962C8B-B14F-4D97-AF65-F5344CB8AC3E}">
-        <p14:creationId xmlns:p14="http://schemas.microsoft.com/office/powerpoint/2010/main" val="1511732372"/>
+        <p14:creationId xmlns:p14="http://schemas.microsoft.com/office/powerpoint/2010/main" val="1175023020"/>
       </p:ext>
     </p:extLst>
   </p:cSld>
@@ -2797,14 +3537,7 @@
           <a:bodyPr/>
           <a:lstStyle/>
           <a:p>
-            <a:r>
-              <a:rPr lang="en-US" dirty="0" smtClean="0"/>
-              <a:t>Population Variables</a:t>
-            </a:r>
-            <a:r>
-              <a:rPr lang="en-US" baseline="0" dirty="0" smtClean="0"/>
-              <a:t> are uniformly and independently distributed</a:t>
-            </a:r>
+            <a:endParaRPr lang="en-US"/>
           </a:p>
         </p:txBody>
       </p:sp>
@@ -2831,7 +3564,7 @@
               <a:pPr>
                 <a:defRPr/>
               </a:pPr>
-              <a:t>15</a:t>
+              <a:t>13</a:t>
             </a:fld>
             <a:endParaRPr lang="en-US"/>
           </a:p>
@@ -2840,7 +3573,7 @@
     </p:spTree>
     <p:extLst>
       <p:ext uri="{BB962C8B-B14F-4D97-AF65-F5344CB8AC3E}">
-        <p14:creationId xmlns:p14="http://schemas.microsoft.com/office/powerpoint/2010/main" val="1511732372"/>
+        <p14:creationId xmlns:p14="http://schemas.microsoft.com/office/powerpoint/2010/main" val="647879782"/>
       </p:ext>
     </p:extLst>
   </p:cSld>
@@ -3272,7 +4005,7 @@
               <a:pPr>
                 <a:defRPr/>
               </a:pPr>
-              <a:t>16-09-11</a:t>
+              <a:t>16-11-08</a:t>
             </a:fld>
             <a:endParaRPr lang="en-US"/>
           </a:p>
@@ -3469,7 +4202,7 @@
               <a:pPr>
                 <a:defRPr/>
               </a:pPr>
-              <a:t>16-09-11</a:t>
+              <a:t>16-11-08</a:t>
             </a:fld>
             <a:endParaRPr lang="en-US"/>
           </a:p>
@@ -3680,7 +4413,7 @@
               <a:pPr>
                 <a:defRPr/>
               </a:pPr>
-              <a:t>16-09-11</a:t>
+              <a:t>16-11-08</a:t>
             </a:fld>
             <a:endParaRPr lang="en-US"/>
           </a:p>
@@ -3886,7 +4619,7 @@
               <a:pPr>
                 <a:defRPr/>
               </a:pPr>
-              <a:t>16-09-11</a:t>
+              <a:t>16-11-08</a:t>
             </a:fld>
             <a:endParaRPr lang="en-US"/>
           </a:p>
@@ -4405,7 +5138,7 @@
               <a:pPr>
                 <a:defRPr/>
               </a:pPr>
-              <a:t>16-09-11</a:t>
+              <a:t>16-11-08</a:t>
             </a:fld>
             <a:endParaRPr lang="en-US"/>
           </a:p>
@@ -4674,7 +5407,7 @@
               <a:pPr>
                 <a:defRPr/>
               </a:pPr>
-              <a:t>16-09-11</a:t>
+              <a:t>16-11-08</a:t>
             </a:fld>
             <a:endParaRPr lang="en-US"/>
           </a:p>
@@ -5072,7 +5805,7 @@
               <a:pPr>
                 <a:defRPr/>
               </a:pPr>
-              <a:t>16-09-11</a:t>
+              <a:t>16-11-08</a:t>
             </a:fld>
             <a:endParaRPr lang="en-US"/>
           </a:p>
@@ -5221,7 +5954,7 @@
               <a:pPr>
                 <a:defRPr/>
               </a:pPr>
-              <a:t>16-09-11</a:t>
+              <a:t>16-11-08</a:t>
             </a:fld>
             <a:endParaRPr lang="en-US"/>
           </a:p>
@@ -5347,7 +6080,7 @@
               <a:pPr>
                 <a:defRPr/>
               </a:pPr>
-              <a:t>16-09-11</a:t>
+              <a:t>16-11-08</a:t>
             </a:fld>
             <a:endParaRPr lang="en-US"/>
           </a:p>
@@ -5723,7 +6456,7 @@
               <a:pPr>
                 <a:defRPr/>
               </a:pPr>
-              <a:t>16-09-11</a:t>
+              <a:t>16-11-08</a:t>
             </a:fld>
             <a:endParaRPr lang="en-US"/>
           </a:p>
@@ -6146,7 +6879,7 @@
               <a:pPr>
                 <a:defRPr/>
               </a:pPr>
-              <a:t>16-09-11</a:t>
+              <a:t>16-11-08</a:t>
             </a:fld>
             <a:endParaRPr lang="en-US"/>
           </a:p>
@@ -6566,7 +7299,7 @@
               <a:pPr>
                 <a:defRPr/>
               </a:pPr>
-              <a:t>16-09-11</a:t>
+              <a:t>16-11-08</a:t>
             </a:fld>
             <a:endParaRPr lang="en-US"/>
           </a:p>
@@ -7375,10 +8108,1059 @@
   <p:clrMapOvr>
     <a:masterClrMapping/>
   </p:clrMapOvr>
+  <p:timing>
+    <p:tnLst>
+      <p:par>
+        <p:cTn xmlns:p14="http://schemas.microsoft.com/office/powerpoint/2010/main" id="1" dur="indefinite" restart="never" nodeType="tmRoot"/>
+      </p:par>
+    </p:tnLst>
+  </p:timing>
 </p:sld>
 </file>
 
 <file path=ppt/slides/slide10.xml><?xml version="1.0" encoding="utf-8"?>
+<p:sld xmlns:a="http://schemas.openxmlformats.org/drawingml/2006/main" xmlns:r="http://schemas.openxmlformats.org/officeDocument/2006/relationships" xmlns:p="http://schemas.openxmlformats.org/presentationml/2006/main">
+  <p:cSld>
+    <p:spTree>
+      <p:nvGrpSpPr>
+        <p:cNvPr id="1" name=""/>
+        <p:cNvGrpSpPr/>
+        <p:nvPr/>
+      </p:nvGrpSpPr>
+      <p:grpSpPr>
+        <a:xfrm>
+          <a:off x="0" y="0"/>
+          <a:ext cx="0" cy="0"/>
+          <a:chOff x="0" y="0"/>
+          <a:chExt cx="0" cy="0"/>
+        </a:xfrm>
+      </p:grpSpPr>
+      <p:sp>
+        <p:nvSpPr>
+          <p:cNvPr id="2" name="Title 1"/>
+          <p:cNvSpPr>
+            <a:spLocks noGrp="1"/>
+          </p:cNvSpPr>
+          <p:nvPr>
+            <p:ph type="title"/>
+          </p:nvPr>
+        </p:nvSpPr>
+        <p:spPr>
+          <a:xfrm>
+            <a:off x="914400" y="274638"/>
+            <a:ext cx="7772400" cy="779462"/>
+          </a:xfrm>
+        </p:spPr>
+        <p:txBody>
+          <a:bodyPr/>
+          <a:lstStyle/>
+          <a:p>
+            <a:r>
+              <a:rPr lang="en-US" dirty="0" smtClean="0"/>
+              <a:t>Network View: Formula = Template</a:t>
+            </a:r>
+            <a:endParaRPr lang="en-US" dirty="0"/>
+          </a:p>
+        </p:txBody>
+      </p:sp>
+      <p:sp>
+        <p:nvSpPr>
+          <p:cNvPr id="3" name="Content Placeholder 2"/>
+          <p:cNvSpPr>
+            <a:spLocks noGrp="1"/>
+          </p:cNvSpPr>
+          <p:nvPr>
+            <p:ph sz="quarter" idx="1"/>
+          </p:nvPr>
+        </p:nvSpPr>
+        <p:spPr>
+          <a:xfrm>
+            <a:off x="787400" y="1092200"/>
+            <a:ext cx="7772400" cy="1587500"/>
+          </a:xfrm>
+        </p:spPr>
+        <p:txBody>
+          <a:bodyPr/>
+          <a:lstStyle/>
+          <a:p>
+            <a:r>
+              <a:rPr lang="en-US" dirty="0" smtClean="0"/>
+              <a:t>A conjunctive formula can be viewed as specifying a type of </a:t>
+            </a:r>
+            <a:r>
+              <a:rPr lang="en-US" dirty="0" err="1" smtClean="0"/>
+              <a:t>subgraph</a:t>
+            </a:r>
+            <a:r>
+              <a:rPr lang="en-US" dirty="0" smtClean="0"/>
+              <a:t> in the </a:t>
+            </a:r>
+            <a:r>
+              <a:rPr lang="en-US" dirty="0" err="1" smtClean="0"/>
+              <a:t>Gaifman</a:t>
+            </a:r>
+            <a:r>
+              <a:rPr lang="en-US" dirty="0" smtClean="0"/>
+              <a:t> graph</a:t>
+            </a:r>
+          </a:p>
+          <a:p>
+            <a:pPr lvl="1"/>
+            <a:r>
+              <a:rPr lang="en-US" dirty="0" smtClean="0"/>
+              <a:t>e.g. the pattern ActsIn</a:t>
+            </a:r>
+            <a:r>
+              <a:rPr lang="en-US" dirty="0"/>
+              <a:t>(Actor, Movie) = T, gender(Actor) = </a:t>
+            </a:r>
+            <a:r>
+              <a:rPr lang="en-US" dirty="0" smtClean="0"/>
+              <a:t>W occurs twice</a:t>
+            </a:r>
+            <a:endParaRPr lang="en-US" dirty="0"/>
+          </a:p>
+          <a:p>
+            <a:pPr lvl="1"/>
+            <a:endParaRPr lang="en-US" dirty="0"/>
+          </a:p>
+        </p:txBody>
+      </p:sp>
+      <p:sp>
+        <p:nvSpPr>
+          <p:cNvPr id="4" name="Footer Placeholder 3"/>
+          <p:cNvSpPr>
+            <a:spLocks noGrp="1"/>
+          </p:cNvSpPr>
+          <p:nvPr>
+            <p:ph type="ftr" sz="quarter" idx="11"/>
+          </p:nvPr>
+        </p:nvSpPr>
+        <p:spPr/>
+        <p:txBody>
+          <a:bodyPr/>
+          <a:lstStyle/>
+          <a:p>
+            <a:pPr>
+              <a:defRPr/>
+            </a:pPr>
+            <a:r>
+              <a:rPr lang="en-US" smtClean="0"/>
+              <a:t>Learning Bayesian Networks for Complex Relational Data</a:t>
+            </a:r>
+            <a:endParaRPr lang="en-US" dirty="0"/>
+          </a:p>
+        </p:txBody>
+      </p:sp>
+      <p:pic>
+        <p:nvPicPr>
+          <p:cNvPr id="6" name="Picture 5" descr="fargo.jpeg"/>
+          <p:cNvPicPr>
+            <a:picLocks noChangeAspect="1"/>
+          </p:cNvPicPr>
+          <p:nvPr/>
+        </p:nvPicPr>
+        <p:blipFill>
+          <a:blip r:embed="rId3">
+            <a:extLst>
+              <a:ext uri="{28A0092B-C50C-407E-A947-70E740481C1C}">
+                <a14:useLocalDpi xmlns:a14="http://schemas.microsoft.com/office/drawing/2010/main" val="0"/>
+              </a:ext>
+            </a:extLst>
+          </a:blip>
+          <a:stretch>
+            <a:fillRect/>
+          </a:stretch>
+        </p:blipFill>
+        <p:spPr>
+          <a:xfrm>
+            <a:off x="2472031" y="4866525"/>
+            <a:ext cx="656146" cy="873895"/>
+          </a:xfrm>
+          <a:prstGeom prst="rect">
+            <a:avLst/>
+          </a:prstGeom>
+        </p:spPr>
+      </p:pic>
+      <p:pic>
+        <p:nvPicPr>
+          <p:cNvPr id="7" name="Picture 6" descr="kill-bill.jpeg"/>
+          <p:cNvPicPr>
+            <a:picLocks noChangeAspect="1"/>
+          </p:cNvPicPr>
+          <p:nvPr/>
+        </p:nvPicPr>
+        <p:blipFill>
+          <a:blip r:embed="rId4">
+            <a:extLst>
+              <a:ext uri="{28A0092B-C50C-407E-A947-70E740481C1C}">
+                <a14:useLocalDpi xmlns:a14="http://schemas.microsoft.com/office/drawing/2010/main" val="0"/>
+              </a:ext>
+            </a:extLst>
+          </a:blip>
+          <a:stretch>
+            <a:fillRect/>
+          </a:stretch>
+        </p:blipFill>
+        <p:spPr>
+          <a:xfrm>
+            <a:off x="4893191" y="4904312"/>
+            <a:ext cx="576073" cy="798321"/>
+          </a:xfrm>
+          <a:prstGeom prst="rect">
+            <a:avLst/>
+          </a:prstGeom>
+        </p:spPr>
+      </p:pic>
+      <p:pic>
+        <p:nvPicPr>
+          <p:cNvPr id="8" name="Picture 7" descr="pitt.jpeg"/>
+          <p:cNvPicPr>
+            <a:picLocks noChangeAspect="1"/>
+          </p:cNvPicPr>
+          <p:nvPr/>
+        </p:nvPicPr>
+        <p:blipFill>
+          <a:blip r:embed="rId5">
+            <a:extLst>
+              <a:ext uri="{28A0092B-C50C-407E-A947-70E740481C1C}">
+                <a14:useLocalDpi xmlns:a14="http://schemas.microsoft.com/office/drawing/2010/main" val="0"/>
+              </a:ext>
+            </a:extLst>
+          </a:blip>
+          <a:stretch>
+            <a:fillRect/>
+          </a:stretch>
+        </p:blipFill>
+        <p:spPr>
+          <a:xfrm>
+            <a:off x="1380940" y="3423425"/>
+            <a:ext cx="615062" cy="798800"/>
+          </a:xfrm>
+          <a:prstGeom prst="rect">
+            <a:avLst/>
+          </a:prstGeom>
+        </p:spPr>
+      </p:pic>
+      <p:pic>
+        <p:nvPicPr>
+          <p:cNvPr id="9" name="Picture 8" descr="buscemi.jpeg"/>
+          <p:cNvPicPr>
+            <a:picLocks noChangeAspect="1"/>
+          </p:cNvPicPr>
+          <p:nvPr/>
+        </p:nvPicPr>
+        <p:blipFill>
+          <a:blip r:embed="rId6">
+            <a:extLst>
+              <a:ext uri="{28A0092B-C50C-407E-A947-70E740481C1C}">
+                <a14:useLocalDpi xmlns:a14="http://schemas.microsoft.com/office/drawing/2010/main" val="0"/>
+              </a:ext>
+            </a:extLst>
+          </a:blip>
+          <a:stretch>
+            <a:fillRect/>
+          </a:stretch>
+        </p:blipFill>
+        <p:spPr>
+          <a:xfrm>
+            <a:off x="2472031" y="3417671"/>
+            <a:ext cx="616079" cy="810307"/>
+          </a:xfrm>
+          <a:prstGeom prst="rect">
+            <a:avLst/>
+          </a:prstGeom>
+        </p:spPr>
+      </p:pic>
+      <p:pic>
+        <p:nvPicPr>
+          <p:cNvPr id="10" name="Picture 9" descr="thurman.jpeg"/>
+          <p:cNvPicPr>
+            <a:picLocks noChangeAspect="1"/>
+          </p:cNvPicPr>
+          <p:nvPr/>
+        </p:nvPicPr>
+        <p:blipFill>
+          <a:blip r:embed="rId7">
+            <a:extLst>
+              <a:ext uri="{28A0092B-C50C-407E-A947-70E740481C1C}">
+                <a14:useLocalDpi xmlns:a14="http://schemas.microsoft.com/office/drawing/2010/main" val="0"/>
+              </a:ext>
+            </a:extLst>
+          </a:blip>
+          <a:stretch>
+            <a:fillRect/>
+          </a:stretch>
+        </p:blipFill>
+        <p:spPr>
+          <a:xfrm>
+            <a:off x="4022359" y="3423425"/>
+            <a:ext cx="615062" cy="798800"/>
+          </a:xfrm>
+          <a:prstGeom prst="rect">
+            <a:avLst/>
+          </a:prstGeom>
+        </p:spPr>
+      </p:pic>
+      <p:pic>
+        <p:nvPicPr>
+          <p:cNvPr id="11" name="Picture 10" descr="lucy.jpeg"/>
+          <p:cNvPicPr>
+            <a:picLocks noChangeAspect="1"/>
+          </p:cNvPicPr>
+          <p:nvPr/>
+        </p:nvPicPr>
+        <p:blipFill>
+          <a:blip r:embed="rId8">
+            <a:extLst>
+              <a:ext uri="{28A0092B-C50C-407E-A947-70E740481C1C}">
+                <a14:useLocalDpi xmlns:a14="http://schemas.microsoft.com/office/drawing/2010/main" val="0"/>
+              </a:ext>
+            </a:extLst>
+          </a:blip>
+          <a:stretch>
+            <a:fillRect/>
+          </a:stretch>
+        </p:blipFill>
+        <p:spPr>
+          <a:xfrm>
+            <a:off x="6037710" y="3423425"/>
+            <a:ext cx="584000" cy="768114"/>
+          </a:xfrm>
+          <a:prstGeom prst="rect">
+            <a:avLst/>
+          </a:prstGeom>
+        </p:spPr>
+      </p:pic>
+      <p:cxnSp>
+        <p:nvCxnSpPr>
+          <p:cNvPr id="12" name="Straight Connector 11"/>
+          <p:cNvCxnSpPr>
+            <a:stCxn id="9" idx="2"/>
+            <a:endCxn id="6" idx="0"/>
+          </p:cNvCxnSpPr>
+          <p:nvPr/>
+        </p:nvCxnSpPr>
+        <p:spPr>
+          <a:xfrm>
+            <a:off x="2780071" y="4227979"/>
+            <a:ext cx="20033" cy="638546"/>
+          </a:xfrm>
+          <a:prstGeom prst="line">
+            <a:avLst/>
+          </a:prstGeom>
+        </p:spPr>
+        <p:style>
+          <a:lnRef idx="2">
+            <a:schemeClr val="accent1"/>
+          </a:lnRef>
+          <a:fillRef idx="0">
+            <a:schemeClr val="accent1"/>
+          </a:fillRef>
+          <a:effectRef idx="1">
+            <a:schemeClr val="accent1"/>
+          </a:effectRef>
+          <a:fontRef idx="minor">
+            <a:schemeClr val="tx1"/>
+          </a:fontRef>
+        </p:style>
+      </p:cxnSp>
+      <p:cxnSp>
+        <p:nvCxnSpPr>
+          <p:cNvPr id="13" name="Straight Connector 12"/>
+          <p:cNvCxnSpPr>
+            <a:stCxn id="10" idx="2"/>
+            <a:endCxn id="7" idx="0"/>
+          </p:cNvCxnSpPr>
+          <p:nvPr/>
+        </p:nvCxnSpPr>
+        <p:spPr>
+          <a:xfrm>
+            <a:off x="4329891" y="4222225"/>
+            <a:ext cx="851337" cy="682088"/>
+          </a:xfrm>
+          <a:prstGeom prst="line">
+            <a:avLst/>
+          </a:prstGeom>
+        </p:spPr>
+        <p:style>
+          <a:lnRef idx="2">
+            <a:schemeClr val="accent1"/>
+          </a:lnRef>
+          <a:fillRef idx="0">
+            <a:schemeClr val="accent1"/>
+          </a:fillRef>
+          <a:effectRef idx="1">
+            <a:schemeClr val="accent1"/>
+          </a:effectRef>
+          <a:fontRef idx="minor">
+            <a:schemeClr val="tx1"/>
+          </a:fontRef>
+        </p:style>
+      </p:cxnSp>
+      <p:cxnSp>
+        <p:nvCxnSpPr>
+          <p:cNvPr id="14" name="Straight Connector 13"/>
+          <p:cNvCxnSpPr>
+            <a:stCxn id="11" idx="2"/>
+            <a:endCxn id="7" idx="0"/>
+          </p:cNvCxnSpPr>
+          <p:nvPr/>
+        </p:nvCxnSpPr>
+        <p:spPr>
+          <a:xfrm flipH="1">
+            <a:off x="5181228" y="4191539"/>
+            <a:ext cx="1148482" cy="712773"/>
+          </a:xfrm>
+          <a:prstGeom prst="line">
+            <a:avLst/>
+          </a:prstGeom>
+        </p:spPr>
+        <p:style>
+          <a:lnRef idx="2">
+            <a:schemeClr val="accent1"/>
+          </a:lnRef>
+          <a:fillRef idx="0">
+            <a:schemeClr val="accent1"/>
+          </a:fillRef>
+          <a:effectRef idx="1">
+            <a:schemeClr val="accent1"/>
+          </a:effectRef>
+          <a:fontRef idx="minor">
+            <a:schemeClr val="tx1"/>
+          </a:fontRef>
+        </p:style>
+      </p:cxnSp>
+      <p:sp>
+        <p:nvSpPr>
+          <p:cNvPr id="15" name="TextBox 14"/>
+          <p:cNvSpPr txBox="1"/>
+          <p:nvPr/>
+        </p:nvSpPr>
+        <p:spPr>
+          <a:xfrm>
+            <a:off x="1609279" y="4350315"/>
+            <a:ext cx="1170792" cy="369332"/>
+          </a:xfrm>
+          <a:prstGeom prst="rect">
+            <a:avLst/>
+          </a:prstGeom>
+          <a:noFill/>
+        </p:spPr>
+        <p:txBody>
+          <a:bodyPr wrap="square" rtlCol="0">
+            <a:spAutoFit/>
+          </a:bodyPr>
+          <a:lstStyle/>
+          <a:p>
+            <a:r>
+              <a:rPr lang="en-US" dirty="0" smtClean="0">
+                <a:solidFill>
+                  <a:srgbClr val="FF0000"/>
+                </a:solidFill>
+              </a:rPr>
+              <a:t>$500,000</a:t>
+            </a:r>
+            <a:endParaRPr lang="en-US" dirty="0">
+              <a:solidFill>
+                <a:srgbClr val="FF0000"/>
+              </a:solidFill>
+            </a:endParaRPr>
+          </a:p>
+        </p:txBody>
+      </p:sp>
+      <p:sp>
+        <p:nvSpPr>
+          <p:cNvPr id="16" name="TextBox 15"/>
+          <p:cNvSpPr txBox="1"/>
+          <p:nvPr/>
+        </p:nvSpPr>
+        <p:spPr>
+          <a:xfrm>
+            <a:off x="3632837" y="4492643"/>
+            <a:ext cx="1354350" cy="369332"/>
+          </a:xfrm>
+          <a:prstGeom prst="rect">
+            <a:avLst/>
+          </a:prstGeom>
+          <a:noFill/>
+        </p:spPr>
+        <p:txBody>
+          <a:bodyPr wrap="square" rtlCol="0">
+            <a:spAutoFit/>
+          </a:bodyPr>
+          <a:lstStyle/>
+          <a:p>
+            <a:r>
+              <a:rPr lang="en-US" dirty="0" smtClean="0">
+                <a:solidFill>
+                  <a:srgbClr val="FF0000"/>
+                </a:solidFill>
+              </a:rPr>
+              <a:t>$5,000,000</a:t>
+            </a:r>
+            <a:endParaRPr lang="en-US" dirty="0">
+              <a:solidFill>
+                <a:srgbClr val="FF0000"/>
+              </a:solidFill>
+            </a:endParaRPr>
+          </a:p>
+        </p:txBody>
+      </p:sp>
+      <p:sp>
+        <p:nvSpPr>
+          <p:cNvPr id="17" name="TextBox 16"/>
+          <p:cNvSpPr txBox="1"/>
+          <p:nvPr/>
+        </p:nvSpPr>
+        <p:spPr>
+          <a:xfrm>
+            <a:off x="5539483" y="4534981"/>
+            <a:ext cx="1580454" cy="369332"/>
+          </a:xfrm>
+          <a:prstGeom prst="rect">
+            <a:avLst/>
+          </a:prstGeom>
+          <a:noFill/>
+        </p:spPr>
+        <p:txBody>
+          <a:bodyPr wrap="square" rtlCol="0">
+            <a:spAutoFit/>
+          </a:bodyPr>
+          <a:lstStyle/>
+          <a:p>
+            <a:r>
+              <a:rPr lang="en-US" dirty="0" smtClean="0">
+                <a:solidFill>
+                  <a:srgbClr val="FF0000"/>
+                </a:solidFill>
+              </a:rPr>
+              <a:t>$2,000,000</a:t>
+            </a:r>
+            <a:endParaRPr lang="en-US" dirty="0">
+              <a:solidFill>
+                <a:srgbClr val="FF0000"/>
+              </a:solidFill>
+            </a:endParaRPr>
+          </a:p>
+        </p:txBody>
+      </p:sp>
+      <p:sp>
+        <p:nvSpPr>
+          <p:cNvPr id="18" name="TextBox 17"/>
+          <p:cNvSpPr txBox="1"/>
+          <p:nvPr/>
+        </p:nvSpPr>
+        <p:spPr>
+          <a:xfrm>
+            <a:off x="540354" y="2811526"/>
+            <a:ext cx="1681173" cy="584776"/>
+          </a:xfrm>
+          <a:prstGeom prst="rect">
+            <a:avLst/>
+          </a:prstGeom>
+          <a:noFill/>
+        </p:spPr>
+        <p:txBody>
+          <a:bodyPr wrap="square" rtlCol="0">
+            <a:spAutoFit/>
+          </a:bodyPr>
+          <a:lstStyle/>
+          <a:p>
+            <a:r>
+              <a:rPr lang="en-US" sz="1600" dirty="0" smtClean="0">
+                <a:solidFill>
+                  <a:srgbClr val="3366FF"/>
+                </a:solidFill>
+              </a:rPr>
+              <a:t>gender</a:t>
+            </a:r>
+            <a:r>
+              <a:rPr lang="en-US" sz="1600" dirty="0" smtClean="0"/>
+              <a:t> = </a:t>
+            </a:r>
+            <a:r>
+              <a:rPr lang="en-US" sz="1600" dirty="0" smtClean="0">
+                <a:solidFill>
+                  <a:srgbClr val="FF0000"/>
+                </a:solidFill>
+              </a:rPr>
+              <a:t>Man</a:t>
+            </a:r>
+          </a:p>
+          <a:p>
+            <a:r>
+              <a:rPr lang="en-US" sz="1600" dirty="0" smtClean="0">
+                <a:solidFill>
+                  <a:schemeClr val="accent1"/>
+                </a:solidFill>
+              </a:rPr>
+              <a:t>country</a:t>
+            </a:r>
+            <a:r>
+              <a:rPr lang="en-US" sz="1600" dirty="0" smtClean="0"/>
+              <a:t> = </a:t>
+            </a:r>
+            <a:r>
+              <a:rPr lang="en-US" sz="1600" dirty="0" smtClean="0">
+                <a:solidFill>
+                  <a:srgbClr val="FF0000"/>
+                </a:solidFill>
+              </a:rPr>
+              <a:t>U.S.</a:t>
+            </a:r>
+            <a:endParaRPr lang="en-US" sz="1600" dirty="0">
+              <a:solidFill>
+                <a:srgbClr val="FF0000"/>
+              </a:solidFill>
+            </a:endParaRPr>
+          </a:p>
+        </p:txBody>
+      </p:sp>
+      <p:sp>
+        <p:nvSpPr>
+          <p:cNvPr id="19" name="TextBox 18"/>
+          <p:cNvSpPr txBox="1"/>
+          <p:nvPr/>
+        </p:nvSpPr>
+        <p:spPr>
+          <a:xfrm>
+            <a:off x="2171701" y="2811526"/>
+            <a:ext cx="1850658" cy="584776"/>
+          </a:xfrm>
+          <a:prstGeom prst="rect">
+            <a:avLst/>
+          </a:prstGeom>
+          <a:noFill/>
+        </p:spPr>
+        <p:txBody>
+          <a:bodyPr wrap="square" rtlCol="0">
+            <a:spAutoFit/>
+          </a:bodyPr>
+          <a:lstStyle/>
+          <a:p>
+            <a:r>
+              <a:rPr lang="en-US" sz="1600" dirty="0" smtClean="0">
+                <a:solidFill>
+                  <a:srgbClr val="3366FF"/>
+                </a:solidFill>
+              </a:rPr>
+              <a:t>gender</a:t>
+            </a:r>
+            <a:r>
+              <a:rPr lang="en-US" sz="1600" dirty="0" smtClean="0"/>
+              <a:t> = </a:t>
+            </a:r>
+            <a:r>
+              <a:rPr lang="en-US" sz="1600" dirty="0" smtClean="0">
+                <a:solidFill>
+                  <a:srgbClr val="FF0000"/>
+                </a:solidFill>
+              </a:rPr>
+              <a:t>Man</a:t>
+            </a:r>
+          </a:p>
+          <a:p>
+            <a:r>
+              <a:rPr lang="en-US" sz="1600" dirty="0" smtClean="0">
+                <a:solidFill>
+                  <a:schemeClr val="accent1"/>
+                </a:solidFill>
+              </a:rPr>
+              <a:t>country</a:t>
+            </a:r>
+            <a:r>
+              <a:rPr lang="en-US" sz="1600" dirty="0" smtClean="0"/>
+              <a:t> = </a:t>
+            </a:r>
+            <a:r>
+              <a:rPr lang="en-US" sz="1600" dirty="0" smtClean="0">
+                <a:solidFill>
+                  <a:srgbClr val="FF0000"/>
+                </a:solidFill>
+              </a:rPr>
+              <a:t>U.S.</a:t>
+            </a:r>
+            <a:endParaRPr lang="en-US" sz="1600" dirty="0">
+              <a:solidFill>
+                <a:srgbClr val="FF0000"/>
+              </a:solidFill>
+            </a:endParaRPr>
+          </a:p>
+        </p:txBody>
+      </p:sp>
+      <p:sp>
+        <p:nvSpPr>
+          <p:cNvPr id="20" name="TextBox 19"/>
+          <p:cNvSpPr txBox="1"/>
+          <p:nvPr/>
+        </p:nvSpPr>
+        <p:spPr>
+          <a:xfrm>
+            <a:off x="3800046" y="2811526"/>
+            <a:ext cx="2016554" cy="584776"/>
+          </a:xfrm>
+          <a:prstGeom prst="rect">
+            <a:avLst/>
+          </a:prstGeom>
+          <a:noFill/>
+        </p:spPr>
+        <p:txBody>
+          <a:bodyPr wrap="square" rtlCol="0">
+            <a:spAutoFit/>
+          </a:bodyPr>
+          <a:lstStyle/>
+          <a:p>
+            <a:r>
+              <a:rPr lang="en-US" sz="1600" dirty="0" smtClean="0">
+                <a:solidFill>
+                  <a:srgbClr val="3366FF"/>
+                </a:solidFill>
+              </a:rPr>
+              <a:t>gender</a:t>
+            </a:r>
+            <a:r>
+              <a:rPr lang="en-US" sz="1600" dirty="0" smtClean="0"/>
+              <a:t> = </a:t>
+            </a:r>
+            <a:r>
+              <a:rPr lang="en-US" sz="1600" dirty="0" smtClean="0">
+                <a:solidFill>
+                  <a:srgbClr val="FF0000"/>
+                </a:solidFill>
+              </a:rPr>
+              <a:t>Woman</a:t>
+            </a:r>
+          </a:p>
+          <a:p>
+            <a:r>
+              <a:rPr lang="en-US" sz="1600" dirty="0" smtClean="0">
+                <a:solidFill>
+                  <a:schemeClr val="accent1"/>
+                </a:solidFill>
+              </a:rPr>
+              <a:t>country</a:t>
+            </a:r>
+            <a:r>
+              <a:rPr lang="en-US" sz="1600" dirty="0" smtClean="0"/>
+              <a:t> = </a:t>
+            </a:r>
+            <a:r>
+              <a:rPr lang="en-US" sz="1600" dirty="0" smtClean="0">
+                <a:solidFill>
+                  <a:srgbClr val="FF0000"/>
+                </a:solidFill>
+              </a:rPr>
+              <a:t>U.S.</a:t>
+            </a:r>
+            <a:endParaRPr lang="en-US" sz="1600" dirty="0">
+              <a:solidFill>
+                <a:srgbClr val="FF0000"/>
+              </a:solidFill>
+            </a:endParaRPr>
+          </a:p>
+        </p:txBody>
+      </p:sp>
+      <p:sp>
+        <p:nvSpPr>
+          <p:cNvPr id="21" name="TextBox 20"/>
+          <p:cNvSpPr txBox="1"/>
+          <p:nvPr/>
+        </p:nvSpPr>
+        <p:spPr>
+          <a:xfrm>
+            <a:off x="5740400" y="2811526"/>
+            <a:ext cx="2038606" cy="584776"/>
+          </a:xfrm>
+          <a:prstGeom prst="rect">
+            <a:avLst/>
+          </a:prstGeom>
+          <a:noFill/>
+        </p:spPr>
+        <p:txBody>
+          <a:bodyPr wrap="square" rtlCol="0">
+            <a:spAutoFit/>
+          </a:bodyPr>
+          <a:lstStyle/>
+          <a:p>
+            <a:r>
+              <a:rPr lang="en-US" sz="1600" dirty="0" smtClean="0">
+                <a:solidFill>
+                  <a:srgbClr val="3366FF"/>
+                </a:solidFill>
+              </a:rPr>
+              <a:t>gender</a:t>
+            </a:r>
+            <a:r>
+              <a:rPr lang="en-US" sz="1600" dirty="0" smtClean="0"/>
+              <a:t> =</a:t>
+            </a:r>
+            <a:r>
+              <a:rPr lang="en-US" sz="1600" dirty="0" smtClean="0">
+                <a:solidFill>
+                  <a:srgbClr val="FF0000"/>
+                </a:solidFill>
+              </a:rPr>
+              <a:t>Woman</a:t>
+            </a:r>
+          </a:p>
+          <a:p>
+            <a:r>
+              <a:rPr lang="en-US" sz="1600" dirty="0" smtClean="0">
+                <a:solidFill>
+                  <a:schemeClr val="accent1"/>
+                </a:solidFill>
+              </a:rPr>
+              <a:t>country</a:t>
+            </a:r>
+            <a:r>
+              <a:rPr lang="en-US" sz="1600" dirty="0" smtClean="0"/>
+              <a:t> = </a:t>
+            </a:r>
+            <a:r>
+              <a:rPr lang="en-US" sz="1600" dirty="0" smtClean="0">
+                <a:solidFill>
+                  <a:srgbClr val="FF0000"/>
+                </a:solidFill>
+              </a:rPr>
+              <a:t>U.S.</a:t>
+            </a:r>
+            <a:endParaRPr lang="en-US" sz="1600" dirty="0">
+              <a:solidFill>
+                <a:srgbClr val="FF0000"/>
+              </a:solidFill>
+            </a:endParaRPr>
+          </a:p>
+        </p:txBody>
+      </p:sp>
+      <p:sp>
+        <p:nvSpPr>
+          <p:cNvPr id="22" name="TextBox 21"/>
+          <p:cNvSpPr txBox="1"/>
+          <p:nvPr/>
+        </p:nvSpPr>
+        <p:spPr>
+          <a:xfrm>
+            <a:off x="1380941" y="5770077"/>
+            <a:ext cx="2124259" cy="584776"/>
+          </a:xfrm>
+          <a:prstGeom prst="rect">
+            <a:avLst/>
+          </a:prstGeom>
+          <a:noFill/>
+        </p:spPr>
+        <p:txBody>
+          <a:bodyPr wrap="square" rtlCol="0">
+            <a:spAutoFit/>
+          </a:bodyPr>
+          <a:lstStyle/>
+          <a:p>
+            <a:r>
+              <a:rPr lang="en-US" sz="1600" dirty="0" smtClean="0">
+                <a:solidFill>
+                  <a:srgbClr val="3366FF"/>
+                </a:solidFill>
+              </a:rPr>
+              <a:t>runtime</a:t>
+            </a:r>
+            <a:r>
+              <a:rPr lang="en-US" sz="1600" dirty="0" smtClean="0"/>
+              <a:t> = </a:t>
+            </a:r>
+            <a:r>
+              <a:rPr lang="en-US" sz="1600" dirty="0" smtClean="0">
+                <a:solidFill>
+                  <a:srgbClr val="FF0000"/>
+                </a:solidFill>
+              </a:rPr>
+              <a:t>98 min</a:t>
+            </a:r>
+          </a:p>
+          <a:p>
+            <a:r>
+              <a:rPr lang="en-US" sz="1600" dirty="0" smtClean="0">
+                <a:solidFill>
+                  <a:schemeClr val="accent1"/>
+                </a:solidFill>
+              </a:rPr>
+              <a:t>country</a:t>
+            </a:r>
+            <a:r>
+              <a:rPr lang="en-US" sz="1600" dirty="0" smtClean="0"/>
+              <a:t> = </a:t>
+            </a:r>
+            <a:r>
+              <a:rPr lang="en-US" sz="1600" dirty="0" smtClean="0">
+                <a:solidFill>
+                  <a:srgbClr val="FF0000"/>
+                </a:solidFill>
+              </a:rPr>
+              <a:t>U.S.</a:t>
+            </a:r>
+            <a:endParaRPr lang="en-US" sz="1600" dirty="0">
+              <a:solidFill>
+                <a:srgbClr val="FF0000"/>
+              </a:solidFill>
+            </a:endParaRPr>
+          </a:p>
+        </p:txBody>
+      </p:sp>
+      <p:sp>
+        <p:nvSpPr>
+          <p:cNvPr id="23" name="TextBox 22"/>
+          <p:cNvSpPr txBox="1"/>
+          <p:nvPr/>
+        </p:nvSpPr>
+        <p:spPr>
+          <a:xfrm>
+            <a:off x="4513728" y="5761216"/>
+            <a:ext cx="2356972" cy="584776"/>
+          </a:xfrm>
+          <a:prstGeom prst="rect">
+            <a:avLst/>
+          </a:prstGeom>
+          <a:noFill/>
+        </p:spPr>
+        <p:txBody>
+          <a:bodyPr wrap="square" rtlCol="0">
+            <a:spAutoFit/>
+          </a:bodyPr>
+          <a:lstStyle/>
+          <a:p>
+            <a:r>
+              <a:rPr lang="en-US" sz="1600" dirty="0" smtClean="0">
+                <a:solidFill>
+                  <a:srgbClr val="3366FF"/>
+                </a:solidFill>
+              </a:rPr>
+              <a:t>runtime</a:t>
+            </a:r>
+            <a:r>
+              <a:rPr lang="en-US" sz="1600" dirty="0" smtClean="0"/>
+              <a:t> = </a:t>
+            </a:r>
+            <a:r>
+              <a:rPr lang="en-US" sz="1600" dirty="0" smtClean="0">
+                <a:solidFill>
+                  <a:srgbClr val="FF0000"/>
+                </a:solidFill>
+              </a:rPr>
+              <a:t>111 min</a:t>
+            </a:r>
+          </a:p>
+          <a:p>
+            <a:r>
+              <a:rPr lang="en-US" sz="1600" dirty="0" smtClean="0">
+                <a:solidFill>
+                  <a:schemeClr val="accent1"/>
+                </a:solidFill>
+              </a:rPr>
+              <a:t>country</a:t>
+            </a:r>
+            <a:r>
+              <a:rPr lang="en-US" sz="1600" dirty="0" smtClean="0"/>
+              <a:t> = </a:t>
+            </a:r>
+            <a:r>
+              <a:rPr lang="en-US" sz="1600" dirty="0" smtClean="0">
+                <a:solidFill>
+                  <a:srgbClr val="FF0000"/>
+                </a:solidFill>
+              </a:rPr>
+              <a:t>U.S.</a:t>
+            </a:r>
+            <a:endParaRPr lang="en-US" sz="1600" dirty="0">
+              <a:solidFill>
+                <a:srgbClr val="FF0000"/>
+              </a:solidFill>
+            </a:endParaRPr>
+          </a:p>
+        </p:txBody>
+      </p:sp>
+      <p:sp>
+        <p:nvSpPr>
+          <p:cNvPr id="25" name="TextBox 24"/>
+          <p:cNvSpPr txBox="1"/>
+          <p:nvPr/>
+        </p:nvSpPr>
+        <p:spPr>
+          <a:xfrm>
+            <a:off x="5469264" y="4191539"/>
+            <a:ext cx="533400" cy="369332"/>
+          </a:xfrm>
+          <a:prstGeom prst="rect">
+            <a:avLst/>
+          </a:prstGeom>
+          <a:noFill/>
+        </p:spPr>
+        <p:txBody>
+          <a:bodyPr wrap="square" rtlCol="0">
+            <a:spAutoFit/>
+          </a:bodyPr>
+          <a:lstStyle/>
+          <a:p>
+            <a:r>
+              <a:rPr lang="en-US" dirty="0" smtClean="0">
+                <a:latin typeface="Zapf Dingbats"/>
+                <a:ea typeface="Zapf Dingbats"/>
+                <a:cs typeface="Zapf Dingbats"/>
+                <a:sym typeface="Zapf Dingbats"/>
+              </a:rPr>
+              <a:t>✔</a:t>
+            </a:r>
+            <a:endParaRPr lang="en-US" dirty="0"/>
+          </a:p>
+        </p:txBody>
+      </p:sp>
+      <p:sp>
+        <p:nvSpPr>
+          <p:cNvPr id="26" name="TextBox 25"/>
+          <p:cNvSpPr txBox="1"/>
+          <p:nvPr/>
+        </p:nvSpPr>
+        <p:spPr>
+          <a:xfrm>
+            <a:off x="4673600" y="4204778"/>
+            <a:ext cx="533400" cy="369332"/>
+          </a:xfrm>
+          <a:prstGeom prst="rect">
+            <a:avLst/>
+          </a:prstGeom>
+          <a:noFill/>
+        </p:spPr>
+        <p:txBody>
+          <a:bodyPr wrap="square" rtlCol="0">
+            <a:spAutoFit/>
+          </a:bodyPr>
+          <a:lstStyle/>
+          <a:p>
+            <a:r>
+              <a:rPr lang="en-US" dirty="0" smtClean="0">
+                <a:latin typeface="Zapf Dingbats"/>
+                <a:ea typeface="Zapf Dingbats"/>
+                <a:cs typeface="Zapf Dingbats"/>
+                <a:sym typeface="Zapf Dingbats"/>
+              </a:rPr>
+              <a:t>✔</a:t>
+            </a:r>
+            <a:endParaRPr lang="en-US" dirty="0"/>
+          </a:p>
+        </p:txBody>
+      </p:sp>
+    </p:spTree>
+    <p:extLst>
+      <p:ext uri="{BB962C8B-B14F-4D97-AF65-F5344CB8AC3E}">
+        <p14:creationId xmlns:p14="http://schemas.microsoft.com/office/powerpoint/2010/main" val="711681299"/>
+      </p:ext>
+    </p:extLst>
+  </p:cSld>
+  <p:clrMapOvr>
+    <a:masterClrMapping/>
+  </p:clrMapOvr>
+</p:sld>
+</file>
+
+<file path=ppt/slides/slide11.xml><?xml version="1.0" encoding="utf-8"?>
 <p:sld xmlns:a="http://schemas.openxmlformats.org/drawingml/2006/main" xmlns:r="http://schemas.openxmlformats.org/officeDocument/2006/relationships" xmlns:p="http://schemas.openxmlformats.org/presentationml/2006/main">
   <p:cSld>
     <p:spTree>
@@ -7762,113 +9544,13 @@
   <p:clrMapOvr>
     <a:masterClrMapping/>
   </p:clrMapOvr>
-</p:sld>
-</file>
-
-<file path=ppt/slides/slide11.xml><?xml version="1.0" encoding="utf-8"?>
-<p:sld xmlns:a="http://schemas.openxmlformats.org/drawingml/2006/main" xmlns:r="http://schemas.openxmlformats.org/officeDocument/2006/relationships" xmlns:p="http://schemas.openxmlformats.org/presentationml/2006/main">
-  <p:cSld>
-    <p:spTree>
-      <p:nvGrpSpPr>
-        <p:cNvPr id="1" name=""/>
-        <p:cNvGrpSpPr/>
-        <p:nvPr/>
-      </p:nvGrpSpPr>
-      <p:grpSpPr>
-        <a:xfrm>
-          <a:off x="0" y="0"/>
-          <a:ext cx="0" cy="0"/>
-          <a:chOff x="0" y="0"/>
-          <a:chExt cx="0" cy="0"/>
-        </a:xfrm>
-      </p:grpSpPr>
-      <p:sp>
-        <p:nvSpPr>
-          <p:cNvPr id="2" name="Title 1"/>
-          <p:cNvSpPr>
-            <a:spLocks noGrp="1"/>
-          </p:cNvSpPr>
-          <p:nvPr>
-            <p:ph type="title"/>
-          </p:nvPr>
-        </p:nvSpPr>
-        <p:spPr/>
-        <p:txBody>
-          <a:bodyPr/>
-          <a:lstStyle/>
-          <a:p>
-            <a:r>
-              <a:rPr lang="en-US" dirty="0" smtClean="0"/>
-              <a:t>Relational Frequencies</a:t>
-            </a:r>
-            <a:endParaRPr lang="en-US" dirty="0"/>
-          </a:p>
-        </p:txBody>
-      </p:sp>
-      <p:sp>
-        <p:nvSpPr>
-          <p:cNvPr id="5" name="Text Placeholder 4"/>
-          <p:cNvSpPr>
-            <a:spLocks noGrp="1"/>
-          </p:cNvSpPr>
-          <p:nvPr>
-            <p:ph type="body" idx="1"/>
-          </p:nvPr>
-        </p:nvSpPr>
-        <p:spPr>
-          <a:xfrm>
-            <a:off x="722313" y="2692400"/>
-            <a:ext cx="7772400" cy="1193800"/>
-          </a:xfrm>
-        </p:spPr>
-        <p:txBody>
-          <a:bodyPr/>
-          <a:lstStyle/>
-          <a:p>
-            <a:pPr algn="ctr"/>
-            <a:r>
-              <a:rPr lang="en-US" dirty="0"/>
-              <a:t>Probabilistic Semantics for First-Order Random Variables</a:t>
-            </a:r>
-          </a:p>
-        </p:txBody>
-      </p:sp>
-      <p:sp>
-        <p:nvSpPr>
-          <p:cNvPr id="4" name="Footer Placeholder 3"/>
-          <p:cNvSpPr>
-            <a:spLocks noGrp="1"/>
-          </p:cNvSpPr>
-          <p:nvPr>
-            <p:ph type="ftr" sz="quarter" idx="11"/>
-          </p:nvPr>
-        </p:nvSpPr>
-        <p:spPr/>
-        <p:txBody>
-          <a:bodyPr/>
-          <a:lstStyle/>
-          <a:p>
-            <a:pPr>
-              <a:defRPr/>
-            </a:pPr>
-            <a:r>
-              <a:rPr lang="en-US" dirty="0" smtClean="0"/>
-              <a:t>Learning Bayesian Networks for Complex Relational Data</a:t>
-            </a:r>
-            <a:endParaRPr lang="en-US" dirty="0"/>
-          </a:p>
-        </p:txBody>
-      </p:sp>
-    </p:spTree>
-    <p:extLst>
-      <p:ext uri="{BB962C8B-B14F-4D97-AF65-F5344CB8AC3E}">
-        <p14:creationId xmlns:p14="http://schemas.microsoft.com/office/powerpoint/2010/main" val="4161871548"/>
-      </p:ext>
-    </p:extLst>
-  </p:cSld>
-  <p:clrMapOvr>
-    <a:masterClrMapping/>
-  </p:clrMapOvr>
+  <p:timing>
+    <p:tnLst>
+      <p:par>
+        <p:cTn xmlns:p14="http://schemas.microsoft.com/office/powerpoint/2010/main" id="1" dur="indefinite" restart="never" nodeType="tmRoot"/>
+      </p:par>
+    </p:tnLst>
+  </p:timing>
 </p:sld>
 </file>
 
@@ -7899,264 +9581,58 @@
             <p:ph type="title"/>
           </p:nvPr>
         </p:nvSpPr>
+        <p:spPr/>
+        <p:txBody>
+          <a:bodyPr/>
+          <a:lstStyle/>
+          <a:p>
+            <a:r>
+              <a:rPr lang="en-US" dirty="0" smtClean="0"/>
+              <a:t>Relational Frequencies</a:t>
+            </a:r>
+            <a:endParaRPr lang="en-US" dirty="0"/>
+          </a:p>
+        </p:txBody>
+      </p:sp>
+      <p:sp>
+        <p:nvSpPr>
+          <p:cNvPr id="5" name="Text Placeholder 4"/>
+          <p:cNvSpPr>
+            <a:spLocks noGrp="1"/>
+          </p:cNvSpPr>
+          <p:nvPr>
+            <p:ph type="body" idx="1"/>
+          </p:nvPr>
+        </p:nvSpPr>
         <p:spPr>
           <a:xfrm>
-            <a:off x="304800" y="274638"/>
-            <a:ext cx="8382000" cy="1143000"/>
+            <a:off x="722313" y="2692400"/>
+            <a:ext cx="7772400" cy="1193800"/>
           </a:xfrm>
         </p:spPr>
         <p:txBody>
           <a:bodyPr/>
           <a:lstStyle/>
           <a:p>
-            <a:r>
-              <a:rPr lang="en-US" dirty="0" smtClean="0"/>
-              <a:t>Applications of Relational Frequency </a:t>
-            </a:r>
-            <a:r>
-              <a:rPr lang="en-US" dirty="0" err="1" smtClean="0"/>
-              <a:t>Modelling</a:t>
-            </a:r>
-            <a:endParaRPr lang="en-US" dirty="0"/>
-          </a:p>
-        </p:txBody>
-      </p:sp>
-      <p:sp>
-        <p:nvSpPr>
-          <p:cNvPr id="3" name="Content Placeholder 2"/>
+            <a:pPr algn="ctr"/>
+            <a:r>
+              <a:rPr lang="en-US" dirty="0"/>
+              <a:t>Probabilistic Semantics for First-Order Random Variables</a:t>
+            </a:r>
+          </a:p>
+        </p:txBody>
+      </p:sp>
+      <p:sp>
+        <p:nvSpPr>
+          <p:cNvPr id="4" name="Footer Placeholder 3"/>
           <p:cNvSpPr>
             <a:spLocks noGrp="1"/>
           </p:cNvSpPr>
           <p:nvPr>
-            <p:ph sz="quarter" idx="1"/>
-          </p:nvPr>
-        </p:nvSpPr>
-        <p:spPr>
-          <a:xfrm>
-            <a:off x="304799" y="1447800"/>
-            <a:ext cx="8521727" cy="4572000"/>
-          </a:xfrm>
-        </p:spPr>
-        <p:txBody>
-          <a:bodyPr/>
-          <a:lstStyle/>
-          <a:p>
-            <a:pPr marL="571500" indent="-571500" algn="just">
-              <a:buFont typeface="Arial"/>
-              <a:buChar char="•"/>
-            </a:pPr>
-            <a:r>
-              <a:rPr lang="en-US" sz="2800" dirty="0" smtClean="0">
-                <a:solidFill>
-                  <a:srgbClr val="000000"/>
-                </a:solidFill>
-                <a:cs typeface="Arial" pitchFamily="34" charset="0"/>
-              </a:rPr>
-              <a:t>Knowledge discovery/ rule learning </a:t>
-            </a:r>
-            <a:br>
-              <a:rPr lang="en-US" sz="2800" dirty="0" smtClean="0">
-                <a:solidFill>
-                  <a:srgbClr val="000000"/>
-                </a:solidFill>
-                <a:cs typeface="Arial" pitchFamily="34" charset="0"/>
-              </a:rPr>
-            </a:br>
-            <a:r>
-              <a:rPr lang="en-US" sz="2400" dirty="0" smtClean="0">
-                <a:solidFill>
-                  <a:srgbClr val="000000"/>
-                </a:solidFill>
-                <a:cs typeface="Arial" pitchFamily="34" charset="0"/>
-              </a:rPr>
-              <a:t>“women users like movies with women actors”</a:t>
-            </a:r>
-          </a:p>
-          <a:p>
-            <a:pPr marL="571500" indent="-571500" algn="just">
-              <a:buFont typeface="Arial"/>
-              <a:buChar char="•"/>
-            </a:pPr>
-            <a:r>
-              <a:rPr lang="en-US" sz="2800" dirty="0" smtClean="0">
-                <a:solidFill>
-                  <a:srgbClr val="000000"/>
-                </a:solidFill>
-                <a:cs typeface="Arial" pitchFamily="34" charset="0"/>
-              </a:rPr>
-              <a:t>Strategic Planning </a:t>
-            </a:r>
-            <a:br>
-              <a:rPr lang="en-US" sz="2800" dirty="0" smtClean="0">
-                <a:solidFill>
-                  <a:srgbClr val="000000"/>
-                </a:solidFill>
-                <a:cs typeface="Arial" pitchFamily="34" charset="0"/>
-              </a:rPr>
-            </a:br>
-            <a:r>
-              <a:rPr lang="en-US" sz="2400" dirty="0" smtClean="0">
-                <a:solidFill>
-                  <a:srgbClr val="000000"/>
-                </a:solidFill>
-                <a:cs typeface="Arial" pitchFamily="34" charset="0"/>
-              </a:rPr>
-              <a:t>“increase SAT requirements to decrease student attrition”</a:t>
-            </a:r>
-          </a:p>
-          <a:p>
-            <a:pPr marL="571500" indent="-571500" algn="just">
-              <a:buFont typeface="Arial"/>
-              <a:buChar char="•"/>
-            </a:pPr>
-            <a:r>
-              <a:rPr lang="en-US" sz="2800" dirty="0" smtClean="0">
-                <a:solidFill>
-                  <a:srgbClr val="000000"/>
-                </a:solidFill>
-                <a:cs typeface="Arial" pitchFamily="34" charset="0"/>
-              </a:rPr>
-              <a:t>Query Optimization (</a:t>
-            </a:r>
-            <a:r>
-              <a:rPr lang="en-US" sz="2800" dirty="0" err="1" smtClean="0">
-                <a:solidFill>
-                  <a:srgbClr val="000000"/>
-                </a:solidFill>
-                <a:cs typeface="Arial" pitchFamily="34" charset="0"/>
-              </a:rPr>
-              <a:t>Getoor</a:t>
-            </a:r>
-            <a:r>
-              <a:rPr lang="en-US" sz="2800" dirty="0" smtClean="0">
-                <a:solidFill>
-                  <a:srgbClr val="000000"/>
-                </a:solidFill>
-                <a:cs typeface="Arial" pitchFamily="34" charset="0"/>
-              </a:rPr>
-              <a:t>, </a:t>
-            </a:r>
-            <a:r>
-              <a:rPr lang="en-US" sz="2800" dirty="0" err="1" smtClean="0">
-                <a:solidFill>
-                  <a:srgbClr val="000000"/>
-                </a:solidFill>
-                <a:cs typeface="Arial" pitchFamily="34" charset="0"/>
-              </a:rPr>
-              <a:t>Taskar</a:t>
-            </a:r>
-            <a:r>
-              <a:rPr lang="en-US" sz="2800" dirty="0" smtClean="0">
-                <a:solidFill>
-                  <a:srgbClr val="000000"/>
-                </a:solidFill>
-                <a:cs typeface="Arial" pitchFamily="34" charset="0"/>
-              </a:rPr>
-              <a:t>, </a:t>
-            </a:r>
-            <a:r>
-              <a:rPr lang="en-US" sz="2800" dirty="0" err="1" smtClean="0">
-                <a:solidFill>
-                  <a:srgbClr val="000000"/>
-                </a:solidFill>
-                <a:cs typeface="Arial" pitchFamily="34" charset="0"/>
-              </a:rPr>
-              <a:t>Koller</a:t>
-            </a:r>
-            <a:r>
-              <a:rPr lang="en-US" sz="2800" dirty="0" smtClean="0">
-                <a:solidFill>
-                  <a:srgbClr val="000000"/>
-                </a:solidFill>
-                <a:cs typeface="Arial" pitchFamily="34" charset="0"/>
-              </a:rPr>
-              <a:t> 2001)</a:t>
-            </a:r>
-            <a:r>
-              <a:rPr lang="en-US" sz="2800" dirty="0">
-                <a:solidFill>
-                  <a:srgbClr val="000000"/>
-                </a:solidFill>
-                <a:cs typeface="Arial" pitchFamily="34" charset="0"/>
-              </a:rPr>
-              <a:t/>
-            </a:r>
-            <a:br>
-              <a:rPr lang="en-US" sz="2800" dirty="0">
-                <a:solidFill>
-                  <a:srgbClr val="000000"/>
-                </a:solidFill>
-                <a:cs typeface="Arial" pitchFamily="34" charset="0"/>
-              </a:rPr>
-            </a:br>
-            <a:r>
-              <a:rPr lang="en-US" sz="2400" dirty="0" smtClean="0">
-                <a:solidFill>
-                  <a:srgbClr val="000000"/>
-                </a:solidFill>
-                <a:cs typeface="Arial" pitchFamily="34" charset="0"/>
-              </a:rPr>
-              <a:t>Class-level queries support selectivity estimation </a:t>
-            </a:r>
-            <a:r>
-              <a:rPr lang="en-US" sz="2400" dirty="0" smtClean="0">
-                <a:solidFill>
-                  <a:srgbClr val="000000"/>
-                </a:solidFill>
-                <a:latin typeface="Wingdings"/>
-                <a:ea typeface="Wingdings"/>
-                <a:cs typeface="Wingdings"/>
-              </a:rPr>
-              <a:t></a:t>
-            </a:r>
-            <a:r>
-              <a:rPr lang="en-US" sz="2400" dirty="0" smtClean="0">
-                <a:solidFill>
-                  <a:srgbClr val="000000"/>
-                </a:solidFill>
-                <a:cs typeface="Arial" pitchFamily="34" charset="0"/>
-              </a:rPr>
-              <a:t> </a:t>
-            </a:r>
-            <a:br>
-              <a:rPr lang="en-US" sz="2400" dirty="0" smtClean="0">
-                <a:solidFill>
-                  <a:srgbClr val="000000"/>
-                </a:solidFill>
-                <a:cs typeface="Arial" pitchFamily="34" charset="0"/>
-              </a:rPr>
-            </a:br>
-            <a:r>
-              <a:rPr lang="en-US" sz="2400" dirty="0" smtClean="0">
-                <a:solidFill>
-                  <a:srgbClr val="000000"/>
-                </a:solidFill>
-                <a:cs typeface="Arial" pitchFamily="34" charset="0"/>
-              </a:rPr>
-              <a:t>optimal evaluation order for SQL query</a:t>
-            </a:r>
-          </a:p>
-          <a:p>
-            <a:endParaRPr lang="en-US" sz="3200" dirty="0"/>
-          </a:p>
-        </p:txBody>
-      </p:sp>
-      <p:sp>
-        <p:nvSpPr>
-          <p:cNvPr id="4" name="Footer Placeholder 3"/>
-          <p:cNvSpPr>
-            <a:spLocks noGrp="1"/>
-          </p:cNvSpPr>
-          <p:nvPr>
             <p:ph type="ftr" sz="quarter" idx="11"/>
           </p:nvPr>
         </p:nvSpPr>
-        <p:spPr>
-          <a:xfrm>
-            <a:off x="914399" y="6172200"/>
-            <a:ext cx="6968673" cy="457200"/>
-          </a:xfrm>
-        </p:spPr>
+        <p:spPr/>
         <p:txBody>
           <a:bodyPr/>
           <a:lstStyle/>
@@ -8165,36 +9641,8 @@
               <a:defRPr/>
             </a:pPr>
             <a:r>
-              <a:rPr lang="en-US" dirty="0" err="1" smtClean="0"/>
-              <a:t>Getoor</a:t>
-            </a:r>
-            <a:r>
               <a:rPr lang="en-US" dirty="0" smtClean="0"/>
-              <a:t>, </a:t>
-            </a:r>
-            <a:r>
-              <a:rPr lang="en-US" dirty="0" err="1" smtClean="0"/>
-              <a:t>Lise</a:t>
-            </a:r>
-            <a:r>
-              <a:rPr lang="en-US" dirty="0" smtClean="0"/>
-              <a:t>, </a:t>
-            </a:r>
-            <a:r>
-              <a:rPr lang="en-US" dirty="0" err="1" smtClean="0"/>
-              <a:t>Taskar</a:t>
-            </a:r>
-            <a:r>
-              <a:rPr lang="en-US" dirty="0" smtClean="0"/>
-              <a:t>, Benjamin, and </a:t>
-            </a:r>
-            <a:r>
-              <a:rPr lang="en-US" dirty="0" err="1" smtClean="0"/>
-              <a:t>Koller</a:t>
-            </a:r>
-            <a:r>
-              <a:rPr lang="en-US" dirty="0" smtClean="0"/>
-              <a:t>, Daphne. Selectivity estimation using probabilistic models. ACM SIGMOD Record, 30(2):461–472, 2001.</a:t>
+              <a:t>Learning Bayesian Networks for Complex Relational Data</a:t>
             </a:r>
             <a:endParaRPr lang="en-US" dirty="0"/>
           </a:p>
@@ -8203,7 +9651,7 @@
     </p:spTree>
     <p:extLst>
       <p:ext uri="{BB962C8B-B14F-4D97-AF65-F5344CB8AC3E}">
-        <p14:creationId xmlns:p14="http://schemas.microsoft.com/office/powerpoint/2010/main" val="4220213319"/>
+        <p14:creationId xmlns:p14="http://schemas.microsoft.com/office/powerpoint/2010/main" val="4161871548"/>
       </p:ext>
     </p:extLst>
   </p:cSld>
@@ -8239,6 +9687,354 @@
       </p:grpSpPr>
       <p:sp>
         <p:nvSpPr>
+          <p:cNvPr id="2" name="Title 1"/>
+          <p:cNvSpPr>
+            <a:spLocks noGrp="1"/>
+          </p:cNvSpPr>
+          <p:nvPr>
+            <p:ph type="title"/>
+          </p:nvPr>
+        </p:nvSpPr>
+        <p:spPr>
+          <a:xfrm>
+            <a:off x="304800" y="274638"/>
+            <a:ext cx="8382000" cy="1143000"/>
+          </a:xfrm>
+        </p:spPr>
+        <p:txBody>
+          <a:bodyPr/>
+          <a:lstStyle/>
+          <a:p>
+            <a:r>
+              <a:rPr lang="en-US" dirty="0" smtClean="0"/>
+              <a:t>Applications of Relational Frequency </a:t>
+            </a:r>
+            <a:r>
+              <a:rPr lang="en-US" dirty="0" err="1" smtClean="0"/>
+              <a:t>Modelling</a:t>
+            </a:r>
+            <a:endParaRPr lang="en-US" dirty="0"/>
+          </a:p>
+        </p:txBody>
+      </p:sp>
+      <p:sp>
+        <p:nvSpPr>
+          <p:cNvPr id="3" name="Content Placeholder 2"/>
+          <p:cNvSpPr>
+            <a:spLocks noGrp="1"/>
+          </p:cNvSpPr>
+          <p:nvPr>
+            <p:ph sz="quarter" idx="1"/>
+          </p:nvPr>
+        </p:nvSpPr>
+        <p:spPr>
+          <a:xfrm>
+            <a:off x="304799" y="1447800"/>
+            <a:ext cx="8521727" cy="4572000"/>
+          </a:xfrm>
+        </p:spPr>
+        <p:txBody>
+          <a:bodyPr/>
+          <a:lstStyle/>
+          <a:p>
+            <a:pPr marL="571500" indent="-571500" algn="just">
+              <a:buFont typeface="Arial"/>
+              <a:buChar char="•"/>
+            </a:pPr>
+            <a:r>
+              <a:rPr lang="en-US" sz="2800" dirty="0" smtClean="0">
+                <a:solidFill>
+                  <a:srgbClr val="000000"/>
+                </a:solidFill>
+                <a:cs typeface="Arial" pitchFamily="34" charset="0"/>
+              </a:rPr>
+              <a:t>Knowledge discovery/ rule learning </a:t>
+            </a:r>
+            <a:br>
+              <a:rPr lang="en-US" sz="2800" dirty="0" smtClean="0">
+                <a:solidFill>
+                  <a:srgbClr val="000000"/>
+                </a:solidFill>
+                <a:cs typeface="Arial" pitchFamily="34" charset="0"/>
+              </a:rPr>
+            </a:br>
+            <a:r>
+              <a:rPr lang="en-US" sz="2400" dirty="0" smtClean="0">
+                <a:solidFill>
+                  <a:srgbClr val="000000"/>
+                </a:solidFill>
+                <a:cs typeface="Arial" pitchFamily="34" charset="0"/>
+              </a:rPr>
+              <a:t>“women users like movies with women actors”</a:t>
+            </a:r>
+          </a:p>
+          <a:p>
+            <a:pPr marL="571500" indent="-571500" algn="just">
+              <a:buFont typeface="Arial"/>
+              <a:buChar char="•"/>
+            </a:pPr>
+            <a:r>
+              <a:rPr lang="en-US" sz="2800" dirty="0" smtClean="0">
+                <a:solidFill>
+                  <a:srgbClr val="000000"/>
+                </a:solidFill>
+                <a:cs typeface="Arial" pitchFamily="34" charset="0"/>
+              </a:rPr>
+              <a:t>Strategic Planning </a:t>
+            </a:r>
+            <a:br>
+              <a:rPr lang="en-US" sz="2800" dirty="0" smtClean="0">
+                <a:solidFill>
+                  <a:srgbClr val="000000"/>
+                </a:solidFill>
+                <a:cs typeface="Arial" pitchFamily="34" charset="0"/>
+              </a:rPr>
+            </a:br>
+            <a:r>
+              <a:rPr lang="en-US" sz="2400" dirty="0" smtClean="0">
+                <a:solidFill>
+                  <a:srgbClr val="000000"/>
+                </a:solidFill>
+                <a:cs typeface="Arial" pitchFamily="34" charset="0"/>
+              </a:rPr>
+              <a:t>“increase SAT requirements to decrease student attrition”</a:t>
+            </a:r>
+          </a:p>
+          <a:p>
+            <a:pPr marL="571500" indent="-571500" algn="just">
+              <a:buFont typeface="Arial"/>
+              <a:buChar char="•"/>
+            </a:pPr>
+            <a:r>
+              <a:rPr lang="en-US" sz="2800" dirty="0" smtClean="0">
+                <a:solidFill>
+                  <a:srgbClr val="000000"/>
+                </a:solidFill>
+                <a:cs typeface="Arial" pitchFamily="34" charset="0"/>
+              </a:rPr>
+              <a:t>Query Optimization (</a:t>
+            </a:r>
+            <a:r>
+              <a:rPr lang="en-US" sz="2800" dirty="0" err="1" smtClean="0">
+                <a:solidFill>
+                  <a:srgbClr val="000000"/>
+                </a:solidFill>
+                <a:cs typeface="Arial" pitchFamily="34" charset="0"/>
+              </a:rPr>
+              <a:t>Getoor</a:t>
+            </a:r>
+            <a:r>
+              <a:rPr lang="en-US" sz="2800" dirty="0" smtClean="0">
+                <a:solidFill>
+                  <a:srgbClr val="000000"/>
+                </a:solidFill>
+                <a:cs typeface="Arial" pitchFamily="34" charset="0"/>
+              </a:rPr>
+              <a:t>, </a:t>
+            </a:r>
+            <a:r>
+              <a:rPr lang="en-US" sz="2800" dirty="0" err="1" smtClean="0">
+                <a:solidFill>
+                  <a:srgbClr val="000000"/>
+                </a:solidFill>
+                <a:cs typeface="Arial" pitchFamily="34" charset="0"/>
+              </a:rPr>
+              <a:t>Taskar</a:t>
+            </a:r>
+            <a:r>
+              <a:rPr lang="en-US" sz="2800" dirty="0" smtClean="0">
+                <a:solidFill>
+                  <a:srgbClr val="000000"/>
+                </a:solidFill>
+                <a:cs typeface="Arial" pitchFamily="34" charset="0"/>
+              </a:rPr>
+              <a:t>, </a:t>
+            </a:r>
+            <a:r>
+              <a:rPr lang="en-US" sz="2800" dirty="0" err="1" smtClean="0">
+                <a:solidFill>
+                  <a:srgbClr val="000000"/>
+                </a:solidFill>
+                <a:cs typeface="Arial" pitchFamily="34" charset="0"/>
+              </a:rPr>
+              <a:t>Koller</a:t>
+            </a:r>
+            <a:r>
+              <a:rPr lang="en-US" sz="2800" dirty="0" smtClean="0">
+                <a:solidFill>
+                  <a:srgbClr val="000000"/>
+                </a:solidFill>
+                <a:cs typeface="Arial" pitchFamily="34" charset="0"/>
+              </a:rPr>
+              <a:t> 2001)</a:t>
+            </a:r>
+            <a:r>
+              <a:rPr lang="en-US" sz="2800" dirty="0">
+                <a:solidFill>
+                  <a:srgbClr val="000000"/>
+                </a:solidFill>
+                <a:cs typeface="Arial" pitchFamily="34" charset="0"/>
+              </a:rPr>
+              <a:t/>
+            </a:r>
+            <a:br>
+              <a:rPr lang="en-US" sz="2800" dirty="0">
+                <a:solidFill>
+                  <a:srgbClr val="000000"/>
+                </a:solidFill>
+                <a:cs typeface="Arial" pitchFamily="34" charset="0"/>
+              </a:rPr>
+            </a:br>
+            <a:r>
+              <a:rPr lang="en-US" sz="2400" dirty="0" smtClean="0">
+                <a:solidFill>
+                  <a:srgbClr val="000000"/>
+                </a:solidFill>
+                <a:cs typeface="Arial" pitchFamily="34" charset="0"/>
+              </a:rPr>
+              <a:t>Class-level queries support selectivity estimation </a:t>
+            </a:r>
+            <a:r>
+              <a:rPr lang="en-US" sz="2400" dirty="0" smtClean="0">
+                <a:solidFill>
+                  <a:srgbClr val="000000"/>
+                </a:solidFill>
+                <a:latin typeface="Wingdings"/>
+                <a:ea typeface="Wingdings"/>
+                <a:cs typeface="Wingdings"/>
+              </a:rPr>
+              <a:t></a:t>
+            </a:r>
+            <a:r>
+              <a:rPr lang="en-US" sz="2400" dirty="0" smtClean="0">
+                <a:solidFill>
+                  <a:srgbClr val="000000"/>
+                </a:solidFill>
+                <a:cs typeface="Arial" pitchFamily="34" charset="0"/>
+              </a:rPr>
+              <a:t> </a:t>
+            </a:r>
+            <a:br>
+              <a:rPr lang="en-US" sz="2400" dirty="0" smtClean="0">
+                <a:solidFill>
+                  <a:srgbClr val="000000"/>
+                </a:solidFill>
+                <a:cs typeface="Arial" pitchFamily="34" charset="0"/>
+              </a:rPr>
+            </a:br>
+            <a:r>
+              <a:rPr lang="en-US" sz="2400" dirty="0" smtClean="0">
+                <a:solidFill>
+                  <a:srgbClr val="000000"/>
+                </a:solidFill>
+                <a:cs typeface="Arial" pitchFamily="34" charset="0"/>
+              </a:rPr>
+              <a:t>optimal evaluation order for SQL query</a:t>
+            </a:r>
+          </a:p>
+          <a:p>
+            <a:endParaRPr lang="en-US" sz="3200" dirty="0"/>
+          </a:p>
+        </p:txBody>
+      </p:sp>
+      <p:sp>
+        <p:nvSpPr>
+          <p:cNvPr id="4" name="Footer Placeholder 3"/>
+          <p:cNvSpPr>
+            <a:spLocks noGrp="1"/>
+          </p:cNvSpPr>
+          <p:nvPr>
+            <p:ph type="ftr" sz="quarter" idx="11"/>
+          </p:nvPr>
+        </p:nvSpPr>
+        <p:spPr>
+          <a:xfrm>
+            <a:off x="914399" y="6172200"/>
+            <a:ext cx="6968673" cy="457200"/>
+          </a:xfrm>
+        </p:spPr>
+        <p:txBody>
+          <a:bodyPr/>
+          <a:lstStyle/>
+          <a:p>
+            <a:pPr>
+              <a:defRPr/>
+            </a:pPr>
+            <a:r>
+              <a:rPr lang="en-US" dirty="0" err="1" smtClean="0"/>
+              <a:t>Getoor</a:t>
+            </a:r>
+            <a:r>
+              <a:rPr lang="en-US" dirty="0" smtClean="0"/>
+              <a:t>, </a:t>
+            </a:r>
+            <a:r>
+              <a:rPr lang="en-US" dirty="0" err="1" smtClean="0"/>
+              <a:t>Lise</a:t>
+            </a:r>
+            <a:r>
+              <a:rPr lang="en-US" dirty="0" smtClean="0"/>
+              <a:t>, </a:t>
+            </a:r>
+            <a:r>
+              <a:rPr lang="en-US" dirty="0" err="1" smtClean="0"/>
+              <a:t>Taskar</a:t>
+            </a:r>
+            <a:r>
+              <a:rPr lang="en-US" dirty="0" smtClean="0"/>
+              <a:t>, Benjamin, and </a:t>
+            </a:r>
+            <a:r>
+              <a:rPr lang="en-US" dirty="0" err="1" smtClean="0"/>
+              <a:t>Koller</a:t>
+            </a:r>
+            <a:r>
+              <a:rPr lang="en-US" dirty="0" smtClean="0"/>
+              <a:t>, Daphne. Selectivity estimation using probabilistic models. ACM SIGMOD Record, 30(2):461–472, 2001.</a:t>
+            </a:r>
+            <a:endParaRPr lang="en-US" dirty="0"/>
+          </a:p>
+        </p:txBody>
+      </p:sp>
+    </p:spTree>
+    <p:extLst>
+      <p:ext uri="{BB962C8B-B14F-4D97-AF65-F5344CB8AC3E}">
+        <p14:creationId xmlns:p14="http://schemas.microsoft.com/office/powerpoint/2010/main" val="4220213319"/>
+      </p:ext>
+    </p:extLst>
+  </p:cSld>
+  <p:clrMapOvr>
+    <a:masterClrMapping/>
+  </p:clrMapOvr>
+  <p:timing>
+    <p:tnLst>
+      <p:par>
+        <p:cTn xmlns:p14="http://schemas.microsoft.com/office/powerpoint/2010/main" id="1" dur="indefinite" restart="never" nodeType="tmRoot"/>
+      </p:par>
+    </p:tnLst>
+  </p:timing>
+</p:sld>
+</file>
+
+<file path=ppt/slides/slide14.xml><?xml version="1.0" encoding="utf-8"?>
+<p:sld xmlns:a="http://schemas.openxmlformats.org/drawingml/2006/main" xmlns:r="http://schemas.openxmlformats.org/officeDocument/2006/relationships" xmlns:p="http://schemas.openxmlformats.org/presentationml/2006/main">
+  <p:cSld>
+    <p:spTree>
+      <p:nvGrpSpPr>
+        <p:cNvPr id="1" name=""/>
+        <p:cNvGrpSpPr/>
+        <p:nvPr/>
+      </p:nvGrpSpPr>
+      <p:grpSpPr>
+        <a:xfrm>
+          <a:off x="0" y="0"/>
+          <a:ext cx="0" cy="0"/>
+          <a:chOff x="0" y="0"/>
+          <a:chExt cx="0" cy="0"/>
+        </a:xfrm>
+      </p:grpSpPr>
+      <p:sp>
+        <p:nvSpPr>
           <p:cNvPr id="5" name="Title 4"/>
           <p:cNvSpPr>
             <a:spLocks noGrp="1"/>
@@ -8362,15 +10158,7 @@
             </a:r>
             <a:r>
               <a:rPr lang="en-US" sz="2800" i="1" dirty="0"/>
-              <a:t>(Actor) = W, </a:t>
-            </a:r>
-            <a:r>
-              <a:rPr lang="en-US" sz="2800" i="1" dirty="0" err="1"/>
-              <a:t>ActsIn</a:t>
-            </a:r>
-            <a:r>
-              <a:rPr lang="en-US" sz="2800" i="1" dirty="0"/>
-              <a:t>(</a:t>
+              <a:t>(Actor) = W, ActsIn(</a:t>
             </a:r>
             <a:r>
               <a:rPr lang="en-US" sz="2800" i="1" dirty="0" err="1"/>
@@ -8408,7 +10196,7 @@
 </p:sld>
 </file>
 
-<file path=ppt/slides/slide14.xml><?xml version="1.0" encoding="utf-8"?>
+<file path=ppt/slides/slide15.xml><?xml version="1.0" encoding="utf-8"?>
 <p:sld xmlns:a="http://schemas.openxmlformats.org/drawingml/2006/main" xmlns:r="http://schemas.openxmlformats.org/officeDocument/2006/relationships" xmlns:p="http://schemas.openxmlformats.org/presentationml/2006/main">
   <p:cSld>
     <p:spTree>
@@ -9369,7 +11157,7 @@
               <a:rPr lang="en-US" sz="2400" dirty="0" smtClean="0">
                 <a:latin typeface="+mn-lt"/>
               </a:rPr>
-              <a:t>Logical Variable</a:t>
+              <a:t>FO  Variable</a:t>
             </a:r>
             <a:endParaRPr lang="en-US" sz="2400" dirty="0">
               <a:latin typeface="+mn-lt"/>
@@ -9612,7 +11400,7 @@
 </p:sld>
 </file>
 
-<file path=ppt/slides/slide15.xml><?xml version="1.0" encoding="utf-8"?>
+<file path=ppt/slides/slide16.xml><?xml version="1.0" encoding="utf-8"?>
 <p:sld xmlns:a="http://schemas.openxmlformats.org/drawingml/2006/main" xmlns:r="http://schemas.openxmlformats.org/officeDocument/2006/relationships" xmlns:p="http://schemas.openxmlformats.org/presentationml/2006/main">
   <p:cSld>
     <p:spTree>
@@ -9701,7 +11489,7 @@
         <p:spPr>
           <a:xfrm>
             <a:off x="287619" y="1153023"/>
-            <a:ext cx="5286540" cy="523220"/>
+            <a:ext cx="6558272" cy="523220"/>
           </a:xfrm>
           <a:prstGeom prst="rect">
             <a:avLst/>
@@ -9718,7 +11506,7 @@
               <a:rPr lang="en-US" sz="2800" dirty="0" smtClean="0">
                 <a:latin typeface="+mn-lt"/>
               </a:rPr>
-              <a:t>Logical Variable </a:t>
+              <a:t>First-Order  Variable </a:t>
             </a:r>
             <a:r>
               <a:rPr lang="en-US" sz="2800" dirty="0" smtClean="0">
@@ -10970,7 +12758,7 @@
 </p:sld>
 </file>
 
-<file path=ppt/slides/slide16.xml><?xml version="1.0" encoding="utf-8"?>
+<file path=ppt/slides/slide17.xml><?xml version="1.0" encoding="utf-8"?>
 <p:sld xmlns:a="http://schemas.openxmlformats.org/drawingml/2006/main" xmlns:r="http://schemas.openxmlformats.org/officeDocument/2006/relationships" xmlns:p="http://schemas.openxmlformats.org/presentationml/2006/main">
   <p:cSld>
     <p:spTree>
@@ -12330,7 +14118,7 @@
 </p:sld>
 </file>
 
-<file path=ppt/slides/slide17.xml><?xml version="1.0" encoding="utf-8"?>
+<file path=ppt/slides/slide18.xml><?xml version="1.0" encoding="utf-8"?>
 <p:sld xmlns:a="http://schemas.openxmlformats.org/drawingml/2006/main" xmlns:r="http://schemas.openxmlformats.org/officeDocument/2006/relationships" xmlns:p="http://schemas.openxmlformats.org/presentationml/2006/main">
   <p:cSld>
     <p:spTree>
@@ -12446,7 +14234,7 @@
 </p:sld>
 </file>
 
-<file path=ppt/slides/slide18.xml><?xml version="1.0" encoding="utf-8"?>
+<file path=ppt/slides/slide19.xml><?xml version="1.0" encoding="utf-8"?>
 <p:sld xmlns:a="http://schemas.openxmlformats.org/drawingml/2006/main" xmlns:r="http://schemas.openxmlformats.org/officeDocument/2006/relationships" xmlns:p="http://schemas.openxmlformats.org/presentationml/2006/main">
   <p:cSld>
     <p:spTree>
@@ -12890,7 +14678,154 @@
 </p:sld>
 </file>
 
-<file path=ppt/slides/slide19.xml><?xml version="1.0" encoding="utf-8"?>
+<file path=ppt/slides/slide2.xml><?xml version="1.0" encoding="utf-8"?>
+<p:sld xmlns:a="http://schemas.openxmlformats.org/drawingml/2006/main" xmlns:r="http://schemas.openxmlformats.org/officeDocument/2006/relationships" xmlns:p="http://schemas.openxmlformats.org/presentationml/2006/main">
+  <p:cSld>
+    <p:spTree>
+      <p:nvGrpSpPr>
+        <p:cNvPr id="1" name=""/>
+        <p:cNvGrpSpPr/>
+        <p:nvPr/>
+      </p:nvGrpSpPr>
+      <p:grpSpPr>
+        <a:xfrm>
+          <a:off x="0" y="0"/>
+          <a:ext cx="0" cy="0"/>
+          <a:chOff x="0" y="0"/>
+          <a:chExt cx="0" cy="0"/>
+        </a:xfrm>
+      </p:grpSpPr>
+      <p:sp>
+        <p:nvSpPr>
+          <p:cNvPr id="2" name="Title 1"/>
+          <p:cNvSpPr>
+            <a:spLocks noGrp="1"/>
+          </p:cNvSpPr>
+          <p:nvPr>
+            <p:ph type="title"/>
+          </p:nvPr>
+        </p:nvSpPr>
+        <p:spPr/>
+        <p:txBody>
+          <a:bodyPr/>
+          <a:lstStyle/>
+          <a:p>
+            <a:r>
+              <a:rPr lang="en-US" dirty="0" smtClean="0"/>
+              <a:t>Bayesian Networks for </a:t>
+            </a:r>
+            <a:r>
+              <a:rPr lang="en-US" dirty="0" err="1" smtClean="0"/>
+              <a:t>i.i.d</a:t>
+            </a:r>
+            <a:r>
+              <a:rPr lang="en-US" dirty="0" smtClean="0"/>
+              <a:t>. data</a:t>
+            </a:r>
+            <a:endParaRPr lang="en-US" dirty="0"/>
+          </a:p>
+        </p:txBody>
+      </p:sp>
+      <p:sp>
+        <p:nvSpPr>
+          <p:cNvPr id="3" name="Content Placeholder 2"/>
+          <p:cNvSpPr>
+            <a:spLocks noGrp="1"/>
+          </p:cNvSpPr>
+          <p:nvPr>
+            <p:ph sz="quarter" idx="1"/>
+          </p:nvPr>
+        </p:nvSpPr>
+        <p:spPr>
+          <a:xfrm>
+            <a:off x="914400" y="1447800"/>
+            <a:ext cx="7772400" cy="2590800"/>
+          </a:xfrm>
+        </p:spPr>
+        <p:txBody>
+          <a:bodyPr/>
+          <a:lstStyle/>
+          <a:p>
+            <a:r>
+              <a:rPr lang="en-US" dirty="0" smtClean="0"/>
+              <a:t>Directed Acyclic Graph, where nodes = random variables</a:t>
+            </a:r>
+          </a:p>
+          <a:p>
+            <a:r>
+              <a:rPr lang="en-US" dirty="0" smtClean="0"/>
+              <a:t>Parameters = probability of child node given parent nodes</a:t>
+            </a:r>
+          </a:p>
+          <a:p>
+            <a:r>
+              <a:rPr lang="en-US" dirty="0" smtClean="0"/>
+              <a:t>Represents </a:t>
+            </a:r>
+            <a:r>
+              <a:rPr lang="en-US" b="1" dirty="0" smtClean="0"/>
+              <a:t>joint distribution</a:t>
+            </a:r>
+            <a:r>
+              <a:rPr lang="en-US" dirty="0" smtClean="0"/>
+              <a:t> of random variables</a:t>
+            </a:r>
+          </a:p>
+          <a:p>
+            <a:r>
+              <a:rPr lang="en-US" dirty="0" smtClean="0"/>
+              <a:t>Supports probabilistic frequency queries, visualizes correlations</a:t>
+            </a:r>
+          </a:p>
+        </p:txBody>
+      </p:sp>
+      <p:sp>
+        <p:nvSpPr>
+          <p:cNvPr id="4" name="Footer Placeholder 3"/>
+          <p:cNvSpPr>
+            <a:spLocks noGrp="1"/>
+          </p:cNvSpPr>
+          <p:nvPr>
+            <p:ph type="ftr" sz="quarter" idx="11"/>
+          </p:nvPr>
+        </p:nvSpPr>
+        <p:spPr/>
+        <p:txBody>
+          <a:bodyPr/>
+          <a:lstStyle/>
+          <a:p>
+            <a:pPr>
+              <a:defRPr/>
+            </a:pPr>
+            <a:r>
+              <a:rPr lang="en-US" smtClean="0"/>
+              <a:t>Learning Bayesian Networks for Complex Relational Data</a:t>
+            </a:r>
+            <a:endParaRPr lang="en-US" dirty="0"/>
+          </a:p>
+        </p:txBody>
+      </p:sp>
+    </p:spTree>
+    <p:extLst>
+      <p:ext uri="{BB962C8B-B14F-4D97-AF65-F5344CB8AC3E}">
+        <p14:creationId xmlns:p14="http://schemas.microsoft.com/office/powerpoint/2010/main" val="1684232837"/>
+      </p:ext>
+    </p:extLst>
+  </p:cSld>
+  <p:clrMapOvr>
+    <a:masterClrMapping/>
+  </p:clrMapOvr>
+  <p:timing>
+    <p:tnLst>
+      <p:par>
+        <p:cTn xmlns:p14="http://schemas.microsoft.com/office/powerpoint/2010/main" id="1" dur="indefinite" restart="never" nodeType="tmRoot"/>
+      </p:par>
+    </p:tnLst>
+  </p:timing>
+</p:sld>
+</file>
+
+<file path=ppt/slides/slide20.xml><?xml version="1.0" encoding="utf-8"?>
 <p:sld xmlns:a="http://schemas.openxmlformats.org/drawingml/2006/main" xmlns:r="http://schemas.openxmlformats.org/officeDocument/2006/relationships" xmlns:p="http://schemas.openxmlformats.org/presentationml/2006/main">
   <p:cSld>
     <p:spTree>
@@ -13255,280 +15190,6 @@
 </p:sld>
 </file>
 
-<file path=ppt/slides/slide2.xml><?xml version="1.0" encoding="utf-8"?>
-<p:sld xmlns:a="http://schemas.openxmlformats.org/drawingml/2006/main" xmlns:r="http://schemas.openxmlformats.org/officeDocument/2006/relationships" xmlns:p="http://schemas.openxmlformats.org/presentationml/2006/main">
-  <p:cSld>
-    <p:spTree>
-      <p:nvGrpSpPr>
-        <p:cNvPr id="1" name=""/>
-        <p:cNvGrpSpPr/>
-        <p:nvPr/>
-      </p:nvGrpSpPr>
-      <p:grpSpPr>
-        <a:xfrm>
-          <a:off x="0" y="0"/>
-          <a:ext cx="0" cy="0"/>
-          <a:chOff x="0" y="0"/>
-          <a:chExt cx="0" cy="0"/>
-        </a:xfrm>
-      </p:grpSpPr>
-      <p:sp>
-        <p:nvSpPr>
-          <p:cNvPr id="2" name="Title 1"/>
-          <p:cNvSpPr>
-            <a:spLocks noGrp="1"/>
-          </p:cNvSpPr>
-          <p:nvPr>
-            <p:ph type="title"/>
-          </p:nvPr>
-        </p:nvSpPr>
-        <p:spPr/>
-        <p:txBody>
-          <a:bodyPr/>
-          <a:lstStyle/>
-          <a:p>
-            <a:r>
-              <a:rPr lang="en-US" dirty="0" smtClean="0"/>
-              <a:t>Bayesian Networks for </a:t>
-            </a:r>
-            <a:r>
-              <a:rPr lang="en-US" dirty="0" err="1" smtClean="0"/>
-              <a:t>i.i.d</a:t>
-            </a:r>
-            <a:r>
-              <a:rPr lang="en-US" dirty="0" smtClean="0"/>
-              <a:t>. data</a:t>
-            </a:r>
-            <a:endParaRPr lang="en-US" dirty="0"/>
-          </a:p>
-        </p:txBody>
-      </p:sp>
-      <p:sp>
-        <p:nvSpPr>
-          <p:cNvPr id="3" name="Content Placeholder 2"/>
-          <p:cNvSpPr>
-            <a:spLocks noGrp="1"/>
-          </p:cNvSpPr>
-          <p:nvPr>
-            <p:ph sz="quarter" idx="1"/>
-          </p:nvPr>
-        </p:nvSpPr>
-        <p:spPr>
-          <a:xfrm>
-            <a:off x="914400" y="1447800"/>
-            <a:ext cx="7772400" cy="2590800"/>
-          </a:xfrm>
-        </p:spPr>
-        <p:txBody>
-          <a:bodyPr/>
-          <a:lstStyle/>
-          <a:p>
-            <a:r>
-              <a:rPr lang="en-US" dirty="0" smtClean="0"/>
-              <a:t>Directed Acyclic Graph, where nodes = random variables</a:t>
-            </a:r>
-          </a:p>
-          <a:p>
-            <a:r>
-              <a:rPr lang="en-US" dirty="0" smtClean="0"/>
-              <a:t>Parameters = probability of child node given parent nodes</a:t>
-            </a:r>
-          </a:p>
-          <a:p>
-            <a:r>
-              <a:rPr lang="en-US" dirty="0" smtClean="0"/>
-              <a:t>Represents </a:t>
-            </a:r>
-            <a:r>
-              <a:rPr lang="en-US" b="1" dirty="0" smtClean="0"/>
-              <a:t>joint distribution</a:t>
-            </a:r>
-            <a:r>
-              <a:rPr lang="en-US" dirty="0" smtClean="0"/>
-              <a:t> of random variables</a:t>
-            </a:r>
-          </a:p>
-          <a:p>
-            <a:r>
-              <a:rPr lang="en-US" dirty="0" smtClean="0"/>
-              <a:t>Supports probabilistic frequency queries, visualizes correlations</a:t>
-            </a:r>
-          </a:p>
-        </p:txBody>
-      </p:sp>
-      <p:sp>
-        <p:nvSpPr>
-          <p:cNvPr id="4" name="Footer Placeholder 3"/>
-          <p:cNvSpPr>
-            <a:spLocks noGrp="1"/>
-          </p:cNvSpPr>
-          <p:nvPr>
-            <p:ph type="ftr" sz="quarter" idx="11"/>
-          </p:nvPr>
-        </p:nvSpPr>
-        <p:spPr/>
-        <p:txBody>
-          <a:bodyPr/>
-          <a:lstStyle/>
-          <a:p>
-            <a:pPr>
-              <a:defRPr/>
-            </a:pPr>
-            <a:r>
-              <a:rPr lang="en-US" smtClean="0"/>
-              <a:t>Learning Bayesian Networks for Complex Relational Data</a:t>
-            </a:r>
-            <a:endParaRPr lang="en-US" dirty="0"/>
-          </a:p>
-        </p:txBody>
-      </p:sp>
-    </p:spTree>
-    <p:extLst>
-      <p:ext uri="{BB962C8B-B14F-4D97-AF65-F5344CB8AC3E}">
-        <p14:creationId xmlns:p14="http://schemas.microsoft.com/office/powerpoint/2010/main" val="1684232837"/>
-      </p:ext>
-    </p:extLst>
-  </p:cSld>
-  <p:clrMapOvr>
-    <a:masterClrMapping/>
-  </p:clrMapOvr>
-</p:sld>
-</file>
-
-<file path=ppt/slides/slide20.xml><?xml version="1.0" encoding="utf-8"?>
-<p:sld xmlns:a="http://schemas.openxmlformats.org/drawingml/2006/main" xmlns:r="http://schemas.openxmlformats.org/officeDocument/2006/relationships" xmlns:p="http://schemas.openxmlformats.org/presentationml/2006/main">
-  <p:cSld>
-    <p:spTree>
-      <p:nvGrpSpPr>
-        <p:cNvPr id="1" name=""/>
-        <p:cNvGrpSpPr/>
-        <p:nvPr/>
-      </p:nvGrpSpPr>
-      <p:grpSpPr>
-        <a:xfrm>
-          <a:off x="0" y="0"/>
-          <a:ext cx="0" cy="0"/>
-          <a:chOff x="0" y="0"/>
-          <a:chExt cx="0" cy="0"/>
-        </a:xfrm>
-      </p:grpSpPr>
-      <p:sp>
-        <p:nvSpPr>
-          <p:cNvPr id="2" name="Title 1"/>
-          <p:cNvSpPr>
-            <a:spLocks noGrp="1"/>
-          </p:cNvSpPr>
-          <p:nvPr>
-            <p:ph type="title"/>
-          </p:nvPr>
-        </p:nvSpPr>
-        <p:spPr/>
-        <p:txBody>
-          <a:bodyPr/>
-          <a:lstStyle/>
-          <a:p>
-            <a:r>
-              <a:rPr lang="en-US"/>
-              <a:t>IMDb Data Format</a:t>
-            </a:r>
-          </a:p>
-        </p:txBody>
-      </p:sp>
-      <p:sp>
-        <p:nvSpPr>
-          <p:cNvPr id="4" name="Footer Placeholder 3"/>
-          <p:cNvSpPr>
-            <a:spLocks noGrp="1"/>
-          </p:cNvSpPr>
-          <p:nvPr>
-            <p:ph type="ftr" sz="quarter" idx="11"/>
-          </p:nvPr>
-        </p:nvSpPr>
-        <p:spPr/>
-        <p:txBody>
-          <a:bodyPr/>
-          <a:lstStyle/>
-          <a:p>
-            <a:pPr>
-              <a:defRPr/>
-            </a:pPr>
-            <a:r>
-              <a:rPr lang="en-US" dirty="0" smtClean="0"/>
-              <a:t>Learning Bayesian Networks for Complex Relational Data</a:t>
-            </a:r>
-            <a:endParaRPr lang="en-US" dirty="0"/>
-          </a:p>
-        </p:txBody>
-      </p:sp>
-      <p:pic>
-        <p:nvPicPr>
-          <p:cNvPr id="7" name="Content Placeholder 6" descr="eer-imdb_2r.pdf"/>
-          <p:cNvPicPr>
-            <a:picLocks noGrp="1" noChangeAspect="1"/>
-          </p:cNvPicPr>
-          <p:nvPr>
-            <p:ph sz="quarter" idx="1"/>
-          </p:nvPr>
-        </p:nvPicPr>
-        <p:blipFill>
-          <a:blip r:embed="rId2">
-            <a:extLst>
-              <a:ext uri="{28A0092B-C50C-407E-A947-70E740481C1C}">
-                <a14:useLocalDpi xmlns:a14="http://schemas.microsoft.com/office/drawing/2010/main" val="0"/>
-              </a:ext>
-            </a:extLst>
-          </a:blip>
-          <a:srcRect l="-73786" r="-73786"/>
-          <a:stretch>
-            <a:fillRect/>
-          </a:stretch>
-        </p:blipFill>
-        <p:spPr/>
-      </p:pic>
-      <p:sp>
-        <p:nvSpPr>
-          <p:cNvPr id="8" name="TextBox 7"/>
-          <p:cNvSpPr txBox="1"/>
-          <p:nvPr/>
-        </p:nvSpPr>
-        <p:spPr>
-          <a:xfrm>
-            <a:off x="1091608" y="1698002"/>
-            <a:ext cx="3524538" cy="400110"/>
-          </a:xfrm>
-          <a:prstGeom prst="rect">
-            <a:avLst/>
-          </a:prstGeom>
-          <a:noFill/>
-        </p:spPr>
-        <p:txBody>
-          <a:bodyPr wrap="square" rtlCol="0">
-            <a:spAutoFit/>
-          </a:bodyPr>
-          <a:lstStyle/>
-          <a:p>
-            <a:r>
-              <a:rPr lang="en-US" sz="2000" dirty="0">
-                <a:latin typeface="+mn-lt"/>
-              </a:rPr>
-              <a:t>data with two relationships</a:t>
-            </a:r>
-          </a:p>
-        </p:txBody>
-      </p:sp>
-    </p:spTree>
-    <p:extLst>
-      <p:ext uri="{BB962C8B-B14F-4D97-AF65-F5344CB8AC3E}">
-        <p14:creationId xmlns:p14="http://schemas.microsoft.com/office/powerpoint/2010/main" val="3390277237"/>
-      </p:ext>
-    </p:extLst>
-  </p:cSld>
-  <p:clrMapOvr>
-    <a:masterClrMapping/>
-  </p:clrMapOvr>
-</p:sld>
-</file>
-
 <file path=ppt/slides/slide21.xml><?xml version="1.0" encoding="utf-8"?>
 <p:sld xmlns:a="http://schemas.openxmlformats.org/drawingml/2006/main" xmlns:r="http://schemas.openxmlformats.org/officeDocument/2006/relationships" xmlns:p="http://schemas.openxmlformats.org/presentationml/2006/main">
   <p:cSld>
@@ -13562,6 +15223,378 @@
           <a:lstStyle/>
           <a:p>
             <a:r>
+              <a:rPr lang="en-US" dirty="0" smtClean="0"/>
+              <a:t>Real-World Examples</a:t>
+            </a:r>
+            <a:endParaRPr lang="en-US" dirty="0"/>
+          </a:p>
+        </p:txBody>
+      </p:sp>
+      <p:sp>
+        <p:nvSpPr>
+          <p:cNvPr id="3" name="Content Placeholder 2"/>
+          <p:cNvSpPr>
+            <a:spLocks noGrp="1"/>
+          </p:cNvSpPr>
+          <p:nvPr>
+            <p:ph sz="quarter" idx="1"/>
+          </p:nvPr>
+        </p:nvSpPr>
+        <p:spPr/>
+        <p:txBody>
+          <a:bodyPr/>
+          <a:lstStyle/>
+          <a:p>
+            <a:r>
+              <a:rPr lang="en-US" dirty="0" smtClean="0"/>
+              <a:t>To illustrate frequency semantics, learn and evaluate on the training set</a:t>
+            </a:r>
+          </a:p>
+          <a:p>
+            <a:pPr>
+              <a:buFont typeface="Wingdings" charset="2"/>
+              <a:buChar char="Ø"/>
+            </a:pPr>
+            <a:r>
+              <a:rPr lang="en-US" dirty="0" smtClean="0"/>
+              <a:t>ground truth about frequencies</a:t>
+            </a:r>
+          </a:p>
+          <a:p>
+            <a:r>
+              <a:rPr lang="en-US" dirty="0" smtClean="0"/>
+              <a:t>We discuss </a:t>
+            </a:r>
+            <a:r>
+              <a:rPr lang="en-US" smtClean="0"/>
+              <a:t>generalization later</a:t>
+            </a:r>
+            <a:endParaRPr lang="en-US" dirty="0"/>
+          </a:p>
+        </p:txBody>
+      </p:sp>
+      <p:sp>
+        <p:nvSpPr>
+          <p:cNvPr id="4" name="Footer Placeholder 3"/>
+          <p:cNvSpPr>
+            <a:spLocks noGrp="1"/>
+          </p:cNvSpPr>
+          <p:nvPr>
+            <p:ph type="ftr" sz="quarter" idx="11"/>
+          </p:nvPr>
+        </p:nvSpPr>
+        <p:spPr/>
+        <p:txBody>
+          <a:bodyPr/>
+          <a:lstStyle/>
+          <a:p>
+            <a:pPr>
+              <a:defRPr/>
+            </a:pPr>
+            <a:r>
+              <a:rPr lang="en-US" smtClean="0"/>
+              <a:t>Learning Bayesian Networks for Complex Relational Data</a:t>
+            </a:r>
+            <a:endParaRPr lang="en-US" dirty="0"/>
+          </a:p>
+        </p:txBody>
+      </p:sp>
+    </p:spTree>
+    <p:extLst>
+      <p:ext uri="{BB962C8B-B14F-4D97-AF65-F5344CB8AC3E}">
+        <p14:creationId xmlns:p14="http://schemas.microsoft.com/office/powerpoint/2010/main" val="1783730659"/>
+      </p:ext>
+    </p:extLst>
+  </p:cSld>
+  <p:clrMapOvr>
+    <a:masterClrMapping/>
+  </p:clrMapOvr>
+</p:sld>
+</file>
+
+<file path=ppt/slides/slide22.xml><?xml version="1.0" encoding="utf-8"?>
+<p:sld xmlns:a="http://schemas.openxmlformats.org/drawingml/2006/main" xmlns:r="http://schemas.openxmlformats.org/officeDocument/2006/relationships" xmlns:p="http://schemas.openxmlformats.org/presentationml/2006/main">
+  <p:cSld>
+    <p:spTree>
+      <p:nvGrpSpPr>
+        <p:cNvPr id="1" name=""/>
+        <p:cNvGrpSpPr/>
+        <p:nvPr/>
+      </p:nvGrpSpPr>
+      <p:grpSpPr>
+        <a:xfrm>
+          <a:off x="0" y="0"/>
+          <a:ext cx="0" cy="0"/>
+          <a:chOff x="0" y="0"/>
+          <a:chExt cx="0" cy="0"/>
+        </a:xfrm>
+      </p:grpSpPr>
+      <p:sp>
+        <p:nvSpPr>
+          <p:cNvPr id="2" name="Title 1"/>
+          <p:cNvSpPr>
+            <a:spLocks noGrp="1"/>
+          </p:cNvSpPr>
+          <p:nvPr>
+            <p:ph type="title"/>
+          </p:nvPr>
+        </p:nvSpPr>
+        <p:spPr/>
+        <p:txBody>
+          <a:bodyPr/>
+          <a:lstStyle/>
+          <a:p>
+            <a:r>
+              <a:rPr lang="en-US"/>
+              <a:t>IMDb Data Format</a:t>
+            </a:r>
+          </a:p>
+        </p:txBody>
+      </p:sp>
+      <p:sp>
+        <p:nvSpPr>
+          <p:cNvPr id="4" name="Footer Placeholder 3"/>
+          <p:cNvSpPr>
+            <a:spLocks noGrp="1"/>
+          </p:cNvSpPr>
+          <p:nvPr>
+            <p:ph type="ftr" sz="quarter" idx="11"/>
+          </p:nvPr>
+        </p:nvSpPr>
+        <p:spPr/>
+        <p:txBody>
+          <a:bodyPr/>
+          <a:lstStyle/>
+          <a:p>
+            <a:pPr>
+              <a:defRPr/>
+            </a:pPr>
+            <a:r>
+              <a:rPr lang="en-US" dirty="0" smtClean="0"/>
+              <a:t>Learning Bayesian Networks for Complex Relational Data</a:t>
+            </a:r>
+            <a:endParaRPr lang="en-US" dirty="0"/>
+          </a:p>
+        </p:txBody>
+      </p:sp>
+      <p:pic>
+        <p:nvPicPr>
+          <p:cNvPr id="7" name="Content Placeholder 6" descr="eer-imdb_2r.pdf"/>
+          <p:cNvPicPr>
+            <a:picLocks noGrp="1" noChangeAspect="1"/>
+          </p:cNvPicPr>
+          <p:nvPr>
+            <p:ph sz="quarter" idx="1"/>
+          </p:nvPr>
+        </p:nvPicPr>
+        <p:blipFill>
+          <a:blip r:embed="rId3">
+            <a:extLst>
+              <a:ext uri="{28A0092B-C50C-407E-A947-70E740481C1C}">
+                <a14:useLocalDpi xmlns:a14="http://schemas.microsoft.com/office/drawing/2010/main" val="0"/>
+              </a:ext>
+            </a:extLst>
+          </a:blip>
+          <a:srcRect l="-73786" r="-73786"/>
+          <a:stretch>
+            <a:fillRect/>
+          </a:stretch>
+        </p:blipFill>
+        <p:spPr/>
+      </p:pic>
+      <p:sp>
+        <p:nvSpPr>
+          <p:cNvPr id="8" name="TextBox 7"/>
+          <p:cNvSpPr txBox="1"/>
+          <p:nvPr/>
+        </p:nvSpPr>
+        <p:spPr>
+          <a:xfrm>
+            <a:off x="1091608" y="1698002"/>
+            <a:ext cx="3524538" cy="400110"/>
+          </a:xfrm>
+          <a:prstGeom prst="rect">
+            <a:avLst/>
+          </a:prstGeom>
+          <a:noFill/>
+        </p:spPr>
+        <p:txBody>
+          <a:bodyPr wrap="square" rtlCol="0">
+            <a:spAutoFit/>
+          </a:bodyPr>
+          <a:lstStyle/>
+          <a:p>
+            <a:r>
+              <a:rPr lang="en-US" sz="2000" dirty="0">
+                <a:latin typeface="+mn-lt"/>
+              </a:rPr>
+              <a:t>data with two relationships</a:t>
+            </a:r>
+          </a:p>
+        </p:txBody>
+      </p:sp>
+    </p:spTree>
+    <p:extLst>
+      <p:ext uri="{BB962C8B-B14F-4D97-AF65-F5344CB8AC3E}">
+        <p14:creationId xmlns:p14="http://schemas.microsoft.com/office/powerpoint/2010/main" val="3390277237"/>
+      </p:ext>
+    </p:extLst>
+  </p:cSld>
+  <p:clrMapOvr>
+    <a:masterClrMapping/>
+  </p:clrMapOvr>
+  <p:timing>
+    <p:tnLst>
+      <p:par>
+        <p:cTn xmlns:p14="http://schemas.microsoft.com/office/powerpoint/2010/main" id="1" dur="indefinite" restart="never" nodeType="tmRoot"/>
+      </p:par>
+    </p:tnLst>
+  </p:timing>
+</p:sld>
+</file>
+
+<file path=ppt/slides/slide23.xml><?xml version="1.0" encoding="utf-8"?>
+<p:sld xmlns:a="http://schemas.openxmlformats.org/drawingml/2006/main" xmlns:r="http://schemas.openxmlformats.org/officeDocument/2006/relationships" xmlns:p="http://schemas.openxmlformats.org/presentationml/2006/main">
+  <p:cSld>
+    <p:spTree>
+      <p:nvGrpSpPr>
+        <p:cNvPr id="1" name=""/>
+        <p:cNvGrpSpPr/>
+        <p:nvPr/>
+      </p:nvGrpSpPr>
+      <p:grpSpPr>
+        <a:xfrm>
+          <a:off x="0" y="0"/>
+          <a:ext cx="0" cy="0"/>
+          <a:chOff x="0" y="0"/>
+          <a:chExt cx="0" cy="0"/>
+        </a:xfrm>
+      </p:grpSpPr>
+      <p:sp>
+        <p:nvSpPr>
+          <p:cNvPr id="2" name="Title 1"/>
+          <p:cNvSpPr>
+            <a:spLocks noGrp="1"/>
+          </p:cNvSpPr>
+          <p:nvPr>
+            <p:ph type="title"/>
+          </p:nvPr>
+        </p:nvSpPr>
+        <p:spPr/>
+        <p:txBody>
+          <a:bodyPr/>
+          <a:lstStyle/>
+          <a:p>
+            <a:r>
+              <a:rPr lang="en-US" dirty="0" smtClean="0"/>
+              <a:t>Learned Bayes Net for Full IMDB</a:t>
+            </a:r>
+            <a:endParaRPr lang="en-US" dirty="0"/>
+          </a:p>
+        </p:txBody>
+      </p:sp>
+      <p:sp>
+        <p:nvSpPr>
+          <p:cNvPr id="4" name="Footer Placeholder 3"/>
+          <p:cNvSpPr>
+            <a:spLocks noGrp="1"/>
+          </p:cNvSpPr>
+          <p:nvPr>
+            <p:ph type="ftr" sz="quarter" idx="11"/>
+          </p:nvPr>
+        </p:nvSpPr>
+        <p:spPr/>
+        <p:txBody>
+          <a:bodyPr/>
+          <a:lstStyle/>
+          <a:p>
+            <a:pPr>
+              <a:defRPr/>
+            </a:pPr>
+            <a:r>
+              <a:rPr lang="en-US" smtClean="0"/>
+              <a:t>Learning Bayesian Networks for Complex Relational Data</a:t>
+            </a:r>
+            <a:endParaRPr lang="en-US" dirty="0"/>
+          </a:p>
+        </p:txBody>
+      </p:sp>
+      <p:pic>
+        <p:nvPicPr>
+          <p:cNvPr id="7" name="Content Placeholder 6" descr="bn-screenshot.pdf"/>
+          <p:cNvPicPr>
+            <a:picLocks noGrp="1" noChangeAspect="1"/>
+          </p:cNvPicPr>
+          <p:nvPr>
+            <p:ph sz="quarter" idx="1"/>
+          </p:nvPr>
+        </p:nvPicPr>
+        <p:blipFill>
+          <a:blip r:embed="rId3">
+            <a:extLst>
+              <a:ext uri="{28A0092B-C50C-407E-A947-70E740481C1C}">
+                <a14:useLocalDpi xmlns:a14="http://schemas.microsoft.com/office/drawing/2010/main" val="0"/>
+              </a:ext>
+            </a:extLst>
+          </a:blip>
+          <a:srcRect t="-9885" b="-9885"/>
+          <a:stretch>
+            <a:fillRect/>
+          </a:stretch>
+        </p:blipFill>
+        <p:spPr>
+          <a:xfrm>
+            <a:off x="647700" y="1612900"/>
+            <a:ext cx="7772400" cy="4572000"/>
+          </a:xfrm>
+        </p:spPr>
+      </p:pic>
+    </p:spTree>
+    <p:extLst>
+      <p:ext uri="{BB962C8B-B14F-4D97-AF65-F5344CB8AC3E}">
+        <p14:creationId xmlns:p14="http://schemas.microsoft.com/office/powerpoint/2010/main" val="406283409"/>
+      </p:ext>
+    </p:extLst>
+  </p:cSld>
+  <p:clrMapOvr>
+    <a:masterClrMapping/>
+  </p:clrMapOvr>
+</p:sld>
+</file>
+
+<file path=ppt/slides/slide24.xml><?xml version="1.0" encoding="utf-8"?>
+<p:sld xmlns:a="http://schemas.openxmlformats.org/drawingml/2006/main" xmlns:r="http://schemas.openxmlformats.org/officeDocument/2006/relationships" xmlns:p="http://schemas.openxmlformats.org/presentationml/2006/main">
+  <p:cSld>
+    <p:spTree>
+      <p:nvGrpSpPr>
+        <p:cNvPr id="1" name=""/>
+        <p:cNvGrpSpPr/>
+        <p:nvPr/>
+      </p:nvGrpSpPr>
+      <p:grpSpPr>
+        <a:xfrm>
+          <a:off x="0" y="0"/>
+          <a:ext cx="0" cy="0"/>
+          <a:chOff x="0" y="0"/>
+          <a:chExt cx="0" cy="0"/>
+        </a:xfrm>
+      </p:grpSpPr>
+      <p:sp>
+        <p:nvSpPr>
+          <p:cNvPr id="2" name="Title 1"/>
+          <p:cNvSpPr>
+            <a:spLocks noGrp="1"/>
+          </p:cNvSpPr>
+          <p:nvPr>
+            <p:ph type="title"/>
+          </p:nvPr>
+        </p:nvSpPr>
+        <p:spPr/>
+        <p:txBody>
+          <a:bodyPr/>
+          <a:lstStyle/>
+          <a:p>
+            <a:r>
               <a:rPr lang="en-US"/>
               <a:t>Learned Bayes Net for IMDb</a:t>
             </a:r>
@@ -13593,7 +15626,15 @@
             </a:pPr>
             <a:r>
               <a:rPr lang="en-US" dirty="0"/>
-              <a:t>With 1 relationship </a:t>
+              <a:t>With </a:t>
+            </a:r>
+            <a:r>
+              <a:rPr lang="en-US" dirty="0" smtClean="0"/>
+              <a:t>only 1 </a:t>
+            </a:r>
+            <a:r>
+              <a:rPr lang="en-US" dirty="0"/>
+              <a:t>relationship </a:t>
             </a:r>
             <a:r>
               <a:rPr lang="en-US" dirty="0" err="1"/>
@@ -13609,7 +15650,11 @@
             </a:r>
             <a:r>
               <a:rPr lang="en-US" dirty="0"/>
-              <a:t>).</a:t>
+              <a:t>)</a:t>
+            </a:r>
+            <a:r>
+              <a:rPr lang="en-US" dirty="0" smtClean="0"/>
+              <a:t>.</a:t>
             </a:r>
           </a:p>
         </p:txBody>
@@ -13680,10 +15725,17 @@
   <p:clrMapOvr>
     <a:masterClrMapping/>
   </p:clrMapOvr>
+  <p:timing>
+    <p:tnLst>
+      <p:par>
+        <p:cTn xmlns:p14="http://schemas.microsoft.com/office/powerpoint/2010/main" id="1" dur="indefinite" restart="never" nodeType="tmRoot"/>
+      </p:par>
+    </p:tnLst>
+  </p:timing>
 </p:sld>
 </file>
 
-<file path=ppt/slides/slide22.xml><?xml version="1.0" encoding="utf-8"?>
+<file path=ppt/slides/slide25.xml><?xml version="1.0" encoding="utf-8"?>
 <p:sld xmlns:a="http://schemas.openxmlformats.org/drawingml/2006/main" xmlns:r="http://schemas.openxmlformats.org/officeDocument/2006/relationships" xmlns:p="http://schemas.openxmlformats.org/presentationml/2006/main">
   <p:cSld>
     <p:spTree>
@@ -13736,9 +15788,35 @@
           </a:p>
         </p:txBody>
       </p:sp>
+      <p:sp>
+        <p:nvSpPr>
+          <p:cNvPr id="4" name="Footer Placeholder 3"/>
+          <p:cNvSpPr>
+            <a:spLocks noGrp="1"/>
+          </p:cNvSpPr>
+          <p:nvPr>
+            <p:ph type="ftr" sz="quarter" idx="11"/>
+          </p:nvPr>
+        </p:nvSpPr>
+        <p:spPr/>
+        <p:txBody>
+          <a:bodyPr/>
+          <a:lstStyle/>
+          <a:p>
+            <a:pPr>
+              <a:defRPr/>
+            </a:pPr>
+            <a:r>
+              <a:rPr lang="en-US" dirty="0" smtClean="0"/>
+              <a:t>Learning Bayesian Networks for Complex Relational Data</a:t>
+            </a:r>
+            <a:endParaRPr lang="en-US" dirty="0"/>
+          </a:p>
+        </p:txBody>
+      </p:sp>
       <p:pic>
         <p:nvPicPr>
-          <p:cNvPr id="5" name="Content Placeholder 4" descr="query-screenshot.pdf"/>
+          <p:cNvPr id="6" name="Content Placeholder 5" descr="query-screenshot.pdf"/>
           <p:cNvPicPr>
             <a:picLocks noGrp="1" noChangeAspect="1"/>
           </p:cNvPicPr>
@@ -13754,39 +15832,13 @@
               </a:ext>
             </a:extLst>
           </a:blip>
-          <a:srcRect t="4917" b="4917"/>
+          <a:srcRect l="1429" r="1429"/>
           <a:stretch>
             <a:fillRect/>
           </a:stretch>
         </p:blipFill>
         <p:spPr/>
       </p:pic>
-      <p:sp>
-        <p:nvSpPr>
-          <p:cNvPr id="4" name="Footer Placeholder 3"/>
-          <p:cNvSpPr>
-            <a:spLocks noGrp="1"/>
-          </p:cNvSpPr>
-          <p:nvPr>
-            <p:ph type="ftr" sz="quarter" idx="11"/>
-          </p:nvPr>
-        </p:nvSpPr>
-        <p:spPr/>
-        <p:txBody>
-          <a:bodyPr/>
-          <a:lstStyle/>
-          <a:p>
-            <a:pPr>
-              <a:defRPr/>
-            </a:pPr>
-            <a:r>
-              <a:rPr lang="en-US" dirty="0" smtClean="0"/>
-              <a:t>Learning Bayesian Networks for Complex Relational Data</a:t>
-            </a:r>
-            <a:endParaRPr lang="en-US" dirty="0"/>
-          </a:p>
-        </p:txBody>
-      </p:sp>
     </p:spTree>
     <p:extLst>
       <p:ext uri="{BB962C8B-B14F-4D97-AF65-F5344CB8AC3E}">
@@ -13797,10 +15849,17 @@
   <p:clrMapOvr>
     <a:masterClrMapping/>
   </p:clrMapOvr>
+  <p:timing>
+    <p:tnLst>
+      <p:par>
+        <p:cTn xmlns:p14="http://schemas.microsoft.com/office/powerpoint/2010/main" id="1" dur="indefinite" restart="never" nodeType="tmRoot"/>
+      </p:par>
+    </p:tnLst>
+  </p:timing>
 </p:sld>
 </file>
 
-<file path=ppt/slides/slide23.xml><?xml version="1.0" encoding="utf-8"?>
+<file path=ppt/slides/slide26.xml><?xml version="1.0" encoding="utf-8"?>
 <p:sld xmlns:a="http://schemas.openxmlformats.org/drawingml/2006/main" xmlns:r="http://schemas.openxmlformats.org/officeDocument/2006/relationships" xmlns:p="http://schemas.openxmlformats.org/presentationml/2006/main">
   <p:cSld>
     <p:spTree>
@@ -13850,7 +15909,7 @@
             <p:ph sz="quarter" idx="1"/>
             <p:extLst>
               <p:ext uri="{D42A27DB-BD31-4B8C-83A1-F6EECF244321}">
-                <p14:modId xmlns:p14="http://schemas.microsoft.com/office/powerpoint/2010/main" val="2812031506"/>
+                <p14:modId xmlns:p14="http://schemas.microsoft.com/office/powerpoint/2010/main" val="2563462098"/>
               </p:ext>
             </p:extLst>
           </p:nvPr>
@@ -13863,7 +15922,7 @@
           <a:graphicData uri="http://schemas.openxmlformats.org/drawingml/2006/table">
             <a:tbl>
               <a:tblPr firstRow="1" bandRow="1">
-                <a:tableStyleId>{5C22544A-7EE6-4342-B048-85BDC9FD1C3A}</a:tableStyleId>
+                <a:tableStyleId>{D7AC3CCA-C797-4891-BE02-D94E43425B78}</a:tableStyleId>
               </a:tblPr>
               <a:tblGrid>
                 <a:gridCol w="2565896"/>
@@ -13877,25 +15936,24 @@
                     <a:p>
                       <a:pPr algn="l" fontAlgn="b"/>
                       <a:r>
-                        <a:rPr lang="en-US" sz="2400" b="0" i="0" u="none" strike="noStrike" dirty="0" err="1">
-                          <a:solidFill>
-                            <a:srgbClr val="000000"/>
-                          </a:solidFill>
+                        <a:rPr lang="en-US" sz="2400" u="none" strike="noStrike" dirty="0" err="1">
                           <a:effectLst/>
-                          <a:latin typeface="+mn-lt"/>
                         </a:rPr>
                         <a:t>Num</a:t>
                       </a:r>
                       <a:r>
-                        <a:rPr lang="en-US" sz="2400" b="0" i="0" u="none" strike="noStrike" dirty="0">
-                          <a:solidFill>
-                            <a:srgbClr val="000000"/>
-                          </a:solidFill>
+                        <a:rPr lang="en-US" sz="2400" u="none" strike="noStrike" dirty="0">
                           <a:effectLst/>
-                          <a:latin typeface="+mn-lt"/>
                         </a:rPr>
                         <a:t> Movies</a:t>
                       </a:r>
+                      <a:endParaRPr lang="en-US" sz="2400" b="0" i="0" u="none" strike="noStrike" dirty="0">
+                        <a:solidFill>
+                          <a:srgbClr val="000000"/>
+                        </a:solidFill>
+                        <a:effectLst/>
+                        <a:latin typeface="+mn-lt"/>
+                      </a:endParaRPr>
                     </a:p>
                   </a:txBody>
                   <a:tcPr marL="12700" marR="12700" marT="12700" marB="0" anchor="b"/>
@@ -13907,15 +15965,18 @@
                     <a:p>
                       <a:pPr algn="r" fontAlgn="b"/>
                       <a:r>
-                        <a:rPr lang="cs-CZ" sz="2400" b="0" i="0" u="none" strike="noStrike" dirty="0">
-                          <a:solidFill>
-                            <a:srgbClr val="000000"/>
-                          </a:solidFill>
+                        <a:rPr lang="cs-CZ" sz="2400" u="none" strike="noStrike" dirty="0">
                           <a:effectLst/>
-                          <a:latin typeface="+mn-lt"/>
                         </a:rPr>
                         <a:t>3883</a:t>
                       </a:r>
+                      <a:endParaRPr lang="cs-CZ" sz="2400" b="0" i="0" u="none" strike="noStrike" dirty="0">
+                        <a:solidFill>
+                          <a:srgbClr val="000000"/>
+                        </a:solidFill>
+                        <a:effectLst/>
+                        <a:latin typeface="+mn-lt"/>
+                      </a:endParaRPr>
                     </a:p>
                   </a:txBody>
                   <a:tcPr marL="12700" marR="12700" marT="12700" marB="0" anchor="b"/>
@@ -13929,15 +15990,18 @@
                     <a:p>
                       <a:pPr algn="l" fontAlgn="b"/>
                       <a:r>
-                        <a:rPr lang="en-US" sz="2400" b="0" i="0" u="none" strike="noStrike">
-                          <a:solidFill>
-                            <a:srgbClr val="000000"/>
-                          </a:solidFill>
+                        <a:rPr lang="en-US" sz="2400" u="none" strike="noStrike">
                           <a:effectLst/>
-                          <a:latin typeface="+mn-lt"/>
                         </a:rPr>
                         <a:t>Num Users</a:t>
                       </a:r>
+                      <a:endParaRPr lang="en-US" sz="2400" b="0" i="0" u="none" strike="noStrike">
+                        <a:solidFill>
+                          <a:srgbClr val="000000"/>
+                        </a:solidFill>
+                        <a:effectLst/>
+                        <a:latin typeface="+mn-lt"/>
+                      </a:endParaRPr>
                     </a:p>
                   </a:txBody>
                   <a:tcPr marL="12700" marR="12700" marT="12700" marB="0" anchor="b"/>
@@ -13949,15 +16013,18 @@
                     <a:p>
                       <a:pPr algn="r" fontAlgn="b"/>
                       <a:r>
-                        <a:rPr lang="uk-UA" sz="2400" b="0" i="0" u="none" strike="noStrike" dirty="0">
-                          <a:solidFill>
-                            <a:srgbClr val="000000"/>
-                          </a:solidFill>
+                        <a:rPr lang="uk-UA" sz="2400" u="none" strike="noStrike" dirty="0">
                           <a:effectLst/>
-                          <a:latin typeface="+mn-lt"/>
                         </a:rPr>
                         <a:t>6039</a:t>
                       </a:r>
+                      <a:endParaRPr lang="uk-UA" sz="2400" b="0" i="0" u="none" strike="noStrike" dirty="0">
+                        <a:solidFill>
+                          <a:srgbClr val="000000"/>
+                        </a:solidFill>
+                        <a:effectLst/>
+                        <a:latin typeface="+mn-lt"/>
+                      </a:endParaRPr>
                     </a:p>
                   </a:txBody>
                   <a:tcPr marL="12700" marR="12700" marT="12700" marB="0" anchor="b"/>
@@ -13971,15 +16038,18 @@
                     <a:p>
                       <a:pPr algn="l" fontAlgn="b"/>
                       <a:r>
-                        <a:rPr lang="en-US" sz="2400" b="0" i="0" u="none" strike="noStrike">
-                          <a:solidFill>
-                            <a:srgbClr val="000000"/>
-                          </a:solidFill>
+                        <a:rPr lang="en-US" sz="2400" u="none" strike="noStrike">
                           <a:effectLst/>
-                          <a:latin typeface="+mn-lt"/>
                         </a:rPr>
                         <a:t>Num Movie-User Pairs</a:t>
                       </a:r>
+                      <a:endParaRPr lang="en-US" sz="2400" b="0" i="0" u="none" strike="noStrike">
+                        <a:solidFill>
+                          <a:srgbClr val="000000"/>
+                        </a:solidFill>
+                        <a:effectLst/>
+                        <a:latin typeface="+mn-lt"/>
+                      </a:endParaRPr>
                     </a:p>
                   </a:txBody>
                   <a:tcPr marL="12700" marR="12700" marT="12700" marB="0" anchor="b"/>
@@ -13991,32 +16061,20 @@
                     <a:p>
                       <a:pPr algn="r" fontAlgn="b"/>
                       <a:r>
-                        <a:rPr lang="cs-CZ" sz="2400" b="0" i="0" u="none" strike="noStrike" dirty="0" smtClean="0">
-                          <a:solidFill>
-                            <a:srgbClr val="000000"/>
-                          </a:solidFill>
+                        <a:rPr lang="cs-CZ" sz="2400" u="none" strike="noStrike" dirty="0" smtClean="0">
                           <a:effectLst/>
-                          <a:latin typeface="+mn-lt"/>
                         </a:rPr>
                         <a:t>3883 </a:t>
                       </a:r>
                       <a:r>
-                        <a:rPr lang="cs-CZ" sz="2400" b="0" i="0" u="none" strike="noStrike" dirty="0" err="1" smtClean="0">
-                          <a:solidFill>
-                            <a:srgbClr val="000000"/>
-                          </a:solidFill>
+                        <a:rPr lang="cs-CZ" sz="2400" u="none" strike="noStrike" dirty="0" err="1" smtClean="0">
                           <a:effectLst/>
-                          <a:latin typeface="+mn-lt"/>
                         </a:rPr>
                         <a:t>x</a:t>
                       </a:r>
                       <a:r>
-                        <a:rPr lang="cs-CZ" sz="2400" b="0" i="0" u="none" strike="noStrike" dirty="0" smtClean="0">
-                          <a:solidFill>
-                            <a:srgbClr val="000000"/>
-                          </a:solidFill>
+                        <a:rPr lang="cs-CZ" sz="2400" u="none" strike="noStrike" dirty="0" smtClean="0">
                           <a:effectLst/>
-                          <a:latin typeface="+mn-lt"/>
                         </a:rPr>
                         <a:t> 6039 = 23449437</a:t>
                       </a:r>
@@ -14072,7 +16130,7 @@
             <p:ph sz="quarter" idx="1"/>
             <p:extLst>
               <p:ext uri="{D42A27DB-BD31-4B8C-83A1-F6EECF244321}">
-                <p14:modId xmlns:p14="http://schemas.microsoft.com/office/powerpoint/2010/main" val="3371825739"/>
+                <p14:modId xmlns:p14="http://schemas.microsoft.com/office/powerpoint/2010/main" val="143273089"/>
               </p:ext>
             </p:extLst>
           </p:nvPr>
@@ -14085,7 +16143,7 @@
           <a:graphicData uri="http://schemas.openxmlformats.org/drawingml/2006/table">
             <a:tbl>
               <a:tblPr firstRow="1" bandRow="1">
-                <a:tableStyleId>{5C22544A-7EE6-4342-B048-85BDC9FD1C3A}</a:tableStyleId>
+                <a:tableStyleId>{16D9F66E-5EB9-4882-86FB-DCBF35E3C3E4}</a:tableStyleId>
               </a:tblPr>
               <a:tblGrid>
                 <a:gridCol w="3627999"/>
@@ -14099,22 +16157,14 @@
                     <a:p>
                       <a:pPr algn="l" fontAlgn="b"/>
                       <a:r>
-                        <a:rPr lang="en-US" sz="2400" b="0" i="0" u="none" strike="noStrike" dirty="0">
-                          <a:solidFill>
-                            <a:srgbClr val="000000"/>
-                          </a:solidFill>
+                        <a:rPr lang="en-US" sz="2400" u="none" strike="noStrike" dirty="0">
                           <a:effectLst/>
-                          <a:latin typeface="Calibri"/>
                         </a:rPr>
                         <a:t>Action(Movie) = T</a:t>
                       </a:r>
                       <a:r>
-                        <a:rPr lang="en-US" sz="2400" b="0" i="0" u="none" strike="noStrike" dirty="0" smtClean="0">
-                          <a:solidFill>
-                            <a:srgbClr val="000000"/>
-                          </a:solidFill>
+                        <a:rPr lang="en-US" sz="2400" u="none" strike="noStrike" dirty="0" smtClean="0">
                           <a:effectLst/>
-                          <a:latin typeface="Calibri"/>
                         </a:rPr>
                         <a:t>,</a:t>
                       </a:r>
@@ -14122,62 +16172,32 @@
                     <a:p>
                       <a:pPr algn="l" fontAlgn="b"/>
                       <a:r>
-                        <a:rPr lang="en-US" sz="2400" b="0" i="0" u="none" strike="noStrike" dirty="0" smtClean="0">
-                          <a:solidFill>
-                            <a:srgbClr val="000000"/>
-                          </a:solidFill>
+                        <a:rPr lang="en-US" sz="2400" u="none" strike="noStrike" dirty="0" err="1" smtClean="0">
                           <a:effectLst/>
-                          <a:latin typeface="Calibri"/>
-                        </a:rPr>
-                        <a:t> </a:t>
-                      </a:r>
-                      <a:r>
-                        <a:rPr lang="en-US" sz="2400" b="0" i="0" u="none" strike="noStrike" dirty="0" err="1">
-                          <a:solidFill>
-                            <a:srgbClr val="000000"/>
-                          </a:solidFill>
-                          <a:effectLst/>
-                          <a:latin typeface="Calibri"/>
                         </a:rPr>
                         <a:t>HasRated</a:t>
                       </a:r>
                       <a:r>
-                        <a:rPr lang="en-US" sz="2400" b="0" i="0" u="none" strike="noStrike" dirty="0">
-                          <a:solidFill>
-                            <a:srgbClr val="000000"/>
-                          </a:solidFill>
+                        <a:rPr lang="en-US" sz="2400" u="none" strike="noStrike" dirty="0">
                           <a:effectLst/>
-                          <a:latin typeface="Calibri"/>
                         </a:rPr>
                         <a:t>(</a:t>
                       </a:r>
                       <a:r>
-                        <a:rPr lang="en-US" sz="2400" b="0" i="0" u="none" strike="noStrike" dirty="0" err="1">
-                          <a:solidFill>
-                            <a:srgbClr val="000000"/>
-                          </a:solidFill>
+                        <a:rPr lang="en-US" sz="2400" u="none" strike="noStrike" dirty="0" err="1">
                           <a:effectLst/>
-                          <a:latin typeface="Calibri"/>
                         </a:rPr>
                         <a:t>User,Movie</a:t>
                       </a:r>
                       <a:r>
-                        <a:rPr lang="en-US" sz="2400" b="0" i="0" u="none" strike="noStrike" dirty="0">
-                          <a:solidFill>
-                            <a:srgbClr val="000000"/>
-                          </a:solidFill>
+                        <a:rPr lang="en-US" sz="2400" u="none" strike="noStrike" dirty="0">
                           <a:effectLst/>
-                          <a:latin typeface="Calibri"/>
                         </a:rPr>
                         <a:t>) = T</a:t>
                       </a:r>
                       <a:r>
-                        <a:rPr lang="en-US" sz="2400" b="0" i="0" u="none" strike="noStrike" dirty="0" smtClean="0">
-                          <a:solidFill>
-                            <a:srgbClr val="000000"/>
-                          </a:solidFill>
+                        <a:rPr lang="en-US" sz="2400" u="none" strike="noStrike" dirty="0" smtClean="0">
                           <a:effectLst/>
-                          <a:latin typeface="Calibri"/>
                         </a:rPr>
                         <a:t>,</a:t>
                       </a:r>
@@ -14185,25 +16205,24 @@
                     <a:p>
                       <a:pPr algn="l" fontAlgn="b"/>
                       <a:r>
-                        <a:rPr lang="en-US" sz="2400" b="0" i="0" u="none" strike="noStrike" dirty="0" smtClean="0">
-                          <a:solidFill>
-                            <a:srgbClr val="000000"/>
-                          </a:solidFill>
+                        <a:rPr lang="en-US" sz="2400" u="none" strike="noStrike" dirty="0" smtClean="0">
                           <a:effectLst/>
-                          <a:latin typeface="Calibri"/>
                         </a:rPr>
                         <a:t>gender</a:t>
                       </a:r>
                       <a:r>
-                        <a:rPr lang="en-US" sz="2400" b="0" i="0" u="none" strike="noStrike" dirty="0">
-                          <a:solidFill>
-                            <a:srgbClr val="000000"/>
-                          </a:solidFill>
+                        <a:rPr lang="en-US" sz="2400" u="none" strike="noStrike" dirty="0">
                           <a:effectLst/>
-                          <a:latin typeface="Calibri"/>
                         </a:rPr>
                         <a:t>(User) = W</a:t>
                       </a:r>
+                      <a:endParaRPr lang="en-US" sz="2400" b="0" i="0" u="none" strike="noStrike" dirty="0">
+                        <a:solidFill>
+                          <a:srgbClr val="000000"/>
+                        </a:solidFill>
+                        <a:effectLst/>
+                        <a:latin typeface="+mn-lt"/>
+                      </a:endParaRPr>
                     </a:p>
                   </a:txBody>
                   <a:tcPr marL="12700" marR="12700" marT="12700" marB="0" anchor="b"/>
@@ -14215,15 +16234,18 @@
                     <a:p>
                       <a:pPr algn="r" fontAlgn="b"/>
                       <a:r>
-                        <a:rPr lang="is-IS" sz="2400" b="0" i="0" u="none" strike="noStrike" dirty="0">
-                          <a:solidFill>
-                            <a:srgbClr val="000000"/>
-                          </a:solidFill>
+                        <a:rPr lang="is-IS" sz="2400" u="none" strike="noStrike" dirty="0">
                           <a:effectLst/>
-                          <a:latin typeface="Calibri"/>
                         </a:rPr>
                         <a:t>66642</a:t>
                       </a:r>
+                      <a:endParaRPr lang="is-IS" sz="2400" b="0" i="0" u="none" strike="noStrike" dirty="0">
+                        <a:solidFill>
+                          <a:srgbClr val="000000"/>
+                        </a:solidFill>
+                        <a:effectLst/>
+                        <a:latin typeface="+mn-lt"/>
+                      </a:endParaRPr>
                     </a:p>
                   </a:txBody>
                   <a:tcPr marL="12700" marR="12700" marT="12700" marB="0" anchor="b"/>
@@ -14237,12 +16259,8 @@
                     <a:p>
                       <a:pPr algn="l" fontAlgn="b"/>
                       <a:r>
-                        <a:rPr lang="en-CA" sz="2400" b="0" i="0" u="none" strike="noStrike" dirty="0" smtClean="0">
-                          <a:solidFill>
-                            <a:srgbClr val="000000"/>
-                          </a:solidFill>
+                        <a:rPr lang="en-CA" sz="2400" u="none" strike="noStrike" dirty="0" smtClean="0">
                           <a:effectLst/>
-                          <a:latin typeface="+mn-lt"/>
                         </a:rPr>
                         <a:t>Frequency</a:t>
                       </a:r>
@@ -14280,32 +16298,20 @@
                         <a:defRPr/>
                       </a:pPr>
                       <a:r>
-                        <a:rPr lang="is-IS" sz="2400" b="0" i="0" u="none" strike="noStrike" dirty="0" smtClean="0">
-                          <a:solidFill>
-                            <a:srgbClr val="000000"/>
-                          </a:solidFill>
+                        <a:rPr lang="is-IS" sz="2400" u="none" strike="noStrike" dirty="0" smtClean="0">
                           <a:effectLst/>
-                          <a:latin typeface="+mn-lt"/>
                         </a:rPr>
                         <a:t>66642</a:t>
                       </a:r>
                       <a:r>
-                        <a:rPr lang="en-CA" sz="2400" b="0" i="0" u="none" strike="noStrike" dirty="0" smtClean="0">
-                          <a:solidFill>
-                            <a:srgbClr val="000000"/>
-                          </a:solidFill>
+                        <a:rPr lang="en-CA" sz="2400" u="none" strike="noStrike" dirty="0" smtClean="0">
                           <a:effectLst/>
-                          <a:latin typeface="+mn-lt"/>
                         </a:rPr>
                         <a:t>/</a:t>
                       </a:r>
                       <a:r>
-                        <a:rPr lang="cs-CZ" sz="2400" b="0" i="0" u="none" strike="noStrike" dirty="0" smtClean="0">
-                          <a:solidFill>
-                            <a:srgbClr val="000000"/>
-                          </a:solidFill>
+                        <a:rPr lang="cs-CZ" sz="2400" u="none" strike="noStrike" dirty="0" smtClean="0">
                           <a:effectLst/>
-                          <a:latin typeface="+mn-lt"/>
                         </a:rPr>
                         <a:t>23449437=</a:t>
                       </a:r>
@@ -14329,12 +16335,8 @@
                         <a:defRPr/>
                       </a:pPr>
                       <a:r>
-                        <a:rPr lang="cs-CZ" sz="2400" b="0" i="0" u="none" strike="noStrike" dirty="0" smtClean="0">
-                          <a:solidFill>
-                            <a:srgbClr val="000000"/>
-                          </a:solidFill>
+                        <a:rPr lang="cs-CZ" sz="2400" u="none" strike="noStrike" dirty="0" smtClean="0">
                           <a:effectLst/>
-                          <a:latin typeface="+mn-lt"/>
                         </a:rPr>
                         <a:t>0.0028</a:t>
                       </a:r>
@@ -14438,10 +16440,17 @@
   <p:clrMapOvr>
     <a:masterClrMapping/>
   </p:clrMapOvr>
+  <p:timing>
+    <p:tnLst>
+      <p:par>
+        <p:cTn xmlns:p14="http://schemas.microsoft.com/office/powerpoint/2010/main" id="1" dur="indefinite" restart="never" nodeType="tmRoot"/>
+      </p:par>
+    </p:tnLst>
+  </p:timing>
 </p:sld>
 </file>
 
-<file path=ppt/slides/slide24.xml><?xml version="1.0" encoding="utf-8"?>
+<file path=ppt/slides/slide27.xml><?xml version="1.0" encoding="utf-8"?>
 <p:sld xmlns:a="http://schemas.openxmlformats.org/drawingml/2006/main" xmlns:r="http://schemas.openxmlformats.org/officeDocument/2006/relationships" xmlns:p="http://schemas.openxmlformats.org/presentationml/2006/main">
   <p:cSld>
     <p:spTree>
@@ -14495,7 +16504,7 @@
           </p:nvPr>
         </p:nvPicPr>
         <p:blipFill>
-          <a:blip r:embed="rId2">
+          <a:blip r:embed="rId3">
             <a:extLst>
               <a:ext uri="{28A0092B-C50C-407E-A947-70E740481C1C}">
                 <a14:useLocalDpi xmlns:a14="http://schemas.microsoft.com/office/drawing/2010/main" val="0"/>
@@ -14545,10 +16554,17 @@
   <p:clrMapOvr>
     <a:masterClrMapping/>
   </p:clrMapOvr>
+  <p:timing>
+    <p:tnLst>
+      <p:par>
+        <p:cTn xmlns:p14="http://schemas.microsoft.com/office/powerpoint/2010/main" id="1" dur="indefinite" restart="never" nodeType="tmRoot"/>
+      </p:par>
+    </p:tnLst>
+  </p:timing>
 </p:sld>
 </file>
 
-<file path=ppt/slides/slide25.xml><?xml version="1.0" encoding="utf-8"?>
+<file path=ppt/slides/slide28.xml><?xml version="1.0" encoding="utf-8"?>
 <p:sld xmlns:a="http://schemas.openxmlformats.org/drawingml/2006/main" xmlns:r="http://schemas.openxmlformats.org/officeDocument/2006/relationships" xmlns:p="http://schemas.openxmlformats.org/presentationml/2006/main">
   <p:cSld>
     <p:spTree>
@@ -14648,10 +16664,17 @@
   <p:clrMapOvr>
     <a:masterClrMapping/>
   </p:clrMapOvr>
+  <p:timing>
+    <p:tnLst>
+      <p:par>
+        <p:cTn xmlns:p14="http://schemas.microsoft.com/office/powerpoint/2010/main" id="1" dur="indefinite" restart="never" nodeType="tmRoot"/>
+      </p:par>
+    </p:tnLst>
+  </p:timing>
 </p:sld>
 </file>
 
-<file path=ppt/slides/slide26.xml><?xml version="1.0" encoding="utf-8"?>
+<file path=ppt/slides/slide29.xml><?xml version="1.0" encoding="utf-8"?>
 <p:sld xmlns:a="http://schemas.openxmlformats.org/drawingml/2006/main" xmlns:r="http://schemas.openxmlformats.org/officeDocument/2006/relationships" xmlns:p="http://schemas.openxmlformats.org/presentationml/2006/main">
   <p:cSld>
     <p:spTree>
@@ -14760,10 +16783,17 @@
   <p:clrMapOvr>
     <a:masterClrMapping/>
   </p:clrMapOvr>
+  <p:timing>
+    <p:tnLst>
+      <p:par>
+        <p:cTn xmlns:p14="http://schemas.microsoft.com/office/powerpoint/2010/main" id="1" dur="indefinite" restart="never" nodeType="tmRoot"/>
+      </p:par>
+    </p:tnLst>
+  </p:timing>
 </p:sld>
 </file>
 
-<file path=ppt/slides/slide27.xml><?xml version="1.0" encoding="utf-8"?>
+<file path=ppt/slides/slide3.xml><?xml version="1.0" encoding="utf-8"?>
 <p:sld xmlns:a="http://schemas.openxmlformats.org/drawingml/2006/main" xmlns:r="http://schemas.openxmlformats.org/officeDocument/2006/relationships" xmlns:p="http://schemas.openxmlformats.org/presentationml/2006/main">
   <p:cSld>
     <p:spTree>
@@ -14797,208 +16827,42 @@
           <a:p>
             <a:r>
               <a:rPr lang="en-US" dirty="0" smtClean="0"/>
-              <a:t>Data Query</a:t>
+              <a:t>Bayesian Network Demo</a:t>
             </a:r>
             <a:endParaRPr lang="en-US" dirty="0"/>
           </a:p>
         </p:txBody>
       </p:sp>
-      <p:graphicFrame>
-        <p:nvGraphicFramePr>
-          <p:cNvPr id="5" name="Content Placeholder 4"/>
-          <p:cNvGraphicFramePr>
-            <a:graphicFrameLocks noGrp="1"/>
-          </p:cNvGraphicFramePr>
+      <p:pic>
+        <p:nvPicPr>
+          <p:cNvPr id="5" name="Content Placeholder 4" descr="bayesnet-picture.png"/>
+          <p:cNvPicPr>
+            <a:picLocks noGrp="1" noChangeAspect="1"/>
+          </p:cNvPicPr>
           <p:nvPr>
             <p:ph sz="quarter" idx="1"/>
-            <p:extLst>
-              <p:ext uri="{D42A27DB-BD31-4B8C-83A1-F6EECF244321}">
-                <p14:modId xmlns:p14="http://schemas.microsoft.com/office/powerpoint/2010/main" val="3685466662"/>
-              </p:ext>
-            </p:extLst>
-          </p:nvPr>
-        </p:nvGraphicFramePr>
-        <p:xfrm>
-          <a:off x="667367" y="1743422"/>
-          <a:ext cx="6452096" cy="1135380"/>
-        </p:xfrm>
-        <a:graphic>
-          <a:graphicData uri="http://schemas.openxmlformats.org/drawingml/2006/table">
-            <a:tbl>
-              <a:tblPr firstRow="1" bandRow="1">
-                <a:tableStyleId>{5C22544A-7EE6-4342-B048-85BDC9FD1C3A}</a:tableStyleId>
-              </a:tblPr>
-              <a:tblGrid>
-                <a:gridCol w="2565896"/>
-                <a:gridCol w="3886200"/>
-              </a:tblGrid>
-              <a:tr h="82837">
-                <a:tc>
-                  <a:txBody>
-                    <a:bodyPr/>
-                    <a:lstStyle/>
-                    <a:p>
-                      <a:pPr algn="l" fontAlgn="b"/>
-                      <a:r>
-                        <a:rPr lang="en-US" sz="2400" b="0" i="0" u="none" strike="noStrike" dirty="0" err="1">
-                          <a:solidFill>
-                            <a:srgbClr val="000000"/>
-                          </a:solidFill>
-                          <a:effectLst/>
-                          <a:latin typeface="+mn-lt"/>
-                        </a:rPr>
-                        <a:t>Num</a:t>
-                      </a:r>
-                      <a:r>
-                        <a:rPr lang="en-US" sz="2400" b="0" i="0" u="none" strike="noStrike" dirty="0">
-                          <a:solidFill>
-                            <a:srgbClr val="000000"/>
-                          </a:solidFill>
-                          <a:effectLst/>
-                          <a:latin typeface="+mn-lt"/>
-                        </a:rPr>
-                        <a:t> Movies</a:t>
-                      </a:r>
-                    </a:p>
-                  </a:txBody>
-                  <a:tcPr marL="12700" marR="12700" marT="12700" marB="0" anchor="b"/>
-                </a:tc>
-                <a:tc>
-                  <a:txBody>
-                    <a:bodyPr/>
-                    <a:lstStyle/>
-                    <a:p>
-                      <a:pPr algn="r" fontAlgn="b"/>
-                      <a:r>
-                        <a:rPr lang="cs-CZ" sz="2400" b="0" i="0" u="none" strike="noStrike" dirty="0">
-                          <a:solidFill>
-                            <a:srgbClr val="000000"/>
-                          </a:solidFill>
-                          <a:effectLst/>
-                          <a:latin typeface="+mn-lt"/>
-                        </a:rPr>
-                        <a:t>3883</a:t>
-                      </a:r>
-                    </a:p>
-                  </a:txBody>
-                  <a:tcPr marL="12700" marR="12700" marT="12700" marB="0" anchor="b"/>
-                </a:tc>
-              </a:tr>
-              <a:tr h="370840">
-                <a:tc>
-                  <a:txBody>
-                    <a:bodyPr/>
-                    <a:lstStyle/>
-                    <a:p>
-                      <a:pPr algn="l" fontAlgn="b"/>
-                      <a:r>
-                        <a:rPr lang="en-US" sz="2400" b="0" i="0" u="none" strike="noStrike">
-                          <a:solidFill>
-                            <a:srgbClr val="000000"/>
-                          </a:solidFill>
-                          <a:effectLst/>
-                          <a:latin typeface="+mn-lt"/>
-                        </a:rPr>
-                        <a:t>Num Users</a:t>
-                      </a:r>
-                    </a:p>
-                  </a:txBody>
-                  <a:tcPr marL="12700" marR="12700" marT="12700" marB="0" anchor="b"/>
-                </a:tc>
-                <a:tc>
-                  <a:txBody>
-                    <a:bodyPr/>
-                    <a:lstStyle/>
-                    <a:p>
-                      <a:pPr algn="r" fontAlgn="b"/>
-                      <a:r>
-                        <a:rPr lang="uk-UA" sz="2400" b="0" i="0" u="none" strike="noStrike" dirty="0">
-                          <a:solidFill>
-                            <a:srgbClr val="000000"/>
-                          </a:solidFill>
-                          <a:effectLst/>
-                          <a:latin typeface="+mn-lt"/>
-                        </a:rPr>
-                        <a:t>6039</a:t>
-                      </a:r>
-                    </a:p>
-                  </a:txBody>
-                  <a:tcPr marL="12700" marR="12700" marT="12700" marB="0" anchor="b"/>
-                </a:tc>
-              </a:tr>
-              <a:tr h="370840">
-                <a:tc>
-                  <a:txBody>
-                    <a:bodyPr/>
-                    <a:lstStyle/>
-                    <a:p>
-                      <a:pPr algn="l" fontAlgn="b"/>
-                      <a:r>
-                        <a:rPr lang="en-US" sz="2400" b="0" i="0" u="none" strike="noStrike">
-                          <a:solidFill>
-                            <a:srgbClr val="000000"/>
-                          </a:solidFill>
-                          <a:effectLst/>
-                          <a:latin typeface="+mn-lt"/>
-                        </a:rPr>
-                        <a:t>Num Movie-User Pairs</a:t>
-                      </a:r>
-                    </a:p>
-                  </a:txBody>
-                  <a:tcPr marL="12700" marR="12700" marT="12700" marB="0" anchor="b"/>
-                </a:tc>
-                <a:tc>
-                  <a:txBody>
-                    <a:bodyPr/>
-                    <a:lstStyle/>
-                    <a:p>
-                      <a:pPr algn="r" fontAlgn="b"/>
-                      <a:r>
-                        <a:rPr lang="cs-CZ" sz="2400" b="0" i="0" u="none" strike="noStrike" dirty="0" smtClean="0">
-                          <a:solidFill>
-                            <a:srgbClr val="000000"/>
-                          </a:solidFill>
-                          <a:effectLst/>
-                          <a:latin typeface="+mn-lt"/>
-                        </a:rPr>
-                        <a:t>3883 </a:t>
-                      </a:r>
-                      <a:r>
-                        <a:rPr lang="cs-CZ" sz="2400" b="0" i="0" u="none" strike="noStrike" dirty="0" err="1" smtClean="0">
-                          <a:solidFill>
-                            <a:srgbClr val="000000"/>
-                          </a:solidFill>
-                          <a:effectLst/>
-                          <a:latin typeface="+mn-lt"/>
-                        </a:rPr>
-                        <a:t>x</a:t>
-                      </a:r>
-                      <a:r>
-                        <a:rPr lang="cs-CZ" sz="2400" b="0" i="0" u="none" strike="noStrike" dirty="0" smtClean="0">
-                          <a:solidFill>
-                            <a:srgbClr val="000000"/>
-                          </a:solidFill>
-                          <a:effectLst/>
-                          <a:latin typeface="+mn-lt"/>
-                        </a:rPr>
-                        <a:t> 6039 = 23449437</a:t>
-                      </a:r>
-                      <a:endParaRPr lang="cs-CZ" sz="2400" b="0" i="0" u="none" strike="noStrike" dirty="0">
-                        <a:solidFill>
-                          <a:srgbClr val="000000"/>
-                        </a:solidFill>
-                        <a:effectLst/>
-                        <a:latin typeface="+mn-lt"/>
-                      </a:endParaRPr>
-                    </a:p>
-                  </a:txBody>
-                  <a:tcPr marL="12700" marR="12700" marT="12700" marB="0" anchor="b"/>
-                </a:tc>
-              </a:tr>
-            </a:tbl>
-          </a:graphicData>
-        </a:graphic>
-      </p:graphicFrame>
+          </p:nvPr>
+        </p:nvPicPr>
+        <p:blipFill>
+          <a:blip r:embed="rId3">
+            <a:extLst>
+              <a:ext uri="{28A0092B-C50C-407E-A947-70E740481C1C}">
+                <a14:useLocalDpi xmlns:a14="http://schemas.microsoft.com/office/drawing/2010/main" val="0"/>
+              </a:ext>
+            </a:extLst>
+          </a:blip>
+          <a:srcRect t="6298" b="6298"/>
+          <a:stretch>
+            <a:fillRect/>
+          </a:stretch>
+        </p:blipFill>
+        <p:spPr>
+          <a:xfrm>
+            <a:off x="177800" y="1447800"/>
+            <a:ext cx="8268970" cy="4864100"/>
+          </a:xfrm>
+        </p:spPr>
+      </p:pic>
       <p:sp>
         <p:nvSpPr>
           <p:cNvPr id="4" name="Footer Placeholder 3"/>
@@ -15025,386 +16889,27 @@
           </a:p>
         </p:txBody>
       </p:sp>
-      <p:graphicFrame>
-        <p:nvGraphicFramePr>
-          <p:cNvPr id="6" name="Content Placeholder 4"/>
-          <p:cNvGraphicFramePr>
-            <a:graphicFrameLocks noGrp="1"/>
-          </p:cNvGraphicFramePr>
-          <p:nvPr>
-            <p:ph sz="quarter" idx="1"/>
-            <p:extLst>
-              <p:ext uri="{D42A27DB-BD31-4B8C-83A1-F6EECF244321}">
-                <p14:modId xmlns:p14="http://schemas.microsoft.com/office/powerpoint/2010/main" val="78099067"/>
-              </p:ext>
-            </p:extLst>
-          </p:nvPr>
-        </p:nvGraphicFramePr>
-        <p:xfrm>
-          <a:off x="667367" y="3765907"/>
-          <a:ext cx="7546087" cy="1854200"/>
-        </p:xfrm>
-        <a:graphic>
-          <a:graphicData uri="http://schemas.openxmlformats.org/drawingml/2006/table">
-            <a:tbl>
-              <a:tblPr firstRow="1" bandRow="1">
-                <a:tableStyleId>{5C22544A-7EE6-4342-B048-85BDC9FD1C3A}</a:tableStyleId>
-              </a:tblPr>
-              <a:tblGrid>
-                <a:gridCol w="3627999"/>
-                <a:gridCol w="3918088"/>
-              </a:tblGrid>
-              <a:tr h="82837">
-                <a:tc>
-                  <a:txBody>
-                    <a:bodyPr/>
-                    <a:lstStyle/>
-                    <a:p>
-                      <a:pPr algn="l" fontAlgn="b"/>
-                      <a:r>
-                        <a:rPr lang="en-US" sz="2400" b="0" i="0" u="none" strike="noStrike" dirty="0">
-                          <a:solidFill>
-                            <a:srgbClr val="000000"/>
-                          </a:solidFill>
-                          <a:effectLst/>
-                          <a:latin typeface="Calibri"/>
-                        </a:rPr>
-                        <a:t>Action(Movie) = T</a:t>
-                      </a:r>
-                      <a:r>
-                        <a:rPr lang="en-US" sz="2400" b="0" i="0" u="none" strike="noStrike" dirty="0" smtClean="0">
-                          <a:solidFill>
-                            <a:srgbClr val="000000"/>
-                          </a:solidFill>
-                          <a:effectLst/>
-                          <a:latin typeface="Calibri"/>
-                        </a:rPr>
-                        <a:t>,</a:t>
-                      </a:r>
-                    </a:p>
-                    <a:p>
-                      <a:pPr algn="l" fontAlgn="b"/>
-                      <a:r>
-                        <a:rPr lang="en-US" sz="2400" b="0" i="0" u="none" strike="noStrike" dirty="0" smtClean="0">
-                          <a:solidFill>
-                            <a:srgbClr val="000000"/>
-                          </a:solidFill>
-                          <a:effectLst/>
-                          <a:latin typeface="Calibri"/>
-                        </a:rPr>
-                        <a:t> </a:t>
-                      </a:r>
-                      <a:r>
-                        <a:rPr lang="en-US" sz="2400" b="0" i="0" u="none" strike="noStrike" dirty="0" err="1">
-                          <a:solidFill>
-                            <a:srgbClr val="000000"/>
-                          </a:solidFill>
-                          <a:effectLst/>
-                          <a:latin typeface="Calibri"/>
-                        </a:rPr>
-                        <a:t>HasRated</a:t>
-                      </a:r>
-                      <a:r>
-                        <a:rPr lang="en-US" sz="2400" b="0" i="0" u="none" strike="noStrike" dirty="0">
-                          <a:solidFill>
-                            <a:srgbClr val="000000"/>
-                          </a:solidFill>
-                          <a:effectLst/>
-                          <a:latin typeface="Calibri"/>
-                        </a:rPr>
-                        <a:t>(</a:t>
-                      </a:r>
-                      <a:r>
-                        <a:rPr lang="en-US" sz="2400" b="0" i="0" u="none" strike="noStrike" dirty="0" err="1">
-                          <a:solidFill>
-                            <a:srgbClr val="000000"/>
-                          </a:solidFill>
-                          <a:effectLst/>
-                          <a:latin typeface="Calibri"/>
-                        </a:rPr>
-                        <a:t>User,Movie</a:t>
-                      </a:r>
-                      <a:r>
-                        <a:rPr lang="en-US" sz="2400" b="0" i="0" u="none" strike="noStrike" dirty="0">
-                          <a:solidFill>
-                            <a:srgbClr val="000000"/>
-                          </a:solidFill>
-                          <a:effectLst/>
-                          <a:latin typeface="Calibri"/>
-                        </a:rPr>
-                        <a:t>) = T</a:t>
-                      </a:r>
-                      <a:r>
-                        <a:rPr lang="en-US" sz="2400" b="0" i="0" u="none" strike="noStrike" dirty="0" smtClean="0">
-                          <a:solidFill>
-                            <a:srgbClr val="000000"/>
-                          </a:solidFill>
-                          <a:effectLst/>
-                          <a:latin typeface="Calibri"/>
-                        </a:rPr>
-                        <a:t>,</a:t>
-                      </a:r>
-                    </a:p>
-                    <a:p>
-                      <a:pPr algn="l" fontAlgn="b"/>
-                      <a:r>
-                        <a:rPr lang="en-US" sz="2400" b="0" i="0" u="none" strike="noStrike" dirty="0" smtClean="0">
-                          <a:solidFill>
-                            <a:srgbClr val="000000"/>
-                          </a:solidFill>
-                          <a:effectLst/>
-                          <a:latin typeface="Calibri"/>
-                        </a:rPr>
-                        <a:t>gender</a:t>
-                      </a:r>
-                      <a:r>
-                        <a:rPr lang="en-US" sz="2400" b="0" i="0" u="none" strike="noStrike" dirty="0">
-                          <a:solidFill>
-                            <a:srgbClr val="000000"/>
-                          </a:solidFill>
-                          <a:effectLst/>
-                          <a:latin typeface="Calibri"/>
-                        </a:rPr>
-                        <a:t>(User) = W</a:t>
-                      </a:r>
-                    </a:p>
-                  </a:txBody>
-                  <a:tcPr marL="12700" marR="12700" marT="12700" marB="0" anchor="b"/>
-                </a:tc>
-                <a:tc>
-                  <a:txBody>
-                    <a:bodyPr/>
-                    <a:lstStyle/>
-                    <a:p>
-                      <a:pPr algn="r" fontAlgn="b"/>
-                      <a:r>
-                        <a:rPr lang="is-IS" sz="2400" b="0" i="0" u="none" strike="noStrike" dirty="0">
-                          <a:solidFill>
-                            <a:srgbClr val="000000"/>
-                          </a:solidFill>
-                          <a:effectLst/>
-                          <a:latin typeface="Calibri"/>
-                        </a:rPr>
-                        <a:t>66642</a:t>
-                      </a:r>
-                    </a:p>
-                  </a:txBody>
-                  <a:tcPr marL="12700" marR="12700" marT="12700" marB="0" anchor="b"/>
-                </a:tc>
-              </a:tr>
-              <a:tr h="370840">
-                <a:tc>
-                  <a:txBody>
-                    <a:bodyPr/>
-                    <a:lstStyle/>
-                    <a:p>
-                      <a:pPr algn="l" fontAlgn="b"/>
-                      <a:r>
-                        <a:rPr lang="en-CA" sz="2400" b="0" i="0" u="none" strike="noStrike" dirty="0" smtClean="0">
-                          <a:solidFill>
-                            <a:srgbClr val="000000"/>
-                          </a:solidFill>
-                          <a:effectLst/>
-                          <a:latin typeface="+mn-lt"/>
-                        </a:rPr>
-                        <a:t>Frequency</a:t>
-                      </a:r>
-                      <a:endParaRPr lang="uk-UA" sz="2400" b="0" i="0" u="none" strike="noStrike" dirty="0">
-                        <a:solidFill>
-                          <a:srgbClr val="000000"/>
-                        </a:solidFill>
-                        <a:effectLst/>
-                        <a:latin typeface="+mn-lt"/>
-                      </a:endParaRPr>
-                    </a:p>
-                  </a:txBody>
-                  <a:tcPr marL="12700" marR="12700" marT="12700" marB="0" anchor="b"/>
-                </a:tc>
-                <a:tc>
-                  <a:txBody>
-                    <a:bodyPr/>
-                    <a:lstStyle/>
-                    <a:p>
-                      <a:pPr marL="0" marR="0" indent="0" algn="r" defTabSz="914400" rtl="0" eaLnBrk="1" fontAlgn="b" latinLnBrk="0" hangingPunct="1">
-                        <a:lnSpc>
-                          <a:spcPct val="100000"/>
-                        </a:lnSpc>
-                        <a:spcBef>
-                          <a:spcPts val="0"/>
-                        </a:spcBef>
-                        <a:spcAft>
-                          <a:spcPts val="0"/>
-                        </a:spcAft>
-                        <a:buClrTx/>
-                        <a:buSzTx/>
-                        <a:buFontTx/>
-                        <a:buNone/>
-                        <a:tabLst/>
-                        <a:defRPr/>
-                      </a:pPr>
-                      <a:r>
-                        <a:rPr lang="is-IS" sz="2400" b="0" i="0" u="none" strike="noStrike" dirty="0" smtClean="0">
-                          <a:solidFill>
-                            <a:srgbClr val="000000"/>
-                          </a:solidFill>
-                          <a:effectLst/>
-                          <a:latin typeface="+mn-lt"/>
-                        </a:rPr>
-                        <a:t>66642</a:t>
-                      </a:r>
-                      <a:r>
-                        <a:rPr lang="en-CA" sz="2400" b="0" i="0" u="none" strike="noStrike" dirty="0" smtClean="0">
-                          <a:solidFill>
-                            <a:srgbClr val="000000"/>
-                          </a:solidFill>
-                          <a:effectLst/>
-                          <a:latin typeface="+mn-lt"/>
-                        </a:rPr>
-                        <a:t>/</a:t>
-                      </a:r>
-                      <a:r>
-                        <a:rPr lang="cs-CZ" sz="2400" b="0" i="0" u="none" strike="noStrike" dirty="0" smtClean="0">
-                          <a:solidFill>
-                            <a:srgbClr val="000000"/>
-                          </a:solidFill>
-                          <a:effectLst/>
-                          <a:latin typeface="+mn-lt"/>
-                        </a:rPr>
-                        <a:t>23449437=</a:t>
-                      </a:r>
-                    </a:p>
-                    <a:p>
-                      <a:pPr marL="0" marR="0" indent="0" algn="r" defTabSz="914400" rtl="0" eaLnBrk="1" fontAlgn="b" latinLnBrk="0" hangingPunct="1">
-                        <a:lnSpc>
-                          <a:spcPct val="100000"/>
-                        </a:lnSpc>
-                        <a:spcBef>
-                          <a:spcPts val="0"/>
-                        </a:spcBef>
-                        <a:spcAft>
-                          <a:spcPts val="0"/>
-                        </a:spcAft>
-                        <a:buClrTx/>
-                        <a:buSzTx/>
-                        <a:buFontTx/>
-                        <a:buNone/>
-                        <a:tabLst/>
-                        <a:defRPr/>
-                      </a:pPr>
-                      <a:r>
-                        <a:rPr lang="cs-CZ" sz="2400" b="0" i="0" u="none" strike="noStrike" dirty="0" smtClean="0">
-                          <a:solidFill>
-                            <a:srgbClr val="000000"/>
-                          </a:solidFill>
-                          <a:effectLst/>
-                          <a:latin typeface="+mn-lt"/>
-                        </a:rPr>
-                        <a:t>0.0028</a:t>
-                      </a:r>
-                      <a:endParaRPr lang="is-IS" sz="2400" b="0" i="0" u="none" strike="noStrike" dirty="0" smtClean="0">
-                        <a:solidFill>
-                          <a:srgbClr val="000000"/>
-                        </a:solidFill>
-                        <a:effectLst/>
-                        <a:latin typeface="+mn-lt"/>
-                      </a:endParaRPr>
-                    </a:p>
-                  </a:txBody>
-                  <a:tcPr marL="12700" marR="12700" marT="12700" marB="0" anchor="b"/>
-                </a:tc>
-              </a:tr>
-            </a:tbl>
-          </a:graphicData>
-        </a:graphic>
-      </p:graphicFrame>
-      <p:sp>
-        <p:nvSpPr>
-          <p:cNvPr id="7" name="TextBox 6"/>
-          <p:cNvSpPr txBox="1"/>
-          <p:nvPr/>
-        </p:nvSpPr>
-        <p:spPr>
-          <a:xfrm>
-            <a:off x="667367" y="3099418"/>
-            <a:ext cx="7147282" cy="523220"/>
-          </a:xfrm>
-          <a:prstGeom prst="rect">
-            <a:avLst/>
-          </a:prstGeom>
-          <a:noFill/>
-        </p:spPr>
-        <p:txBody>
-          <a:bodyPr wrap="square" rtlCol="0">
-            <a:spAutoFit/>
-          </a:bodyPr>
-          <a:lstStyle/>
-          <a:p>
-            <a:r>
-              <a:rPr lang="en-US" sz="2800" dirty="0">
-                <a:latin typeface="+mn-lt"/>
-              </a:rPr>
-              <a:t>movie-user pairs with action movie, woman </a:t>
-            </a:r>
-            <a:r>
-              <a:rPr lang="en-US" sz="2800" dirty="0" smtClean="0">
-                <a:latin typeface="+mn-lt"/>
-              </a:rPr>
-              <a:t>user</a:t>
-            </a:r>
-            <a:endParaRPr lang="en-US" sz="2800" dirty="0">
-              <a:latin typeface="+mn-lt"/>
-            </a:endParaRPr>
-          </a:p>
-        </p:txBody>
-      </p:sp>
-      <p:sp>
-        <p:nvSpPr>
-          <p:cNvPr id="8" name="TextBox 7"/>
-          <p:cNvSpPr txBox="1"/>
-          <p:nvPr/>
-        </p:nvSpPr>
-        <p:spPr>
-          <a:xfrm>
-            <a:off x="1097926" y="5802868"/>
-            <a:ext cx="4800735" cy="400110"/>
-          </a:xfrm>
-          <a:prstGeom prst="rect">
-            <a:avLst/>
-          </a:prstGeom>
-          <a:noFill/>
-        </p:spPr>
-        <p:txBody>
-          <a:bodyPr wrap="square" rtlCol="0">
-            <a:spAutoFit/>
-          </a:bodyPr>
-          <a:lstStyle/>
-          <a:p>
-            <a:r>
-              <a:rPr lang="en-US" sz="2000" dirty="0" smtClean="0">
-                <a:latin typeface="+mn-lt"/>
-              </a:rPr>
-              <a:t>More Examples in spreadsheet on website</a:t>
-            </a:r>
-            <a:endParaRPr lang="en-US" sz="2000" dirty="0">
-              <a:latin typeface="+mn-lt"/>
-            </a:endParaRPr>
-          </a:p>
-        </p:txBody>
-      </p:sp>
     </p:spTree>
     <p:extLst>
       <p:ext uri="{BB962C8B-B14F-4D97-AF65-F5344CB8AC3E}">
-        <p14:creationId xmlns:p14="http://schemas.microsoft.com/office/powerpoint/2010/main" val="3132417834"/>
+        <p14:creationId xmlns:p14="http://schemas.microsoft.com/office/powerpoint/2010/main" val="3131024873"/>
       </p:ext>
     </p:extLst>
   </p:cSld>
   <p:clrMapOvr>
     <a:masterClrMapping/>
   </p:clrMapOvr>
+  <p:timing>
+    <p:tnLst>
+      <p:par>
+        <p:cTn xmlns:p14="http://schemas.microsoft.com/office/powerpoint/2010/main" id="1" dur="indefinite" restart="never" nodeType="tmRoot"/>
+      </p:par>
+    </p:tnLst>
+  </p:timing>
 </p:sld>
 </file>
 
-<file path=ppt/slides/slide28.xml><?xml version="1.0" encoding="utf-8"?>
+<file path=ppt/slides/slide30.xml><?xml version="1.0" encoding="utf-8"?>
 <p:sld xmlns:a="http://schemas.openxmlformats.org/drawingml/2006/main" xmlns:r="http://schemas.openxmlformats.org/officeDocument/2006/relationships" xmlns:p="http://schemas.openxmlformats.org/presentationml/2006/main">
   <p:cSld>
     <p:spTree>
@@ -15480,7 +16985,7 @@
             <p:ph sz="quarter" idx="1"/>
             <p:extLst>
               <p:ext uri="{D42A27DB-BD31-4B8C-83A1-F6EECF244321}">
-                <p14:modId xmlns:p14="http://schemas.microsoft.com/office/powerpoint/2010/main" val="2869271190"/>
+                <p14:modId xmlns:p14="http://schemas.microsoft.com/office/powerpoint/2010/main" val="3604625552"/>
               </p:ext>
             </p:extLst>
           </p:nvPr>
@@ -15493,11 +16998,11 @@
           <a:graphicData uri="http://schemas.openxmlformats.org/drawingml/2006/table">
             <a:tbl>
               <a:tblPr firstRow="1" bandRow="1">
-                <a:tableStyleId>{5C22544A-7EE6-4342-B048-85BDC9FD1C3A}</a:tableStyleId>
+                <a:tableStyleId>{D7AC3CCA-C797-4891-BE02-D94E43425B78}</a:tableStyleId>
               </a:tblPr>
               <a:tblGrid>
-                <a:gridCol w="5224122"/>
-                <a:gridCol w="2504414"/>
+                <a:gridCol w="5532101"/>
+                <a:gridCol w="2196435"/>
               </a:tblGrid>
               <a:tr h="82837">
                 <a:tc>
@@ -15507,15 +17012,18 @@
                     <a:p>
                       <a:pPr algn="l" fontAlgn="b"/>
                       <a:r>
-                        <a:rPr lang="en-US" sz="2800" b="0" i="0" u="none" strike="noStrike" dirty="0">
-                          <a:solidFill>
-                            <a:srgbClr val="000000"/>
-                          </a:solidFill>
+                        <a:rPr lang="en-US" sz="2800" u="none" strike="noStrike" dirty="0">
                           <a:effectLst/>
-                          <a:latin typeface="+mn-lt"/>
                         </a:rPr>
                         <a:t>Number of Europe-Europe Borders</a:t>
                       </a:r>
+                      <a:endParaRPr lang="en-US" sz="2800" b="0" i="0" u="none" strike="noStrike" dirty="0">
+                        <a:solidFill>
+                          <a:srgbClr val="000000"/>
+                        </a:solidFill>
+                        <a:effectLst/>
+                        <a:latin typeface="+mn-lt"/>
+                      </a:endParaRPr>
                     </a:p>
                   </a:txBody>
                   <a:tcPr marL="12700" marR="12700" marT="12700" marB="0" anchor="b"/>
@@ -15527,15 +17035,18 @@
                     <a:p>
                       <a:pPr algn="r" fontAlgn="b"/>
                       <a:r>
-                        <a:rPr lang="is-IS" sz="2800" b="0" i="0" u="none" strike="noStrike" dirty="0">
-                          <a:solidFill>
-                            <a:srgbClr val="000000"/>
-                          </a:solidFill>
+                        <a:rPr lang="is-IS" sz="2800" u="none" strike="noStrike" dirty="0">
                           <a:effectLst/>
-                          <a:latin typeface="+mn-lt"/>
                         </a:rPr>
                         <a:t>124</a:t>
                       </a:r>
+                      <a:endParaRPr lang="is-IS" sz="2800" b="0" i="0" u="none" strike="noStrike" dirty="0">
+                        <a:solidFill>
+                          <a:srgbClr val="000000"/>
+                        </a:solidFill>
+                        <a:effectLst/>
+                        <a:latin typeface="+mn-lt"/>
+                      </a:endParaRPr>
                     </a:p>
                   </a:txBody>
                   <a:tcPr marL="12700" marR="12700" marT="12700" marB="0" anchor="b"/>
@@ -15549,12 +17060,8 @@
                     <a:p>
                       <a:pPr algn="l" fontAlgn="b"/>
                       <a:r>
-                        <a:rPr lang="en-US" sz="2800" b="0" i="0" u="none" strike="noStrike" dirty="0" smtClean="0">
-                          <a:solidFill>
-                            <a:srgbClr val="000000"/>
-                          </a:solidFill>
+                        <a:rPr lang="en-US" sz="2800" u="none" strike="noStrike" dirty="0" smtClean="0">
                           <a:effectLst/>
-                          <a:latin typeface="+mn-lt"/>
                         </a:rPr>
                         <a:t>Number of *-Europe Borders</a:t>
                       </a:r>
@@ -15576,15 +17083,18 @@
                     <a:p>
                       <a:pPr algn="r" fontAlgn="b"/>
                       <a:r>
-                        <a:rPr lang="tr-TR" sz="2800" b="0" i="0" u="none" strike="noStrike" dirty="0">
-                          <a:solidFill>
-                            <a:srgbClr val="000000"/>
-                          </a:solidFill>
+                        <a:rPr lang="tr-TR" sz="2800" u="none" strike="noStrike" dirty="0">
                           <a:effectLst/>
-                          <a:latin typeface="+mn-lt"/>
                         </a:rPr>
                         <a:t>126</a:t>
                       </a:r>
+                      <a:endParaRPr lang="tr-TR" sz="2800" b="0" i="0" u="none" strike="noStrike" dirty="0">
+                        <a:solidFill>
+                          <a:srgbClr val="000000"/>
+                        </a:solidFill>
+                        <a:effectLst/>
+                        <a:latin typeface="+mn-lt"/>
+                      </a:endParaRPr>
                     </a:p>
                   </a:txBody>
                   <a:tcPr marL="12700" marR="12700" marT="12700" marB="0" anchor="b"/>
@@ -15598,75 +17108,54 @@
                     <a:p>
                       <a:pPr algn="l" fontAlgn="b"/>
                       <a:r>
-                        <a:rPr lang="en-US" sz="2800" b="0" i="0" u="none" strike="noStrike" dirty="0">
-                          <a:solidFill>
-                            <a:srgbClr val="000000"/>
-                          </a:solidFill>
+                        <a:rPr lang="en-US" sz="2800" u="none" strike="noStrike" dirty="0">
                           <a:effectLst/>
-                          <a:latin typeface="+mn-lt"/>
                         </a:rPr>
                         <a:t>P(continent(country1) = </a:t>
                       </a:r>
                       <a:r>
-                        <a:rPr lang="en-US" sz="2800" b="0" i="0" u="none" strike="noStrike" dirty="0" err="1">
-                          <a:solidFill>
-                            <a:srgbClr val="000000"/>
-                          </a:solidFill>
+                        <a:rPr lang="en-US" sz="2800" u="none" strike="noStrike" dirty="0" err="1">
                           <a:effectLst/>
-                          <a:latin typeface="+mn-lt"/>
                         </a:rPr>
                         <a:t>Eu|Borders</a:t>
                       </a:r>
                       <a:r>
-                        <a:rPr lang="en-US" sz="2800" b="0" i="0" u="none" strike="noStrike" dirty="0">
-                          <a:solidFill>
-                            <a:srgbClr val="000000"/>
-                          </a:solidFill>
+                        <a:rPr lang="en-US" sz="2800" u="none" strike="noStrike" dirty="0">
                           <a:effectLst/>
-                          <a:latin typeface="+mn-lt"/>
                         </a:rPr>
                         <a:t>(country1,country2) = </a:t>
                       </a:r>
                       <a:r>
-                        <a:rPr lang="en-US" sz="2800" b="0" i="0" u="none" strike="noStrike" dirty="0" err="1">
-                          <a:solidFill>
-                            <a:srgbClr val="000000"/>
-                          </a:solidFill>
+                        <a:rPr lang="en-US" sz="2800" u="none" strike="noStrike" dirty="0" err="1">
                           <a:effectLst/>
-                          <a:latin typeface="+mn-lt"/>
                         </a:rPr>
                         <a:t>T,continent</a:t>
                       </a:r>
                       <a:r>
-                        <a:rPr lang="en-US" sz="2800" b="0" i="0" u="none" strike="noStrike" dirty="0">
-                          <a:solidFill>
-                            <a:srgbClr val="000000"/>
-                          </a:solidFill>
+                        <a:rPr lang="en-US" sz="2800" u="none" strike="noStrike" dirty="0">
                           <a:effectLst/>
-                          <a:latin typeface="+mn-lt"/>
                         </a:rPr>
                         <a:t>(country2=</a:t>
                       </a:r>
                       <a:r>
-                        <a:rPr lang="en-US" sz="2800" b="0" i="0" u="none" strike="noStrike" dirty="0" err="1">
-                          <a:solidFill>
-                            <a:srgbClr val="000000"/>
-                          </a:solidFill>
+                        <a:rPr lang="en-US" sz="2800" u="none" strike="noStrike" dirty="0" err="1">
                           <a:effectLst/>
-                          <a:latin typeface="+mn-lt"/>
                         </a:rPr>
                         <a:t>Eu</a:t>
                       </a:r>
                       <a:r>
-                        <a:rPr lang="en-US" sz="2800" b="0" i="0" u="none" strike="noStrike" dirty="0">
-                          <a:solidFill>
-                            <a:srgbClr val="000000"/>
-                          </a:solidFill>
+                        <a:rPr lang="en-US" sz="2800" u="none" strike="noStrike" dirty="0">
                           <a:effectLst/>
-                          <a:latin typeface="+mn-lt"/>
                         </a:rPr>
                         <a:t>))</a:t>
                       </a:r>
+                      <a:endParaRPr lang="en-US" sz="2800" b="0" i="0" u="none" strike="noStrike" dirty="0">
+                        <a:solidFill>
+                          <a:srgbClr val="000000"/>
+                        </a:solidFill>
+                        <a:effectLst/>
+                        <a:latin typeface="+mn-lt"/>
+                      </a:endParaRPr>
                     </a:p>
                   </a:txBody>
                   <a:tcPr marL="12700" marR="12700" marT="12700" marB="0" anchor="b"/>
@@ -15678,12 +17167,8 @@
                     <a:p>
                       <a:pPr algn="r" fontAlgn="b"/>
                       <a:r>
-                        <a:rPr lang="tr-TR" sz="2800" b="0" i="0" u="none" strike="noStrike" dirty="0" smtClean="0">
-                          <a:solidFill>
-                            <a:srgbClr val="000000"/>
-                          </a:solidFill>
+                        <a:rPr lang="tr-TR" sz="2800" u="none" strike="noStrike" dirty="0" smtClean="0">
                           <a:effectLst/>
-                          <a:latin typeface="+mn-lt"/>
                         </a:rPr>
                         <a:t>124/126=</a:t>
                       </a:r>
@@ -15691,12 +17176,8 @@
                     <a:p>
                       <a:pPr algn="r" fontAlgn="b"/>
                       <a:r>
-                        <a:rPr lang="tr-TR" sz="2800" b="0" i="0" u="none" strike="noStrike" dirty="0" smtClean="0">
-                          <a:solidFill>
-                            <a:srgbClr val="000000"/>
-                          </a:solidFill>
+                        <a:rPr lang="tr-TR" sz="2800" u="none" strike="noStrike" dirty="0" smtClean="0">
                           <a:effectLst/>
-                          <a:latin typeface="+mn-lt"/>
                         </a:rPr>
                         <a:t>98.41%</a:t>
                       </a:r>
@@ -15763,10 +17244,17 @@
   <p:clrMapOvr>
     <a:masterClrMapping/>
   </p:clrMapOvr>
+  <p:timing>
+    <p:tnLst>
+      <p:par>
+        <p:cTn xmlns:p14="http://schemas.microsoft.com/office/powerpoint/2010/main" id="1" dur="indefinite" restart="never" nodeType="tmRoot"/>
+      </p:par>
+    </p:tnLst>
+  </p:timing>
 </p:sld>
 </file>
 
-<file path=ppt/slides/slide29.xml><?xml version="1.0" encoding="utf-8"?>
+<file path=ppt/slides/slide31.xml><?xml version="1.0" encoding="utf-8"?>
 <p:sld xmlns:a="http://schemas.openxmlformats.org/drawingml/2006/main" xmlns:r="http://schemas.openxmlformats.org/officeDocument/2006/relationships" xmlns:p="http://schemas.openxmlformats.org/presentationml/2006/main">
   <p:cSld>
     <p:spTree>
@@ -16139,116 +17627,7 @@
 </p:sld>
 </file>
 
-<file path=ppt/slides/slide3.xml><?xml version="1.0" encoding="utf-8"?>
-<p:sld xmlns:a="http://schemas.openxmlformats.org/drawingml/2006/main" xmlns:r="http://schemas.openxmlformats.org/officeDocument/2006/relationships" xmlns:p="http://schemas.openxmlformats.org/presentationml/2006/main">
-  <p:cSld>
-    <p:spTree>
-      <p:nvGrpSpPr>
-        <p:cNvPr id="1" name=""/>
-        <p:cNvGrpSpPr/>
-        <p:nvPr/>
-      </p:nvGrpSpPr>
-      <p:grpSpPr>
-        <a:xfrm>
-          <a:off x="0" y="0"/>
-          <a:ext cx="0" cy="0"/>
-          <a:chOff x="0" y="0"/>
-          <a:chExt cx="0" cy="0"/>
-        </a:xfrm>
-      </p:grpSpPr>
-      <p:sp>
-        <p:nvSpPr>
-          <p:cNvPr id="2" name="Title 1"/>
-          <p:cNvSpPr>
-            <a:spLocks noGrp="1"/>
-          </p:cNvSpPr>
-          <p:nvPr>
-            <p:ph type="title"/>
-          </p:nvPr>
-        </p:nvSpPr>
-        <p:spPr/>
-        <p:txBody>
-          <a:bodyPr/>
-          <a:lstStyle/>
-          <a:p>
-            <a:r>
-              <a:rPr lang="en-US" dirty="0" smtClean="0"/>
-              <a:t>Bayesian Network Demo</a:t>
-            </a:r>
-            <a:endParaRPr lang="en-US" dirty="0"/>
-          </a:p>
-        </p:txBody>
-      </p:sp>
-      <p:pic>
-        <p:nvPicPr>
-          <p:cNvPr id="5" name="Content Placeholder 4" descr="bayesnet-picture.png"/>
-          <p:cNvPicPr>
-            <a:picLocks noGrp="1" noChangeAspect="1"/>
-          </p:cNvPicPr>
-          <p:nvPr>
-            <p:ph sz="quarter" idx="1"/>
-          </p:nvPr>
-        </p:nvPicPr>
-        <p:blipFill>
-          <a:blip r:embed="rId3">
-            <a:extLst>
-              <a:ext uri="{28A0092B-C50C-407E-A947-70E740481C1C}">
-                <a14:useLocalDpi xmlns:a14="http://schemas.microsoft.com/office/drawing/2010/main" val="0"/>
-              </a:ext>
-            </a:extLst>
-          </a:blip>
-          <a:srcRect t="6298" b="6298"/>
-          <a:stretch>
-            <a:fillRect/>
-          </a:stretch>
-        </p:blipFill>
-        <p:spPr>
-          <a:xfrm>
-            <a:off x="177800" y="1447800"/>
-            <a:ext cx="8268970" cy="4864100"/>
-          </a:xfrm>
-        </p:spPr>
-      </p:pic>
-      <p:sp>
-        <p:nvSpPr>
-          <p:cNvPr id="4" name="Footer Placeholder 3"/>
-          <p:cNvSpPr>
-            <a:spLocks noGrp="1"/>
-          </p:cNvSpPr>
-          <p:nvPr>
-            <p:ph type="ftr" sz="quarter" idx="11"/>
-          </p:nvPr>
-        </p:nvSpPr>
-        <p:spPr/>
-        <p:txBody>
-          <a:bodyPr/>
-          <a:lstStyle/>
-          <a:p>
-            <a:pPr>
-              <a:defRPr/>
-            </a:pPr>
-            <a:r>
-              <a:rPr lang="en-US" smtClean="0"/>
-              <a:t>Learning Bayesian Networks for Complex Relational Data</a:t>
-            </a:r>
-            <a:endParaRPr lang="en-US" dirty="0"/>
-          </a:p>
-        </p:txBody>
-      </p:sp>
-    </p:spTree>
-    <p:extLst>
-      <p:ext uri="{BB962C8B-B14F-4D97-AF65-F5344CB8AC3E}">
-        <p14:creationId xmlns:p14="http://schemas.microsoft.com/office/powerpoint/2010/main" val="3131024873"/>
-      </p:ext>
-    </p:extLst>
-  </p:cSld>
-  <p:clrMapOvr>
-    <a:masterClrMapping/>
-  </p:clrMapOvr>
-</p:sld>
-</file>
-
-<file path=ppt/slides/slide30.xml><?xml version="1.0" encoding="utf-8"?>
+<file path=ppt/slides/slide32.xml><?xml version="1.0" encoding="utf-8"?>
 <p:sld xmlns:a="http://schemas.openxmlformats.org/drawingml/2006/main" xmlns:r="http://schemas.openxmlformats.org/officeDocument/2006/relationships" xmlns:p="http://schemas.openxmlformats.org/presentationml/2006/main">
   <p:cSld>
     <p:spTree>
@@ -16503,6 +17882,13 @@
   <p:clrMapOvr>
     <a:masterClrMapping/>
   </p:clrMapOvr>
+  <p:timing>
+    <p:tnLst>
+      <p:par>
+        <p:cTn xmlns:p14="http://schemas.microsoft.com/office/powerpoint/2010/main" id="1" dur="indefinite" restart="never" nodeType="tmRoot"/>
+      </p:par>
+    </p:tnLst>
+  </p:timing>
 </p:sld>
 </file>
 

--- a/ch2-fo-bayes-nets.pptx
+++ b/ch2-fo-bayes-nets.pptx
@@ -347,7 +347,7 @@
               <a:pPr>
                 <a:defRPr/>
               </a:pPr>
-              <a:t>16-11-08</a:t>
+              <a:t>2017-02-02</a:t>
             </a:fld>
             <a:endParaRPr lang="en-US"/>
           </a:p>
@@ -563,7 +563,7 @@
               <a:pPr>
                 <a:defRPr/>
               </a:pPr>
-              <a:t>16-11-08</a:t>
+              <a:t>2017-02-02</a:t>
             </a:fld>
             <a:endParaRPr lang="en-US"/>
           </a:p>
@@ -2328,6 +2328,25 @@
           <a:p>
             <a:r>
               <a:rPr lang="en-US" dirty="0" smtClean="0"/>
+              <a:t>* which</a:t>
+            </a:r>
+            <a:r>
+              <a:rPr lang="en-US" baseline="0" dirty="0" smtClean="0"/>
+              <a:t> database has that – </a:t>
+            </a:r>
+            <a:r>
+              <a:rPr lang="en-US" baseline="0" dirty="0" err="1" smtClean="0"/>
+              <a:t>Mondial</a:t>
+            </a:r>
+            <a:r>
+              <a:rPr lang="en-US" baseline="0" dirty="0" smtClean="0"/>
+              <a:t> Tutorial?</a:t>
+            </a:r>
+            <a:endParaRPr lang="en-US" dirty="0" smtClean="0"/>
+          </a:p>
+          <a:p>
+            <a:r>
+              <a:rPr lang="en-US" dirty="0" smtClean="0"/>
               <a:t>*make sure </a:t>
             </a:r>
             <a:r>
@@ -2337,6 +2356,16 @@
             <a:r>
               <a:rPr lang="en-US" baseline="0" dirty="0" smtClean="0"/>
               <a:t> runs correctly</a:t>
+            </a:r>
+          </a:p>
+          <a:p>
+            <a:r>
+              <a:rPr lang="en-US" baseline="0" dirty="0" smtClean="0"/>
+              <a:t>*</a:t>
+            </a:r>
+            <a:r>
+              <a:rPr lang="en-US" baseline="0" smtClean="0"/>
+              <a:t>fix website too</a:t>
             </a:r>
             <a:endParaRPr lang="en-US" dirty="0"/>
           </a:p>
@@ -4005,7 +4034,7 @@
               <a:pPr>
                 <a:defRPr/>
               </a:pPr>
-              <a:t>16-11-08</a:t>
+              <a:t>2017-02-02</a:t>
             </a:fld>
             <a:endParaRPr lang="en-US"/>
           </a:p>
@@ -4202,7 +4231,7 @@
               <a:pPr>
                 <a:defRPr/>
               </a:pPr>
-              <a:t>16-11-08</a:t>
+              <a:t>2017-02-02</a:t>
             </a:fld>
             <a:endParaRPr lang="en-US"/>
           </a:p>
@@ -4413,7 +4442,7 @@
               <a:pPr>
                 <a:defRPr/>
               </a:pPr>
-              <a:t>16-11-08</a:t>
+              <a:t>2017-02-02</a:t>
             </a:fld>
             <a:endParaRPr lang="en-US"/>
           </a:p>
@@ -4619,7 +4648,7 @@
               <a:pPr>
                 <a:defRPr/>
               </a:pPr>
-              <a:t>16-11-08</a:t>
+              <a:t>2017-02-02</a:t>
             </a:fld>
             <a:endParaRPr lang="en-US"/>
           </a:p>
@@ -5138,7 +5167,7 @@
               <a:pPr>
                 <a:defRPr/>
               </a:pPr>
-              <a:t>16-11-08</a:t>
+              <a:t>2017-02-02</a:t>
             </a:fld>
             <a:endParaRPr lang="en-US"/>
           </a:p>
@@ -5407,7 +5436,7 @@
               <a:pPr>
                 <a:defRPr/>
               </a:pPr>
-              <a:t>16-11-08</a:t>
+              <a:t>2017-02-02</a:t>
             </a:fld>
             <a:endParaRPr lang="en-US"/>
           </a:p>
@@ -5805,7 +5834,7 @@
               <a:pPr>
                 <a:defRPr/>
               </a:pPr>
-              <a:t>16-11-08</a:t>
+              <a:t>2017-02-02</a:t>
             </a:fld>
             <a:endParaRPr lang="en-US"/>
           </a:p>
@@ -5954,7 +5983,7 @@
               <a:pPr>
                 <a:defRPr/>
               </a:pPr>
-              <a:t>16-11-08</a:t>
+              <a:t>2017-02-02</a:t>
             </a:fld>
             <a:endParaRPr lang="en-US"/>
           </a:p>
@@ -6080,7 +6109,7 @@
               <a:pPr>
                 <a:defRPr/>
               </a:pPr>
-              <a:t>16-11-08</a:t>
+              <a:t>2017-02-02</a:t>
             </a:fld>
             <a:endParaRPr lang="en-US"/>
           </a:p>
@@ -6456,7 +6485,7 @@
               <a:pPr>
                 <a:defRPr/>
               </a:pPr>
-              <a:t>16-11-08</a:t>
+              <a:t>2017-02-02</a:t>
             </a:fld>
             <a:endParaRPr lang="en-US"/>
           </a:p>
@@ -6879,7 +6908,7 @@
               <a:pPr>
                 <a:defRPr/>
               </a:pPr>
-              <a:t>16-11-08</a:t>
+              <a:t>2017-02-02</a:t>
             </a:fld>
             <a:endParaRPr lang="en-US"/>
           </a:p>
@@ -7299,7 +7328,7 @@
               <a:pPr>
                 <a:defRPr/>
               </a:pPr>
-              <a:t>16-11-08</a:t>
+              <a:t>2017-02-02</a:t>
             </a:fld>
             <a:endParaRPr lang="en-US"/>
           </a:p>
@@ -11239,7 +11268,7 @@
         </p:nvSpPr>
         <p:spPr>
           <a:xfrm>
-            <a:off x="2463800" y="2185540"/>
+            <a:off x="2311400" y="2185540"/>
             <a:ext cx="6997700" cy="707886"/>
           </a:xfrm>
           <a:prstGeom prst="rect">
@@ -16605,7 +16634,7 @@
       </p:sp>
       <p:pic>
         <p:nvPicPr>
-          <p:cNvPr id="5" name="Content Placeholder 4" descr="bn-screenshot.pdf"/>
+          <p:cNvPr id="5" name="Content Placeholder 4"/>
           <p:cNvPicPr>
             <a:picLocks noGrp="1" noChangeAspect="1"/>
           </p:cNvPicPr>
@@ -16614,19 +16643,23 @@
           </p:nvPr>
         </p:nvPicPr>
         <p:blipFill>
-          <a:blip r:embed="rId3">
+          <a:blip r:link="rId3">
             <a:extLst>
               <a:ext uri="{28A0092B-C50C-407E-A947-70E740481C1C}">
                 <a14:useLocalDpi xmlns:a14="http://schemas.microsoft.com/office/drawing/2010/main" val="0"/>
               </a:ext>
             </a:extLst>
           </a:blip>
-          <a:srcRect t="573" b="573"/>
           <a:stretch>
             <a:fillRect/>
           </a:stretch>
         </p:blipFill>
-        <p:spPr/>
+        <p:spPr>
+          <a:xfrm>
+            <a:off x="914400" y="2161625"/>
+            <a:ext cx="7772400" cy="3144350"/>
+          </a:xfrm>
+        </p:spPr>
       </p:pic>
       <p:sp>
         <p:nvSpPr>
@@ -16750,7 +16783,7 @@
       </p:sp>
       <p:pic>
         <p:nvPicPr>
-          <p:cNvPr id="6" name="Content Placeholder 5" descr="query-screenshot.pdf"/>
+          <p:cNvPr id="6" name="Content Placeholder 5"/>
           <p:cNvPicPr>
             <a:picLocks noGrp="1" noChangeAspect="1"/>
           </p:cNvPicPr>
@@ -16759,19 +16792,23 @@
           </p:nvPr>
         </p:nvPicPr>
         <p:blipFill>
-          <a:blip r:embed="rId3">
+          <a:blip r:link="rId3">
             <a:extLst>
               <a:ext uri="{28A0092B-C50C-407E-A947-70E740481C1C}">
                 <a14:useLocalDpi xmlns:a14="http://schemas.microsoft.com/office/drawing/2010/main" val="0"/>
               </a:ext>
             </a:extLst>
           </a:blip>
-          <a:srcRect l="146" r="146"/>
           <a:stretch>
             <a:fillRect/>
           </a:stretch>
         </p:blipFill>
-        <p:spPr/>
+        <p:spPr>
+          <a:xfrm>
+            <a:off x="914400" y="1800699"/>
+            <a:ext cx="7772400" cy="3866202"/>
+          </a:xfrm>
+        </p:spPr>
       </p:pic>
     </p:spTree>
     <p:extLst>
@@ -16985,7 +17022,7 @@
             <p:ph sz="quarter" idx="1"/>
             <p:extLst>
               <p:ext uri="{D42A27DB-BD31-4B8C-83A1-F6EECF244321}">
-                <p14:modId xmlns:p14="http://schemas.microsoft.com/office/powerpoint/2010/main" val="3604625552"/>
+                <p14:modId xmlns:p14="http://schemas.microsoft.com/office/powerpoint/2010/main" val="3756913463"/>
               </p:ext>
             </p:extLst>
           </p:nvPr>
@@ -17001,8 +17038,8 @@
                 <a:tableStyleId>{D7AC3CCA-C797-4891-BE02-D94E43425B78}</a:tableStyleId>
               </a:tblPr>
               <a:tblGrid>
-                <a:gridCol w="5532101"/>
-                <a:gridCol w="2196435"/>
+                <a:gridCol w="5683097"/>
+                <a:gridCol w="2045439"/>
               </a:tblGrid>
               <a:tr h="82837">
                 <a:tc>
@@ -17038,7 +17075,7 @@
                         <a:rPr lang="is-IS" sz="2800" u="none" strike="noStrike" dirty="0">
                           <a:effectLst/>
                         </a:rPr>
-                        <a:t>124</a:t>
+                        <a:t>156</a:t>
                       </a:r>
                       <a:endParaRPr lang="is-IS" sz="2800" b="0" i="0" u="none" strike="noStrike" dirty="0">
                         <a:solidFill>
@@ -17086,7 +17123,7 @@
                         <a:rPr lang="tr-TR" sz="2800" u="none" strike="noStrike" dirty="0">
                           <a:effectLst/>
                         </a:rPr>
-                        <a:t>126</a:t>
+                        <a:t>166</a:t>
                       </a:r>
                       <a:endParaRPr lang="tr-TR" sz="2800" b="0" i="0" u="none" strike="noStrike" dirty="0">
                         <a:solidFill>
@@ -17114,10 +17151,16 @@
                         <a:t>P(continent(country1) = </a:t>
                       </a:r>
                       <a:r>
+                        <a:rPr lang="en-US" sz="2800" u="none" strike="noStrike" dirty="0" err="1" smtClean="0">
+                          <a:effectLst/>
+                        </a:rPr>
+                        <a:t>Europe|</a:t>
+                      </a:r>
+                      <a:r>
                         <a:rPr lang="en-US" sz="2800" u="none" strike="noStrike" dirty="0" err="1">
                           <a:effectLst/>
                         </a:rPr>
-                        <a:t>Eu|Borders</a:t>
+                        <a:t>Borders</a:t>
                       </a:r>
                       <a:r>
                         <a:rPr lang="en-US" sz="2800" u="none" strike="noStrike" dirty="0">
@@ -17126,10 +17169,21 @@
                         <a:t>(country1,country2) = </a:t>
                       </a:r>
                       <a:r>
-                        <a:rPr lang="en-US" sz="2800" u="none" strike="noStrike" dirty="0" err="1">
+                        <a:rPr lang="en-US" sz="2800" u="none" strike="noStrike" dirty="0" smtClean="0">
                           <a:effectLst/>
                         </a:rPr>
-                        <a:t>T,continent</a:t>
+                        <a:t>T,</a:t>
+                      </a:r>
+                      <a:br>
+                        <a:rPr lang="en-US" sz="2800" u="none" strike="noStrike" dirty="0" smtClean="0">
+                          <a:effectLst/>
+                        </a:rPr>
+                      </a:br>
+                      <a:r>
+                        <a:rPr lang="en-US" sz="2800" u="none" strike="noStrike" dirty="0" smtClean="0">
+                          <a:effectLst/>
+                        </a:rPr>
+                        <a:t>continent</a:t>
                       </a:r>
                       <a:r>
                         <a:rPr lang="en-US" sz="2800" u="none" strike="noStrike" dirty="0">
@@ -17138,16 +17192,16 @@
                         <a:t>(country2=</a:t>
                       </a:r>
                       <a:r>
-                        <a:rPr lang="en-US" sz="2800" u="none" strike="noStrike" dirty="0" err="1">
+                        <a:rPr lang="en-US" sz="2800" u="none" strike="noStrike" dirty="0" smtClean="0">
                           <a:effectLst/>
                         </a:rPr>
-                        <a:t>Eu</a:t>
+                        <a:t>Europe)</a:t>
                       </a:r>
                       <a:r>
                         <a:rPr lang="en-US" sz="2800" u="none" strike="noStrike" dirty="0">
                           <a:effectLst/>
                         </a:rPr>
-                        <a:t>))</a:t>
+                        <a:t>)</a:t>
                       </a:r>
                       <a:endParaRPr lang="en-US" sz="2800" b="0" i="0" u="none" strike="noStrike" dirty="0">
                         <a:solidFill>
@@ -17170,7 +17224,7 @@
                         <a:rPr lang="tr-TR" sz="2800" u="none" strike="noStrike" dirty="0" smtClean="0">
                           <a:effectLst/>
                         </a:rPr>
-                        <a:t>124/126=</a:t>
+                        <a:t>156/166=</a:t>
                       </a:r>
                     </a:p>
                     <a:p>
@@ -17179,7 +17233,7 @@
                         <a:rPr lang="tr-TR" sz="2800" u="none" strike="noStrike" dirty="0" smtClean="0">
                           <a:effectLst/>
                         </a:rPr>
-                        <a:t>98.41%</a:t>
+                        <a:t>93.98%</a:t>
                       </a:r>
                     </a:p>
                     <a:p>
@@ -17209,7 +17263,7 @@
         <p:spPr>
           <a:xfrm>
             <a:off x="387503" y="4705158"/>
-            <a:ext cx="4800735" cy="461665"/>
+            <a:ext cx="7994497" cy="830997"/>
           </a:xfrm>
           <a:prstGeom prst="rect">
             <a:avLst/>
@@ -17222,6 +17276,22 @@
           </a:bodyPr>
           <a:lstStyle/>
           <a:p>
+            <a:pPr marL="342900" indent="-342900">
+              <a:buFont typeface="Arial"/>
+              <a:buChar char="•"/>
+            </a:pPr>
+            <a:r>
+              <a:rPr lang="en-US" sz="2400" dirty="0" smtClean="0">
+                <a:latin typeface="+mn-lt"/>
+              </a:rPr>
+              <a:t>BN was learned with frequency smoothing (Laplace correction)</a:t>
+            </a:r>
+          </a:p>
+          <a:p>
+            <a:pPr marL="342900" indent="-342900">
+              <a:buFont typeface="Arial"/>
+              <a:buChar char="•"/>
+            </a:pPr>
             <a:r>
               <a:rPr lang="en-US" sz="2400" dirty="0" smtClean="0">
                 <a:latin typeface="+mn-lt"/>

--- a/ch2-fo-bayes-nets.pptx
+++ b/ch2-fo-bayes-nets.pptx
@@ -16524,7 +16524,7 @@
       </p:sp>
       <p:pic>
         <p:nvPicPr>
-          <p:cNvPr id="5" name="Content Placeholder 4" descr="eer-mondial.pdf"/>
+          <p:cNvPr id="5" name="Content Placeholder 4"/>
           <p:cNvPicPr>
             <a:picLocks noGrp="1" noChangeAspect="1"/>
           </p:cNvPicPr>
@@ -16533,19 +16533,23 @@
           </p:nvPr>
         </p:nvPicPr>
         <p:blipFill>
-          <a:blip r:embed="rId3">
+          <a:blip r:link="rId3">
             <a:extLst>
               <a:ext uri="{28A0092B-C50C-407E-A947-70E740481C1C}">
                 <a14:useLocalDpi xmlns:a14="http://schemas.microsoft.com/office/drawing/2010/main" val="0"/>
               </a:ext>
             </a:extLst>
           </a:blip>
-          <a:srcRect l="-42150" r="-42150"/>
           <a:stretch>
             <a:fillRect/>
           </a:stretch>
         </p:blipFill>
-        <p:spPr/>
+        <p:spPr>
+          <a:xfrm>
+            <a:off x="914400" y="2079031"/>
+            <a:ext cx="7772400" cy="3309538"/>
+          </a:xfrm>
+        </p:spPr>
       </p:pic>
       <p:sp>
         <p:nvSpPr>
@@ -16643,7 +16647,7 @@
           </p:nvPr>
         </p:nvPicPr>
         <p:blipFill>
-          <a:blip r:link="rId3">
+          <a:blip r:embed="rId3">
             <a:extLst>
               <a:ext uri="{28A0092B-C50C-407E-A947-70E740481C1C}">
                 <a14:useLocalDpi xmlns:a14="http://schemas.microsoft.com/office/drawing/2010/main" val="0"/>
@@ -16792,7 +16796,7 @@
           </p:nvPr>
         </p:nvPicPr>
         <p:blipFill>
-          <a:blip r:link="rId3">
+          <a:blip r:embed="rId3">
             <a:extLst>
               <a:ext uri="{28A0092B-C50C-407E-A947-70E740481C1C}">
                 <a14:useLocalDpi xmlns:a14="http://schemas.microsoft.com/office/drawing/2010/main" val="0"/>

--- a/ch2-fo-bayes-nets.pptx
+++ b/ch2-fo-bayes-nets.pptx
@@ -347,7 +347,7 @@
               <a:pPr>
                 <a:defRPr/>
               </a:pPr>
-              <a:t>2017-02-02</a:t>
+              <a:t>2017-02-04</a:t>
             </a:fld>
             <a:endParaRPr lang="en-US"/>
           </a:p>
@@ -563,7 +563,7 @@
               <a:pPr>
                 <a:defRPr/>
               </a:pPr>
-              <a:t>2017-02-02</a:t>
+              <a:t>2017-02-04</a:t>
             </a:fld>
             <a:endParaRPr lang="en-US"/>
           </a:p>
@@ -953,6 +953,17 @@
               <a:rPr lang="en-US" dirty="0" err="1" smtClean="0"/>
               <a:t>bayes</a:t>
             </a:r>
+            <a:endParaRPr lang="en-US" dirty="0" smtClean="0"/>
+          </a:p>
+          <a:p>
+            <a:r>
+              <a:rPr lang="en-US" dirty="0" smtClean="0"/>
+              <a:t>don’t need </a:t>
+            </a:r>
+            <a:r>
+              <a:rPr lang="en-US" smtClean="0"/>
+              <a:t>data access</a:t>
+            </a:r>
             <a:endParaRPr lang="en-US" dirty="0"/>
           </a:p>
         </p:txBody>
@@ -1679,18 +1690,6 @@
           <a:bodyPr/>
           <a:lstStyle/>
           <a:p>
-            <a:r>
-              <a:rPr lang="en-US" dirty="0" err="1" smtClean="0"/>
-              <a:t>todo</a:t>
-            </a:r>
-            <a:r>
-              <a:rPr lang="en-US" dirty="0" smtClean="0"/>
-              <a:t>: make</a:t>
-            </a:r>
-            <a:r>
-              <a:rPr lang="en-US" baseline="0" dirty="0" smtClean="0"/>
-              <a:t> EER diagram with 3 relationships</a:t>
-            </a:r>
             <a:endParaRPr lang="en-US" dirty="0"/>
           </a:p>
         </p:txBody>
@@ -1801,21 +1800,13 @@
             </a:r>
             <a:r>
               <a:rPr lang="en-US" baseline="0" dirty="0" smtClean="0"/>
-              <a:t> with link analysis on</a:t>
-            </a:r>
-          </a:p>
-          <a:p>
+              <a:t> with link analysis </a:t>
+            </a:r>
             <a:r>
               <a:rPr lang="en-US" baseline="0" dirty="0" smtClean="0"/>
-              <a:t>*rename columns to generate IMDB EER diagram with 3 relationships</a:t>
-            </a:r>
-          </a:p>
-          <a:p>
-            <a:r>
-              <a:rPr lang="en-US" baseline="0" dirty="0" smtClean="0"/>
-              <a:t>*upload to Prague dataset</a:t>
-            </a:r>
-            <a:endParaRPr lang="en-US" dirty="0"/>
+              <a:t>on</a:t>
+            </a:r>
+            <a:endParaRPr lang="en-US" baseline="0" dirty="0" smtClean="0"/>
           </a:p>
         </p:txBody>
       </p:sp>
@@ -2010,13 +2001,6 @@
           <a:lstStyle/>
           <a:p>
             <a:endParaRPr lang="en-US" dirty="0" smtClean="0"/>
-          </a:p>
-          <a:p>
-            <a:r>
-              <a:rPr lang="en-US" baseline="0" dirty="0" smtClean="0"/>
-              <a:t>put pictures and xml files on-line</a:t>
-            </a:r>
-            <a:endParaRPr lang="en-US" dirty="0"/>
           </a:p>
         </p:txBody>
       </p:sp>
@@ -4034,7 +4018,7 @@
               <a:pPr>
                 <a:defRPr/>
               </a:pPr>
-              <a:t>2017-02-02</a:t>
+              <a:t>2017-02-04</a:t>
             </a:fld>
             <a:endParaRPr lang="en-US"/>
           </a:p>
@@ -4231,7 +4215,7 @@
               <a:pPr>
                 <a:defRPr/>
               </a:pPr>
-              <a:t>2017-02-02</a:t>
+              <a:t>2017-02-04</a:t>
             </a:fld>
             <a:endParaRPr lang="en-US"/>
           </a:p>
@@ -4442,7 +4426,7 @@
               <a:pPr>
                 <a:defRPr/>
               </a:pPr>
-              <a:t>2017-02-02</a:t>
+              <a:t>2017-02-04</a:t>
             </a:fld>
             <a:endParaRPr lang="en-US"/>
           </a:p>
@@ -4648,7 +4632,7 @@
               <a:pPr>
                 <a:defRPr/>
               </a:pPr>
-              <a:t>2017-02-02</a:t>
+              <a:t>2017-02-04</a:t>
             </a:fld>
             <a:endParaRPr lang="en-US"/>
           </a:p>
@@ -5167,7 +5151,7 @@
               <a:pPr>
                 <a:defRPr/>
               </a:pPr>
-              <a:t>2017-02-02</a:t>
+              <a:t>2017-02-04</a:t>
             </a:fld>
             <a:endParaRPr lang="en-US"/>
           </a:p>
@@ -5436,7 +5420,7 @@
               <a:pPr>
                 <a:defRPr/>
               </a:pPr>
-              <a:t>2017-02-02</a:t>
+              <a:t>2017-02-04</a:t>
             </a:fld>
             <a:endParaRPr lang="en-US"/>
           </a:p>
@@ -5834,7 +5818,7 @@
               <a:pPr>
                 <a:defRPr/>
               </a:pPr>
-              <a:t>2017-02-02</a:t>
+              <a:t>2017-02-04</a:t>
             </a:fld>
             <a:endParaRPr lang="en-US"/>
           </a:p>
@@ -5983,7 +5967,7 @@
               <a:pPr>
                 <a:defRPr/>
               </a:pPr>
-              <a:t>2017-02-02</a:t>
+              <a:t>2017-02-04</a:t>
             </a:fld>
             <a:endParaRPr lang="en-US"/>
           </a:p>
@@ -6109,7 +6093,7 @@
               <a:pPr>
                 <a:defRPr/>
               </a:pPr>
-              <a:t>2017-02-02</a:t>
+              <a:t>2017-02-04</a:t>
             </a:fld>
             <a:endParaRPr lang="en-US"/>
           </a:p>
@@ -6485,7 +6469,7 @@
               <a:pPr>
                 <a:defRPr/>
               </a:pPr>
-              <a:t>2017-02-02</a:t>
+              <a:t>2017-02-04</a:t>
             </a:fld>
             <a:endParaRPr lang="en-US"/>
           </a:p>
@@ -6908,7 +6892,7 @@
               <a:pPr>
                 <a:defRPr/>
               </a:pPr>
-              <a:t>2017-02-02</a:t>
+              <a:t>2017-02-04</a:t>
             </a:fld>
             <a:endParaRPr lang="en-US"/>
           </a:p>
@@ -7328,7 +7312,7 @@
               <a:pPr>
                 <a:defRPr/>
               </a:pPr>
-              <a:t>2017-02-02</a:t>
+              <a:t>2017-02-04</a:t>
             </a:fld>
             <a:endParaRPr lang="en-US"/>
           </a:p>
@@ -9186,6 +9170,13 @@
   <p:clrMapOvr>
     <a:masterClrMapping/>
   </p:clrMapOvr>
+  <p:timing>
+    <p:tnLst>
+      <p:par>
+        <p:cTn xmlns:p14="http://schemas.microsoft.com/office/powerpoint/2010/main" id="1" dur="indefinite" restart="never" nodeType="tmRoot"/>
+      </p:par>
+    </p:tnLst>
+  </p:timing>
 </p:sld>
 </file>
 
@@ -15338,6 +15329,13 @@
   <p:clrMapOvr>
     <a:masterClrMapping/>
   </p:clrMapOvr>
+  <p:timing>
+    <p:tnLst>
+      <p:par>
+        <p:cTn xmlns:p14="http://schemas.microsoft.com/office/powerpoint/2010/main" id="1" dur="indefinite" restart="never" nodeType="tmRoot"/>
+      </p:par>
+    </p:tnLst>
+  </p:timing>
 </p:sld>
 </file>
 
@@ -15406,9 +15404,40 @@
           </a:p>
         </p:txBody>
       </p:sp>
+      <p:sp>
+        <p:nvSpPr>
+          <p:cNvPr id="8" name="TextBox 7"/>
+          <p:cNvSpPr txBox="1"/>
+          <p:nvPr/>
+        </p:nvSpPr>
+        <p:spPr>
+          <a:xfrm>
+            <a:off x="1091608" y="1698002"/>
+            <a:ext cx="3524538" cy="400110"/>
+          </a:xfrm>
+          <a:prstGeom prst="rect">
+            <a:avLst/>
+          </a:prstGeom>
+          <a:noFill/>
+        </p:spPr>
+        <p:txBody>
+          <a:bodyPr wrap="square" rtlCol="0">
+            <a:spAutoFit/>
+          </a:bodyPr>
+          <a:lstStyle/>
+          <a:p>
+            <a:r>
+              <a:rPr lang="en-US" sz="2000" dirty="0">
+                <a:latin typeface="+mn-lt"/>
+              </a:rPr>
+              <a:t>data with two relationships</a:t>
+            </a:r>
+          </a:p>
+        </p:txBody>
+      </p:sp>
       <p:pic>
         <p:nvPicPr>
-          <p:cNvPr id="7" name="Content Placeholder 6" descr="eer-imdb_2r.pdf"/>
+          <p:cNvPr id="5" name="Content Placeholder 4" descr="eer-imdb_2r.pdf"/>
           <p:cNvPicPr>
             <a:picLocks noGrp="1" noChangeAspect="1"/>
           </p:cNvPicPr>
@@ -15431,37 +15460,6 @@
         </p:blipFill>
         <p:spPr/>
       </p:pic>
-      <p:sp>
-        <p:nvSpPr>
-          <p:cNvPr id="8" name="TextBox 7"/>
-          <p:cNvSpPr txBox="1"/>
-          <p:nvPr/>
-        </p:nvSpPr>
-        <p:spPr>
-          <a:xfrm>
-            <a:off x="1091608" y="1698002"/>
-            <a:ext cx="3524538" cy="400110"/>
-          </a:xfrm>
-          <a:prstGeom prst="rect">
-            <a:avLst/>
-          </a:prstGeom>
-          <a:noFill/>
-        </p:spPr>
-        <p:txBody>
-          <a:bodyPr wrap="square" rtlCol="0">
-            <a:spAutoFit/>
-          </a:bodyPr>
-          <a:lstStyle/>
-          <a:p>
-            <a:r>
-              <a:rPr lang="en-US" sz="2000" dirty="0">
-                <a:latin typeface="+mn-lt"/>
-              </a:rPr>
-              <a:t>data with two relationships</a:t>
-            </a:r>
-          </a:p>
-        </p:txBody>
-      </p:sp>
     </p:spTree>
     <p:extLst>
       <p:ext uri="{BB962C8B-B14F-4D97-AF65-F5344CB8AC3E}">
@@ -15588,6 +15586,13 @@
   <p:clrMapOvr>
     <a:masterClrMapping/>
   </p:clrMapOvr>
+  <p:timing>
+    <p:tnLst>
+      <p:par>
+        <p:cTn xmlns:p14="http://schemas.microsoft.com/office/powerpoint/2010/main" id="1" dur="indefinite" restart="never" nodeType="tmRoot"/>
+      </p:par>
+    </p:tnLst>
+  </p:timing>
 </p:sld>
 </file>
 
@@ -16533,7 +16538,7 @@
           </p:nvPr>
         </p:nvPicPr>
         <p:blipFill>
-          <a:blip r:link="rId3">
+          <a:blip r:embed="rId3">
             <a:extLst>
               <a:ext uri="{28A0092B-C50C-407E-A947-70E740481C1C}">
                 <a14:useLocalDpi xmlns:a14="http://schemas.microsoft.com/office/drawing/2010/main" val="0"/>
@@ -17772,14 +17777,24 @@
             </a:br>
             <a:r>
               <a:rPr lang="en-US" sz="2800" dirty="0" smtClean="0"/>
-              <a:t>number of possible instantiations.</a:t>
-            </a:r>
-          </a:p>
-          <a:p>
+              <a:t>number of possible </a:t>
+            </a:r>
             <a:r>
               <a:rPr lang="en-US" sz="2800" dirty="0" smtClean="0"/>
-              <a:t>First-order Bayesian networks represent frequencies of conjunctive formulas very well.</a:t>
-            </a:r>
+              <a:t>instantiations</a:t>
+            </a:r>
+            <a:endParaRPr lang="en-US" sz="2800" dirty="0" smtClean="0"/>
+          </a:p>
+          <a:p>
+            <a:r>
+              <a:rPr lang="en-US" sz="2800" dirty="0" smtClean="0"/>
+              <a:t>First-order Bayesian networks represent frequencies of conjunctive formulas very </a:t>
+            </a:r>
+            <a:r>
+              <a:rPr lang="en-US" sz="2800" dirty="0" smtClean="0"/>
+              <a:t>well</a:t>
+            </a:r>
+            <a:endParaRPr lang="en-US" sz="2800" dirty="0" smtClean="0"/>
           </a:p>
           <a:p>
             <a:pPr lvl="1"/>
